--- a/Presentation.pptx
+++ b/Presentation.pptx
@@ -118,6 +118,22 @@
       </a:defRPr>
     </a:lvl9pPr>
   </p:defaultTextStyle>
+  <p:extLst>
+    <p:ext uri="{EFAFB233-063F-42B5-8137-9DF3F51BA10A}">
+      <p15:sldGuideLst xmlns:p15="http://schemas.microsoft.com/office/powerpoint/2012/main">
+        <p15:guide id="1" orient="horz" pos="2160">
+          <p15:clr>
+            <a:srgbClr val="A4A3A4"/>
+          </p15:clr>
+        </p15:guide>
+        <p15:guide id="2" pos="2880">
+          <p15:clr>
+            <a:srgbClr val="A4A3A4"/>
+          </p15:clr>
+        </p15:guide>
+      </p15:sldGuideLst>
+    </p:ext>
+  </p:extLst>
 </p:presentation>
 </file>
 
@@ -302,7 +318,7 @@
           <a:p>
             <a:fld id="{5A66AF80-B104-49B0-AE6F-8E381139FF3B}" type="datetimeFigureOut">
               <a:rPr lang="en-US" smtClean="0"/>
-              <a:t>11/25/2015</a:t>
+              <a:t>11/26/2015</a:t>
             </a:fld>
             <a:endParaRPr lang="en-US"/>
           </a:p>
@@ -472,7 +488,7 @@
           <a:p>
             <a:fld id="{5A66AF80-B104-49B0-AE6F-8E381139FF3B}" type="datetimeFigureOut">
               <a:rPr lang="en-US" smtClean="0"/>
-              <a:t>11/25/2015</a:t>
+              <a:t>11/26/2015</a:t>
             </a:fld>
             <a:endParaRPr lang="en-US"/>
           </a:p>
@@ -652,7 +668,7 @@
           <a:p>
             <a:fld id="{5A66AF80-B104-49B0-AE6F-8E381139FF3B}" type="datetimeFigureOut">
               <a:rPr lang="en-US" smtClean="0"/>
-              <a:t>11/25/2015</a:t>
+              <a:t>11/26/2015</a:t>
             </a:fld>
             <a:endParaRPr lang="en-US"/>
           </a:p>
@@ -822,7 +838,7 @@
           <a:p>
             <a:fld id="{5A66AF80-B104-49B0-AE6F-8E381139FF3B}" type="datetimeFigureOut">
               <a:rPr lang="en-US" smtClean="0"/>
-              <a:t>11/25/2015</a:t>
+              <a:t>11/26/2015</a:t>
             </a:fld>
             <a:endParaRPr lang="en-US"/>
           </a:p>
@@ -1068,7 +1084,7 @@
           <a:p>
             <a:fld id="{5A66AF80-B104-49B0-AE6F-8E381139FF3B}" type="datetimeFigureOut">
               <a:rPr lang="en-US" smtClean="0"/>
-              <a:t>11/25/2015</a:t>
+              <a:t>11/26/2015</a:t>
             </a:fld>
             <a:endParaRPr lang="en-US"/>
           </a:p>
@@ -1356,7 +1372,7 @@
           <a:p>
             <a:fld id="{5A66AF80-B104-49B0-AE6F-8E381139FF3B}" type="datetimeFigureOut">
               <a:rPr lang="en-US" smtClean="0"/>
-              <a:t>11/25/2015</a:t>
+              <a:t>11/26/2015</a:t>
             </a:fld>
             <a:endParaRPr lang="en-US"/>
           </a:p>
@@ -1778,7 +1794,7 @@
           <a:p>
             <a:fld id="{5A66AF80-B104-49B0-AE6F-8E381139FF3B}" type="datetimeFigureOut">
               <a:rPr lang="en-US" smtClean="0"/>
-              <a:t>11/25/2015</a:t>
+              <a:t>11/26/2015</a:t>
             </a:fld>
             <a:endParaRPr lang="en-US"/>
           </a:p>
@@ -1896,7 +1912,7 @@
           <a:p>
             <a:fld id="{5A66AF80-B104-49B0-AE6F-8E381139FF3B}" type="datetimeFigureOut">
               <a:rPr lang="en-US" smtClean="0"/>
-              <a:t>11/25/2015</a:t>
+              <a:t>11/26/2015</a:t>
             </a:fld>
             <a:endParaRPr lang="en-US"/>
           </a:p>
@@ -1991,7 +2007,7 @@
           <a:p>
             <a:fld id="{5A66AF80-B104-49B0-AE6F-8E381139FF3B}" type="datetimeFigureOut">
               <a:rPr lang="en-US" smtClean="0"/>
-              <a:t>11/25/2015</a:t>
+              <a:t>11/26/2015</a:t>
             </a:fld>
             <a:endParaRPr lang="en-US"/>
           </a:p>
@@ -2268,7 +2284,7 @@
           <a:p>
             <a:fld id="{5A66AF80-B104-49B0-AE6F-8E381139FF3B}" type="datetimeFigureOut">
               <a:rPr lang="en-US" smtClean="0"/>
-              <a:t>11/25/2015</a:t>
+              <a:t>11/26/2015</a:t>
             </a:fld>
             <a:endParaRPr lang="en-US"/>
           </a:p>
@@ -2521,7 +2537,7 @@
           <a:p>
             <a:fld id="{5A66AF80-B104-49B0-AE6F-8E381139FF3B}" type="datetimeFigureOut">
               <a:rPr lang="en-US" smtClean="0"/>
-              <a:t>11/25/2015</a:t>
+              <a:t>11/26/2015</a:t>
             </a:fld>
             <a:endParaRPr lang="en-US"/>
           </a:p>
@@ -2734,7 +2750,7 @@
           <a:p>
             <a:fld id="{5A66AF80-B104-49B0-AE6F-8E381139FF3B}" type="datetimeFigureOut">
               <a:rPr lang="en-US" smtClean="0"/>
-              <a:t>11/25/2015</a:t>
+              <a:t>11/26/2015</a:t>
             </a:fld>
             <a:endParaRPr lang="en-US"/>
           </a:p>
@@ -4029,9 +4045,13 @@
             <a:pPr algn="l"/>
             <a:r>
               <a:rPr lang="en-US" dirty="0" smtClean="0"/>
-              <a:t>a</a:t>
-            </a:r>
-            <a:endParaRPr lang="en-US" dirty="0"/>
+              <a:t>Straight utility function doesn’t work. Need to modify for </a:t>
+            </a:r>
+            <a:r>
+              <a:rPr lang="en-US" smtClean="0"/>
+              <a:t>winning moves.</a:t>
+            </a:r>
+            <a:endParaRPr lang="en-US" smtClean="0"/>
           </a:p>
         </p:txBody>
       </p:sp>

--- a/Presentation.pptx
+++ b/Presentation.pptx
@@ -318,7 +318,7 @@
           <a:p>
             <a:fld id="{5A66AF80-B104-49B0-AE6F-8E381139FF3B}" type="datetimeFigureOut">
               <a:rPr lang="en-US" smtClean="0"/>
-              <a:t>11/26/2015</a:t>
+              <a:t>11/27/2015</a:t>
             </a:fld>
             <a:endParaRPr lang="en-US"/>
           </a:p>
@@ -488,7 +488,7 @@
           <a:p>
             <a:fld id="{5A66AF80-B104-49B0-AE6F-8E381139FF3B}" type="datetimeFigureOut">
               <a:rPr lang="en-US" smtClean="0"/>
-              <a:t>11/26/2015</a:t>
+              <a:t>11/27/2015</a:t>
             </a:fld>
             <a:endParaRPr lang="en-US"/>
           </a:p>
@@ -668,7 +668,7 @@
           <a:p>
             <a:fld id="{5A66AF80-B104-49B0-AE6F-8E381139FF3B}" type="datetimeFigureOut">
               <a:rPr lang="en-US" smtClean="0"/>
-              <a:t>11/26/2015</a:t>
+              <a:t>11/27/2015</a:t>
             </a:fld>
             <a:endParaRPr lang="en-US"/>
           </a:p>
@@ -838,7 +838,7 @@
           <a:p>
             <a:fld id="{5A66AF80-B104-49B0-AE6F-8E381139FF3B}" type="datetimeFigureOut">
               <a:rPr lang="en-US" smtClean="0"/>
-              <a:t>11/26/2015</a:t>
+              <a:t>11/27/2015</a:t>
             </a:fld>
             <a:endParaRPr lang="en-US"/>
           </a:p>
@@ -1084,7 +1084,7 @@
           <a:p>
             <a:fld id="{5A66AF80-B104-49B0-AE6F-8E381139FF3B}" type="datetimeFigureOut">
               <a:rPr lang="en-US" smtClean="0"/>
-              <a:t>11/26/2015</a:t>
+              <a:t>11/27/2015</a:t>
             </a:fld>
             <a:endParaRPr lang="en-US"/>
           </a:p>
@@ -1372,7 +1372,7 @@
           <a:p>
             <a:fld id="{5A66AF80-B104-49B0-AE6F-8E381139FF3B}" type="datetimeFigureOut">
               <a:rPr lang="en-US" smtClean="0"/>
-              <a:t>11/26/2015</a:t>
+              <a:t>11/27/2015</a:t>
             </a:fld>
             <a:endParaRPr lang="en-US"/>
           </a:p>
@@ -1794,7 +1794,7 @@
           <a:p>
             <a:fld id="{5A66AF80-B104-49B0-AE6F-8E381139FF3B}" type="datetimeFigureOut">
               <a:rPr lang="en-US" smtClean="0"/>
-              <a:t>11/26/2015</a:t>
+              <a:t>11/27/2015</a:t>
             </a:fld>
             <a:endParaRPr lang="en-US"/>
           </a:p>
@@ -1912,7 +1912,7 @@
           <a:p>
             <a:fld id="{5A66AF80-B104-49B0-AE6F-8E381139FF3B}" type="datetimeFigureOut">
               <a:rPr lang="en-US" smtClean="0"/>
-              <a:t>11/26/2015</a:t>
+              <a:t>11/27/2015</a:t>
             </a:fld>
             <a:endParaRPr lang="en-US"/>
           </a:p>
@@ -2007,7 +2007,7 @@
           <a:p>
             <a:fld id="{5A66AF80-B104-49B0-AE6F-8E381139FF3B}" type="datetimeFigureOut">
               <a:rPr lang="en-US" smtClean="0"/>
-              <a:t>11/26/2015</a:t>
+              <a:t>11/27/2015</a:t>
             </a:fld>
             <a:endParaRPr lang="en-US"/>
           </a:p>
@@ -2284,7 +2284,7 @@
           <a:p>
             <a:fld id="{5A66AF80-B104-49B0-AE6F-8E381139FF3B}" type="datetimeFigureOut">
               <a:rPr lang="en-US" smtClean="0"/>
-              <a:t>11/26/2015</a:t>
+              <a:t>11/27/2015</a:t>
             </a:fld>
             <a:endParaRPr lang="en-US"/>
           </a:p>
@@ -2537,7 +2537,7 @@
           <a:p>
             <a:fld id="{5A66AF80-B104-49B0-AE6F-8E381139FF3B}" type="datetimeFigureOut">
               <a:rPr lang="en-US" smtClean="0"/>
-              <a:t>11/26/2015</a:t>
+              <a:t>11/27/2015</a:t>
             </a:fld>
             <a:endParaRPr lang="en-US"/>
           </a:p>
@@ -2750,7 +2750,7 @@
           <a:p>
             <a:fld id="{5A66AF80-B104-49B0-AE6F-8E381139FF3B}" type="datetimeFigureOut">
               <a:rPr lang="en-US" smtClean="0"/>
-              <a:t>11/26/2015</a:t>
+              <a:t>11/27/2015</a:t>
             </a:fld>
             <a:endParaRPr lang="en-US"/>
           </a:p>
@@ -3952,15 +3952,81 @@
           </a:xfrm>
         </p:spPr>
         <p:txBody>
-          <a:bodyPr/>
+          <a:bodyPr>
+            <a:normAutofit/>
+          </a:bodyPr>
           <a:lstStyle/>
           <a:p>
             <a:pPr algn="l"/>
             <a:r>
-              <a:rPr lang="en-US" dirty="0" smtClean="0"/>
-              <a:t>a</a:t>
-            </a:r>
-            <a:endParaRPr lang="en-US" dirty="0"/>
+              <a:rPr lang="en-US" sz="2400" dirty="0" smtClean="0"/>
+              <a:t>Strategic game</a:t>
+            </a:r>
+          </a:p>
+          <a:p>
+            <a:pPr marL="342900" indent="-342900" algn="l">
+              <a:buFont typeface="Arial" panose="020B0604020202020204" pitchFamily="34" charset="0"/>
+              <a:buChar char="•"/>
+            </a:pPr>
+            <a:r>
+              <a:rPr lang="en-US" sz="2400" dirty="0" smtClean="0"/>
+              <a:t>Adversary in Game</a:t>
+            </a:r>
+          </a:p>
+          <a:p>
+            <a:pPr marL="342900" indent="-342900" algn="l">
+              <a:buFont typeface="Arial" panose="020B0604020202020204" pitchFamily="34" charset="0"/>
+              <a:buChar char="•"/>
+            </a:pPr>
+            <a:r>
+              <a:rPr lang="en-US" sz="2400" dirty="0" smtClean="0"/>
+              <a:t>Ideal moves may be blocked</a:t>
+            </a:r>
+          </a:p>
+          <a:p>
+            <a:pPr algn="l"/>
+            <a:r>
+              <a:rPr lang="en-US" sz="2400" dirty="0" smtClean="0"/>
+              <a:t>Very large branching factor of moves</a:t>
+            </a:r>
+          </a:p>
+          <a:p>
+            <a:pPr marL="342900" indent="-342900" algn="l">
+              <a:buFont typeface="Arial" panose="020B0604020202020204" pitchFamily="34" charset="0"/>
+              <a:buChar char="•"/>
+            </a:pPr>
+            <a:r>
+              <a:rPr lang="en-US" sz="2400" dirty="0" smtClean="0"/>
+              <a:t>Board size of 64</a:t>
+            </a:r>
+          </a:p>
+          <a:p>
+            <a:pPr marL="342900" indent="-342900" algn="l">
+              <a:buFont typeface="Arial" panose="020B0604020202020204" pitchFamily="34" charset="0"/>
+              <a:buChar char="•"/>
+            </a:pPr>
+            <a:r>
+              <a:rPr lang="en-US" sz="2400" dirty="0" smtClean="0"/>
+              <a:t>Not all moves will contribute anything</a:t>
+            </a:r>
+          </a:p>
+          <a:p>
+            <a:pPr algn="l"/>
+            <a:r>
+              <a:rPr lang="en-US" sz="2400" dirty="0" smtClean="0"/>
+              <a:t>Good moves are deep, need to plan ahead</a:t>
+            </a:r>
+          </a:p>
+          <a:p>
+            <a:pPr marL="342900" indent="-342900" algn="l">
+              <a:buFont typeface="Arial" panose="020B0604020202020204" pitchFamily="34" charset="0"/>
+              <a:buChar char="•"/>
+            </a:pPr>
+            <a:r>
+              <a:rPr lang="en-US" sz="2400" dirty="0" smtClean="0"/>
+              <a:t>Because of nature of the game, obvious winning moves are easy to block. AI needs to plan ahead</a:t>
+            </a:r>
+            <a:endParaRPr lang="en-US" sz="2400" dirty="0"/>
           </a:p>
         </p:txBody>
       </p:sp>
@@ -4039,22 +4105,1792 @@
           </a:xfrm>
         </p:spPr>
         <p:txBody>
-          <a:bodyPr/>
+          <a:bodyPr>
+            <a:normAutofit/>
+          </a:bodyPr>
           <a:lstStyle/>
           <a:p>
             <a:pPr algn="l"/>
             <a:r>
-              <a:rPr lang="en-US" dirty="0" smtClean="0"/>
-              <a:t>Straight utility function doesn’t work. Need to modify for </a:t>
-            </a:r>
-            <a:r>
-              <a:rPr lang="en-US" smtClean="0"/>
-              <a:t>winning moves.</a:t>
-            </a:r>
-            <a:endParaRPr lang="en-US" smtClean="0"/>
-          </a:p>
-        </p:txBody>
-      </p:sp>
+              <a:rPr lang="en-US" sz="2000" dirty="0" smtClean="0"/>
+              <a:t>Utility function</a:t>
+            </a:r>
+          </a:p>
+          <a:p>
+            <a:pPr marL="342900" indent="-342900" algn="l">
+              <a:buFont typeface="Arial" panose="020B0604020202020204" pitchFamily="34" charset="0"/>
+              <a:buChar char="•"/>
+            </a:pPr>
+            <a:r>
+              <a:rPr lang="en-US" sz="2000" dirty="0" smtClean="0"/>
+              <a:t>Tiles next to existing moves are more ideal</a:t>
+            </a:r>
+          </a:p>
+          <a:p>
+            <a:pPr marL="342900" indent="-342900" algn="l">
+              <a:buFont typeface="Arial" panose="020B0604020202020204" pitchFamily="34" charset="0"/>
+              <a:buChar char="•"/>
+            </a:pPr>
+            <a:r>
+              <a:rPr lang="en-US" sz="2000" dirty="0" smtClean="0"/>
+              <a:t>A tile’s value increases the more tiles are in the vicinity</a:t>
+            </a:r>
+          </a:p>
+          <a:p>
+            <a:pPr marL="800100" lvl="1" indent="-342900" algn="l">
+              <a:buFont typeface="Arial" panose="020B0604020202020204" pitchFamily="34" charset="0"/>
+              <a:buChar char="•"/>
+            </a:pPr>
+            <a:r>
+              <a:rPr lang="en-US" sz="1600" dirty="0" smtClean="0"/>
+              <a:t>Need to chain tiles together to win</a:t>
+            </a:r>
+          </a:p>
+          <a:p>
+            <a:pPr marL="800100" lvl="1" indent="-342900" algn="l">
+              <a:buFont typeface="Arial" panose="020B0604020202020204" pitchFamily="34" charset="0"/>
+              <a:buChar char="•"/>
+            </a:pPr>
+            <a:endParaRPr lang="en-US" sz="1600" dirty="0"/>
+          </a:p>
+          <a:p>
+            <a:pPr marL="800100" lvl="1" indent="-342900" algn="l">
+              <a:buFont typeface="Arial" panose="020B0604020202020204" pitchFamily="34" charset="0"/>
+              <a:buChar char="•"/>
+            </a:pPr>
+            <a:endParaRPr lang="en-US" sz="1600" dirty="0" smtClean="0"/>
+          </a:p>
+          <a:p>
+            <a:pPr marL="800100" lvl="1" indent="-342900" algn="l">
+              <a:buFont typeface="Arial" panose="020B0604020202020204" pitchFamily="34" charset="0"/>
+              <a:buChar char="•"/>
+            </a:pPr>
+            <a:endParaRPr lang="en-US" sz="1600" dirty="0" smtClean="0"/>
+          </a:p>
+          <a:p>
+            <a:pPr algn="l"/>
+            <a:r>
+              <a:rPr lang="en-US" sz="2000" dirty="0" smtClean="0"/>
+              <a:t>However</a:t>
+            </a:r>
+          </a:p>
+          <a:p>
+            <a:pPr marL="342900" indent="-342900" algn="l">
+              <a:buFont typeface="Arial" panose="020B0604020202020204" pitchFamily="34" charset="0"/>
+              <a:buChar char="•"/>
+            </a:pPr>
+            <a:r>
+              <a:rPr lang="en-US" sz="2000" dirty="0" smtClean="0"/>
+              <a:t>Straight </a:t>
+            </a:r>
+            <a:r>
+              <a:rPr lang="en-US" sz="2000" dirty="0" smtClean="0"/>
+              <a:t>utility function </a:t>
+            </a:r>
+            <a:r>
+              <a:rPr lang="en-US" sz="2000" dirty="0" smtClean="0"/>
+              <a:t>not completely ideal. Winning moves need to have a higher value so that these moves are committed to first.</a:t>
+            </a:r>
+            <a:endParaRPr lang="en-US" sz="2000" dirty="0" smtClean="0"/>
+          </a:p>
+        </p:txBody>
+      </p:sp>
+      <p:graphicFrame>
+        <p:nvGraphicFramePr>
+          <p:cNvPr id="5" name="Table 4"/>
+          <p:cNvGraphicFramePr>
+            <a:graphicFrameLocks noGrp="1"/>
+          </p:cNvGraphicFramePr>
+          <p:nvPr>
+            <p:extLst>
+              <p:ext uri="{D42A27DB-BD31-4B8C-83A1-F6EECF244321}">
+                <p14:modId xmlns:p14="http://schemas.microsoft.com/office/powerpoint/2010/main" val="1871807999"/>
+              </p:ext>
+            </p:extLst>
+          </p:nvPr>
+        </p:nvGraphicFramePr>
+        <p:xfrm>
+          <a:off x="1219200" y="2917825"/>
+          <a:ext cx="1257300" cy="762000"/>
+        </p:xfrm>
+        <a:graphic>
+          <a:graphicData uri="http://schemas.openxmlformats.org/drawingml/2006/table">
+            <a:tbl>
+              <a:tblPr>
+                <a:tableStyleId>{5C22544A-7EE6-4342-B048-85BDC9FD1C3A}</a:tableStyleId>
+              </a:tblPr>
+              <a:tblGrid>
+                <a:gridCol w="139700"/>
+                <a:gridCol w="139700"/>
+                <a:gridCol w="139700"/>
+                <a:gridCol w="139700"/>
+                <a:gridCol w="139700"/>
+                <a:gridCol w="139700"/>
+                <a:gridCol w="139700"/>
+                <a:gridCol w="139700"/>
+                <a:gridCol w="139700"/>
+              </a:tblGrid>
+              <a:tr h="190500">
+                <a:tc>
+                  <a:txBody>
+                    <a:bodyPr/>
+                    <a:lstStyle/>
+                    <a:p>
+                      <a:pPr algn="l" fontAlgn="b"/>
+                      <a:r>
+                        <a:rPr lang="en-US" sz="1100" u="none" strike="noStrike">
+                          <a:effectLst/>
+                        </a:rPr>
+                        <a:t> </a:t>
+                      </a:r>
+                      <a:endParaRPr lang="en-US" sz="1100" b="0" i="0" u="none" strike="noStrike">
+                        <a:solidFill>
+                          <a:srgbClr val="000000"/>
+                        </a:solidFill>
+                        <a:effectLst/>
+                        <a:latin typeface="Calibri" panose="020F0502020204030204" pitchFamily="34" charset="0"/>
+                      </a:endParaRPr>
+                    </a:p>
+                  </a:txBody>
+                  <a:tcPr marL="9525" marR="9525" marT="9525" marB="0" anchor="b"/>
+                </a:tc>
+                <a:tc>
+                  <a:txBody>
+                    <a:bodyPr/>
+                    <a:lstStyle/>
+                    <a:p>
+                      <a:pPr algn="l" fontAlgn="b"/>
+                      <a:r>
+                        <a:rPr lang="en-US" sz="1100" u="none" strike="noStrike">
+                          <a:effectLst/>
+                        </a:rPr>
+                        <a:t> </a:t>
+                      </a:r>
+                      <a:endParaRPr lang="en-US" sz="1100" b="0" i="0" u="none" strike="noStrike">
+                        <a:solidFill>
+                          <a:srgbClr val="000000"/>
+                        </a:solidFill>
+                        <a:effectLst/>
+                        <a:latin typeface="Calibri" panose="020F0502020204030204" pitchFamily="34" charset="0"/>
+                      </a:endParaRPr>
+                    </a:p>
+                  </a:txBody>
+                  <a:tcPr marL="9525" marR="9525" marT="9525" marB="0" anchor="b"/>
+                </a:tc>
+                <a:tc>
+                  <a:txBody>
+                    <a:bodyPr/>
+                    <a:lstStyle/>
+                    <a:p>
+                      <a:pPr algn="l" fontAlgn="b"/>
+                      <a:r>
+                        <a:rPr lang="en-US" sz="1100" u="none" strike="noStrike">
+                          <a:effectLst/>
+                        </a:rPr>
+                        <a:t> </a:t>
+                      </a:r>
+                      <a:endParaRPr lang="en-US" sz="1100" b="0" i="0" u="none" strike="noStrike">
+                        <a:solidFill>
+                          <a:srgbClr val="000000"/>
+                        </a:solidFill>
+                        <a:effectLst/>
+                        <a:latin typeface="Calibri" panose="020F0502020204030204" pitchFamily="34" charset="0"/>
+                      </a:endParaRPr>
+                    </a:p>
+                  </a:txBody>
+                  <a:tcPr marL="9525" marR="9525" marT="9525" marB="0" anchor="b"/>
+                </a:tc>
+                <a:tc>
+                  <a:txBody>
+                    <a:bodyPr/>
+                    <a:lstStyle/>
+                    <a:p>
+                      <a:pPr algn="l" fontAlgn="b"/>
+                      <a:r>
+                        <a:rPr lang="en-US" sz="1100" u="none" strike="noStrike">
+                          <a:effectLst/>
+                        </a:rPr>
+                        <a:t> </a:t>
+                      </a:r>
+                      <a:endParaRPr lang="en-US" sz="1100" b="0" i="0" u="none" strike="noStrike">
+                        <a:solidFill>
+                          <a:srgbClr val="000000"/>
+                        </a:solidFill>
+                        <a:effectLst/>
+                        <a:latin typeface="Calibri" panose="020F0502020204030204" pitchFamily="34" charset="0"/>
+                      </a:endParaRPr>
+                    </a:p>
+                  </a:txBody>
+                  <a:tcPr marL="9525" marR="9525" marT="9525" marB="0" anchor="b"/>
+                </a:tc>
+                <a:tc>
+                  <a:txBody>
+                    <a:bodyPr/>
+                    <a:lstStyle/>
+                    <a:p>
+                      <a:pPr algn="l" fontAlgn="b"/>
+                      <a:endParaRPr lang="en-US" sz="1100" b="0" i="0" u="none" strike="noStrike">
+                        <a:solidFill>
+                          <a:srgbClr val="000000"/>
+                        </a:solidFill>
+                        <a:effectLst/>
+                        <a:latin typeface="Calibri" panose="020F0502020204030204" pitchFamily="34" charset="0"/>
+                      </a:endParaRPr>
+                    </a:p>
+                  </a:txBody>
+                  <a:tcPr marL="9525" marR="9525" marT="9525" marB="0" anchor="b"/>
+                </a:tc>
+                <a:tc>
+                  <a:txBody>
+                    <a:bodyPr/>
+                    <a:lstStyle/>
+                    <a:p>
+                      <a:pPr algn="r" fontAlgn="b"/>
+                      <a:r>
+                        <a:rPr lang="en-US" sz="1100" u="none" strike="noStrike">
+                          <a:effectLst/>
+                        </a:rPr>
+                        <a:t>1</a:t>
+                      </a:r>
+                      <a:endParaRPr lang="en-US" sz="1100" b="0" i="0" u="none" strike="noStrike">
+                        <a:solidFill>
+                          <a:srgbClr val="000000"/>
+                        </a:solidFill>
+                        <a:effectLst/>
+                        <a:latin typeface="Calibri" panose="020F0502020204030204" pitchFamily="34" charset="0"/>
+                      </a:endParaRPr>
+                    </a:p>
+                  </a:txBody>
+                  <a:tcPr marL="9525" marR="9525" marT="9525" marB="0" anchor="b"/>
+                </a:tc>
+                <a:tc>
+                  <a:txBody>
+                    <a:bodyPr/>
+                    <a:lstStyle/>
+                    <a:p>
+                      <a:pPr algn="r" fontAlgn="b"/>
+                      <a:r>
+                        <a:rPr lang="en-US" sz="1100" u="none" strike="noStrike">
+                          <a:effectLst/>
+                        </a:rPr>
+                        <a:t>1</a:t>
+                      </a:r>
+                      <a:endParaRPr lang="en-US" sz="1100" b="0" i="0" u="none" strike="noStrike">
+                        <a:solidFill>
+                          <a:srgbClr val="000000"/>
+                        </a:solidFill>
+                        <a:effectLst/>
+                        <a:latin typeface="Calibri" panose="020F0502020204030204" pitchFamily="34" charset="0"/>
+                      </a:endParaRPr>
+                    </a:p>
+                  </a:txBody>
+                  <a:tcPr marL="9525" marR="9525" marT="9525" marB="0" anchor="b"/>
+                </a:tc>
+                <a:tc>
+                  <a:txBody>
+                    <a:bodyPr/>
+                    <a:lstStyle/>
+                    <a:p>
+                      <a:pPr algn="r" fontAlgn="b"/>
+                      <a:r>
+                        <a:rPr lang="en-US" sz="1100" u="none" strike="noStrike">
+                          <a:effectLst/>
+                        </a:rPr>
+                        <a:t>1</a:t>
+                      </a:r>
+                      <a:endParaRPr lang="en-US" sz="1100" b="0" i="0" u="none" strike="noStrike">
+                        <a:solidFill>
+                          <a:srgbClr val="000000"/>
+                        </a:solidFill>
+                        <a:effectLst/>
+                        <a:latin typeface="Calibri" panose="020F0502020204030204" pitchFamily="34" charset="0"/>
+                      </a:endParaRPr>
+                    </a:p>
+                  </a:txBody>
+                  <a:tcPr marL="9525" marR="9525" marT="9525" marB="0" anchor="b"/>
+                </a:tc>
+                <a:tc>
+                  <a:txBody>
+                    <a:bodyPr/>
+                    <a:lstStyle/>
+                    <a:p>
+                      <a:pPr algn="l" fontAlgn="b"/>
+                      <a:r>
+                        <a:rPr lang="en-US" sz="1100" u="none" strike="noStrike">
+                          <a:effectLst/>
+                        </a:rPr>
+                        <a:t> </a:t>
+                      </a:r>
+                      <a:endParaRPr lang="en-US" sz="1100" b="0" i="0" u="none" strike="noStrike">
+                        <a:solidFill>
+                          <a:srgbClr val="000000"/>
+                        </a:solidFill>
+                        <a:effectLst/>
+                        <a:latin typeface="Calibri" panose="020F0502020204030204" pitchFamily="34" charset="0"/>
+                      </a:endParaRPr>
+                    </a:p>
+                  </a:txBody>
+                  <a:tcPr marL="9525" marR="9525" marT="9525" marB="0" anchor="b"/>
+                </a:tc>
+              </a:tr>
+              <a:tr h="190500">
+                <a:tc>
+                  <a:txBody>
+                    <a:bodyPr/>
+                    <a:lstStyle/>
+                    <a:p>
+                      <a:pPr algn="l" fontAlgn="b"/>
+                      <a:r>
+                        <a:rPr lang="en-US" sz="1100" u="none" strike="noStrike">
+                          <a:effectLst/>
+                        </a:rPr>
+                        <a:t> </a:t>
+                      </a:r>
+                      <a:endParaRPr lang="en-US" sz="1100" b="0" i="0" u="none" strike="noStrike">
+                        <a:solidFill>
+                          <a:srgbClr val="000000"/>
+                        </a:solidFill>
+                        <a:effectLst/>
+                        <a:latin typeface="Calibri" panose="020F0502020204030204" pitchFamily="34" charset="0"/>
+                      </a:endParaRPr>
+                    </a:p>
+                  </a:txBody>
+                  <a:tcPr marL="9525" marR="9525" marT="9525" marB="0" anchor="b"/>
+                </a:tc>
+                <a:tc>
+                  <a:txBody>
+                    <a:bodyPr/>
+                    <a:lstStyle/>
+                    <a:p>
+                      <a:pPr algn="l" fontAlgn="b"/>
+                      <a:r>
+                        <a:rPr lang="en-US" sz="1100" u="none" strike="noStrike">
+                          <a:effectLst/>
+                        </a:rPr>
+                        <a:t>X</a:t>
+                      </a:r>
+                      <a:endParaRPr lang="en-US" sz="1100" b="0" i="0" u="none" strike="noStrike">
+                        <a:solidFill>
+                          <a:srgbClr val="000000"/>
+                        </a:solidFill>
+                        <a:effectLst/>
+                        <a:latin typeface="Calibri" panose="020F0502020204030204" pitchFamily="34" charset="0"/>
+                      </a:endParaRPr>
+                    </a:p>
+                  </a:txBody>
+                  <a:tcPr marL="9525" marR="9525" marT="9525" marB="0" anchor="b"/>
+                </a:tc>
+                <a:tc>
+                  <a:txBody>
+                    <a:bodyPr/>
+                    <a:lstStyle/>
+                    <a:p>
+                      <a:pPr algn="l" fontAlgn="b"/>
+                      <a:r>
+                        <a:rPr lang="en-US" sz="1100" u="none" strike="noStrike">
+                          <a:effectLst/>
+                        </a:rPr>
+                        <a:t> </a:t>
+                      </a:r>
+                      <a:endParaRPr lang="en-US" sz="1100" b="0" i="0" u="none" strike="noStrike">
+                        <a:solidFill>
+                          <a:srgbClr val="000000"/>
+                        </a:solidFill>
+                        <a:effectLst/>
+                        <a:latin typeface="Calibri" panose="020F0502020204030204" pitchFamily="34" charset="0"/>
+                      </a:endParaRPr>
+                    </a:p>
+                  </a:txBody>
+                  <a:tcPr marL="9525" marR="9525" marT="9525" marB="0" anchor="b"/>
+                </a:tc>
+                <a:tc>
+                  <a:txBody>
+                    <a:bodyPr/>
+                    <a:lstStyle/>
+                    <a:p>
+                      <a:pPr algn="l" fontAlgn="b"/>
+                      <a:r>
+                        <a:rPr lang="en-US" sz="1100" u="none" strike="noStrike">
+                          <a:effectLst/>
+                        </a:rPr>
+                        <a:t> </a:t>
+                      </a:r>
+                      <a:endParaRPr lang="en-US" sz="1100" b="0" i="0" u="none" strike="noStrike">
+                        <a:solidFill>
+                          <a:srgbClr val="000000"/>
+                        </a:solidFill>
+                        <a:effectLst/>
+                        <a:latin typeface="Calibri" panose="020F0502020204030204" pitchFamily="34" charset="0"/>
+                      </a:endParaRPr>
+                    </a:p>
+                  </a:txBody>
+                  <a:tcPr marL="9525" marR="9525" marT="9525" marB="0" anchor="b"/>
+                </a:tc>
+                <a:tc>
+                  <a:txBody>
+                    <a:bodyPr/>
+                    <a:lstStyle/>
+                    <a:p>
+                      <a:pPr algn="l" fontAlgn="b"/>
+                      <a:endParaRPr lang="en-US" sz="1100" b="0" i="0" u="none" strike="noStrike">
+                        <a:solidFill>
+                          <a:srgbClr val="000000"/>
+                        </a:solidFill>
+                        <a:effectLst/>
+                        <a:latin typeface="Calibri" panose="020F0502020204030204" pitchFamily="34" charset="0"/>
+                      </a:endParaRPr>
+                    </a:p>
+                  </a:txBody>
+                  <a:tcPr marL="9525" marR="9525" marT="9525" marB="0" anchor="b"/>
+                </a:tc>
+                <a:tc>
+                  <a:txBody>
+                    <a:bodyPr/>
+                    <a:lstStyle/>
+                    <a:p>
+                      <a:pPr algn="r" fontAlgn="b"/>
+                      <a:r>
+                        <a:rPr lang="en-US" sz="1100" u="none" strike="noStrike">
+                          <a:effectLst/>
+                        </a:rPr>
+                        <a:t>1</a:t>
+                      </a:r>
+                      <a:endParaRPr lang="en-US" sz="1100" b="0" i="0" u="none" strike="noStrike">
+                        <a:solidFill>
+                          <a:srgbClr val="000000"/>
+                        </a:solidFill>
+                        <a:effectLst/>
+                        <a:latin typeface="Calibri" panose="020F0502020204030204" pitchFamily="34" charset="0"/>
+                      </a:endParaRPr>
+                    </a:p>
+                  </a:txBody>
+                  <a:tcPr marL="9525" marR="9525" marT="9525" marB="0" anchor="b"/>
+                </a:tc>
+                <a:tc>
+                  <a:txBody>
+                    <a:bodyPr/>
+                    <a:lstStyle/>
+                    <a:p>
+                      <a:pPr algn="l" fontAlgn="b"/>
+                      <a:r>
+                        <a:rPr lang="en-US" sz="1100" u="none" strike="noStrike">
+                          <a:effectLst/>
+                        </a:rPr>
+                        <a:t>X</a:t>
+                      </a:r>
+                      <a:endParaRPr lang="en-US" sz="1100" b="0" i="0" u="none" strike="noStrike">
+                        <a:solidFill>
+                          <a:srgbClr val="000000"/>
+                        </a:solidFill>
+                        <a:effectLst/>
+                        <a:latin typeface="Calibri" panose="020F0502020204030204" pitchFamily="34" charset="0"/>
+                      </a:endParaRPr>
+                    </a:p>
+                  </a:txBody>
+                  <a:tcPr marL="9525" marR="9525" marT="9525" marB="0" anchor="b"/>
+                </a:tc>
+                <a:tc>
+                  <a:txBody>
+                    <a:bodyPr/>
+                    <a:lstStyle/>
+                    <a:p>
+                      <a:pPr algn="r" fontAlgn="b"/>
+                      <a:r>
+                        <a:rPr lang="en-US" sz="1100" u="none" strike="noStrike">
+                          <a:effectLst/>
+                        </a:rPr>
+                        <a:t>1</a:t>
+                      </a:r>
+                      <a:endParaRPr lang="en-US" sz="1100" b="0" i="0" u="none" strike="noStrike">
+                        <a:solidFill>
+                          <a:srgbClr val="000000"/>
+                        </a:solidFill>
+                        <a:effectLst/>
+                        <a:latin typeface="Calibri" panose="020F0502020204030204" pitchFamily="34" charset="0"/>
+                      </a:endParaRPr>
+                    </a:p>
+                  </a:txBody>
+                  <a:tcPr marL="9525" marR="9525" marT="9525" marB="0" anchor="b"/>
+                </a:tc>
+                <a:tc>
+                  <a:txBody>
+                    <a:bodyPr/>
+                    <a:lstStyle/>
+                    <a:p>
+                      <a:pPr algn="r" fontAlgn="b"/>
+                      <a:r>
+                        <a:rPr lang="en-US" sz="1100" u="none" strike="noStrike">
+                          <a:effectLst/>
+                        </a:rPr>
+                        <a:t>1</a:t>
+                      </a:r>
+                      <a:endParaRPr lang="en-US" sz="1100" b="0" i="0" u="none" strike="noStrike">
+                        <a:solidFill>
+                          <a:srgbClr val="000000"/>
+                        </a:solidFill>
+                        <a:effectLst/>
+                        <a:latin typeface="Calibri" panose="020F0502020204030204" pitchFamily="34" charset="0"/>
+                      </a:endParaRPr>
+                    </a:p>
+                  </a:txBody>
+                  <a:tcPr marL="9525" marR="9525" marT="9525" marB="0" anchor="b"/>
+                </a:tc>
+              </a:tr>
+              <a:tr h="190500">
+                <a:tc>
+                  <a:txBody>
+                    <a:bodyPr/>
+                    <a:lstStyle/>
+                    <a:p>
+                      <a:pPr algn="l" fontAlgn="b"/>
+                      <a:r>
+                        <a:rPr lang="en-US" sz="1100" u="none" strike="noStrike">
+                          <a:effectLst/>
+                        </a:rPr>
+                        <a:t> </a:t>
+                      </a:r>
+                      <a:endParaRPr lang="en-US" sz="1100" b="0" i="0" u="none" strike="noStrike">
+                        <a:solidFill>
+                          <a:srgbClr val="000000"/>
+                        </a:solidFill>
+                        <a:effectLst/>
+                        <a:latin typeface="Calibri" panose="020F0502020204030204" pitchFamily="34" charset="0"/>
+                      </a:endParaRPr>
+                    </a:p>
+                  </a:txBody>
+                  <a:tcPr marL="9525" marR="9525" marT="9525" marB="0" anchor="b"/>
+                </a:tc>
+                <a:tc>
+                  <a:txBody>
+                    <a:bodyPr/>
+                    <a:lstStyle/>
+                    <a:p>
+                      <a:pPr algn="l" fontAlgn="b"/>
+                      <a:r>
+                        <a:rPr lang="en-US" sz="1100" u="none" strike="noStrike">
+                          <a:effectLst/>
+                        </a:rPr>
+                        <a:t> </a:t>
+                      </a:r>
+                      <a:endParaRPr lang="en-US" sz="1100" b="0" i="0" u="none" strike="noStrike">
+                        <a:solidFill>
+                          <a:srgbClr val="000000"/>
+                        </a:solidFill>
+                        <a:effectLst/>
+                        <a:latin typeface="Calibri" panose="020F0502020204030204" pitchFamily="34" charset="0"/>
+                      </a:endParaRPr>
+                    </a:p>
+                  </a:txBody>
+                  <a:tcPr marL="9525" marR="9525" marT="9525" marB="0" anchor="b"/>
+                </a:tc>
+                <a:tc>
+                  <a:txBody>
+                    <a:bodyPr/>
+                    <a:lstStyle/>
+                    <a:p>
+                      <a:pPr algn="l" fontAlgn="b"/>
+                      <a:r>
+                        <a:rPr lang="en-US" sz="1100" u="none" strike="noStrike">
+                          <a:effectLst/>
+                        </a:rPr>
+                        <a:t> </a:t>
+                      </a:r>
+                      <a:endParaRPr lang="en-US" sz="1100" b="0" i="0" u="none" strike="noStrike">
+                        <a:solidFill>
+                          <a:srgbClr val="000000"/>
+                        </a:solidFill>
+                        <a:effectLst/>
+                        <a:latin typeface="Calibri" panose="020F0502020204030204" pitchFamily="34" charset="0"/>
+                      </a:endParaRPr>
+                    </a:p>
+                  </a:txBody>
+                  <a:tcPr marL="9525" marR="9525" marT="9525" marB="0" anchor="b"/>
+                </a:tc>
+                <a:tc>
+                  <a:txBody>
+                    <a:bodyPr/>
+                    <a:lstStyle/>
+                    <a:p>
+                      <a:pPr algn="l" fontAlgn="b"/>
+                      <a:r>
+                        <a:rPr lang="en-US" sz="1100" u="none" strike="noStrike">
+                          <a:effectLst/>
+                        </a:rPr>
+                        <a:t> </a:t>
+                      </a:r>
+                      <a:endParaRPr lang="en-US" sz="1100" b="0" i="0" u="none" strike="noStrike">
+                        <a:solidFill>
+                          <a:srgbClr val="000000"/>
+                        </a:solidFill>
+                        <a:effectLst/>
+                        <a:latin typeface="Calibri" panose="020F0502020204030204" pitchFamily="34" charset="0"/>
+                      </a:endParaRPr>
+                    </a:p>
+                  </a:txBody>
+                  <a:tcPr marL="9525" marR="9525" marT="9525" marB="0" anchor="b"/>
+                </a:tc>
+                <a:tc>
+                  <a:txBody>
+                    <a:bodyPr/>
+                    <a:lstStyle/>
+                    <a:p>
+                      <a:pPr algn="l" fontAlgn="b"/>
+                      <a:endParaRPr lang="en-US" sz="1100" b="0" i="0" u="none" strike="noStrike">
+                        <a:solidFill>
+                          <a:srgbClr val="000000"/>
+                        </a:solidFill>
+                        <a:effectLst/>
+                        <a:latin typeface="Calibri" panose="020F0502020204030204" pitchFamily="34" charset="0"/>
+                      </a:endParaRPr>
+                    </a:p>
+                  </a:txBody>
+                  <a:tcPr marL="9525" marR="9525" marT="9525" marB="0" anchor="b"/>
+                </a:tc>
+                <a:tc>
+                  <a:txBody>
+                    <a:bodyPr/>
+                    <a:lstStyle/>
+                    <a:p>
+                      <a:pPr algn="r" fontAlgn="b"/>
+                      <a:r>
+                        <a:rPr lang="en-US" sz="1100" u="none" strike="noStrike">
+                          <a:effectLst/>
+                        </a:rPr>
+                        <a:t>1</a:t>
+                      </a:r>
+                      <a:endParaRPr lang="en-US" sz="1100" b="0" i="0" u="none" strike="noStrike">
+                        <a:solidFill>
+                          <a:srgbClr val="000000"/>
+                        </a:solidFill>
+                        <a:effectLst/>
+                        <a:latin typeface="Calibri" panose="020F0502020204030204" pitchFamily="34" charset="0"/>
+                      </a:endParaRPr>
+                    </a:p>
+                  </a:txBody>
+                  <a:tcPr marL="9525" marR="9525" marT="9525" marB="0" anchor="b"/>
+                </a:tc>
+                <a:tc>
+                  <a:txBody>
+                    <a:bodyPr/>
+                    <a:lstStyle/>
+                    <a:p>
+                      <a:pPr algn="r" fontAlgn="b"/>
+                      <a:r>
+                        <a:rPr lang="en-US" sz="1100" u="none" strike="noStrike">
+                          <a:effectLst/>
+                        </a:rPr>
+                        <a:t>1</a:t>
+                      </a:r>
+                      <a:endParaRPr lang="en-US" sz="1100" b="0" i="0" u="none" strike="noStrike">
+                        <a:solidFill>
+                          <a:srgbClr val="000000"/>
+                        </a:solidFill>
+                        <a:effectLst/>
+                        <a:latin typeface="Calibri" panose="020F0502020204030204" pitchFamily="34" charset="0"/>
+                      </a:endParaRPr>
+                    </a:p>
+                  </a:txBody>
+                  <a:tcPr marL="9525" marR="9525" marT="9525" marB="0" anchor="b"/>
+                </a:tc>
+                <a:tc>
+                  <a:txBody>
+                    <a:bodyPr/>
+                    <a:lstStyle/>
+                    <a:p>
+                      <a:pPr algn="r" fontAlgn="b"/>
+                      <a:r>
+                        <a:rPr lang="en-US" sz="1100" u="none" strike="noStrike">
+                          <a:effectLst/>
+                        </a:rPr>
+                        <a:t>1</a:t>
+                      </a:r>
+                      <a:endParaRPr lang="en-US" sz="1100" b="0" i="0" u="none" strike="noStrike">
+                        <a:solidFill>
+                          <a:srgbClr val="000000"/>
+                        </a:solidFill>
+                        <a:effectLst/>
+                        <a:latin typeface="Calibri" panose="020F0502020204030204" pitchFamily="34" charset="0"/>
+                      </a:endParaRPr>
+                    </a:p>
+                  </a:txBody>
+                  <a:tcPr marL="9525" marR="9525" marT="9525" marB="0" anchor="b"/>
+                </a:tc>
+                <a:tc>
+                  <a:txBody>
+                    <a:bodyPr/>
+                    <a:lstStyle/>
+                    <a:p>
+                      <a:pPr algn="l" fontAlgn="b"/>
+                      <a:r>
+                        <a:rPr lang="en-US" sz="1100" u="none" strike="noStrike">
+                          <a:effectLst/>
+                        </a:rPr>
+                        <a:t> </a:t>
+                      </a:r>
+                      <a:endParaRPr lang="en-US" sz="1100" b="0" i="0" u="none" strike="noStrike">
+                        <a:solidFill>
+                          <a:srgbClr val="000000"/>
+                        </a:solidFill>
+                        <a:effectLst/>
+                        <a:latin typeface="Calibri" panose="020F0502020204030204" pitchFamily="34" charset="0"/>
+                      </a:endParaRPr>
+                    </a:p>
+                  </a:txBody>
+                  <a:tcPr marL="9525" marR="9525" marT="9525" marB="0" anchor="b"/>
+                </a:tc>
+              </a:tr>
+              <a:tr h="190500">
+                <a:tc>
+                  <a:txBody>
+                    <a:bodyPr/>
+                    <a:lstStyle/>
+                    <a:p>
+                      <a:pPr algn="l" fontAlgn="b"/>
+                      <a:r>
+                        <a:rPr lang="en-US" sz="1100" u="none" strike="noStrike">
+                          <a:effectLst/>
+                        </a:rPr>
+                        <a:t> </a:t>
+                      </a:r>
+                      <a:endParaRPr lang="en-US" sz="1100" b="0" i="0" u="none" strike="noStrike">
+                        <a:solidFill>
+                          <a:srgbClr val="000000"/>
+                        </a:solidFill>
+                        <a:effectLst/>
+                        <a:latin typeface="Calibri" panose="020F0502020204030204" pitchFamily="34" charset="0"/>
+                      </a:endParaRPr>
+                    </a:p>
+                  </a:txBody>
+                  <a:tcPr marL="9525" marR="9525" marT="9525" marB="0" anchor="b"/>
+                </a:tc>
+                <a:tc>
+                  <a:txBody>
+                    <a:bodyPr/>
+                    <a:lstStyle/>
+                    <a:p>
+                      <a:pPr algn="l" fontAlgn="b"/>
+                      <a:r>
+                        <a:rPr lang="en-US" sz="1100" u="none" strike="noStrike">
+                          <a:effectLst/>
+                        </a:rPr>
+                        <a:t> </a:t>
+                      </a:r>
+                      <a:endParaRPr lang="en-US" sz="1100" b="0" i="0" u="none" strike="noStrike">
+                        <a:solidFill>
+                          <a:srgbClr val="000000"/>
+                        </a:solidFill>
+                        <a:effectLst/>
+                        <a:latin typeface="Calibri" panose="020F0502020204030204" pitchFamily="34" charset="0"/>
+                      </a:endParaRPr>
+                    </a:p>
+                  </a:txBody>
+                  <a:tcPr marL="9525" marR="9525" marT="9525" marB="0" anchor="b"/>
+                </a:tc>
+                <a:tc>
+                  <a:txBody>
+                    <a:bodyPr/>
+                    <a:lstStyle/>
+                    <a:p>
+                      <a:pPr algn="l" fontAlgn="b"/>
+                      <a:r>
+                        <a:rPr lang="en-US" sz="1100" u="none" strike="noStrike">
+                          <a:effectLst/>
+                        </a:rPr>
+                        <a:t> </a:t>
+                      </a:r>
+                      <a:endParaRPr lang="en-US" sz="1100" b="0" i="0" u="none" strike="noStrike">
+                        <a:solidFill>
+                          <a:srgbClr val="000000"/>
+                        </a:solidFill>
+                        <a:effectLst/>
+                        <a:latin typeface="Calibri" panose="020F0502020204030204" pitchFamily="34" charset="0"/>
+                      </a:endParaRPr>
+                    </a:p>
+                  </a:txBody>
+                  <a:tcPr marL="9525" marR="9525" marT="9525" marB="0" anchor="b"/>
+                </a:tc>
+                <a:tc>
+                  <a:txBody>
+                    <a:bodyPr/>
+                    <a:lstStyle/>
+                    <a:p>
+                      <a:pPr algn="l" fontAlgn="b"/>
+                      <a:r>
+                        <a:rPr lang="en-US" sz="1100" u="none" strike="noStrike">
+                          <a:effectLst/>
+                        </a:rPr>
+                        <a:t> </a:t>
+                      </a:r>
+                      <a:endParaRPr lang="en-US" sz="1100" b="0" i="0" u="none" strike="noStrike">
+                        <a:solidFill>
+                          <a:srgbClr val="000000"/>
+                        </a:solidFill>
+                        <a:effectLst/>
+                        <a:latin typeface="Calibri" panose="020F0502020204030204" pitchFamily="34" charset="0"/>
+                      </a:endParaRPr>
+                    </a:p>
+                  </a:txBody>
+                  <a:tcPr marL="9525" marR="9525" marT="9525" marB="0" anchor="b"/>
+                </a:tc>
+                <a:tc>
+                  <a:txBody>
+                    <a:bodyPr/>
+                    <a:lstStyle/>
+                    <a:p>
+                      <a:pPr algn="l" fontAlgn="b"/>
+                      <a:endParaRPr lang="en-US" sz="1100" b="0" i="0" u="none" strike="noStrike">
+                        <a:solidFill>
+                          <a:srgbClr val="000000"/>
+                        </a:solidFill>
+                        <a:effectLst/>
+                        <a:latin typeface="Calibri" panose="020F0502020204030204" pitchFamily="34" charset="0"/>
+                      </a:endParaRPr>
+                    </a:p>
+                  </a:txBody>
+                  <a:tcPr marL="9525" marR="9525" marT="9525" marB="0" anchor="b"/>
+                </a:tc>
+                <a:tc>
+                  <a:txBody>
+                    <a:bodyPr/>
+                    <a:lstStyle/>
+                    <a:p>
+                      <a:pPr algn="l" fontAlgn="b"/>
+                      <a:r>
+                        <a:rPr lang="en-US" sz="1100" u="none" strike="noStrike">
+                          <a:effectLst/>
+                        </a:rPr>
+                        <a:t> </a:t>
+                      </a:r>
+                      <a:endParaRPr lang="en-US" sz="1100" b="0" i="0" u="none" strike="noStrike">
+                        <a:solidFill>
+                          <a:srgbClr val="000000"/>
+                        </a:solidFill>
+                        <a:effectLst/>
+                        <a:latin typeface="Calibri" panose="020F0502020204030204" pitchFamily="34" charset="0"/>
+                      </a:endParaRPr>
+                    </a:p>
+                  </a:txBody>
+                  <a:tcPr marL="9525" marR="9525" marT="9525" marB="0" anchor="b"/>
+                </a:tc>
+                <a:tc>
+                  <a:txBody>
+                    <a:bodyPr/>
+                    <a:lstStyle/>
+                    <a:p>
+                      <a:pPr algn="r" fontAlgn="b"/>
+                      <a:r>
+                        <a:rPr lang="en-US" sz="1100" u="none" strike="noStrike">
+                          <a:effectLst/>
+                        </a:rPr>
+                        <a:t>1</a:t>
+                      </a:r>
+                      <a:endParaRPr lang="en-US" sz="1100" b="0" i="0" u="none" strike="noStrike">
+                        <a:solidFill>
+                          <a:srgbClr val="000000"/>
+                        </a:solidFill>
+                        <a:effectLst/>
+                        <a:latin typeface="Calibri" panose="020F0502020204030204" pitchFamily="34" charset="0"/>
+                      </a:endParaRPr>
+                    </a:p>
+                  </a:txBody>
+                  <a:tcPr marL="9525" marR="9525" marT="9525" marB="0" anchor="b"/>
+                </a:tc>
+                <a:tc>
+                  <a:txBody>
+                    <a:bodyPr/>
+                    <a:lstStyle/>
+                    <a:p>
+                      <a:pPr algn="l" fontAlgn="b"/>
+                      <a:r>
+                        <a:rPr lang="en-US" sz="1100" u="none" strike="noStrike">
+                          <a:effectLst/>
+                        </a:rPr>
+                        <a:t> </a:t>
+                      </a:r>
+                      <a:endParaRPr lang="en-US" sz="1100" b="0" i="0" u="none" strike="noStrike">
+                        <a:solidFill>
+                          <a:srgbClr val="000000"/>
+                        </a:solidFill>
+                        <a:effectLst/>
+                        <a:latin typeface="Calibri" panose="020F0502020204030204" pitchFamily="34" charset="0"/>
+                      </a:endParaRPr>
+                    </a:p>
+                  </a:txBody>
+                  <a:tcPr marL="9525" marR="9525" marT="9525" marB="0" anchor="b"/>
+                </a:tc>
+                <a:tc>
+                  <a:txBody>
+                    <a:bodyPr/>
+                    <a:lstStyle/>
+                    <a:p>
+                      <a:pPr algn="r" fontAlgn="b"/>
+                      <a:r>
+                        <a:rPr lang="en-US" sz="1100" u="none" strike="noStrike" dirty="0">
+                          <a:effectLst/>
+                        </a:rPr>
+                        <a:t>1</a:t>
+                      </a:r>
+                      <a:endParaRPr lang="en-US" sz="1100" b="0" i="0" u="none" strike="noStrike" dirty="0">
+                        <a:solidFill>
+                          <a:srgbClr val="000000"/>
+                        </a:solidFill>
+                        <a:effectLst/>
+                        <a:latin typeface="Calibri" panose="020F0502020204030204" pitchFamily="34" charset="0"/>
+                      </a:endParaRPr>
+                    </a:p>
+                  </a:txBody>
+                  <a:tcPr marL="9525" marR="9525" marT="9525" marB="0" anchor="b"/>
+                </a:tc>
+              </a:tr>
+            </a:tbl>
+          </a:graphicData>
+        </a:graphic>
+      </p:graphicFrame>
+      <p:graphicFrame>
+        <p:nvGraphicFramePr>
+          <p:cNvPr id="7" name="Table 6"/>
+          <p:cNvGraphicFramePr>
+            <a:graphicFrameLocks noGrp="1"/>
+          </p:cNvGraphicFramePr>
+          <p:nvPr/>
+        </p:nvGraphicFramePr>
+        <p:xfrm>
+          <a:off x="3943350" y="3048000"/>
+          <a:ext cx="1257300" cy="762000"/>
+        </p:xfrm>
+        <a:graphic>
+          <a:graphicData uri="http://schemas.openxmlformats.org/drawingml/2006/table">
+            <a:tbl>
+              <a:tblPr>
+                <a:tableStyleId>{5C22544A-7EE6-4342-B048-85BDC9FD1C3A}</a:tableStyleId>
+              </a:tblPr>
+              <a:tblGrid>
+                <a:gridCol w="139700"/>
+                <a:gridCol w="139700"/>
+                <a:gridCol w="139700"/>
+                <a:gridCol w="139700"/>
+                <a:gridCol w="139700"/>
+                <a:gridCol w="139700"/>
+                <a:gridCol w="139700"/>
+                <a:gridCol w="139700"/>
+                <a:gridCol w="139700"/>
+              </a:tblGrid>
+              <a:tr h="190500">
+                <a:tc>
+                  <a:txBody>
+                    <a:bodyPr/>
+                    <a:lstStyle/>
+                    <a:p>
+                      <a:pPr algn="l" fontAlgn="b"/>
+                      <a:r>
+                        <a:rPr lang="en-US" sz="1100" u="none" strike="noStrike">
+                          <a:effectLst/>
+                        </a:rPr>
+                        <a:t> </a:t>
+                      </a:r>
+                      <a:endParaRPr lang="en-US" sz="1100" b="0" i="0" u="none" strike="noStrike">
+                        <a:solidFill>
+                          <a:srgbClr val="000000"/>
+                        </a:solidFill>
+                        <a:effectLst/>
+                        <a:latin typeface="Calibri" panose="020F0502020204030204" pitchFamily="34" charset="0"/>
+                      </a:endParaRPr>
+                    </a:p>
+                  </a:txBody>
+                  <a:tcPr marL="9525" marR="9525" marT="9525" marB="0" anchor="b"/>
+                </a:tc>
+                <a:tc>
+                  <a:txBody>
+                    <a:bodyPr/>
+                    <a:lstStyle/>
+                    <a:p>
+                      <a:pPr algn="l" fontAlgn="b"/>
+                      <a:r>
+                        <a:rPr lang="en-US" sz="1100" u="none" strike="noStrike">
+                          <a:effectLst/>
+                        </a:rPr>
+                        <a:t> </a:t>
+                      </a:r>
+                      <a:endParaRPr lang="en-US" sz="1100" b="0" i="0" u="none" strike="noStrike">
+                        <a:solidFill>
+                          <a:srgbClr val="000000"/>
+                        </a:solidFill>
+                        <a:effectLst/>
+                        <a:latin typeface="Calibri" panose="020F0502020204030204" pitchFamily="34" charset="0"/>
+                      </a:endParaRPr>
+                    </a:p>
+                  </a:txBody>
+                  <a:tcPr marL="9525" marR="9525" marT="9525" marB="0" anchor="b"/>
+                </a:tc>
+                <a:tc>
+                  <a:txBody>
+                    <a:bodyPr/>
+                    <a:lstStyle/>
+                    <a:p>
+                      <a:pPr algn="l" fontAlgn="b"/>
+                      <a:r>
+                        <a:rPr lang="en-US" sz="1100" u="none" strike="noStrike">
+                          <a:effectLst/>
+                        </a:rPr>
+                        <a:t> </a:t>
+                      </a:r>
+                      <a:endParaRPr lang="en-US" sz="1100" b="0" i="0" u="none" strike="noStrike">
+                        <a:solidFill>
+                          <a:srgbClr val="000000"/>
+                        </a:solidFill>
+                        <a:effectLst/>
+                        <a:latin typeface="Calibri" panose="020F0502020204030204" pitchFamily="34" charset="0"/>
+                      </a:endParaRPr>
+                    </a:p>
+                  </a:txBody>
+                  <a:tcPr marL="9525" marR="9525" marT="9525" marB="0" anchor="b"/>
+                </a:tc>
+                <a:tc>
+                  <a:txBody>
+                    <a:bodyPr/>
+                    <a:lstStyle/>
+                    <a:p>
+                      <a:pPr algn="l" fontAlgn="b"/>
+                      <a:r>
+                        <a:rPr lang="en-US" sz="1100" u="none" strike="noStrike">
+                          <a:effectLst/>
+                        </a:rPr>
+                        <a:t> </a:t>
+                      </a:r>
+                      <a:endParaRPr lang="en-US" sz="1100" b="0" i="0" u="none" strike="noStrike">
+                        <a:solidFill>
+                          <a:srgbClr val="000000"/>
+                        </a:solidFill>
+                        <a:effectLst/>
+                        <a:latin typeface="Calibri" panose="020F0502020204030204" pitchFamily="34" charset="0"/>
+                      </a:endParaRPr>
+                    </a:p>
+                  </a:txBody>
+                  <a:tcPr marL="9525" marR="9525" marT="9525" marB="0" anchor="b"/>
+                </a:tc>
+                <a:tc>
+                  <a:txBody>
+                    <a:bodyPr/>
+                    <a:lstStyle/>
+                    <a:p>
+                      <a:pPr algn="l" fontAlgn="b"/>
+                      <a:endParaRPr lang="en-US" sz="1100" b="0" i="0" u="none" strike="noStrike">
+                        <a:solidFill>
+                          <a:srgbClr val="000000"/>
+                        </a:solidFill>
+                        <a:effectLst/>
+                        <a:latin typeface="Calibri" panose="020F0502020204030204" pitchFamily="34" charset="0"/>
+                      </a:endParaRPr>
+                    </a:p>
+                  </a:txBody>
+                  <a:tcPr marL="9525" marR="9525" marT="9525" marB="0" anchor="b"/>
+                </a:tc>
+                <a:tc>
+                  <a:txBody>
+                    <a:bodyPr/>
+                    <a:lstStyle/>
+                    <a:p>
+                      <a:pPr algn="r" fontAlgn="b"/>
+                      <a:r>
+                        <a:rPr lang="en-US" sz="1100" u="none" strike="noStrike">
+                          <a:effectLst/>
+                        </a:rPr>
+                        <a:t>2</a:t>
+                      </a:r>
+                      <a:endParaRPr lang="en-US" sz="1100" b="0" i="0" u="none" strike="noStrike">
+                        <a:solidFill>
+                          <a:srgbClr val="000000"/>
+                        </a:solidFill>
+                        <a:effectLst/>
+                        <a:latin typeface="Calibri" panose="020F0502020204030204" pitchFamily="34" charset="0"/>
+                      </a:endParaRPr>
+                    </a:p>
+                  </a:txBody>
+                  <a:tcPr marL="9525" marR="9525" marT="9525" marB="0" anchor="b"/>
+                </a:tc>
+                <a:tc>
+                  <a:txBody>
+                    <a:bodyPr/>
+                    <a:lstStyle/>
+                    <a:p>
+                      <a:pPr algn="r" fontAlgn="b"/>
+                      <a:r>
+                        <a:rPr lang="en-US" sz="1100" u="none" strike="noStrike">
+                          <a:effectLst/>
+                        </a:rPr>
+                        <a:t>1</a:t>
+                      </a:r>
+                      <a:endParaRPr lang="en-US" sz="1100" b="0" i="0" u="none" strike="noStrike">
+                        <a:solidFill>
+                          <a:srgbClr val="000000"/>
+                        </a:solidFill>
+                        <a:effectLst/>
+                        <a:latin typeface="Calibri" panose="020F0502020204030204" pitchFamily="34" charset="0"/>
+                      </a:endParaRPr>
+                    </a:p>
+                  </a:txBody>
+                  <a:tcPr marL="9525" marR="9525" marT="9525" marB="0" anchor="b"/>
+                </a:tc>
+                <a:tc>
+                  <a:txBody>
+                    <a:bodyPr/>
+                    <a:lstStyle/>
+                    <a:p>
+                      <a:pPr algn="r" fontAlgn="b"/>
+                      <a:r>
+                        <a:rPr lang="en-US" sz="1100" u="none" strike="noStrike">
+                          <a:effectLst/>
+                        </a:rPr>
+                        <a:t>2</a:t>
+                      </a:r>
+                      <a:endParaRPr lang="en-US" sz="1100" b="0" i="0" u="none" strike="noStrike">
+                        <a:solidFill>
+                          <a:srgbClr val="000000"/>
+                        </a:solidFill>
+                        <a:effectLst/>
+                        <a:latin typeface="Calibri" panose="020F0502020204030204" pitchFamily="34" charset="0"/>
+                      </a:endParaRPr>
+                    </a:p>
+                  </a:txBody>
+                  <a:tcPr marL="9525" marR="9525" marT="9525" marB="0" anchor="b"/>
+                </a:tc>
+                <a:tc>
+                  <a:txBody>
+                    <a:bodyPr/>
+                    <a:lstStyle/>
+                    <a:p>
+                      <a:pPr algn="l" fontAlgn="b"/>
+                      <a:r>
+                        <a:rPr lang="en-US" sz="1100" u="none" strike="noStrike">
+                          <a:effectLst/>
+                        </a:rPr>
+                        <a:t> </a:t>
+                      </a:r>
+                      <a:endParaRPr lang="en-US" sz="1100" b="0" i="0" u="none" strike="noStrike">
+                        <a:solidFill>
+                          <a:srgbClr val="000000"/>
+                        </a:solidFill>
+                        <a:effectLst/>
+                        <a:latin typeface="Calibri" panose="020F0502020204030204" pitchFamily="34" charset="0"/>
+                      </a:endParaRPr>
+                    </a:p>
+                  </a:txBody>
+                  <a:tcPr marL="9525" marR="9525" marT="9525" marB="0" anchor="b"/>
+                </a:tc>
+              </a:tr>
+              <a:tr h="190500">
+                <a:tc>
+                  <a:txBody>
+                    <a:bodyPr/>
+                    <a:lstStyle/>
+                    <a:p>
+                      <a:pPr algn="l" fontAlgn="b"/>
+                      <a:r>
+                        <a:rPr lang="en-US" sz="1100" u="none" strike="noStrike">
+                          <a:effectLst/>
+                        </a:rPr>
+                        <a:t> </a:t>
+                      </a:r>
+                      <a:endParaRPr lang="en-US" sz="1100" b="0" i="0" u="none" strike="noStrike">
+                        <a:solidFill>
+                          <a:srgbClr val="000000"/>
+                        </a:solidFill>
+                        <a:effectLst/>
+                        <a:latin typeface="Calibri" panose="020F0502020204030204" pitchFamily="34" charset="0"/>
+                      </a:endParaRPr>
+                    </a:p>
+                  </a:txBody>
+                  <a:tcPr marL="9525" marR="9525" marT="9525" marB="0" anchor="b"/>
+                </a:tc>
+                <a:tc>
+                  <a:txBody>
+                    <a:bodyPr/>
+                    <a:lstStyle/>
+                    <a:p>
+                      <a:pPr algn="l" fontAlgn="b"/>
+                      <a:r>
+                        <a:rPr lang="en-US" sz="1100" u="none" strike="noStrike">
+                          <a:effectLst/>
+                        </a:rPr>
+                        <a:t>X</a:t>
+                      </a:r>
+                      <a:endParaRPr lang="en-US" sz="1100" b="0" i="0" u="none" strike="noStrike">
+                        <a:solidFill>
+                          <a:srgbClr val="000000"/>
+                        </a:solidFill>
+                        <a:effectLst/>
+                        <a:latin typeface="Calibri" panose="020F0502020204030204" pitchFamily="34" charset="0"/>
+                      </a:endParaRPr>
+                    </a:p>
+                  </a:txBody>
+                  <a:tcPr marL="9525" marR="9525" marT="9525" marB="0" anchor="b"/>
+                </a:tc>
+                <a:tc>
+                  <a:txBody>
+                    <a:bodyPr/>
+                    <a:lstStyle/>
+                    <a:p>
+                      <a:pPr algn="l" fontAlgn="b"/>
+                      <a:r>
+                        <a:rPr lang="en-US" sz="1100" u="none" strike="noStrike">
+                          <a:effectLst/>
+                        </a:rPr>
+                        <a:t> </a:t>
+                      </a:r>
+                      <a:endParaRPr lang="en-US" sz="1100" b="0" i="0" u="none" strike="noStrike">
+                        <a:solidFill>
+                          <a:srgbClr val="000000"/>
+                        </a:solidFill>
+                        <a:effectLst/>
+                        <a:latin typeface="Calibri" panose="020F0502020204030204" pitchFamily="34" charset="0"/>
+                      </a:endParaRPr>
+                    </a:p>
+                  </a:txBody>
+                  <a:tcPr marL="9525" marR="9525" marT="9525" marB="0" anchor="b"/>
+                </a:tc>
+                <a:tc>
+                  <a:txBody>
+                    <a:bodyPr/>
+                    <a:lstStyle/>
+                    <a:p>
+                      <a:pPr algn="l" fontAlgn="b"/>
+                      <a:r>
+                        <a:rPr lang="en-US" sz="1100" u="none" strike="noStrike">
+                          <a:effectLst/>
+                        </a:rPr>
+                        <a:t> </a:t>
+                      </a:r>
+                      <a:endParaRPr lang="en-US" sz="1100" b="0" i="0" u="none" strike="noStrike">
+                        <a:solidFill>
+                          <a:srgbClr val="000000"/>
+                        </a:solidFill>
+                        <a:effectLst/>
+                        <a:latin typeface="Calibri" panose="020F0502020204030204" pitchFamily="34" charset="0"/>
+                      </a:endParaRPr>
+                    </a:p>
+                  </a:txBody>
+                  <a:tcPr marL="9525" marR="9525" marT="9525" marB="0" anchor="b"/>
+                </a:tc>
+                <a:tc>
+                  <a:txBody>
+                    <a:bodyPr/>
+                    <a:lstStyle/>
+                    <a:p>
+                      <a:pPr algn="l" fontAlgn="b"/>
+                      <a:endParaRPr lang="en-US" sz="1100" b="0" i="0" u="none" strike="noStrike">
+                        <a:solidFill>
+                          <a:srgbClr val="000000"/>
+                        </a:solidFill>
+                        <a:effectLst/>
+                        <a:latin typeface="Calibri" panose="020F0502020204030204" pitchFamily="34" charset="0"/>
+                      </a:endParaRPr>
+                    </a:p>
+                  </a:txBody>
+                  <a:tcPr marL="9525" marR="9525" marT="9525" marB="0" anchor="b"/>
+                </a:tc>
+                <a:tc>
+                  <a:txBody>
+                    <a:bodyPr/>
+                    <a:lstStyle/>
+                    <a:p>
+                      <a:pPr algn="r" fontAlgn="b"/>
+                      <a:r>
+                        <a:rPr lang="en-US" sz="1100" u="none" strike="noStrike">
+                          <a:effectLst/>
+                        </a:rPr>
+                        <a:t>1</a:t>
+                      </a:r>
+                      <a:endParaRPr lang="en-US" sz="1100" b="0" i="0" u="none" strike="noStrike">
+                        <a:solidFill>
+                          <a:srgbClr val="000000"/>
+                        </a:solidFill>
+                        <a:effectLst/>
+                        <a:latin typeface="Calibri" panose="020F0502020204030204" pitchFamily="34" charset="0"/>
+                      </a:endParaRPr>
+                    </a:p>
+                  </a:txBody>
+                  <a:tcPr marL="9525" marR="9525" marT="9525" marB="0" anchor="b"/>
+                </a:tc>
+                <a:tc>
+                  <a:txBody>
+                    <a:bodyPr/>
+                    <a:lstStyle/>
+                    <a:p>
+                      <a:pPr algn="l" fontAlgn="b"/>
+                      <a:r>
+                        <a:rPr lang="en-US" sz="1100" u="none" strike="noStrike">
+                          <a:effectLst/>
+                        </a:rPr>
+                        <a:t>X</a:t>
+                      </a:r>
+                      <a:endParaRPr lang="en-US" sz="1100" b="0" i="0" u="none" strike="noStrike">
+                        <a:solidFill>
+                          <a:srgbClr val="000000"/>
+                        </a:solidFill>
+                        <a:effectLst/>
+                        <a:latin typeface="Calibri" panose="020F0502020204030204" pitchFamily="34" charset="0"/>
+                      </a:endParaRPr>
+                    </a:p>
+                  </a:txBody>
+                  <a:tcPr marL="9525" marR="9525" marT="9525" marB="0" anchor="b"/>
+                </a:tc>
+                <a:tc>
+                  <a:txBody>
+                    <a:bodyPr/>
+                    <a:lstStyle/>
+                    <a:p>
+                      <a:pPr algn="r" fontAlgn="b"/>
+                      <a:r>
+                        <a:rPr lang="en-US" sz="1100" u="none" strike="noStrike">
+                          <a:effectLst/>
+                        </a:rPr>
+                        <a:t>2</a:t>
+                      </a:r>
+                      <a:endParaRPr lang="en-US" sz="1100" b="0" i="0" u="none" strike="noStrike">
+                        <a:solidFill>
+                          <a:srgbClr val="000000"/>
+                        </a:solidFill>
+                        <a:effectLst/>
+                        <a:latin typeface="Calibri" panose="020F0502020204030204" pitchFamily="34" charset="0"/>
+                      </a:endParaRPr>
+                    </a:p>
+                  </a:txBody>
+                  <a:tcPr marL="9525" marR="9525" marT="9525" marB="0" anchor="b"/>
+                </a:tc>
+                <a:tc>
+                  <a:txBody>
+                    <a:bodyPr/>
+                    <a:lstStyle/>
+                    <a:p>
+                      <a:pPr algn="r" fontAlgn="b"/>
+                      <a:r>
+                        <a:rPr lang="en-US" sz="1100" u="none" strike="noStrike">
+                          <a:effectLst/>
+                        </a:rPr>
+                        <a:t>2</a:t>
+                      </a:r>
+                      <a:endParaRPr lang="en-US" sz="1100" b="0" i="0" u="none" strike="noStrike">
+                        <a:solidFill>
+                          <a:srgbClr val="000000"/>
+                        </a:solidFill>
+                        <a:effectLst/>
+                        <a:latin typeface="Calibri" panose="020F0502020204030204" pitchFamily="34" charset="0"/>
+                      </a:endParaRPr>
+                    </a:p>
+                  </a:txBody>
+                  <a:tcPr marL="9525" marR="9525" marT="9525" marB="0" anchor="b"/>
+                </a:tc>
+              </a:tr>
+              <a:tr h="190500">
+                <a:tc>
+                  <a:txBody>
+                    <a:bodyPr/>
+                    <a:lstStyle/>
+                    <a:p>
+                      <a:pPr algn="l" fontAlgn="b"/>
+                      <a:r>
+                        <a:rPr lang="en-US" sz="1100" u="none" strike="noStrike">
+                          <a:effectLst/>
+                        </a:rPr>
+                        <a:t> </a:t>
+                      </a:r>
+                      <a:endParaRPr lang="en-US" sz="1100" b="0" i="0" u="none" strike="noStrike">
+                        <a:solidFill>
+                          <a:srgbClr val="000000"/>
+                        </a:solidFill>
+                        <a:effectLst/>
+                        <a:latin typeface="Calibri" panose="020F0502020204030204" pitchFamily="34" charset="0"/>
+                      </a:endParaRPr>
+                    </a:p>
+                  </a:txBody>
+                  <a:tcPr marL="9525" marR="9525" marT="9525" marB="0" anchor="b"/>
+                </a:tc>
+                <a:tc>
+                  <a:txBody>
+                    <a:bodyPr/>
+                    <a:lstStyle/>
+                    <a:p>
+                      <a:pPr algn="l" fontAlgn="b"/>
+                      <a:r>
+                        <a:rPr lang="en-US" sz="1100" u="none" strike="noStrike">
+                          <a:effectLst/>
+                        </a:rPr>
+                        <a:t> </a:t>
+                      </a:r>
+                      <a:endParaRPr lang="en-US" sz="1100" b="0" i="0" u="none" strike="noStrike">
+                        <a:solidFill>
+                          <a:srgbClr val="000000"/>
+                        </a:solidFill>
+                        <a:effectLst/>
+                        <a:latin typeface="Calibri" panose="020F0502020204030204" pitchFamily="34" charset="0"/>
+                      </a:endParaRPr>
+                    </a:p>
+                  </a:txBody>
+                  <a:tcPr marL="9525" marR="9525" marT="9525" marB="0" anchor="b"/>
+                </a:tc>
+                <a:tc>
+                  <a:txBody>
+                    <a:bodyPr/>
+                    <a:lstStyle/>
+                    <a:p>
+                      <a:pPr algn="l" fontAlgn="b"/>
+                      <a:r>
+                        <a:rPr lang="en-US" sz="1100" u="none" strike="noStrike">
+                          <a:effectLst/>
+                        </a:rPr>
+                        <a:t>X</a:t>
+                      </a:r>
+                      <a:endParaRPr lang="en-US" sz="1100" b="0" i="0" u="none" strike="noStrike">
+                        <a:solidFill>
+                          <a:srgbClr val="000000"/>
+                        </a:solidFill>
+                        <a:effectLst/>
+                        <a:latin typeface="Calibri" panose="020F0502020204030204" pitchFamily="34" charset="0"/>
+                      </a:endParaRPr>
+                    </a:p>
+                  </a:txBody>
+                  <a:tcPr marL="9525" marR="9525" marT="9525" marB="0" anchor="b"/>
+                </a:tc>
+                <a:tc>
+                  <a:txBody>
+                    <a:bodyPr/>
+                    <a:lstStyle/>
+                    <a:p>
+                      <a:pPr algn="l" fontAlgn="b"/>
+                      <a:r>
+                        <a:rPr lang="en-US" sz="1100" u="none" strike="noStrike">
+                          <a:effectLst/>
+                        </a:rPr>
+                        <a:t> </a:t>
+                      </a:r>
+                      <a:endParaRPr lang="en-US" sz="1100" b="0" i="0" u="none" strike="noStrike">
+                        <a:solidFill>
+                          <a:srgbClr val="000000"/>
+                        </a:solidFill>
+                        <a:effectLst/>
+                        <a:latin typeface="Calibri" panose="020F0502020204030204" pitchFamily="34" charset="0"/>
+                      </a:endParaRPr>
+                    </a:p>
+                  </a:txBody>
+                  <a:tcPr marL="9525" marR="9525" marT="9525" marB="0" anchor="b"/>
+                </a:tc>
+                <a:tc>
+                  <a:txBody>
+                    <a:bodyPr/>
+                    <a:lstStyle/>
+                    <a:p>
+                      <a:pPr algn="l" fontAlgn="b"/>
+                      <a:endParaRPr lang="en-US" sz="1100" b="0" i="0" u="none" strike="noStrike">
+                        <a:solidFill>
+                          <a:srgbClr val="000000"/>
+                        </a:solidFill>
+                        <a:effectLst/>
+                        <a:latin typeface="Calibri" panose="020F0502020204030204" pitchFamily="34" charset="0"/>
+                      </a:endParaRPr>
+                    </a:p>
+                  </a:txBody>
+                  <a:tcPr marL="9525" marR="9525" marT="9525" marB="0" anchor="b"/>
+                </a:tc>
+                <a:tc>
+                  <a:txBody>
+                    <a:bodyPr/>
+                    <a:lstStyle/>
+                    <a:p>
+                      <a:pPr algn="r" fontAlgn="b"/>
+                      <a:r>
+                        <a:rPr lang="en-US" sz="1100" u="none" strike="noStrike">
+                          <a:effectLst/>
+                        </a:rPr>
+                        <a:t>2</a:t>
+                      </a:r>
+                      <a:endParaRPr lang="en-US" sz="1100" b="0" i="0" u="none" strike="noStrike">
+                        <a:solidFill>
+                          <a:srgbClr val="000000"/>
+                        </a:solidFill>
+                        <a:effectLst/>
+                        <a:latin typeface="Calibri" panose="020F0502020204030204" pitchFamily="34" charset="0"/>
+                      </a:endParaRPr>
+                    </a:p>
+                  </a:txBody>
+                  <a:tcPr marL="9525" marR="9525" marT="9525" marB="0" anchor="b"/>
+                </a:tc>
+                <a:tc>
+                  <a:txBody>
+                    <a:bodyPr/>
+                    <a:lstStyle/>
+                    <a:p>
+                      <a:pPr algn="r" fontAlgn="b"/>
+                      <a:r>
+                        <a:rPr lang="en-US" sz="1100" u="none" strike="noStrike">
+                          <a:effectLst/>
+                        </a:rPr>
+                        <a:t>2</a:t>
+                      </a:r>
+                      <a:endParaRPr lang="en-US" sz="1100" b="0" i="0" u="none" strike="noStrike">
+                        <a:solidFill>
+                          <a:srgbClr val="000000"/>
+                        </a:solidFill>
+                        <a:effectLst/>
+                        <a:latin typeface="Calibri" panose="020F0502020204030204" pitchFamily="34" charset="0"/>
+                      </a:endParaRPr>
+                    </a:p>
+                  </a:txBody>
+                  <a:tcPr marL="9525" marR="9525" marT="9525" marB="0" anchor="b"/>
+                </a:tc>
+                <a:tc>
+                  <a:txBody>
+                    <a:bodyPr/>
+                    <a:lstStyle/>
+                    <a:p>
+                      <a:pPr algn="l" fontAlgn="b"/>
+                      <a:r>
+                        <a:rPr lang="en-US" sz="1100" u="none" strike="noStrike">
+                          <a:effectLst/>
+                        </a:rPr>
+                        <a:t>X</a:t>
+                      </a:r>
+                      <a:endParaRPr lang="en-US" sz="1100" b="0" i="0" u="none" strike="noStrike">
+                        <a:solidFill>
+                          <a:srgbClr val="000000"/>
+                        </a:solidFill>
+                        <a:effectLst/>
+                        <a:latin typeface="Calibri" panose="020F0502020204030204" pitchFamily="34" charset="0"/>
+                      </a:endParaRPr>
+                    </a:p>
+                  </a:txBody>
+                  <a:tcPr marL="9525" marR="9525" marT="9525" marB="0" anchor="b"/>
+                </a:tc>
+                <a:tc>
+                  <a:txBody>
+                    <a:bodyPr/>
+                    <a:lstStyle/>
+                    <a:p>
+                      <a:pPr algn="r" fontAlgn="b"/>
+                      <a:r>
+                        <a:rPr lang="en-US" sz="1100" u="none" strike="noStrike">
+                          <a:effectLst/>
+                        </a:rPr>
+                        <a:t>1</a:t>
+                      </a:r>
+                      <a:endParaRPr lang="en-US" sz="1100" b="0" i="0" u="none" strike="noStrike">
+                        <a:solidFill>
+                          <a:srgbClr val="000000"/>
+                        </a:solidFill>
+                        <a:effectLst/>
+                        <a:latin typeface="Calibri" panose="020F0502020204030204" pitchFamily="34" charset="0"/>
+                      </a:endParaRPr>
+                    </a:p>
+                  </a:txBody>
+                  <a:tcPr marL="9525" marR="9525" marT="9525" marB="0" anchor="b"/>
+                </a:tc>
+              </a:tr>
+              <a:tr h="190500">
+                <a:tc>
+                  <a:txBody>
+                    <a:bodyPr/>
+                    <a:lstStyle/>
+                    <a:p>
+                      <a:pPr algn="l" fontAlgn="b"/>
+                      <a:r>
+                        <a:rPr lang="en-US" sz="1100" u="none" strike="noStrike">
+                          <a:effectLst/>
+                        </a:rPr>
+                        <a:t> </a:t>
+                      </a:r>
+                      <a:endParaRPr lang="en-US" sz="1100" b="0" i="0" u="none" strike="noStrike">
+                        <a:solidFill>
+                          <a:srgbClr val="000000"/>
+                        </a:solidFill>
+                        <a:effectLst/>
+                        <a:latin typeface="Calibri" panose="020F0502020204030204" pitchFamily="34" charset="0"/>
+                      </a:endParaRPr>
+                    </a:p>
+                  </a:txBody>
+                  <a:tcPr marL="9525" marR="9525" marT="9525" marB="0" anchor="b"/>
+                </a:tc>
+                <a:tc>
+                  <a:txBody>
+                    <a:bodyPr/>
+                    <a:lstStyle/>
+                    <a:p>
+                      <a:pPr algn="l" fontAlgn="b"/>
+                      <a:r>
+                        <a:rPr lang="en-US" sz="1100" u="none" strike="noStrike">
+                          <a:effectLst/>
+                        </a:rPr>
+                        <a:t> </a:t>
+                      </a:r>
+                      <a:endParaRPr lang="en-US" sz="1100" b="0" i="0" u="none" strike="noStrike">
+                        <a:solidFill>
+                          <a:srgbClr val="000000"/>
+                        </a:solidFill>
+                        <a:effectLst/>
+                        <a:latin typeface="Calibri" panose="020F0502020204030204" pitchFamily="34" charset="0"/>
+                      </a:endParaRPr>
+                    </a:p>
+                  </a:txBody>
+                  <a:tcPr marL="9525" marR="9525" marT="9525" marB="0" anchor="b"/>
+                </a:tc>
+                <a:tc>
+                  <a:txBody>
+                    <a:bodyPr/>
+                    <a:lstStyle/>
+                    <a:p>
+                      <a:pPr algn="l" fontAlgn="b"/>
+                      <a:r>
+                        <a:rPr lang="en-US" sz="1100" u="none" strike="noStrike">
+                          <a:effectLst/>
+                        </a:rPr>
+                        <a:t> </a:t>
+                      </a:r>
+                      <a:endParaRPr lang="en-US" sz="1100" b="0" i="0" u="none" strike="noStrike">
+                        <a:solidFill>
+                          <a:srgbClr val="000000"/>
+                        </a:solidFill>
+                        <a:effectLst/>
+                        <a:latin typeface="Calibri" panose="020F0502020204030204" pitchFamily="34" charset="0"/>
+                      </a:endParaRPr>
+                    </a:p>
+                  </a:txBody>
+                  <a:tcPr marL="9525" marR="9525" marT="9525" marB="0" anchor="b"/>
+                </a:tc>
+                <a:tc>
+                  <a:txBody>
+                    <a:bodyPr/>
+                    <a:lstStyle/>
+                    <a:p>
+                      <a:pPr algn="l" fontAlgn="b"/>
+                      <a:r>
+                        <a:rPr lang="en-US" sz="1100" u="none" strike="noStrike">
+                          <a:effectLst/>
+                        </a:rPr>
+                        <a:t> </a:t>
+                      </a:r>
+                      <a:endParaRPr lang="en-US" sz="1100" b="0" i="0" u="none" strike="noStrike">
+                        <a:solidFill>
+                          <a:srgbClr val="000000"/>
+                        </a:solidFill>
+                        <a:effectLst/>
+                        <a:latin typeface="Calibri" panose="020F0502020204030204" pitchFamily="34" charset="0"/>
+                      </a:endParaRPr>
+                    </a:p>
+                  </a:txBody>
+                  <a:tcPr marL="9525" marR="9525" marT="9525" marB="0" anchor="b"/>
+                </a:tc>
+                <a:tc>
+                  <a:txBody>
+                    <a:bodyPr/>
+                    <a:lstStyle/>
+                    <a:p>
+                      <a:pPr algn="l" fontAlgn="b"/>
+                      <a:endParaRPr lang="en-US" sz="1100" b="0" i="0" u="none" strike="noStrike">
+                        <a:solidFill>
+                          <a:srgbClr val="000000"/>
+                        </a:solidFill>
+                        <a:effectLst/>
+                        <a:latin typeface="Calibri" panose="020F0502020204030204" pitchFamily="34" charset="0"/>
+                      </a:endParaRPr>
+                    </a:p>
+                  </a:txBody>
+                  <a:tcPr marL="9525" marR="9525" marT="9525" marB="0" anchor="b"/>
+                </a:tc>
+                <a:tc>
+                  <a:txBody>
+                    <a:bodyPr/>
+                    <a:lstStyle/>
+                    <a:p>
+                      <a:pPr algn="l" fontAlgn="b"/>
+                      <a:r>
+                        <a:rPr lang="en-US" sz="1100" u="none" strike="noStrike">
+                          <a:effectLst/>
+                        </a:rPr>
+                        <a:t> </a:t>
+                      </a:r>
+                      <a:endParaRPr lang="en-US" sz="1100" b="0" i="0" u="none" strike="noStrike">
+                        <a:solidFill>
+                          <a:srgbClr val="000000"/>
+                        </a:solidFill>
+                        <a:effectLst/>
+                        <a:latin typeface="Calibri" panose="020F0502020204030204" pitchFamily="34" charset="0"/>
+                      </a:endParaRPr>
+                    </a:p>
+                  </a:txBody>
+                  <a:tcPr marL="9525" marR="9525" marT="9525" marB="0" anchor="b"/>
+                </a:tc>
+                <a:tc>
+                  <a:txBody>
+                    <a:bodyPr/>
+                    <a:lstStyle/>
+                    <a:p>
+                      <a:pPr algn="r" fontAlgn="b"/>
+                      <a:r>
+                        <a:rPr lang="en-US" sz="1100" u="none" strike="noStrike">
+                          <a:effectLst/>
+                        </a:rPr>
+                        <a:t>2</a:t>
+                      </a:r>
+                      <a:endParaRPr lang="en-US" sz="1100" b="0" i="0" u="none" strike="noStrike">
+                        <a:solidFill>
+                          <a:srgbClr val="000000"/>
+                        </a:solidFill>
+                        <a:effectLst/>
+                        <a:latin typeface="Calibri" panose="020F0502020204030204" pitchFamily="34" charset="0"/>
+                      </a:endParaRPr>
+                    </a:p>
+                  </a:txBody>
+                  <a:tcPr marL="9525" marR="9525" marT="9525" marB="0" anchor="b"/>
+                </a:tc>
+                <a:tc>
+                  <a:txBody>
+                    <a:bodyPr/>
+                    <a:lstStyle/>
+                    <a:p>
+                      <a:pPr algn="r" fontAlgn="b"/>
+                      <a:r>
+                        <a:rPr lang="en-US" sz="1100" u="none" strike="noStrike">
+                          <a:effectLst/>
+                        </a:rPr>
+                        <a:t>1</a:t>
+                      </a:r>
+                      <a:endParaRPr lang="en-US" sz="1100" b="0" i="0" u="none" strike="noStrike">
+                        <a:solidFill>
+                          <a:srgbClr val="000000"/>
+                        </a:solidFill>
+                        <a:effectLst/>
+                        <a:latin typeface="Calibri" panose="020F0502020204030204" pitchFamily="34" charset="0"/>
+                      </a:endParaRPr>
+                    </a:p>
+                  </a:txBody>
+                  <a:tcPr marL="9525" marR="9525" marT="9525" marB="0" anchor="b"/>
+                </a:tc>
+                <a:tc>
+                  <a:txBody>
+                    <a:bodyPr/>
+                    <a:lstStyle/>
+                    <a:p>
+                      <a:pPr algn="r" fontAlgn="b"/>
+                      <a:r>
+                        <a:rPr lang="en-US" sz="1100" u="none" strike="noStrike" dirty="0">
+                          <a:effectLst/>
+                        </a:rPr>
+                        <a:t>2</a:t>
+                      </a:r>
+                      <a:endParaRPr lang="en-US" sz="1100" b="0" i="0" u="none" strike="noStrike" dirty="0">
+                        <a:solidFill>
+                          <a:srgbClr val="000000"/>
+                        </a:solidFill>
+                        <a:effectLst/>
+                        <a:latin typeface="Calibri" panose="020F0502020204030204" pitchFamily="34" charset="0"/>
+                      </a:endParaRPr>
+                    </a:p>
+                  </a:txBody>
+                  <a:tcPr marL="9525" marR="9525" marT="9525" marB="0" anchor="b"/>
+                </a:tc>
+              </a:tr>
+            </a:tbl>
+          </a:graphicData>
+        </a:graphic>
+      </p:graphicFrame>
     </p:spTree>
     <p:extLst>
       <p:ext uri="{BB962C8B-B14F-4D97-AF65-F5344CB8AC3E}">
@@ -4130,15 +5966,89 @@
           </a:xfrm>
         </p:spPr>
         <p:txBody>
-          <a:bodyPr/>
+          <a:bodyPr>
+            <a:noAutofit/>
+          </a:bodyPr>
           <a:lstStyle/>
           <a:p>
             <a:pPr algn="l"/>
             <a:r>
-              <a:rPr lang="en-US" dirty="0" smtClean="0"/>
-              <a:t>a</a:t>
-            </a:r>
-            <a:endParaRPr lang="en-US" dirty="0"/>
+              <a:rPr lang="en-US" sz="2000" dirty="0" smtClean="0"/>
+              <a:t>Performance</a:t>
+            </a:r>
+          </a:p>
+          <a:p>
+            <a:pPr marL="457200" indent="-457200" algn="l">
+              <a:buFont typeface="Arial" panose="020B0604020202020204" pitchFamily="34" charset="0"/>
+              <a:buChar char="•"/>
+            </a:pPr>
+            <a:r>
+              <a:rPr lang="en-US" sz="2000" dirty="0" smtClean="0"/>
+              <a:t>Win the game</a:t>
+            </a:r>
+          </a:p>
+          <a:p>
+            <a:pPr marL="457200" indent="-457200" algn="l">
+              <a:buFont typeface="Arial" panose="020B0604020202020204" pitchFamily="34" charset="0"/>
+              <a:buChar char="•"/>
+            </a:pPr>
+            <a:r>
+              <a:rPr lang="en-US" sz="2000" dirty="0" smtClean="0"/>
+              <a:t>Too slow, infeasible time</a:t>
+            </a:r>
+          </a:p>
+          <a:p>
+            <a:pPr algn="l"/>
+            <a:r>
+              <a:rPr lang="en-US" sz="2000" dirty="0" smtClean="0"/>
+              <a:t>Environment</a:t>
+            </a:r>
+          </a:p>
+          <a:p>
+            <a:pPr marL="457200" indent="-457200" algn="l">
+              <a:buFont typeface="Arial" panose="020B0604020202020204" pitchFamily="34" charset="0"/>
+              <a:buChar char="•"/>
+            </a:pPr>
+            <a:r>
+              <a:rPr lang="en-US" sz="2000" dirty="0" smtClean="0"/>
+              <a:t>Game board 8x8 grid</a:t>
+            </a:r>
+          </a:p>
+          <a:p>
+            <a:pPr algn="l"/>
+            <a:r>
+              <a:rPr lang="en-US" sz="2000" dirty="0" smtClean="0"/>
+              <a:t>Actuator</a:t>
+            </a:r>
+          </a:p>
+          <a:p>
+            <a:pPr marL="457200" indent="-457200" algn="l">
+              <a:buFont typeface="Arial" panose="020B0604020202020204" pitchFamily="34" charset="0"/>
+              <a:buChar char="•"/>
+            </a:pPr>
+            <a:r>
+              <a:rPr lang="en-US" sz="2000" dirty="0" smtClean="0"/>
+              <a:t>Placing tiles on the board</a:t>
+            </a:r>
+            <a:endParaRPr lang="en-US" sz="2000" dirty="0" smtClean="0"/>
+          </a:p>
+          <a:p>
+            <a:pPr algn="l"/>
+            <a:r>
+              <a:rPr lang="en-US" sz="2000" dirty="0" smtClean="0"/>
+              <a:t>Sensor</a:t>
+            </a:r>
+          </a:p>
+          <a:p>
+            <a:pPr marL="457200" indent="-457200" algn="l">
+              <a:buFont typeface="Arial" panose="020B0604020202020204" pitchFamily="34" charset="0"/>
+              <a:buChar char="•"/>
+            </a:pPr>
+            <a:r>
+              <a:rPr lang="en-US" sz="2000" dirty="0" smtClean="0"/>
+              <a:t>Board stored as matrix for evaluation</a:t>
+            </a:r>
+            <a:endParaRPr lang="en-US" sz="2000" dirty="0"/>
           </a:p>
         </p:txBody>
       </p:sp>
@@ -4304,15 +6214,77 @@
           </a:xfrm>
         </p:spPr>
         <p:txBody>
-          <a:bodyPr/>
+          <a:bodyPr>
+            <a:normAutofit/>
+          </a:bodyPr>
           <a:lstStyle/>
           <a:p>
             <a:pPr algn="l"/>
             <a:r>
-              <a:rPr lang="en-US" dirty="0" smtClean="0"/>
-              <a:t>a</a:t>
-            </a:r>
-            <a:endParaRPr lang="en-US" dirty="0"/>
+              <a:rPr lang="en-US" sz="2000" dirty="0" smtClean="0"/>
+              <a:t>Implement an Iterative Deepening Search Tree with Alpha Beta Pruning</a:t>
+            </a:r>
+          </a:p>
+          <a:p>
+            <a:pPr marL="342900" indent="-342900" algn="l">
+              <a:buFont typeface="Arial" panose="020B0604020202020204" pitchFamily="34" charset="0"/>
+              <a:buChar char="•"/>
+            </a:pPr>
+            <a:r>
+              <a:rPr lang="en-US" sz="2000" dirty="0" smtClean="0"/>
+              <a:t>Hold a constant for depth, and increase/decrease depth based on timing requirements</a:t>
+            </a:r>
+          </a:p>
+          <a:p>
+            <a:pPr marL="342900" indent="-342900" algn="l">
+              <a:buFont typeface="Arial" panose="020B0604020202020204" pitchFamily="34" charset="0"/>
+              <a:buChar char="•"/>
+            </a:pPr>
+            <a:r>
+              <a:rPr lang="en-US" sz="2000" dirty="0" smtClean="0"/>
+              <a:t>Alpha beta pruning to speed up searches, allows a larger depth</a:t>
+            </a:r>
+          </a:p>
+          <a:p>
+            <a:pPr algn="l"/>
+            <a:endParaRPr lang="en-US" sz="2000" dirty="0"/>
+          </a:p>
+          <a:p>
+            <a:pPr algn="l"/>
+            <a:r>
+              <a:rPr lang="en-US" sz="2000" dirty="0" smtClean="0"/>
+              <a:t>Note all tiles are valid</a:t>
+            </a:r>
+          </a:p>
+          <a:p>
+            <a:pPr marL="342900" indent="-342900" algn="l">
+              <a:buFont typeface="Arial" panose="020B0604020202020204" pitchFamily="34" charset="0"/>
+              <a:buChar char="•"/>
+            </a:pPr>
+            <a:r>
+              <a:rPr lang="en-US" sz="2000" dirty="0"/>
+              <a:t>Avoid branching on all 64 tiles</a:t>
+            </a:r>
+          </a:p>
+          <a:p>
+            <a:pPr marL="342900" indent="-342900" algn="l">
+              <a:buFont typeface="Arial" panose="020B0604020202020204" pitchFamily="34" charset="0"/>
+              <a:buChar char="•"/>
+            </a:pPr>
+            <a:r>
+              <a:rPr lang="en-US" sz="2000" dirty="0" smtClean="0"/>
+              <a:t>Ignore illegal moves</a:t>
+            </a:r>
+          </a:p>
+          <a:p>
+            <a:pPr marL="342900" indent="-342900" algn="l">
+              <a:buFont typeface="Arial" panose="020B0604020202020204" pitchFamily="34" charset="0"/>
+              <a:buChar char="•"/>
+            </a:pPr>
+            <a:r>
+              <a:rPr lang="en-US" sz="2000" dirty="0" smtClean="0"/>
+              <a:t>Restrict branching to tiles near existing tiles. A distance of 4 away (since 4 moves needed to win)</a:t>
+            </a:r>
           </a:p>
         </p:txBody>
       </p:sp>
@@ -4368,7 +6340,11 @@
           <a:p>
             <a:r>
               <a:rPr lang="en-US" dirty="0" smtClean="0"/>
-              <a:t>Describe Algorithm Enhancements</a:t>
+              <a:t>Algorithm </a:t>
+            </a:r>
+            <a:r>
+              <a:rPr lang="en-US" dirty="0" smtClean="0"/>
+              <a:t>Enhancements</a:t>
             </a:r>
             <a:endParaRPr lang="en-US" dirty="0"/>
           </a:p>
@@ -4391,15 +6367,39 @@
           </a:xfrm>
         </p:spPr>
         <p:txBody>
-          <a:bodyPr/>
+          <a:bodyPr>
+            <a:normAutofit/>
+          </a:bodyPr>
           <a:lstStyle/>
           <a:p>
             <a:pPr algn="l"/>
             <a:r>
-              <a:rPr lang="en-US" dirty="0" smtClean="0"/>
-              <a:t>a</a:t>
-            </a:r>
-            <a:endParaRPr lang="en-US" dirty="0"/>
+              <a:rPr lang="en-US" sz="2000" dirty="0" smtClean="0"/>
+              <a:t>Even if some tiles are valid for expansion. </a:t>
+            </a:r>
+            <a:r>
+              <a:rPr lang="en-US" sz="2000" dirty="0" smtClean="0"/>
+              <a:t>Do not bother to expand if the value is too low.</a:t>
+            </a:r>
+          </a:p>
+          <a:p>
+            <a:pPr algn="l"/>
+            <a:r>
+              <a:rPr lang="en-US" sz="2000" dirty="0" smtClean="0"/>
+              <a:t>Algorithm will look all values of available tiles and determine a threshold value. Tiles with values below the threshold will not be expanded.</a:t>
+            </a:r>
+          </a:p>
+          <a:p>
+            <a:pPr algn="l"/>
+            <a:r>
+              <a:rPr lang="en-US" sz="2000" dirty="0" smtClean="0"/>
+              <a:t>Reduce branching factor and speed up algorith</a:t>
+            </a:r>
+            <a:r>
+              <a:rPr lang="en-US" sz="2000" dirty="0" smtClean="0"/>
+              <a:t>m. This gives it more time to evaluate better branches to a larger depth</a:t>
+            </a:r>
+            <a:endParaRPr lang="en-US" sz="2000" dirty="0"/>
           </a:p>
         </p:txBody>
       </p:sp>

--- a/Presentation.pptx
+++ b/Presentation.pptx
@@ -8,16 +8,16 @@
     <p:sldId id="256" r:id="rId2"/>
     <p:sldId id="257" r:id="rId3"/>
     <p:sldId id="258" r:id="rId4"/>
-    <p:sldId id="259" r:id="rId5"/>
-    <p:sldId id="262" r:id="rId6"/>
-    <p:sldId id="261" r:id="rId7"/>
-    <p:sldId id="260" r:id="rId8"/>
+    <p:sldId id="261" r:id="rId5"/>
+    <p:sldId id="260" r:id="rId6"/>
+    <p:sldId id="259" r:id="rId7"/>
+    <p:sldId id="262" r:id="rId8"/>
     <p:sldId id="263" r:id="rId9"/>
-    <p:sldId id="264" r:id="rId10"/>
-    <p:sldId id="267" r:id="rId11"/>
-    <p:sldId id="265" r:id="rId12"/>
-    <p:sldId id="266" r:id="rId13"/>
-    <p:sldId id="268" r:id="rId14"/>
+    <p:sldId id="267" r:id="rId10"/>
+    <p:sldId id="264" r:id="rId11"/>
+    <p:sldId id="268" r:id="rId12"/>
+    <p:sldId id="265" r:id="rId13"/>
+    <p:sldId id="266" r:id="rId14"/>
     <p:sldId id="269" r:id="rId15"/>
     <p:sldId id="270" r:id="rId16"/>
   </p:sldIdLst>
@@ -318,7 +318,7 @@
           <a:p>
             <a:fld id="{5A66AF80-B104-49B0-AE6F-8E381139FF3B}" type="datetimeFigureOut">
               <a:rPr lang="en-US" smtClean="0"/>
-              <a:t>11/27/2015</a:t>
+              <a:t>11/28/2015</a:t>
             </a:fld>
             <a:endParaRPr lang="en-US"/>
           </a:p>
@@ -488,7 +488,7 @@
           <a:p>
             <a:fld id="{5A66AF80-B104-49B0-AE6F-8E381139FF3B}" type="datetimeFigureOut">
               <a:rPr lang="en-US" smtClean="0"/>
-              <a:t>11/27/2015</a:t>
+              <a:t>11/28/2015</a:t>
             </a:fld>
             <a:endParaRPr lang="en-US"/>
           </a:p>
@@ -668,7 +668,7 @@
           <a:p>
             <a:fld id="{5A66AF80-B104-49B0-AE6F-8E381139FF3B}" type="datetimeFigureOut">
               <a:rPr lang="en-US" smtClean="0"/>
-              <a:t>11/27/2015</a:t>
+              <a:t>11/28/2015</a:t>
             </a:fld>
             <a:endParaRPr lang="en-US"/>
           </a:p>
@@ -838,7 +838,7 @@
           <a:p>
             <a:fld id="{5A66AF80-B104-49B0-AE6F-8E381139FF3B}" type="datetimeFigureOut">
               <a:rPr lang="en-US" smtClean="0"/>
-              <a:t>11/27/2015</a:t>
+              <a:t>11/28/2015</a:t>
             </a:fld>
             <a:endParaRPr lang="en-US"/>
           </a:p>
@@ -1084,7 +1084,7 @@
           <a:p>
             <a:fld id="{5A66AF80-B104-49B0-AE6F-8E381139FF3B}" type="datetimeFigureOut">
               <a:rPr lang="en-US" smtClean="0"/>
-              <a:t>11/27/2015</a:t>
+              <a:t>11/28/2015</a:t>
             </a:fld>
             <a:endParaRPr lang="en-US"/>
           </a:p>
@@ -1372,7 +1372,7 @@
           <a:p>
             <a:fld id="{5A66AF80-B104-49B0-AE6F-8E381139FF3B}" type="datetimeFigureOut">
               <a:rPr lang="en-US" smtClean="0"/>
-              <a:t>11/27/2015</a:t>
+              <a:t>11/28/2015</a:t>
             </a:fld>
             <a:endParaRPr lang="en-US"/>
           </a:p>
@@ -1794,7 +1794,7 @@
           <a:p>
             <a:fld id="{5A66AF80-B104-49B0-AE6F-8E381139FF3B}" type="datetimeFigureOut">
               <a:rPr lang="en-US" smtClean="0"/>
-              <a:t>11/27/2015</a:t>
+              <a:t>11/28/2015</a:t>
             </a:fld>
             <a:endParaRPr lang="en-US"/>
           </a:p>
@@ -1912,7 +1912,7 @@
           <a:p>
             <a:fld id="{5A66AF80-B104-49B0-AE6F-8E381139FF3B}" type="datetimeFigureOut">
               <a:rPr lang="en-US" smtClean="0"/>
-              <a:t>11/27/2015</a:t>
+              <a:t>11/28/2015</a:t>
             </a:fld>
             <a:endParaRPr lang="en-US"/>
           </a:p>
@@ -2007,7 +2007,7 @@
           <a:p>
             <a:fld id="{5A66AF80-B104-49B0-AE6F-8E381139FF3B}" type="datetimeFigureOut">
               <a:rPr lang="en-US" smtClean="0"/>
-              <a:t>11/27/2015</a:t>
+              <a:t>11/28/2015</a:t>
             </a:fld>
             <a:endParaRPr lang="en-US"/>
           </a:p>
@@ -2284,7 +2284,7 @@
           <a:p>
             <a:fld id="{5A66AF80-B104-49B0-AE6F-8E381139FF3B}" type="datetimeFigureOut">
               <a:rPr lang="en-US" smtClean="0"/>
-              <a:t>11/27/2015</a:t>
+              <a:t>11/28/2015</a:t>
             </a:fld>
             <a:endParaRPr lang="en-US"/>
           </a:p>
@@ -2537,7 +2537,7 @@
           <a:p>
             <a:fld id="{5A66AF80-B104-49B0-AE6F-8E381139FF3B}" type="datetimeFigureOut">
               <a:rPr lang="en-US" smtClean="0"/>
-              <a:t>11/27/2015</a:t>
+              <a:t>11/28/2015</a:t>
             </a:fld>
             <a:endParaRPr lang="en-US"/>
           </a:p>
@@ -2750,7 +2750,7 @@
           <a:p>
             <a:fld id="{5A66AF80-B104-49B0-AE6F-8E381139FF3B}" type="datetimeFigureOut">
               <a:rPr lang="en-US" smtClean="0"/>
-              <a:t>11/27/2015</a:t>
+              <a:t>11/28/2015</a:t>
             </a:fld>
             <a:endParaRPr lang="en-US"/>
           </a:p>
@@ -3219,7 +3219,11 @@
           <a:p>
             <a:r>
               <a:rPr lang="en-US" dirty="0" smtClean="0"/>
-              <a:t>Pictures of Algorithm Debugging</a:t>
+              <a:t>Algorithm </a:t>
+            </a:r>
+            <a:r>
+              <a:rPr lang="en-US" dirty="0" smtClean="0"/>
+              <a:t>Speed Enhancements</a:t>
             </a:r>
             <a:endParaRPr lang="en-US" dirty="0"/>
           </a:p>
@@ -3242,15 +3246,109 @@
           </a:xfrm>
         </p:spPr>
         <p:txBody>
-          <a:bodyPr/>
+          <a:bodyPr>
+            <a:normAutofit fontScale="92500" lnSpcReduction="20000"/>
+          </a:bodyPr>
           <a:lstStyle/>
           <a:p>
             <a:pPr algn="l"/>
             <a:r>
-              <a:rPr lang="en-US" dirty="0" smtClean="0"/>
-              <a:t>a</a:t>
-            </a:r>
-            <a:endParaRPr lang="en-US" dirty="0"/>
+              <a:rPr lang="en-US" sz="2000" dirty="0" smtClean="0"/>
+              <a:t>Even with Alpha Beta Pruning, the algorithm is too slow when we want Iterative Deepening to increase the depth more</a:t>
+            </a:r>
+          </a:p>
+          <a:p>
+            <a:pPr algn="l"/>
+            <a:r>
+              <a:rPr lang="en-US" sz="2000" dirty="0" smtClean="0"/>
+              <a:t>Not </a:t>
+            </a:r>
+            <a:r>
+              <a:rPr lang="en-US" sz="2000" dirty="0"/>
+              <a:t>all tiles are good to search</a:t>
+            </a:r>
+          </a:p>
+          <a:p>
+            <a:pPr marL="342900" indent="-342900" algn="l">
+              <a:buFont typeface="Arial" panose="020B0604020202020204" pitchFamily="34" charset="0"/>
+              <a:buChar char="•"/>
+            </a:pPr>
+            <a:r>
+              <a:rPr lang="en-US" sz="2000" dirty="0"/>
+              <a:t>Avoid branching on all of 64 tiles</a:t>
+            </a:r>
+          </a:p>
+          <a:p>
+            <a:pPr marL="342900" indent="-342900" algn="l">
+              <a:buFont typeface="Arial" panose="020B0604020202020204" pitchFamily="34" charset="0"/>
+              <a:buChar char="•"/>
+            </a:pPr>
+            <a:r>
+              <a:rPr lang="en-US" sz="2000" dirty="0"/>
+              <a:t>Ignore illegal moves</a:t>
+            </a:r>
+          </a:p>
+          <a:p>
+            <a:pPr marL="342900" indent="-342900" algn="l">
+              <a:buFont typeface="Arial" panose="020B0604020202020204" pitchFamily="34" charset="0"/>
+              <a:buChar char="•"/>
+            </a:pPr>
+            <a:r>
+              <a:rPr lang="en-US" sz="2000" dirty="0"/>
+              <a:t>Restrict branching to tiles near existing tiles. A distance of 4 away (since 4 moves needed to win)</a:t>
+            </a:r>
+          </a:p>
+          <a:p>
+            <a:pPr algn="l"/>
+            <a:r>
+              <a:rPr lang="en-US" sz="2000" dirty="0" smtClean="0"/>
+              <a:t>Even </a:t>
+            </a:r>
+            <a:r>
+              <a:rPr lang="en-US" sz="2000" dirty="0" smtClean="0"/>
+              <a:t>if some tiles are valid for expansion. Do not bother to expand if the </a:t>
+            </a:r>
+            <a:r>
+              <a:rPr lang="en-US" sz="2000" dirty="0" smtClean="0"/>
+              <a:t>tile’s value </a:t>
+            </a:r>
+            <a:r>
+              <a:rPr lang="en-US" sz="2000" dirty="0" smtClean="0"/>
+              <a:t>is too low.</a:t>
+            </a:r>
+          </a:p>
+          <a:p>
+            <a:pPr marL="342900" indent="-342900" algn="l">
+              <a:buFont typeface="Arial" panose="020B0604020202020204" pitchFamily="34" charset="0"/>
+              <a:buChar char="•"/>
+            </a:pPr>
+            <a:r>
+              <a:rPr lang="en-US" sz="2000" dirty="0" smtClean="0"/>
+              <a:t>Algorithm will look all values of available tiles and determine a threshold value. </a:t>
+            </a:r>
+            <a:endParaRPr lang="en-US" sz="2000" dirty="0" smtClean="0"/>
+          </a:p>
+          <a:p>
+            <a:pPr marL="342900" indent="-342900" algn="l">
+              <a:buFont typeface="Arial" panose="020B0604020202020204" pitchFamily="34" charset="0"/>
+              <a:buChar char="•"/>
+            </a:pPr>
+            <a:r>
+              <a:rPr lang="en-US" sz="2000" dirty="0" smtClean="0"/>
+              <a:t>Tiles </a:t>
+            </a:r>
+            <a:r>
+              <a:rPr lang="en-US" sz="2000" dirty="0" smtClean="0"/>
+              <a:t>with values below the threshold will not be expanded.</a:t>
+            </a:r>
+          </a:p>
+          <a:p>
+            <a:pPr algn="l"/>
+            <a:r>
+              <a:rPr lang="en-US" sz="2000" dirty="0" smtClean="0"/>
+              <a:t>Reduce branching factor and speed up algorithm. This gives it more time to evaluate better branches to a larger depth</a:t>
+            </a:r>
+            <a:endParaRPr lang="en-US" sz="2000" dirty="0"/>
           </a:p>
         </p:txBody>
       </p:sp>
@@ -3306,7 +3404,7 @@
           <a:p>
             <a:r>
               <a:rPr lang="en-US" dirty="0" smtClean="0"/>
-              <a:t>How to compare Other AI/Player</a:t>
+              <a:t>Improving Utility Function</a:t>
             </a:r>
             <a:endParaRPr lang="en-US" dirty="0"/>
           </a:p>
@@ -3329,15 +3427,98 @@
           </a:xfrm>
         </p:spPr>
         <p:txBody>
-          <a:bodyPr/>
-          <a:lstStyle/>
+          <a:bodyPr>
+            <a:normAutofit/>
+          </a:bodyPr>
+          <a:lstStyle/>
+          <a:p>
+            <a:pPr marL="342900" indent="-342900" algn="l">
+              <a:buFont typeface="Arial" panose="020B0604020202020204" pitchFamily="34" charset="0"/>
+              <a:buChar char="•"/>
+            </a:pPr>
+            <a:r>
+              <a:rPr lang="en-US" sz="2000" dirty="0" smtClean="0"/>
+              <a:t>We were able to improve the cost function after running several instances of our initial AI</a:t>
+            </a:r>
+          </a:p>
           <a:p>
             <a:pPr algn="l"/>
             <a:r>
-              <a:rPr lang="en-US" dirty="0" smtClean="0"/>
-              <a:t>a</a:t>
-            </a:r>
-            <a:endParaRPr lang="en-US" dirty="0"/>
+              <a:rPr lang="en-US" sz="2000" dirty="0" smtClean="0"/>
+              <a:t>Tile location of the first move doesn’t matter too much</a:t>
+            </a:r>
+          </a:p>
+          <a:p>
+            <a:pPr marL="800100" lvl="1" indent="-342900" algn="l">
+              <a:buFont typeface="Arial" panose="020B0604020202020204" pitchFamily="34" charset="0"/>
+              <a:buChar char="•"/>
+            </a:pPr>
+            <a:r>
+              <a:rPr lang="en-US" sz="1600" dirty="0" smtClean="0"/>
+              <a:t>We can save time by starting the algorithm with a low depth value</a:t>
+            </a:r>
+          </a:p>
+          <a:p>
+            <a:pPr marL="800100" lvl="1" indent="-342900" algn="l">
+              <a:buFont typeface="Arial" panose="020B0604020202020204" pitchFamily="34" charset="0"/>
+              <a:buChar char="•"/>
+            </a:pPr>
+            <a:r>
+              <a:rPr lang="en-US" sz="1600" dirty="0" smtClean="0"/>
+              <a:t>Depth will increase on successive moves through</a:t>
+            </a:r>
+          </a:p>
+          <a:p>
+            <a:pPr algn="l"/>
+            <a:r>
+              <a:rPr lang="en-US" sz="2000" dirty="0" smtClean="0"/>
+              <a:t>Tile values needed to be improved</a:t>
+            </a:r>
+          </a:p>
+          <a:p>
+            <a:pPr marL="800100" lvl="1" indent="-342900" algn="l">
+              <a:buFont typeface="Arial" panose="020B0604020202020204" pitchFamily="34" charset="0"/>
+              <a:buChar char="•"/>
+            </a:pPr>
+            <a:r>
+              <a:rPr lang="en-US" sz="1600" dirty="0" smtClean="0"/>
+              <a:t>Original algorithm would increase tile values for nearby tiles of same color and decrease tile values for tiles of adversary’s color</a:t>
+            </a:r>
+          </a:p>
+          <a:p>
+            <a:pPr marL="800100" lvl="1" indent="-342900" algn="l">
+              <a:buFont typeface="Arial" panose="020B0604020202020204" pitchFamily="34" charset="0"/>
+              <a:buChar char="•"/>
+            </a:pPr>
+            <a:r>
+              <a:rPr lang="en-US" sz="1600" dirty="0" smtClean="0"/>
+              <a:t>This led to occasional bad moves of the AI where it would place tiles very far from its own tiles and adversary’s tiles</a:t>
+            </a:r>
+          </a:p>
+          <a:p>
+            <a:pPr marL="800100" lvl="1" indent="-342900" algn="l">
+              <a:buFont typeface="Arial" panose="020B0604020202020204" pitchFamily="34" charset="0"/>
+              <a:buChar char="•"/>
+            </a:pPr>
+            <a:r>
+              <a:rPr lang="en-US" sz="1600" dirty="0" smtClean="0"/>
+              <a:t>Algorithm was adjusted to base tile values only it’s own color. Each tile thus had two values, it’s worth to the AI and it’s worth to the adversary</a:t>
+            </a:r>
+          </a:p>
+          <a:p>
+            <a:pPr marL="800100" lvl="1" indent="-342900" algn="l">
+              <a:buFont typeface="Arial" panose="020B0604020202020204" pitchFamily="34" charset="0"/>
+              <a:buChar char="•"/>
+            </a:pPr>
+            <a:r>
+              <a:rPr lang="en-US" sz="1600" dirty="0" smtClean="0"/>
+              <a:t>Had to alpha-beta pruning to take the min and max of the adversary’s tiles values and not it’s own tile’s values whe</a:t>
+            </a:r>
+            <a:r>
+              <a:rPr lang="en-US" sz="1600" dirty="0" smtClean="0"/>
+              <a:t>n pruning. </a:t>
+            </a:r>
+            <a:endParaRPr lang="en-US" sz="1600" dirty="0"/>
           </a:p>
         </p:txBody>
       </p:sp>
@@ -3393,14 +3574,7 @@
           <a:p>
             <a:r>
               <a:rPr lang="en-US" dirty="0" smtClean="0"/>
-              <a:t>Timing/Space/Complexity</a:t>
-            </a:r>
-            <a:br>
-              <a:rPr lang="en-US" dirty="0" smtClean="0"/>
-            </a:br>
-            <a:r>
-              <a:rPr lang="en-US" dirty="0" smtClean="0"/>
-              <a:t>Is it reasonable?</a:t>
+              <a:t>Win Rate</a:t>
             </a:r>
             <a:endParaRPr lang="en-US" dirty="0"/>
           </a:p>
@@ -3423,15 +3597,157 @@
           </a:xfrm>
         </p:spPr>
         <p:txBody>
-          <a:bodyPr/>
+          <a:bodyPr>
+            <a:normAutofit fontScale="85000" lnSpcReduction="20000"/>
+          </a:bodyPr>
           <a:lstStyle/>
           <a:p>
             <a:pPr algn="l"/>
             <a:r>
-              <a:rPr lang="en-US" dirty="0" smtClean="0"/>
-              <a:t>a</a:t>
-            </a:r>
-            <a:endParaRPr lang="en-US" dirty="0"/>
+              <a:rPr lang="en-US" sz="2000" dirty="0" smtClean="0"/>
+              <a:t>Compared to Bad AI</a:t>
+            </a:r>
+          </a:p>
+          <a:p>
+            <a:pPr marL="342900" indent="-342900" algn="l">
+              <a:buFont typeface="Arial" panose="020B0604020202020204" pitchFamily="34" charset="0"/>
+              <a:buChar char="•"/>
+            </a:pPr>
+            <a:r>
+              <a:rPr lang="en-US" sz="2000" dirty="0" smtClean="0"/>
+              <a:t>Algorithm will always win against very bad AI, such as Random AI</a:t>
+            </a:r>
+          </a:p>
+          <a:p>
+            <a:pPr marL="342900" indent="-342900" algn="l">
+              <a:buFont typeface="Arial" panose="020B0604020202020204" pitchFamily="34" charset="0"/>
+              <a:buChar char="•"/>
+            </a:pPr>
+            <a:r>
+              <a:rPr lang="en-US" sz="2000" dirty="0" smtClean="0"/>
+              <a:t>It will also usually win against AI using only dept</a:t>
+            </a:r>
+            <a:r>
+              <a:rPr lang="en-US" sz="2000" dirty="0" smtClean="0"/>
+              <a:t>h of 0</a:t>
+            </a:r>
+          </a:p>
+          <a:p>
+            <a:pPr marL="800100" lvl="1" indent="-342900" algn="l">
+              <a:buFont typeface="Arial" panose="020B0604020202020204" pitchFamily="34" charset="0"/>
+              <a:buChar char="•"/>
+            </a:pPr>
+            <a:r>
+              <a:rPr lang="en-US" sz="1600" dirty="0" smtClean="0"/>
+              <a:t>Depth 0 AI will not expand moves, but just find max of tile values</a:t>
+            </a:r>
+          </a:p>
+          <a:p>
+            <a:pPr marL="800100" lvl="1" indent="-342900" algn="l">
+              <a:buFont typeface="Arial" panose="020B0604020202020204" pitchFamily="34" charset="0"/>
+              <a:buChar char="•"/>
+            </a:pPr>
+            <a:r>
+              <a:rPr lang="en-US" sz="1600" dirty="0" smtClean="0"/>
+              <a:t>Algorithm sometimes lost if the first move was bad. We gave algorithm a low starting depth value and it would occasionally pick a bad first move</a:t>
+            </a:r>
+            <a:endParaRPr lang="en-US" sz="1600" dirty="0" smtClean="0"/>
+          </a:p>
+          <a:p>
+            <a:pPr algn="l"/>
+            <a:r>
+              <a:rPr lang="en-US" sz="2000" dirty="0" smtClean="0"/>
+              <a:t>Compared to Decent AI</a:t>
+            </a:r>
+          </a:p>
+          <a:p>
+            <a:pPr marL="342900" indent="-342900" algn="l">
+              <a:buFont typeface="Arial" panose="020B0604020202020204" pitchFamily="34" charset="0"/>
+              <a:buChar char="•"/>
+            </a:pPr>
+            <a:r>
+              <a:rPr lang="en-US" sz="2000" dirty="0" smtClean="0"/>
+              <a:t>Against our original AI that compared tile values of both itself and the adversary, the algorithm was very good</a:t>
+            </a:r>
+          </a:p>
+          <a:p>
+            <a:pPr marL="800100" lvl="1" indent="-342900" algn="l">
+              <a:buFont typeface="Arial" panose="020B0604020202020204" pitchFamily="34" charset="0"/>
+              <a:buChar char="•"/>
+            </a:pPr>
+            <a:r>
+              <a:rPr lang="en-US" sz="1600" dirty="0" smtClean="0"/>
+              <a:t>This was because the original AI had a higher chance of wasting bad moves</a:t>
+            </a:r>
+          </a:p>
+          <a:p>
+            <a:pPr algn="l"/>
+            <a:r>
+              <a:rPr lang="en-US" sz="2000" dirty="0" smtClean="0"/>
+              <a:t>Compared to Players</a:t>
+            </a:r>
+          </a:p>
+          <a:p>
+            <a:pPr marL="342900" indent="-342900" algn="l">
+              <a:buFont typeface="Arial" panose="020B0604020202020204" pitchFamily="34" charset="0"/>
+              <a:buChar char="•"/>
+            </a:pPr>
+            <a:r>
+              <a:rPr lang="en-US" sz="2000" dirty="0" smtClean="0"/>
+              <a:t>Compared to players, the algorithm would win sometimes</a:t>
+            </a:r>
+          </a:p>
+          <a:p>
+            <a:pPr marL="342900" indent="-342900" algn="l">
+              <a:buFont typeface="Arial" panose="020B0604020202020204" pitchFamily="34" charset="0"/>
+              <a:buChar char="•"/>
+            </a:pPr>
+            <a:r>
+              <a:rPr lang="en-US" sz="2000" dirty="0" smtClean="0"/>
+              <a:t>It was very good at making plans that led to it’s own victory</a:t>
+            </a:r>
+          </a:p>
+          <a:p>
+            <a:pPr marL="800100" lvl="1" indent="-342900" algn="l">
+              <a:buFont typeface="Arial" panose="020B0604020202020204" pitchFamily="34" charset="0"/>
+              <a:buChar char="•"/>
+            </a:pPr>
+            <a:r>
+              <a:rPr lang="en-US" sz="1600" dirty="0" smtClean="0"/>
+              <a:t>Moves that allowed multiple possible winning moves</a:t>
+            </a:r>
+            <a:endParaRPr lang="en-US" sz="1600" dirty="0" smtClean="0"/>
+          </a:p>
+          <a:p>
+            <a:pPr marL="342900" indent="-342900" algn="l">
+              <a:buFont typeface="Arial" panose="020B0604020202020204" pitchFamily="34" charset="0"/>
+              <a:buChar char="•"/>
+            </a:pPr>
+            <a:r>
+              <a:rPr lang="en-US" sz="2000" dirty="0" smtClean="0"/>
+              <a:t>However it was bad at stopping Player’s strategy of making good plans</a:t>
+            </a:r>
+          </a:p>
+          <a:p>
+            <a:pPr marL="800100" lvl="1" indent="-342900" algn="l">
+              <a:buFont typeface="Arial" panose="020B0604020202020204" pitchFamily="34" charset="0"/>
+              <a:buChar char="•"/>
+            </a:pPr>
+            <a:r>
+              <a:rPr lang="en-US" sz="1600" dirty="0" smtClean="0"/>
+              <a:t>It can be easy to beat if the player went first</a:t>
+            </a:r>
+          </a:p>
+          <a:p>
+            <a:pPr marL="800100" lvl="1" indent="-342900" algn="l">
+              <a:buFont typeface="Arial" panose="020B0604020202020204" pitchFamily="34" charset="0"/>
+              <a:buChar char="•"/>
+            </a:pPr>
+            <a:r>
+              <a:rPr lang="en-US" sz="1600" dirty="0" smtClean="0"/>
+              <a:t>AI did not make good blocking moves that could stop players early on</a:t>
+            </a:r>
+            <a:endParaRPr lang="en-US" sz="1600" dirty="0"/>
           </a:p>
         </p:txBody>
       </p:sp>
@@ -3487,8 +3803,15 @@
           <a:p>
             <a:r>
               <a:rPr lang="en-US" dirty="0" smtClean="0"/>
-              <a:t>How good is it? Can it be better?</a:t>
-            </a:r>
+              <a:t>Timing and Space Complexity</a:t>
+            </a:r>
+            <a:r>
+              <a:rPr lang="en-US" dirty="0" smtClean="0"/>
+              <a:t/>
+            </a:r>
+            <a:br>
+              <a:rPr lang="en-US" dirty="0" smtClean="0"/>
+            </a:br>
             <a:endParaRPr lang="en-US" dirty="0"/>
           </a:p>
         </p:txBody>
@@ -3510,15 +3833,96 @@
           </a:xfrm>
         </p:spPr>
         <p:txBody>
-          <a:bodyPr/>
+          <a:bodyPr>
+            <a:normAutofit/>
+          </a:bodyPr>
           <a:lstStyle/>
           <a:p>
             <a:pPr algn="l"/>
             <a:r>
-              <a:rPr lang="en-US" dirty="0" smtClean="0"/>
-              <a:t>a</a:t>
-            </a:r>
-            <a:endParaRPr lang="en-US" dirty="0"/>
+              <a:rPr lang="en-US" sz="2000" dirty="0" smtClean="0">
+                <a:solidFill>
+                  <a:srgbClr val="FF0000"/>
+                </a:solidFill>
+              </a:rPr>
+              <a:t>TODO improve this!</a:t>
+            </a:r>
+          </a:p>
+          <a:p>
+            <a:pPr algn="l"/>
+            <a:r>
+              <a:rPr lang="en-US" sz="2000" dirty="0" smtClean="0"/>
+              <a:t>Timing</a:t>
+            </a:r>
+          </a:p>
+          <a:p>
+            <a:pPr marL="342900" indent="-342900" algn="l">
+              <a:buFont typeface="Arial" panose="020B0604020202020204" pitchFamily="34" charset="0"/>
+              <a:buChar char="•"/>
+            </a:pPr>
+            <a:r>
+              <a:rPr lang="en-US" sz="2000" dirty="0" smtClean="0"/>
+              <a:t>Very fast if depth does not increase too much</a:t>
+            </a:r>
+          </a:p>
+          <a:p>
+            <a:pPr marL="342900" indent="-342900" algn="l">
+              <a:buFont typeface="Arial" panose="020B0604020202020204" pitchFamily="34" charset="0"/>
+              <a:buChar char="•"/>
+            </a:pPr>
+            <a:r>
+              <a:rPr lang="en-US" sz="2000" dirty="0" smtClean="0"/>
+              <a:t>Speeds up of reducing branch size allowed more depth within reasonable time</a:t>
+            </a:r>
+          </a:p>
+          <a:p>
+            <a:pPr marL="342900" indent="-342900" algn="l">
+              <a:buFont typeface="Arial" panose="020B0604020202020204" pitchFamily="34" charset="0"/>
+              <a:buChar char="•"/>
+            </a:pPr>
+            <a:r>
+              <a:rPr lang="en-US" sz="2000" dirty="0" smtClean="0"/>
+              <a:t>Removing speed ups would have made a high depth infeasible</a:t>
+            </a:r>
+          </a:p>
+          <a:p>
+            <a:pPr marL="800100" lvl="1" indent="-342900" algn="l">
+              <a:buFont typeface="Arial" panose="020B0604020202020204" pitchFamily="34" charset="0"/>
+              <a:buChar char="•"/>
+            </a:pPr>
+            <a:r>
+              <a:rPr lang="en-US" sz="1200" dirty="0" smtClean="0"/>
+              <a:t>64 possible tiles was a huge branching factor</a:t>
+            </a:r>
+            <a:endParaRPr lang="en-US" sz="1200" dirty="0"/>
+          </a:p>
+          <a:p>
+            <a:pPr algn="l"/>
+            <a:r>
+              <a:rPr lang="en-US" sz="2000" dirty="0" smtClean="0"/>
+              <a:t>Space</a:t>
+            </a:r>
+          </a:p>
+          <a:p>
+            <a:pPr marL="342900" indent="-342900" algn="l">
+              <a:buFont typeface="Arial" panose="020B0604020202020204" pitchFamily="34" charset="0"/>
+              <a:buChar char="•"/>
+            </a:pPr>
+            <a:r>
+              <a:rPr lang="en-US" sz="2000" dirty="0" smtClean="0"/>
+              <a:t>Storing the data was compact</a:t>
+            </a:r>
+          </a:p>
+          <a:p>
+            <a:pPr marL="342900" indent="-342900" algn="l">
+              <a:buFont typeface="Arial" panose="020B0604020202020204" pitchFamily="34" charset="0"/>
+              <a:buChar char="•"/>
+            </a:pPr>
+            <a:r>
+              <a:rPr lang="en-US" sz="2000" dirty="0" smtClean="0"/>
+              <a:t>Did not search into infinity and create memory issues</a:t>
+            </a:r>
+            <a:endParaRPr lang="en-US" sz="2000" dirty="0"/>
           </a:p>
         </p:txBody>
       </p:sp>
@@ -3691,15 +4095,114 @@
           </a:xfrm>
         </p:spPr>
         <p:txBody>
-          <a:bodyPr/>
+          <a:bodyPr>
+            <a:normAutofit/>
+          </a:bodyPr>
           <a:lstStyle/>
           <a:p>
             <a:pPr algn="l"/>
             <a:r>
-              <a:rPr lang="en-US" dirty="0" smtClean="0"/>
-              <a:t>a</a:t>
-            </a:r>
-            <a:endParaRPr lang="en-US" dirty="0"/>
+              <a:rPr lang="en-US" sz="2000" dirty="0" smtClean="0"/>
+              <a:t>Going first has a huge advantage</a:t>
+            </a:r>
+          </a:p>
+          <a:p>
+            <a:pPr algn="l"/>
+            <a:r>
+              <a:rPr lang="en-US" sz="2000" dirty="0" smtClean="0"/>
+              <a:t>Early in the game, large depth has little deciding factor</a:t>
+            </a:r>
+          </a:p>
+          <a:p>
+            <a:pPr marL="342900" indent="-342900" algn="l">
+              <a:buFont typeface="Arial" panose="020B0604020202020204" pitchFamily="34" charset="0"/>
+              <a:buChar char="•"/>
+            </a:pPr>
+            <a:r>
+              <a:rPr lang="en-US" sz="2000" dirty="0" smtClean="0"/>
+              <a:t>Tiles mostly have relatively same values</a:t>
+            </a:r>
+          </a:p>
+          <a:p>
+            <a:pPr algn="l"/>
+            <a:r>
+              <a:rPr lang="en-US" sz="2000" dirty="0" smtClean="0"/>
+              <a:t>Large depth matters more later in the game</a:t>
+            </a:r>
+          </a:p>
+          <a:p>
+            <a:pPr marL="342900" indent="-342900" algn="l">
+              <a:buFont typeface="Arial" panose="020B0604020202020204" pitchFamily="34" charset="0"/>
+              <a:buChar char="•"/>
+            </a:pPr>
+            <a:r>
+              <a:rPr lang="en-US" sz="2000" dirty="0" smtClean="0"/>
+              <a:t>Tile v</a:t>
+            </a:r>
+            <a:r>
+              <a:rPr lang="en-US" sz="2000" dirty="0" smtClean="0"/>
+              <a:t>alues will differ more as the game progresses</a:t>
+            </a:r>
+          </a:p>
+          <a:p>
+            <a:pPr marL="342900" indent="-342900" algn="l">
+              <a:buFont typeface="Arial" panose="020B0604020202020204" pitchFamily="34" charset="0"/>
+              <a:buChar char="•"/>
+            </a:pPr>
+            <a:r>
+              <a:rPr lang="en-US" sz="2000" dirty="0" smtClean="0"/>
+              <a:t>The best moves are not as obvious</a:t>
+            </a:r>
+          </a:p>
+          <a:p>
+            <a:pPr algn="l"/>
+            <a:r>
+              <a:rPr lang="en-US" sz="2000" dirty="0" smtClean="0"/>
+              <a:t>Alpha beta pruning and branch reduction are necessary</a:t>
+            </a:r>
+          </a:p>
+          <a:p>
+            <a:pPr marL="342900" indent="-342900" algn="l">
+              <a:buFont typeface="Arial" panose="020B0604020202020204" pitchFamily="34" charset="0"/>
+              <a:buChar char="•"/>
+            </a:pPr>
+            <a:r>
+              <a:rPr lang="en-US" sz="2000" dirty="0" smtClean="0"/>
+              <a:t>Branching factor of game is huge</a:t>
+            </a:r>
+          </a:p>
+          <a:p>
+            <a:pPr marL="342900" indent="-342900" algn="l">
+              <a:buFont typeface="Arial" panose="020B0604020202020204" pitchFamily="34" charset="0"/>
+              <a:buChar char="•"/>
+            </a:pPr>
+            <a:r>
+              <a:rPr lang="en-US" sz="2000" dirty="0" smtClean="0"/>
+              <a:t>AI’s moves will take too long when depth increases</a:t>
+            </a:r>
+          </a:p>
+          <a:p>
+            <a:pPr marL="342900" indent="-342900" algn="l">
+              <a:buFont typeface="Arial" panose="020B0604020202020204" pitchFamily="34" charset="0"/>
+              <a:buChar char="•"/>
+            </a:pPr>
+            <a:r>
+              <a:rPr lang="en-US" sz="2000" dirty="0" smtClean="0"/>
+              <a:t>O(</a:t>
+            </a:r>
+            <a:r>
+              <a:rPr lang="en-US" sz="2000" dirty="0" err="1" smtClean="0"/>
+              <a:t>b</a:t>
+            </a:r>
+            <a:r>
+              <a:rPr lang="en-US" sz="2000" baseline="30000" dirty="0" err="1" smtClean="0"/>
+              <a:t>d</a:t>
+            </a:r>
+            <a:r>
+              <a:rPr lang="en-US" sz="2000" dirty="0" smtClean="0"/>
+              <a:t>)</a:t>
+            </a:r>
+            <a:endParaRPr lang="en-US" sz="2000" dirty="0"/>
           </a:p>
         </p:txBody>
       </p:sp>
@@ -3929,7 +4432,7 @@
           <a:p>
             <a:r>
               <a:rPr lang="en-US" dirty="0" smtClean="0"/>
-              <a:t>Describe Problem/Constraints</a:t>
+              <a:t>PEAS</a:t>
             </a:r>
             <a:endParaRPr lang="en-US" dirty="0"/>
           </a:p>
@@ -3953,80 +4456,87 @@
         </p:spPr>
         <p:txBody>
           <a:bodyPr>
-            <a:normAutofit/>
+            <a:noAutofit/>
           </a:bodyPr>
           <a:lstStyle/>
           <a:p>
             <a:pPr algn="l"/>
             <a:r>
-              <a:rPr lang="en-US" sz="2400" dirty="0" smtClean="0"/>
-              <a:t>Strategic game</a:t>
-            </a:r>
-          </a:p>
-          <a:p>
-            <a:pPr marL="342900" indent="-342900" algn="l">
+              <a:rPr lang="en-US" sz="2000" dirty="0" smtClean="0"/>
+              <a:t>Performance</a:t>
+            </a:r>
+          </a:p>
+          <a:p>
+            <a:pPr marL="457200" indent="-457200" algn="l">
               <a:buFont typeface="Arial" panose="020B0604020202020204" pitchFamily="34" charset="0"/>
               <a:buChar char="•"/>
             </a:pPr>
             <a:r>
-              <a:rPr lang="en-US" sz="2400" dirty="0" smtClean="0"/>
-              <a:t>Adversary in Game</a:t>
-            </a:r>
-          </a:p>
-          <a:p>
-            <a:pPr marL="342900" indent="-342900" algn="l">
+              <a:rPr lang="en-US" sz="2000" dirty="0" smtClean="0"/>
+              <a:t>Win the game</a:t>
+            </a:r>
+          </a:p>
+          <a:p>
+            <a:pPr marL="457200" indent="-457200" algn="l">
               <a:buFont typeface="Arial" panose="020B0604020202020204" pitchFamily="34" charset="0"/>
               <a:buChar char="•"/>
             </a:pPr>
             <a:r>
-              <a:rPr lang="en-US" sz="2400" dirty="0" smtClean="0"/>
-              <a:t>Ideal moves may be blocked</a:t>
+              <a:rPr lang="en-US" sz="2000" dirty="0" smtClean="0"/>
+              <a:t>Too slow, infeasible time</a:t>
             </a:r>
           </a:p>
           <a:p>
             <a:pPr algn="l"/>
             <a:r>
-              <a:rPr lang="en-US" sz="2400" dirty="0" smtClean="0"/>
-              <a:t>Very large branching factor of moves</a:t>
-            </a:r>
-          </a:p>
-          <a:p>
-            <a:pPr marL="342900" indent="-342900" algn="l">
+              <a:rPr lang="en-US" sz="2000" dirty="0" smtClean="0"/>
+              <a:t>Environment</a:t>
+            </a:r>
+          </a:p>
+          <a:p>
+            <a:pPr marL="457200" indent="-457200" algn="l">
               <a:buFont typeface="Arial" panose="020B0604020202020204" pitchFamily="34" charset="0"/>
               <a:buChar char="•"/>
             </a:pPr>
             <a:r>
-              <a:rPr lang="en-US" sz="2400" dirty="0" smtClean="0"/>
-              <a:t>Board size of 64</a:t>
-            </a:r>
-          </a:p>
-          <a:p>
-            <a:pPr marL="342900" indent="-342900" algn="l">
+              <a:rPr lang="en-US" sz="2000" dirty="0" smtClean="0"/>
+              <a:t>Game board 8x8 grid</a:t>
+            </a:r>
+          </a:p>
+          <a:p>
+            <a:pPr algn="l"/>
+            <a:r>
+              <a:rPr lang="en-US" sz="2000" dirty="0" smtClean="0"/>
+              <a:t>Actuator</a:t>
+            </a:r>
+          </a:p>
+          <a:p>
+            <a:pPr marL="457200" indent="-457200" algn="l">
               <a:buFont typeface="Arial" panose="020B0604020202020204" pitchFamily="34" charset="0"/>
               <a:buChar char="•"/>
             </a:pPr>
             <a:r>
-              <a:rPr lang="en-US" sz="2400" dirty="0" smtClean="0"/>
-              <a:t>Not all moves will contribute anything</a:t>
+              <a:rPr lang="en-US" sz="2000" dirty="0" smtClean="0"/>
+              <a:t>Placing tiles on the board</a:t>
             </a:r>
           </a:p>
           <a:p>
             <a:pPr algn="l"/>
             <a:r>
-              <a:rPr lang="en-US" sz="2400" dirty="0" smtClean="0"/>
-              <a:t>Good moves are deep, need to plan ahead</a:t>
-            </a:r>
-          </a:p>
-          <a:p>
-            <a:pPr marL="342900" indent="-342900" algn="l">
+              <a:rPr lang="en-US" sz="2000" dirty="0" smtClean="0"/>
+              <a:t>Sensor</a:t>
+            </a:r>
+          </a:p>
+          <a:p>
+            <a:pPr marL="457200" indent="-457200" algn="l">
               <a:buFont typeface="Arial" panose="020B0604020202020204" pitchFamily="34" charset="0"/>
               <a:buChar char="•"/>
             </a:pPr>
             <a:r>
-              <a:rPr lang="en-US" sz="2400" dirty="0" smtClean="0"/>
-              <a:t>Because of nature of the game, obvious winning moves are easy to block. AI needs to plan ahead</a:t>
-            </a:r>
-            <a:endParaRPr lang="en-US" sz="2400" dirty="0"/>
+              <a:rPr lang="en-US" sz="2000" dirty="0" smtClean="0"/>
+              <a:t>Board stored as matrix for evaluation</a:t>
+            </a:r>
+            <a:endParaRPr lang="en-US" sz="2000" dirty="0"/>
           </a:p>
         </p:txBody>
       </p:sp>
@@ -4082,7 +4592,7 @@
           <a:p>
             <a:r>
               <a:rPr lang="en-US" dirty="0" smtClean="0"/>
-              <a:t>What’s a Good H?</a:t>
+              <a:t>Game GUI</a:t>
             </a:r>
             <a:endParaRPr lang="en-US" dirty="0"/>
           </a:p>
@@ -4105,6 +4615,93 @@
           </a:xfrm>
         </p:spPr>
         <p:txBody>
+          <a:bodyPr/>
+          <a:lstStyle/>
+          <a:p>
+            <a:pPr algn="l"/>
+            <a:r>
+              <a:rPr lang="en-US" dirty="0" smtClean="0"/>
+              <a:t>a</a:t>
+            </a:r>
+            <a:endParaRPr lang="en-US" dirty="0"/>
+          </a:p>
+        </p:txBody>
+      </p:sp>
+    </p:spTree>
+    <p:extLst>
+      <p:ext uri="{BB962C8B-B14F-4D97-AF65-F5344CB8AC3E}">
+        <p14:creationId xmlns:p14="http://schemas.microsoft.com/office/powerpoint/2010/main" val="3352461406"/>
+      </p:ext>
+    </p:extLst>
+  </p:cSld>
+  <p:clrMapOvr>
+    <a:masterClrMapping/>
+  </p:clrMapOvr>
+</p:sld>
+</file>
+
+<file path=ppt/slides/slide6.xml><?xml version="1.0" encoding="utf-8"?>
+<p:sld xmlns:a="http://schemas.openxmlformats.org/drawingml/2006/main" xmlns:r="http://schemas.openxmlformats.org/officeDocument/2006/relationships" xmlns:p="http://schemas.openxmlformats.org/presentationml/2006/main">
+  <p:cSld>
+    <p:spTree>
+      <p:nvGrpSpPr>
+        <p:cNvPr id="1" name=""/>
+        <p:cNvGrpSpPr/>
+        <p:nvPr/>
+      </p:nvGrpSpPr>
+      <p:grpSpPr>
+        <a:xfrm>
+          <a:off x="0" y="0"/>
+          <a:ext cx="0" cy="0"/>
+          <a:chOff x="0" y="0"/>
+          <a:chExt cx="0" cy="0"/>
+        </a:xfrm>
+      </p:grpSpPr>
+      <p:sp>
+        <p:nvSpPr>
+          <p:cNvPr id="2" name="Title 1"/>
+          <p:cNvSpPr>
+            <a:spLocks noGrp="1"/>
+          </p:cNvSpPr>
+          <p:nvPr>
+            <p:ph type="ctrTitle"/>
+          </p:nvPr>
+        </p:nvSpPr>
+        <p:spPr>
+          <a:xfrm>
+            <a:off x="685800" y="381000"/>
+            <a:ext cx="7772400" cy="1470025"/>
+          </a:xfrm>
+        </p:spPr>
+        <p:txBody>
+          <a:bodyPr/>
+          <a:lstStyle/>
+          <a:p>
+            <a:r>
+              <a:rPr lang="en-US" dirty="0" smtClean="0"/>
+              <a:t>Describe Problem/Constraints</a:t>
+            </a:r>
+            <a:endParaRPr lang="en-US" dirty="0"/>
+          </a:p>
+        </p:txBody>
+      </p:sp>
+      <p:sp>
+        <p:nvSpPr>
+          <p:cNvPr id="3" name="Subtitle 2"/>
+          <p:cNvSpPr>
+            <a:spLocks noGrp="1"/>
+          </p:cNvSpPr>
+          <p:nvPr>
+            <p:ph type="subTitle" idx="1"/>
+          </p:nvPr>
+        </p:nvSpPr>
+        <p:spPr>
+          <a:xfrm>
+            <a:off x="762000" y="1447800"/>
+            <a:ext cx="7543800" cy="4191000"/>
+          </a:xfrm>
+        </p:spPr>
+        <p:txBody>
           <a:bodyPr>
             <a:normAutofit/>
           </a:bodyPr>
@@ -4112,8 +4709,8 @@
           <a:p>
             <a:pPr algn="l"/>
             <a:r>
-              <a:rPr lang="en-US" sz="2000" dirty="0" smtClean="0"/>
-              <a:t>Utility function</a:t>
+              <a:rPr lang="en-US" sz="2400" dirty="0" smtClean="0"/>
+              <a:t>Strategic game</a:t>
             </a:r>
           </a:p>
           <a:p>
@@ -4122,8 +4719,8 @@
               <a:buChar char="•"/>
             </a:pPr>
             <a:r>
-              <a:rPr lang="en-US" sz="2000" dirty="0" smtClean="0"/>
-              <a:t>Tiles next to existing moves are more ideal</a:t>
+              <a:rPr lang="en-US" sz="2400" dirty="0" smtClean="0"/>
+              <a:t>Adversary in Game</a:t>
             </a:r>
           </a:p>
           <a:p>
@@ -4132,6 +4729,159 @@
               <a:buChar char="•"/>
             </a:pPr>
             <a:r>
+              <a:rPr lang="en-US" sz="2400" dirty="0" smtClean="0"/>
+              <a:t>Ideal moves may be blocked</a:t>
+            </a:r>
+          </a:p>
+          <a:p>
+            <a:pPr algn="l"/>
+            <a:r>
+              <a:rPr lang="en-US" sz="2400" dirty="0" smtClean="0"/>
+              <a:t>Very large branching factor of moves</a:t>
+            </a:r>
+          </a:p>
+          <a:p>
+            <a:pPr marL="342900" indent="-342900" algn="l">
+              <a:buFont typeface="Arial" panose="020B0604020202020204" pitchFamily="34" charset="0"/>
+              <a:buChar char="•"/>
+            </a:pPr>
+            <a:r>
+              <a:rPr lang="en-US" sz="2400" dirty="0" smtClean="0"/>
+              <a:t>Board size of 64</a:t>
+            </a:r>
+          </a:p>
+          <a:p>
+            <a:pPr marL="342900" indent="-342900" algn="l">
+              <a:buFont typeface="Arial" panose="020B0604020202020204" pitchFamily="34" charset="0"/>
+              <a:buChar char="•"/>
+            </a:pPr>
+            <a:r>
+              <a:rPr lang="en-US" sz="2400" dirty="0" smtClean="0"/>
+              <a:t>Not all moves will contribute anything</a:t>
+            </a:r>
+          </a:p>
+          <a:p>
+            <a:pPr algn="l"/>
+            <a:r>
+              <a:rPr lang="en-US" sz="2400" dirty="0" smtClean="0"/>
+              <a:t>Good moves are deep, need to plan ahead</a:t>
+            </a:r>
+          </a:p>
+          <a:p>
+            <a:pPr marL="342900" indent="-342900" algn="l">
+              <a:buFont typeface="Arial" panose="020B0604020202020204" pitchFamily="34" charset="0"/>
+              <a:buChar char="•"/>
+            </a:pPr>
+            <a:r>
+              <a:rPr lang="en-US" sz="2400" dirty="0" smtClean="0"/>
+              <a:t>Because of nature of the game, obvious winning moves are easy to block. AI needs to plan ahead</a:t>
+            </a:r>
+            <a:endParaRPr lang="en-US" sz="2400" dirty="0"/>
+          </a:p>
+        </p:txBody>
+      </p:sp>
+    </p:spTree>
+    <p:extLst>
+      <p:ext uri="{BB962C8B-B14F-4D97-AF65-F5344CB8AC3E}">
+        <p14:creationId xmlns:p14="http://schemas.microsoft.com/office/powerpoint/2010/main" val="3352461406"/>
+      </p:ext>
+    </p:extLst>
+  </p:cSld>
+  <p:clrMapOvr>
+    <a:masterClrMapping/>
+  </p:clrMapOvr>
+</p:sld>
+</file>
+
+<file path=ppt/slides/slide7.xml><?xml version="1.0" encoding="utf-8"?>
+<p:sld xmlns:a="http://schemas.openxmlformats.org/drawingml/2006/main" xmlns:r="http://schemas.openxmlformats.org/officeDocument/2006/relationships" xmlns:p="http://schemas.openxmlformats.org/presentationml/2006/main">
+  <p:cSld>
+    <p:spTree>
+      <p:nvGrpSpPr>
+        <p:cNvPr id="1" name=""/>
+        <p:cNvGrpSpPr/>
+        <p:nvPr/>
+      </p:nvGrpSpPr>
+      <p:grpSpPr>
+        <a:xfrm>
+          <a:off x="0" y="0"/>
+          <a:ext cx="0" cy="0"/>
+          <a:chOff x="0" y="0"/>
+          <a:chExt cx="0" cy="0"/>
+        </a:xfrm>
+      </p:grpSpPr>
+      <p:sp>
+        <p:nvSpPr>
+          <p:cNvPr id="2" name="Title 1"/>
+          <p:cNvSpPr>
+            <a:spLocks noGrp="1"/>
+          </p:cNvSpPr>
+          <p:nvPr>
+            <p:ph type="ctrTitle"/>
+          </p:nvPr>
+        </p:nvSpPr>
+        <p:spPr>
+          <a:xfrm>
+            <a:off x="685800" y="381000"/>
+            <a:ext cx="7772400" cy="1470025"/>
+          </a:xfrm>
+        </p:spPr>
+        <p:txBody>
+          <a:bodyPr/>
+          <a:lstStyle/>
+          <a:p>
+            <a:r>
+              <a:rPr lang="en-US" dirty="0" smtClean="0"/>
+              <a:t>Utility Function</a:t>
+            </a:r>
+            <a:endParaRPr lang="en-US" dirty="0"/>
+          </a:p>
+        </p:txBody>
+      </p:sp>
+      <p:sp>
+        <p:nvSpPr>
+          <p:cNvPr id="3" name="Subtitle 2"/>
+          <p:cNvSpPr>
+            <a:spLocks noGrp="1"/>
+          </p:cNvSpPr>
+          <p:nvPr>
+            <p:ph type="subTitle" idx="1"/>
+          </p:nvPr>
+        </p:nvSpPr>
+        <p:spPr>
+          <a:xfrm>
+            <a:off x="762000" y="1447800"/>
+            <a:ext cx="7543800" cy="4191000"/>
+          </a:xfrm>
+        </p:spPr>
+        <p:txBody>
+          <a:bodyPr>
+            <a:normAutofit/>
+          </a:bodyPr>
+          <a:lstStyle/>
+          <a:p>
+            <a:pPr algn="l"/>
+            <a:r>
+              <a:rPr lang="en-US" sz="2000" dirty="0" smtClean="0"/>
+              <a:t>Utility function</a:t>
+            </a:r>
+          </a:p>
+          <a:p>
+            <a:pPr marL="342900" indent="-342900" algn="l">
+              <a:buFont typeface="Arial" panose="020B0604020202020204" pitchFamily="34" charset="0"/>
+              <a:buChar char="•"/>
+            </a:pPr>
+            <a:r>
+              <a:rPr lang="en-US" sz="2000" dirty="0" smtClean="0"/>
+              <a:t>Tiles next to existing moves are more ideal</a:t>
+            </a:r>
+          </a:p>
+          <a:p>
+            <a:pPr marL="342900" indent="-342900" algn="l">
+              <a:buFont typeface="Arial" panose="020B0604020202020204" pitchFamily="34" charset="0"/>
+              <a:buChar char="•"/>
+            </a:pPr>
+            <a:r>
               <a:rPr lang="en-US" sz="2000" dirty="0" smtClean="0"/>
               <a:t>A tile’s value increases the more tiles are in the vicinity</a:t>
             </a:r>
@@ -4143,7 +4893,11 @@
             </a:pPr>
             <a:r>
               <a:rPr lang="en-US" sz="1600" dirty="0" smtClean="0"/>
-              <a:t>Need to chain tiles together to win</a:t>
+              <a:t>Need </a:t>
+            </a:r>
+            <a:r>
+              <a:rPr lang="en-US" sz="1600" dirty="0" smtClean="0"/>
+              <a:t>to chain tiles together to win</a:t>
             </a:r>
           </a:p>
           <a:p>
@@ -4181,17 +4935,8 @@
             </a:pPr>
             <a:r>
               <a:rPr lang="en-US" sz="2000" dirty="0" smtClean="0"/>
-              <a:t>Straight </a:t>
-            </a:r>
-            <a:r>
-              <a:rPr lang="en-US" sz="2000" dirty="0" smtClean="0"/>
-              <a:t>utility function </a:t>
-            </a:r>
-            <a:r>
-              <a:rPr lang="en-US" sz="2000" dirty="0" smtClean="0"/>
-              <a:t>not completely ideal. Winning moves need to have a higher value so that these moves are committed to first.</a:t>
-            </a:r>
-            <a:endParaRPr lang="en-US" sz="2000" dirty="0" smtClean="0"/>
+              <a:t>Straight utility function not completely ideal. Winning moves need to have a higher value so that these moves are committed to first.</a:t>
+            </a:r>
           </a:p>
         </p:txBody>
       </p:sp>
@@ -4238,12 +4983,12 @@
                     <a:p>
                       <a:pPr algn="l" fontAlgn="b"/>
                       <a:r>
-                        <a:rPr lang="en-US" sz="1100" u="none" strike="noStrike">
+                        <a:rPr lang="en-US" sz="1100" u="none" strike="noStrike" dirty="0">
                           <a:effectLst/>
                         </a:rPr>
                         <a:t> </a:t>
                       </a:r>
-                      <a:endParaRPr lang="en-US" sz="1100" b="0" i="0" u="none" strike="noStrike">
+                      <a:endParaRPr lang="en-US" sz="1100" b="0" i="0" u="none" strike="noStrike" dirty="0">
                         <a:solidFill>
                           <a:srgbClr val="000000"/>
                         </a:solidFill>
@@ -4307,12 +5052,12 @@
                     <a:p>
                       <a:pPr algn="l" fontAlgn="b"/>
                       <a:r>
-                        <a:rPr lang="en-US" sz="1100" u="none" strike="noStrike">
+                        <a:rPr lang="en-US" sz="1100" u="none" strike="noStrike" dirty="0">
                           <a:effectLst/>
                         </a:rPr>
                         <a:t> </a:t>
                       </a:r>
-                      <a:endParaRPr lang="en-US" sz="1100" b="0" i="0" u="none" strike="noStrike">
+                      <a:endParaRPr lang="en-US" sz="1100" b="0" i="0" u="none" strike="noStrike" dirty="0">
                         <a:solidFill>
                           <a:srgbClr val="000000"/>
                         </a:solidFill>
@@ -5083,12 +5828,12 @@
                     <a:p>
                       <a:pPr algn="l" fontAlgn="b"/>
                       <a:r>
-                        <a:rPr lang="en-US" sz="1100" u="none" strike="noStrike">
+                        <a:rPr lang="en-US" sz="1100" u="none" strike="noStrike" dirty="0">
                           <a:effectLst/>
                         </a:rPr>
                         <a:t> </a:t>
                       </a:r>
-                      <a:endParaRPr lang="en-US" sz="1100" b="0" i="0" u="none" strike="noStrike">
+                      <a:endParaRPr lang="en-US" sz="1100" b="0" i="0" u="none" strike="noStrike" dirty="0">
                         <a:solidFill>
                           <a:srgbClr val="000000"/>
                         </a:solidFill>
@@ -5129,12 +5874,12 @@
                     <a:p>
                       <a:pPr algn="l" fontAlgn="b"/>
                       <a:r>
-                        <a:rPr lang="en-US" sz="1100" u="none" strike="noStrike">
+                        <a:rPr lang="en-US" sz="1100" u="none" strike="noStrike" dirty="0">
                           <a:effectLst/>
                         </a:rPr>
                         <a:t> </a:t>
                       </a:r>
-                      <a:endParaRPr lang="en-US" sz="1100" b="0" i="0" u="none" strike="noStrike">
+                      <a:endParaRPr lang="en-US" sz="1100" b="0" i="0" u="none" strike="noStrike" dirty="0">
                         <a:solidFill>
                           <a:srgbClr val="000000"/>
                         </a:solidFill>
@@ -5904,254 +6649,6 @@
 </p:sld>
 </file>
 
-<file path=ppt/slides/slide6.xml><?xml version="1.0" encoding="utf-8"?>
-<p:sld xmlns:a="http://schemas.openxmlformats.org/drawingml/2006/main" xmlns:r="http://schemas.openxmlformats.org/officeDocument/2006/relationships" xmlns:p="http://schemas.openxmlformats.org/presentationml/2006/main">
-  <p:cSld>
-    <p:spTree>
-      <p:nvGrpSpPr>
-        <p:cNvPr id="1" name=""/>
-        <p:cNvGrpSpPr/>
-        <p:nvPr/>
-      </p:nvGrpSpPr>
-      <p:grpSpPr>
-        <a:xfrm>
-          <a:off x="0" y="0"/>
-          <a:ext cx="0" cy="0"/>
-          <a:chOff x="0" y="0"/>
-          <a:chExt cx="0" cy="0"/>
-        </a:xfrm>
-      </p:grpSpPr>
-      <p:sp>
-        <p:nvSpPr>
-          <p:cNvPr id="2" name="Title 1"/>
-          <p:cNvSpPr>
-            <a:spLocks noGrp="1"/>
-          </p:cNvSpPr>
-          <p:nvPr>
-            <p:ph type="ctrTitle"/>
-          </p:nvPr>
-        </p:nvSpPr>
-        <p:spPr>
-          <a:xfrm>
-            <a:off x="685800" y="381000"/>
-            <a:ext cx="7772400" cy="1470025"/>
-          </a:xfrm>
-        </p:spPr>
-        <p:txBody>
-          <a:bodyPr/>
-          <a:lstStyle/>
-          <a:p>
-            <a:r>
-              <a:rPr lang="en-US" dirty="0" smtClean="0"/>
-              <a:t>PEAS</a:t>
-            </a:r>
-            <a:endParaRPr lang="en-US" dirty="0"/>
-          </a:p>
-        </p:txBody>
-      </p:sp>
-      <p:sp>
-        <p:nvSpPr>
-          <p:cNvPr id="3" name="Subtitle 2"/>
-          <p:cNvSpPr>
-            <a:spLocks noGrp="1"/>
-          </p:cNvSpPr>
-          <p:nvPr>
-            <p:ph type="subTitle" idx="1"/>
-          </p:nvPr>
-        </p:nvSpPr>
-        <p:spPr>
-          <a:xfrm>
-            <a:off x="762000" y="1447800"/>
-            <a:ext cx="7543800" cy="4191000"/>
-          </a:xfrm>
-        </p:spPr>
-        <p:txBody>
-          <a:bodyPr>
-            <a:noAutofit/>
-          </a:bodyPr>
-          <a:lstStyle/>
-          <a:p>
-            <a:pPr algn="l"/>
-            <a:r>
-              <a:rPr lang="en-US" sz="2000" dirty="0" smtClean="0"/>
-              <a:t>Performance</a:t>
-            </a:r>
-          </a:p>
-          <a:p>
-            <a:pPr marL="457200" indent="-457200" algn="l">
-              <a:buFont typeface="Arial" panose="020B0604020202020204" pitchFamily="34" charset="0"/>
-              <a:buChar char="•"/>
-            </a:pPr>
-            <a:r>
-              <a:rPr lang="en-US" sz="2000" dirty="0" smtClean="0"/>
-              <a:t>Win the game</a:t>
-            </a:r>
-          </a:p>
-          <a:p>
-            <a:pPr marL="457200" indent="-457200" algn="l">
-              <a:buFont typeface="Arial" panose="020B0604020202020204" pitchFamily="34" charset="0"/>
-              <a:buChar char="•"/>
-            </a:pPr>
-            <a:r>
-              <a:rPr lang="en-US" sz="2000" dirty="0" smtClean="0"/>
-              <a:t>Too slow, infeasible time</a:t>
-            </a:r>
-          </a:p>
-          <a:p>
-            <a:pPr algn="l"/>
-            <a:r>
-              <a:rPr lang="en-US" sz="2000" dirty="0" smtClean="0"/>
-              <a:t>Environment</a:t>
-            </a:r>
-          </a:p>
-          <a:p>
-            <a:pPr marL="457200" indent="-457200" algn="l">
-              <a:buFont typeface="Arial" panose="020B0604020202020204" pitchFamily="34" charset="0"/>
-              <a:buChar char="•"/>
-            </a:pPr>
-            <a:r>
-              <a:rPr lang="en-US" sz="2000" dirty="0" smtClean="0"/>
-              <a:t>Game board 8x8 grid</a:t>
-            </a:r>
-          </a:p>
-          <a:p>
-            <a:pPr algn="l"/>
-            <a:r>
-              <a:rPr lang="en-US" sz="2000" dirty="0" smtClean="0"/>
-              <a:t>Actuator</a:t>
-            </a:r>
-          </a:p>
-          <a:p>
-            <a:pPr marL="457200" indent="-457200" algn="l">
-              <a:buFont typeface="Arial" panose="020B0604020202020204" pitchFamily="34" charset="0"/>
-              <a:buChar char="•"/>
-            </a:pPr>
-            <a:r>
-              <a:rPr lang="en-US" sz="2000" dirty="0" smtClean="0"/>
-              <a:t>Placing tiles on the board</a:t>
-            </a:r>
-            <a:endParaRPr lang="en-US" sz="2000" dirty="0" smtClean="0"/>
-          </a:p>
-          <a:p>
-            <a:pPr algn="l"/>
-            <a:r>
-              <a:rPr lang="en-US" sz="2000" dirty="0" smtClean="0"/>
-              <a:t>Sensor</a:t>
-            </a:r>
-          </a:p>
-          <a:p>
-            <a:pPr marL="457200" indent="-457200" algn="l">
-              <a:buFont typeface="Arial" panose="020B0604020202020204" pitchFamily="34" charset="0"/>
-              <a:buChar char="•"/>
-            </a:pPr>
-            <a:r>
-              <a:rPr lang="en-US" sz="2000" dirty="0" smtClean="0"/>
-              <a:t>Board stored as matrix for evaluation</a:t>
-            </a:r>
-            <a:endParaRPr lang="en-US" sz="2000" dirty="0"/>
-          </a:p>
-        </p:txBody>
-      </p:sp>
-    </p:spTree>
-    <p:extLst>
-      <p:ext uri="{BB962C8B-B14F-4D97-AF65-F5344CB8AC3E}">
-        <p14:creationId xmlns:p14="http://schemas.microsoft.com/office/powerpoint/2010/main" val="3352461406"/>
-      </p:ext>
-    </p:extLst>
-  </p:cSld>
-  <p:clrMapOvr>
-    <a:masterClrMapping/>
-  </p:clrMapOvr>
-</p:sld>
-</file>
-
-<file path=ppt/slides/slide7.xml><?xml version="1.0" encoding="utf-8"?>
-<p:sld xmlns:a="http://schemas.openxmlformats.org/drawingml/2006/main" xmlns:r="http://schemas.openxmlformats.org/officeDocument/2006/relationships" xmlns:p="http://schemas.openxmlformats.org/presentationml/2006/main">
-  <p:cSld>
-    <p:spTree>
-      <p:nvGrpSpPr>
-        <p:cNvPr id="1" name=""/>
-        <p:cNvGrpSpPr/>
-        <p:nvPr/>
-      </p:nvGrpSpPr>
-      <p:grpSpPr>
-        <a:xfrm>
-          <a:off x="0" y="0"/>
-          <a:ext cx="0" cy="0"/>
-          <a:chOff x="0" y="0"/>
-          <a:chExt cx="0" cy="0"/>
-        </a:xfrm>
-      </p:grpSpPr>
-      <p:sp>
-        <p:nvSpPr>
-          <p:cNvPr id="2" name="Title 1"/>
-          <p:cNvSpPr>
-            <a:spLocks noGrp="1"/>
-          </p:cNvSpPr>
-          <p:nvPr>
-            <p:ph type="ctrTitle"/>
-          </p:nvPr>
-        </p:nvSpPr>
-        <p:spPr>
-          <a:xfrm>
-            <a:off x="685800" y="381000"/>
-            <a:ext cx="7772400" cy="1470025"/>
-          </a:xfrm>
-        </p:spPr>
-        <p:txBody>
-          <a:bodyPr/>
-          <a:lstStyle/>
-          <a:p>
-            <a:r>
-              <a:rPr lang="en-US" dirty="0" smtClean="0"/>
-              <a:t>Describe GUI</a:t>
-            </a:r>
-            <a:endParaRPr lang="en-US" dirty="0"/>
-          </a:p>
-        </p:txBody>
-      </p:sp>
-      <p:sp>
-        <p:nvSpPr>
-          <p:cNvPr id="3" name="Subtitle 2"/>
-          <p:cNvSpPr>
-            <a:spLocks noGrp="1"/>
-          </p:cNvSpPr>
-          <p:nvPr>
-            <p:ph type="subTitle" idx="1"/>
-          </p:nvPr>
-        </p:nvSpPr>
-        <p:spPr>
-          <a:xfrm>
-            <a:off x="762000" y="1447800"/>
-            <a:ext cx="7543800" cy="4191000"/>
-          </a:xfrm>
-        </p:spPr>
-        <p:txBody>
-          <a:bodyPr/>
-          <a:lstStyle/>
-          <a:p>
-            <a:pPr algn="l"/>
-            <a:r>
-              <a:rPr lang="en-US" dirty="0" smtClean="0"/>
-              <a:t>a</a:t>
-            </a:r>
-            <a:endParaRPr lang="en-US" dirty="0"/>
-          </a:p>
-        </p:txBody>
-      </p:sp>
-    </p:spTree>
-    <p:extLst>
-      <p:ext uri="{BB962C8B-B14F-4D97-AF65-F5344CB8AC3E}">
-        <p14:creationId xmlns:p14="http://schemas.microsoft.com/office/powerpoint/2010/main" val="3352461406"/>
-      </p:ext>
-    </p:extLst>
-  </p:cSld>
-  <p:clrMapOvr>
-    <a:masterClrMapping/>
-  </p:clrMapOvr>
-</p:sld>
-</file>
-
 <file path=ppt/slides/slide8.xml><?xml version="1.0" encoding="utf-8"?>
 <p:sld xmlns:a="http://schemas.openxmlformats.org/drawingml/2006/main" xmlns:r="http://schemas.openxmlformats.org/officeDocument/2006/relationships" xmlns:p="http://schemas.openxmlformats.org/presentationml/2006/main">
   <p:cSld>
@@ -6232,7 +6729,7 @@
             </a:pPr>
             <a:r>
               <a:rPr lang="en-US" sz="2000" dirty="0" smtClean="0"/>
-              <a:t>Hold a constant for depth, and increase/decrease depth based on timing requirements</a:t>
+              <a:t>Maintain a variable called depth </a:t>
             </a:r>
           </a:p>
           <a:p>
@@ -6242,19 +6739,37 @@
             </a:pPr>
             <a:r>
               <a:rPr lang="en-US" sz="2000" dirty="0" smtClean="0"/>
-              <a:t>Alpha beta pruning to speed up searches, allows a larger depth</a:t>
-            </a:r>
-          </a:p>
-          <a:p>
-            <a:pPr algn="l"/>
-            <a:endParaRPr lang="en-US" sz="2000" dirty="0"/>
-          </a:p>
-          <a:p>
-            <a:pPr algn="l"/>
+              <a:t>and </a:t>
+            </a:r>
             <a:r>
               <a:rPr lang="en-US" sz="2000" dirty="0" smtClean="0"/>
-              <a:t>Note all tiles are valid</a:t>
-            </a:r>
+              <a:t>increase/decrease depth based on timing </a:t>
+            </a:r>
+            <a:r>
+              <a:rPr lang="en-US" sz="2000" dirty="0" smtClean="0"/>
+              <a:t>requirements</a:t>
+            </a:r>
+          </a:p>
+          <a:p>
+            <a:pPr marL="800100" lvl="1" indent="-342900" algn="l">
+              <a:buFont typeface="Arial" panose="020B0604020202020204" pitchFamily="34" charset="0"/>
+              <a:buChar char="•"/>
+            </a:pPr>
+            <a:r>
+              <a:rPr lang="en-US" sz="1600" dirty="0" smtClean="0"/>
+              <a:t>If there is extra time in the current search, then increase depth for next iteration, and run depth first search again.</a:t>
+            </a:r>
+          </a:p>
+          <a:p>
+            <a:pPr marL="800100" lvl="1" indent="-342900" algn="l">
+              <a:buFont typeface="Arial" panose="020B0604020202020204" pitchFamily="34" charset="0"/>
+              <a:buChar char="•"/>
+            </a:pPr>
+            <a:r>
+              <a:rPr lang="en-US" sz="1600" dirty="0" smtClean="0"/>
+              <a:t>If this search is taking too long, then decrease depth. The next move will use a search with a lower depth </a:t>
+            </a:r>
+            <a:endParaRPr lang="en-US" sz="1200" dirty="0" smtClean="0"/>
           </a:p>
           <a:p>
             <a:pPr marL="342900" indent="-342900" algn="l">
@@ -6262,29 +6777,55 @@
               <a:buChar char="•"/>
             </a:pPr>
             <a:r>
-              <a:rPr lang="en-US" sz="2000" dirty="0"/>
-              <a:t>Avoid branching on all 64 tiles</a:t>
-            </a:r>
-          </a:p>
-          <a:p>
-            <a:pPr marL="342900" indent="-342900" algn="l">
+              <a:rPr lang="en-US" sz="2000" dirty="0" smtClean="0"/>
+              <a:t>Alpha beta pruning to speed up </a:t>
+            </a:r>
+            <a:r>
+              <a:rPr lang="en-US" sz="2000" dirty="0" smtClean="0"/>
+              <a:t>searches</a:t>
+            </a:r>
+          </a:p>
+          <a:p>
+            <a:pPr marL="800100" lvl="1" indent="-342900" algn="l">
               <a:buFont typeface="Arial" panose="020B0604020202020204" pitchFamily="34" charset="0"/>
               <a:buChar char="•"/>
             </a:pPr>
             <a:r>
-              <a:rPr lang="en-US" sz="2000" dirty="0" smtClean="0"/>
-              <a:t>Ignore illegal moves</a:t>
-            </a:r>
-          </a:p>
-          <a:p>
-            <a:pPr marL="342900" indent="-342900" algn="l">
+              <a:rPr lang="en-US" sz="1600" dirty="0" smtClean="0"/>
+              <a:t>Ignore searching the rest of the children in a branch if this branch is bad</a:t>
+            </a:r>
+          </a:p>
+          <a:p>
+            <a:pPr marL="800100" lvl="1" indent="-342900" algn="l">
               <a:buFont typeface="Arial" panose="020B0604020202020204" pitchFamily="34" charset="0"/>
               <a:buChar char="•"/>
             </a:pPr>
             <a:r>
-              <a:rPr lang="en-US" sz="2000" dirty="0" smtClean="0"/>
-              <a:t>Restrict branching to tiles near existing tiles. A distance of 4 away (since 4 moves needed to win)</a:t>
-            </a:r>
+              <a:rPr lang="en-US" sz="1600" dirty="0" smtClean="0"/>
+              <a:t>Maintain a beta and alpha value in searching. If beta &lt;= alpha, we know the adversary will attempt a very good move. Do not bother to expand the rest</a:t>
+            </a:r>
+          </a:p>
+          <a:p>
+            <a:pPr marL="800100" lvl="1" indent="-342900" algn="l">
+              <a:buFont typeface="Arial" panose="020B0604020202020204" pitchFamily="34" charset="0"/>
+              <a:buChar char="•"/>
+            </a:pPr>
+            <a:r>
+              <a:rPr lang="en-US" sz="1600" dirty="0" smtClean="0"/>
+              <a:t>Gives algorithm more time, </a:t>
+            </a:r>
+            <a:r>
+              <a:rPr lang="en-US" sz="1600" dirty="0" smtClean="0"/>
+              <a:t>allowing for </a:t>
+            </a:r>
+            <a:r>
+              <a:rPr lang="en-US" sz="1600" dirty="0" smtClean="0"/>
+              <a:t>a larger depth</a:t>
+            </a:r>
+          </a:p>
+          <a:p>
+            <a:pPr algn="l"/>
+            <a:endParaRPr lang="en-US" sz="2000" dirty="0"/>
           </a:p>
         </p:txBody>
       </p:sp>
@@ -6340,11 +6881,7 @@
           <a:p>
             <a:r>
               <a:rPr lang="en-US" dirty="0" smtClean="0"/>
-              <a:t>Algorithm </a:t>
-            </a:r>
-            <a:r>
-              <a:rPr lang="en-US" dirty="0" smtClean="0"/>
-              <a:t>Enhancements</a:t>
+              <a:t>Pictures of Algorithm Debugging</a:t>
             </a:r>
             <a:endParaRPr lang="en-US" dirty="0"/>
           </a:p>
@@ -6367,39 +6904,15 @@
           </a:xfrm>
         </p:spPr>
         <p:txBody>
-          <a:bodyPr>
-            <a:normAutofit/>
-          </a:bodyPr>
+          <a:bodyPr/>
           <a:lstStyle/>
           <a:p>
             <a:pPr algn="l"/>
             <a:r>
-              <a:rPr lang="en-US" sz="2000" dirty="0" smtClean="0"/>
-              <a:t>Even if some tiles are valid for expansion. </a:t>
-            </a:r>
-            <a:r>
-              <a:rPr lang="en-US" sz="2000" dirty="0" smtClean="0"/>
-              <a:t>Do not bother to expand if the value is too low.</a:t>
-            </a:r>
-          </a:p>
-          <a:p>
-            <a:pPr algn="l"/>
-            <a:r>
-              <a:rPr lang="en-US" sz="2000" dirty="0" smtClean="0"/>
-              <a:t>Algorithm will look all values of available tiles and determine a threshold value. Tiles with values below the threshold will not be expanded.</a:t>
-            </a:r>
-          </a:p>
-          <a:p>
-            <a:pPr algn="l"/>
-            <a:r>
-              <a:rPr lang="en-US" sz="2000" dirty="0" smtClean="0"/>
-              <a:t>Reduce branching factor and speed up algorith</a:t>
-            </a:r>
-            <a:r>
-              <a:rPr lang="en-US" sz="2000" dirty="0" smtClean="0"/>
-              <a:t>m. This gives it more time to evaluate better branches to a larger depth</a:t>
-            </a:r>
-            <a:endParaRPr lang="en-US" sz="2000" dirty="0"/>
+              <a:rPr lang="en-US" dirty="0" smtClean="0"/>
+              <a:t>TODO, crease VISIO picture here….</a:t>
+            </a:r>
+            <a:endParaRPr lang="en-US" dirty="0"/>
           </a:p>
         </p:txBody>
       </p:sp>

--- a/Presentation.pptx
+++ b/Presentation.pptx
@@ -120,7 +120,7 @@
   </p:defaultTextStyle>
   <p:extLst>
     <p:ext uri="{EFAFB233-063F-42B5-8137-9DF3F51BA10A}">
-      <p15:sldGuideLst xmlns:p15="http://schemas.microsoft.com/office/powerpoint/2012/main">
+      <p15:sldGuideLst xmlns:p15="http://schemas.microsoft.com/office/powerpoint/2012/main" xmlns="">
         <p15:guide id="1" orient="horz" pos="2160">
           <p15:clr>
             <a:srgbClr val="A4A3A4"/>
@@ -318,7 +318,7 @@
           <a:p>
             <a:fld id="{5A66AF80-B104-49B0-AE6F-8E381139FF3B}" type="datetimeFigureOut">
               <a:rPr lang="en-US" smtClean="0"/>
-              <a:t>11/28/2015</a:t>
+              <a:t>12/1/15</a:t>
             </a:fld>
             <a:endParaRPr lang="en-US"/>
           </a:p>
@@ -488,7 +488,7 @@
           <a:p>
             <a:fld id="{5A66AF80-B104-49B0-AE6F-8E381139FF3B}" type="datetimeFigureOut">
               <a:rPr lang="en-US" smtClean="0"/>
-              <a:t>11/28/2015</a:t>
+              <a:t>12/1/15</a:t>
             </a:fld>
             <a:endParaRPr lang="en-US"/>
           </a:p>
@@ -668,7 +668,7 @@
           <a:p>
             <a:fld id="{5A66AF80-B104-49B0-AE6F-8E381139FF3B}" type="datetimeFigureOut">
               <a:rPr lang="en-US" smtClean="0"/>
-              <a:t>11/28/2015</a:t>
+              <a:t>12/1/15</a:t>
             </a:fld>
             <a:endParaRPr lang="en-US"/>
           </a:p>
@@ -838,7 +838,7 @@
           <a:p>
             <a:fld id="{5A66AF80-B104-49B0-AE6F-8E381139FF3B}" type="datetimeFigureOut">
               <a:rPr lang="en-US" smtClean="0"/>
-              <a:t>11/28/2015</a:t>
+              <a:t>12/1/15</a:t>
             </a:fld>
             <a:endParaRPr lang="en-US"/>
           </a:p>
@@ -1084,7 +1084,7 @@
           <a:p>
             <a:fld id="{5A66AF80-B104-49B0-AE6F-8E381139FF3B}" type="datetimeFigureOut">
               <a:rPr lang="en-US" smtClean="0"/>
-              <a:t>11/28/2015</a:t>
+              <a:t>12/1/15</a:t>
             </a:fld>
             <a:endParaRPr lang="en-US"/>
           </a:p>
@@ -1372,7 +1372,7 @@
           <a:p>
             <a:fld id="{5A66AF80-B104-49B0-AE6F-8E381139FF3B}" type="datetimeFigureOut">
               <a:rPr lang="en-US" smtClean="0"/>
-              <a:t>11/28/2015</a:t>
+              <a:t>12/1/15</a:t>
             </a:fld>
             <a:endParaRPr lang="en-US"/>
           </a:p>
@@ -1794,7 +1794,7 @@
           <a:p>
             <a:fld id="{5A66AF80-B104-49B0-AE6F-8E381139FF3B}" type="datetimeFigureOut">
               <a:rPr lang="en-US" smtClean="0"/>
-              <a:t>11/28/2015</a:t>
+              <a:t>12/1/15</a:t>
             </a:fld>
             <a:endParaRPr lang="en-US"/>
           </a:p>
@@ -1912,7 +1912,7 @@
           <a:p>
             <a:fld id="{5A66AF80-B104-49B0-AE6F-8E381139FF3B}" type="datetimeFigureOut">
               <a:rPr lang="en-US" smtClean="0"/>
-              <a:t>11/28/2015</a:t>
+              <a:t>12/1/15</a:t>
             </a:fld>
             <a:endParaRPr lang="en-US"/>
           </a:p>
@@ -2007,7 +2007,7 @@
           <a:p>
             <a:fld id="{5A66AF80-B104-49B0-AE6F-8E381139FF3B}" type="datetimeFigureOut">
               <a:rPr lang="en-US" smtClean="0"/>
-              <a:t>11/28/2015</a:t>
+              <a:t>12/1/15</a:t>
             </a:fld>
             <a:endParaRPr lang="en-US"/>
           </a:p>
@@ -2284,7 +2284,7 @@
           <a:p>
             <a:fld id="{5A66AF80-B104-49B0-AE6F-8E381139FF3B}" type="datetimeFigureOut">
               <a:rPr lang="en-US" smtClean="0"/>
-              <a:t>11/28/2015</a:t>
+              <a:t>12/1/15</a:t>
             </a:fld>
             <a:endParaRPr lang="en-US"/>
           </a:p>
@@ -2537,7 +2537,7 @@
           <a:p>
             <a:fld id="{5A66AF80-B104-49B0-AE6F-8E381139FF3B}" type="datetimeFigureOut">
               <a:rPr lang="en-US" smtClean="0"/>
-              <a:t>11/28/2015</a:t>
+              <a:t>12/1/15</a:t>
             </a:fld>
             <a:endParaRPr lang="en-US"/>
           </a:p>
@@ -2750,7 +2750,7 @@
           <a:p>
             <a:fld id="{5A66AF80-B104-49B0-AE6F-8E381139FF3B}" type="datetimeFigureOut">
               <a:rPr lang="en-US" smtClean="0"/>
-              <a:t>11/28/2015</a:t>
+              <a:t>12/1/15</a:t>
             </a:fld>
             <a:endParaRPr lang="en-US"/>
           </a:p>
@@ -3142,7 +3142,7 @@
           <a:p>
             <a:r>
               <a:rPr lang="en-US" dirty="0" smtClean="0"/>
-              <a:t>Opening</a:t>
+              <a:t>Four in A Row</a:t>
             </a:r>
             <a:endParaRPr lang="en-US" dirty="0"/>
           </a:p>
@@ -3163,7 +3163,21 @@
           <a:bodyPr/>
           <a:lstStyle/>
           <a:p>
-            <a:endParaRPr lang="en-US"/>
+            <a:r>
+              <a:rPr lang="en-US" dirty="0" smtClean="0"/>
+              <a:t>CS 271 – Final Project</a:t>
+            </a:r>
+          </a:p>
+          <a:p>
+            <a:r>
+              <a:rPr lang="en-US" dirty="0" err="1" smtClean="0"/>
+              <a:t>Zeyu</a:t>
+            </a:r>
+            <a:r>
+              <a:rPr lang="en-US" dirty="0" smtClean="0"/>
+              <a:t> Su, Martin Mao, Yang Jiao</a:t>
+            </a:r>
+            <a:endParaRPr lang="en-US" dirty="0"/>
           </a:p>
         </p:txBody>
       </p:sp>
@@ -3219,11 +3233,7 @@
           <a:p>
             <a:r>
               <a:rPr lang="en-US" dirty="0" smtClean="0"/>
-              <a:t>Algorithm </a:t>
-            </a:r>
-            <a:r>
-              <a:rPr lang="en-US" dirty="0" smtClean="0"/>
-              <a:t>Speed Enhancements</a:t>
+              <a:t>Algorithm Speed Enhancements</a:t>
             </a:r>
             <a:endParaRPr lang="en-US" dirty="0"/>
           </a:p>
@@ -3302,19 +3312,7 @@
             <a:pPr algn="l"/>
             <a:r>
               <a:rPr lang="en-US" sz="2000" dirty="0" smtClean="0"/>
-              <a:t>Even </a:t>
-            </a:r>
-            <a:r>
-              <a:rPr lang="en-US" sz="2000" dirty="0" smtClean="0"/>
-              <a:t>if some tiles are valid for expansion. Do not bother to expand if the </a:t>
-            </a:r>
-            <a:r>
-              <a:rPr lang="en-US" sz="2000" dirty="0" smtClean="0"/>
-              <a:t>tile’s value </a:t>
-            </a:r>
-            <a:r>
-              <a:rPr lang="en-US" sz="2000" dirty="0" smtClean="0"/>
-              <a:t>is too low.</a:t>
+              <a:t>Even if some tiles are valid for expansion. Do not bother to expand if the tile’s value is too low.</a:t>
             </a:r>
           </a:p>
           <a:p>
@@ -3326,7 +3324,6 @@
               <a:rPr lang="en-US" sz="2000" dirty="0" smtClean="0"/>
               <a:t>Algorithm will look all values of available tiles and determine a threshold value. </a:t>
             </a:r>
-            <a:endParaRPr lang="en-US" sz="2000" dirty="0" smtClean="0"/>
           </a:p>
           <a:p>
             <a:pPr marL="342900" indent="-342900" algn="l">
@@ -3335,11 +3332,7 @@
             </a:pPr>
             <a:r>
               <a:rPr lang="en-US" sz="2000" dirty="0" smtClean="0"/>
-              <a:t>Tiles </a:t>
-            </a:r>
-            <a:r>
-              <a:rPr lang="en-US" sz="2000" dirty="0" smtClean="0"/>
-              <a:t>with values below the threshold will not be expanded.</a:t>
+              <a:t>Tiles with values below the threshold will not be expanded.</a:t>
             </a:r>
           </a:p>
           <a:p>
@@ -3512,11 +3505,7 @@
             </a:pPr>
             <a:r>
               <a:rPr lang="en-US" sz="1600" dirty="0" smtClean="0"/>
-              <a:t>Had to alpha-beta pruning to take the min and max of the adversary’s tiles values and not it’s own tile’s values whe</a:t>
-            </a:r>
-            <a:r>
-              <a:rPr lang="en-US" sz="1600" dirty="0" smtClean="0"/>
-              <a:t>n pruning. </a:t>
+              <a:t>Had to alpha-beta pruning to take the min and max of the adversary’s tiles values and not it’s own tile’s values when pruning. </a:t>
             </a:r>
             <a:endParaRPr lang="en-US" sz="1600" dirty="0"/>
           </a:p>
@@ -3625,11 +3614,7 @@
             </a:pPr>
             <a:r>
               <a:rPr lang="en-US" sz="2000" dirty="0" smtClean="0"/>
-              <a:t>It will also usually win against AI using only dept</a:t>
-            </a:r>
-            <a:r>
-              <a:rPr lang="en-US" sz="2000" dirty="0" smtClean="0"/>
-              <a:t>h of 0</a:t>
+              <a:t>It will also usually win against AI using only depth of 0</a:t>
             </a:r>
           </a:p>
           <a:p>
@@ -3651,7 +3636,6 @@
               <a:rPr lang="en-US" sz="1600" dirty="0" smtClean="0"/>
               <a:t>Algorithm sometimes lost if the first move was bad. We gave algorithm a low starting depth value and it would occasionally pick a bad first move</a:t>
             </a:r>
-            <a:endParaRPr lang="en-US" sz="1600" dirty="0" smtClean="0"/>
           </a:p>
           <a:p>
             <a:pPr algn="l"/>
@@ -3716,7 +3700,6 @@
               <a:rPr lang="en-US" sz="1600" dirty="0" smtClean="0"/>
               <a:t>Moves that allowed multiple possible winning moves</a:t>
             </a:r>
-            <a:endParaRPr lang="en-US" sz="1600" dirty="0" smtClean="0"/>
           </a:p>
           <a:p>
             <a:pPr marL="342900" indent="-342900" algn="l">
@@ -3805,10 +3788,6 @@
               <a:rPr lang="en-US" dirty="0" smtClean="0"/>
               <a:t>Timing and Space Complexity</a:t>
             </a:r>
-            <a:r>
-              <a:rPr lang="en-US" dirty="0" smtClean="0"/>
-              <a:t/>
-            </a:r>
             <a:br>
               <a:rPr lang="en-US" dirty="0" smtClean="0"/>
             </a:br>
@@ -4137,11 +4116,7 @@
             </a:pPr>
             <a:r>
               <a:rPr lang="en-US" sz="2000" dirty="0" smtClean="0"/>
-              <a:t>Tile v</a:t>
-            </a:r>
-            <a:r>
-              <a:rPr lang="en-US" sz="2000" dirty="0" smtClean="0"/>
-              <a:t>alues will differ more as the game progresses</a:t>
+              <a:t>Tile values will differ more as the game progresses</a:t>
             </a:r>
           </a:p>
           <a:p>
@@ -4374,7 +4349,11 @@
             <a:pPr algn="l"/>
             <a:r>
               <a:rPr lang="en-US" dirty="0" smtClean="0"/>
-              <a:t>a</a:t>
+              <a:t>The object of our Four-In-A-Row is to get four in a row. The first player displays as O, and the second player displays X. Then player1 and player2 alternatively place their chesses until one player has 4 in a row or the board is filled </a:t>
+            </a:r>
+            <a:r>
+              <a:rPr lang="en-US" smtClean="0"/>
+              <a:t>with chesses. </a:t>
             </a:r>
             <a:endParaRPr lang="en-US" dirty="0"/>
           </a:p>
@@ -4893,11 +4872,7 @@
             </a:pPr>
             <a:r>
               <a:rPr lang="en-US" sz="1600" dirty="0" smtClean="0"/>
-              <a:t>Need </a:t>
-            </a:r>
-            <a:r>
-              <a:rPr lang="en-US" sz="1600" dirty="0" smtClean="0"/>
-              <a:t>to chain tiles together to win</a:t>
+              <a:t>Need to chain tiles together to win</a:t>
             </a:r>
           </a:p>
           <a:p>
@@ -6739,15 +6714,7 @@
             </a:pPr>
             <a:r>
               <a:rPr lang="en-US" sz="2000" dirty="0" smtClean="0"/>
-              <a:t>and </a:t>
-            </a:r>
-            <a:r>
-              <a:rPr lang="en-US" sz="2000" dirty="0" smtClean="0"/>
-              <a:t>increase/decrease depth based on timing </a:t>
-            </a:r>
-            <a:r>
-              <a:rPr lang="en-US" sz="2000" dirty="0" smtClean="0"/>
-              <a:t>requirements</a:t>
+              <a:t>and increase/decrease depth based on timing requirements</a:t>
             </a:r>
           </a:p>
           <a:p>
@@ -6778,11 +6745,7 @@
             </a:pPr>
             <a:r>
               <a:rPr lang="en-US" sz="2000" dirty="0" smtClean="0"/>
-              <a:t>Alpha beta pruning to speed up </a:t>
-            </a:r>
-            <a:r>
-              <a:rPr lang="en-US" sz="2000" dirty="0" smtClean="0"/>
-              <a:t>searches</a:t>
+              <a:t>Alpha beta pruning to speed up searches</a:t>
             </a:r>
           </a:p>
           <a:p>
@@ -6812,15 +6775,7 @@
             </a:pPr>
             <a:r>
               <a:rPr lang="en-US" sz="1600" dirty="0" smtClean="0"/>
-              <a:t>Gives algorithm more time, </a:t>
-            </a:r>
-            <a:r>
-              <a:rPr lang="en-US" sz="1600" dirty="0" smtClean="0"/>
-              <a:t>allowing for </a:t>
-            </a:r>
-            <a:r>
-              <a:rPr lang="en-US" sz="1600" dirty="0" smtClean="0"/>
-              <a:t>a larger depth</a:t>
+              <a:t>Gives algorithm more time, allowing for a larger depth</a:t>
             </a:r>
           </a:p>
           <a:p>

--- a/Presentation.pptx
+++ b/Presentation.pptx
@@ -4,6 +4,9 @@
   <p:sldMasterIdLst>
     <p:sldMasterId id="2147483648" r:id="rId1"/>
   </p:sldMasterIdLst>
+  <p:notesMasterIdLst>
+    <p:notesMasterId r:id="rId19"/>
+  </p:notesMasterIdLst>
   <p:sldIdLst>
     <p:sldId id="256" r:id="rId2"/>
     <p:sldId id="257" r:id="rId3"/>
@@ -13,13 +16,15 @@
     <p:sldId id="259" r:id="rId7"/>
     <p:sldId id="262" r:id="rId8"/>
     <p:sldId id="263" r:id="rId9"/>
-    <p:sldId id="267" r:id="rId10"/>
+    <p:sldId id="271" r:id="rId10"/>
     <p:sldId id="264" r:id="rId11"/>
-    <p:sldId id="268" r:id="rId12"/>
-    <p:sldId id="265" r:id="rId13"/>
-    <p:sldId id="266" r:id="rId14"/>
-    <p:sldId id="269" r:id="rId15"/>
-    <p:sldId id="270" r:id="rId16"/>
+    <p:sldId id="272" r:id="rId12"/>
+    <p:sldId id="268" r:id="rId13"/>
+    <p:sldId id="273" r:id="rId14"/>
+    <p:sldId id="265" r:id="rId15"/>
+    <p:sldId id="266" r:id="rId16"/>
+    <p:sldId id="269" r:id="rId17"/>
+    <p:sldId id="270" r:id="rId18"/>
   </p:sldIdLst>
   <p:sldSz cx="9144000" cy="6858000" type="screen4x3"/>
   <p:notesSz cx="6858000" cy="9144000"/>
@@ -120,7 +125,7 @@
   </p:defaultTextStyle>
   <p:extLst>
     <p:ext uri="{EFAFB233-063F-42B5-8137-9DF3F51BA10A}">
-      <p15:sldGuideLst xmlns:p15="http://schemas.microsoft.com/office/powerpoint/2012/main" xmlns="">
+      <p15:sldGuideLst xmlns="" xmlns:p15="http://schemas.microsoft.com/office/powerpoint/2012/main">
         <p15:guide id="1" orient="horz" pos="2160">
           <p15:clr>
             <a:srgbClr val="A4A3A4"/>
@@ -135,6 +140,1509 @@
     </p:ext>
   </p:extLst>
 </p:presentation>
+</file>
+
+<file path=ppt/notesMasters/notesMaster1.xml><?xml version="1.0" encoding="utf-8"?>
+<p:notesMaster xmlns:a="http://schemas.openxmlformats.org/drawingml/2006/main" xmlns:r="http://schemas.openxmlformats.org/officeDocument/2006/relationships" xmlns:p="http://schemas.openxmlformats.org/presentationml/2006/main">
+  <p:cSld>
+    <p:bg>
+      <p:bgRef idx="1001">
+        <a:schemeClr val="bg1"/>
+      </p:bgRef>
+    </p:bg>
+    <p:spTree>
+      <p:nvGrpSpPr>
+        <p:cNvPr id="1" name=""/>
+        <p:cNvGrpSpPr/>
+        <p:nvPr/>
+      </p:nvGrpSpPr>
+      <p:grpSpPr>
+        <a:xfrm>
+          <a:off x="0" y="0"/>
+          <a:ext cx="0" cy="0"/>
+          <a:chOff x="0" y="0"/>
+          <a:chExt cx="0" cy="0"/>
+        </a:xfrm>
+      </p:grpSpPr>
+      <p:sp>
+        <p:nvSpPr>
+          <p:cNvPr id="2" name="Header Placeholder 1"/>
+          <p:cNvSpPr>
+            <a:spLocks noGrp="1"/>
+          </p:cNvSpPr>
+          <p:nvPr>
+            <p:ph type="hdr" sz="quarter"/>
+          </p:nvPr>
+        </p:nvSpPr>
+        <p:spPr>
+          <a:xfrm>
+            <a:off x="0" y="0"/>
+            <a:ext cx="2971800" cy="457200"/>
+          </a:xfrm>
+          <a:prstGeom prst="rect">
+            <a:avLst/>
+          </a:prstGeom>
+        </p:spPr>
+        <p:txBody>
+          <a:bodyPr vert="horz" lIns="91440" tIns="45720" rIns="91440" bIns="45720" rtlCol="0"/>
+          <a:lstStyle>
+            <a:lvl1pPr algn="l">
+              <a:defRPr sz="1200"/>
+            </a:lvl1pPr>
+          </a:lstStyle>
+          <a:p>
+            <a:endParaRPr lang="en-US" dirty="0"/>
+          </a:p>
+        </p:txBody>
+      </p:sp>
+      <p:sp>
+        <p:nvSpPr>
+          <p:cNvPr id="3" name="Date Placeholder 2"/>
+          <p:cNvSpPr>
+            <a:spLocks noGrp="1"/>
+          </p:cNvSpPr>
+          <p:nvPr>
+            <p:ph type="dt" idx="1"/>
+          </p:nvPr>
+        </p:nvSpPr>
+        <p:spPr>
+          <a:xfrm>
+            <a:off x="3884613" y="0"/>
+            <a:ext cx="2971800" cy="457200"/>
+          </a:xfrm>
+          <a:prstGeom prst="rect">
+            <a:avLst/>
+          </a:prstGeom>
+        </p:spPr>
+        <p:txBody>
+          <a:bodyPr vert="horz" lIns="91440" tIns="45720" rIns="91440" bIns="45720" rtlCol="0"/>
+          <a:lstStyle>
+            <a:lvl1pPr algn="r">
+              <a:defRPr sz="1200"/>
+            </a:lvl1pPr>
+          </a:lstStyle>
+          <a:p>
+            <a:fld id="{69362AA2-37EB-4E21-AC2F-62B033F84D19}" type="datetimeFigureOut">
+              <a:rPr lang="en-US" smtClean="0"/>
+              <a:t>12/1/2015</a:t>
+            </a:fld>
+            <a:endParaRPr lang="en-US" dirty="0"/>
+          </a:p>
+        </p:txBody>
+      </p:sp>
+      <p:sp>
+        <p:nvSpPr>
+          <p:cNvPr id="4" name="Slide Image Placeholder 3"/>
+          <p:cNvSpPr>
+            <a:spLocks noGrp="1" noRot="1" noChangeAspect="1"/>
+          </p:cNvSpPr>
+          <p:nvPr>
+            <p:ph type="sldImg" idx="2"/>
+          </p:nvPr>
+        </p:nvSpPr>
+        <p:spPr>
+          <a:xfrm>
+            <a:off x="1143000" y="685800"/>
+            <a:ext cx="4572000" cy="3429000"/>
+          </a:xfrm>
+          <a:prstGeom prst="rect">
+            <a:avLst/>
+          </a:prstGeom>
+          <a:noFill/>
+          <a:ln w="12700">
+            <a:solidFill>
+              <a:prstClr val="black"/>
+            </a:solidFill>
+          </a:ln>
+        </p:spPr>
+        <p:txBody>
+          <a:bodyPr vert="horz" lIns="91440" tIns="45720" rIns="91440" bIns="45720" rtlCol="0" anchor="ctr"/>
+          <a:lstStyle/>
+          <a:p>
+            <a:endParaRPr lang="en-US" dirty="0"/>
+          </a:p>
+        </p:txBody>
+      </p:sp>
+      <p:sp>
+        <p:nvSpPr>
+          <p:cNvPr id="5" name="Notes Placeholder 4"/>
+          <p:cNvSpPr>
+            <a:spLocks noGrp="1"/>
+          </p:cNvSpPr>
+          <p:nvPr>
+            <p:ph type="body" sz="quarter" idx="3"/>
+          </p:nvPr>
+        </p:nvSpPr>
+        <p:spPr>
+          <a:xfrm>
+            <a:off x="685800" y="4343400"/>
+            <a:ext cx="5486400" cy="4114800"/>
+          </a:xfrm>
+          <a:prstGeom prst="rect">
+            <a:avLst/>
+          </a:prstGeom>
+        </p:spPr>
+        <p:txBody>
+          <a:bodyPr vert="horz" lIns="91440" tIns="45720" rIns="91440" bIns="45720" rtlCol="0"/>
+          <a:lstStyle/>
+          <a:p>
+            <a:pPr lvl="0"/>
+            <a:r>
+              <a:rPr lang="en-US" smtClean="0"/>
+              <a:t>Click to edit Master text styles</a:t>
+            </a:r>
+          </a:p>
+          <a:p>
+            <a:pPr lvl="1"/>
+            <a:r>
+              <a:rPr lang="en-US" smtClean="0"/>
+              <a:t>Second level</a:t>
+            </a:r>
+          </a:p>
+          <a:p>
+            <a:pPr lvl="2"/>
+            <a:r>
+              <a:rPr lang="en-US" smtClean="0"/>
+              <a:t>Third level</a:t>
+            </a:r>
+          </a:p>
+          <a:p>
+            <a:pPr lvl="3"/>
+            <a:r>
+              <a:rPr lang="en-US" smtClean="0"/>
+              <a:t>Fourth level</a:t>
+            </a:r>
+          </a:p>
+          <a:p>
+            <a:pPr lvl="4"/>
+            <a:r>
+              <a:rPr lang="en-US" smtClean="0"/>
+              <a:t>Fifth level</a:t>
+            </a:r>
+            <a:endParaRPr lang="en-US"/>
+          </a:p>
+        </p:txBody>
+      </p:sp>
+      <p:sp>
+        <p:nvSpPr>
+          <p:cNvPr id="6" name="Footer Placeholder 5"/>
+          <p:cNvSpPr>
+            <a:spLocks noGrp="1"/>
+          </p:cNvSpPr>
+          <p:nvPr>
+            <p:ph type="ftr" sz="quarter" idx="4"/>
+          </p:nvPr>
+        </p:nvSpPr>
+        <p:spPr>
+          <a:xfrm>
+            <a:off x="0" y="8685213"/>
+            <a:ext cx="2971800" cy="457200"/>
+          </a:xfrm>
+          <a:prstGeom prst="rect">
+            <a:avLst/>
+          </a:prstGeom>
+        </p:spPr>
+        <p:txBody>
+          <a:bodyPr vert="horz" lIns="91440" tIns="45720" rIns="91440" bIns="45720" rtlCol="0" anchor="b"/>
+          <a:lstStyle>
+            <a:lvl1pPr algn="l">
+              <a:defRPr sz="1200"/>
+            </a:lvl1pPr>
+          </a:lstStyle>
+          <a:p>
+            <a:endParaRPr lang="en-US" dirty="0"/>
+          </a:p>
+        </p:txBody>
+      </p:sp>
+      <p:sp>
+        <p:nvSpPr>
+          <p:cNvPr id="7" name="Slide Number Placeholder 6"/>
+          <p:cNvSpPr>
+            <a:spLocks noGrp="1"/>
+          </p:cNvSpPr>
+          <p:nvPr>
+            <p:ph type="sldNum" sz="quarter" idx="5"/>
+          </p:nvPr>
+        </p:nvSpPr>
+        <p:spPr>
+          <a:xfrm>
+            <a:off x="3884613" y="8685213"/>
+            <a:ext cx="2971800" cy="457200"/>
+          </a:xfrm>
+          <a:prstGeom prst="rect">
+            <a:avLst/>
+          </a:prstGeom>
+        </p:spPr>
+        <p:txBody>
+          <a:bodyPr vert="horz" lIns="91440" tIns="45720" rIns="91440" bIns="45720" rtlCol="0" anchor="b"/>
+          <a:lstStyle>
+            <a:lvl1pPr algn="r">
+              <a:defRPr sz="1200"/>
+            </a:lvl1pPr>
+          </a:lstStyle>
+          <a:p>
+            <a:fld id="{90E07049-BCFC-4BE9-BA06-3BBAAC671169}" type="slidenum">
+              <a:rPr lang="en-US" smtClean="0"/>
+              <a:t>‹#›</a:t>
+            </a:fld>
+            <a:endParaRPr lang="en-US" dirty="0"/>
+          </a:p>
+        </p:txBody>
+      </p:sp>
+    </p:spTree>
+    <p:extLst>
+      <p:ext uri="{BB962C8B-B14F-4D97-AF65-F5344CB8AC3E}">
+        <p14:creationId xmlns:p14="http://schemas.microsoft.com/office/powerpoint/2010/main" val="1247444335"/>
+      </p:ext>
+    </p:extLst>
+  </p:cSld>
+  <p:clrMap bg1="lt1" tx1="dk1" bg2="lt2" tx2="dk2" accent1="accent1" accent2="accent2" accent3="accent3" accent4="accent4" accent5="accent5" accent6="accent6" hlink="hlink" folHlink="folHlink"/>
+  <p:notesStyle>
+    <a:lvl1pPr marL="0" algn="l" defTabSz="914400" rtl="0" eaLnBrk="1" latinLnBrk="0" hangingPunct="1">
+      <a:defRPr sz="1200" kern="1200">
+        <a:solidFill>
+          <a:schemeClr val="tx1"/>
+        </a:solidFill>
+        <a:latin typeface="+mn-lt"/>
+        <a:ea typeface="+mn-ea"/>
+        <a:cs typeface="+mn-cs"/>
+      </a:defRPr>
+    </a:lvl1pPr>
+    <a:lvl2pPr marL="457200" algn="l" defTabSz="914400" rtl="0" eaLnBrk="1" latinLnBrk="0" hangingPunct="1">
+      <a:defRPr sz="1200" kern="1200">
+        <a:solidFill>
+          <a:schemeClr val="tx1"/>
+        </a:solidFill>
+        <a:latin typeface="+mn-lt"/>
+        <a:ea typeface="+mn-ea"/>
+        <a:cs typeface="+mn-cs"/>
+      </a:defRPr>
+    </a:lvl2pPr>
+    <a:lvl3pPr marL="914400" algn="l" defTabSz="914400" rtl="0" eaLnBrk="1" latinLnBrk="0" hangingPunct="1">
+      <a:defRPr sz="1200" kern="1200">
+        <a:solidFill>
+          <a:schemeClr val="tx1"/>
+        </a:solidFill>
+        <a:latin typeface="+mn-lt"/>
+        <a:ea typeface="+mn-ea"/>
+        <a:cs typeface="+mn-cs"/>
+      </a:defRPr>
+    </a:lvl3pPr>
+    <a:lvl4pPr marL="1371600" algn="l" defTabSz="914400" rtl="0" eaLnBrk="1" latinLnBrk="0" hangingPunct="1">
+      <a:defRPr sz="1200" kern="1200">
+        <a:solidFill>
+          <a:schemeClr val="tx1"/>
+        </a:solidFill>
+        <a:latin typeface="+mn-lt"/>
+        <a:ea typeface="+mn-ea"/>
+        <a:cs typeface="+mn-cs"/>
+      </a:defRPr>
+    </a:lvl4pPr>
+    <a:lvl5pPr marL="1828800" algn="l" defTabSz="914400" rtl="0" eaLnBrk="1" latinLnBrk="0" hangingPunct="1">
+      <a:defRPr sz="1200" kern="1200">
+        <a:solidFill>
+          <a:schemeClr val="tx1"/>
+        </a:solidFill>
+        <a:latin typeface="+mn-lt"/>
+        <a:ea typeface="+mn-ea"/>
+        <a:cs typeface="+mn-cs"/>
+      </a:defRPr>
+    </a:lvl5pPr>
+    <a:lvl6pPr marL="2286000" algn="l" defTabSz="914400" rtl="0" eaLnBrk="1" latinLnBrk="0" hangingPunct="1">
+      <a:defRPr sz="1200" kern="1200">
+        <a:solidFill>
+          <a:schemeClr val="tx1"/>
+        </a:solidFill>
+        <a:latin typeface="+mn-lt"/>
+        <a:ea typeface="+mn-ea"/>
+        <a:cs typeface="+mn-cs"/>
+      </a:defRPr>
+    </a:lvl6pPr>
+    <a:lvl7pPr marL="2743200" algn="l" defTabSz="914400" rtl="0" eaLnBrk="1" latinLnBrk="0" hangingPunct="1">
+      <a:defRPr sz="1200" kern="1200">
+        <a:solidFill>
+          <a:schemeClr val="tx1"/>
+        </a:solidFill>
+        <a:latin typeface="+mn-lt"/>
+        <a:ea typeface="+mn-ea"/>
+        <a:cs typeface="+mn-cs"/>
+      </a:defRPr>
+    </a:lvl7pPr>
+    <a:lvl8pPr marL="3200400" algn="l" defTabSz="914400" rtl="0" eaLnBrk="1" latinLnBrk="0" hangingPunct="1">
+      <a:defRPr sz="1200" kern="1200">
+        <a:solidFill>
+          <a:schemeClr val="tx1"/>
+        </a:solidFill>
+        <a:latin typeface="+mn-lt"/>
+        <a:ea typeface="+mn-ea"/>
+        <a:cs typeface="+mn-cs"/>
+      </a:defRPr>
+    </a:lvl8pPr>
+    <a:lvl9pPr marL="3657600" algn="l" defTabSz="914400" rtl="0" eaLnBrk="1" latinLnBrk="0" hangingPunct="1">
+      <a:defRPr sz="1200" kern="1200">
+        <a:solidFill>
+          <a:schemeClr val="tx1"/>
+        </a:solidFill>
+        <a:latin typeface="+mn-lt"/>
+        <a:ea typeface="+mn-ea"/>
+        <a:cs typeface="+mn-cs"/>
+      </a:defRPr>
+    </a:lvl9pPr>
+  </p:notesStyle>
+</p:notesMaster>
+</file>
+
+<file path=ppt/notesSlides/notesSlide1.xml><?xml version="1.0" encoding="utf-8"?>
+<p:notes xmlns:a="http://schemas.openxmlformats.org/drawingml/2006/main" xmlns:r="http://schemas.openxmlformats.org/officeDocument/2006/relationships" xmlns:p="http://schemas.openxmlformats.org/presentationml/2006/main">
+  <p:cSld>
+    <p:spTree>
+      <p:nvGrpSpPr>
+        <p:cNvPr id="1" name=""/>
+        <p:cNvGrpSpPr/>
+        <p:nvPr/>
+      </p:nvGrpSpPr>
+      <p:grpSpPr>
+        <a:xfrm>
+          <a:off x="0" y="0"/>
+          <a:ext cx="0" cy="0"/>
+          <a:chOff x="0" y="0"/>
+          <a:chExt cx="0" cy="0"/>
+        </a:xfrm>
+      </p:grpSpPr>
+      <p:sp>
+        <p:nvSpPr>
+          <p:cNvPr id="2" name="Slide Image Placeholder 1"/>
+          <p:cNvSpPr>
+            <a:spLocks noGrp="1" noRot="1" noChangeAspect="1"/>
+          </p:cNvSpPr>
+          <p:nvPr>
+            <p:ph type="sldImg"/>
+          </p:nvPr>
+        </p:nvSpPr>
+        <p:spPr/>
+      </p:sp>
+      <p:sp>
+        <p:nvSpPr>
+          <p:cNvPr id="3" name="Notes Placeholder 2"/>
+          <p:cNvSpPr>
+            <a:spLocks noGrp="1"/>
+          </p:cNvSpPr>
+          <p:nvPr>
+            <p:ph type="body" idx="1"/>
+          </p:nvPr>
+        </p:nvSpPr>
+        <p:spPr/>
+        <p:txBody>
+          <a:bodyPr/>
+          <a:lstStyle/>
+          <a:p>
+            <a:r>
+              <a:rPr lang="en-US" dirty="0" smtClean="0"/>
+              <a:t>This is the only</a:t>
+            </a:r>
+            <a:r>
+              <a:rPr lang="en-US" baseline="0" dirty="0" smtClean="0"/>
+              <a:t> the first version</a:t>
+            </a:r>
+          </a:p>
+          <a:p>
+            <a:endParaRPr lang="en-US" baseline="0" dirty="0" smtClean="0"/>
+          </a:p>
+          <a:p>
+            <a:r>
+              <a:rPr lang="en-US" baseline="0" dirty="0" smtClean="0"/>
+              <a:t>Had to adjust winning moves and moves to block winning moves to have higher value, otherwise the AI will not pick them. </a:t>
+            </a:r>
+          </a:p>
+          <a:p>
+            <a:r>
+              <a:rPr lang="en-US" baseline="0" dirty="0" smtClean="0"/>
+              <a:t>The AI may commit to a tile that has a very high value for a tile, even though there’s a winning move somewhere else. </a:t>
+            </a:r>
+          </a:p>
+          <a:p>
+            <a:endParaRPr lang="en-US" baseline="0" dirty="0" smtClean="0"/>
+          </a:p>
+          <a:p>
+            <a:r>
+              <a:rPr lang="en-US" baseline="0" dirty="0" smtClean="0"/>
+              <a:t>It should also prioritize blocking a winning move (a move that has a negative value) which is does not look very obviously good</a:t>
+            </a:r>
+            <a:endParaRPr lang="en-US" dirty="0"/>
+          </a:p>
+        </p:txBody>
+      </p:sp>
+      <p:sp>
+        <p:nvSpPr>
+          <p:cNvPr id="4" name="Slide Number Placeholder 3"/>
+          <p:cNvSpPr>
+            <a:spLocks noGrp="1"/>
+          </p:cNvSpPr>
+          <p:nvPr>
+            <p:ph type="sldNum" sz="quarter" idx="10"/>
+          </p:nvPr>
+        </p:nvSpPr>
+        <p:spPr/>
+        <p:txBody>
+          <a:bodyPr/>
+          <a:lstStyle/>
+          <a:p>
+            <a:fld id="{90E07049-BCFC-4BE9-BA06-3BBAAC671169}" type="slidenum">
+              <a:rPr lang="en-US" smtClean="0"/>
+              <a:t>7</a:t>
+            </a:fld>
+            <a:endParaRPr lang="en-US" dirty="0"/>
+          </a:p>
+        </p:txBody>
+      </p:sp>
+    </p:spTree>
+    <p:extLst>
+      <p:ext uri="{BB962C8B-B14F-4D97-AF65-F5344CB8AC3E}">
+        <p14:creationId xmlns:p14="http://schemas.microsoft.com/office/powerpoint/2010/main" val="2200799289"/>
+      </p:ext>
+    </p:extLst>
+  </p:cSld>
+  <p:clrMapOvr>
+    <a:masterClrMapping/>
+  </p:clrMapOvr>
+</p:notes>
+</file>
+
+<file path=ppt/notesSlides/notesSlide2.xml><?xml version="1.0" encoding="utf-8"?>
+<p:notes xmlns:a="http://schemas.openxmlformats.org/drawingml/2006/main" xmlns:r="http://schemas.openxmlformats.org/officeDocument/2006/relationships" xmlns:p="http://schemas.openxmlformats.org/presentationml/2006/main">
+  <p:cSld>
+    <p:spTree>
+      <p:nvGrpSpPr>
+        <p:cNvPr id="1" name=""/>
+        <p:cNvGrpSpPr/>
+        <p:nvPr/>
+      </p:nvGrpSpPr>
+      <p:grpSpPr>
+        <a:xfrm>
+          <a:off x="0" y="0"/>
+          <a:ext cx="0" cy="0"/>
+          <a:chOff x="0" y="0"/>
+          <a:chExt cx="0" cy="0"/>
+        </a:xfrm>
+      </p:grpSpPr>
+      <p:sp>
+        <p:nvSpPr>
+          <p:cNvPr id="2" name="Slide Image Placeholder 1"/>
+          <p:cNvSpPr>
+            <a:spLocks noGrp="1" noRot="1" noChangeAspect="1"/>
+          </p:cNvSpPr>
+          <p:nvPr>
+            <p:ph type="sldImg"/>
+          </p:nvPr>
+        </p:nvSpPr>
+        <p:spPr/>
+      </p:sp>
+      <p:sp>
+        <p:nvSpPr>
+          <p:cNvPr id="3" name="Notes Placeholder 2"/>
+          <p:cNvSpPr>
+            <a:spLocks noGrp="1"/>
+          </p:cNvSpPr>
+          <p:nvPr>
+            <p:ph type="body" idx="1"/>
+          </p:nvPr>
+        </p:nvSpPr>
+        <p:spPr/>
+        <p:txBody>
+          <a:bodyPr/>
+          <a:lstStyle/>
+          <a:p>
+            <a:r>
+              <a:rPr lang="en-US" dirty="0" smtClean="0"/>
+              <a:t>This allows the algorithm to search for good moves and plan ahead</a:t>
+            </a:r>
+          </a:p>
+          <a:p>
+            <a:r>
+              <a:rPr lang="en-US" dirty="0" smtClean="0"/>
+              <a:t>Not make very obvious</a:t>
+            </a:r>
+            <a:r>
+              <a:rPr lang="en-US" baseline="0" dirty="0" smtClean="0"/>
+              <a:t> moves and also consider that the </a:t>
+            </a:r>
+            <a:r>
+              <a:rPr lang="en-US" baseline="0" dirty="0" err="1" smtClean="0"/>
+              <a:t>opponnent</a:t>
+            </a:r>
+            <a:r>
+              <a:rPr lang="en-US" baseline="0" dirty="0" smtClean="0"/>
+              <a:t> is making moves against them</a:t>
+            </a:r>
+          </a:p>
+          <a:p>
+            <a:endParaRPr lang="en-US" baseline="0" dirty="0" smtClean="0"/>
+          </a:p>
+          <a:p>
+            <a:r>
+              <a:rPr lang="en-US" dirty="0" smtClean="0"/>
+              <a:t>Start with this DFS search with alpha beta pruning</a:t>
+            </a:r>
+          </a:p>
+          <a:p>
+            <a:r>
+              <a:rPr lang="en-US" dirty="0" smtClean="0"/>
+              <a:t>Then</a:t>
+            </a:r>
+            <a:r>
+              <a:rPr lang="en-US" baseline="0" dirty="0" smtClean="0"/>
+              <a:t> if there’s extra time, redo search with depth = depth + 1</a:t>
+            </a:r>
+          </a:p>
+          <a:p>
+            <a:r>
+              <a:rPr lang="en-US" baseline="0" dirty="0" smtClean="0"/>
+              <a:t>Else decrease depth for next turn</a:t>
+            </a:r>
+            <a:endParaRPr lang="en-US" dirty="0" smtClean="0"/>
+          </a:p>
+          <a:p>
+            <a:endParaRPr lang="en-US" dirty="0"/>
+          </a:p>
+        </p:txBody>
+      </p:sp>
+      <p:sp>
+        <p:nvSpPr>
+          <p:cNvPr id="4" name="Slide Number Placeholder 3"/>
+          <p:cNvSpPr>
+            <a:spLocks noGrp="1"/>
+          </p:cNvSpPr>
+          <p:nvPr>
+            <p:ph type="sldNum" sz="quarter" idx="10"/>
+          </p:nvPr>
+        </p:nvSpPr>
+        <p:spPr/>
+        <p:txBody>
+          <a:bodyPr/>
+          <a:lstStyle/>
+          <a:p>
+            <a:fld id="{90E07049-BCFC-4BE9-BA06-3BBAAC671169}" type="slidenum">
+              <a:rPr lang="en-US" smtClean="0"/>
+              <a:t>8</a:t>
+            </a:fld>
+            <a:endParaRPr lang="en-US" dirty="0"/>
+          </a:p>
+        </p:txBody>
+      </p:sp>
+    </p:spTree>
+    <p:extLst>
+      <p:ext uri="{BB962C8B-B14F-4D97-AF65-F5344CB8AC3E}">
+        <p14:creationId xmlns:p14="http://schemas.microsoft.com/office/powerpoint/2010/main" val="2039204243"/>
+      </p:ext>
+    </p:extLst>
+  </p:cSld>
+  <p:clrMapOvr>
+    <a:masterClrMapping/>
+  </p:clrMapOvr>
+</p:notes>
+</file>
+
+<file path=ppt/notesSlides/notesSlide3.xml><?xml version="1.0" encoding="utf-8"?>
+<p:notes xmlns:a="http://schemas.openxmlformats.org/drawingml/2006/main" xmlns:r="http://schemas.openxmlformats.org/officeDocument/2006/relationships" xmlns:p="http://schemas.openxmlformats.org/presentationml/2006/main">
+  <p:cSld>
+    <p:spTree>
+      <p:nvGrpSpPr>
+        <p:cNvPr id="1" name=""/>
+        <p:cNvGrpSpPr/>
+        <p:nvPr/>
+      </p:nvGrpSpPr>
+      <p:grpSpPr>
+        <a:xfrm>
+          <a:off x="0" y="0"/>
+          <a:ext cx="0" cy="0"/>
+          <a:chOff x="0" y="0"/>
+          <a:chExt cx="0" cy="0"/>
+        </a:xfrm>
+      </p:grpSpPr>
+      <p:sp>
+        <p:nvSpPr>
+          <p:cNvPr id="2" name="Slide Image Placeholder 1"/>
+          <p:cNvSpPr>
+            <a:spLocks noGrp="1" noRot="1" noChangeAspect="1"/>
+          </p:cNvSpPr>
+          <p:nvPr>
+            <p:ph type="sldImg"/>
+          </p:nvPr>
+        </p:nvSpPr>
+        <p:spPr/>
+      </p:sp>
+      <p:sp>
+        <p:nvSpPr>
+          <p:cNvPr id="3" name="Notes Placeholder 2"/>
+          <p:cNvSpPr>
+            <a:spLocks noGrp="1"/>
+          </p:cNvSpPr>
+          <p:nvPr>
+            <p:ph type="body" idx="1"/>
+          </p:nvPr>
+        </p:nvSpPr>
+        <p:spPr/>
+        <p:txBody>
+          <a:bodyPr/>
+          <a:lstStyle/>
+          <a:p>
+            <a:r>
+              <a:rPr lang="en-US" dirty="0" smtClean="0"/>
+              <a:t>This allows the algorithm to search for good moves and plan ahead</a:t>
+            </a:r>
+          </a:p>
+          <a:p>
+            <a:r>
+              <a:rPr lang="en-US" dirty="0" smtClean="0"/>
+              <a:t>Not make very obvious</a:t>
+            </a:r>
+            <a:r>
+              <a:rPr lang="en-US" baseline="0" dirty="0" smtClean="0"/>
+              <a:t> moves and also consider that the </a:t>
+            </a:r>
+            <a:r>
+              <a:rPr lang="en-US" baseline="0" dirty="0" err="1" smtClean="0"/>
+              <a:t>opponnent</a:t>
+            </a:r>
+            <a:r>
+              <a:rPr lang="en-US" baseline="0" dirty="0" smtClean="0"/>
+              <a:t> is making moves against them</a:t>
+            </a:r>
+          </a:p>
+          <a:p>
+            <a:endParaRPr lang="en-US" baseline="0" dirty="0" smtClean="0"/>
+          </a:p>
+          <a:p>
+            <a:r>
+              <a:rPr lang="en-US" dirty="0" smtClean="0"/>
+              <a:t>Start with this DFS search with alpha beta pruning</a:t>
+            </a:r>
+          </a:p>
+          <a:p>
+            <a:r>
+              <a:rPr lang="en-US" dirty="0" smtClean="0"/>
+              <a:t>Then</a:t>
+            </a:r>
+            <a:r>
+              <a:rPr lang="en-US" baseline="0" dirty="0" smtClean="0"/>
+              <a:t> if there’s extra time, redo search with depth = depth + 1</a:t>
+            </a:r>
+          </a:p>
+          <a:p>
+            <a:r>
+              <a:rPr lang="en-US" baseline="0" dirty="0" smtClean="0"/>
+              <a:t>Else decrease depth for next turn</a:t>
+            </a:r>
+            <a:endParaRPr lang="en-US" dirty="0" smtClean="0"/>
+          </a:p>
+          <a:p>
+            <a:endParaRPr lang="en-US" dirty="0"/>
+          </a:p>
+        </p:txBody>
+      </p:sp>
+      <p:sp>
+        <p:nvSpPr>
+          <p:cNvPr id="4" name="Slide Number Placeholder 3"/>
+          <p:cNvSpPr>
+            <a:spLocks noGrp="1"/>
+          </p:cNvSpPr>
+          <p:nvPr>
+            <p:ph type="sldNum" sz="quarter" idx="10"/>
+          </p:nvPr>
+        </p:nvSpPr>
+        <p:spPr/>
+        <p:txBody>
+          <a:bodyPr/>
+          <a:lstStyle/>
+          <a:p>
+            <a:fld id="{90E07049-BCFC-4BE9-BA06-3BBAAC671169}" type="slidenum">
+              <a:rPr lang="en-US" smtClean="0"/>
+              <a:t>9</a:t>
+            </a:fld>
+            <a:endParaRPr lang="en-US" dirty="0"/>
+          </a:p>
+        </p:txBody>
+      </p:sp>
+    </p:spTree>
+    <p:extLst>
+      <p:ext uri="{BB962C8B-B14F-4D97-AF65-F5344CB8AC3E}">
+        <p14:creationId xmlns:p14="http://schemas.microsoft.com/office/powerpoint/2010/main" val="2039204243"/>
+      </p:ext>
+    </p:extLst>
+  </p:cSld>
+  <p:clrMapOvr>
+    <a:masterClrMapping/>
+  </p:clrMapOvr>
+</p:notes>
+</file>
+
+<file path=ppt/notesSlides/notesSlide4.xml><?xml version="1.0" encoding="utf-8"?>
+<p:notes xmlns:a="http://schemas.openxmlformats.org/drawingml/2006/main" xmlns:r="http://schemas.openxmlformats.org/officeDocument/2006/relationships" xmlns:p="http://schemas.openxmlformats.org/presentationml/2006/main">
+  <p:cSld>
+    <p:spTree>
+      <p:nvGrpSpPr>
+        <p:cNvPr id="1" name=""/>
+        <p:cNvGrpSpPr/>
+        <p:nvPr/>
+      </p:nvGrpSpPr>
+      <p:grpSpPr>
+        <a:xfrm>
+          <a:off x="0" y="0"/>
+          <a:ext cx="0" cy="0"/>
+          <a:chOff x="0" y="0"/>
+          <a:chExt cx="0" cy="0"/>
+        </a:xfrm>
+      </p:grpSpPr>
+      <p:sp>
+        <p:nvSpPr>
+          <p:cNvPr id="2" name="Slide Image Placeholder 1"/>
+          <p:cNvSpPr>
+            <a:spLocks noGrp="1" noRot="1" noChangeAspect="1"/>
+          </p:cNvSpPr>
+          <p:nvPr>
+            <p:ph type="sldImg"/>
+          </p:nvPr>
+        </p:nvSpPr>
+        <p:spPr/>
+      </p:sp>
+      <p:sp>
+        <p:nvSpPr>
+          <p:cNvPr id="3" name="Notes Placeholder 2"/>
+          <p:cNvSpPr>
+            <a:spLocks noGrp="1"/>
+          </p:cNvSpPr>
+          <p:nvPr>
+            <p:ph type="body" idx="1"/>
+          </p:nvPr>
+        </p:nvSpPr>
+        <p:spPr/>
+        <p:txBody>
+          <a:bodyPr/>
+          <a:lstStyle/>
+          <a:p>
+            <a:r>
+              <a:rPr lang="en-US" dirty="0" smtClean="0"/>
+              <a:t>When</a:t>
+            </a:r>
+            <a:r>
+              <a:rPr lang="en-US" baseline="0" dirty="0" smtClean="0"/>
+              <a:t> we completed algorithm, the algorithm was still too slow. Alpha beta </a:t>
+            </a:r>
+            <a:r>
+              <a:rPr lang="en-US" baseline="0" dirty="0" err="1" smtClean="0"/>
+              <a:t>prunning</a:t>
+            </a:r>
+            <a:r>
+              <a:rPr lang="en-US" baseline="0" dirty="0" smtClean="0"/>
+              <a:t> requires a deep search of all 64 initial children in order for the rest of the children to be pruned away.</a:t>
+            </a:r>
+          </a:p>
+          <a:p>
+            <a:r>
+              <a:rPr lang="en-US" baseline="0" dirty="0" smtClean="0"/>
+              <a:t>We didn’t want to go deep into all possible 64 tiles. This will take too long when depth is huge</a:t>
+            </a:r>
+          </a:p>
+          <a:p>
+            <a:endParaRPr lang="en-US" baseline="0" dirty="0" smtClean="0"/>
+          </a:p>
+          <a:p>
+            <a:r>
+              <a:rPr lang="en-US" baseline="0" dirty="0" smtClean="0"/>
+              <a:t>Modified search to only consider tiles that are 4 distance away from </a:t>
+            </a:r>
+            <a:r>
+              <a:rPr lang="en-US" baseline="0" dirty="0" err="1" smtClean="0"/>
+              <a:t>exisiting</a:t>
+            </a:r>
+            <a:r>
+              <a:rPr lang="en-US" baseline="0" dirty="0" smtClean="0"/>
+              <a:t> tiles. Placing a move that would not build up a combo to win didn’t seem obvious for victory.</a:t>
+            </a:r>
+          </a:p>
+          <a:p>
+            <a:r>
+              <a:rPr lang="en-US" baseline="0" dirty="0" smtClean="0"/>
+              <a:t>This significantly reduced branching, so didn’t have to search all 64 tiles and only consider making moves that could combination for victory.</a:t>
+            </a:r>
+          </a:p>
+          <a:p>
+            <a:endParaRPr lang="en-US" baseline="0" dirty="0" smtClean="0"/>
+          </a:p>
+          <a:p>
+            <a:r>
+              <a:rPr lang="en-US" baseline="0" dirty="0" smtClean="0"/>
+              <a:t>However even this wasn’t good enough. Later in the game, there would be even more tiles on the board and more tiles are eligible to distance 4 away from </a:t>
+            </a:r>
+            <a:r>
+              <a:rPr lang="en-US" baseline="0" dirty="0" err="1" smtClean="0"/>
+              <a:t>exisiting</a:t>
+            </a:r>
+            <a:r>
+              <a:rPr lang="en-US" baseline="0" dirty="0" smtClean="0"/>
+              <a:t> tiles. </a:t>
+            </a:r>
+          </a:p>
+          <a:p>
+            <a:endParaRPr lang="en-US" baseline="0" dirty="0" smtClean="0"/>
+          </a:p>
+          <a:p>
+            <a:r>
+              <a:rPr lang="en-US" baseline="0" dirty="0" smtClean="0"/>
+              <a:t>The threshold will grow with time and reduce branching factor.</a:t>
+            </a:r>
+          </a:p>
+        </p:txBody>
+      </p:sp>
+      <p:sp>
+        <p:nvSpPr>
+          <p:cNvPr id="4" name="Slide Number Placeholder 3"/>
+          <p:cNvSpPr>
+            <a:spLocks noGrp="1"/>
+          </p:cNvSpPr>
+          <p:nvPr>
+            <p:ph type="sldNum" sz="quarter" idx="10"/>
+          </p:nvPr>
+        </p:nvSpPr>
+        <p:spPr/>
+        <p:txBody>
+          <a:bodyPr/>
+          <a:lstStyle/>
+          <a:p>
+            <a:fld id="{90E07049-BCFC-4BE9-BA06-3BBAAC671169}" type="slidenum">
+              <a:rPr lang="en-US" smtClean="0"/>
+              <a:t>10</a:t>
+            </a:fld>
+            <a:endParaRPr lang="en-US" dirty="0"/>
+          </a:p>
+        </p:txBody>
+      </p:sp>
+    </p:spTree>
+    <p:extLst>
+      <p:ext uri="{BB962C8B-B14F-4D97-AF65-F5344CB8AC3E}">
+        <p14:creationId xmlns:p14="http://schemas.microsoft.com/office/powerpoint/2010/main" val="3030573799"/>
+      </p:ext>
+    </p:extLst>
+  </p:cSld>
+  <p:clrMapOvr>
+    <a:masterClrMapping/>
+  </p:clrMapOvr>
+</p:notes>
+</file>
+
+<file path=ppt/notesSlides/notesSlide5.xml><?xml version="1.0" encoding="utf-8"?>
+<p:notes xmlns:a="http://schemas.openxmlformats.org/drawingml/2006/main" xmlns:r="http://schemas.openxmlformats.org/officeDocument/2006/relationships" xmlns:p="http://schemas.openxmlformats.org/presentationml/2006/main">
+  <p:cSld>
+    <p:spTree>
+      <p:nvGrpSpPr>
+        <p:cNvPr id="1" name=""/>
+        <p:cNvGrpSpPr/>
+        <p:nvPr/>
+      </p:nvGrpSpPr>
+      <p:grpSpPr>
+        <a:xfrm>
+          <a:off x="0" y="0"/>
+          <a:ext cx="0" cy="0"/>
+          <a:chOff x="0" y="0"/>
+          <a:chExt cx="0" cy="0"/>
+        </a:xfrm>
+      </p:grpSpPr>
+      <p:sp>
+        <p:nvSpPr>
+          <p:cNvPr id="2" name="Slide Image Placeholder 1"/>
+          <p:cNvSpPr>
+            <a:spLocks noGrp="1" noRot="1" noChangeAspect="1"/>
+          </p:cNvSpPr>
+          <p:nvPr>
+            <p:ph type="sldImg"/>
+          </p:nvPr>
+        </p:nvSpPr>
+        <p:spPr/>
+      </p:sp>
+      <p:sp>
+        <p:nvSpPr>
+          <p:cNvPr id="3" name="Notes Placeholder 2"/>
+          <p:cNvSpPr>
+            <a:spLocks noGrp="1"/>
+          </p:cNvSpPr>
+          <p:nvPr>
+            <p:ph type="body" idx="1"/>
+          </p:nvPr>
+        </p:nvSpPr>
+        <p:spPr/>
+        <p:txBody>
+          <a:bodyPr/>
+          <a:lstStyle/>
+          <a:p>
+            <a:r>
+              <a:rPr lang="en-US" dirty="0" smtClean="0"/>
+              <a:t>When</a:t>
+            </a:r>
+            <a:r>
+              <a:rPr lang="en-US" baseline="0" dirty="0" smtClean="0"/>
+              <a:t> we completed algorithm, the algorithm was still too slow. Alpha beta </a:t>
+            </a:r>
+            <a:r>
+              <a:rPr lang="en-US" baseline="0" dirty="0" err="1" smtClean="0"/>
+              <a:t>prunning</a:t>
+            </a:r>
+            <a:r>
+              <a:rPr lang="en-US" baseline="0" dirty="0" smtClean="0"/>
+              <a:t> requires a deep search of all 64 initial children in order for the rest of the children to be pruned away.</a:t>
+            </a:r>
+          </a:p>
+          <a:p>
+            <a:r>
+              <a:rPr lang="en-US" baseline="0" dirty="0" smtClean="0"/>
+              <a:t>We didn’t want to go deep into all possible 64 tiles. This will take too long when </a:t>
+            </a:r>
+            <a:r>
+              <a:rPr lang="en-US" baseline="0" smtClean="0"/>
+              <a:t>depth is huge</a:t>
+            </a:r>
+            <a:endParaRPr lang="en-US" baseline="0" dirty="0" smtClean="0"/>
+          </a:p>
+          <a:p>
+            <a:endParaRPr lang="en-US" baseline="0" dirty="0" smtClean="0"/>
+          </a:p>
+          <a:p>
+            <a:r>
+              <a:rPr lang="en-US" baseline="0" dirty="0" smtClean="0"/>
+              <a:t>Modified search to only consider tiles that are 4 distance away from </a:t>
+            </a:r>
+            <a:r>
+              <a:rPr lang="en-US" baseline="0" dirty="0" err="1" smtClean="0"/>
+              <a:t>exisiting</a:t>
+            </a:r>
+            <a:r>
+              <a:rPr lang="en-US" baseline="0" dirty="0" smtClean="0"/>
+              <a:t> tiles. Placing a move that would not build up a combo to win didn’t seem obvious for victory.</a:t>
+            </a:r>
+          </a:p>
+          <a:p>
+            <a:r>
+              <a:rPr lang="en-US" baseline="0" dirty="0" smtClean="0"/>
+              <a:t>This significantly reduced branching, so didn’t have to search all 64 tiles and only consider making moves that could combination for victory.</a:t>
+            </a:r>
+          </a:p>
+          <a:p>
+            <a:endParaRPr lang="en-US" baseline="0" dirty="0" smtClean="0"/>
+          </a:p>
+          <a:p>
+            <a:r>
+              <a:rPr lang="en-US" baseline="0" dirty="0" smtClean="0"/>
+              <a:t>However even this wasn’t good enough. Later in the game, there would be even more tiles on the board and more tiles are eligible to distance 4 away from </a:t>
+            </a:r>
+            <a:r>
+              <a:rPr lang="en-US" baseline="0" dirty="0" err="1" smtClean="0"/>
+              <a:t>exisiting</a:t>
+            </a:r>
+            <a:r>
+              <a:rPr lang="en-US" baseline="0" dirty="0" smtClean="0"/>
+              <a:t> tiles. </a:t>
+            </a:r>
+          </a:p>
+          <a:p>
+            <a:endParaRPr lang="en-US" baseline="0" dirty="0" smtClean="0"/>
+          </a:p>
+          <a:p>
+            <a:r>
+              <a:rPr lang="en-US" baseline="0" dirty="0" smtClean="0"/>
+              <a:t>The threshold will grow with time and reduce branching factor.</a:t>
+            </a:r>
+          </a:p>
+        </p:txBody>
+      </p:sp>
+      <p:sp>
+        <p:nvSpPr>
+          <p:cNvPr id="4" name="Slide Number Placeholder 3"/>
+          <p:cNvSpPr>
+            <a:spLocks noGrp="1"/>
+          </p:cNvSpPr>
+          <p:nvPr>
+            <p:ph type="sldNum" sz="quarter" idx="10"/>
+          </p:nvPr>
+        </p:nvSpPr>
+        <p:spPr/>
+        <p:txBody>
+          <a:bodyPr/>
+          <a:lstStyle/>
+          <a:p>
+            <a:fld id="{90E07049-BCFC-4BE9-BA06-3BBAAC671169}" type="slidenum">
+              <a:rPr lang="en-US" smtClean="0"/>
+              <a:t>11</a:t>
+            </a:fld>
+            <a:endParaRPr lang="en-US" dirty="0"/>
+          </a:p>
+        </p:txBody>
+      </p:sp>
+    </p:spTree>
+    <p:extLst>
+      <p:ext uri="{BB962C8B-B14F-4D97-AF65-F5344CB8AC3E}">
+        <p14:creationId xmlns:p14="http://schemas.microsoft.com/office/powerpoint/2010/main" val="3030573799"/>
+      </p:ext>
+    </p:extLst>
+  </p:cSld>
+  <p:clrMapOvr>
+    <a:masterClrMapping/>
+  </p:clrMapOvr>
+</p:notes>
+</file>
+
+<file path=ppt/notesSlides/notesSlide6.xml><?xml version="1.0" encoding="utf-8"?>
+<p:notes xmlns:a="http://schemas.openxmlformats.org/drawingml/2006/main" xmlns:r="http://schemas.openxmlformats.org/officeDocument/2006/relationships" xmlns:p="http://schemas.openxmlformats.org/presentationml/2006/main">
+  <p:cSld>
+    <p:spTree>
+      <p:nvGrpSpPr>
+        <p:cNvPr id="1" name=""/>
+        <p:cNvGrpSpPr/>
+        <p:nvPr/>
+      </p:nvGrpSpPr>
+      <p:grpSpPr>
+        <a:xfrm>
+          <a:off x="0" y="0"/>
+          <a:ext cx="0" cy="0"/>
+          <a:chOff x="0" y="0"/>
+          <a:chExt cx="0" cy="0"/>
+        </a:xfrm>
+      </p:grpSpPr>
+      <p:sp>
+        <p:nvSpPr>
+          <p:cNvPr id="2" name="Slide Image Placeholder 1"/>
+          <p:cNvSpPr>
+            <a:spLocks noGrp="1" noRot="1" noChangeAspect="1"/>
+          </p:cNvSpPr>
+          <p:nvPr>
+            <p:ph type="sldImg"/>
+          </p:nvPr>
+        </p:nvSpPr>
+        <p:spPr/>
+      </p:sp>
+      <p:sp>
+        <p:nvSpPr>
+          <p:cNvPr id="3" name="Notes Placeholder 2"/>
+          <p:cNvSpPr>
+            <a:spLocks noGrp="1"/>
+          </p:cNvSpPr>
+          <p:nvPr>
+            <p:ph type="body" idx="1"/>
+          </p:nvPr>
+        </p:nvSpPr>
+        <p:spPr/>
+        <p:txBody>
+          <a:bodyPr/>
+          <a:lstStyle/>
+          <a:p>
+            <a:endParaRPr lang="en-US" dirty="0" smtClean="0"/>
+          </a:p>
+          <a:p>
+            <a:endParaRPr lang="en-US" dirty="0" smtClean="0"/>
+          </a:p>
+          <a:p>
+            <a:r>
+              <a:rPr lang="en-US" dirty="0" smtClean="0"/>
+              <a:t>Each</a:t>
+            </a:r>
+            <a:r>
+              <a:rPr lang="en-US" baseline="0" dirty="0" smtClean="0"/>
+              <a:t> node then had to track an alpha and a beta value for both players.</a:t>
+            </a:r>
+          </a:p>
+          <a:p>
+            <a:endParaRPr lang="en-US" baseline="0" dirty="0" smtClean="0"/>
+          </a:p>
+          <a:p>
+            <a:r>
+              <a:rPr lang="en-US" baseline="0" dirty="0" smtClean="0"/>
+              <a:t> If the other player was going to make a winning move as result of the current move, then this move should not be made and should be </a:t>
+            </a:r>
+            <a:r>
+              <a:rPr lang="en-US" baseline="0" dirty="0" err="1" smtClean="0"/>
+              <a:t>prunned</a:t>
+            </a:r>
+            <a:r>
+              <a:rPr lang="en-US" baseline="0" dirty="0" smtClean="0"/>
+              <a:t> away.</a:t>
+            </a:r>
+            <a:endParaRPr lang="en-US" dirty="0" smtClean="0"/>
+          </a:p>
+        </p:txBody>
+      </p:sp>
+      <p:sp>
+        <p:nvSpPr>
+          <p:cNvPr id="4" name="Slide Number Placeholder 3"/>
+          <p:cNvSpPr>
+            <a:spLocks noGrp="1"/>
+          </p:cNvSpPr>
+          <p:nvPr>
+            <p:ph type="sldNum" sz="quarter" idx="10"/>
+          </p:nvPr>
+        </p:nvSpPr>
+        <p:spPr/>
+        <p:txBody>
+          <a:bodyPr/>
+          <a:lstStyle/>
+          <a:p>
+            <a:fld id="{90E07049-BCFC-4BE9-BA06-3BBAAC671169}" type="slidenum">
+              <a:rPr lang="en-US" smtClean="0"/>
+              <a:t>12</a:t>
+            </a:fld>
+            <a:endParaRPr lang="en-US" dirty="0"/>
+          </a:p>
+        </p:txBody>
+      </p:sp>
+    </p:spTree>
+    <p:extLst>
+      <p:ext uri="{BB962C8B-B14F-4D97-AF65-F5344CB8AC3E}">
+        <p14:creationId xmlns:p14="http://schemas.microsoft.com/office/powerpoint/2010/main" val="344267466"/>
+      </p:ext>
+    </p:extLst>
+  </p:cSld>
+  <p:clrMapOvr>
+    <a:masterClrMapping/>
+  </p:clrMapOvr>
+</p:notes>
+</file>
+
+<file path=ppt/notesSlides/notesSlide7.xml><?xml version="1.0" encoding="utf-8"?>
+<p:notes xmlns:a="http://schemas.openxmlformats.org/drawingml/2006/main" xmlns:r="http://schemas.openxmlformats.org/officeDocument/2006/relationships" xmlns:p="http://schemas.openxmlformats.org/presentationml/2006/main">
+  <p:cSld>
+    <p:spTree>
+      <p:nvGrpSpPr>
+        <p:cNvPr id="1" name=""/>
+        <p:cNvGrpSpPr/>
+        <p:nvPr/>
+      </p:nvGrpSpPr>
+      <p:grpSpPr>
+        <a:xfrm>
+          <a:off x="0" y="0"/>
+          <a:ext cx="0" cy="0"/>
+          <a:chOff x="0" y="0"/>
+          <a:chExt cx="0" cy="0"/>
+        </a:xfrm>
+      </p:grpSpPr>
+      <p:sp>
+        <p:nvSpPr>
+          <p:cNvPr id="2" name="Slide Image Placeholder 1"/>
+          <p:cNvSpPr>
+            <a:spLocks noGrp="1" noRot="1" noChangeAspect="1"/>
+          </p:cNvSpPr>
+          <p:nvPr>
+            <p:ph type="sldImg"/>
+          </p:nvPr>
+        </p:nvSpPr>
+        <p:spPr/>
+      </p:sp>
+      <p:sp>
+        <p:nvSpPr>
+          <p:cNvPr id="3" name="Notes Placeholder 2"/>
+          <p:cNvSpPr>
+            <a:spLocks noGrp="1"/>
+          </p:cNvSpPr>
+          <p:nvPr>
+            <p:ph type="body" idx="1"/>
+          </p:nvPr>
+        </p:nvSpPr>
+        <p:spPr/>
+        <p:txBody>
+          <a:bodyPr/>
+          <a:lstStyle/>
+          <a:p>
+            <a:r>
+              <a:rPr lang="en-US" dirty="0" smtClean="0"/>
+              <a:t>Needed</a:t>
+            </a:r>
+            <a:r>
+              <a:rPr lang="en-US" baseline="0" dirty="0" smtClean="0"/>
+              <a:t> to modify algorithm to have higher priority for better moves than just moves that helped it to win</a:t>
+            </a:r>
+            <a:endParaRPr lang="en-US" dirty="0" smtClean="0"/>
+          </a:p>
+        </p:txBody>
+      </p:sp>
+      <p:sp>
+        <p:nvSpPr>
+          <p:cNvPr id="4" name="Slide Number Placeholder 3"/>
+          <p:cNvSpPr>
+            <a:spLocks noGrp="1"/>
+          </p:cNvSpPr>
+          <p:nvPr>
+            <p:ph type="sldNum" sz="quarter" idx="10"/>
+          </p:nvPr>
+        </p:nvSpPr>
+        <p:spPr/>
+        <p:txBody>
+          <a:bodyPr/>
+          <a:lstStyle/>
+          <a:p>
+            <a:fld id="{90E07049-BCFC-4BE9-BA06-3BBAAC671169}" type="slidenum">
+              <a:rPr lang="en-US" smtClean="0"/>
+              <a:t>13</a:t>
+            </a:fld>
+            <a:endParaRPr lang="en-US" dirty="0"/>
+          </a:p>
+        </p:txBody>
+      </p:sp>
+    </p:spTree>
+    <p:extLst>
+      <p:ext uri="{BB962C8B-B14F-4D97-AF65-F5344CB8AC3E}">
+        <p14:creationId xmlns:p14="http://schemas.microsoft.com/office/powerpoint/2010/main" val="344267466"/>
+      </p:ext>
+    </p:extLst>
+  </p:cSld>
+  <p:clrMapOvr>
+    <a:masterClrMapping/>
+  </p:clrMapOvr>
+</p:notes>
+</file>
+
+<file path=ppt/notesSlides/notesSlide8.xml><?xml version="1.0" encoding="utf-8"?>
+<p:notes xmlns:a="http://schemas.openxmlformats.org/drawingml/2006/main" xmlns:r="http://schemas.openxmlformats.org/officeDocument/2006/relationships" xmlns:p="http://schemas.openxmlformats.org/presentationml/2006/main">
+  <p:cSld>
+    <p:spTree>
+      <p:nvGrpSpPr>
+        <p:cNvPr id="1" name=""/>
+        <p:cNvGrpSpPr/>
+        <p:nvPr/>
+      </p:nvGrpSpPr>
+      <p:grpSpPr>
+        <a:xfrm>
+          <a:off x="0" y="0"/>
+          <a:ext cx="0" cy="0"/>
+          <a:chOff x="0" y="0"/>
+          <a:chExt cx="0" cy="0"/>
+        </a:xfrm>
+      </p:grpSpPr>
+      <p:sp>
+        <p:nvSpPr>
+          <p:cNvPr id="2" name="Slide Image Placeholder 1"/>
+          <p:cNvSpPr>
+            <a:spLocks noGrp="1" noRot="1" noChangeAspect="1"/>
+          </p:cNvSpPr>
+          <p:nvPr>
+            <p:ph type="sldImg"/>
+          </p:nvPr>
+        </p:nvSpPr>
+        <p:spPr/>
+      </p:sp>
+      <p:sp>
+        <p:nvSpPr>
+          <p:cNvPr id="3" name="Notes Placeholder 2"/>
+          <p:cNvSpPr>
+            <a:spLocks noGrp="1"/>
+          </p:cNvSpPr>
+          <p:nvPr>
+            <p:ph type="body" idx="1"/>
+          </p:nvPr>
+        </p:nvSpPr>
+        <p:spPr/>
+        <p:txBody>
+          <a:bodyPr/>
+          <a:lstStyle/>
+          <a:p>
+            <a:endParaRPr lang="en-US" dirty="0"/>
+          </a:p>
+        </p:txBody>
+      </p:sp>
+      <p:sp>
+        <p:nvSpPr>
+          <p:cNvPr id="4" name="Slide Number Placeholder 3"/>
+          <p:cNvSpPr>
+            <a:spLocks noGrp="1"/>
+          </p:cNvSpPr>
+          <p:nvPr>
+            <p:ph type="sldNum" sz="quarter" idx="10"/>
+          </p:nvPr>
+        </p:nvSpPr>
+        <p:spPr/>
+        <p:txBody>
+          <a:bodyPr/>
+          <a:lstStyle/>
+          <a:p>
+            <a:fld id="{90E07049-BCFC-4BE9-BA06-3BBAAC671169}" type="slidenum">
+              <a:rPr lang="en-US" smtClean="0"/>
+              <a:t>15</a:t>
+            </a:fld>
+            <a:endParaRPr lang="en-US" dirty="0"/>
+          </a:p>
+        </p:txBody>
+      </p:sp>
+    </p:spTree>
+    <p:extLst>
+      <p:ext uri="{BB962C8B-B14F-4D97-AF65-F5344CB8AC3E}">
+        <p14:creationId xmlns:p14="http://schemas.microsoft.com/office/powerpoint/2010/main" val="2614962045"/>
+      </p:ext>
+    </p:extLst>
+  </p:cSld>
+  <p:clrMapOvr>
+    <a:masterClrMapping/>
+  </p:clrMapOvr>
+</p:notes>
+</file>
+
+<file path=ppt/notesSlides/notesSlide9.xml><?xml version="1.0" encoding="utf-8"?>
+<p:notes xmlns:a="http://schemas.openxmlformats.org/drawingml/2006/main" xmlns:r="http://schemas.openxmlformats.org/officeDocument/2006/relationships" xmlns:p="http://schemas.openxmlformats.org/presentationml/2006/main">
+  <p:cSld>
+    <p:spTree>
+      <p:nvGrpSpPr>
+        <p:cNvPr id="1" name=""/>
+        <p:cNvGrpSpPr/>
+        <p:nvPr/>
+      </p:nvGrpSpPr>
+      <p:grpSpPr>
+        <a:xfrm>
+          <a:off x="0" y="0"/>
+          <a:ext cx="0" cy="0"/>
+          <a:chOff x="0" y="0"/>
+          <a:chExt cx="0" cy="0"/>
+        </a:xfrm>
+      </p:grpSpPr>
+      <p:sp>
+        <p:nvSpPr>
+          <p:cNvPr id="2" name="Slide Image Placeholder 1"/>
+          <p:cNvSpPr>
+            <a:spLocks noGrp="1" noRot="1" noChangeAspect="1"/>
+          </p:cNvSpPr>
+          <p:nvPr>
+            <p:ph type="sldImg"/>
+          </p:nvPr>
+        </p:nvSpPr>
+        <p:spPr/>
+      </p:sp>
+      <p:sp>
+        <p:nvSpPr>
+          <p:cNvPr id="3" name="Notes Placeholder 2"/>
+          <p:cNvSpPr>
+            <a:spLocks noGrp="1"/>
+          </p:cNvSpPr>
+          <p:nvPr>
+            <p:ph type="body" idx="1"/>
+          </p:nvPr>
+        </p:nvSpPr>
+        <p:spPr/>
+        <p:txBody>
+          <a:bodyPr/>
+          <a:lstStyle/>
+          <a:p>
+            <a:r>
+              <a:rPr lang="en-US" dirty="0" smtClean="0"/>
+              <a:t>Going first</a:t>
+            </a:r>
+            <a:r>
+              <a:rPr lang="en-US" baseline="0" dirty="0" smtClean="0"/>
+              <a:t> seems to have a huge advantage. Having the extra move advantage makes an AI one step ahead to win the game. Because of the nature of the game, it seems the player going second is more defensive than the first.  It was rare to see the AI win when going second.</a:t>
+            </a:r>
+            <a:endParaRPr lang="en-US" dirty="0" smtClean="0"/>
+          </a:p>
+          <a:p>
+            <a:endParaRPr lang="en-US" dirty="0" smtClean="0"/>
+          </a:p>
+          <a:p>
+            <a:r>
+              <a:rPr lang="en-US" dirty="0" smtClean="0"/>
+              <a:t>No initial</a:t>
+            </a:r>
+            <a:r>
+              <a:rPr lang="en-US" baseline="0" dirty="0" smtClean="0"/>
+              <a:t> position is special. </a:t>
+            </a:r>
+          </a:p>
+          <a:p>
+            <a:r>
+              <a:rPr lang="en-US" baseline="0" dirty="0" smtClean="0"/>
+              <a:t>Values don’t really fluctuate when no other tiles available to affect costs</a:t>
+            </a:r>
+          </a:p>
+          <a:p>
+            <a:endParaRPr lang="en-US" baseline="0" dirty="0" smtClean="0"/>
+          </a:p>
+          <a:p>
+            <a:r>
+              <a:rPr lang="en-US" baseline="0" dirty="0" smtClean="0"/>
+              <a:t>Making obvious winning moves wasn’t very good. The other player could easily block those moves. Whoever when we increase the depth of the searches, the AI would choose to rather make more tricky moves that allowed multiple winning moves. Being able to plan moves ahead has a large advantage. </a:t>
+            </a:r>
+          </a:p>
+          <a:p>
+            <a:endParaRPr lang="en-US" baseline="0" dirty="0" smtClean="0"/>
+          </a:p>
+          <a:p>
+            <a:endParaRPr lang="en-US" baseline="0" dirty="0" smtClean="0"/>
+          </a:p>
+          <a:p>
+            <a:pPr marL="0" marR="0" indent="0" algn="l" defTabSz="914400" rtl="0" eaLnBrk="1" fontAlgn="auto" latinLnBrk="0" hangingPunct="1">
+              <a:lnSpc>
+                <a:spcPct val="100000"/>
+              </a:lnSpc>
+              <a:spcBef>
+                <a:spcPts val="0"/>
+              </a:spcBef>
+              <a:spcAft>
+                <a:spcPts val="0"/>
+              </a:spcAft>
+              <a:buClrTx/>
+              <a:buSzTx/>
+              <a:buFontTx/>
+              <a:buNone/>
+              <a:tabLst/>
+              <a:defRPr/>
+            </a:pPr>
+            <a:r>
+              <a:rPr lang="en-US" sz="1200" dirty="0" smtClean="0"/>
+              <a:t>Bad utility</a:t>
+            </a:r>
+            <a:r>
+              <a:rPr lang="en-US" sz="1200" baseline="0" dirty="0" smtClean="0"/>
+              <a:t> function</a:t>
+            </a:r>
+            <a:r>
+              <a:rPr lang="en-US" sz="1200" dirty="0" smtClean="0"/>
+              <a:t> will cause deep searches to be meaningless. If the</a:t>
+            </a:r>
+            <a:r>
+              <a:rPr lang="en-US" sz="1200" baseline="0" dirty="0" smtClean="0"/>
+              <a:t> utility function is not very good, then the good and better moves will have the same values. The AI will think they will have both just as good as the other and will not make the better move. The heuristic needs to be improved to better differentiate between what’s a good move and what is better or else having deep searches will not be as effective.</a:t>
+            </a:r>
+            <a:endParaRPr lang="en-US" sz="1200" dirty="0" smtClean="0"/>
+          </a:p>
+          <a:p>
+            <a:endParaRPr lang="en-US" dirty="0"/>
+          </a:p>
+        </p:txBody>
+      </p:sp>
+      <p:sp>
+        <p:nvSpPr>
+          <p:cNvPr id="4" name="Slide Number Placeholder 3"/>
+          <p:cNvSpPr>
+            <a:spLocks noGrp="1"/>
+          </p:cNvSpPr>
+          <p:nvPr>
+            <p:ph type="sldNum" sz="quarter" idx="10"/>
+          </p:nvPr>
+        </p:nvSpPr>
+        <p:spPr/>
+        <p:txBody>
+          <a:bodyPr/>
+          <a:lstStyle/>
+          <a:p>
+            <a:fld id="{90E07049-BCFC-4BE9-BA06-3BBAAC671169}" type="slidenum">
+              <a:rPr lang="en-US" smtClean="0"/>
+              <a:t>17</a:t>
+            </a:fld>
+            <a:endParaRPr lang="en-US" dirty="0"/>
+          </a:p>
+        </p:txBody>
+      </p:sp>
+    </p:spTree>
+    <p:extLst>
+      <p:ext uri="{BB962C8B-B14F-4D97-AF65-F5344CB8AC3E}">
+        <p14:creationId xmlns:p14="http://schemas.microsoft.com/office/powerpoint/2010/main" val="4084235364"/>
+      </p:ext>
+    </p:extLst>
+  </p:cSld>
+  <p:clrMapOvr>
+    <a:masterClrMapping/>
+  </p:clrMapOvr>
+</p:notes>
 </file>
 
 <file path=ppt/slideLayouts/slideLayout1.xml><?xml version="1.0" encoding="utf-8"?>
@@ -318,9 +1826,9 @@
           <a:p>
             <a:fld id="{5A66AF80-B104-49B0-AE6F-8E381139FF3B}" type="datetimeFigureOut">
               <a:rPr lang="en-US" smtClean="0"/>
-              <a:t>12/1/15</a:t>
+              <a:t>12/1/2015</a:t>
             </a:fld>
-            <a:endParaRPr lang="en-US"/>
+            <a:endParaRPr lang="en-US" dirty="0"/>
           </a:p>
         </p:txBody>
       </p:sp>
@@ -339,7 +1847,7 @@
           <a:bodyPr/>
           <a:lstStyle/>
           <a:p>
-            <a:endParaRPr lang="en-US"/>
+            <a:endParaRPr lang="en-US" dirty="0"/>
           </a:p>
         </p:txBody>
       </p:sp>
@@ -362,7 +1870,7 @@
               <a:rPr lang="en-US" smtClean="0"/>
               <a:t>‹#›</a:t>
             </a:fld>
-            <a:endParaRPr lang="en-US"/>
+            <a:endParaRPr lang="en-US" dirty="0"/>
           </a:p>
         </p:txBody>
       </p:sp>
@@ -488,9 +1996,9 @@
           <a:p>
             <a:fld id="{5A66AF80-B104-49B0-AE6F-8E381139FF3B}" type="datetimeFigureOut">
               <a:rPr lang="en-US" smtClean="0"/>
-              <a:t>12/1/15</a:t>
+              <a:t>12/1/2015</a:t>
             </a:fld>
-            <a:endParaRPr lang="en-US"/>
+            <a:endParaRPr lang="en-US" dirty="0"/>
           </a:p>
         </p:txBody>
       </p:sp>
@@ -509,7 +2017,7 @@
           <a:bodyPr/>
           <a:lstStyle/>
           <a:p>
-            <a:endParaRPr lang="en-US"/>
+            <a:endParaRPr lang="en-US" dirty="0"/>
           </a:p>
         </p:txBody>
       </p:sp>
@@ -532,7 +2040,7 @@
               <a:rPr lang="en-US" smtClean="0"/>
               <a:t>‹#›</a:t>
             </a:fld>
-            <a:endParaRPr lang="en-US"/>
+            <a:endParaRPr lang="en-US" dirty="0"/>
           </a:p>
         </p:txBody>
       </p:sp>
@@ -668,9 +2176,9 @@
           <a:p>
             <a:fld id="{5A66AF80-B104-49B0-AE6F-8E381139FF3B}" type="datetimeFigureOut">
               <a:rPr lang="en-US" smtClean="0"/>
-              <a:t>12/1/15</a:t>
+              <a:t>12/1/2015</a:t>
             </a:fld>
-            <a:endParaRPr lang="en-US"/>
+            <a:endParaRPr lang="en-US" dirty="0"/>
           </a:p>
         </p:txBody>
       </p:sp>
@@ -689,7 +2197,7 @@
           <a:bodyPr/>
           <a:lstStyle/>
           <a:p>
-            <a:endParaRPr lang="en-US"/>
+            <a:endParaRPr lang="en-US" dirty="0"/>
           </a:p>
         </p:txBody>
       </p:sp>
@@ -712,7 +2220,7 @@
               <a:rPr lang="en-US" smtClean="0"/>
               <a:t>‹#›</a:t>
             </a:fld>
-            <a:endParaRPr lang="en-US"/>
+            <a:endParaRPr lang="en-US" dirty="0"/>
           </a:p>
         </p:txBody>
       </p:sp>
@@ -838,9 +2346,9 @@
           <a:p>
             <a:fld id="{5A66AF80-B104-49B0-AE6F-8E381139FF3B}" type="datetimeFigureOut">
               <a:rPr lang="en-US" smtClean="0"/>
-              <a:t>12/1/15</a:t>
+              <a:t>12/1/2015</a:t>
             </a:fld>
-            <a:endParaRPr lang="en-US"/>
+            <a:endParaRPr lang="en-US" dirty="0"/>
           </a:p>
         </p:txBody>
       </p:sp>
@@ -859,7 +2367,7 @@
           <a:bodyPr/>
           <a:lstStyle/>
           <a:p>
-            <a:endParaRPr lang="en-US"/>
+            <a:endParaRPr lang="en-US" dirty="0"/>
           </a:p>
         </p:txBody>
       </p:sp>
@@ -882,7 +2390,7 @@
               <a:rPr lang="en-US" smtClean="0"/>
               <a:t>‹#›</a:t>
             </a:fld>
-            <a:endParaRPr lang="en-US"/>
+            <a:endParaRPr lang="en-US" dirty="0"/>
           </a:p>
         </p:txBody>
       </p:sp>
@@ -1084,9 +2592,9 @@
           <a:p>
             <a:fld id="{5A66AF80-B104-49B0-AE6F-8E381139FF3B}" type="datetimeFigureOut">
               <a:rPr lang="en-US" smtClean="0"/>
-              <a:t>12/1/15</a:t>
+              <a:t>12/1/2015</a:t>
             </a:fld>
-            <a:endParaRPr lang="en-US"/>
+            <a:endParaRPr lang="en-US" dirty="0"/>
           </a:p>
         </p:txBody>
       </p:sp>
@@ -1105,7 +2613,7 @@
           <a:bodyPr/>
           <a:lstStyle/>
           <a:p>
-            <a:endParaRPr lang="en-US"/>
+            <a:endParaRPr lang="en-US" dirty="0"/>
           </a:p>
         </p:txBody>
       </p:sp>
@@ -1128,7 +2636,7 @@
               <a:rPr lang="en-US" smtClean="0"/>
               <a:t>‹#›</a:t>
             </a:fld>
-            <a:endParaRPr lang="en-US"/>
+            <a:endParaRPr lang="en-US" dirty="0"/>
           </a:p>
         </p:txBody>
       </p:sp>
@@ -1372,9 +2880,9 @@
           <a:p>
             <a:fld id="{5A66AF80-B104-49B0-AE6F-8E381139FF3B}" type="datetimeFigureOut">
               <a:rPr lang="en-US" smtClean="0"/>
-              <a:t>12/1/15</a:t>
+              <a:t>12/1/2015</a:t>
             </a:fld>
-            <a:endParaRPr lang="en-US"/>
+            <a:endParaRPr lang="en-US" dirty="0"/>
           </a:p>
         </p:txBody>
       </p:sp>
@@ -1393,7 +2901,7 @@
           <a:bodyPr/>
           <a:lstStyle/>
           <a:p>
-            <a:endParaRPr lang="en-US"/>
+            <a:endParaRPr lang="en-US" dirty="0"/>
           </a:p>
         </p:txBody>
       </p:sp>
@@ -1416,7 +2924,7 @@
               <a:rPr lang="en-US" smtClean="0"/>
               <a:t>‹#›</a:t>
             </a:fld>
-            <a:endParaRPr lang="en-US"/>
+            <a:endParaRPr lang="en-US" dirty="0"/>
           </a:p>
         </p:txBody>
       </p:sp>
@@ -1794,9 +3302,9 @@
           <a:p>
             <a:fld id="{5A66AF80-B104-49B0-AE6F-8E381139FF3B}" type="datetimeFigureOut">
               <a:rPr lang="en-US" smtClean="0"/>
-              <a:t>12/1/15</a:t>
+              <a:t>12/1/2015</a:t>
             </a:fld>
-            <a:endParaRPr lang="en-US"/>
+            <a:endParaRPr lang="en-US" dirty="0"/>
           </a:p>
         </p:txBody>
       </p:sp>
@@ -1815,7 +3323,7 @@
           <a:bodyPr/>
           <a:lstStyle/>
           <a:p>
-            <a:endParaRPr lang="en-US"/>
+            <a:endParaRPr lang="en-US" dirty="0"/>
           </a:p>
         </p:txBody>
       </p:sp>
@@ -1838,7 +3346,7 @@
               <a:rPr lang="en-US" smtClean="0"/>
               <a:t>‹#›</a:t>
             </a:fld>
-            <a:endParaRPr lang="en-US"/>
+            <a:endParaRPr lang="en-US" dirty="0"/>
           </a:p>
         </p:txBody>
       </p:sp>
@@ -1912,9 +3420,9 @@
           <a:p>
             <a:fld id="{5A66AF80-B104-49B0-AE6F-8E381139FF3B}" type="datetimeFigureOut">
               <a:rPr lang="en-US" smtClean="0"/>
-              <a:t>12/1/15</a:t>
+              <a:t>12/1/2015</a:t>
             </a:fld>
-            <a:endParaRPr lang="en-US"/>
+            <a:endParaRPr lang="en-US" dirty="0"/>
           </a:p>
         </p:txBody>
       </p:sp>
@@ -1933,7 +3441,7 @@
           <a:bodyPr/>
           <a:lstStyle/>
           <a:p>
-            <a:endParaRPr lang="en-US"/>
+            <a:endParaRPr lang="en-US" dirty="0"/>
           </a:p>
         </p:txBody>
       </p:sp>
@@ -1956,7 +3464,7 @@
               <a:rPr lang="en-US" smtClean="0"/>
               <a:t>‹#›</a:t>
             </a:fld>
-            <a:endParaRPr lang="en-US"/>
+            <a:endParaRPr lang="en-US" dirty="0"/>
           </a:p>
         </p:txBody>
       </p:sp>
@@ -2007,9 +3515,9 @@
           <a:p>
             <a:fld id="{5A66AF80-B104-49B0-AE6F-8E381139FF3B}" type="datetimeFigureOut">
               <a:rPr lang="en-US" smtClean="0"/>
-              <a:t>12/1/15</a:t>
+              <a:t>12/1/2015</a:t>
             </a:fld>
-            <a:endParaRPr lang="en-US"/>
+            <a:endParaRPr lang="en-US" dirty="0"/>
           </a:p>
         </p:txBody>
       </p:sp>
@@ -2028,7 +3536,7 @@
           <a:bodyPr/>
           <a:lstStyle/>
           <a:p>
-            <a:endParaRPr lang="en-US"/>
+            <a:endParaRPr lang="en-US" dirty="0"/>
           </a:p>
         </p:txBody>
       </p:sp>
@@ -2051,7 +3559,7 @@
               <a:rPr lang="en-US" smtClean="0"/>
               <a:t>‹#›</a:t>
             </a:fld>
-            <a:endParaRPr lang="en-US"/>
+            <a:endParaRPr lang="en-US" dirty="0"/>
           </a:p>
         </p:txBody>
       </p:sp>
@@ -2284,9 +3792,9 @@
           <a:p>
             <a:fld id="{5A66AF80-B104-49B0-AE6F-8E381139FF3B}" type="datetimeFigureOut">
               <a:rPr lang="en-US" smtClean="0"/>
-              <a:t>12/1/15</a:t>
+              <a:t>12/1/2015</a:t>
             </a:fld>
-            <a:endParaRPr lang="en-US"/>
+            <a:endParaRPr lang="en-US" dirty="0"/>
           </a:p>
         </p:txBody>
       </p:sp>
@@ -2305,7 +3813,7 @@
           <a:bodyPr/>
           <a:lstStyle/>
           <a:p>
-            <a:endParaRPr lang="en-US"/>
+            <a:endParaRPr lang="en-US" dirty="0"/>
           </a:p>
         </p:txBody>
       </p:sp>
@@ -2328,7 +3836,7 @@
               <a:rPr lang="en-US" smtClean="0"/>
               <a:t>‹#›</a:t>
             </a:fld>
-            <a:endParaRPr lang="en-US"/>
+            <a:endParaRPr lang="en-US" dirty="0"/>
           </a:p>
         </p:txBody>
       </p:sp>
@@ -2451,7 +3959,7 @@
             </a:lvl9pPr>
           </a:lstStyle>
           <a:p>
-            <a:endParaRPr lang="en-US"/>
+            <a:endParaRPr lang="en-US" dirty="0"/>
           </a:p>
         </p:txBody>
       </p:sp>
@@ -2537,9 +4045,9 @@
           <a:p>
             <a:fld id="{5A66AF80-B104-49B0-AE6F-8E381139FF3B}" type="datetimeFigureOut">
               <a:rPr lang="en-US" smtClean="0"/>
-              <a:t>12/1/15</a:t>
+              <a:t>12/1/2015</a:t>
             </a:fld>
-            <a:endParaRPr lang="en-US"/>
+            <a:endParaRPr lang="en-US" dirty="0"/>
           </a:p>
         </p:txBody>
       </p:sp>
@@ -2558,7 +4066,7 @@
           <a:bodyPr/>
           <a:lstStyle/>
           <a:p>
-            <a:endParaRPr lang="en-US"/>
+            <a:endParaRPr lang="en-US" dirty="0"/>
           </a:p>
         </p:txBody>
       </p:sp>
@@ -2581,7 +4089,7 @@
               <a:rPr lang="en-US" smtClean="0"/>
               <a:t>‹#›</a:t>
             </a:fld>
-            <a:endParaRPr lang="en-US"/>
+            <a:endParaRPr lang="en-US" dirty="0"/>
           </a:p>
         </p:txBody>
       </p:sp>
@@ -2750,9 +4258,9 @@
           <a:p>
             <a:fld id="{5A66AF80-B104-49B0-AE6F-8E381139FF3B}" type="datetimeFigureOut">
               <a:rPr lang="en-US" smtClean="0"/>
-              <a:t>12/1/15</a:t>
+              <a:t>12/1/2015</a:t>
             </a:fld>
-            <a:endParaRPr lang="en-US"/>
+            <a:endParaRPr lang="en-US" dirty="0"/>
           </a:p>
         </p:txBody>
       </p:sp>
@@ -2789,7 +4297,7 @@
             </a:lvl1pPr>
           </a:lstStyle>
           <a:p>
-            <a:endParaRPr lang="en-US"/>
+            <a:endParaRPr lang="en-US" dirty="0"/>
           </a:p>
         </p:txBody>
       </p:sp>
@@ -2830,7 +4338,7 @@
               <a:rPr lang="en-US" smtClean="0"/>
               <a:t>‹#›</a:t>
             </a:fld>
-            <a:endParaRPr lang="en-US"/>
+            <a:endParaRPr lang="en-US" dirty="0"/>
           </a:p>
         </p:txBody>
       </p:sp>
@@ -3142,7 +4650,11 @@
           <a:p>
             <a:r>
               <a:rPr lang="en-US" dirty="0" smtClean="0"/>
-              <a:t>Four in A Row</a:t>
+              <a:t>Four </a:t>
+            </a:r>
+            <a:r>
+              <a:rPr lang="en-US" dirty="0" smtClean="0"/>
+              <a:t>in A Row</a:t>
             </a:r>
             <a:endParaRPr lang="en-US" dirty="0"/>
           </a:p>
@@ -3339,7 +4851,19 @@
             <a:pPr algn="l"/>
             <a:r>
               <a:rPr lang="en-US" sz="2000" dirty="0" smtClean="0"/>
-              <a:t>Reduce branching factor and speed up algorithm. This gives it more time to evaluate better branches to a larger depth</a:t>
+              <a:t>By: Reduce </a:t>
+            </a:r>
+            <a:r>
+              <a:rPr lang="en-US" sz="2000" dirty="0" smtClean="0"/>
+              <a:t>branching </a:t>
+            </a:r>
+            <a:r>
+              <a:rPr lang="en-US" sz="2000" dirty="0" smtClean="0"/>
+              <a:t>factor, we are able to speed </a:t>
+            </a:r>
+            <a:r>
+              <a:rPr lang="en-US" sz="2000" dirty="0" smtClean="0"/>
+              <a:t>up algorithm. This gives it more time to evaluate better branches to a larger depth</a:t>
             </a:r>
             <a:endParaRPr lang="en-US" sz="2000" dirty="0"/>
           </a:p>
@@ -3397,7 +4921,7 @@
           <a:p>
             <a:r>
               <a:rPr lang="en-US" dirty="0" smtClean="0"/>
-              <a:t>Improving Utility Function</a:t>
+              <a:t>Algorithm Speed Enhancements</a:t>
             </a:r>
             <a:endParaRPr lang="en-US" dirty="0"/>
           </a:p>
@@ -3425,96 +4949,69 @@
           </a:bodyPr>
           <a:lstStyle/>
           <a:p>
-            <a:pPr marL="342900" indent="-342900" algn="l">
-              <a:buFont typeface="Arial" panose="020B0604020202020204" pitchFamily="34" charset="0"/>
-              <a:buChar char="•"/>
-            </a:pPr>
+            <a:pPr algn="l"/>
+            <a:endParaRPr lang="en-US" sz="2000" dirty="0" smtClean="0"/>
+          </a:p>
+          <a:p>
+            <a:pPr algn="l"/>
+            <a:endParaRPr lang="en-US" sz="2000" dirty="0"/>
+          </a:p>
+          <a:p>
+            <a:pPr algn="l"/>
+            <a:endParaRPr lang="en-US" sz="2000" dirty="0" smtClean="0"/>
+          </a:p>
+          <a:p>
+            <a:pPr algn="l"/>
+            <a:endParaRPr lang="en-US" sz="2000" dirty="0"/>
+          </a:p>
+          <a:p>
+            <a:pPr algn="l"/>
+            <a:endParaRPr lang="en-US" sz="2000" dirty="0" smtClean="0"/>
+          </a:p>
+          <a:p>
+            <a:pPr algn="l"/>
             <a:r>
               <a:rPr lang="en-US" sz="2000" dirty="0" smtClean="0"/>
-              <a:t>We were able to improve the cost function after running several instances of our initial AI</a:t>
-            </a:r>
-          </a:p>
-          <a:p>
-            <a:pPr algn="l"/>
-            <a:r>
-              <a:rPr lang="en-US" sz="2000" dirty="0" smtClean="0"/>
-              <a:t>Tile location of the first move doesn’t matter too much</a:t>
-            </a:r>
-          </a:p>
-          <a:p>
-            <a:pPr marL="800100" lvl="1" indent="-342900" algn="l">
-              <a:buFont typeface="Arial" panose="020B0604020202020204" pitchFamily="34" charset="0"/>
-              <a:buChar char="•"/>
-            </a:pPr>
-            <a:r>
-              <a:rPr lang="en-US" sz="1600" dirty="0" smtClean="0"/>
-              <a:t>We can save time by starting the algorithm with a low depth value</a:t>
-            </a:r>
-          </a:p>
-          <a:p>
-            <a:pPr marL="800100" lvl="1" indent="-342900" algn="l">
-              <a:buFont typeface="Arial" panose="020B0604020202020204" pitchFamily="34" charset="0"/>
-              <a:buChar char="•"/>
-            </a:pPr>
-            <a:r>
-              <a:rPr lang="en-US" sz="1600" dirty="0" smtClean="0"/>
-              <a:t>Depth will increase on successive moves through</a:t>
-            </a:r>
-          </a:p>
-          <a:p>
-            <a:pPr algn="l"/>
-            <a:r>
-              <a:rPr lang="en-US" sz="2000" dirty="0" smtClean="0"/>
-              <a:t>Tile values needed to be improved</a:t>
-            </a:r>
-          </a:p>
-          <a:p>
-            <a:pPr marL="800100" lvl="1" indent="-342900" algn="l">
-              <a:buFont typeface="Arial" panose="020B0604020202020204" pitchFamily="34" charset="0"/>
-              <a:buChar char="•"/>
-            </a:pPr>
-            <a:r>
-              <a:rPr lang="en-US" sz="1600" dirty="0" smtClean="0"/>
-              <a:t>Original algorithm would increase tile values for nearby tiles of same color and decrease tile values for tiles of adversary’s color</a:t>
-            </a:r>
-          </a:p>
-          <a:p>
-            <a:pPr marL="800100" lvl="1" indent="-342900" algn="l">
-              <a:buFont typeface="Arial" panose="020B0604020202020204" pitchFamily="34" charset="0"/>
-              <a:buChar char="•"/>
-            </a:pPr>
-            <a:r>
-              <a:rPr lang="en-US" sz="1600" dirty="0" smtClean="0"/>
-              <a:t>This led to occasional bad moves of the AI where it would place tiles very far from its own tiles and adversary’s tiles</a:t>
-            </a:r>
-          </a:p>
-          <a:p>
-            <a:pPr marL="800100" lvl="1" indent="-342900" algn="l">
-              <a:buFont typeface="Arial" panose="020B0604020202020204" pitchFamily="34" charset="0"/>
-              <a:buChar char="•"/>
-            </a:pPr>
-            <a:r>
-              <a:rPr lang="en-US" sz="1600" dirty="0" smtClean="0"/>
-              <a:t>Algorithm was adjusted to base tile values only it’s own color. Each tile thus had two values, it’s worth to the AI and it’s worth to the adversary</a:t>
-            </a:r>
-          </a:p>
-          <a:p>
-            <a:pPr marL="800100" lvl="1" indent="-342900" algn="l">
-              <a:buFont typeface="Arial" panose="020B0604020202020204" pitchFamily="34" charset="0"/>
-              <a:buChar char="•"/>
-            </a:pPr>
-            <a:r>
-              <a:rPr lang="en-US" sz="1600" dirty="0" smtClean="0"/>
-              <a:t>Had to alpha-beta pruning to take the min and max of the adversary’s tiles values and not it’s own tile’s values when pruning. </a:t>
-            </a:r>
-            <a:endParaRPr lang="en-US" sz="1600" dirty="0"/>
-          </a:p>
-        </p:txBody>
-      </p:sp>
+              <a:t>*Less than 64 children will be expanded. </a:t>
+            </a:r>
+            <a:endParaRPr lang="en-US" sz="2000" dirty="0"/>
+          </a:p>
+        </p:txBody>
+      </p:sp>
+      <p:pic>
+        <p:nvPicPr>
+          <p:cNvPr id="4" name="Picture 3"/>
+          <p:cNvPicPr>
+            <a:picLocks noChangeAspect="1"/>
+          </p:cNvPicPr>
+          <p:nvPr/>
+        </p:nvPicPr>
+        <p:blipFill>
+          <a:blip r:embed="rId3">
+            <a:extLst>
+              <a:ext uri="{28A0092B-C50C-407E-A947-70E740481C1C}">
+                <a14:useLocalDpi xmlns:a14="http://schemas.microsoft.com/office/drawing/2010/main" val="0"/>
+              </a:ext>
+            </a:extLst>
+          </a:blip>
+          <a:stretch>
+            <a:fillRect/>
+          </a:stretch>
+        </p:blipFill>
+        <p:spPr>
+          <a:xfrm>
+            <a:off x="762000" y="1371600"/>
+            <a:ext cx="7696200" cy="1633001"/>
+          </a:xfrm>
+          <a:prstGeom prst="rect">
+            <a:avLst/>
+          </a:prstGeom>
+        </p:spPr>
+      </p:pic>
     </p:spTree>
     <p:extLst>
       <p:ext uri="{BB962C8B-B14F-4D97-AF65-F5344CB8AC3E}">
-        <p14:creationId xmlns:p14="http://schemas.microsoft.com/office/powerpoint/2010/main" val="3352461406"/>
+        <p14:creationId xmlns:p14="http://schemas.microsoft.com/office/powerpoint/2010/main" val="211806076"/>
       </p:ext>
     </p:extLst>
   </p:cSld>
@@ -3563,7 +5060,7 @@
           <a:p>
             <a:r>
               <a:rPr lang="en-US" dirty="0" smtClean="0"/>
-              <a:t>Win Rate</a:t>
+              <a:t>Improving Utility Function</a:t>
             </a:r>
             <a:endParaRPr lang="en-US" dirty="0"/>
           </a:p>
@@ -3587,16 +5084,9 @@
         </p:spPr>
         <p:txBody>
           <a:bodyPr>
-            <a:normAutofit fontScale="85000" lnSpcReduction="20000"/>
+            <a:normAutofit/>
           </a:bodyPr>
           <a:lstStyle/>
-          <a:p>
-            <a:pPr algn="l"/>
-            <a:r>
-              <a:rPr lang="en-US" sz="2000" dirty="0" smtClean="0"/>
-              <a:t>Compared to Bad AI</a:t>
-            </a:r>
-          </a:p>
           <a:p>
             <a:pPr marL="342900" indent="-342900" algn="l">
               <a:buFont typeface="Arial" panose="020B0604020202020204" pitchFamily="34" charset="0"/>
@@ -3604,17 +5094,14 @@
             </a:pPr>
             <a:r>
               <a:rPr lang="en-US" sz="2000" dirty="0" smtClean="0"/>
-              <a:t>Algorithm will always win against very bad AI, such as Random AI</a:t>
-            </a:r>
-          </a:p>
-          <a:p>
-            <a:pPr marL="342900" indent="-342900" algn="l">
-              <a:buFont typeface="Arial" panose="020B0604020202020204" pitchFamily="34" charset="0"/>
-              <a:buChar char="•"/>
-            </a:pPr>
+              <a:t>We were able to improve the cost function after running several instances of our initial AI</a:t>
+            </a:r>
+          </a:p>
+          <a:p>
+            <a:pPr algn="l"/>
             <a:r>
               <a:rPr lang="en-US" sz="2000" dirty="0" smtClean="0"/>
-              <a:t>It will also usually win against AI using only depth of 0</a:t>
+              <a:t>Tile location of the first move doesn’t matter too much</a:t>
             </a:r>
           </a:p>
           <a:p>
@@ -3624,7 +5111,7 @@
             </a:pPr>
             <a:r>
               <a:rPr lang="en-US" sz="1600" dirty="0" smtClean="0"/>
-              <a:t>Depth 0 AI will not expand moves, but just find max of tile values</a:t>
+              <a:t>We can save time by starting the algorithm with a low depth value</a:t>
             </a:r>
           </a:p>
           <a:p>
@@ -3634,24 +5121,14 @@
             </a:pPr>
             <a:r>
               <a:rPr lang="en-US" sz="1600" dirty="0" smtClean="0"/>
-              <a:t>Algorithm sometimes lost if the first move was bad. We gave algorithm a low starting depth value and it would occasionally pick a bad first move</a:t>
+              <a:t>Depth will increase on successive moves through</a:t>
             </a:r>
           </a:p>
           <a:p>
             <a:pPr algn="l"/>
             <a:r>
               <a:rPr lang="en-US" sz="2000" dirty="0" smtClean="0"/>
-              <a:t>Compared to Decent AI</a:t>
-            </a:r>
-          </a:p>
-          <a:p>
-            <a:pPr marL="342900" indent="-342900" algn="l">
-              <a:buFont typeface="Arial" panose="020B0604020202020204" pitchFamily="34" charset="0"/>
-              <a:buChar char="•"/>
-            </a:pPr>
-            <a:r>
-              <a:rPr lang="en-US" sz="2000" dirty="0" smtClean="0"/>
-              <a:t>Against our original AI that compared tile values of both itself and the adversary, the algorithm was very good</a:t>
+              <a:t>Tile values needed to be improved</a:t>
             </a:r>
           </a:p>
           <a:p>
@@ -3661,34 +5138,7 @@
             </a:pPr>
             <a:r>
               <a:rPr lang="en-US" sz="1600" dirty="0" smtClean="0"/>
-              <a:t>This was because the original AI had a higher chance of wasting bad moves</a:t>
-            </a:r>
-          </a:p>
-          <a:p>
-            <a:pPr algn="l"/>
-            <a:r>
-              <a:rPr lang="en-US" sz="2000" dirty="0" smtClean="0"/>
-              <a:t>Compared to Players</a:t>
-            </a:r>
-          </a:p>
-          <a:p>
-            <a:pPr marL="342900" indent="-342900" algn="l">
-              <a:buFont typeface="Arial" panose="020B0604020202020204" pitchFamily="34" charset="0"/>
-              <a:buChar char="•"/>
-            </a:pPr>
-            <a:r>
-              <a:rPr lang="en-US" sz="2000" dirty="0" smtClean="0"/>
-              <a:t>Compared to players, the algorithm would win sometimes</a:t>
-            </a:r>
-          </a:p>
-          <a:p>
-            <a:pPr marL="342900" indent="-342900" algn="l">
-              <a:buFont typeface="Arial" panose="020B0604020202020204" pitchFamily="34" charset="0"/>
-              <a:buChar char="•"/>
-            </a:pPr>
-            <a:r>
-              <a:rPr lang="en-US" sz="2000" dirty="0" smtClean="0"/>
-              <a:t>It was very good at making plans that led to it’s own victory</a:t>
+              <a:t>Original algorithm would increase tile values for nearby tiles of same color and decrease tile values for tiles of adversary’s color</a:t>
             </a:r>
           </a:p>
           <a:p>
@@ -3698,17 +5148,15 @@
             </a:pPr>
             <a:r>
               <a:rPr lang="en-US" sz="1600" dirty="0" smtClean="0"/>
-              <a:t>Moves that allowed multiple possible winning moves</a:t>
-            </a:r>
-          </a:p>
-          <a:p>
-            <a:pPr marL="342900" indent="-342900" algn="l">
-              <a:buFont typeface="Arial" panose="020B0604020202020204" pitchFamily="34" charset="0"/>
-              <a:buChar char="•"/>
-            </a:pPr>
-            <a:r>
-              <a:rPr lang="en-US" sz="2000" dirty="0" smtClean="0"/>
-              <a:t>However it was bad at stopping Player’s strategy of making good plans</a:t>
+              <a:t>This led to occasional bad moves of the AI where it would place tiles very far from its own tiles and </a:t>
+            </a:r>
+            <a:r>
+              <a:rPr lang="en-US" sz="1600" dirty="0" smtClean="0"/>
+              <a:t>from the adversary’s </a:t>
+            </a:r>
+            <a:r>
+              <a:rPr lang="en-US" sz="1600" dirty="0" smtClean="0"/>
+              <a:t>tiles</a:t>
             </a:r>
           </a:p>
           <a:p>
@@ -3718,7 +5166,7 @@
             </a:pPr>
             <a:r>
               <a:rPr lang="en-US" sz="1600" dirty="0" smtClean="0"/>
-              <a:t>It can be easy to beat if the player went first</a:t>
+              <a:t>Algorithm was adjusted to base tile values only it’s own color. Each tile thus had two values, it’s worth to the AI and it’s worth to the adversary</a:t>
             </a:r>
           </a:p>
           <a:p>
@@ -3728,7 +5176,7 @@
             </a:pPr>
             <a:r>
               <a:rPr lang="en-US" sz="1600" dirty="0" smtClean="0"/>
-              <a:t>AI did not make good blocking moves that could stop players early on</a:t>
+              <a:t>Had to alpha-beta pruning to take the min and max of the adversary’s tiles values and not it’s own tile’s values when pruning. </a:t>
             </a:r>
             <a:endParaRPr lang="en-US" sz="1600" dirty="0"/>
           </a:p>
@@ -3786,11 +5234,8 @@
           <a:p>
             <a:r>
               <a:rPr lang="en-US" dirty="0" smtClean="0"/>
-              <a:t>Timing and Space Complexity</a:t>
-            </a:r>
-            <a:br>
-              <a:rPr lang="en-US" dirty="0" smtClean="0"/>
-            </a:br>
+              <a:t>Improving Utility Function</a:t>
+            </a:r>
             <a:endParaRPr lang="en-US" dirty="0"/>
           </a:p>
         </p:txBody>
@@ -3817,22 +5262,63 @@
           </a:bodyPr>
           <a:lstStyle/>
           <a:p>
-            <a:pPr algn="l"/>
+            <a:pPr marL="342900" indent="-342900" algn="l">
+              <a:buFont typeface="Arial" panose="020B0604020202020204" pitchFamily="34" charset="0"/>
+              <a:buChar char="•"/>
+            </a:pPr>
+            <a:r>
+              <a:rPr lang="en-US" sz="2000" dirty="0" smtClean="0"/>
+              <a:t>Algorithm still wasn’t very good. </a:t>
+            </a:r>
+          </a:p>
+          <a:p>
+            <a:pPr marL="342900" indent="-342900" algn="l">
+              <a:buFont typeface="Arial" panose="020B0604020202020204" pitchFamily="34" charset="0"/>
+              <a:buChar char="•"/>
+            </a:pPr>
+            <a:r>
+              <a:rPr lang="en-US" sz="2000" dirty="0" smtClean="0"/>
+              <a:t>Values for good moves and better moves were the same</a:t>
+            </a:r>
+          </a:p>
+          <a:p>
+            <a:pPr marL="342900" indent="-342900" algn="l">
+              <a:buFont typeface="Arial" panose="020B0604020202020204" pitchFamily="34" charset="0"/>
+              <a:buChar char="•"/>
+            </a:pPr>
+            <a:r>
+              <a:rPr lang="en-US" sz="2000" dirty="0" smtClean="0"/>
+              <a:t>Modified algorithm to have higher values for better moves</a:t>
+            </a:r>
+          </a:p>
+          <a:p>
+            <a:pPr marL="342900" indent="-342900" algn="l">
+              <a:buFont typeface="Arial" panose="020B0604020202020204" pitchFamily="34" charset="0"/>
+              <a:buChar char="•"/>
+            </a:pPr>
+            <a:r>
+              <a:rPr lang="en-US" sz="2000" dirty="0" smtClean="0"/>
+              <a:t>A move that helped make a 4 in a row for the AI AND blocks the opponent is better than a move that only makes a 4 in a row</a:t>
+            </a:r>
+          </a:p>
+          <a:p>
+            <a:pPr marL="342900" indent="-342900" algn="l">
+              <a:buFont typeface="Arial" panose="020B0604020202020204" pitchFamily="34" charset="0"/>
+              <a:buChar char="•"/>
+            </a:pPr>
             <a:r>
               <a:rPr lang="en-US" sz="2000" dirty="0" smtClean="0">
                 <a:solidFill>
                   <a:srgbClr val="FF0000"/>
                 </a:solidFill>
               </a:rPr>
-              <a:t>TODO improve this!</a:t>
-            </a:r>
-          </a:p>
-          <a:p>
-            <a:pPr algn="l"/>
-            <a:r>
-              <a:rPr lang="en-US" sz="2000" dirty="0" smtClean="0"/>
-              <a:t>Timing</a:t>
-            </a:r>
+              <a:t>Value = same tiles distance 4 away + 1 if will block the opponent</a:t>
+            </a:r>
+            <a:endParaRPr lang="en-US" sz="2000" dirty="0">
+              <a:solidFill>
+                <a:srgbClr val="FF0000"/>
+              </a:solidFill>
+            </a:endParaRPr>
           </a:p>
           <a:p>
             <a:pPr marL="342900" indent="-342900" algn="l">
@@ -3840,8 +5326,8 @@
               <a:buChar char="•"/>
             </a:pPr>
             <a:r>
-              <a:rPr lang="en-US" sz="2000" dirty="0" smtClean="0"/>
-              <a:t>Very fast if depth does not increase too much</a:t>
+              <a:rPr lang="en-US" sz="1600" dirty="0" smtClean="0"/>
+              <a:t>Given</a:t>
             </a:r>
           </a:p>
           <a:p>
@@ -3849,38 +5335,14 @@
               <a:buFont typeface="Arial" panose="020B0604020202020204" pitchFamily="34" charset="0"/>
               <a:buChar char="•"/>
             </a:pPr>
-            <a:r>
-              <a:rPr lang="en-US" sz="2000" dirty="0" smtClean="0"/>
-              <a:t>Speeds up of reducing branch size allowed more depth within reasonable time</a:t>
-            </a:r>
+            <a:endParaRPr lang="en-US" sz="1600" dirty="0"/>
           </a:p>
           <a:p>
             <a:pPr marL="342900" indent="-342900" algn="l">
               <a:buFont typeface="Arial" panose="020B0604020202020204" pitchFamily="34" charset="0"/>
               <a:buChar char="•"/>
             </a:pPr>
-            <a:r>
-              <a:rPr lang="en-US" sz="2000" dirty="0" smtClean="0"/>
-              <a:t>Removing speed ups would have made a high depth infeasible</a:t>
-            </a:r>
-          </a:p>
-          <a:p>
-            <a:pPr marL="800100" lvl="1" indent="-342900" algn="l">
-              <a:buFont typeface="Arial" panose="020B0604020202020204" pitchFamily="34" charset="0"/>
-              <a:buChar char="•"/>
-            </a:pPr>
-            <a:r>
-              <a:rPr lang="en-US" sz="1200" dirty="0" smtClean="0"/>
-              <a:t>64 possible tiles was a huge branching factor</a:t>
-            </a:r>
-            <a:endParaRPr lang="en-US" sz="1200" dirty="0"/>
-          </a:p>
-          <a:p>
-            <a:pPr algn="l"/>
-            <a:r>
-              <a:rPr lang="en-US" sz="2000" dirty="0" smtClean="0"/>
-              <a:t>Space</a:t>
-            </a:r>
+            <a:endParaRPr lang="en-US" sz="1600" dirty="0" smtClean="0"/>
           </a:p>
           <a:p>
             <a:pPr marL="342900" indent="-342900" algn="l">
@@ -3888,27 +5350,1539 @@
               <a:buChar char="•"/>
             </a:pPr>
             <a:r>
-              <a:rPr lang="en-US" sz="2000" dirty="0" smtClean="0"/>
-              <a:t>Storing the data was compact</a:t>
-            </a:r>
-          </a:p>
-          <a:p>
-            <a:pPr marL="342900" indent="-342900" algn="l">
-              <a:buFont typeface="Arial" panose="020B0604020202020204" pitchFamily="34" charset="0"/>
-              <a:buChar char="•"/>
-            </a:pPr>
-            <a:r>
-              <a:rPr lang="en-US" sz="2000" dirty="0" smtClean="0"/>
-              <a:t>Did not search into infinity and create memory issues</a:t>
-            </a:r>
-            <a:endParaRPr lang="en-US" sz="2000" dirty="0"/>
-          </a:p>
-        </p:txBody>
-      </p:sp>
+              <a:rPr lang="en-US" sz="1600" dirty="0" smtClean="0"/>
+              <a:t>Better to do                  than </a:t>
+            </a:r>
+            <a:r>
+              <a:rPr lang="en-US" sz="1600" dirty="0" smtClean="0"/>
+              <a:t> </a:t>
+            </a:r>
+            <a:endParaRPr lang="en-US" sz="1600" dirty="0"/>
+          </a:p>
+        </p:txBody>
+      </p:sp>
+      <p:graphicFrame>
+        <p:nvGraphicFramePr>
+          <p:cNvPr id="5" name="Table 4"/>
+          <p:cNvGraphicFramePr>
+            <a:graphicFrameLocks noGrp="1"/>
+          </p:cNvGraphicFramePr>
+          <p:nvPr>
+            <p:extLst>
+              <p:ext uri="{D42A27DB-BD31-4B8C-83A1-F6EECF244321}">
+                <p14:modId xmlns:p14="http://schemas.microsoft.com/office/powerpoint/2010/main" val="1956447043"/>
+              </p:ext>
+            </p:extLst>
+          </p:nvPr>
+        </p:nvGraphicFramePr>
+        <p:xfrm>
+          <a:off x="1752600" y="3581400"/>
+          <a:ext cx="584200" cy="952500"/>
+        </p:xfrm>
+        <a:graphic>
+          <a:graphicData uri="http://schemas.openxmlformats.org/drawingml/2006/table">
+            <a:tbl>
+              <a:tblPr>
+                <a:tableStyleId>{5C22544A-7EE6-4342-B048-85BDC9FD1C3A}</a:tableStyleId>
+              </a:tblPr>
+              <a:tblGrid>
+                <a:gridCol w="139700"/>
+                <a:gridCol w="139700"/>
+                <a:gridCol w="139700"/>
+                <a:gridCol w="165100"/>
+              </a:tblGrid>
+              <a:tr h="190500">
+                <a:tc>
+                  <a:txBody>
+                    <a:bodyPr/>
+                    <a:lstStyle/>
+                    <a:p>
+                      <a:pPr algn="l" fontAlgn="b"/>
+                      <a:r>
+                        <a:rPr lang="en-US" sz="1100" u="none" strike="noStrike" dirty="0">
+                          <a:effectLst/>
+                        </a:rPr>
+                        <a:t> </a:t>
+                      </a:r>
+                      <a:endParaRPr lang="en-US" sz="1100" b="0" i="0" u="none" strike="noStrike" dirty="0">
+                        <a:solidFill>
+                          <a:srgbClr val="000000"/>
+                        </a:solidFill>
+                        <a:effectLst/>
+                        <a:latin typeface="Calibri"/>
+                      </a:endParaRPr>
+                    </a:p>
+                  </a:txBody>
+                  <a:tcPr marL="9525" marR="9525" marT="9525" marB="0" anchor="b"/>
+                </a:tc>
+                <a:tc>
+                  <a:txBody>
+                    <a:bodyPr/>
+                    <a:lstStyle/>
+                    <a:p>
+                      <a:pPr algn="l" fontAlgn="b"/>
+                      <a:r>
+                        <a:rPr lang="en-US" sz="1100" u="none" strike="noStrike">
+                          <a:effectLst/>
+                        </a:rPr>
+                        <a:t> </a:t>
+                      </a:r>
+                      <a:endParaRPr lang="en-US" sz="1100" b="0" i="0" u="none" strike="noStrike">
+                        <a:solidFill>
+                          <a:srgbClr val="000000"/>
+                        </a:solidFill>
+                        <a:effectLst/>
+                        <a:latin typeface="Calibri"/>
+                      </a:endParaRPr>
+                    </a:p>
+                  </a:txBody>
+                  <a:tcPr marL="9525" marR="9525" marT="9525" marB="0" anchor="b"/>
+                </a:tc>
+                <a:tc>
+                  <a:txBody>
+                    <a:bodyPr/>
+                    <a:lstStyle/>
+                    <a:p>
+                      <a:pPr algn="l" fontAlgn="b"/>
+                      <a:r>
+                        <a:rPr lang="en-US" sz="1100" u="none" strike="noStrike">
+                          <a:effectLst/>
+                        </a:rPr>
+                        <a:t> </a:t>
+                      </a:r>
+                      <a:endParaRPr lang="en-US" sz="1100" b="0" i="0" u="none" strike="noStrike">
+                        <a:solidFill>
+                          <a:srgbClr val="000000"/>
+                        </a:solidFill>
+                        <a:effectLst/>
+                        <a:latin typeface="Calibri"/>
+                      </a:endParaRPr>
+                    </a:p>
+                  </a:txBody>
+                  <a:tcPr marL="9525" marR="9525" marT="9525" marB="0" anchor="b"/>
+                </a:tc>
+                <a:tc>
+                  <a:txBody>
+                    <a:bodyPr/>
+                    <a:lstStyle/>
+                    <a:p>
+                      <a:pPr algn="l" fontAlgn="b"/>
+                      <a:r>
+                        <a:rPr lang="en-US" sz="1100" u="none" strike="noStrike">
+                          <a:effectLst/>
+                        </a:rPr>
+                        <a:t> </a:t>
+                      </a:r>
+                      <a:endParaRPr lang="en-US" sz="1100" b="0" i="0" u="none" strike="noStrike">
+                        <a:solidFill>
+                          <a:srgbClr val="000000"/>
+                        </a:solidFill>
+                        <a:effectLst/>
+                        <a:latin typeface="Calibri"/>
+                      </a:endParaRPr>
+                    </a:p>
+                  </a:txBody>
+                  <a:tcPr marL="9525" marR="9525" marT="9525" marB="0" anchor="b"/>
+                </a:tc>
+              </a:tr>
+              <a:tr h="190500">
+                <a:tc>
+                  <a:txBody>
+                    <a:bodyPr/>
+                    <a:lstStyle/>
+                    <a:p>
+                      <a:pPr algn="l" fontAlgn="b"/>
+                      <a:r>
+                        <a:rPr lang="en-US" sz="1100" u="none" strike="noStrike">
+                          <a:effectLst/>
+                        </a:rPr>
+                        <a:t>x</a:t>
+                      </a:r>
+                      <a:endParaRPr lang="en-US" sz="1100" b="0" i="0" u="none" strike="noStrike">
+                        <a:solidFill>
+                          <a:srgbClr val="000000"/>
+                        </a:solidFill>
+                        <a:effectLst/>
+                        <a:latin typeface="Calibri"/>
+                      </a:endParaRPr>
+                    </a:p>
+                  </a:txBody>
+                  <a:tcPr marL="9525" marR="9525" marT="9525" marB="0" anchor="b"/>
+                </a:tc>
+                <a:tc>
+                  <a:txBody>
+                    <a:bodyPr/>
+                    <a:lstStyle/>
+                    <a:p>
+                      <a:pPr algn="l" fontAlgn="b"/>
+                      <a:r>
+                        <a:rPr lang="en-US" sz="1100" u="none" strike="noStrike">
+                          <a:effectLst/>
+                        </a:rPr>
+                        <a:t> </a:t>
+                      </a:r>
+                      <a:endParaRPr lang="en-US" sz="1100" b="0" i="0" u="none" strike="noStrike">
+                        <a:solidFill>
+                          <a:srgbClr val="000000"/>
+                        </a:solidFill>
+                        <a:effectLst/>
+                        <a:latin typeface="Calibri"/>
+                      </a:endParaRPr>
+                    </a:p>
+                  </a:txBody>
+                  <a:tcPr marL="9525" marR="9525" marT="9525" marB="0" anchor="b"/>
+                </a:tc>
+                <a:tc>
+                  <a:txBody>
+                    <a:bodyPr/>
+                    <a:lstStyle/>
+                    <a:p>
+                      <a:pPr algn="l" fontAlgn="b"/>
+                      <a:r>
+                        <a:rPr lang="en-US" sz="1100" u="none" strike="noStrike">
+                          <a:effectLst/>
+                        </a:rPr>
+                        <a:t> </a:t>
+                      </a:r>
+                      <a:endParaRPr lang="en-US" sz="1100" b="0" i="0" u="none" strike="noStrike">
+                        <a:solidFill>
+                          <a:srgbClr val="000000"/>
+                        </a:solidFill>
+                        <a:effectLst/>
+                        <a:latin typeface="Calibri"/>
+                      </a:endParaRPr>
+                    </a:p>
+                  </a:txBody>
+                  <a:tcPr marL="9525" marR="9525" marT="9525" marB="0" anchor="b"/>
+                </a:tc>
+                <a:tc>
+                  <a:txBody>
+                    <a:bodyPr/>
+                    <a:lstStyle/>
+                    <a:p>
+                      <a:pPr algn="l" fontAlgn="b"/>
+                      <a:r>
+                        <a:rPr lang="en-US" sz="1100" u="none" strike="noStrike">
+                          <a:effectLst/>
+                        </a:rPr>
+                        <a:t> </a:t>
+                      </a:r>
+                      <a:endParaRPr lang="en-US" sz="1100" b="0" i="0" u="none" strike="noStrike">
+                        <a:solidFill>
+                          <a:srgbClr val="000000"/>
+                        </a:solidFill>
+                        <a:effectLst/>
+                        <a:latin typeface="Calibri"/>
+                      </a:endParaRPr>
+                    </a:p>
+                  </a:txBody>
+                  <a:tcPr marL="9525" marR="9525" marT="9525" marB="0" anchor="b"/>
+                </a:tc>
+              </a:tr>
+              <a:tr h="190500">
+                <a:tc>
+                  <a:txBody>
+                    <a:bodyPr/>
+                    <a:lstStyle/>
+                    <a:p>
+                      <a:pPr algn="l" fontAlgn="b"/>
+                      <a:r>
+                        <a:rPr lang="en-US" sz="1100" u="none" strike="noStrike">
+                          <a:effectLst/>
+                        </a:rPr>
+                        <a:t>x</a:t>
+                      </a:r>
+                      <a:endParaRPr lang="en-US" sz="1100" b="0" i="0" u="none" strike="noStrike">
+                        <a:solidFill>
+                          <a:srgbClr val="000000"/>
+                        </a:solidFill>
+                        <a:effectLst/>
+                        <a:latin typeface="Calibri"/>
+                      </a:endParaRPr>
+                    </a:p>
+                  </a:txBody>
+                  <a:tcPr marL="9525" marR="9525" marT="9525" marB="0" anchor="b"/>
+                </a:tc>
+                <a:tc>
+                  <a:txBody>
+                    <a:bodyPr/>
+                    <a:lstStyle/>
+                    <a:p>
+                      <a:pPr algn="l" fontAlgn="b"/>
+                      <a:r>
+                        <a:rPr lang="en-US" sz="1100" u="none" strike="noStrike">
+                          <a:effectLst/>
+                        </a:rPr>
+                        <a:t> </a:t>
+                      </a:r>
+                      <a:endParaRPr lang="en-US" sz="1100" b="0" i="0" u="none" strike="noStrike">
+                        <a:solidFill>
+                          <a:srgbClr val="000000"/>
+                        </a:solidFill>
+                        <a:effectLst/>
+                        <a:latin typeface="Calibri"/>
+                      </a:endParaRPr>
+                    </a:p>
+                  </a:txBody>
+                  <a:tcPr marL="9525" marR="9525" marT="9525" marB="0" anchor="b"/>
+                </a:tc>
+                <a:tc>
+                  <a:txBody>
+                    <a:bodyPr/>
+                    <a:lstStyle/>
+                    <a:p>
+                      <a:pPr algn="l" fontAlgn="b"/>
+                      <a:r>
+                        <a:rPr lang="en-US" sz="1100" u="none" strike="noStrike">
+                          <a:effectLst/>
+                        </a:rPr>
+                        <a:t> </a:t>
+                      </a:r>
+                      <a:endParaRPr lang="en-US" sz="1100" b="0" i="0" u="none" strike="noStrike">
+                        <a:solidFill>
+                          <a:srgbClr val="000000"/>
+                        </a:solidFill>
+                        <a:effectLst/>
+                        <a:latin typeface="Calibri"/>
+                      </a:endParaRPr>
+                    </a:p>
+                  </a:txBody>
+                  <a:tcPr marL="9525" marR="9525" marT="9525" marB="0" anchor="b"/>
+                </a:tc>
+                <a:tc>
+                  <a:txBody>
+                    <a:bodyPr/>
+                    <a:lstStyle/>
+                    <a:p>
+                      <a:pPr algn="l" fontAlgn="b"/>
+                      <a:r>
+                        <a:rPr lang="en-US" sz="1100" u="none" strike="noStrike">
+                          <a:effectLst/>
+                        </a:rPr>
+                        <a:t> </a:t>
+                      </a:r>
+                      <a:endParaRPr lang="en-US" sz="1100" b="0" i="0" u="none" strike="noStrike">
+                        <a:solidFill>
+                          <a:srgbClr val="000000"/>
+                        </a:solidFill>
+                        <a:effectLst/>
+                        <a:latin typeface="Calibri"/>
+                      </a:endParaRPr>
+                    </a:p>
+                  </a:txBody>
+                  <a:tcPr marL="9525" marR="9525" marT="9525" marB="0" anchor="b"/>
+                </a:tc>
+              </a:tr>
+              <a:tr h="190500">
+                <a:tc>
+                  <a:txBody>
+                    <a:bodyPr/>
+                    <a:lstStyle/>
+                    <a:p>
+                      <a:pPr algn="l" fontAlgn="b"/>
+                      <a:r>
+                        <a:rPr lang="en-US" sz="1100" u="none" strike="noStrike">
+                          <a:effectLst/>
+                        </a:rPr>
+                        <a:t> </a:t>
+                      </a:r>
+                      <a:endParaRPr lang="en-US" sz="1100" b="0" i="0" u="none" strike="noStrike">
+                        <a:solidFill>
+                          <a:srgbClr val="000000"/>
+                        </a:solidFill>
+                        <a:effectLst/>
+                        <a:latin typeface="Calibri"/>
+                      </a:endParaRPr>
+                    </a:p>
+                  </a:txBody>
+                  <a:tcPr marL="9525" marR="9525" marT="9525" marB="0" anchor="b"/>
+                </a:tc>
+                <a:tc>
+                  <a:txBody>
+                    <a:bodyPr/>
+                    <a:lstStyle/>
+                    <a:p>
+                      <a:pPr algn="r" fontAlgn="b"/>
+                      <a:r>
+                        <a:rPr lang="en-US" sz="1100" u="none" strike="noStrike">
+                          <a:effectLst/>
+                        </a:rPr>
+                        <a:t>0</a:t>
+                      </a:r>
+                      <a:endParaRPr lang="en-US" sz="1100" b="0" i="0" u="none" strike="noStrike">
+                        <a:solidFill>
+                          <a:srgbClr val="000000"/>
+                        </a:solidFill>
+                        <a:effectLst/>
+                        <a:latin typeface="Calibri"/>
+                      </a:endParaRPr>
+                    </a:p>
+                  </a:txBody>
+                  <a:tcPr marL="9525" marR="9525" marT="9525" marB="0" anchor="b"/>
+                </a:tc>
+                <a:tc>
+                  <a:txBody>
+                    <a:bodyPr/>
+                    <a:lstStyle/>
+                    <a:p>
+                      <a:pPr algn="r" fontAlgn="b"/>
+                      <a:r>
+                        <a:rPr lang="en-US" sz="1100" u="none" strike="noStrike">
+                          <a:effectLst/>
+                        </a:rPr>
+                        <a:t>0</a:t>
+                      </a:r>
+                      <a:endParaRPr lang="en-US" sz="1100" b="0" i="0" u="none" strike="noStrike">
+                        <a:solidFill>
+                          <a:srgbClr val="000000"/>
+                        </a:solidFill>
+                        <a:effectLst/>
+                        <a:latin typeface="Calibri"/>
+                      </a:endParaRPr>
+                    </a:p>
+                  </a:txBody>
+                  <a:tcPr marL="9525" marR="9525" marT="9525" marB="0" anchor="b"/>
+                </a:tc>
+                <a:tc>
+                  <a:txBody>
+                    <a:bodyPr/>
+                    <a:lstStyle/>
+                    <a:p>
+                      <a:pPr algn="l" fontAlgn="b"/>
+                      <a:r>
+                        <a:rPr lang="en-US" sz="1100" u="none" strike="noStrike">
+                          <a:effectLst/>
+                        </a:rPr>
+                        <a:t> </a:t>
+                      </a:r>
+                      <a:endParaRPr lang="en-US" sz="1100" b="0" i="0" u="none" strike="noStrike">
+                        <a:solidFill>
+                          <a:srgbClr val="000000"/>
+                        </a:solidFill>
+                        <a:effectLst/>
+                        <a:latin typeface="Calibri"/>
+                      </a:endParaRPr>
+                    </a:p>
+                  </a:txBody>
+                  <a:tcPr marL="9525" marR="9525" marT="9525" marB="0" anchor="b"/>
+                </a:tc>
+              </a:tr>
+              <a:tr h="190500">
+                <a:tc>
+                  <a:txBody>
+                    <a:bodyPr/>
+                    <a:lstStyle/>
+                    <a:p>
+                      <a:pPr algn="l" fontAlgn="b"/>
+                      <a:r>
+                        <a:rPr lang="en-US" sz="1100" u="none" strike="noStrike">
+                          <a:effectLst/>
+                        </a:rPr>
+                        <a:t> </a:t>
+                      </a:r>
+                      <a:endParaRPr lang="en-US" sz="1100" b="0" i="0" u="none" strike="noStrike">
+                        <a:solidFill>
+                          <a:srgbClr val="000000"/>
+                        </a:solidFill>
+                        <a:effectLst/>
+                        <a:latin typeface="Calibri"/>
+                      </a:endParaRPr>
+                    </a:p>
+                  </a:txBody>
+                  <a:tcPr marL="9525" marR="9525" marT="9525" marB="0" anchor="b"/>
+                </a:tc>
+                <a:tc>
+                  <a:txBody>
+                    <a:bodyPr/>
+                    <a:lstStyle/>
+                    <a:p>
+                      <a:pPr algn="l" fontAlgn="b"/>
+                      <a:r>
+                        <a:rPr lang="en-US" sz="1100" u="none" strike="noStrike">
+                          <a:effectLst/>
+                        </a:rPr>
+                        <a:t> </a:t>
+                      </a:r>
+                      <a:endParaRPr lang="en-US" sz="1100" b="0" i="0" u="none" strike="noStrike">
+                        <a:solidFill>
+                          <a:srgbClr val="000000"/>
+                        </a:solidFill>
+                        <a:effectLst/>
+                        <a:latin typeface="Calibri"/>
+                      </a:endParaRPr>
+                    </a:p>
+                  </a:txBody>
+                  <a:tcPr marL="9525" marR="9525" marT="9525" marB="0" anchor="b"/>
+                </a:tc>
+                <a:tc>
+                  <a:txBody>
+                    <a:bodyPr/>
+                    <a:lstStyle/>
+                    <a:p>
+                      <a:pPr algn="l" fontAlgn="b"/>
+                      <a:r>
+                        <a:rPr lang="en-US" sz="1100" u="none" strike="noStrike">
+                          <a:effectLst/>
+                        </a:rPr>
+                        <a:t> </a:t>
+                      </a:r>
+                      <a:endParaRPr lang="en-US" sz="1100" b="0" i="0" u="none" strike="noStrike">
+                        <a:solidFill>
+                          <a:srgbClr val="000000"/>
+                        </a:solidFill>
+                        <a:effectLst/>
+                        <a:latin typeface="Calibri"/>
+                      </a:endParaRPr>
+                    </a:p>
+                  </a:txBody>
+                  <a:tcPr marL="9525" marR="9525" marT="9525" marB="0" anchor="b"/>
+                </a:tc>
+                <a:tc>
+                  <a:txBody>
+                    <a:bodyPr/>
+                    <a:lstStyle/>
+                    <a:p>
+                      <a:pPr algn="l" fontAlgn="b"/>
+                      <a:r>
+                        <a:rPr lang="en-US" sz="1100" u="none" strike="noStrike" dirty="0">
+                          <a:effectLst/>
+                        </a:rPr>
+                        <a:t> </a:t>
+                      </a:r>
+                      <a:endParaRPr lang="en-US" sz="1100" b="0" i="0" u="none" strike="noStrike" dirty="0">
+                        <a:solidFill>
+                          <a:srgbClr val="000000"/>
+                        </a:solidFill>
+                        <a:effectLst/>
+                        <a:latin typeface="Calibri"/>
+                      </a:endParaRPr>
+                    </a:p>
+                  </a:txBody>
+                  <a:tcPr marL="9525" marR="9525" marT="9525" marB="0" anchor="b"/>
+                </a:tc>
+              </a:tr>
+            </a:tbl>
+          </a:graphicData>
+        </a:graphic>
+      </p:graphicFrame>
+      <p:graphicFrame>
+        <p:nvGraphicFramePr>
+          <p:cNvPr id="6" name="Table 5"/>
+          <p:cNvGraphicFramePr>
+            <a:graphicFrameLocks noGrp="1"/>
+          </p:cNvGraphicFramePr>
+          <p:nvPr>
+            <p:extLst>
+              <p:ext uri="{D42A27DB-BD31-4B8C-83A1-F6EECF244321}">
+                <p14:modId xmlns:p14="http://schemas.microsoft.com/office/powerpoint/2010/main" val="2459973037"/>
+              </p:ext>
+            </p:extLst>
+          </p:nvPr>
+        </p:nvGraphicFramePr>
+        <p:xfrm>
+          <a:off x="3581400" y="4572000"/>
+          <a:ext cx="584200" cy="952500"/>
+        </p:xfrm>
+        <a:graphic>
+          <a:graphicData uri="http://schemas.openxmlformats.org/drawingml/2006/table">
+            <a:tbl>
+              <a:tblPr>
+                <a:tableStyleId>{5C22544A-7EE6-4342-B048-85BDC9FD1C3A}</a:tableStyleId>
+              </a:tblPr>
+              <a:tblGrid>
+                <a:gridCol w="139700"/>
+                <a:gridCol w="139700"/>
+                <a:gridCol w="139700"/>
+                <a:gridCol w="165100"/>
+              </a:tblGrid>
+              <a:tr h="190500">
+                <a:tc>
+                  <a:txBody>
+                    <a:bodyPr/>
+                    <a:lstStyle/>
+                    <a:p>
+                      <a:pPr algn="l" fontAlgn="b"/>
+                      <a:r>
+                        <a:rPr lang="en-US" sz="1100" u="none" strike="noStrike" dirty="0">
+                          <a:solidFill>
+                            <a:srgbClr val="FF0000"/>
+                          </a:solidFill>
+                          <a:effectLst/>
+                        </a:rPr>
+                        <a:t>x</a:t>
+                      </a:r>
+                      <a:endParaRPr lang="en-US" sz="1100" b="0" i="0" u="none" strike="noStrike" dirty="0">
+                        <a:solidFill>
+                          <a:srgbClr val="FF0000"/>
+                        </a:solidFill>
+                        <a:effectLst/>
+                        <a:latin typeface="Calibri"/>
+                      </a:endParaRPr>
+                    </a:p>
+                  </a:txBody>
+                  <a:tcPr marL="9525" marR="9525" marT="9525" marB="0" anchor="b"/>
+                </a:tc>
+                <a:tc>
+                  <a:txBody>
+                    <a:bodyPr/>
+                    <a:lstStyle/>
+                    <a:p>
+                      <a:pPr algn="l" fontAlgn="b"/>
+                      <a:r>
+                        <a:rPr lang="en-US" sz="1100" u="none" strike="noStrike">
+                          <a:effectLst/>
+                        </a:rPr>
+                        <a:t> </a:t>
+                      </a:r>
+                      <a:endParaRPr lang="en-US" sz="1100" b="0" i="0" u="none" strike="noStrike">
+                        <a:solidFill>
+                          <a:srgbClr val="000000"/>
+                        </a:solidFill>
+                        <a:effectLst/>
+                        <a:latin typeface="Calibri"/>
+                      </a:endParaRPr>
+                    </a:p>
+                  </a:txBody>
+                  <a:tcPr marL="9525" marR="9525" marT="9525" marB="0" anchor="b"/>
+                </a:tc>
+                <a:tc>
+                  <a:txBody>
+                    <a:bodyPr/>
+                    <a:lstStyle/>
+                    <a:p>
+                      <a:pPr algn="l" fontAlgn="b"/>
+                      <a:r>
+                        <a:rPr lang="en-US" sz="1100" u="none" strike="noStrike">
+                          <a:effectLst/>
+                        </a:rPr>
+                        <a:t> </a:t>
+                      </a:r>
+                      <a:endParaRPr lang="en-US" sz="1100" b="0" i="0" u="none" strike="noStrike">
+                        <a:solidFill>
+                          <a:srgbClr val="000000"/>
+                        </a:solidFill>
+                        <a:effectLst/>
+                        <a:latin typeface="Calibri"/>
+                      </a:endParaRPr>
+                    </a:p>
+                  </a:txBody>
+                  <a:tcPr marL="9525" marR="9525" marT="9525" marB="0" anchor="b"/>
+                </a:tc>
+                <a:tc>
+                  <a:txBody>
+                    <a:bodyPr/>
+                    <a:lstStyle/>
+                    <a:p>
+                      <a:pPr algn="l" fontAlgn="b"/>
+                      <a:r>
+                        <a:rPr lang="en-US" sz="1100" u="none" strike="noStrike">
+                          <a:effectLst/>
+                        </a:rPr>
+                        <a:t> </a:t>
+                      </a:r>
+                      <a:endParaRPr lang="en-US" sz="1100" b="0" i="0" u="none" strike="noStrike">
+                        <a:solidFill>
+                          <a:srgbClr val="000000"/>
+                        </a:solidFill>
+                        <a:effectLst/>
+                        <a:latin typeface="Calibri"/>
+                      </a:endParaRPr>
+                    </a:p>
+                  </a:txBody>
+                  <a:tcPr marL="9525" marR="9525" marT="9525" marB="0" anchor="b"/>
+                </a:tc>
+              </a:tr>
+              <a:tr h="190500">
+                <a:tc>
+                  <a:txBody>
+                    <a:bodyPr/>
+                    <a:lstStyle/>
+                    <a:p>
+                      <a:pPr algn="l" fontAlgn="b"/>
+                      <a:r>
+                        <a:rPr lang="en-US" sz="1100" u="none" strike="noStrike">
+                          <a:effectLst/>
+                        </a:rPr>
+                        <a:t>x</a:t>
+                      </a:r>
+                      <a:endParaRPr lang="en-US" sz="1100" b="0" i="0" u="none" strike="noStrike">
+                        <a:solidFill>
+                          <a:srgbClr val="000000"/>
+                        </a:solidFill>
+                        <a:effectLst/>
+                        <a:latin typeface="Calibri"/>
+                      </a:endParaRPr>
+                    </a:p>
+                  </a:txBody>
+                  <a:tcPr marL="9525" marR="9525" marT="9525" marB="0" anchor="b"/>
+                </a:tc>
+                <a:tc>
+                  <a:txBody>
+                    <a:bodyPr/>
+                    <a:lstStyle/>
+                    <a:p>
+                      <a:pPr algn="l" fontAlgn="b"/>
+                      <a:r>
+                        <a:rPr lang="en-US" sz="1100" u="none" strike="noStrike">
+                          <a:effectLst/>
+                        </a:rPr>
+                        <a:t> </a:t>
+                      </a:r>
+                      <a:endParaRPr lang="en-US" sz="1100" b="0" i="0" u="none" strike="noStrike">
+                        <a:solidFill>
+                          <a:srgbClr val="000000"/>
+                        </a:solidFill>
+                        <a:effectLst/>
+                        <a:latin typeface="Calibri"/>
+                      </a:endParaRPr>
+                    </a:p>
+                  </a:txBody>
+                  <a:tcPr marL="9525" marR="9525" marT="9525" marB="0" anchor="b"/>
+                </a:tc>
+                <a:tc>
+                  <a:txBody>
+                    <a:bodyPr/>
+                    <a:lstStyle/>
+                    <a:p>
+                      <a:pPr algn="l" fontAlgn="b"/>
+                      <a:r>
+                        <a:rPr lang="en-US" sz="1100" u="none" strike="noStrike" dirty="0">
+                          <a:effectLst/>
+                        </a:rPr>
+                        <a:t> </a:t>
+                      </a:r>
+                      <a:endParaRPr lang="en-US" sz="1100" b="0" i="0" u="none" strike="noStrike" dirty="0">
+                        <a:solidFill>
+                          <a:srgbClr val="000000"/>
+                        </a:solidFill>
+                        <a:effectLst/>
+                        <a:latin typeface="Calibri"/>
+                      </a:endParaRPr>
+                    </a:p>
+                  </a:txBody>
+                  <a:tcPr marL="9525" marR="9525" marT="9525" marB="0" anchor="b"/>
+                </a:tc>
+                <a:tc>
+                  <a:txBody>
+                    <a:bodyPr/>
+                    <a:lstStyle/>
+                    <a:p>
+                      <a:pPr algn="l" fontAlgn="b"/>
+                      <a:r>
+                        <a:rPr lang="en-US" sz="1100" u="none" strike="noStrike">
+                          <a:effectLst/>
+                        </a:rPr>
+                        <a:t> </a:t>
+                      </a:r>
+                      <a:endParaRPr lang="en-US" sz="1100" b="0" i="0" u="none" strike="noStrike">
+                        <a:solidFill>
+                          <a:srgbClr val="000000"/>
+                        </a:solidFill>
+                        <a:effectLst/>
+                        <a:latin typeface="Calibri"/>
+                      </a:endParaRPr>
+                    </a:p>
+                  </a:txBody>
+                  <a:tcPr marL="9525" marR="9525" marT="9525" marB="0" anchor="b"/>
+                </a:tc>
+              </a:tr>
+              <a:tr h="190500">
+                <a:tc>
+                  <a:txBody>
+                    <a:bodyPr/>
+                    <a:lstStyle/>
+                    <a:p>
+                      <a:pPr algn="l" fontAlgn="b"/>
+                      <a:r>
+                        <a:rPr lang="en-US" sz="1100" u="none" strike="noStrike">
+                          <a:effectLst/>
+                        </a:rPr>
+                        <a:t>x</a:t>
+                      </a:r>
+                      <a:endParaRPr lang="en-US" sz="1100" b="0" i="0" u="none" strike="noStrike">
+                        <a:solidFill>
+                          <a:srgbClr val="000000"/>
+                        </a:solidFill>
+                        <a:effectLst/>
+                        <a:latin typeface="Calibri"/>
+                      </a:endParaRPr>
+                    </a:p>
+                  </a:txBody>
+                  <a:tcPr marL="9525" marR="9525" marT="9525" marB="0" anchor="b"/>
+                </a:tc>
+                <a:tc>
+                  <a:txBody>
+                    <a:bodyPr/>
+                    <a:lstStyle/>
+                    <a:p>
+                      <a:pPr algn="l" fontAlgn="b"/>
+                      <a:r>
+                        <a:rPr lang="en-US" sz="1100" u="none" strike="noStrike">
+                          <a:effectLst/>
+                        </a:rPr>
+                        <a:t> </a:t>
+                      </a:r>
+                      <a:endParaRPr lang="en-US" sz="1100" b="0" i="0" u="none" strike="noStrike">
+                        <a:solidFill>
+                          <a:srgbClr val="000000"/>
+                        </a:solidFill>
+                        <a:effectLst/>
+                        <a:latin typeface="Calibri"/>
+                      </a:endParaRPr>
+                    </a:p>
+                  </a:txBody>
+                  <a:tcPr marL="9525" marR="9525" marT="9525" marB="0" anchor="b"/>
+                </a:tc>
+                <a:tc>
+                  <a:txBody>
+                    <a:bodyPr/>
+                    <a:lstStyle/>
+                    <a:p>
+                      <a:pPr algn="l" fontAlgn="b"/>
+                      <a:r>
+                        <a:rPr lang="en-US" sz="1100" u="none" strike="noStrike">
+                          <a:effectLst/>
+                        </a:rPr>
+                        <a:t> </a:t>
+                      </a:r>
+                      <a:endParaRPr lang="en-US" sz="1100" b="0" i="0" u="none" strike="noStrike">
+                        <a:solidFill>
+                          <a:srgbClr val="000000"/>
+                        </a:solidFill>
+                        <a:effectLst/>
+                        <a:latin typeface="Calibri"/>
+                      </a:endParaRPr>
+                    </a:p>
+                  </a:txBody>
+                  <a:tcPr marL="9525" marR="9525" marT="9525" marB="0" anchor="b"/>
+                </a:tc>
+                <a:tc>
+                  <a:txBody>
+                    <a:bodyPr/>
+                    <a:lstStyle/>
+                    <a:p>
+                      <a:pPr algn="l" fontAlgn="b"/>
+                      <a:r>
+                        <a:rPr lang="en-US" sz="1100" u="none" strike="noStrike">
+                          <a:effectLst/>
+                        </a:rPr>
+                        <a:t> </a:t>
+                      </a:r>
+                      <a:endParaRPr lang="en-US" sz="1100" b="0" i="0" u="none" strike="noStrike">
+                        <a:solidFill>
+                          <a:srgbClr val="000000"/>
+                        </a:solidFill>
+                        <a:effectLst/>
+                        <a:latin typeface="Calibri"/>
+                      </a:endParaRPr>
+                    </a:p>
+                  </a:txBody>
+                  <a:tcPr marL="9525" marR="9525" marT="9525" marB="0" anchor="b"/>
+                </a:tc>
+              </a:tr>
+              <a:tr h="190500">
+                <a:tc>
+                  <a:txBody>
+                    <a:bodyPr/>
+                    <a:lstStyle/>
+                    <a:p>
+                      <a:pPr algn="l" fontAlgn="b"/>
+                      <a:r>
+                        <a:rPr lang="en-US" sz="1100" u="none" strike="noStrike">
+                          <a:effectLst/>
+                        </a:rPr>
+                        <a:t> </a:t>
+                      </a:r>
+                      <a:endParaRPr lang="en-US" sz="1100" b="0" i="0" u="none" strike="noStrike">
+                        <a:solidFill>
+                          <a:srgbClr val="000000"/>
+                        </a:solidFill>
+                        <a:effectLst/>
+                        <a:latin typeface="Calibri"/>
+                      </a:endParaRPr>
+                    </a:p>
+                  </a:txBody>
+                  <a:tcPr marL="9525" marR="9525" marT="9525" marB="0" anchor="b"/>
+                </a:tc>
+                <a:tc>
+                  <a:txBody>
+                    <a:bodyPr/>
+                    <a:lstStyle/>
+                    <a:p>
+                      <a:pPr algn="r" fontAlgn="b"/>
+                      <a:r>
+                        <a:rPr lang="en-US" sz="1100" u="none" strike="noStrike">
+                          <a:effectLst/>
+                        </a:rPr>
+                        <a:t>0</a:t>
+                      </a:r>
+                      <a:endParaRPr lang="en-US" sz="1100" b="0" i="0" u="none" strike="noStrike">
+                        <a:solidFill>
+                          <a:srgbClr val="000000"/>
+                        </a:solidFill>
+                        <a:effectLst/>
+                        <a:latin typeface="Calibri"/>
+                      </a:endParaRPr>
+                    </a:p>
+                  </a:txBody>
+                  <a:tcPr marL="9525" marR="9525" marT="9525" marB="0" anchor="b"/>
+                </a:tc>
+                <a:tc>
+                  <a:txBody>
+                    <a:bodyPr/>
+                    <a:lstStyle/>
+                    <a:p>
+                      <a:pPr algn="r" fontAlgn="b"/>
+                      <a:r>
+                        <a:rPr lang="en-US" sz="1100" u="none" strike="noStrike">
+                          <a:effectLst/>
+                        </a:rPr>
+                        <a:t>0</a:t>
+                      </a:r>
+                      <a:endParaRPr lang="en-US" sz="1100" b="0" i="0" u="none" strike="noStrike">
+                        <a:solidFill>
+                          <a:srgbClr val="000000"/>
+                        </a:solidFill>
+                        <a:effectLst/>
+                        <a:latin typeface="Calibri"/>
+                      </a:endParaRPr>
+                    </a:p>
+                  </a:txBody>
+                  <a:tcPr marL="9525" marR="9525" marT="9525" marB="0" anchor="b"/>
+                </a:tc>
+                <a:tc>
+                  <a:txBody>
+                    <a:bodyPr/>
+                    <a:lstStyle/>
+                    <a:p>
+                      <a:pPr algn="l" fontAlgn="b"/>
+                      <a:r>
+                        <a:rPr lang="en-US" sz="1100" u="none" strike="noStrike">
+                          <a:effectLst/>
+                        </a:rPr>
+                        <a:t> </a:t>
+                      </a:r>
+                      <a:endParaRPr lang="en-US" sz="1100" b="0" i="0" u="none" strike="noStrike">
+                        <a:solidFill>
+                          <a:srgbClr val="000000"/>
+                        </a:solidFill>
+                        <a:effectLst/>
+                        <a:latin typeface="Calibri"/>
+                      </a:endParaRPr>
+                    </a:p>
+                  </a:txBody>
+                  <a:tcPr marL="9525" marR="9525" marT="9525" marB="0" anchor="b"/>
+                </a:tc>
+              </a:tr>
+              <a:tr h="190500">
+                <a:tc>
+                  <a:txBody>
+                    <a:bodyPr/>
+                    <a:lstStyle/>
+                    <a:p>
+                      <a:pPr algn="l" fontAlgn="b"/>
+                      <a:r>
+                        <a:rPr lang="en-US" sz="1100" u="none" strike="noStrike">
+                          <a:effectLst/>
+                        </a:rPr>
+                        <a:t> </a:t>
+                      </a:r>
+                      <a:endParaRPr lang="en-US" sz="1100" b="0" i="0" u="none" strike="noStrike">
+                        <a:solidFill>
+                          <a:srgbClr val="000000"/>
+                        </a:solidFill>
+                        <a:effectLst/>
+                        <a:latin typeface="Calibri"/>
+                      </a:endParaRPr>
+                    </a:p>
+                  </a:txBody>
+                  <a:tcPr marL="9525" marR="9525" marT="9525" marB="0" anchor="b"/>
+                </a:tc>
+                <a:tc>
+                  <a:txBody>
+                    <a:bodyPr/>
+                    <a:lstStyle/>
+                    <a:p>
+                      <a:pPr algn="l" fontAlgn="b"/>
+                      <a:r>
+                        <a:rPr lang="en-US" sz="1100" u="none" strike="noStrike">
+                          <a:effectLst/>
+                        </a:rPr>
+                        <a:t> </a:t>
+                      </a:r>
+                      <a:endParaRPr lang="en-US" sz="1100" b="0" i="0" u="none" strike="noStrike">
+                        <a:solidFill>
+                          <a:srgbClr val="000000"/>
+                        </a:solidFill>
+                        <a:effectLst/>
+                        <a:latin typeface="Calibri"/>
+                      </a:endParaRPr>
+                    </a:p>
+                  </a:txBody>
+                  <a:tcPr marL="9525" marR="9525" marT="9525" marB="0" anchor="b"/>
+                </a:tc>
+                <a:tc>
+                  <a:txBody>
+                    <a:bodyPr/>
+                    <a:lstStyle/>
+                    <a:p>
+                      <a:pPr algn="l" fontAlgn="b"/>
+                      <a:r>
+                        <a:rPr lang="en-US" sz="1100" u="none" strike="noStrike">
+                          <a:effectLst/>
+                        </a:rPr>
+                        <a:t> </a:t>
+                      </a:r>
+                      <a:endParaRPr lang="en-US" sz="1100" b="0" i="0" u="none" strike="noStrike">
+                        <a:solidFill>
+                          <a:srgbClr val="000000"/>
+                        </a:solidFill>
+                        <a:effectLst/>
+                        <a:latin typeface="Calibri"/>
+                      </a:endParaRPr>
+                    </a:p>
+                  </a:txBody>
+                  <a:tcPr marL="9525" marR="9525" marT="9525" marB="0" anchor="b"/>
+                </a:tc>
+                <a:tc>
+                  <a:txBody>
+                    <a:bodyPr/>
+                    <a:lstStyle/>
+                    <a:p>
+                      <a:pPr algn="l" fontAlgn="b"/>
+                      <a:r>
+                        <a:rPr lang="en-US" sz="1100" u="none" strike="noStrike" dirty="0">
+                          <a:effectLst/>
+                        </a:rPr>
+                        <a:t> </a:t>
+                      </a:r>
+                      <a:endParaRPr lang="en-US" sz="1100" b="0" i="0" u="none" strike="noStrike" dirty="0">
+                        <a:solidFill>
+                          <a:srgbClr val="000000"/>
+                        </a:solidFill>
+                        <a:effectLst/>
+                        <a:latin typeface="Calibri"/>
+                      </a:endParaRPr>
+                    </a:p>
+                  </a:txBody>
+                  <a:tcPr marL="9525" marR="9525" marT="9525" marB="0" anchor="b"/>
+                </a:tc>
+              </a:tr>
+            </a:tbl>
+          </a:graphicData>
+        </a:graphic>
+      </p:graphicFrame>
+      <p:graphicFrame>
+        <p:nvGraphicFramePr>
+          <p:cNvPr id="7" name="Table 6"/>
+          <p:cNvGraphicFramePr>
+            <a:graphicFrameLocks noGrp="1"/>
+          </p:cNvGraphicFramePr>
+          <p:nvPr>
+            <p:extLst>
+              <p:ext uri="{D42A27DB-BD31-4B8C-83A1-F6EECF244321}">
+                <p14:modId xmlns:p14="http://schemas.microsoft.com/office/powerpoint/2010/main" val="4222905517"/>
+              </p:ext>
+            </p:extLst>
+          </p:nvPr>
+        </p:nvGraphicFramePr>
+        <p:xfrm>
+          <a:off x="2362200" y="4572000"/>
+          <a:ext cx="584200" cy="952500"/>
+        </p:xfrm>
+        <a:graphic>
+          <a:graphicData uri="http://schemas.openxmlformats.org/drawingml/2006/table">
+            <a:tbl>
+              <a:tblPr>
+                <a:tableStyleId>{5C22544A-7EE6-4342-B048-85BDC9FD1C3A}</a:tableStyleId>
+              </a:tblPr>
+              <a:tblGrid>
+                <a:gridCol w="139700"/>
+                <a:gridCol w="139700"/>
+                <a:gridCol w="139700"/>
+                <a:gridCol w="165100"/>
+              </a:tblGrid>
+              <a:tr h="190500">
+                <a:tc>
+                  <a:txBody>
+                    <a:bodyPr/>
+                    <a:lstStyle/>
+                    <a:p>
+                      <a:pPr algn="l" fontAlgn="b"/>
+                      <a:r>
+                        <a:rPr lang="en-US" sz="1100" u="none" strike="noStrike" dirty="0">
+                          <a:effectLst/>
+                        </a:rPr>
+                        <a:t> </a:t>
+                      </a:r>
+                      <a:endParaRPr lang="en-US" sz="1100" b="0" i="0" u="none" strike="noStrike" dirty="0">
+                        <a:solidFill>
+                          <a:srgbClr val="000000"/>
+                        </a:solidFill>
+                        <a:effectLst/>
+                        <a:latin typeface="Calibri"/>
+                      </a:endParaRPr>
+                    </a:p>
+                  </a:txBody>
+                  <a:tcPr marL="9525" marR="9525" marT="9525" marB="0" anchor="b"/>
+                </a:tc>
+                <a:tc>
+                  <a:txBody>
+                    <a:bodyPr/>
+                    <a:lstStyle/>
+                    <a:p>
+                      <a:pPr algn="l" fontAlgn="b"/>
+                      <a:r>
+                        <a:rPr lang="en-US" sz="1100" u="none" strike="noStrike">
+                          <a:effectLst/>
+                        </a:rPr>
+                        <a:t> </a:t>
+                      </a:r>
+                      <a:endParaRPr lang="en-US" sz="1100" b="0" i="0" u="none" strike="noStrike">
+                        <a:solidFill>
+                          <a:srgbClr val="000000"/>
+                        </a:solidFill>
+                        <a:effectLst/>
+                        <a:latin typeface="Calibri"/>
+                      </a:endParaRPr>
+                    </a:p>
+                  </a:txBody>
+                  <a:tcPr marL="9525" marR="9525" marT="9525" marB="0" anchor="b"/>
+                </a:tc>
+                <a:tc>
+                  <a:txBody>
+                    <a:bodyPr/>
+                    <a:lstStyle/>
+                    <a:p>
+                      <a:pPr algn="l" fontAlgn="b"/>
+                      <a:r>
+                        <a:rPr lang="en-US" sz="1100" u="none" strike="noStrike">
+                          <a:effectLst/>
+                        </a:rPr>
+                        <a:t> </a:t>
+                      </a:r>
+                      <a:endParaRPr lang="en-US" sz="1100" b="0" i="0" u="none" strike="noStrike">
+                        <a:solidFill>
+                          <a:srgbClr val="000000"/>
+                        </a:solidFill>
+                        <a:effectLst/>
+                        <a:latin typeface="Calibri"/>
+                      </a:endParaRPr>
+                    </a:p>
+                  </a:txBody>
+                  <a:tcPr marL="9525" marR="9525" marT="9525" marB="0" anchor="b"/>
+                </a:tc>
+                <a:tc>
+                  <a:txBody>
+                    <a:bodyPr/>
+                    <a:lstStyle/>
+                    <a:p>
+                      <a:pPr algn="l" fontAlgn="b"/>
+                      <a:r>
+                        <a:rPr lang="en-US" sz="1100" u="none" strike="noStrike" dirty="0">
+                          <a:effectLst/>
+                        </a:rPr>
+                        <a:t> </a:t>
+                      </a:r>
+                      <a:endParaRPr lang="en-US" sz="1100" b="0" i="0" u="none" strike="noStrike" dirty="0">
+                        <a:solidFill>
+                          <a:srgbClr val="000000"/>
+                        </a:solidFill>
+                        <a:effectLst/>
+                        <a:latin typeface="Calibri"/>
+                      </a:endParaRPr>
+                    </a:p>
+                  </a:txBody>
+                  <a:tcPr marL="9525" marR="9525" marT="9525" marB="0" anchor="b"/>
+                </a:tc>
+              </a:tr>
+              <a:tr h="190500">
+                <a:tc>
+                  <a:txBody>
+                    <a:bodyPr/>
+                    <a:lstStyle/>
+                    <a:p>
+                      <a:pPr algn="l" fontAlgn="b"/>
+                      <a:r>
+                        <a:rPr lang="en-US" sz="1100" u="none" strike="noStrike">
+                          <a:effectLst/>
+                        </a:rPr>
+                        <a:t>x</a:t>
+                      </a:r>
+                      <a:endParaRPr lang="en-US" sz="1100" b="0" i="0" u="none" strike="noStrike">
+                        <a:solidFill>
+                          <a:srgbClr val="000000"/>
+                        </a:solidFill>
+                        <a:effectLst/>
+                        <a:latin typeface="Calibri"/>
+                      </a:endParaRPr>
+                    </a:p>
+                  </a:txBody>
+                  <a:tcPr marL="9525" marR="9525" marT="9525" marB="0" anchor="b"/>
+                </a:tc>
+                <a:tc>
+                  <a:txBody>
+                    <a:bodyPr/>
+                    <a:lstStyle/>
+                    <a:p>
+                      <a:pPr algn="l" fontAlgn="b"/>
+                      <a:r>
+                        <a:rPr lang="en-US" sz="1100" u="none" strike="noStrike">
+                          <a:effectLst/>
+                        </a:rPr>
+                        <a:t> </a:t>
+                      </a:r>
+                      <a:endParaRPr lang="en-US" sz="1100" b="0" i="0" u="none" strike="noStrike">
+                        <a:solidFill>
+                          <a:srgbClr val="000000"/>
+                        </a:solidFill>
+                        <a:effectLst/>
+                        <a:latin typeface="Calibri"/>
+                      </a:endParaRPr>
+                    </a:p>
+                  </a:txBody>
+                  <a:tcPr marL="9525" marR="9525" marT="9525" marB="0" anchor="b"/>
+                </a:tc>
+                <a:tc>
+                  <a:txBody>
+                    <a:bodyPr/>
+                    <a:lstStyle/>
+                    <a:p>
+                      <a:pPr algn="l" fontAlgn="b"/>
+                      <a:r>
+                        <a:rPr lang="en-US" sz="1100" u="none" strike="noStrike">
+                          <a:effectLst/>
+                        </a:rPr>
+                        <a:t> </a:t>
+                      </a:r>
+                      <a:endParaRPr lang="en-US" sz="1100" b="0" i="0" u="none" strike="noStrike">
+                        <a:solidFill>
+                          <a:srgbClr val="000000"/>
+                        </a:solidFill>
+                        <a:effectLst/>
+                        <a:latin typeface="Calibri"/>
+                      </a:endParaRPr>
+                    </a:p>
+                  </a:txBody>
+                  <a:tcPr marL="9525" marR="9525" marT="9525" marB="0" anchor="b"/>
+                </a:tc>
+                <a:tc>
+                  <a:txBody>
+                    <a:bodyPr/>
+                    <a:lstStyle/>
+                    <a:p>
+                      <a:pPr algn="l" fontAlgn="b"/>
+                      <a:r>
+                        <a:rPr lang="en-US" sz="1100" u="none" strike="noStrike">
+                          <a:effectLst/>
+                        </a:rPr>
+                        <a:t> </a:t>
+                      </a:r>
+                      <a:endParaRPr lang="en-US" sz="1100" b="0" i="0" u="none" strike="noStrike">
+                        <a:solidFill>
+                          <a:srgbClr val="000000"/>
+                        </a:solidFill>
+                        <a:effectLst/>
+                        <a:latin typeface="Calibri"/>
+                      </a:endParaRPr>
+                    </a:p>
+                  </a:txBody>
+                  <a:tcPr marL="9525" marR="9525" marT="9525" marB="0" anchor="b"/>
+                </a:tc>
+              </a:tr>
+              <a:tr h="190500">
+                <a:tc>
+                  <a:txBody>
+                    <a:bodyPr/>
+                    <a:lstStyle/>
+                    <a:p>
+                      <a:pPr algn="l" fontAlgn="b"/>
+                      <a:r>
+                        <a:rPr lang="en-US" sz="1100" u="none" strike="noStrike">
+                          <a:effectLst/>
+                        </a:rPr>
+                        <a:t>x</a:t>
+                      </a:r>
+                      <a:endParaRPr lang="en-US" sz="1100" b="0" i="0" u="none" strike="noStrike">
+                        <a:solidFill>
+                          <a:srgbClr val="000000"/>
+                        </a:solidFill>
+                        <a:effectLst/>
+                        <a:latin typeface="Calibri"/>
+                      </a:endParaRPr>
+                    </a:p>
+                  </a:txBody>
+                  <a:tcPr marL="9525" marR="9525" marT="9525" marB="0" anchor="b"/>
+                </a:tc>
+                <a:tc>
+                  <a:txBody>
+                    <a:bodyPr/>
+                    <a:lstStyle/>
+                    <a:p>
+                      <a:pPr algn="l" fontAlgn="b"/>
+                      <a:r>
+                        <a:rPr lang="en-US" sz="1100" u="none" strike="noStrike">
+                          <a:effectLst/>
+                        </a:rPr>
+                        <a:t> </a:t>
+                      </a:r>
+                      <a:endParaRPr lang="en-US" sz="1100" b="0" i="0" u="none" strike="noStrike">
+                        <a:solidFill>
+                          <a:srgbClr val="000000"/>
+                        </a:solidFill>
+                        <a:effectLst/>
+                        <a:latin typeface="Calibri"/>
+                      </a:endParaRPr>
+                    </a:p>
+                  </a:txBody>
+                  <a:tcPr marL="9525" marR="9525" marT="9525" marB="0" anchor="b"/>
+                </a:tc>
+                <a:tc>
+                  <a:txBody>
+                    <a:bodyPr/>
+                    <a:lstStyle/>
+                    <a:p>
+                      <a:pPr algn="l" fontAlgn="b"/>
+                      <a:r>
+                        <a:rPr lang="en-US" sz="1100" u="none" strike="noStrike">
+                          <a:effectLst/>
+                        </a:rPr>
+                        <a:t> </a:t>
+                      </a:r>
+                      <a:endParaRPr lang="en-US" sz="1100" b="0" i="0" u="none" strike="noStrike">
+                        <a:solidFill>
+                          <a:srgbClr val="000000"/>
+                        </a:solidFill>
+                        <a:effectLst/>
+                        <a:latin typeface="Calibri"/>
+                      </a:endParaRPr>
+                    </a:p>
+                  </a:txBody>
+                  <a:tcPr marL="9525" marR="9525" marT="9525" marB="0" anchor="b"/>
+                </a:tc>
+                <a:tc>
+                  <a:txBody>
+                    <a:bodyPr/>
+                    <a:lstStyle/>
+                    <a:p>
+                      <a:pPr algn="l" fontAlgn="b"/>
+                      <a:r>
+                        <a:rPr lang="en-US" sz="1100" u="none" strike="noStrike">
+                          <a:effectLst/>
+                        </a:rPr>
+                        <a:t> </a:t>
+                      </a:r>
+                      <a:endParaRPr lang="en-US" sz="1100" b="0" i="0" u="none" strike="noStrike">
+                        <a:solidFill>
+                          <a:srgbClr val="000000"/>
+                        </a:solidFill>
+                        <a:effectLst/>
+                        <a:latin typeface="Calibri"/>
+                      </a:endParaRPr>
+                    </a:p>
+                  </a:txBody>
+                  <a:tcPr marL="9525" marR="9525" marT="9525" marB="0" anchor="b"/>
+                </a:tc>
+              </a:tr>
+              <a:tr h="190500">
+                <a:tc>
+                  <a:txBody>
+                    <a:bodyPr/>
+                    <a:lstStyle/>
+                    <a:p>
+                      <a:pPr algn="l" fontAlgn="b"/>
+                      <a:r>
+                        <a:rPr lang="en-US" sz="1100" u="none" strike="noStrike" dirty="0">
+                          <a:solidFill>
+                            <a:srgbClr val="FF0000"/>
+                          </a:solidFill>
+                          <a:effectLst/>
+                        </a:rPr>
+                        <a:t>x</a:t>
+                      </a:r>
+                      <a:endParaRPr lang="en-US" sz="1100" b="0" i="0" u="none" strike="noStrike" dirty="0">
+                        <a:solidFill>
+                          <a:srgbClr val="FF0000"/>
+                        </a:solidFill>
+                        <a:effectLst/>
+                        <a:latin typeface="Calibri"/>
+                      </a:endParaRPr>
+                    </a:p>
+                  </a:txBody>
+                  <a:tcPr marL="9525" marR="9525" marT="9525" marB="0" anchor="b"/>
+                </a:tc>
+                <a:tc>
+                  <a:txBody>
+                    <a:bodyPr/>
+                    <a:lstStyle/>
+                    <a:p>
+                      <a:pPr algn="r" fontAlgn="b"/>
+                      <a:r>
+                        <a:rPr lang="en-US" sz="1100" u="none" strike="noStrike">
+                          <a:effectLst/>
+                        </a:rPr>
+                        <a:t>0</a:t>
+                      </a:r>
+                      <a:endParaRPr lang="en-US" sz="1100" b="0" i="0" u="none" strike="noStrike">
+                        <a:solidFill>
+                          <a:srgbClr val="000000"/>
+                        </a:solidFill>
+                        <a:effectLst/>
+                        <a:latin typeface="Calibri"/>
+                      </a:endParaRPr>
+                    </a:p>
+                  </a:txBody>
+                  <a:tcPr marL="9525" marR="9525" marT="9525" marB="0" anchor="b"/>
+                </a:tc>
+                <a:tc>
+                  <a:txBody>
+                    <a:bodyPr/>
+                    <a:lstStyle/>
+                    <a:p>
+                      <a:pPr algn="r" fontAlgn="b"/>
+                      <a:r>
+                        <a:rPr lang="en-US" sz="1100" u="none" strike="noStrike">
+                          <a:effectLst/>
+                        </a:rPr>
+                        <a:t>0</a:t>
+                      </a:r>
+                      <a:endParaRPr lang="en-US" sz="1100" b="0" i="0" u="none" strike="noStrike">
+                        <a:solidFill>
+                          <a:srgbClr val="000000"/>
+                        </a:solidFill>
+                        <a:effectLst/>
+                        <a:latin typeface="Calibri"/>
+                      </a:endParaRPr>
+                    </a:p>
+                  </a:txBody>
+                  <a:tcPr marL="9525" marR="9525" marT="9525" marB="0" anchor="b"/>
+                </a:tc>
+                <a:tc>
+                  <a:txBody>
+                    <a:bodyPr/>
+                    <a:lstStyle/>
+                    <a:p>
+                      <a:pPr algn="l" fontAlgn="b"/>
+                      <a:r>
+                        <a:rPr lang="en-US" sz="1100" u="none" strike="noStrike">
+                          <a:effectLst/>
+                        </a:rPr>
+                        <a:t> </a:t>
+                      </a:r>
+                      <a:endParaRPr lang="en-US" sz="1100" b="0" i="0" u="none" strike="noStrike">
+                        <a:solidFill>
+                          <a:srgbClr val="000000"/>
+                        </a:solidFill>
+                        <a:effectLst/>
+                        <a:latin typeface="Calibri"/>
+                      </a:endParaRPr>
+                    </a:p>
+                  </a:txBody>
+                  <a:tcPr marL="9525" marR="9525" marT="9525" marB="0" anchor="b"/>
+                </a:tc>
+              </a:tr>
+              <a:tr h="190500">
+                <a:tc>
+                  <a:txBody>
+                    <a:bodyPr/>
+                    <a:lstStyle/>
+                    <a:p>
+                      <a:pPr algn="l" fontAlgn="b"/>
+                      <a:r>
+                        <a:rPr lang="en-US" sz="1100" u="none" strike="noStrike">
+                          <a:effectLst/>
+                        </a:rPr>
+                        <a:t> </a:t>
+                      </a:r>
+                      <a:endParaRPr lang="en-US" sz="1100" b="0" i="0" u="none" strike="noStrike">
+                        <a:solidFill>
+                          <a:srgbClr val="000000"/>
+                        </a:solidFill>
+                        <a:effectLst/>
+                        <a:latin typeface="Calibri"/>
+                      </a:endParaRPr>
+                    </a:p>
+                  </a:txBody>
+                  <a:tcPr marL="9525" marR="9525" marT="9525" marB="0" anchor="b"/>
+                </a:tc>
+                <a:tc>
+                  <a:txBody>
+                    <a:bodyPr/>
+                    <a:lstStyle/>
+                    <a:p>
+                      <a:pPr algn="l" fontAlgn="b"/>
+                      <a:r>
+                        <a:rPr lang="en-US" sz="1100" u="none" strike="noStrike">
+                          <a:effectLst/>
+                        </a:rPr>
+                        <a:t> </a:t>
+                      </a:r>
+                      <a:endParaRPr lang="en-US" sz="1100" b="0" i="0" u="none" strike="noStrike">
+                        <a:solidFill>
+                          <a:srgbClr val="000000"/>
+                        </a:solidFill>
+                        <a:effectLst/>
+                        <a:latin typeface="Calibri"/>
+                      </a:endParaRPr>
+                    </a:p>
+                  </a:txBody>
+                  <a:tcPr marL="9525" marR="9525" marT="9525" marB="0" anchor="b"/>
+                </a:tc>
+                <a:tc>
+                  <a:txBody>
+                    <a:bodyPr/>
+                    <a:lstStyle/>
+                    <a:p>
+                      <a:pPr algn="l" fontAlgn="b"/>
+                      <a:r>
+                        <a:rPr lang="en-US" sz="1100" u="none" strike="noStrike">
+                          <a:effectLst/>
+                        </a:rPr>
+                        <a:t> </a:t>
+                      </a:r>
+                      <a:endParaRPr lang="en-US" sz="1100" b="0" i="0" u="none" strike="noStrike">
+                        <a:solidFill>
+                          <a:srgbClr val="000000"/>
+                        </a:solidFill>
+                        <a:effectLst/>
+                        <a:latin typeface="Calibri"/>
+                      </a:endParaRPr>
+                    </a:p>
+                  </a:txBody>
+                  <a:tcPr marL="9525" marR="9525" marT="9525" marB="0" anchor="b"/>
+                </a:tc>
+                <a:tc>
+                  <a:txBody>
+                    <a:bodyPr/>
+                    <a:lstStyle/>
+                    <a:p>
+                      <a:pPr algn="l" fontAlgn="b"/>
+                      <a:r>
+                        <a:rPr lang="en-US" sz="1100" u="none" strike="noStrike" dirty="0">
+                          <a:effectLst/>
+                        </a:rPr>
+                        <a:t> </a:t>
+                      </a:r>
+                      <a:endParaRPr lang="en-US" sz="1100" b="0" i="0" u="none" strike="noStrike" dirty="0">
+                        <a:solidFill>
+                          <a:srgbClr val="000000"/>
+                        </a:solidFill>
+                        <a:effectLst/>
+                        <a:latin typeface="Calibri"/>
+                      </a:endParaRPr>
+                    </a:p>
+                  </a:txBody>
+                  <a:tcPr marL="9525" marR="9525" marT="9525" marB="0" anchor="b"/>
+                </a:tc>
+              </a:tr>
+            </a:tbl>
+          </a:graphicData>
+        </a:graphic>
+      </p:graphicFrame>
     </p:spTree>
     <p:extLst>
       <p:ext uri="{BB962C8B-B14F-4D97-AF65-F5344CB8AC3E}">
-        <p14:creationId xmlns:p14="http://schemas.microsoft.com/office/powerpoint/2010/main" val="3352461406"/>
+        <p14:creationId xmlns:p14="http://schemas.microsoft.com/office/powerpoint/2010/main" val="1291735940"/>
       </p:ext>
     </p:extLst>
   </p:cSld>
@@ -3957,14 +6931,7 @@
           <a:p>
             <a:r>
               <a:rPr lang="en-US" dirty="0" smtClean="0"/>
-              <a:t>Problems/Improvements </a:t>
-            </a:r>
-            <a:br>
-              <a:rPr lang="en-US" dirty="0" smtClean="0"/>
-            </a:br>
-            <a:r>
-              <a:rPr lang="en-US" dirty="0" smtClean="0"/>
-              <a:t>with the Algorithm?</a:t>
+              <a:t>Win Rate</a:t>
             </a:r>
             <a:endParaRPr lang="en-US" dirty="0"/>
           </a:p>
@@ -3987,15 +6954,151 @@
           </a:xfrm>
         </p:spPr>
         <p:txBody>
-          <a:bodyPr/>
+          <a:bodyPr>
+            <a:normAutofit fontScale="85000" lnSpcReduction="20000"/>
+          </a:bodyPr>
           <a:lstStyle/>
           <a:p>
             <a:pPr algn="l"/>
             <a:r>
-              <a:rPr lang="en-US" dirty="0" smtClean="0"/>
-              <a:t>a</a:t>
-            </a:r>
-            <a:endParaRPr lang="en-US" dirty="0"/>
+              <a:rPr lang="en-US" sz="2000" dirty="0" smtClean="0"/>
+              <a:t>Compared to Bad AI</a:t>
+            </a:r>
+          </a:p>
+          <a:p>
+            <a:pPr marL="342900" indent="-342900" algn="l">
+              <a:buFont typeface="Arial" panose="020B0604020202020204" pitchFamily="34" charset="0"/>
+              <a:buChar char="•"/>
+            </a:pPr>
+            <a:r>
+              <a:rPr lang="en-US" sz="2000" dirty="0" smtClean="0"/>
+              <a:t>Algorithm will always win against very bad AI, such as Random AI</a:t>
+            </a:r>
+          </a:p>
+          <a:p>
+            <a:pPr marL="342900" indent="-342900" algn="l">
+              <a:buFont typeface="Arial" panose="020B0604020202020204" pitchFamily="34" charset="0"/>
+              <a:buChar char="•"/>
+            </a:pPr>
+            <a:r>
+              <a:rPr lang="en-US" sz="2000" dirty="0" smtClean="0"/>
+              <a:t>It will also usually win against AI using only depth of 0</a:t>
+            </a:r>
+          </a:p>
+          <a:p>
+            <a:pPr marL="800100" lvl="1" indent="-342900" algn="l">
+              <a:buFont typeface="Arial" panose="020B0604020202020204" pitchFamily="34" charset="0"/>
+              <a:buChar char="•"/>
+            </a:pPr>
+            <a:r>
+              <a:rPr lang="en-US" sz="1600" dirty="0" smtClean="0"/>
+              <a:t>Depth 0 AI will not expand moves, but just find max of tile values</a:t>
+            </a:r>
+          </a:p>
+          <a:p>
+            <a:pPr marL="800100" lvl="1" indent="-342900" algn="l">
+              <a:buFont typeface="Arial" panose="020B0604020202020204" pitchFamily="34" charset="0"/>
+              <a:buChar char="•"/>
+            </a:pPr>
+            <a:r>
+              <a:rPr lang="en-US" sz="1600" dirty="0" smtClean="0"/>
+              <a:t>Algorithm sometimes lost if the first move was bad. We gave algorithm a low starting depth value and it would occasionally pick a bad first move</a:t>
+            </a:r>
+          </a:p>
+          <a:p>
+            <a:pPr algn="l"/>
+            <a:r>
+              <a:rPr lang="en-US" sz="2000" dirty="0" smtClean="0"/>
+              <a:t>Compared to Decent AI</a:t>
+            </a:r>
+          </a:p>
+          <a:p>
+            <a:pPr marL="342900" indent="-342900" algn="l">
+              <a:buFont typeface="Arial" panose="020B0604020202020204" pitchFamily="34" charset="0"/>
+              <a:buChar char="•"/>
+            </a:pPr>
+            <a:r>
+              <a:rPr lang="en-US" sz="2000" dirty="0" smtClean="0"/>
+              <a:t>Against our original AI that compared tile values of both itself and the adversary, the algorithm was very good</a:t>
+            </a:r>
+          </a:p>
+          <a:p>
+            <a:pPr marL="800100" lvl="1" indent="-342900" algn="l">
+              <a:buFont typeface="Arial" panose="020B0604020202020204" pitchFamily="34" charset="0"/>
+              <a:buChar char="•"/>
+            </a:pPr>
+            <a:r>
+              <a:rPr lang="en-US" sz="1600" dirty="0" smtClean="0"/>
+              <a:t>This was because the original AI had a higher chance of wasting bad moves</a:t>
+            </a:r>
+          </a:p>
+          <a:p>
+            <a:pPr algn="l"/>
+            <a:r>
+              <a:rPr lang="en-US" sz="2000" dirty="0" smtClean="0"/>
+              <a:t>Compared to Players</a:t>
+            </a:r>
+          </a:p>
+          <a:p>
+            <a:pPr marL="342900" indent="-342900" algn="l">
+              <a:buFont typeface="Arial" panose="020B0604020202020204" pitchFamily="34" charset="0"/>
+              <a:buChar char="•"/>
+            </a:pPr>
+            <a:r>
+              <a:rPr lang="en-US" sz="2000" dirty="0" smtClean="0"/>
+              <a:t>Compared to players, the algorithm would win sometimes</a:t>
+            </a:r>
+          </a:p>
+          <a:p>
+            <a:pPr marL="342900" indent="-342900" algn="l">
+              <a:buFont typeface="Arial" panose="020B0604020202020204" pitchFamily="34" charset="0"/>
+              <a:buChar char="•"/>
+            </a:pPr>
+            <a:r>
+              <a:rPr lang="en-US" sz="2000" dirty="0" smtClean="0"/>
+              <a:t>It was very good at making plans that led to it’s own victory</a:t>
+            </a:r>
+          </a:p>
+          <a:p>
+            <a:pPr marL="800100" lvl="1" indent="-342900" algn="l">
+              <a:buFont typeface="Arial" panose="020B0604020202020204" pitchFamily="34" charset="0"/>
+              <a:buChar char="•"/>
+            </a:pPr>
+            <a:r>
+              <a:rPr lang="en-US" sz="1600" dirty="0" smtClean="0"/>
+              <a:t>Moves that allowed multiple possible winning moves</a:t>
+            </a:r>
+          </a:p>
+          <a:p>
+            <a:pPr marL="342900" indent="-342900" algn="l">
+              <a:buFont typeface="Arial" panose="020B0604020202020204" pitchFamily="34" charset="0"/>
+              <a:buChar char="•"/>
+            </a:pPr>
+            <a:r>
+              <a:rPr lang="en-US" sz="2000" dirty="0" smtClean="0"/>
+              <a:t>However it was bad at stopping Player’s strategy of making good plans</a:t>
+            </a:r>
+          </a:p>
+          <a:p>
+            <a:pPr marL="800100" lvl="1" indent="-342900" algn="l">
+              <a:buFont typeface="Arial" panose="020B0604020202020204" pitchFamily="34" charset="0"/>
+              <a:buChar char="•"/>
+            </a:pPr>
+            <a:r>
+              <a:rPr lang="en-US" sz="1600" dirty="0" smtClean="0"/>
+              <a:t>It can be easy to beat if the player went first</a:t>
+            </a:r>
+          </a:p>
+          <a:p>
+            <a:pPr marL="800100" lvl="1" indent="-342900" algn="l">
+              <a:buFont typeface="Arial" panose="020B0604020202020204" pitchFamily="34" charset="0"/>
+              <a:buChar char="•"/>
+            </a:pPr>
+            <a:r>
+              <a:rPr lang="en-US" sz="1600" dirty="0" smtClean="0"/>
+              <a:t>AI did not make good blocking moves that could stop players early on</a:t>
+            </a:r>
+            <a:endParaRPr lang="en-US" sz="1600" dirty="0"/>
           </a:p>
         </p:txBody>
       </p:sp>
@@ -4051,8 +7154,11 @@
           <a:p>
             <a:r>
               <a:rPr lang="en-US" dirty="0" smtClean="0"/>
-              <a:t>Conclusion</a:t>
-            </a:r>
+              <a:t>Timing and Space Complexity</a:t>
+            </a:r>
+            <a:br>
+              <a:rPr lang="en-US" dirty="0" smtClean="0"/>
+            </a:br>
             <a:endParaRPr lang="en-US" dirty="0"/>
           </a:p>
         </p:txBody>
@@ -4082,15 +7188,9 @@
             <a:pPr algn="l"/>
             <a:r>
               <a:rPr lang="en-US" sz="2000" dirty="0" smtClean="0"/>
-              <a:t>Going first has a huge advantage</a:t>
-            </a:r>
-          </a:p>
-          <a:p>
-            <a:pPr algn="l"/>
-            <a:r>
-              <a:rPr lang="en-US" sz="2000" dirty="0" smtClean="0"/>
-              <a:t>Early in the game, large depth has little deciding factor</a:t>
-            </a:r>
+              <a:t>Timing</a:t>
+            </a:r>
+            <a:endParaRPr lang="en-US" sz="2000" dirty="0" smtClean="0"/>
           </a:p>
           <a:p>
             <a:pPr marL="342900" indent="-342900" algn="l">
@@ -4099,14 +7199,7 @@
             </a:pPr>
             <a:r>
               <a:rPr lang="en-US" sz="2000" dirty="0" smtClean="0"/>
-              <a:t>Tiles mostly have relatively same values</a:t>
-            </a:r>
-          </a:p>
-          <a:p>
-            <a:pPr algn="l"/>
-            <a:r>
-              <a:rPr lang="en-US" sz="2000" dirty="0" smtClean="0"/>
-              <a:t>Large depth matters more later in the game</a:t>
+              <a:t>Very fast if depth does not increase too much</a:t>
             </a:r>
           </a:p>
           <a:p>
@@ -4116,7 +7209,7 @@
             </a:pPr>
             <a:r>
               <a:rPr lang="en-US" sz="2000" dirty="0" smtClean="0"/>
-              <a:t>Tile values will differ more as the game progresses</a:t>
+              <a:t>Speeds up of reducing branch size allowed more depth within reasonable time</a:t>
             </a:r>
           </a:p>
           <a:p>
@@ -4126,14 +7219,25 @@
             </a:pPr>
             <a:r>
               <a:rPr lang="en-US" sz="2000" dirty="0" smtClean="0"/>
-              <a:t>The best moves are not as obvious</a:t>
-            </a:r>
+              <a:t>Removing speed ups would have made a high depth infeasible</a:t>
+            </a:r>
+          </a:p>
+          <a:p>
+            <a:pPr marL="800100" lvl="1" indent="-342900" algn="l">
+              <a:buFont typeface="Arial" panose="020B0604020202020204" pitchFamily="34" charset="0"/>
+              <a:buChar char="•"/>
+            </a:pPr>
+            <a:r>
+              <a:rPr lang="en-US" sz="1400" dirty="0" smtClean="0"/>
+              <a:t>64 possible tiles was a huge branching factor</a:t>
+            </a:r>
+            <a:endParaRPr lang="en-US" sz="1400" dirty="0"/>
           </a:p>
           <a:p>
             <a:pPr algn="l"/>
             <a:r>
               <a:rPr lang="en-US" sz="2000" dirty="0" smtClean="0"/>
-              <a:t>Alpha beta pruning and branch reduction are necessary</a:t>
+              <a:t>Space</a:t>
             </a:r>
           </a:p>
           <a:p>
@@ -4143,7 +7247,7 @@
             </a:pPr>
             <a:r>
               <a:rPr lang="en-US" sz="2000" dirty="0" smtClean="0"/>
-              <a:t>Branching factor of game is huge</a:t>
+              <a:t>Storing the data was compact</a:t>
             </a:r>
           </a:p>
           <a:p>
@@ -4153,7 +7257,268 @@
             </a:pPr>
             <a:r>
               <a:rPr lang="en-US" sz="2000" dirty="0" smtClean="0"/>
-              <a:t>AI’s moves will take too long when depth increases</a:t>
+              <a:t>Did not search into infinity and create memory issues</a:t>
+            </a:r>
+            <a:endParaRPr lang="en-US" sz="2000" dirty="0"/>
+          </a:p>
+        </p:txBody>
+      </p:sp>
+    </p:spTree>
+    <p:extLst>
+      <p:ext uri="{BB962C8B-B14F-4D97-AF65-F5344CB8AC3E}">
+        <p14:creationId xmlns:p14="http://schemas.microsoft.com/office/powerpoint/2010/main" val="3352461406"/>
+      </p:ext>
+    </p:extLst>
+  </p:cSld>
+  <p:clrMapOvr>
+    <a:masterClrMapping/>
+  </p:clrMapOvr>
+</p:sld>
+</file>
+
+<file path=ppt/slides/slide16.xml><?xml version="1.0" encoding="utf-8"?>
+<p:sld xmlns:a="http://schemas.openxmlformats.org/drawingml/2006/main" xmlns:r="http://schemas.openxmlformats.org/officeDocument/2006/relationships" xmlns:p="http://schemas.openxmlformats.org/presentationml/2006/main">
+  <p:cSld>
+    <p:spTree>
+      <p:nvGrpSpPr>
+        <p:cNvPr id="1" name=""/>
+        <p:cNvGrpSpPr/>
+        <p:nvPr/>
+      </p:nvGrpSpPr>
+      <p:grpSpPr>
+        <a:xfrm>
+          <a:off x="0" y="0"/>
+          <a:ext cx="0" cy="0"/>
+          <a:chOff x="0" y="0"/>
+          <a:chExt cx="0" cy="0"/>
+        </a:xfrm>
+      </p:grpSpPr>
+      <p:sp>
+        <p:nvSpPr>
+          <p:cNvPr id="2" name="Title 1"/>
+          <p:cNvSpPr>
+            <a:spLocks noGrp="1"/>
+          </p:cNvSpPr>
+          <p:nvPr>
+            <p:ph type="ctrTitle"/>
+          </p:nvPr>
+        </p:nvSpPr>
+        <p:spPr>
+          <a:xfrm>
+            <a:off x="685800" y="381000"/>
+            <a:ext cx="7772400" cy="1470025"/>
+          </a:xfrm>
+        </p:spPr>
+        <p:txBody>
+          <a:bodyPr/>
+          <a:lstStyle/>
+          <a:p>
+            <a:r>
+              <a:rPr lang="en-US" dirty="0" smtClean="0"/>
+              <a:t>Problems with </a:t>
+            </a:r>
+            <a:r>
+              <a:rPr lang="en-US" dirty="0" smtClean="0"/>
+              <a:t>the </a:t>
+            </a:r>
+            <a:r>
+              <a:rPr lang="en-US" dirty="0" smtClean="0"/>
+              <a:t>Algorithm</a:t>
+            </a:r>
+            <a:endParaRPr lang="en-US" dirty="0"/>
+          </a:p>
+        </p:txBody>
+      </p:sp>
+      <p:sp>
+        <p:nvSpPr>
+          <p:cNvPr id="3" name="Subtitle 2"/>
+          <p:cNvSpPr>
+            <a:spLocks noGrp="1"/>
+          </p:cNvSpPr>
+          <p:nvPr>
+            <p:ph type="subTitle" idx="1"/>
+          </p:nvPr>
+        </p:nvSpPr>
+        <p:spPr>
+          <a:xfrm>
+            <a:off x="762000" y="1447800"/>
+            <a:ext cx="7543800" cy="4191000"/>
+          </a:xfrm>
+        </p:spPr>
+        <p:txBody>
+          <a:bodyPr>
+            <a:normAutofit/>
+          </a:bodyPr>
+          <a:lstStyle/>
+          <a:p>
+            <a:pPr algn="l"/>
+            <a:r>
+              <a:rPr lang="en-US" sz="2000" dirty="0" smtClean="0"/>
+              <a:t>Although the algorithm was very good at trying to win</a:t>
+            </a:r>
+          </a:p>
+          <a:p>
+            <a:pPr marL="342900" indent="-342900" algn="l">
+              <a:buFont typeface="Arial" pitchFamily="34" charset="0"/>
+              <a:buChar char="•"/>
+            </a:pPr>
+            <a:r>
+              <a:rPr lang="en-US" sz="2000" dirty="0" smtClean="0"/>
+              <a:t>Very bad at stopping an opponent from winning if the opponent is going for a not obvious winning strategy plan</a:t>
+            </a:r>
+          </a:p>
+          <a:p>
+            <a:pPr marL="800100" lvl="1" indent="-342900" algn="l">
+              <a:buFont typeface="Arial" pitchFamily="34" charset="0"/>
+              <a:buChar char="•"/>
+            </a:pPr>
+            <a:r>
+              <a:rPr lang="en-US" sz="1600" dirty="0" smtClean="0"/>
+              <a:t>This could have been fixed by making our utility function more complicated</a:t>
+            </a:r>
+          </a:p>
+          <a:p>
+            <a:pPr marL="800100" lvl="1" indent="-342900" algn="l">
+              <a:buFont typeface="Arial" pitchFamily="34" charset="0"/>
+              <a:buChar char="•"/>
+            </a:pPr>
+            <a:r>
+              <a:rPr lang="en-US" sz="1600" dirty="0" smtClean="0"/>
+              <a:t>Trying to win looks better than trying to block</a:t>
+            </a:r>
+          </a:p>
+          <a:p>
+            <a:pPr marL="342900" indent="-342900" algn="l">
+              <a:buFont typeface="Arial" pitchFamily="34" charset="0"/>
+              <a:buChar char="•"/>
+            </a:pPr>
+            <a:r>
+              <a:rPr lang="en-US" sz="2000" dirty="0" smtClean="0"/>
+              <a:t>Human players can search deeper for very good plans and strategies</a:t>
+            </a:r>
+          </a:p>
+          <a:p>
+            <a:pPr marL="800100" lvl="1" indent="-342900" algn="l">
+              <a:buFont typeface="Arial" pitchFamily="34" charset="0"/>
+              <a:buChar char="•"/>
+            </a:pPr>
+            <a:r>
+              <a:rPr lang="en-US" sz="1600" dirty="0" smtClean="0"/>
+              <a:t>AI was limited to search all strategies to the same depth</a:t>
+            </a:r>
+          </a:p>
+          <a:p>
+            <a:pPr marL="800100" lvl="1" indent="-342900" algn="l">
+              <a:buFont typeface="Arial" pitchFamily="34" charset="0"/>
+              <a:buChar char="•"/>
+            </a:pPr>
+            <a:r>
+              <a:rPr lang="en-US" sz="1600" dirty="0" smtClean="0"/>
+              <a:t>Searching a bad strategy takes time and the algorithm will not increase depth value when time is wasted</a:t>
+            </a:r>
+          </a:p>
+          <a:p>
+            <a:pPr algn="l"/>
+            <a:endParaRPr lang="en-US" sz="2000" dirty="0"/>
+          </a:p>
+        </p:txBody>
+      </p:sp>
+    </p:spTree>
+    <p:extLst>
+      <p:ext uri="{BB962C8B-B14F-4D97-AF65-F5344CB8AC3E}">
+        <p14:creationId xmlns:p14="http://schemas.microsoft.com/office/powerpoint/2010/main" val="3352461406"/>
+      </p:ext>
+    </p:extLst>
+  </p:cSld>
+  <p:clrMapOvr>
+    <a:masterClrMapping/>
+  </p:clrMapOvr>
+</p:sld>
+</file>
+
+<file path=ppt/slides/slide17.xml><?xml version="1.0" encoding="utf-8"?>
+<p:sld xmlns:a="http://schemas.openxmlformats.org/drawingml/2006/main" xmlns:r="http://schemas.openxmlformats.org/officeDocument/2006/relationships" xmlns:p="http://schemas.openxmlformats.org/presentationml/2006/main">
+  <p:cSld>
+    <p:spTree>
+      <p:nvGrpSpPr>
+        <p:cNvPr id="1" name=""/>
+        <p:cNvGrpSpPr/>
+        <p:nvPr/>
+      </p:nvGrpSpPr>
+      <p:grpSpPr>
+        <a:xfrm>
+          <a:off x="0" y="0"/>
+          <a:ext cx="0" cy="0"/>
+          <a:chOff x="0" y="0"/>
+          <a:chExt cx="0" cy="0"/>
+        </a:xfrm>
+      </p:grpSpPr>
+      <p:sp>
+        <p:nvSpPr>
+          <p:cNvPr id="2" name="Title 1"/>
+          <p:cNvSpPr>
+            <a:spLocks noGrp="1"/>
+          </p:cNvSpPr>
+          <p:nvPr>
+            <p:ph type="ctrTitle"/>
+          </p:nvPr>
+        </p:nvSpPr>
+        <p:spPr>
+          <a:xfrm>
+            <a:off x="685800" y="381000"/>
+            <a:ext cx="7772400" cy="1470025"/>
+          </a:xfrm>
+        </p:spPr>
+        <p:txBody>
+          <a:bodyPr/>
+          <a:lstStyle/>
+          <a:p>
+            <a:r>
+              <a:rPr lang="en-US" dirty="0" smtClean="0"/>
+              <a:t>Conclusion</a:t>
+            </a:r>
+            <a:endParaRPr lang="en-US" dirty="0"/>
+          </a:p>
+        </p:txBody>
+      </p:sp>
+      <p:sp>
+        <p:nvSpPr>
+          <p:cNvPr id="3" name="Subtitle 2"/>
+          <p:cNvSpPr>
+            <a:spLocks noGrp="1"/>
+          </p:cNvSpPr>
+          <p:nvPr>
+            <p:ph type="subTitle" idx="1"/>
+          </p:nvPr>
+        </p:nvSpPr>
+        <p:spPr>
+          <a:xfrm>
+            <a:off x="762000" y="1447800"/>
+            <a:ext cx="7543800" cy="4191000"/>
+          </a:xfrm>
+        </p:spPr>
+        <p:txBody>
+          <a:bodyPr>
+            <a:normAutofit lnSpcReduction="10000"/>
+          </a:bodyPr>
+          <a:lstStyle/>
+          <a:p>
+            <a:pPr algn="l"/>
+            <a:r>
+              <a:rPr lang="en-US" sz="2000" dirty="0" smtClean="0"/>
+              <a:t>Going first has a </a:t>
+            </a:r>
+            <a:r>
+              <a:rPr lang="en-US" sz="2000" dirty="0" smtClean="0"/>
+              <a:t>great advantage</a:t>
+            </a:r>
+            <a:endParaRPr lang="en-US" sz="2000" dirty="0" smtClean="0"/>
+          </a:p>
+          <a:p>
+            <a:pPr algn="l"/>
+            <a:r>
+              <a:rPr lang="en-US" sz="2000" dirty="0" smtClean="0"/>
+              <a:t>Early in the game, large depth has little deciding factor</a:t>
             </a:r>
           </a:p>
           <a:p>
@@ -4163,19 +7528,86 @@
             </a:pPr>
             <a:r>
               <a:rPr lang="en-US" sz="2000" dirty="0" smtClean="0"/>
-              <a:t>O(</a:t>
-            </a:r>
-            <a:r>
-              <a:rPr lang="en-US" sz="2000" dirty="0" err="1" smtClean="0"/>
-              <a:t>b</a:t>
-            </a:r>
-            <a:r>
-              <a:rPr lang="en-US" sz="2000" baseline="30000" dirty="0" err="1" smtClean="0"/>
-              <a:t>d</a:t>
-            </a:r>
+              <a:t>Values do not fluctuate a lot when few pieces on board</a:t>
+            </a:r>
+          </a:p>
+          <a:p>
+            <a:pPr algn="l"/>
             <a:r>
               <a:rPr lang="en-US" sz="2000" dirty="0" smtClean="0"/>
-              <a:t>)</a:t>
+              <a:t>Large </a:t>
+            </a:r>
+            <a:r>
+              <a:rPr lang="en-US" sz="2000" dirty="0" smtClean="0"/>
+              <a:t>depth matters more later in the game</a:t>
+            </a:r>
+          </a:p>
+          <a:p>
+            <a:pPr marL="342900" indent="-342900" algn="l">
+              <a:buFont typeface="Arial" panose="020B0604020202020204" pitchFamily="34" charset="0"/>
+              <a:buChar char="•"/>
+            </a:pPr>
+            <a:r>
+              <a:rPr lang="en-US" sz="2000" dirty="0" smtClean="0"/>
+              <a:t>Tile values will differ more as the game progresses</a:t>
+            </a:r>
+          </a:p>
+          <a:p>
+            <a:pPr marL="342900" indent="-342900" algn="l">
+              <a:buFont typeface="Arial" panose="020B0604020202020204" pitchFamily="34" charset="0"/>
+              <a:buChar char="•"/>
+            </a:pPr>
+            <a:r>
+              <a:rPr lang="en-US" sz="2000" dirty="0" smtClean="0"/>
+              <a:t>The best moves are not as obvious</a:t>
+            </a:r>
+          </a:p>
+          <a:p>
+            <a:pPr algn="l"/>
+            <a:r>
+              <a:rPr lang="en-US" sz="2000" dirty="0" smtClean="0"/>
+              <a:t>Alpha beta pruning and branch reduction are necessary</a:t>
+            </a:r>
+          </a:p>
+          <a:p>
+            <a:pPr marL="342900" indent="-342900" algn="l">
+              <a:buFont typeface="Arial" panose="020B0604020202020204" pitchFamily="34" charset="0"/>
+              <a:buChar char="•"/>
+            </a:pPr>
+            <a:r>
+              <a:rPr lang="en-US" sz="2000" dirty="0" smtClean="0"/>
+              <a:t>Branching factor of game is huge</a:t>
+            </a:r>
+          </a:p>
+          <a:p>
+            <a:pPr marL="342900" indent="-342900" algn="l">
+              <a:buFont typeface="Arial" panose="020B0604020202020204" pitchFamily="34" charset="0"/>
+              <a:buChar char="•"/>
+            </a:pPr>
+            <a:r>
+              <a:rPr lang="en-US" sz="2000" dirty="0" smtClean="0"/>
+              <a:t>AI’s moves will take too long when depth </a:t>
+            </a:r>
+            <a:r>
+              <a:rPr lang="en-US" sz="2000" dirty="0" smtClean="0"/>
+              <a:t>increases</a:t>
+            </a:r>
+          </a:p>
+          <a:p>
+            <a:pPr algn="l"/>
+            <a:r>
+              <a:rPr lang="en-US" sz="2000" dirty="0" smtClean="0"/>
+              <a:t>Having deep searches is not enough</a:t>
+            </a:r>
+          </a:p>
+          <a:p>
+            <a:pPr marL="342900" indent="-342900" algn="l">
+              <a:buFont typeface="Arial" panose="020B0604020202020204" pitchFamily="34" charset="0"/>
+              <a:buChar char="•"/>
+            </a:pPr>
+            <a:r>
+              <a:rPr lang="en-US" sz="2000" dirty="0" smtClean="0"/>
+              <a:t>Utility function that is too simple makes okay and very good moves seem indifferent</a:t>
             </a:r>
             <a:endParaRPr lang="en-US" sz="2000" dirty="0"/>
           </a:p>
@@ -4835,7 +8267,7 @@
         </p:spPr>
         <p:txBody>
           <a:bodyPr>
-            <a:normAutofit/>
+            <a:normAutofit lnSpcReduction="10000"/>
           </a:bodyPr>
           <a:lstStyle/>
           <a:p>
@@ -4872,8 +8304,75 @@
             </a:pPr>
             <a:r>
               <a:rPr lang="en-US" sz="1600" dirty="0" smtClean="0"/>
-              <a:t>Need to chain tiles together to win</a:t>
-            </a:r>
+              <a:t>Need to chain tiles together to </a:t>
+            </a:r>
+            <a:r>
+              <a:rPr lang="en-US" sz="1600" dirty="0" smtClean="0"/>
+              <a:t>win</a:t>
+            </a:r>
+          </a:p>
+          <a:p>
+            <a:pPr marL="800100" lvl="1" indent="-342900" algn="l">
+              <a:buFont typeface="Arial" panose="020B0604020202020204" pitchFamily="34" charset="0"/>
+              <a:buChar char="•"/>
+            </a:pPr>
+            <a:r>
+              <a:rPr lang="en-US" sz="1600" dirty="0" smtClean="0">
+                <a:solidFill>
+                  <a:srgbClr val="FF0000"/>
+                </a:solidFill>
+              </a:rPr>
+              <a:t>Value = # of same tiles distance 4 away on same row/col/diagonal</a:t>
+            </a:r>
+          </a:p>
+          <a:p>
+            <a:pPr marL="800100" lvl="1" indent="-342900" algn="l">
+              <a:buFont typeface="Arial" panose="020B0604020202020204" pitchFamily="34" charset="0"/>
+              <a:buChar char="•"/>
+            </a:pPr>
+            <a:r>
+              <a:rPr lang="en-US" sz="1600" dirty="0" smtClean="0">
+                <a:solidFill>
+                  <a:srgbClr val="FF0000"/>
+                </a:solidFill>
+              </a:rPr>
+              <a:t>Minus </a:t>
+            </a:r>
+            <a:r>
+              <a:rPr lang="en-US" sz="1600" dirty="0">
+                <a:solidFill>
+                  <a:srgbClr val="FF0000"/>
+                </a:solidFill>
+              </a:rPr>
+              <a:t># of </a:t>
+            </a:r>
+            <a:r>
+              <a:rPr lang="en-US" sz="1600" dirty="0" smtClean="0">
+                <a:solidFill>
+                  <a:srgbClr val="FF0000"/>
+                </a:solidFill>
+              </a:rPr>
+              <a:t>non-empty tiles </a:t>
+            </a:r>
+            <a:r>
+              <a:rPr lang="en-US" sz="1600" dirty="0">
+                <a:solidFill>
+                  <a:srgbClr val="FF0000"/>
+                </a:solidFill>
+              </a:rPr>
+              <a:t>distance 4 away on same row/col/diagonal</a:t>
+            </a:r>
+          </a:p>
+          <a:p>
+            <a:pPr marL="800100" lvl="1" indent="-342900" algn="l">
+              <a:buFont typeface="Arial" panose="020B0604020202020204" pitchFamily="34" charset="0"/>
+              <a:buChar char="•"/>
+            </a:pPr>
+            <a:endParaRPr lang="en-US" sz="1600" dirty="0" smtClean="0">
+              <a:solidFill>
+                <a:srgbClr val="FF0000"/>
+              </a:solidFill>
+            </a:endParaRPr>
           </a:p>
           <a:p>
             <a:pPr marL="800100" lvl="1" indent="-342900" algn="l">
@@ -4910,7 +8409,11 @@
             </a:pPr>
             <a:r>
               <a:rPr lang="en-US" sz="2000" dirty="0" smtClean="0"/>
-              <a:t>Straight utility function not completely ideal. Winning moves need to have a higher value so that these moves are committed to first.</a:t>
+              <a:t>Linear utility </a:t>
+            </a:r>
+            <a:r>
+              <a:rPr lang="en-US" sz="2000" dirty="0" smtClean="0"/>
+              <a:t>function not completely ideal. Winning moves need to have a higher value so that these moves are committed to first.</a:t>
             </a:r>
           </a:p>
         </p:txBody>
@@ -4924,13 +8427,13 @@
           <p:nvPr>
             <p:extLst>
               <p:ext uri="{D42A27DB-BD31-4B8C-83A1-F6EECF244321}">
-                <p14:modId xmlns:p14="http://schemas.microsoft.com/office/powerpoint/2010/main" val="1871807999"/>
+                <p14:modId xmlns:p14="http://schemas.microsoft.com/office/powerpoint/2010/main" val="3840082738"/>
               </p:ext>
             </p:extLst>
           </p:nvPr>
         </p:nvGraphicFramePr>
         <p:xfrm>
-          <a:off x="1219200" y="2917825"/>
+          <a:off x="1219200" y="3352800"/>
           <a:ext cx="1257300" cy="762000"/>
         </p:xfrm>
         <a:graphic>
@@ -5772,10 +9275,16 @@
           <p:cNvGraphicFramePr>
             <a:graphicFrameLocks noGrp="1"/>
           </p:cNvGraphicFramePr>
-          <p:nvPr/>
+          <p:nvPr>
+            <p:extLst>
+              <p:ext uri="{D42A27DB-BD31-4B8C-83A1-F6EECF244321}">
+                <p14:modId xmlns:p14="http://schemas.microsoft.com/office/powerpoint/2010/main" val="1810579143"/>
+              </p:ext>
+            </p:extLst>
+          </p:nvPr>
         </p:nvGraphicFramePr>
         <p:xfrm>
-          <a:off x="3943350" y="3048000"/>
+          <a:off x="3962400" y="3352800"/>
           <a:ext cx="1257300" cy="762000"/>
         </p:xfrm>
         <a:graphic>
@@ -6663,7 +10172,7 @@
           <a:p>
             <a:r>
               <a:rPr lang="en-US" dirty="0" smtClean="0"/>
-              <a:t>Describe Algorithm</a:t>
+              <a:t>Algorithm</a:t>
             </a:r>
             <a:endParaRPr lang="en-US" dirty="0"/>
           </a:p>
@@ -6836,7 +10345,7 @@
           <a:p>
             <a:r>
               <a:rPr lang="en-US" dirty="0" smtClean="0"/>
-              <a:t>Pictures of Algorithm Debugging</a:t>
+              <a:t>Algorithm</a:t>
             </a:r>
             <a:endParaRPr lang="en-US" dirty="0"/>
           </a:p>
@@ -6859,22 +10368,50 @@
           </a:xfrm>
         </p:spPr>
         <p:txBody>
-          <a:bodyPr/>
+          <a:bodyPr>
+            <a:normAutofit/>
+          </a:bodyPr>
           <a:lstStyle/>
           <a:p>
             <a:pPr algn="l"/>
-            <a:r>
-              <a:rPr lang="en-US" dirty="0" smtClean="0"/>
-              <a:t>TODO, crease VISIO picture here….</a:t>
-            </a:r>
-            <a:endParaRPr lang="en-US" dirty="0"/>
-          </a:p>
-        </p:txBody>
-      </p:sp>
+            <a:endParaRPr lang="en-US" sz="2000" dirty="0"/>
+          </a:p>
+        </p:txBody>
+      </p:sp>
+      <p:pic>
+        <p:nvPicPr>
+          <p:cNvPr id="4" name="Picture 3"/>
+          <p:cNvPicPr>
+            <a:picLocks noChangeAspect="1"/>
+          </p:cNvPicPr>
+          <p:nvPr/>
+        </p:nvPicPr>
+        <p:blipFill>
+          <a:blip r:embed="rId3">
+            <a:extLst>
+              <a:ext uri="{28A0092B-C50C-407E-A947-70E740481C1C}">
+                <a14:useLocalDpi xmlns:a14="http://schemas.microsoft.com/office/drawing/2010/main" val="0"/>
+              </a:ext>
+            </a:extLst>
+          </a:blip>
+          <a:stretch>
+            <a:fillRect/>
+          </a:stretch>
+        </p:blipFill>
+        <p:spPr>
+          <a:xfrm>
+            <a:off x="762000" y="1447800"/>
+            <a:ext cx="7620000" cy="2944602"/>
+          </a:xfrm>
+          <a:prstGeom prst="rect">
+            <a:avLst/>
+          </a:prstGeom>
+        </p:spPr>
+      </p:pic>
     </p:spTree>
     <p:extLst>
       <p:ext uri="{BB962C8B-B14F-4D97-AF65-F5344CB8AC3E}">
-        <p14:creationId xmlns:p14="http://schemas.microsoft.com/office/powerpoint/2010/main" val="3352461406"/>
+        <p14:creationId xmlns:p14="http://schemas.microsoft.com/office/powerpoint/2010/main" val="3344614843"/>
       </p:ext>
     </p:extLst>
   </p:cSld>
@@ -7167,4 +10704,289 @@
   <a:objectDefaults/>
   <a:extraClrSchemeLst/>
 </a:theme>
+</file>
+
+<file path=ppt/theme/theme2.xml><?xml version="1.0" encoding="utf-8"?>
+<a:theme xmlns:a="http://schemas.openxmlformats.org/drawingml/2006/main" name="Office Theme">
+  <a:themeElements>
+    <a:clrScheme name="Office">
+      <a:dk1>
+        <a:sysClr val="windowText" lastClr="000000"/>
+      </a:dk1>
+      <a:lt1>
+        <a:sysClr val="window" lastClr="FFFFFF"/>
+      </a:lt1>
+      <a:dk2>
+        <a:srgbClr val="1F497D"/>
+      </a:dk2>
+      <a:lt2>
+        <a:srgbClr val="EEECE1"/>
+      </a:lt2>
+      <a:accent1>
+        <a:srgbClr val="4F81BD"/>
+      </a:accent1>
+      <a:accent2>
+        <a:srgbClr val="C0504D"/>
+      </a:accent2>
+      <a:accent3>
+        <a:srgbClr val="9BBB59"/>
+      </a:accent3>
+      <a:accent4>
+        <a:srgbClr val="8064A2"/>
+      </a:accent4>
+      <a:accent5>
+        <a:srgbClr val="4BACC6"/>
+      </a:accent5>
+      <a:accent6>
+        <a:srgbClr val="F79646"/>
+      </a:accent6>
+      <a:hlink>
+        <a:srgbClr val="0000FF"/>
+      </a:hlink>
+      <a:folHlink>
+        <a:srgbClr val="800080"/>
+      </a:folHlink>
+    </a:clrScheme>
+    <a:fontScheme name="Office">
+      <a:majorFont>
+        <a:latin typeface="Calibri"/>
+        <a:ea typeface=""/>
+        <a:cs typeface=""/>
+        <a:font script="Jpan" typeface="ＭＳ Ｐゴシック"/>
+        <a:font script="Hang" typeface="맑은 고딕"/>
+        <a:font script="Hans" typeface="宋体"/>
+        <a:font script="Hant" typeface="新細明體"/>
+        <a:font script="Arab" typeface="Times New Roman"/>
+        <a:font script="Hebr" typeface="Times New Roman"/>
+        <a:font script="Thai" typeface="Angsana New"/>
+        <a:font script="Ethi" typeface="Nyala"/>
+        <a:font script="Beng" typeface="Vrinda"/>
+        <a:font script="Gujr" typeface="Shruti"/>
+        <a:font script="Khmr" typeface="MoolBoran"/>
+        <a:font script="Knda" typeface="Tunga"/>
+        <a:font script="Guru" typeface="Raavi"/>
+        <a:font script="Cans" typeface="Euphemia"/>
+        <a:font script="Cher" typeface="Plantagenet Cherokee"/>
+        <a:font script="Yiii" typeface="Microsoft Yi Baiti"/>
+        <a:font script="Tibt" typeface="Microsoft Himalaya"/>
+        <a:font script="Thaa" typeface="MV Boli"/>
+        <a:font script="Deva" typeface="Mangal"/>
+        <a:font script="Telu" typeface="Gautami"/>
+        <a:font script="Taml" typeface="Latha"/>
+        <a:font script="Syrc" typeface="Estrangelo Edessa"/>
+        <a:font script="Orya" typeface="Kalinga"/>
+        <a:font script="Mlym" typeface="Kartika"/>
+        <a:font script="Laoo" typeface="DokChampa"/>
+        <a:font script="Sinh" typeface="Iskoola Pota"/>
+        <a:font script="Mong" typeface="Mongolian Baiti"/>
+        <a:font script="Viet" typeface="Times New Roman"/>
+        <a:font script="Uigh" typeface="Microsoft Uighur"/>
+        <a:font script="Geor" typeface="Sylfaen"/>
+      </a:majorFont>
+      <a:minorFont>
+        <a:latin typeface="Calibri"/>
+        <a:ea typeface=""/>
+        <a:cs typeface=""/>
+        <a:font script="Jpan" typeface="ＭＳ Ｐゴシック"/>
+        <a:font script="Hang" typeface="맑은 고딕"/>
+        <a:font script="Hans" typeface="宋体"/>
+        <a:font script="Hant" typeface="新細明體"/>
+        <a:font script="Arab" typeface="Arial"/>
+        <a:font script="Hebr" typeface="Arial"/>
+        <a:font script="Thai" typeface="Cordia New"/>
+        <a:font script="Ethi" typeface="Nyala"/>
+        <a:font script="Beng" typeface="Vrinda"/>
+        <a:font script="Gujr" typeface="Shruti"/>
+        <a:font script="Khmr" typeface="DaunPenh"/>
+        <a:font script="Knda" typeface="Tunga"/>
+        <a:font script="Guru" typeface="Raavi"/>
+        <a:font script="Cans" typeface="Euphemia"/>
+        <a:font script="Cher" typeface="Plantagenet Cherokee"/>
+        <a:font script="Yiii" typeface="Microsoft Yi Baiti"/>
+        <a:font script="Tibt" typeface="Microsoft Himalaya"/>
+        <a:font script="Thaa" typeface="MV Boli"/>
+        <a:font script="Deva" typeface="Mangal"/>
+        <a:font script="Telu" typeface="Gautami"/>
+        <a:font script="Taml" typeface="Latha"/>
+        <a:font script="Syrc" typeface="Estrangelo Edessa"/>
+        <a:font script="Orya" typeface="Kalinga"/>
+        <a:font script="Mlym" typeface="Kartika"/>
+        <a:font script="Laoo" typeface="DokChampa"/>
+        <a:font script="Sinh" typeface="Iskoola Pota"/>
+        <a:font script="Mong" typeface="Mongolian Baiti"/>
+        <a:font script="Viet" typeface="Arial"/>
+        <a:font script="Uigh" typeface="Microsoft Uighur"/>
+        <a:font script="Geor" typeface="Sylfaen"/>
+      </a:minorFont>
+    </a:fontScheme>
+    <a:fmtScheme name="Office">
+      <a:fillStyleLst>
+        <a:solidFill>
+          <a:schemeClr val="phClr"/>
+        </a:solidFill>
+        <a:gradFill rotWithShape="1">
+          <a:gsLst>
+            <a:gs pos="0">
+              <a:schemeClr val="phClr">
+                <a:tint val="50000"/>
+                <a:satMod val="300000"/>
+              </a:schemeClr>
+            </a:gs>
+            <a:gs pos="35000">
+              <a:schemeClr val="phClr">
+                <a:tint val="37000"/>
+                <a:satMod val="300000"/>
+              </a:schemeClr>
+            </a:gs>
+            <a:gs pos="100000">
+              <a:schemeClr val="phClr">
+                <a:tint val="15000"/>
+                <a:satMod val="350000"/>
+              </a:schemeClr>
+            </a:gs>
+          </a:gsLst>
+          <a:lin ang="16200000" scaled="1"/>
+        </a:gradFill>
+        <a:gradFill rotWithShape="1">
+          <a:gsLst>
+            <a:gs pos="0">
+              <a:schemeClr val="phClr">
+                <a:shade val="51000"/>
+                <a:satMod val="130000"/>
+              </a:schemeClr>
+            </a:gs>
+            <a:gs pos="80000">
+              <a:schemeClr val="phClr">
+                <a:shade val="93000"/>
+                <a:satMod val="130000"/>
+              </a:schemeClr>
+            </a:gs>
+            <a:gs pos="100000">
+              <a:schemeClr val="phClr">
+                <a:shade val="94000"/>
+                <a:satMod val="135000"/>
+              </a:schemeClr>
+            </a:gs>
+          </a:gsLst>
+          <a:lin ang="16200000" scaled="0"/>
+        </a:gradFill>
+      </a:fillStyleLst>
+      <a:lnStyleLst>
+        <a:ln w="9525" cap="flat" cmpd="sng" algn="ctr">
+          <a:solidFill>
+            <a:schemeClr val="phClr">
+              <a:shade val="95000"/>
+              <a:satMod val="105000"/>
+            </a:schemeClr>
+          </a:solidFill>
+          <a:prstDash val="solid"/>
+        </a:ln>
+        <a:ln w="25400" cap="flat" cmpd="sng" algn="ctr">
+          <a:solidFill>
+            <a:schemeClr val="phClr"/>
+          </a:solidFill>
+          <a:prstDash val="solid"/>
+        </a:ln>
+        <a:ln w="38100" cap="flat" cmpd="sng" algn="ctr">
+          <a:solidFill>
+            <a:schemeClr val="phClr"/>
+          </a:solidFill>
+          <a:prstDash val="solid"/>
+        </a:ln>
+      </a:lnStyleLst>
+      <a:effectStyleLst>
+        <a:effectStyle>
+          <a:effectLst>
+            <a:outerShdw blurRad="40000" dist="20000" dir="5400000" rotWithShape="0">
+              <a:srgbClr val="000000">
+                <a:alpha val="38000"/>
+              </a:srgbClr>
+            </a:outerShdw>
+          </a:effectLst>
+        </a:effectStyle>
+        <a:effectStyle>
+          <a:effectLst>
+            <a:outerShdw blurRad="40000" dist="23000" dir="5400000" rotWithShape="0">
+              <a:srgbClr val="000000">
+                <a:alpha val="35000"/>
+              </a:srgbClr>
+            </a:outerShdw>
+          </a:effectLst>
+        </a:effectStyle>
+        <a:effectStyle>
+          <a:effectLst>
+            <a:outerShdw blurRad="40000" dist="23000" dir="5400000" rotWithShape="0">
+              <a:srgbClr val="000000">
+                <a:alpha val="35000"/>
+              </a:srgbClr>
+            </a:outerShdw>
+          </a:effectLst>
+          <a:scene3d>
+            <a:camera prst="orthographicFront">
+              <a:rot lat="0" lon="0" rev="0"/>
+            </a:camera>
+            <a:lightRig rig="threePt" dir="t">
+              <a:rot lat="0" lon="0" rev="1200000"/>
+            </a:lightRig>
+          </a:scene3d>
+          <a:sp3d>
+            <a:bevelT w="63500" h="25400"/>
+          </a:sp3d>
+        </a:effectStyle>
+      </a:effectStyleLst>
+      <a:bgFillStyleLst>
+        <a:solidFill>
+          <a:schemeClr val="phClr"/>
+        </a:solidFill>
+        <a:gradFill rotWithShape="1">
+          <a:gsLst>
+            <a:gs pos="0">
+              <a:schemeClr val="phClr">
+                <a:tint val="40000"/>
+                <a:satMod val="350000"/>
+              </a:schemeClr>
+            </a:gs>
+            <a:gs pos="40000">
+              <a:schemeClr val="phClr">
+                <a:tint val="45000"/>
+                <a:shade val="99000"/>
+                <a:satMod val="350000"/>
+              </a:schemeClr>
+            </a:gs>
+            <a:gs pos="100000">
+              <a:schemeClr val="phClr">
+                <a:shade val="20000"/>
+                <a:satMod val="255000"/>
+              </a:schemeClr>
+            </a:gs>
+          </a:gsLst>
+          <a:path path="circle">
+            <a:fillToRect l="50000" t="-80000" r="50000" b="180000"/>
+          </a:path>
+        </a:gradFill>
+        <a:gradFill rotWithShape="1">
+          <a:gsLst>
+            <a:gs pos="0">
+              <a:schemeClr val="phClr">
+                <a:tint val="80000"/>
+                <a:satMod val="300000"/>
+              </a:schemeClr>
+            </a:gs>
+            <a:gs pos="100000">
+              <a:schemeClr val="phClr">
+                <a:shade val="30000"/>
+                <a:satMod val="200000"/>
+              </a:schemeClr>
+            </a:gs>
+          </a:gsLst>
+          <a:path path="circle">
+            <a:fillToRect l="50000" t="50000" r="50000" b="50000"/>
+          </a:path>
+        </a:gradFill>
+      </a:bgFillStyleLst>
+    </a:fmtScheme>
+  </a:themeElements>
+  <a:objectDefaults/>
+  <a:extraClrSchemeLst/>
+</a:theme>
 </file>
--- a/Presentation.pptx
+++ b/Presentation.pptx
@@ -125,7 +125,7 @@
   </p:defaultTextStyle>
   <p:extLst>
     <p:ext uri="{EFAFB233-063F-42B5-8137-9DF3F51BA10A}">
-      <p15:sldGuideLst xmlns="" xmlns:p15="http://schemas.microsoft.com/office/powerpoint/2012/main">
+      <p15:sldGuideLst xmlns:p15="http://schemas.microsoft.com/office/powerpoint/2012/main" xmlns="">
         <p15:guide id="1" orient="horz" pos="2160">
           <p15:clr>
             <a:srgbClr val="A4A3A4"/>
@@ -224,7 +224,7 @@
           <a:p>
             <a:fld id="{69362AA2-37EB-4E21-AC2F-62B033F84D19}" type="datetimeFigureOut">
               <a:rPr lang="en-US" smtClean="0"/>
-              <a:t>12/1/2015</a:t>
+              <a:t>12/2/2015</a:t>
             </a:fld>
             <a:endParaRPr lang="en-US" dirty="0"/>
           </a:p>
@@ -1233,36 +1233,27 @@
           <a:bodyPr/>
           <a:lstStyle/>
           <a:p>
-            <a:endParaRPr lang="en-US" dirty="0" smtClean="0"/>
-          </a:p>
-          <a:p>
-            <a:endParaRPr lang="en-US" dirty="0" smtClean="0"/>
-          </a:p>
-          <a:p>
             <a:r>
               <a:rPr lang="en-US" dirty="0" smtClean="0"/>
-              <a:t>Each</a:t>
+              <a:t>The revised function made it more appealing to place moves closer to own moves</a:t>
+            </a:r>
+          </a:p>
+          <a:p>
+            <a:r>
+              <a:rPr lang="en-US" dirty="0" smtClean="0"/>
+              <a:t>After</a:t>
             </a:r>
             <a:r>
               <a:rPr lang="en-US" baseline="0" dirty="0" smtClean="0"/>
-              <a:t> node then had to track an alpha and a beta value for both players.</a:t>
-            </a:r>
-          </a:p>
-          <a:p>
-            <a:endParaRPr lang="en-US" baseline="0" dirty="0" smtClean="0"/>
-          </a:p>
-          <a:p>
+              <a:t> placing a move, the state resulting from that move would have higher values for the AI and because the tile is now </a:t>
+            </a:r>
+            <a:r>
+              <a:rPr lang="en-US" baseline="0" dirty="0" err="1" smtClean="0"/>
+              <a:t>occuppied</a:t>
+            </a:r>
             <a:r>
               <a:rPr lang="en-US" baseline="0" dirty="0" smtClean="0"/>
-              <a:t> If the other player was going to make a winning move as result of the current move, then this move should not be made and should be </a:t>
-            </a:r>
-            <a:r>
-              <a:rPr lang="en-US" baseline="0" dirty="0" err="1" smtClean="0"/>
-              <a:t>prunned</a:t>
-            </a:r>
-            <a:r>
-              <a:rPr lang="en-US" baseline="0" dirty="0" smtClean="0"/>
-              <a:t> away.</a:t>
+              <a:t>, decrease the worth to the adversary</a:t>
             </a:r>
             <a:endParaRPr lang="en-US" dirty="0" smtClean="0"/>
           </a:p>
@@ -1348,14 +1339,6 @@
           <a:bodyPr/>
           <a:lstStyle/>
           <a:p>
-            <a:r>
-              <a:rPr lang="en-US" dirty="0" smtClean="0"/>
-              <a:t>Needed</a:t>
-            </a:r>
-            <a:r>
-              <a:rPr lang="en-US" baseline="0" dirty="0" smtClean="0"/>
-              <a:t> to modify algorithm to have higher priority for better moves than just moves that helped it to win</a:t>
-            </a:r>
             <a:endParaRPr lang="en-US" dirty="0" smtClean="0"/>
           </a:p>
         </p:txBody>
@@ -1826,7 +1809,7 @@
           <a:p>
             <a:fld id="{5A66AF80-B104-49B0-AE6F-8E381139FF3B}" type="datetimeFigureOut">
               <a:rPr lang="en-US" smtClean="0"/>
-              <a:t>12/1/2015</a:t>
+              <a:t>12/2/2015</a:t>
             </a:fld>
             <a:endParaRPr lang="en-US" dirty="0"/>
           </a:p>
@@ -1996,7 +1979,7 @@
           <a:p>
             <a:fld id="{5A66AF80-B104-49B0-AE6F-8E381139FF3B}" type="datetimeFigureOut">
               <a:rPr lang="en-US" smtClean="0"/>
-              <a:t>12/1/2015</a:t>
+              <a:t>12/2/2015</a:t>
             </a:fld>
             <a:endParaRPr lang="en-US" dirty="0"/>
           </a:p>
@@ -2176,7 +2159,7 @@
           <a:p>
             <a:fld id="{5A66AF80-B104-49B0-AE6F-8E381139FF3B}" type="datetimeFigureOut">
               <a:rPr lang="en-US" smtClean="0"/>
-              <a:t>12/1/2015</a:t>
+              <a:t>12/2/2015</a:t>
             </a:fld>
             <a:endParaRPr lang="en-US" dirty="0"/>
           </a:p>
@@ -2346,7 +2329,7 @@
           <a:p>
             <a:fld id="{5A66AF80-B104-49B0-AE6F-8E381139FF3B}" type="datetimeFigureOut">
               <a:rPr lang="en-US" smtClean="0"/>
-              <a:t>12/1/2015</a:t>
+              <a:t>12/2/2015</a:t>
             </a:fld>
             <a:endParaRPr lang="en-US" dirty="0"/>
           </a:p>
@@ -2592,7 +2575,7 @@
           <a:p>
             <a:fld id="{5A66AF80-B104-49B0-AE6F-8E381139FF3B}" type="datetimeFigureOut">
               <a:rPr lang="en-US" smtClean="0"/>
-              <a:t>12/1/2015</a:t>
+              <a:t>12/2/2015</a:t>
             </a:fld>
             <a:endParaRPr lang="en-US" dirty="0"/>
           </a:p>
@@ -2880,7 +2863,7 @@
           <a:p>
             <a:fld id="{5A66AF80-B104-49B0-AE6F-8E381139FF3B}" type="datetimeFigureOut">
               <a:rPr lang="en-US" smtClean="0"/>
-              <a:t>12/1/2015</a:t>
+              <a:t>12/2/2015</a:t>
             </a:fld>
             <a:endParaRPr lang="en-US" dirty="0"/>
           </a:p>
@@ -3302,7 +3285,7 @@
           <a:p>
             <a:fld id="{5A66AF80-B104-49B0-AE6F-8E381139FF3B}" type="datetimeFigureOut">
               <a:rPr lang="en-US" smtClean="0"/>
-              <a:t>12/1/2015</a:t>
+              <a:t>12/2/2015</a:t>
             </a:fld>
             <a:endParaRPr lang="en-US" dirty="0"/>
           </a:p>
@@ -3420,7 +3403,7 @@
           <a:p>
             <a:fld id="{5A66AF80-B104-49B0-AE6F-8E381139FF3B}" type="datetimeFigureOut">
               <a:rPr lang="en-US" smtClean="0"/>
-              <a:t>12/1/2015</a:t>
+              <a:t>12/2/2015</a:t>
             </a:fld>
             <a:endParaRPr lang="en-US" dirty="0"/>
           </a:p>
@@ -3515,7 +3498,7 @@
           <a:p>
             <a:fld id="{5A66AF80-B104-49B0-AE6F-8E381139FF3B}" type="datetimeFigureOut">
               <a:rPr lang="en-US" smtClean="0"/>
-              <a:t>12/1/2015</a:t>
+              <a:t>12/2/2015</a:t>
             </a:fld>
             <a:endParaRPr lang="en-US" dirty="0"/>
           </a:p>
@@ -3792,7 +3775,7 @@
           <a:p>
             <a:fld id="{5A66AF80-B104-49B0-AE6F-8E381139FF3B}" type="datetimeFigureOut">
               <a:rPr lang="en-US" smtClean="0"/>
-              <a:t>12/1/2015</a:t>
+              <a:t>12/2/2015</a:t>
             </a:fld>
             <a:endParaRPr lang="en-US" dirty="0"/>
           </a:p>
@@ -4045,7 +4028,7 @@
           <a:p>
             <a:fld id="{5A66AF80-B104-49B0-AE6F-8E381139FF3B}" type="datetimeFigureOut">
               <a:rPr lang="en-US" smtClean="0"/>
-              <a:t>12/1/2015</a:t>
+              <a:t>12/2/2015</a:t>
             </a:fld>
             <a:endParaRPr lang="en-US" dirty="0"/>
           </a:p>
@@ -4258,7 +4241,7 @@
           <a:p>
             <a:fld id="{5A66AF80-B104-49B0-AE6F-8E381139FF3B}" type="datetimeFigureOut">
               <a:rPr lang="en-US" smtClean="0"/>
-              <a:t>12/1/2015</a:t>
+              <a:t>12/2/2015</a:t>
             </a:fld>
             <a:endParaRPr lang="en-US" dirty="0"/>
           </a:p>
@@ -4650,11 +4633,7 @@
           <a:p>
             <a:r>
               <a:rPr lang="en-US" dirty="0" smtClean="0"/>
-              <a:t>Four </a:t>
-            </a:r>
-            <a:r>
-              <a:rPr lang="en-US" dirty="0" smtClean="0"/>
-              <a:t>in A Row</a:t>
+              <a:t>Four in A Row</a:t>
             </a:r>
             <a:endParaRPr lang="en-US" dirty="0"/>
           </a:p>
@@ -4851,19 +4830,19 @@
             <a:pPr algn="l"/>
             <a:r>
               <a:rPr lang="en-US" sz="2000" dirty="0" smtClean="0"/>
-              <a:t>By: Reduce </a:t>
+              <a:t>By </a:t>
             </a:r>
             <a:r>
               <a:rPr lang="en-US" sz="2000" dirty="0" smtClean="0"/>
-              <a:t>branching </a:t>
+              <a:t>r</a:t>
             </a:r>
             <a:r>
               <a:rPr lang="en-US" sz="2000" dirty="0" smtClean="0"/>
-              <a:t>factor, we are able to speed </a:t>
+              <a:t>educing </a:t>
             </a:r>
             <a:r>
               <a:rPr lang="en-US" sz="2000" dirty="0" smtClean="0"/>
-              <a:t>up algorithm. This gives it more time to evaluate better branches to a larger depth</a:t>
+              <a:t>branching factor, we are able to speed up algorithm. This gives it more time to evaluate better branches to a larger depth</a:t>
             </a:r>
             <a:endParaRPr lang="en-US" sz="2000" dirty="0"/>
           </a:p>
@@ -5079,7 +5058,7 @@
         <p:spPr>
           <a:xfrm>
             <a:off x="762000" y="1447800"/>
-            <a:ext cx="7543800" cy="4191000"/>
+            <a:ext cx="7543800" cy="4953000"/>
           </a:xfrm>
         </p:spPr>
         <p:txBody>
@@ -5148,16 +5127,20 @@
             </a:pPr>
             <a:r>
               <a:rPr lang="en-US" sz="1600" dirty="0" smtClean="0"/>
-              <a:t>This led to occasional bad moves of the AI where it would place tiles very far from its own tiles and </a:t>
-            </a:r>
-            <a:r>
-              <a:rPr lang="en-US" sz="1600" dirty="0" smtClean="0"/>
-              <a:t>from the adversary’s </a:t>
+              <a:t>This led to occasional bad moves of the AI where it would place tiles very far from its own tiles and from the adversary’s </a:t>
             </a:r>
             <a:r>
               <a:rPr lang="en-US" sz="1600" dirty="0" smtClean="0"/>
               <a:t>tiles</a:t>
             </a:r>
+          </a:p>
+          <a:p>
+            <a:pPr algn="l"/>
+            <a:r>
+              <a:rPr lang="en-US" sz="2000" dirty="0" smtClean="0"/>
+              <a:t>Revised Utility Function</a:t>
+            </a:r>
+            <a:endParaRPr lang="en-US" sz="2000" dirty="0"/>
           </a:p>
           <a:p>
             <a:pPr marL="800100" lvl="1" indent="-342900" algn="l">
@@ -5165,8 +5148,12 @@
               <a:buChar char="•"/>
             </a:pPr>
             <a:r>
+              <a:rPr lang="en-US" sz="1600" dirty="0"/>
+              <a:t>Algorithm was adjusted to base tile values only it’s own color. Each tile thus had two values, it’s worth to the AI and it’s worth to the </a:t>
+            </a:r>
+            <a:r>
               <a:rPr lang="en-US" sz="1600" dirty="0" smtClean="0"/>
-              <a:t>Algorithm was adjusted to base tile values only it’s own color. Each tile thus had two values, it’s worth to the AI and it’s worth to the adversary</a:t>
+              <a:t>adversary</a:t>
             </a:r>
           </a:p>
           <a:p>
@@ -5176,9 +5163,16 @@
             </a:pPr>
             <a:r>
               <a:rPr lang="en-US" sz="1600" dirty="0" smtClean="0"/>
-              <a:t>Had to alpha-beta pruning to take the min and max of the adversary’s tiles values and not it’s own tile’s values when pruning. </a:t>
+              <a:t>The value of each state was recalculated to the be sum of all tiles’ worth to AI minus the sum of all tiles’ worth to the adversary</a:t>
             </a:r>
             <a:endParaRPr lang="en-US" sz="1600" dirty="0"/>
+          </a:p>
+          <a:p>
+            <a:pPr marL="800100" lvl="1" indent="-342900" algn="l">
+              <a:buFont typeface="Arial" panose="020B0604020202020204" pitchFamily="34" charset="0"/>
+              <a:buChar char="•"/>
+            </a:pPr>
+            <a:endParaRPr lang="en-US" sz="1600" dirty="0" smtClean="0"/>
           </a:p>
         </p:txBody>
       </p:sp>
@@ -5234,7 +5228,11 @@
           <a:p>
             <a:r>
               <a:rPr lang="en-US" dirty="0" smtClean="0"/>
-              <a:t>Improving Utility Function</a:t>
+              <a:t>Result of New </a:t>
+            </a:r>
+            <a:r>
+              <a:rPr lang="en-US" dirty="0" smtClean="0"/>
+              <a:t>Utility Function</a:t>
             </a:r>
             <a:endParaRPr lang="en-US" dirty="0"/>
           </a:p>
@@ -5268,8 +5266,37 @@
             </a:pPr>
             <a:r>
               <a:rPr lang="en-US" sz="2000" dirty="0" smtClean="0"/>
-              <a:t>Algorithm still wasn’t very good. </a:t>
-            </a:r>
+              <a:t>Before the algorithm wasn’t </a:t>
+            </a:r>
+            <a:r>
+              <a:rPr lang="en-US" sz="2000" dirty="0" smtClean="0"/>
+              <a:t>very good. </a:t>
+            </a:r>
+          </a:p>
+          <a:p>
+            <a:pPr marL="800100" lvl="1" indent="-342900" algn="l">
+              <a:buFont typeface="Arial" panose="020B0604020202020204" pitchFamily="34" charset="0"/>
+              <a:buChar char="•"/>
+            </a:pPr>
+            <a:r>
+              <a:rPr lang="en-US" sz="1600" dirty="0" smtClean="0"/>
+              <a:t>Values for good moves and better moves were the </a:t>
+            </a:r>
+            <a:r>
+              <a:rPr lang="en-US" sz="1600" dirty="0" smtClean="0"/>
+              <a:t>same</a:t>
+            </a:r>
+          </a:p>
+          <a:p>
+            <a:pPr marL="800100" lvl="1" indent="-342900" algn="l">
+              <a:buFont typeface="Arial" panose="020B0604020202020204" pitchFamily="34" charset="0"/>
+              <a:buChar char="•"/>
+            </a:pPr>
+            <a:r>
+              <a:rPr lang="en-US" sz="1600" dirty="0" smtClean="0"/>
+              <a:t>Some bad moves looked more appealing than actual good moves</a:t>
+            </a:r>
+            <a:endParaRPr lang="en-US" sz="1600" dirty="0" smtClean="0"/>
           </a:p>
           <a:p>
             <a:pPr marL="342900" indent="-342900" algn="l">
@@ -5278,7 +5305,33 @@
             </a:pPr>
             <a:r>
               <a:rPr lang="en-US" sz="2000" dirty="0" smtClean="0"/>
-              <a:t>Values for good moves and better moves were the same</a:t>
+              <a:t>Modified algorithm </a:t>
+            </a:r>
+            <a:r>
+              <a:rPr lang="en-US" sz="2000" dirty="0" smtClean="0"/>
+              <a:t>now has have </a:t>
+            </a:r>
+            <a:r>
+              <a:rPr lang="en-US" sz="2000" dirty="0" smtClean="0"/>
+              <a:t>higher values for better moves</a:t>
+            </a:r>
+          </a:p>
+          <a:p>
+            <a:pPr marL="800100" lvl="1" indent="-342900" algn="l">
+              <a:buFont typeface="Arial" panose="020B0604020202020204" pitchFamily="34" charset="0"/>
+              <a:buChar char="•"/>
+            </a:pPr>
+            <a:r>
+              <a:rPr lang="en-US" sz="1600" dirty="0" smtClean="0"/>
+              <a:t>A move that helped make a 4 in a row for the AI AND blocks the opponent </a:t>
+            </a:r>
+            <a:r>
+              <a:rPr lang="en-US" sz="1600" dirty="0" smtClean="0"/>
+              <a:t>now seems better </a:t>
+            </a:r>
+            <a:r>
+              <a:rPr lang="en-US" sz="1600" dirty="0" smtClean="0"/>
+              <a:t>than a move that only makes a 4 in a row</a:t>
             </a:r>
           </a:p>
           <a:p>
@@ -5286,10 +5339,7 @@
               <a:buFont typeface="Arial" panose="020B0604020202020204" pitchFamily="34" charset="0"/>
               <a:buChar char="•"/>
             </a:pPr>
-            <a:r>
-              <a:rPr lang="en-US" sz="2000" dirty="0" smtClean="0"/>
-              <a:t>Modified algorithm to have higher values for better moves</a:t>
-            </a:r>
+            <a:endParaRPr lang="en-US" sz="1600" dirty="0" smtClean="0"/>
           </a:p>
           <a:p>
             <a:pPr marL="342900" indent="-342900" algn="l">
@@ -5297,38 +5347,10 @@
               <a:buChar char="•"/>
             </a:pPr>
             <a:r>
-              <a:rPr lang="en-US" sz="2000" dirty="0" smtClean="0"/>
-              <a:t>A move that helped make a 4 in a row for the AI AND blocks the opponent is better than a move that only makes a 4 in a row</a:t>
-            </a:r>
-          </a:p>
-          <a:p>
-            <a:pPr marL="342900" indent="-342900" algn="l">
-              <a:buFont typeface="Arial" panose="020B0604020202020204" pitchFamily="34" charset="0"/>
-              <a:buChar char="•"/>
-            </a:pPr>
-            <a:r>
-              <a:rPr lang="en-US" sz="2000" dirty="0" smtClean="0">
-                <a:solidFill>
-                  <a:srgbClr val="FF0000"/>
-                </a:solidFill>
-              </a:rPr>
-              <a:t>Value = same tiles distance 4 away + 1 if will block the opponent</a:t>
-            </a:r>
-            <a:endParaRPr lang="en-US" sz="2000" dirty="0">
-              <a:solidFill>
-                <a:srgbClr val="FF0000"/>
-              </a:solidFill>
-            </a:endParaRPr>
-          </a:p>
-          <a:p>
-            <a:pPr marL="342900" indent="-342900" algn="l">
-              <a:buFont typeface="Arial" panose="020B0604020202020204" pitchFamily="34" charset="0"/>
-              <a:buChar char="•"/>
-            </a:pPr>
-            <a:r>
               <a:rPr lang="en-US" sz="1600" dirty="0" smtClean="0"/>
               <a:t>Given</a:t>
             </a:r>
+            <a:endParaRPr lang="en-US" sz="1600" dirty="0" smtClean="0"/>
           </a:p>
           <a:p>
             <a:pPr marL="342900" indent="-342900" algn="l">
@@ -5349,13 +5371,20 @@
               <a:buFont typeface="Arial" panose="020B0604020202020204" pitchFamily="34" charset="0"/>
               <a:buChar char="•"/>
             </a:pPr>
+            <a:endParaRPr lang="en-US" sz="1600" dirty="0" smtClean="0"/>
+          </a:p>
+          <a:p>
+            <a:pPr marL="342900" indent="-342900" algn="l">
+              <a:buFont typeface="Arial" panose="020B0604020202020204" pitchFamily="34" charset="0"/>
+              <a:buChar char="•"/>
+            </a:pPr>
             <a:r>
               <a:rPr lang="en-US" sz="1600" dirty="0" smtClean="0"/>
-              <a:t>Better to do                  than </a:t>
+              <a:t>Better </a:t>
             </a:r>
             <a:r>
               <a:rPr lang="en-US" sz="1600" dirty="0" smtClean="0"/>
-              <a:t> </a:t>
+              <a:t>to do                  than  </a:t>
             </a:r>
             <a:endParaRPr lang="en-US" sz="1600" dirty="0"/>
           </a:p>
@@ -5370,13 +5399,13 @@
           <p:nvPr>
             <p:extLst>
               <p:ext uri="{D42A27DB-BD31-4B8C-83A1-F6EECF244321}">
-                <p14:modId xmlns:p14="http://schemas.microsoft.com/office/powerpoint/2010/main" val="1956447043"/>
+                <p14:modId xmlns:p14="http://schemas.microsoft.com/office/powerpoint/2010/main" val="1320435111"/>
               </p:ext>
             </p:extLst>
           </p:nvPr>
         </p:nvGraphicFramePr>
         <p:xfrm>
-          <a:off x="1752600" y="3581400"/>
+          <a:off x="1752600" y="3733800"/>
           <a:ext cx="584200" cy="952500"/>
         </p:xfrm>
         <a:graphic>
@@ -7019,7 +7048,15 @@
             </a:pPr>
             <a:r>
               <a:rPr lang="en-US" sz="2000" dirty="0" smtClean="0"/>
-              <a:t>Against our original AI that compared tile values of both itself and the adversary, the algorithm was very good</a:t>
+              <a:t>Against our original AI </a:t>
+            </a:r>
+            <a:r>
+              <a:rPr lang="en-US" sz="2000" dirty="0" smtClean="0"/>
+              <a:t>with the original utility function, </a:t>
+            </a:r>
+            <a:r>
+              <a:rPr lang="en-US" sz="2000" dirty="0" smtClean="0"/>
+              <a:t>the algorithm was very good</a:t>
             </a:r>
           </a:p>
           <a:p>
@@ -7029,8 +7066,13 @@
             </a:pPr>
             <a:r>
               <a:rPr lang="en-US" sz="1600" dirty="0" smtClean="0"/>
-              <a:t>This was because the original AI had a higher chance of wasting bad moves</a:t>
-            </a:r>
+              <a:t>This was because the original AI </a:t>
+            </a:r>
+            <a:r>
+              <a:rPr lang="en-US" sz="1600" dirty="0" smtClean="0"/>
+              <a:t>would make occasional very bad moves</a:t>
+            </a:r>
+            <a:endParaRPr lang="en-US" sz="1600" dirty="0" smtClean="0"/>
           </a:p>
           <a:p>
             <a:pPr algn="l"/>
@@ -7190,7 +7232,6 @@
               <a:rPr lang="en-US" sz="2000" dirty="0" smtClean="0"/>
               <a:t>Timing</a:t>
             </a:r>
-            <a:endParaRPr lang="en-US" sz="2000" dirty="0" smtClean="0"/>
           </a:p>
           <a:p>
             <a:pPr marL="342900" indent="-342900" algn="l">
@@ -7315,15 +7356,7 @@
           <a:p>
             <a:r>
               <a:rPr lang="en-US" dirty="0" smtClean="0"/>
-              <a:t>Problems with </a:t>
-            </a:r>
-            <a:r>
-              <a:rPr lang="en-US" dirty="0" smtClean="0"/>
-              <a:t>the </a:t>
-            </a:r>
-            <a:r>
-              <a:rPr lang="en-US" dirty="0" smtClean="0"/>
-              <a:t>Algorithm</a:t>
+              <a:t>Problems with the Algorithm</a:t>
             </a:r>
             <a:endParaRPr lang="en-US" dirty="0"/>
           </a:p>
@@ -7506,13 +7539,8 @@
             <a:pPr algn="l"/>
             <a:r>
               <a:rPr lang="en-US" sz="2000" dirty="0" smtClean="0"/>
-              <a:t>Going first has a </a:t>
-            </a:r>
-            <a:r>
-              <a:rPr lang="en-US" sz="2000" dirty="0" smtClean="0"/>
-              <a:t>great advantage</a:t>
-            </a:r>
-            <a:endParaRPr lang="en-US" sz="2000" dirty="0" smtClean="0"/>
+              <a:t>Going first has a great advantage</a:t>
+            </a:r>
           </a:p>
           <a:p>
             <a:pPr algn="l"/>
@@ -7535,11 +7563,7 @@
             <a:pPr algn="l"/>
             <a:r>
               <a:rPr lang="en-US" sz="2000" dirty="0" smtClean="0"/>
-              <a:t>Large </a:t>
-            </a:r>
-            <a:r>
-              <a:rPr lang="en-US" sz="2000" dirty="0" smtClean="0"/>
-              <a:t>depth matters more later in the game</a:t>
+              <a:t>Large depth matters more later in the game</a:t>
             </a:r>
           </a:p>
           <a:p>
@@ -7586,11 +7610,7 @@
             </a:pPr>
             <a:r>
               <a:rPr lang="en-US" sz="2000" dirty="0" smtClean="0"/>
-              <a:t>AI’s moves will take too long when depth </a:t>
-            </a:r>
-            <a:r>
-              <a:rPr lang="en-US" sz="2000" dirty="0" smtClean="0"/>
-              <a:t>increases</a:t>
+              <a:t>AI’s moves will take too long when depth increases</a:t>
             </a:r>
           </a:p>
           <a:p>
@@ -8304,11 +8324,7 @@
             </a:pPr>
             <a:r>
               <a:rPr lang="en-US" sz="1600" dirty="0" smtClean="0"/>
-              <a:t>Need to chain tiles together to </a:t>
-            </a:r>
-            <a:r>
-              <a:rPr lang="en-US" sz="1600" dirty="0" smtClean="0"/>
-              <a:t>win</a:t>
+              <a:t>Need to chain tiles together to win</a:t>
             </a:r>
           </a:p>
           <a:p>
@@ -8409,11 +8425,7 @@
             </a:pPr>
             <a:r>
               <a:rPr lang="en-US" sz="2000" dirty="0" smtClean="0"/>
-              <a:t>Linear utility </a:t>
-            </a:r>
-            <a:r>
-              <a:rPr lang="en-US" sz="2000" dirty="0" smtClean="0"/>
-              <a:t>function not completely ideal. Winning moves need to have a higher value so that these moves are committed to first.</a:t>
+              <a:t>Linear utility function not completely ideal. Winning moves need to have a higher value so that these moves are committed to first.</a:t>
             </a:r>
           </a:p>
         </p:txBody>

--- a/Presentation.pptx
+++ b/Presentation.pptx
@@ -125,7 +125,7 @@
   </p:defaultTextStyle>
   <p:extLst>
     <p:ext uri="{EFAFB233-063F-42B5-8137-9DF3F51BA10A}">
-      <p15:sldGuideLst xmlns:p15="http://schemas.microsoft.com/office/powerpoint/2012/main" xmlns="">
+      <p15:sldGuideLst xmlns="" xmlns:p15="http://schemas.microsoft.com/office/powerpoint/2012/main">
         <p15:guide id="1" orient="horz" pos="2160">
           <p15:clr>
             <a:srgbClr val="A4A3A4"/>
@@ -4830,19 +4830,7 @@
             <a:pPr algn="l"/>
             <a:r>
               <a:rPr lang="en-US" sz="2000" dirty="0" smtClean="0"/>
-              <a:t>By </a:t>
-            </a:r>
-            <a:r>
-              <a:rPr lang="en-US" sz="2000" dirty="0" smtClean="0"/>
-              <a:t>r</a:t>
-            </a:r>
-            <a:r>
-              <a:rPr lang="en-US" sz="2000" dirty="0" smtClean="0"/>
-              <a:t>educing </a:t>
-            </a:r>
-            <a:r>
-              <a:rPr lang="en-US" sz="2000" dirty="0" smtClean="0"/>
-              <a:t>branching factor, we are able to speed up algorithm. This gives it more time to evaluate better branches to a larger depth</a:t>
+              <a:t>By reducing branching factor, we are able to speed up algorithm. This gives it more time to evaluate better branches to a larger depth</a:t>
             </a:r>
             <a:endParaRPr lang="en-US" sz="2000" dirty="0"/>
           </a:p>
@@ -5127,11 +5115,7 @@
             </a:pPr>
             <a:r>
               <a:rPr lang="en-US" sz="1600" dirty="0" smtClean="0"/>
-              <a:t>This led to occasional bad moves of the AI where it would place tiles very far from its own tiles and from the adversary’s </a:t>
-            </a:r>
-            <a:r>
-              <a:rPr lang="en-US" sz="1600" dirty="0" smtClean="0"/>
-              <a:t>tiles</a:t>
+              <a:t>This led to occasional bad moves of the AI where it would place tiles very far from its own tiles and from the adversary’s tiles</a:t>
             </a:r>
           </a:p>
           <a:p>
@@ -5228,11 +5212,7 @@
           <a:p>
             <a:r>
               <a:rPr lang="en-US" dirty="0" smtClean="0"/>
-              <a:t>Result of New </a:t>
-            </a:r>
-            <a:r>
-              <a:rPr lang="en-US" dirty="0" smtClean="0"/>
-              <a:t>Utility Function</a:t>
+              <a:t>Result of New Utility Function</a:t>
             </a:r>
             <a:endParaRPr lang="en-US" dirty="0"/>
           </a:p>
@@ -5266,11 +5246,7 @@
             </a:pPr>
             <a:r>
               <a:rPr lang="en-US" sz="2000" dirty="0" smtClean="0"/>
-              <a:t>Before the algorithm wasn’t </a:t>
-            </a:r>
-            <a:r>
-              <a:rPr lang="en-US" sz="2000" dirty="0" smtClean="0"/>
-              <a:t>very good. </a:t>
+              <a:t>Before the algorithm wasn’t very good. </a:t>
             </a:r>
           </a:p>
           <a:p>
@@ -5280,11 +5256,19 @@
             </a:pPr>
             <a:r>
               <a:rPr lang="en-US" sz="1600" dirty="0" smtClean="0"/>
-              <a:t>Values for good moves and better moves were the </a:t>
+              <a:t>Values </a:t>
+            </a:r>
+            <a:r>
+              <a:rPr lang="en-US" sz="1600" smtClean="0"/>
+              <a:t>for </a:t>
+            </a:r>
+            <a:r>
+              <a:rPr lang="en-US" sz="1600" smtClean="0"/>
+              <a:t>some good </a:t>
             </a:r>
             <a:r>
               <a:rPr lang="en-US" sz="1600" dirty="0" smtClean="0"/>
-              <a:t>same</a:t>
+              <a:t>moves and better moves were the same</a:t>
             </a:r>
           </a:p>
           <a:p>
@@ -5296,7 +5280,6 @@
               <a:rPr lang="en-US" sz="1600" dirty="0" smtClean="0"/>
               <a:t>Some bad moves looked more appealing than actual good moves</a:t>
             </a:r>
-            <a:endParaRPr lang="en-US" sz="1600" dirty="0" smtClean="0"/>
           </a:p>
           <a:p>
             <a:pPr marL="342900" indent="-342900" algn="l">
@@ -5305,15 +5288,7 @@
             </a:pPr>
             <a:r>
               <a:rPr lang="en-US" sz="2000" dirty="0" smtClean="0"/>
-              <a:t>Modified algorithm </a:t>
-            </a:r>
-            <a:r>
-              <a:rPr lang="en-US" sz="2000" dirty="0" smtClean="0"/>
-              <a:t>now has have </a:t>
-            </a:r>
-            <a:r>
-              <a:rPr lang="en-US" sz="2000" dirty="0" smtClean="0"/>
-              <a:t>higher values for better moves</a:t>
+              <a:t>Modified algorithm now has have higher values for better moves</a:t>
             </a:r>
           </a:p>
           <a:p>
@@ -5323,15 +5298,7 @@
             </a:pPr>
             <a:r>
               <a:rPr lang="en-US" sz="1600" dirty="0" smtClean="0"/>
-              <a:t>A move that helped make a 4 in a row for the AI AND blocks the opponent </a:t>
-            </a:r>
-            <a:r>
-              <a:rPr lang="en-US" sz="1600" dirty="0" smtClean="0"/>
-              <a:t>now seems better </a:t>
-            </a:r>
-            <a:r>
-              <a:rPr lang="en-US" sz="1600" dirty="0" smtClean="0"/>
-              <a:t>than a move that only makes a 4 in a row</a:t>
+              <a:t>A move that helped make a 4 in a row for the AI AND blocks the opponent now seems better than a move that only makes a 4 in a row</a:t>
             </a:r>
           </a:p>
           <a:p>
@@ -5350,7 +5317,6 @@
               <a:rPr lang="en-US" sz="1600" dirty="0" smtClean="0"/>
               <a:t>Given</a:t>
             </a:r>
-            <a:endParaRPr lang="en-US" sz="1600" dirty="0" smtClean="0"/>
           </a:p>
           <a:p>
             <a:pPr marL="342900" indent="-342900" algn="l">
@@ -5380,11 +5346,7 @@
             </a:pPr>
             <a:r>
               <a:rPr lang="en-US" sz="1600" dirty="0" smtClean="0"/>
-              <a:t>Better </a:t>
-            </a:r>
-            <a:r>
-              <a:rPr lang="en-US" sz="1600" dirty="0" smtClean="0"/>
-              <a:t>to do                  than  </a:t>
+              <a:t>Better to do                  than  </a:t>
             </a:r>
             <a:endParaRPr lang="en-US" sz="1600" dirty="0"/>
           </a:p>
@@ -7048,15 +7010,7 @@
             </a:pPr>
             <a:r>
               <a:rPr lang="en-US" sz="2000" dirty="0" smtClean="0"/>
-              <a:t>Against our original AI </a:t>
-            </a:r>
-            <a:r>
-              <a:rPr lang="en-US" sz="2000" dirty="0" smtClean="0"/>
-              <a:t>with the original utility function, </a:t>
-            </a:r>
-            <a:r>
-              <a:rPr lang="en-US" sz="2000" dirty="0" smtClean="0"/>
-              <a:t>the algorithm was very good</a:t>
+              <a:t>Against our original AI with the original utility function, the algorithm was very good</a:t>
             </a:r>
           </a:p>
           <a:p>
@@ -7066,13 +7020,8 @@
             </a:pPr>
             <a:r>
               <a:rPr lang="en-US" sz="1600" dirty="0" smtClean="0"/>
-              <a:t>This was because the original AI </a:t>
-            </a:r>
-            <a:r>
-              <a:rPr lang="en-US" sz="1600" dirty="0" smtClean="0"/>
-              <a:t>would make occasional very bad moves</a:t>
-            </a:r>
-            <a:endParaRPr lang="en-US" sz="1600" dirty="0" smtClean="0"/>
+              <a:t>This was because the original AI would make occasional very bad moves</a:t>
+            </a:r>
           </a:p>
           <a:p>
             <a:pPr algn="l"/>

--- a/Presentation.pptx
+++ b/Presentation.pptx
@@ -5,26 +5,25 @@
     <p:sldMasterId id="2147483648" r:id="rId1"/>
   </p:sldMasterIdLst>
   <p:notesMasterIdLst>
-    <p:notesMasterId r:id="rId19"/>
+    <p:notesMasterId r:id="rId18"/>
   </p:notesMasterIdLst>
   <p:sldIdLst>
     <p:sldId id="256" r:id="rId2"/>
-    <p:sldId id="257" r:id="rId3"/>
-    <p:sldId id="258" r:id="rId4"/>
+    <p:sldId id="258" r:id="rId3"/>
+    <p:sldId id="259" r:id="rId4"/>
     <p:sldId id="261" r:id="rId5"/>
     <p:sldId id="260" r:id="rId6"/>
-    <p:sldId id="259" r:id="rId7"/>
-    <p:sldId id="262" r:id="rId8"/>
-    <p:sldId id="263" r:id="rId9"/>
-    <p:sldId id="271" r:id="rId10"/>
-    <p:sldId id="264" r:id="rId11"/>
-    <p:sldId id="272" r:id="rId12"/>
-    <p:sldId id="268" r:id="rId13"/>
-    <p:sldId id="273" r:id="rId14"/>
-    <p:sldId id="265" r:id="rId15"/>
-    <p:sldId id="266" r:id="rId16"/>
-    <p:sldId id="269" r:id="rId17"/>
-    <p:sldId id="270" r:id="rId18"/>
+    <p:sldId id="262" r:id="rId7"/>
+    <p:sldId id="263" r:id="rId8"/>
+    <p:sldId id="271" r:id="rId9"/>
+    <p:sldId id="264" r:id="rId10"/>
+    <p:sldId id="272" r:id="rId11"/>
+    <p:sldId id="268" r:id="rId12"/>
+    <p:sldId id="273" r:id="rId13"/>
+    <p:sldId id="265" r:id="rId14"/>
+    <p:sldId id="266" r:id="rId15"/>
+    <p:sldId id="269" r:id="rId16"/>
+    <p:sldId id="270" r:id="rId17"/>
   </p:sldIdLst>
   <p:sldSz cx="9144000" cy="6858000" type="screen4x3"/>
   <p:notesSz cx="6858000" cy="9144000"/>
@@ -125,7 +124,7 @@
   </p:defaultTextStyle>
   <p:extLst>
     <p:ext uri="{EFAFB233-063F-42B5-8137-9DF3F51BA10A}">
-      <p15:sldGuideLst xmlns="" xmlns:p15="http://schemas.microsoft.com/office/powerpoint/2012/main">
+      <p15:sldGuideLst xmlns:p15="http://schemas.microsoft.com/office/powerpoint/2012/main">
         <p15:guide id="1" orient="horz" pos="2160">
           <p15:clr>
             <a:srgbClr val="A4A3A4"/>
@@ -589,7 +588,7 @@
           <a:p>
             <a:fld id="{90E07049-BCFC-4BE9-BA06-3BBAAC671169}" type="slidenum">
               <a:rPr lang="en-US" smtClean="0"/>
-              <a:t>7</a:t>
+              <a:t>6</a:t>
             </a:fld>
             <a:endParaRPr lang="en-US" dirty="0"/>
           </a:p>
@@ -723,7 +722,7 @@
           <a:p>
             <a:fld id="{90E07049-BCFC-4BE9-BA06-3BBAAC671169}" type="slidenum">
               <a:rPr lang="en-US" smtClean="0"/>
-              <a:t>8</a:t>
+              <a:t>7</a:t>
             </a:fld>
             <a:endParaRPr lang="en-US" dirty="0"/>
           </a:p>
@@ -857,7 +856,7 @@
           <a:p>
             <a:fld id="{90E07049-BCFC-4BE9-BA06-3BBAAC671169}" type="slidenum">
               <a:rPr lang="en-US" smtClean="0"/>
-              <a:t>9</a:t>
+              <a:t>8</a:t>
             </a:fld>
             <a:endParaRPr lang="en-US" dirty="0"/>
           </a:p>
@@ -1011,7 +1010,7 @@
           <a:p>
             <a:fld id="{90E07049-BCFC-4BE9-BA06-3BBAAC671169}" type="slidenum">
               <a:rPr lang="en-US" smtClean="0"/>
-              <a:t>10</a:t>
+              <a:t>9</a:t>
             </a:fld>
             <a:endParaRPr lang="en-US" dirty="0"/>
           </a:p>
@@ -1170,7 +1169,7 @@
           <a:p>
             <a:fld id="{90E07049-BCFC-4BE9-BA06-3BBAAC671169}" type="slidenum">
               <a:rPr lang="en-US" smtClean="0"/>
-              <a:t>11</a:t>
+              <a:t>10</a:t>
             </a:fld>
             <a:endParaRPr lang="en-US" dirty="0"/>
           </a:p>
@@ -1276,7 +1275,7 @@
           <a:p>
             <a:fld id="{90E07049-BCFC-4BE9-BA06-3BBAAC671169}" type="slidenum">
               <a:rPr lang="en-US" smtClean="0"/>
-              <a:t>12</a:t>
+              <a:t>11</a:t>
             </a:fld>
             <a:endParaRPr lang="en-US" dirty="0"/>
           </a:p>
@@ -1360,7 +1359,7 @@
           <a:p>
             <a:fld id="{90E07049-BCFC-4BE9-BA06-3BBAAC671169}" type="slidenum">
               <a:rPr lang="en-US" smtClean="0"/>
-              <a:t>13</a:t>
+              <a:t>12</a:t>
             </a:fld>
             <a:endParaRPr lang="en-US" dirty="0"/>
           </a:p>
@@ -1444,7 +1443,7 @@
           <a:p>
             <a:fld id="{90E07049-BCFC-4BE9-BA06-3BBAAC671169}" type="slidenum">
               <a:rPr lang="en-US" smtClean="0"/>
-              <a:t>15</a:t>
+              <a:t>14</a:t>
             </a:fld>
             <a:endParaRPr lang="en-US" dirty="0"/>
           </a:p>
@@ -1609,7 +1608,7 @@
           <a:p>
             <a:fld id="{90E07049-BCFC-4BE9-BA06-3BBAAC671169}" type="slidenum">
               <a:rPr lang="en-US" smtClean="0"/>
-              <a:t>17</a:t>
+              <a:t>16</a:t>
             </a:fld>
             <a:endParaRPr lang="en-US" dirty="0"/>
           </a:p>
@@ -4748,170 +4747,6 @@
         </p:spPr>
         <p:txBody>
           <a:bodyPr>
-            <a:normAutofit fontScale="92500" lnSpcReduction="20000"/>
-          </a:bodyPr>
-          <a:lstStyle/>
-          <a:p>
-            <a:pPr algn="l"/>
-            <a:r>
-              <a:rPr lang="en-US" sz="2000" dirty="0" smtClean="0"/>
-              <a:t>Even with Alpha Beta Pruning, the algorithm is too slow when we want Iterative Deepening to increase the depth more</a:t>
-            </a:r>
-          </a:p>
-          <a:p>
-            <a:pPr algn="l"/>
-            <a:r>
-              <a:rPr lang="en-US" sz="2000" dirty="0" smtClean="0"/>
-              <a:t>Not </a:t>
-            </a:r>
-            <a:r>
-              <a:rPr lang="en-US" sz="2000" dirty="0"/>
-              <a:t>all tiles are good to search</a:t>
-            </a:r>
-          </a:p>
-          <a:p>
-            <a:pPr marL="342900" indent="-342900" algn="l">
-              <a:buFont typeface="Arial" panose="020B0604020202020204" pitchFamily="34" charset="0"/>
-              <a:buChar char="•"/>
-            </a:pPr>
-            <a:r>
-              <a:rPr lang="en-US" sz="2000" dirty="0"/>
-              <a:t>Avoid branching on all of 64 tiles</a:t>
-            </a:r>
-          </a:p>
-          <a:p>
-            <a:pPr marL="342900" indent="-342900" algn="l">
-              <a:buFont typeface="Arial" panose="020B0604020202020204" pitchFamily="34" charset="0"/>
-              <a:buChar char="•"/>
-            </a:pPr>
-            <a:r>
-              <a:rPr lang="en-US" sz="2000" dirty="0"/>
-              <a:t>Ignore illegal moves</a:t>
-            </a:r>
-          </a:p>
-          <a:p>
-            <a:pPr marL="342900" indent="-342900" algn="l">
-              <a:buFont typeface="Arial" panose="020B0604020202020204" pitchFamily="34" charset="0"/>
-              <a:buChar char="•"/>
-            </a:pPr>
-            <a:r>
-              <a:rPr lang="en-US" sz="2000" dirty="0"/>
-              <a:t>Restrict branching to tiles near existing tiles. A distance of 4 away (since 4 moves needed to win)</a:t>
-            </a:r>
-          </a:p>
-          <a:p>
-            <a:pPr algn="l"/>
-            <a:r>
-              <a:rPr lang="en-US" sz="2000" dirty="0" smtClean="0"/>
-              <a:t>Even if some tiles are valid for expansion. Do not bother to expand if the tile’s value is too low.</a:t>
-            </a:r>
-          </a:p>
-          <a:p>
-            <a:pPr marL="342900" indent="-342900" algn="l">
-              <a:buFont typeface="Arial" panose="020B0604020202020204" pitchFamily="34" charset="0"/>
-              <a:buChar char="•"/>
-            </a:pPr>
-            <a:r>
-              <a:rPr lang="en-US" sz="2000" dirty="0" smtClean="0"/>
-              <a:t>Algorithm will look all values of available tiles and determine a threshold value. </a:t>
-            </a:r>
-          </a:p>
-          <a:p>
-            <a:pPr marL="342900" indent="-342900" algn="l">
-              <a:buFont typeface="Arial" panose="020B0604020202020204" pitchFamily="34" charset="0"/>
-              <a:buChar char="•"/>
-            </a:pPr>
-            <a:r>
-              <a:rPr lang="en-US" sz="2000" dirty="0" smtClean="0"/>
-              <a:t>Tiles with values below the threshold will not be expanded.</a:t>
-            </a:r>
-          </a:p>
-          <a:p>
-            <a:pPr algn="l"/>
-            <a:r>
-              <a:rPr lang="en-US" sz="2000" dirty="0" smtClean="0"/>
-              <a:t>By reducing branching factor, we are able to speed up algorithm. This gives it more time to evaluate better branches to a larger depth</a:t>
-            </a:r>
-            <a:endParaRPr lang="en-US" sz="2000" dirty="0"/>
-          </a:p>
-        </p:txBody>
-      </p:sp>
-    </p:spTree>
-    <p:extLst>
-      <p:ext uri="{BB962C8B-B14F-4D97-AF65-F5344CB8AC3E}">
-        <p14:creationId xmlns:p14="http://schemas.microsoft.com/office/powerpoint/2010/main" val="3352461406"/>
-      </p:ext>
-    </p:extLst>
-  </p:cSld>
-  <p:clrMapOvr>
-    <a:masterClrMapping/>
-  </p:clrMapOvr>
-</p:sld>
-</file>
-
-<file path=ppt/slides/slide11.xml><?xml version="1.0" encoding="utf-8"?>
-<p:sld xmlns:a="http://schemas.openxmlformats.org/drawingml/2006/main" xmlns:r="http://schemas.openxmlformats.org/officeDocument/2006/relationships" xmlns:p="http://schemas.openxmlformats.org/presentationml/2006/main">
-  <p:cSld>
-    <p:spTree>
-      <p:nvGrpSpPr>
-        <p:cNvPr id="1" name=""/>
-        <p:cNvGrpSpPr/>
-        <p:nvPr/>
-      </p:nvGrpSpPr>
-      <p:grpSpPr>
-        <a:xfrm>
-          <a:off x="0" y="0"/>
-          <a:ext cx="0" cy="0"/>
-          <a:chOff x="0" y="0"/>
-          <a:chExt cx="0" cy="0"/>
-        </a:xfrm>
-      </p:grpSpPr>
-      <p:sp>
-        <p:nvSpPr>
-          <p:cNvPr id="2" name="Title 1"/>
-          <p:cNvSpPr>
-            <a:spLocks noGrp="1"/>
-          </p:cNvSpPr>
-          <p:nvPr>
-            <p:ph type="ctrTitle"/>
-          </p:nvPr>
-        </p:nvSpPr>
-        <p:spPr>
-          <a:xfrm>
-            <a:off x="685800" y="381000"/>
-            <a:ext cx="7772400" cy="1470025"/>
-          </a:xfrm>
-        </p:spPr>
-        <p:txBody>
-          <a:bodyPr/>
-          <a:lstStyle/>
-          <a:p>
-            <a:r>
-              <a:rPr lang="en-US" dirty="0" smtClean="0"/>
-              <a:t>Algorithm Speed Enhancements</a:t>
-            </a:r>
-            <a:endParaRPr lang="en-US" dirty="0"/>
-          </a:p>
-        </p:txBody>
-      </p:sp>
-      <p:sp>
-        <p:nvSpPr>
-          <p:cNvPr id="3" name="Subtitle 2"/>
-          <p:cNvSpPr>
-            <a:spLocks noGrp="1"/>
-          </p:cNvSpPr>
-          <p:nvPr>
-            <p:ph type="subTitle" idx="1"/>
-          </p:nvPr>
-        </p:nvSpPr>
-        <p:spPr>
-          <a:xfrm>
-            <a:off x="762000" y="1447800"/>
-            <a:ext cx="7543800" cy="4191000"/>
-          </a:xfrm>
-        </p:spPr>
-        <p:txBody>
-          <a:bodyPr>
             <a:normAutofit/>
           </a:bodyPr>
           <a:lstStyle/>
@@ -4988,6 +4823,191 @@
 </p:sld>
 </file>
 
+<file path=ppt/slides/slide11.xml><?xml version="1.0" encoding="utf-8"?>
+<p:sld xmlns:a="http://schemas.openxmlformats.org/drawingml/2006/main" xmlns:r="http://schemas.openxmlformats.org/officeDocument/2006/relationships" xmlns:p="http://schemas.openxmlformats.org/presentationml/2006/main">
+  <p:cSld>
+    <p:spTree>
+      <p:nvGrpSpPr>
+        <p:cNvPr id="1" name=""/>
+        <p:cNvGrpSpPr/>
+        <p:nvPr/>
+      </p:nvGrpSpPr>
+      <p:grpSpPr>
+        <a:xfrm>
+          <a:off x="0" y="0"/>
+          <a:ext cx="0" cy="0"/>
+          <a:chOff x="0" y="0"/>
+          <a:chExt cx="0" cy="0"/>
+        </a:xfrm>
+      </p:grpSpPr>
+      <p:sp>
+        <p:nvSpPr>
+          <p:cNvPr id="2" name="Title 1"/>
+          <p:cNvSpPr>
+            <a:spLocks noGrp="1"/>
+          </p:cNvSpPr>
+          <p:nvPr>
+            <p:ph type="ctrTitle"/>
+          </p:nvPr>
+        </p:nvSpPr>
+        <p:spPr>
+          <a:xfrm>
+            <a:off x="685800" y="381000"/>
+            <a:ext cx="7772400" cy="1470025"/>
+          </a:xfrm>
+        </p:spPr>
+        <p:txBody>
+          <a:bodyPr/>
+          <a:lstStyle/>
+          <a:p>
+            <a:r>
+              <a:rPr lang="en-US" dirty="0" smtClean="0"/>
+              <a:t>Improving Utility Function</a:t>
+            </a:r>
+            <a:endParaRPr lang="en-US" dirty="0"/>
+          </a:p>
+        </p:txBody>
+      </p:sp>
+      <p:sp>
+        <p:nvSpPr>
+          <p:cNvPr id="3" name="Subtitle 2"/>
+          <p:cNvSpPr>
+            <a:spLocks noGrp="1"/>
+          </p:cNvSpPr>
+          <p:nvPr>
+            <p:ph type="subTitle" idx="1"/>
+          </p:nvPr>
+        </p:nvSpPr>
+        <p:spPr>
+          <a:xfrm>
+            <a:off x="762000" y="1447800"/>
+            <a:ext cx="7543800" cy="4953000"/>
+          </a:xfrm>
+        </p:spPr>
+        <p:txBody>
+          <a:bodyPr>
+            <a:normAutofit/>
+          </a:bodyPr>
+          <a:lstStyle/>
+          <a:p>
+            <a:pPr marL="342900" indent="-342900" algn="l">
+              <a:buFont typeface="Arial" panose="020B0604020202020204" pitchFamily="34" charset="0"/>
+              <a:buChar char="•"/>
+            </a:pPr>
+            <a:r>
+              <a:rPr lang="en-US" sz="2000" dirty="0" smtClean="0"/>
+              <a:t>We were able to improve the cost function after running several instances of our initial AI</a:t>
+            </a:r>
+          </a:p>
+          <a:p>
+            <a:pPr algn="l"/>
+            <a:r>
+              <a:rPr lang="en-US" sz="2000" dirty="0" smtClean="0"/>
+              <a:t>Tile location of the first move doesn’t matter too much</a:t>
+            </a:r>
+          </a:p>
+          <a:p>
+            <a:pPr marL="800100" lvl="1" indent="-342900" algn="l">
+              <a:buFont typeface="Arial" panose="020B0604020202020204" pitchFamily="34" charset="0"/>
+              <a:buChar char="•"/>
+            </a:pPr>
+            <a:r>
+              <a:rPr lang="en-US" sz="1600" dirty="0" smtClean="0"/>
+              <a:t>We can save time by starting the algorithm with a low depth value</a:t>
+            </a:r>
+          </a:p>
+          <a:p>
+            <a:pPr marL="800100" lvl="1" indent="-342900" algn="l">
+              <a:buFont typeface="Arial" panose="020B0604020202020204" pitchFamily="34" charset="0"/>
+              <a:buChar char="•"/>
+            </a:pPr>
+            <a:r>
+              <a:rPr lang="en-US" sz="1600" dirty="0" smtClean="0"/>
+              <a:t>Depth will increase on successive moves through</a:t>
+            </a:r>
+          </a:p>
+          <a:p>
+            <a:pPr algn="l"/>
+            <a:r>
+              <a:rPr lang="en-US" sz="2000" dirty="0" smtClean="0"/>
+              <a:t>Tile values needed to be improved</a:t>
+            </a:r>
+          </a:p>
+          <a:p>
+            <a:pPr marL="800100" lvl="1" indent="-342900" algn="l">
+              <a:buFont typeface="Arial" panose="020B0604020202020204" pitchFamily="34" charset="0"/>
+              <a:buChar char="•"/>
+            </a:pPr>
+            <a:r>
+              <a:rPr lang="en-US" sz="1600" dirty="0" smtClean="0"/>
+              <a:t>Original algorithm would increase tile values for nearby tiles of same color and decrease tile values for tiles of adversary’s color</a:t>
+            </a:r>
+          </a:p>
+          <a:p>
+            <a:pPr marL="800100" lvl="1" indent="-342900" algn="l">
+              <a:buFont typeface="Arial" panose="020B0604020202020204" pitchFamily="34" charset="0"/>
+              <a:buChar char="•"/>
+            </a:pPr>
+            <a:r>
+              <a:rPr lang="en-US" sz="1600" dirty="0" smtClean="0"/>
+              <a:t>This led to occasional bad moves of the AI where it would place tiles very far from its own tiles and from the adversary’s tiles</a:t>
+            </a:r>
+          </a:p>
+          <a:p>
+            <a:pPr algn="l"/>
+            <a:r>
+              <a:rPr lang="en-US" sz="2000" dirty="0" smtClean="0"/>
+              <a:t>Revised Utility Function</a:t>
+            </a:r>
+            <a:endParaRPr lang="en-US" sz="2000" dirty="0"/>
+          </a:p>
+          <a:p>
+            <a:pPr marL="800100" lvl="1" indent="-342900" algn="l">
+              <a:buFont typeface="Arial" panose="020B0604020202020204" pitchFamily="34" charset="0"/>
+              <a:buChar char="•"/>
+            </a:pPr>
+            <a:r>
+              <a:rPr lang="en-US" sz="1600" dirty="0"/>
+              <a:t>Algorithm was adjusted to base tile values only it’s own color. Each tile thus had two values, it’s worth to the AI and it’s worth to the </a:t>
+            </a:r>
+            <a:r>
+              <a:rPr lang="en-US" sz="1600" dirty="0" smtClean="0"/>
+              <a:t>adversary</a:t>
+            </a:r>
+          </a:p>
+          <a:p>
+            <a:pPr marL="800100" lvl="1" indent="-342900" algn="l">
+              <a:buFont typeface="Arial" panose="020B0604020202020204" pitchFamily="34" charset="0"/>
+              <a:buChar char="•"/>
+            </a:pPr>
+            <a:r>
+              <a:rPr lang="en-US" sz="1600" dirty="0" smtClean="0"/>
+              <a:t>The value of each state was recalculated to the be sum of all tiles’ worth to AI minus the sum of all tiles’ worth to the adversary</a:t>
+            </a:r>
+            <a:endParaRPr lang="en-US" sz="1600" dirty="0"/>
+          </a:p>
+          <a:p>
+            <a:pPr marL="800100" lvl="1" indent="-342900" algn="l">
+              <a:buFont typeface="Arial" panose="020B0604020202020204" pitchFamily="34" charset="0"/>
+              <a:buChar char="•"/>
+            </a:pPr>
+            <a:endParaRPr lang="en-US" sz="1600" dirty="0" smtClean="0"/>
+          </a:p>
+        </p:txBody>
+      </p:sp>
+    </p:spTree>
+    <p:extLst>
+      <p:ext uri="{BB962C8B-B14F-4D97-AF65-F5344CB8AC3E}">
+        <p14:creationId xmlns:p14="http://schemas.microsoft.com/office/powerpoint/2010/main" val="3352461406"/>
+      </p:ext>
+    </p:extLst>
+  </p:cSld>
+  <p:clrMapOvr>
+    <a:masterClrMapping/>
+  </p:clrMapOvr>
+</p:sld>
+</file>
+
 <file path=ppt/slides/slide12.xml><?xml version="1.0" encoding="utf-8"?>
 <p:sld xmlns:a="http://schemas.openxmlformats.org/drawingml/2006/main" xmlns:r="http://schemas.openxmlformats.org/officeDocument/2006/relationships" xmlns:p="http://schemas.openxmlformats.org/presentationml/2006/main">
   <p:cSld>
@@ -5027,7 +5047,7 @@
           <a:p>
             <a:r>
               <a:rPr lang="en-US" dirty="0" smtClean="0"/>
-              <a:t>Improving Utility Function</a:t>
+              <a:t>Result of New Utility Function</a:t>
             </a:r>
             <a:endParaRPr lang="en-US" dirty="0"/>
           </a:p>
@@ -5046,7 +5066,7 @@
         <p:spPr>
           <a:xfrm>
             <a:off x="762000" y="1447800"/>
-            <a:ext cx="7543800" cy="4953000"/>
+            <a:ext cx="7543800" cy="4191000"/>
           </a:xfrm>
         </p:spPr>
         <p:txBody>
@@ -5061,14 +5081,7 @@
             </a:pPr>
             <a:r>
               <a:rPr lang="en-US" sz="2000" dirty="0" smtClean="0"/>
-              <a:t>We were able to improve the cost function after running several instances of our initial AI</a:t>
-            </a:r>
-          </a:p>
-          <a:p>
-            <a:pPr algn="l"/>
-            <a:r>
-              <a:rPr lang="en-US" sz="2000" dirty="0" smtClean="0"/>
-              <a:t>Tile location of the first move doesn’t matter too much</a:t>
+              <a:t>Before the algorithm wasn’t very good. </a:t>
             </a:r>
           </a:p>
           <a:p>
@@ -5078,7 +5091,15 @@
             </a:pPr>
             <a:r>
               <a:rPr lang="en-US" sz="1600" dirty="0" smtClean="0"/>
-              <a:t>We can save time by starting the algorithm with a low depth value</a:t>
+              <a:t>Values </a:t>
+            </a:r>
+            <a:r>
+              <a:rPr lang="en-US" sz="1600" smtClean="0"/>
+              <a:t>for some good </a:t>
+            </a:r>
+            <a:r>
+              <a:rPr lang="en-US" sz="1600" dirty="0" smtClean="0"/>
+              <a:t>moves and better moves were the same</a:t>
             </a:r>
           </a:p>
           <a:p>
@@ -5088,14 +5109,17 @@
             </a:pPr>
             <a:r>
               <a:rPr lang="en-US" sz="1600" dirty="0" smtClean="0"/>
-              <a:t>Depth will increase on successive moves through</a:t>
-            </a:r>
-          </a:p>
-          <a:p>
-            <a:pPr algn="l"/>
+              <a:t>Some bad moves looked more appealing than actual good moves</a:t>
+            </a:r>
+          </a:p>
+          <a:p>
+            <a:pPr marL="342900" indent="-342900" algn="l">
+              <a:buFont typeface="Arial" panose="020B0604020202020204" pitchFamily="34" charset="0"/>
+              <a:buChar char="•"/>
+            </a:pPr>
             <a:r>
               <a:rPr lang="en-US" sz="2000" dirty="0" smtClean="0"/>
-              <a:t>Tile values needed to be improved</a:t>
+              <a:t>Modified algorithm now has have higher values for better moves</a:t>
             </a:r>
           </a:p>
           <a:p>
@@ -5105,65 +5129,1582 @@
             </a:pPr>
             <a:r>
               <a:rPr lang="en-US" sz="1600" dirty="0" smtClean="0"/>
-              <a:t>Original algorithm would increase tile values for nearby tiles of same color and decrease tile values for tiles of adversary’s color</a:t>
-            </a:r>
-          </a:p>
-          <a:p>
-            <a:pPr marL="800100" lvl="1" indent="-342900" algn="l">
-              <a:buFont typeface="Arial" panose="020B0604020202020204" pitchFamily="34" charset="0"/>
-              <a:buChar char="•"/>
-            </a:pPr>
-            <a:r>
-              <a:rPr lang="en-US" sz="1600" dirty="0" smtClean="0"/>
-              <a:t>This led to occasional bad moves of the AI where it would place tiles very far from its own tiles and from the adversary’s tiles</a:t>
-            </a:r>
-          </a:p>
-          <a:p>
-            <a:pPr algn="l"/>
-            <a:r>
-              <a:rPr lang="en-US" sz="2000" dirty="0" smtClean="0"/>
-              <a:t>Revised Utility Function</a:t>
-            </a:r>
-            <a:endParaRPr lang="en-US" sz="2000" dirty="0"/>
-          </a:p>
-          <a:p>
-            <a:pPr marL="800100" lvl="1" indent="-342900" algn="l">
-              <a:buFont typeface="Arial" panose="020B0604020202020204" pitchFamily="34" charset="0"/>
-              <a:buChar char="•"/>
-            </a:pPr>
-            <a:r>
-              <a:rPr lang="en-US" sz="1600" dirty="0"/>
-              <a:t>Algorithm was adjusted to base tile values only it’s own color. Each tile thus had two values, it’s worth to the AI and it’s worth to the </a:t>
-            </a:r>
-            <a:r>
-              <a:rPr lang="en-US" sz="1600" dirty="0" smtClean="0"/>
-              <a:t>adversary</a:t>
-            </a:r>
-          </a:p>
-          <a:p>
-            <a:pPr marL="800100" lvl="1" indent="-342900" algn="l">
-              <a:buFont typeface="Arial" panose="020B0604020202020204" pitchFamily="34" charset="0"/>
-              <a:buChar char="•"/>
-            </a:pPr>
-            <a:r>
-              <a:rPr lang="en-US" sz="1600" dirty="0" smtClean="0"/>
-              <a:t>The value of each state was recalculated to the be sum of all tiles’ worth to AI minus the sum of all tiles’ worth to the adversary</a:t>
-            </a:r>
-            <a:endParaRPr lang="en-US" sz="1600" dirty="0"/>
-          </a:p>
-          <a:p>
-            <a:pPr marL="800100" lvl="1" indent="-342900" algn="l">
+              <a:t>A move that helped make a 4 in a row for the AI AND blocks the opponent now seems better than a move that only makes a 4 in a row</a:t>
+            </a:r>
+          </a:p>
+          <a:p>
+            <a:pPr marL="342900" indent="-342900" algn="l">
               <a:buFont typeface="Arial" panose="020B0604020202020204" pitchFamily="34" charset="0"/>
               <a:buChar char="•"/>
             </a:pPr>
             <a:endParaRPr lang="en-US" sz="1600" dirty="0" smtClean="0"/>
           </a:p>
-        </p:txBody>
-      </p:sp>
+          <a:p>
+            <a:pPr marL="342900" indent="-342900" algn="l">
+              <a:buFont typeface="Arial" panose="020B0604020202020204" pitchFamily="34" charset="0"/>
+              <a:buChar char="•"/>
+            </a:pPr>
+            <a:r>
+              <a:rPr lang="en-US" sz="1600" dirty="0" smtClean="0"/>
+              <a:t>Given</a:t>
+            </a:r>
+          </a:p>
+          <a:p>
+            <a:pPr marL="342900" indent="-342900" algn="l">
+              <a:buFont typeface="Arial" panose="020B0604020202020204" pitchFamily="34" charset="0"/>
+              <a:buChar char="•"/>
+            </a:pPr>
+            <a:endParaRPr lang="en-US" sz="1600" dirty="0"/>
+          </a:p>
+          <a:p>
+            <a:pPr marL="342900" indent="-342900" algn="l">
+              <a:buFont typeface="Arial" panose="020B0604020202020204" pitchFamily="34" charset="0"/>
+              <a:buChar char="•"/>
+            </a:pPr>
+            <a:endParaRPr lang="en-US" sz="1600" dirty="0" smtClean="0"/>
+          </a:p>
+          <a:p>
+            <a:pPr marL="342900" indent="-342900" algn="l">
+              <a:buFont typeface="Arial" panose="020B0604020202020204" pitchFamily="34" charset="0"/>
+              <a:buChar char="•"/>
+            </a:pPr>
+            <a:endParaRPr lang="en-US" sz="1600" dirty="0" smtClean="0"/>
+          </a:p>
+          <a:p>
+            <a:pPr marL="342900" indent="-342900" algn="l">
+              <a:buFont typeface="Arial" panose="020B0604020202020204" pitchFamily="34" charset="0"/>
+              <a:buChar char="•"/>
+            </a:pPr>
+            <a:r>
+              <a:rPr lang="en-US" sz="1600" dirty="0" smtClean="0"/>
+              <a:t>Better to do                  than  </a:t>
+            </a:r>
+            <a:endParaRPr lang="en-US" sz="1600" dirty="0"/>
+          </a:p>
+        </p:txBody>
+      </p:sp>
+      <p:graphicFrame>
+        <p:nvGraphicFramePr>
+          <p:cNvPr id="5" name="Table 4"/>
+          <p:cNvGraphicFramePr>
+            <a:graphicFrameLocks noGrp="1"/>
+          </p:cNvGraphicFramePr>
+          <p:nvPr>
+            <p:extLst>
+              <p:ext uri="{D42A27DB-BD31-4B8C-83A1-F6EECF244321}">
+                <p14:modId xmlns:p14="http://schemas.microsoft.com/office/powerpoint/2010/main" val="1320435111"/>
+              </p:ext>
+            </p:extLst>
+          </p:nvPr>
+        </p:nvGraphicFramePr>
+        <p:xfrm>
+          <a:off x="1752600" y="3733800"/>
+          <a:ext cx="584200" cy="952500"/>
+        </p:xfrm>
+        <a:graphic>
+          <a:graphicData uri="http://schemas.openxmlformats.org/drawingml/2006/table">
+            <a:tbl>
+              <a:tblPr>
+                <a:tableStyleId>{5C22544A-7EE6-4342-B048-85BDC9FD1C3A}</a:tableStyleId>
+              </a:tblPr>
+              <a:tblGrid>
+                <a:gridCol w="139700"/>
+                <a:gridCol w="139700"/>
+                <a:gridCol w="139700"/>
+                <a:gridCol w="165100"/>
+              </a:tblGrid>
+              <a:tr h="190500">
+                <a:tc>
+                  <a:txBody>
+                    <a:bodyPr/>
+                    <a:lstStyle/>
+                    <a:p>
+                      <a:pPr algn="l" fontAlgn="b"/>
+                      <a:r>
+                        <a:rPr lang="en-US" sz="1100" u="none" strike="noStrike" dirty="0">
+                          <a:effectLst/>
+                        </a:rPr>
+                        <a:t> </a:t>
+                      </a:r>
+                      <a:endParaRPr lang="en-US" sz="1100" b="0" i="0" u="none" strike="noStrike" dirty="0">
+                        <a:solidFill>
+                          <a:srgbClr val="000000"/>
+                        </a:solidFill>
+                        <a:effectLst/>
+                        <a:latin typeface="Calibri"/>
+                      </a:endParaRPr>
+                    </a:p>
+                  </a:txBody>
+                  <a:tcPr marL="9525" marR="9525" marT="9525" marB="0" anchor="b"/>
+                </a:tc>
+                <a:tc>
+                  <a:txBody>
+                    <a:bodyPr/>
+                    <a:lstStyle/>
+                    <a:p>
+                      <a:pPr algn="l" fontAlgn="b"/>
+                      <a:r>
+                        <a:rPr lang="en-US" sz="1100" u="none" strike="noStrike">
+                          <a:effectLst/>
+                        </a:rPr>
+                        <a:t> </a:t>
+                      </a:r>
+                      <a:endParaRPr lang="en-US" sz="1100" b="0" i="0" u="none" strike="noStrike">
+                        <a:solidFill>
+                          <a:srgbClr val="000000"/>
+                        </a:solidFill>
+                        <a:effectLst/>
+                        <a:latin typeface="Calibri"/>
+                      </a:endParaRPr>
+                    </a:p>
+                  </a:txBody>
+                  <a:tcPr marL="9525" marR="9525" marT="9525" marB="0" anchor="b"/>
+                </a:tc>
+                <a:tc>
+                  <a:txBody>
+                    <a:bodyPr/>
+                    <a:lstStyle/>
+                    <a:p>
+                      <a:pPr algn="l" fontAlgn="b"/>
+                      <a:r>
+                        <a:rPr lang="en-US" sz="1100" u="none" strike="noStrike">
+                          <a:effectLst/>
+                        </a:rPr>
+                        <a:t> </a:t>
+                      </a:r>
+                      <a:endParaRPr lang="en-US" sz="1100" b="0" i="0" u="none" strike="noStrike">
+                        <a:solidFill>
+                          <a:srgbClr val="000000"/>
+                        </a:solidFill>
+                        <a:effectLst/>
+                        <a:latin typeface="Calibri"/>
+                      </a:endParaRPr>
+                    </a:p>
+                  </a:txBody>
+                  <a:tcPr marL="9525" marR="9525" marT="9525" marB="0" anchor="b"/>
+                </a:tc>
+                <a:tc>
+                  <a:txBody>
+                    <a:bodyPr/>
+                    <a:lstStyle/>
+                    <a:p>
+                      <a:pPr algn="l" fontAlgn="b"/>
+                      <a:r>
+                        <a:rPr lang="en-US" sz="1100" u="none" strike="noStrike">
+                          <a:effectLst/>
+                        </a:rPr>
+                        <a:t> </a:t>
+                      </a:r>
+                      <a:endParaRPr lang="en-US" sz="1100" b="0" i="0" u="none" strike="noStrike">
+                        <a:solidFill>
+                          <a:srgbClr val="000000"/>
+                        </a:solidFill>
+                        <a:effectLst/>
+                        <a:latin typeface="Calibri"/>
+                      </a:endParaRPr>
+                    </a:p>
+                  </a:txBody>
+                  <a:tcPr marL="9525" marR="9525" marT="9525" marB="0" anchor="b"/>
+                </a:tc>
+              </a:tr>
+              <a:tr h="190500">
+                <a:tc>
+                  <a:txBody>
+                    <a:bodyPr/>
+                    <a:lstStyle/>
+                    <a:p>
+                      <a:pPr algn="l" fontAlgn="b"/>
+                      <a:r>
+                        <a:rPr lang="en-US" sz="1100" u="none" strike="noStrike">
+                          <a:effectLst/>
+                        </a:rPr>
+                        <a:t>x</a:t>
+                      </a:r>
+                      <a:endParaRPr lang="en-US" sz="1100" b="0" i="0" u="none" strike="noStrike">
+                        <a:solidFill>
+                          <a:srgbClr val="000000"/>
+                        </a:solidFill>
+                        <a:effectLst/>
+                        <a:latin typeface="Calibri"/>
+                      </a:endParaRPr>
+                    </a:p>
+                  </a:txBody>
+                  <a:tcPr marL="9525" marR="9525" marT="9525" marB="0" anchor="b"/>
+                </a:tc>
+                <a:tc>
+                  <a:txBody>
+                    <a:bodyPr/>
+                    <a:lstStyle/>
+                    <a:p>
+                      <a:pPr algn="l" fontAlgn="b"/>
+                      <a:r>
+                        <a:rPr lang="en-US" sz="1100" u="none" strike="noStrike">
+                          <a:effectLst/>
+                        </a:rPr>
+                        <a:t> </a:t>
+                      </a:r>
+                      <a:endParaRPr lang="en-US" sz="1100" b="0" i="0" u="none" strike="noStrike">
+                        <a:solidFill>
+                          <a:srgbClr val="000000"/>
+                        </a:solidFill>
+                        <a:effectLst/>
+                        <a:latin typeface="Calibri"/>
+                      </a:endParaRPr>
+                    </a:p>
+                  </a:txBody>
+                  <a:tcPr marL="9525" marR="9525" marT="9525" marB="0" anchor="b"/>
+                </a:tc>
+                <a:tc>
+                  <a:txBody>
+                    <a:bodyPr/>
+                    <a:lstStyle/>
+                    <a:p>
+                      <a:pPr algn="l" fontAlgn="b"/>
+                      <a:r>
+                        <a:rPr lang="en-US" sz="1100" u="none" strike="noStrike">
+                          <a:effectLst/>
+                        </a:rPr>
+                        <a:t> </a:t>
+                      </a:r>
+                      <a:endParaRPr lang="en-US" sz="1100" b="0" i="0" u="none" strike="noStrike">
+                        <a:solidFill>
+                          <a:srgbClr val="000000"/>
+                        </a:solidFill>
+                        <a:effectLst/>
+                        <a:latin typeface="Calibri"/>
+                      </a:endParaRPr>
+                    </a:p>
+                  </a:txBody>
+                  <a:tcPr marL="9525" marR="9525" marT="9525" marB="0" anchor="b"/>
+                </a:tc>
+                <a:tc>
+                  <a:txBody>
+                    <a:bodyPr/>
+                    <a:lstStyle/>
+                    <a:p>
+                      <a:pPr algn="l" fontAlgn="b"/>
+                      <a:r>
+                        <a:rPr lang="en-US" sz="1100" u="none" strike="noStrike">
+                          <a:effectLst/>
+                        </a:rPr>
+                        <a:t> </a:t>
+                      </a:r>
+                      <a:endParaRPr lang="en-US" sz="1100" b="0" i="0" u="none" strike="noStrike">
+                        <a:solidFill>
+                          <a:srgbClr val="000000"/>
+                        </a:solidFill>
+                        <a:effectLst/>
+                        <a:latin typeface="Calibri"/>
+                      </a:endParaRPr>
+                    </a:p>
+                  </a:txBody>
+                  <a:tcPr marL="9525" marR="9525" marT="9525" marB="0" anchor="b"/>
+                </a:tc>
+              </a:tr>
+              <a:tr h="190500">
+                <a:tc>
+                  <a:txBody>
+                    <a:bodyPr/>
+                    <a:lstStyle/>
+                    <a:p>
+                      <a:pPr algn="l" fontAlgn="b"/>
+                      <a:r>
+                        <a:rPr lang="en-US" sz="1100" u="none" strike="noStrike">
+                          <a:effectLst/>
+                        </a:rPr>
+                        <a:t>x</a:t>
+                      </a:r>
+                      <a:endParaRPr lang="en-US" sz="1100" b="0" i="0" u="none" strike="noStrike">
+                        <a:solidFill>
+                          <a:srgbClr val="000000"/>
+                        </a:solidFill>
+                        <a:effectLst/>
+                        <a:latin typeface="Calibri"/>
+                      </a:endParaRPr>
+                    </a:p>
+                  </a:txBody>
+                  <a:tcPr marL="9525" marR="9525" marT="9525" marB="0" anchor="b"/>
+                </a:tc>
+                <a:tc>
+                  <a:txBody>
+                    <a:bodyPr/>
+                    <a:lstStyle/>
+                    <a:p>
+                      <a:pPr algn="l" fontAlgn="b"/>
+                      <a:r>
+                        <a:rPr lang="en-US" sz="1100" u="none" strike="noStrike">
+                          <a:effectLst/>
+                        </a:rPr>
+                        <a:t> </a:t>
+                      </a:r>
+                      <a:endParaRPr lang="en-US" sz="1100" b="0" i="0" u="none" strike="noStrike">
+                        <a:solidFill>
+                          <a:srgbClr val="000000"/>
+                        </a:solidFill>
+                        <a:effectLst/>
+                        <a:latin typeface="Calibri"/>
+                      </a:endParaRPr>
+                    </a:p>
+                  </a:txBody>
+                  <a:tcPr marL="9525" marR="9525" marT="9525" marB="0" anchor="b"/>
+                </a:tc>
+                <a:tc>
+                  <a:txBody>
+                    <a:bodyPr/>
+                    <a:lstStyle/>
+                    <a:p>
+                      <a:pPr algn="l" fontAlgn="b"/>
+                      <a:r>
+                        <a:rPr lang="en-US" sz="1100" u="none" strike="noStrike">
+                          <a:effectLst/>
+                        </a:rPr>
+                        <a:t> </a:t>
+                      </a:r>
+                      <a:endParaRPr lang="en-US" sz="1100" b="0" i="0" u="none" strike="noStrike">
+                        <a:solidFill>
+                          <a:srgbClr val="000000"/>
+                        </a:solidFill>
+                        <a:effectLst/>
+                        <a:latin typeface="Calibri"/>
+                      </a:endParaRPr>
+                    </a:p>
+                  </a:txBody>
+                  <a:tcPr marL="9525" marR="9525" marT="9525" marB="0" anchor="b"/>
+                </a:tc>
+                <a:tc>
+                  <a:txBody>
+                    <a:bodyPr/>
+                    <a:lstStyle/>
+                    <a:p>
+                      <a:pPr algn="l" fontAlgn="b"/>
+                      <a:r>
+                        <a:rPr lang="en-US" sz="1100" u="none" strike="noStrike">
+                          <a:effectLst/>
+                        </a:rPr>
+                        <a:t> </a:t>
+                      </a:r>
+                      <a:endParaRPr lang="en-US" sz="1100" b="0" i="0" u="none" strike="noStrike">
+                        <a:solidFill>
+                          <a:srgbClr val="000000"/>
+                        </a:solidFill>
+                        <a:effectLst/>
+                        <a:latin typeface="Calibri"/>
+                      </a:endParaRPr>
+                    </a:p>
+                  </a:txBody>
+                  <a:tcPr marL="9525" marR="9525" marT="9525" marB="0" anchor="b"/>
+                </a:tc>
+              </a:tr>
+              <a:tr h="190500">
+                <a:tc>
+                  <a:txBody>
+                    <a:bodyPr/>
+                    <a:lstStyle/>
+                    <a:p>
+                      <a:pPr algn="l" fontAlgn="b"/>
+                      <a:r>
+                        <a:rPr lang="en-US" sz="1100" u="none" strike="noStrike">
+                          <a:effectLst/>
+                        </a:rPr>
+                        <a:t> </a:t>
+                      </a:r>
+                      <a:endParaRPr lang="en-US" sz="1100" b="0" i="0" u="none" strike="noStrike">
+                        <a:solidFill>
+                          <a:srgbClr val="000000"/>
+                        </a:solidFill>
+                        <a:effectLst/>
+                        <a:latin typeface="Calibri"/>
+                      </a:endParaRPr>
+                    </a:p>
+                  </a:txBody>
+                  <a:tcPr marL="9525" marR="9525" marT="9525" marB="0" anchor="b"/>
+                </a:tc>
+                <a:tc>
+                  <a:txBody>
+                    <a:bodyPr/>
+                    <a:lstStyle/>
+                    <a:p>
+                      <a:pPr algn="r" fontAlgn="b"/>
+                      <a:r>
+                        <a:rPr lang="en-US" sz="1100" u="none" strike="noStrike">
+                          <a:effectLst/>
+                        </a:rPr>
+                        <a:t>0</a:t>
+                      </a:r>
+                      <a:endParaRPr lang="en-US" sz="1100" b="0" i="0" u="none" strike="noStrike">
+                        <a:solidFill>
+                          <a:srgbClr val="000000"/>
+                        </a:solidFill>
+                        <a:effectLst/>
+                        <a:latin typeface="Calibri"/>
+                      </a:endParaRPr>
+                    </a:p>
+                  </a:txBody>
+                  <a:tcPr marL="9525" marR="9525" marT="9525" marB="0" anchor="b"/>
+                </a:tc>
+                <a:tc>
+                  <a:txBody>
+                    <a:bodyPr/>
+                    <a:lstStyle/>
+                    <a:p>
+                      <a:pPr algn="r" fontAlgn="b"/>
+                      <a:r>
+                        <a:rPr lang="en-US" sz="1100" u="none" strike="noStrike">
+                          <a:effectLst/>
+                        </a:rPr>
+                        <a:t>0</a:t>
+                      </a:r>
+                      <a:endParaRPr lang="en-US" sz="1100" b="0" i="0" u="none" strike="noStrike">
+                        <a:solidFill>
+                          <a:srgbClr val="000000"/>
+                        </a:solidFill>
+                        <a:effectLst/>
+                        <a:latin typeface="Calibri"/>
+                      </a:endParaRPr>
+                    </a:p>
+                  </a:txBody>
+                  <a:tcPr marL="9525" marR="9525" marT="9525" marB="0" anchor="b"/>
+                </a:tc>
+                <a:tc>
+                  <a:txBody>
+                    <a:bodyPr/>
+                    <a:lstStyle/>
+                    <a:p>
+                      <a:pPr algn="l" fontAlgn="b"/>
+                      <a:r>
+                        <a:rPr lang="en-US" sz="1100" u="none" strike="noStrike">
+                          <a:effectLst/>
+                        </a:rPr>
+                        <a:t> </a:t>
+                      </a:r>
+                      <a:endParaRPr lang="en-US" sz="1100" b="0" i="0" u="none" strike="noStrike">
+                        <a:solidFill>
+                          <a:srgbClr val="000000"/>
+                        </a:solidFill>
+                        <a:effectLst/>
+                        <a:latin typeface="Calibri"/>
+                      </a:endParaRPr>
+                    </a:p>
+                  </a:txBody>
+                  <a:tcPr marL="9525" marR="9525" marT="9525" marB="0" anchor="b"/>
+                </a:tc>
+              </a:tr>
+              <a:tr h="190500">
+                <a:tc>
+                  <a:txBody>
+                    <a:bodyPr/>
+                    <a:lstStyle/>
+                    <a:p>
+                      <a:pPr algn="l" fontAlgn="b"/>
+                      <a:r>
+                        <a:rPr lang="en-US" sz="1100" u="none" strike="noStrike">
+                          <a:effectLst/>
+                        </a:rPr>
+                        <a:t> </a:t>
+                      </a:r>
+                      <a:endParaRPr lang="en-US" sz="1100" b="0" i="0" u="none" strike="noStrike">
+                        <a:solidFill>
+                          <a:srgbClr val="000000"/>
+                        </a:solidFill>
+                        <a:effectLst/>
+                        <a:latin typeface="Calibri"/>
+                      </a:endParaRPr>
+                    </a:p>
+                  </a:txBody>
+                  <a:tcPr marL="9525" marR="9525" marT="9525" marB="0" anchor="b"/>
+                </a:tc>
+                <a:tc>
+                  <a:txBody>
+                    <a:bodyPr/>
+                    <a:lstStyle/>
+                    <a:p>
+                      <a:pPr algn="l" fontAlgn="b"/>
+                      <a:r>
+                        <a:rPr lang="en-US" sz="1100" u="none" strike="noStrike">
+                          <a:effectLst/>
+                        </a:rPr>
+                        <a:t> </a:t>
+                      </a:r>
+                      <a:endParaRPr lang="en-US" sz="1100" b="0" i="0" u="none" strike="noStrike">
+                        <a:solidFill>
+                          <a:srgbClr val="000000"/>
+                        </a:solidFill>
+                        <a:effectLst/>
+                        <a:latin typeface="Calibri"/>
+                      </a:endParaRPr>
+                    </a:p>
+                  </a:txBody>
+                  <a:tcPr marL="9525" marR="9525" marT="9525" marB="0" anchor="b"/>
+                </a:tc>
+                <a:tc>
+                  <a:txBody>
+                    <a:bodyPr/>
+                    <a:lstStyle/>
+                    <a:p>
+                      <a:pPr algn="l" fontAlgn="b"/>
+                      <a:r>
+                        <a:rPr lang="en-US" sz="1100" u="none" strike="noStrike">
+                          <a:effectLst/>
+                        </a:rPr>
+                        <a:t> </a:t>
+                      </a:r>
+                      <a:endParaRPr lang="en-US" sz="1100" b="0" i="0" u="none" strike="noStrike">
+                        <a:solidFill>
+                          <a:srgbClr val="000000"/>
+                        </a:solidFill>
+                        <a:effectLst/>
+                        <a:latin typeface="Calibri"/>
+                      </a:endParaRPr>
+                    </a:p>
+                  </a:txBody>
+                  <a:tcPr marL="9525" marR="9525" marT="9525" marB="0" anchor="b"/>
+                </a:tc>
+                <a:tc>
+                  <a:txBody>
+                    <a:bodyPr/>
+                    <a:lstStyle/>
+                    <a:p>
+                      <a:pPr algn="l" fontAlgn="b"/>
+                      <a:r>
+                        <a:rPr lang="en-US" sz="1100" u="none" strike="noStrike" dirty="0">
+                          <a:effectLst/>
+                        </a:rPr>
+                        <a:t> </a:t>
+                      </a:r>
+                      <a:endParaRPr lang="en-US" sz="1100" b="0" i="0" u="none" strike="noStrike" dirty="0">
+                        <a:solidFill>
+                          <a:srgbClr val="000000"/>
+                        </a:solidFill>
+                        <a:effectLst/>
+                        <a:latin typeface="Calibri"/>
+                      </a:endParaRPr>
+                    </a:p>
+                  </a:txBody>
+                  <a:tcPr marL="9525" marR="9525" marT="9525" marB="0" anchor="b"/>
+                </a:tc>
+              </a:tr>
+            </a:tbl>
+          </a:graphicData>
+        </a:graphic>
+      </p:graphicFrame>
+      <p:graphicFrame>
+        <p:nvGraphicFramePr>
+          <p:cNvPr id="6" name="Table 5"/>
+          <p:cNvGraphicFramePr>
+            <a:graphicFrameLocks noGrp="1"/>
+          </p:cNvGraphicFramePr>
+          <p:nvPr>
+            <p:extLst>
+              <p:ext uri="{D42A27DB-BD31-4B8C-83A1-F6EECF244321}">
+                <p14:modId xmlns:p14="http://schemas.microsoft.com/office/powerpoint/2010/main" val="2459973037"/>
+              </p:ext>
+            </p:extLst>
+          </p:nvPr>
+        </p:nvGraphicFramePr>
+        <p:xfrm>
+          <a:off x="3581400" y="4572000"/>
+          <a:ext cx="584200" cy="952500"/>
+        </p:xfrm>
+        <a:graphic>
+          <a:graphicData uri="http://schemas.openxmlformats.org/drawingml/2006/table">
+            <a:tbl>
+              <a:tblPr>
+                <a:tableStyleId>{5C22544A-7EE6-4342-B048-85BDC9FD1C3A}</a:tableStyleId>
+              </a:tblPr>
+              <a:tblGrid>
+                <a:gridCol w="139700"/>
+                <a:gridCol w="139700"/>
+                <a:gridCol w="139700"/>
+                <a:gridCol w="165100"/>
+              </a:tblGrid>
+              <a:tr h="190500">
+                <a:tc>
+                  <a:txBody>
+                    <a:bodyPr/>
+                    <a:lstStyle/>
+                    <a:p>
+                      <a:pPr algn="l" fontAlgn="b"/>
+                      <a:r>
+                        <a:rPr lang="en-US" sz="1100" u="none" strike="noStrike" dirty="0">
+                          <a:solidFill>
+                            <a:srgbClr val="FF0000"/>
+                          </a:solidFill>
+                          <a:effectLst/>
+                        </a:rPr>
+                        <a:t>x</a:t>
+                      </a:r>
+                      <a:endParaRPr lang="en-US" sz="1100" b="0" i="0" u="none" strike="noStrike" dirty="0">
+                        <a:solidFill>
+                          <a:srgbClr val="FF0000"/>
+                        </a:solidFill>
+                        <a:effectLst/>
+                        <a:latin typeface="Calibri"/>
+                      </a:endParaRPr>
+                    </a:p>
+                  </a:txBody>
+                  <a:tcPr marL="9525" marR="9525" marT="9525" marB="0" anchor="b"/>
+                </a:tc>
+                <a:tc>
+                  <a:txBody>
+                    <a:bodyPr/>
+                    <a:lstStyle/>
+                    <a:p>
+                      <a:pPr algn="l" fontAlgn="b"/>
+                      <a:r>
+                        <a:rPr lang="en-US" sz="1100" u="none" strike="noStrike">
+                          <a:effectLst/>
+                        </a:rPr>
+                        <a:t> </a:t>
+                      </a:r>
+                      <a:endParaRPr lang="en-US" sz="1100" b="0" i="0" u="none" strike="noStrike">
+                        <a:solidFill>
+                          <a:srgbClr val="000000"/>
+                        </a:solidFill>
+                        <a:effectLst/>
+                        <a:latin typeface="Calibri"/>
+                      </a:endParaRPr>
+                    </a:p>
+                  </a:txBody>
+                  <a:tcPr marL="9525" marR="9525" marT="9525" marB="0" anchor="b"/>
+                </a:tc>
+                <a:tc>
+                  <a:txBody>
+                    <a:bodyPr/>
+                    <a:lstStyle/>
+                    <a:p>
+                      <a:pPr algn="l" fontAlgn="b"/>
+                      <a:r>
+                        <a:rPr lang="en-US" sz="1100" u="none" strike="noStrike">
+                          <a:effectLst/>
+                        </a:rPr>
+                        <a:t> </a:t>
+                      </a:r>
+                      <a:endParaRPr lang="en-US" sz="1100" b="0" i="0" u="none" strike="noStrike">
+                        <a:solidFill>
+                          <a:srgbClr val="000000"/>
+                        </a:solidFill>
+                        <a:effectLst/>
+                        <a:latin typeface="Calibri"/>
+                      </a:endParaRPr>
+                    </a:p>
+                  </a:txBody>
+                  <a:tcPr marL="9525" marR="9525" marT="9525" marB="0" anchor="b"/>
+                </a:tc>
+                <a:tc>
+                  <a:txBody>
+                    <a:bodyPr/>
+                    <a:lstStyle/>
+                    <a:p>
+                      <a:pPr algn="l" fontAlgn="b"/>
+                      <a:r>
+                        <a:rPr lang="en-US" sz="1100" u="none" strike="noStrike">
+                          <a:effectLst/>
+                        </a:rPr>
+                        <a:t> </a:t>
+                      </a:r>
+                      <a:endParaRPr lang="en-US" sz="1100" b="0" i="0" u="none" strike="noStrike">
+                        <a:solidFill>
+                          <a:srgbClr val="000000"/>
+                        </a:solidFill>
+                        <a:effectLst/>
+                        <a:latin typeface="Calibri"/>
+                      </a:endParaRPr>
+                    </a:p>
+                  </a:txBody>
+                  <a:tcPr marL="9525" marR="9525" marT="9525" marB="0" anchor="b"/>
+                </a:tc>
+              </a:tr>
+              <a:tr h="190500">
+                <a:tc>
+                  <a:txBody>
+                    <a:bodyPr/>
+                    <a:lstStyle/>
+                    <a:p>
+                      <a:pPr algn="l" fontAlgn="b"/>
+                      <a:r>
+                        <a:rPr lang="en-US" sz="1100" u="none" strike="noStrike">
+                          <a:effectLst/>
+                        </a:rPr>
+                        <a:t>x</a:t>
+                      </a:r>
+                      <a:endParaRPr lang="en-US" sz="1100" b="0" i="0" u="none" strike="noStrike">
+                        <a:solidFill>
+                          <a:srgbClr val="000000"/>
+                        </a:solidFill>
+                        <a:effectLst/>
+                        <a:latin typeface="Calibri"/>
+                      </a:endParaRPr>
+                    </a:p>
+                  </a:txBody>
+                  <a:tcPr marL="9525" marR="9525" marT="9525" marB="0" anchor="b"/>
+                </a:tc>
+                <a:tc>
+                  <a:txBody>
+                    <a:bodyPr/>
+                    <a:lstStyle/>
+                    <a:p>
+                      <a:pPr algn="l" fontAlgn="b"/>
+                      <a:r>
+                        <a:rPr lang="en-US" sz="1100" u="none" strike="noStrike">
+                          <a:effectLst/>
+                        </a:rPr>
+                        <a:t> </a:t>
+                      </a:r>
+                      <a:endParaRPr lang="en-US" sz="1100" b="0" i="0" u="none" strike="noStrike">
+                        <a:solidFill>
+                          <a:srgbClr val="000000"/>
+                        </a:solidFill>
+                        <a:effectLst/>
+                        <a:latin typeface="Calibri"/>
+                      </a:endParaRPr>
+                    </a:p>
+                  </a:txBody>
+                  <a:tcPr marL="9525" marR="9525" marT="9525" marB="0" anchor="b"/>
+                </a:tc>
+                <a:tc>
+                  <a:txBody>
+                    <a:bodyPr/>
+                    <a:lstStyle/>
+                    <a:p>
+                      <a:pPr algn="l" fontAlgn="b"/>
+                      <a:r>
+                        <a:rPr lang="en-US" sz="1100" u="none" strike="noStrike" dirty="0">
+                          <a:effectLst/>
+                        </a:rPr>
+                        <a:t> </a:t>
+                      </a:r>
+                      <a:endParaRPr lang="en-US" sz="1100" b="0" i="0" u="none" strike="noStrike" dirty="0">
+                        <a:solidFill>
+                          <a:srgbClr val="000000"/>
+                        </a:solidFill>
+                        <a:effectLst/>
+                        <a:latin typeface="Calibri"/>
+                      </a:endParaRPr>
+                    </a:p>
+                  </a:txBody>
+                  <a:tcPr marL="9525" marR="9525" marT="9525" marB="0" anchor="b"/>
+                </a:tc>
+                <a:tc>
+                  <a:txBody>
+                    <a:bodyPr/>
+                    <a:lstStyle/>
+                    <a:p>
+                      <a:pPr algn="l" fontAlgn="b"/>
+                      <a:r>
+                        <a:rPr lang="en-US" sz="1100" u="none" strike="noStrike">
+                          <a:effectLst/>
+                        </a:rPr>
+                        <a:t> </a:t>
+                      </a:r>
+                      <a:endParaRPr lang="en-US" sz="1100" b="0" i="0" u="none" strike="noStrike">
+                        <a:solidFill>
+                          <a:srgbClr val="000000"/>
+                        </a:solidFill>
+                        <a:effectLst/>
+                        <a:latin typeface="Calibri"/>
+                      </a:endParaRPr>
+                    </a:p>
+                  </a:txBody>
+                  <a:tcPr marL="9525" marR="9525" marT="9525" marB="0" anchor="b"/>
+                </a:tc>
+              </a:tr>
+              <a:tr h="190500">
+                <a:tc>
+                  <a:txBody>
+                    <a:bodyPr/>
+                    <a:lstStyle/>
+                    <a:p>
+                      <a:pPr algn="l" fontAlgn="b"/>
+                      <a:r>
+                        <a:rPr lang="en-US" sz="1100" u="none" strike="noStrike">
+                          <a:effectLst/>
+                        </a:rPr>
+                        <a:t>x</a:t>
+                      </a:r>
+                      <a:endParaRPr lang="en-US" sz="1100" b="0" i="0" u="none" strike="noStrike">
+                        <a:solidFill>
+                          <a:srgbClr val="000000"/>
+                        </a:solidFill>
+                        <a:effectLst/>
+                        <a:latin typeface="Calibri"/>
+                      </a:endParaRPr>
+                    </a:p>
+                  </a:txBody>
+                  <a:tcPr marL="9525" marR="9525" marT="9525" marB="0" anchor="b"/>
+                </a:tc>
+                <a:tc>
+                  <a:txBody>
+                    <a:bodyPr/>
+                    <a:lstStyle/>
+                    <a:p>
+                      <a:pPr algn="l" fontAlgn="b"/>
+                      <a:r>
+                        <a:rPr lang="en-US" sz="1100" u="none" strike="noStrike">
+                          <a:effectLst/>
+                        </a:rPr>
+                        <a:t> </a:t>
+                      </a:r>
+                      <a:endParaRPr lang="en-US" sz="1100" b="0" i="0" u="none" strike="noStrike">
+                        <a:solidFill>
+                          <a:srgbClr val="000000"/>
+                        </a:solidFill>
+                        <a:effectLst/>
+                        <a:latin typeface="Calibri"/>
+                      </a:endParaRPr>
+                    </a:p>
+                  </a:txBody>
+                  <a:tcPr marL="9525" marR="9525" marT="9525" marB="0" anchor="b"/>
+                </a:tc>
+                <a:tc>
+                  <a:txBody>
+                    <a:bodyPr/>
+                    <a:lstStyle/>
+                    <a:p>
+                      <a:pPr algn="l" fontAlgn="b"/>
+                      <a:r>
+                        <a:rPr lang="en-US" sz="1100" u="none" strike="noStrike">
+                          <a:effectLst/>
+                        </a:rPr>
+                        <a:t> </a:t>
+                      </a:r>
+                      <a:endParaRPr lang="en-US" sz="1100" b="0" i="0" u="none" strike="noStrike">
+                        <a:solidFill>
+                          <a:srgbClr val="000000"/>
+                        </a:solidFill>
+                        <a:effectLst/>
+                        <a:latin typeface="Calibri"/>
+                      </a:endParaRPr>
+                    </a:p>
+                  </a:txBody>
+                  <a:tcPr marL="9525" marR="9525" marT="9525" marB="0" anchor="b"/>
+                </a:tc>
+                <a:tc>
+                  <a:txBody>
+                    <a:bodyPr/>
+                    <a:lstStyle/>
+                    <a:p>
+                      <a:pPr algn="l" fontAlgn="b"/>
+                      <a:r>
+                        <a:rPr lang="en-US" sz="1100" u="none" strike="noStrike">
+                          <a:effectLst/>
+                        </a:rPr>
+                        <a:t> </a:t>
+                      </a:r>
+                      <a:endParaRPr lang="en-US" sz="1100" b="0" i="0" u="none" strike="noStrike">
+                        <a:solidFill>
+                          <a:srgbClr val="000000"/>
+                        </a:solidFill>
+                        <a:effectLst/>
+                        <a:latin typeface="Calibri"/>
+                      </a:endParaRPr>
+                    </a:p>
+                  </a:txBody>
+                  <a:tcPr marL="9525" marR="9525" marT="9525" marB="0" anchor="b"/>
+                </a:tc>
+              </a:tr>
+              <a:tr h="190500">
+                <a:tc>
+                  <a:txBody>
+                    <a:bodyPr/>
+                    <a:lstStyle/>
+                    <a:p>
+                      <a:pPr algn="l" fontAlgn="b"/>
+                      <a:r>
+                        <a:rPr lang="en-US" sz="1100" u="none" strike="noStrike">
+                          <a:effectLst/>
+                        </a:rPr>
+                        <a:t> </a:t>
+                      </a:r>
+                      <a:endParaRPr lang="en-US" sz="1100" b="0" i="0" u="none" strike="noStrike">
+                        <a:solidFill>
+                          <a:srgbClr val="000000"/>
+                        </a:solidFill>
+                        <a:effectLst/>
+                        <a:latin typeface="Calibri"/>
+                      </a:endParaRPr>
+                    </a:p>
+                  </a:txBody>
+                  <a:tcPr marL="9525" marR="9525" marT="9525" marB="0" anchor="b"/>
+                </a:tc>
+                <a:tc>
+                  <a:txBody>
+                    <a:bodyPr/>
+                    <a:lstStyle/>
+                    <a:p>
+                      <a:pPr algn="r" fontAlgn="b"/>
+                      <a:r>
+                        <a:rPr lang="en-US" sz="1100" u="none" strike="noStrike">
+                          <a:effectLst/>
+                        </a:rPr>
+                        <a:t>0</a:t>
+                      </a:r>
+                      <a:endParaRPr lang="en-US" sz="1100" b="0" i="0" u="none" strike="noStrike">
+                        <a:solidFill>
+                          <a:srgbClr val="000000"/>
+                        </a:solidFill>
+                        <a:effectLst/>
+                        <a:latin typeface="Calibri"/>
+                      </a:endParaRPr>
+                    </a:p>
+                  </a:txBody>
+                  <a:tcPr marL="9525" marR="9525" marT="9525" marB="0" anchor="b"/>
+                </a:tc>
+                <a:tc>
+                  <a:txBody>
+                    <a:bodyPr/>
+                    <a:lstStyle/>
+                    <a:p>
+                      <a:pPr algn="r" fontAlgn="b"/>
+                      <a:r>
+                        <a:rPr lang="en-US" sz="1100" u="none" strike="noStrike">
+                          <a:effectLst/>
+                        </a:rPr>
+                        <a:t>0</a:t>
+                      </a:r>
+                      <a:endParaRPr lang="en-US" sz="1100" b="0" i="0" u="none" strike="noStrike">
+                        <a:solidFill>
+                          <a:srgbClr val="000000"/>
+                        </a:solidFill>
+                        <a:effectLst/>
+                        <a:latin typeface="Calibri"/>
+                      </a:endParaRPr>
+                    </a:p>
+                  </a:txBody>
+                  <a:tcPr marL="9525" marR="9525" marT="9525" marB="0" anchor="b"/>
+                </a:tc>
+                <a:tc>
+                  <a:txBody>
+                    <a:bodyPr/>
+                    <a:lstStyle/>
+                    <a:p>
+                      <a:pPr algn="l" fontAlgn="b"/>
+                      <a:r>
+                        <a:rPr lang="en-US" sz="1100" u="none" strike="noStrike">
+                          <a:effectLst/>
+                        </a:rPr>
+                        <a:t> </a:t>
+                      </a:r>
+                      <a:endParaRPr lang="en-US" sz="1100" b="0" i="0" u="none" strike="noStrike">
+                        <a:solidFill>
+                          <a:srgbClr val="000000"/>
+                        </a:solidFill>
+                        <a:effectLst/>
+                        <a:latin typeface="Calibri"/>
+                      </a:endParaRPr>
+                    </a:p>
+                  </a:txBody>
+                  <a:tcPr marL="9525" marR="9525" marT="9525" marB="0" anchor="b"/>
+                </a:tc>
+              </a:tr>
+              <a:tr h="190500">
+                <a:tc>
+                  <a:txBody>
+                    <a:bodyPr/>
+                    <a:lstStyle/>
+                    <a:p>
+                      <a:pPr algn="l" fontAlgn="b"/>
+                      <a:r>
+                        <a:rPr lang="en-US" sz="1100" u="none" strike="noStrike">
+                          <a:effectLst/>
+                        </a:rPr>
+                        <a:t> </a:t>
+                      </a:r>
+                      <a:endParaRPr lang="en-US" sz="1100" b="0" i="0" u="none" strike="noStrike">
+                        <a:solidFill>
+                          <a:srgbClr val="000000"/>
+                        </a:solidFill>
+                        <a:effectLst/>
+                        <a:latin typeface="Calibri"/>
+                      </a:endParaRPr>
+                    </a:p>
+                  </a:txBody>
+                  <a:tcPr marL="9525" marR="9525" marT="9525" marB="0" anchor="b"/>
+                </a:tc>
+                <a:tc>
+                  <a:txBody>
+                    <a:bodyPr/>
+                    <a:lstStyle/>
+                    <a:p>
+                      <a:pPr algn="l" fontAlgn="b"/>
+                      <a:r>
+                        <a:rPr lang="en-US" sz="1100" u="none" strike="noStrike">
+                          <a:effectLst/>
+                        </a:rPr>
+                        <a:t> </a:t>
+                      </a:r>
+                      <a:endParaRPr lang="en-US" sz="1100" b="0" i="0" u="none" strike="noStrike">
+                        <a:solidFill>
+                          <a:srgbClr val="000000"/>
+                        </a:solidFill>
+                        <a:effectLst/>
+                        <a:latin typeface="Calibri"/>
+                      </a:endParaRPr>
+                    </a:p>
+                  </a:txBody>
+                  <a:tcPr marL="9525" marR="9525" marT="9525" marB="0" anchor="b"/>
+                </a:tc>
+                <a:tc>
+                  <a:txBody>
+                    <a:bodyPr/>
+                    <a:lstStyle/>
+                    <a:p>
+                      <a:pPr algn="l" fontAlgn="b"/>
+                      <a:r>
+                        <a:rPr lang="en-US" sz="1100" u="none" strike="noStrike">
+                          <a:effectLst/>
+                        </a:rPr>
+                        <a:t> </a:t>
+                      </a:r>
+                      <a:endParaRPr lang="en-US" sz="1100" b="0" i="0" u="none" strike="noStrike">
+                        <a:solidFill>
+                          <a:srgbClr val="000000"/>
+                        </a:solidFill>
+                        <a:effectLst/>
+                        <a:latin typeface="Calibri"/>
+                      </a:endParaRPr>
+                    </a:p>
+                  </a:txBody>
+                  <a:tcPr marL="9525" marR="9525" marT="9525" marB="0" anchor="b"/>
+                </a:tc>
+                <a:tc>
+                  <a:txBody>
+                    <a:bodyPr/>
+                    <a:lstStyle/>
+                    <a:p>
+                      <a:pPr algn="l" fontAlgn="b"/>
+                      <a:r>
+                        <a:rPr lang="en-US" sz="1100" u="none" strike="noStrike" dirty="0">
+                          <a:effectLst/>
+                        </a:rPr>
+                        <a:t> </a:t>
+                      </a:r>
+                      <a:endParaRPr lang="en-US" sz="1100" b="0" i="0" u="none" strike="noStrike" dirty="0">
+                        <a:solidFill>
+                          <a:srgbClr val="000000"/>
+                        </a:solidFill>
+                        <a:effectLst/>
+                        <a:latin typeface="Calibri"/>
+                      </a:endParaRPr>
+                    </a:p>
+                  </a:txBody>
+                  <a:tcPr marL="9525" marR="9525" marT="9525" marB="0" anchor="b"/>
+                </a:tc>
+              </a:tr>
+            </a:tbl>
+          </a:graphicData>
+        </a:graphic>
+      </p:graphicFrame>
+      <p:graphicFrame>
+        <p:nvGraphicFramePr>
+          <p:cNvPr id="7" name="Table 6"/>
+          <p:cNvGraphicFramePr>
+            <a:graphicFrameLocks noGrp="1"/>
+          </p:cNvGraphicFramePr>
+          <p:nvPr>
+            <p:extLst>
+              <p:ext uri="{D42A27DB-BD31-4B8C-83A1-F6EECF244321}">
+                <p14:modId xmlns:p14="http://schemas.microsoft.com/office/powerpoint/2010/main" val="4222905517"/>
+              </p:ext>
+            </p:extLst>
+          </p:nvPr>
+        </p:nvGraphicFramePr>
+        <p:xfrm>
+          <a:off x="2362200" y="4572000"/>
+          <a:ext cx="584200" cy="952500"/>
+        </p:xfrm>
+        <a:graphic>
+          <a:graphicData uri="http://schemas.openxmlformats.org/drawingml/2006/table">
+            <a:tbl>
+              <a:tblPr>
+                <a:tableStyleId>{5C22544A-7EE6-4342-B048-85BDC9FD1C3A}</a:tableStyleId>
+              </a:tblPr>
+              <a:tblGrid>
+                <a:gridCol w="139700"/>
+                <a:gridCol w="139700"/>
+                <a:gridCol w="139700"/>
+                <a:gridCol w="165100"/>
+              </a:tblGrid>
+              <a:tr h="190500">
+                <a:tc>
+                  <a:txBody>
+                    <a:bodyPr/>
+                    <a:lstStyle/>
+                    <a:p>
+                      <a:pPr algn="l" fontAlgn="b"/>
+                      <a:r>
+                        <a:rPr lang="en-US" sz="1100" u="none" strike="noStrike" dirty="0">
+                          <a:effectLst/>
+                        </a:rPr>
+                        <a:t> </a:t>
+                      </a:r>
+                      <a:endParaRPr lang="en-US" sz="1100" b="0" i="0" u="none" strike="noStrike" dirty="0">
+                        <a:solidFill>
+                          <a:srgbClr val="000000"/>
+                        </a:solidFill>
+                        <a:effectLst/>
+                        <a:latin typeface="Calibri"/>
+                      </a:endParaRPr>
+                    </a:p>
+                  </a:txBody>
+                  <a:tcPr marL="9525" marR="9525" marT="9525" marB="0" anchor="b"/>
+                </a:tc>
+                <a:tc>
+                  <a:txBody>
+                    <a:bodyPr/>
+                    <a:lstStyle/>
+                    <a:p>
+                      <a:pPr algn="l" fontAlgn="b"/>
+                      <a:r>
+                        <a:rPr lang="en-US" sz="1100" u="none" strike="noStrike">
+                          <a:effectLst/>
+                        </a:rPr>
+                        <a:t> </a:t>
+                      </a:r>
+                      <a:endParaRPr lang="en-US" sz="1100" b="0" i="0" u="none" strike="noStrike">
+                        <a:solidFill>
+                          <a:srgbClr val="000000"/>
+                        </a:solidFill>
+                        <a:effectLst/>
+                        <a:latin typeface="Calibri"/>
+                      </a:endParaRPr>
+                    </a:p>
+                  </a:txBody>
+                  <a:tcPr marL="9525" marR="9525" marT="9525" marB="0" anchor="b"/>
+                </a:tc>
+                <a:tc>
+                  <a:txBody>
+                    <a:bodyPr/>
+                    <a:lstStyle/>
+                    <a:p>
+                      <a:pPr algn="l" fontAlgn="b"/>
+                      <a:r>
+                        <a:rPr lang="en-US" sz="1100" u="none" strike="noStrike">
+                          <a:effectLst/>
+                        </a:rPr>
+                        <a:t> </a:t>
+                      </a:r>
+                      <a:endParaRPr lang="en-US" sz="1100" b="0" i="0" u="none" strike="noStrike">
+                        <a:solidFill>
+                          <a:srgbClr val="000000"/>
+                        </a:solidFill>
+                        <a:effectLst/>
+                        <a:latin typeface="Calibri"/>
+                      </a:endParaRPr>
+                    </a:p>
+                  </a:txBody>
+                  <a:tcPr marL="9525" marR="9525" marT="9525" marB="0" anchor="b"/>
+                </a:tc>
+                <a:tc>
+                  <a:txBody>
+                    <a:bodyPr/>
+                    <a:lstStyle/>
+                    <a:p>
+                      <a:pPr algn="l" fontAlgn="b"/>
+                      <a:r>
+                        <a:rPr lang="en-US" sz="1100" u="none" strike="noStrike" dirty="0">
+                          <a:effectLst/>
+                        </a:rPr>
+                        <a:t> </a:t>
+                      </a:r>
+                      <a:endParaRPr lang="en-US" sz="1100" b="0" i="0" u="none" strike="noStrike" dirty="0">
+                        <a:solidFill>
+                          <a:srgbClr val="000000"/>
+                        </a:solidFill>
+                        <a:effectLst/>
+                        <a:latin typeface="Calibri"/>
+                      </a:endParaRPr>
+                    </a:p>
+                  </a:txBody>
+                  <a:tcPr marL="9525" marR="9525" marT="9525" marB="0" anchor="b"/>
+                </a:tc>
+              </a:tr>
+              <a:tr h="190500">
+                <a:tc>
+                  <a:txBody>
+                    <a:bodyPr/>
+                    <a:lstStyle/>
+                    <a:p>
+                      <a:pPr algn="l" fontAlgn="b"/>
+                      <a:r>
+                        <a:rPr lang="en-US" sz="1100" u="none" strike="noStrike">
+                          <a:effectLst/>
+                        </a:rPr>
+                        <a:t>x</a:t>
+                      </a:r>
+                      <a:endParaRPr lang="en-US" sz="1100" b="0" i="0" u="none" strike="noStrike">
+                        <a:solidFill>
+                          <a:srgbClr val="000000"/>
+                        </a:solidFill>
+                        <a:effectLst/>
+                        <a:latin typeface="Calibri"/>
+                      </a:endParaRPr>
+                    </a:p>
+                  </a:txBody>
+                  <a:tcPr marL="9525" marR="9525" marT="9525" marB="0" anchor="b"/>
+                </a:tc>
+                <a:tc>
+                  <a:txBody>
+                    <a:bodyPr/>
+                    <a:lstStyle/>
+                    <a:p>
+                      <a:pPr algn="l" fontAlgn="b"/>
+                      <a:r>
+                        <a:rPr lang="en-US" sz="1100" u="none" strike="noStrike">
+                          <a:effectLst/>
+                        </a:rPr>
+                        <a:t> </a:t>
+                      </a:r>
+                      <a:endParaRPr lang="en-US" sz="1100" b="0" i="0" u="none" strike="noStrike">
+                        <a:solidFill>
+                          <a:srgbClr val="000000"/>
+                        </a:solidFill>
+                        <a:effectLst/>
+                        <a:latin typeface="Calibri"/>
+                      </a:endParaRPr>
+                    </a:p>
+                  </a:txBody>
+                  <a:tcPr marL="9525" marR="9525" marT="9525" marB="0" anchor="b"/>
+                </a:tc>
+                <a:tc>
+                  <a:txBody>
+                    <a:bodyPr/>
+                    <a:lstStyle/>
+                    <a:p>
+                      <a:pPr algn="l" fontAlgn="b"/>
+                      <a:r>
+                        <a:rPr lang="en-US" sz="1100" u="none" strike="noStrike">
+                          <a:effectLst/>
+                        </a:rPr>
+                        <a:t> </a:t>
+                      </a:r>
+                      <a:endParaRPr lang="en-US" sz="1100" b="0" i="0" u="none" strike="noStrike">
+                        <a:solidFill>
+                          <a:srgbClr val="000000"/>
+                        </a:solidFill>
+                        <a:effectLst/>
+                        <a:latin typeface="Calibri"/>
+                      </a:endParaRPr>
+                    </a:p>
+                  </a:txBody>
+                  <a:tcPr marL="9525" marR="9525" marT="9525" marB="0" anchor="b"/>
+                </a:tc>
+                <a:tc>
+                  <a:txBody>
+                    <a:bodyPr/>
+                    <a:lstStyle/>
+                    <a:p>
+                      <a:pPr algn="l" fontAlgn="b"/>
+                      <a:r>
+                        <a:rPr lang="en-US" sz="1100" u="none" strike="noStrike">
+                          <a:effectLst/>
+                        </a:rPr>
+                        <a:t> </a:t>
+                      </a:r>
+                      <a:endParaRPr lang="en-US" sz="1100" b="0" i="0" u="none" strike="noStrike">
+                        <a:solidFill>
+                          <a:srgbClr val="000000"/>
+                        </a:solidFill>
+                        <a:effectLst/>
+                        <a:latin typeface="Calibri"/>
+                      </a:endParaRPr>
+                    </a:p>
+                  </a:txBody>
+                  <a:tcPr marL="9525" marR="9525" marT="9525" marB="0" anchor="b"/>
+                </a:tc>
+              </a:tr>
+              <a:tr h="190500">
+                <a:tc>
+                  <a:txBody>
+                    <a:bodyPr/>
+                    <a:lstStyle/>
+                    <a:p>
+                      <a:pPr algn="l" fontAlgn="b"/>
+                      <a:r>
+                        <a:rPr lang="en-US" sz="1100" u="none" strike="noStrike">
+                          <a:effectLst/>
+                        </a:rPr>
+                        <a:t>x</a:t>
+                      </a:r>
+                      <a:endParaRPr lang="en-US" sz="1100" b="0" i="0" u="none" strike="noStrike">
+                        <a:solidFill>
+                          <a:srgbClr val="000000"/>
+                        </a:solidFill>
+                        <a:effectLst/>
+                        <a:latin typeface="Calibri"/>
+                      </a:endParaRPr>
+                    </a:p>
+                  </a:txBody>
+                  <a:tcPr marL="9525" marR="9525" marT="9525" marB="0" anchor="b"/>
+                </a:tc>
+                <a:tc>
+                  <a:txBody>
+                    <a:bodyPr/>
+                    <a:lstStyle/>
+                    <a:p>
+                      <a:pPr algn="l" fontAlgn="b"/>
+                      <a:r>
+                        <a:rPr lang="en-US" sz="1100" u="none" strike="noStrike">
+                          <a:effectLst/>
+                        </a:rPr>
+                        <a:t> </a:t>
+                      </a:r>
+                      <a:endParaRPr lang="en-US" sz="1100" b="0" i="0" u="none" strike="noStrike">
+                        <a:solidFill>
+                          <a:srgbClr val="000000"/>
+                        </a:solidFill>
+                        <a:effectLst/>
+                        <a:latin typeface="Calibri"/>
+                      </a:endParaRPr>
+                    </a:p>
+                  </a:txBody>
+                  <a:tcPr marL="9525" marR="9525" marT="9525" marB="0" anchor="b"/>
+                </a:tc>
+                <a:tc>
+                  <a:txBody>
+                    <a:bodyPr/>
+                    <a:lstStyle/>
+                    <a:p>
+                      <a:pPr algn="l" fontAlgn="b"/>
+                      <a:r>
+                        <a:rPr lang="en-US" sz="1100" u="none" strike="noStrike">
+                          <a:effectLst/>
+                        </a:rPr>
+                        <a:t> </a:t>
+                      </a:r>
+                      <a:endParaRPr lang="en-US" sz="1100" b="0" i="0" u="none" strike="noStrike">
+                        <a:solidFill>
+                          <a:srgbClr val="000000"/>
+                        </a:solidFill>
+                        <a:effectLst/>
+                        <a:latin typeface="Calibri"/>
+                      </a:endParaRPr>
+                    </a:p>
+                  </a:txBody>
+                  <a:tcPr marL="9525" marR="9525" marT="9525" marB="0" anchor="b"/>
+                </a:tc>
+                <a:tc>
+                  <a:txBody>
+                    <a:bodyPr/>
+                    <a:lstStyle/>
+                    <a:p>
+                      <a:pPr algn="l" fontAlgn="b"/>
+                      <a:r>
+                        <a:rPr lang="en-US" sz="1100" u="none" strike="noStrike">
+                          <a:effectLst/>
+                        </a:rPr>
+                        <a:t> </a:t>
+                      </a:r>
+                      <a:endParaRPr lang="en-US" sz="1100" b="0" i="0" u="none" strike="noStrike">
+                        <a:solidFill>
+                          <a:srgbClr val="000000"/>
+                        </a:solidFill>
+                        <a:effectLst/>
+                        <a:latin typeface="Calibri"/>
+                      </a:endParaRPr>
+                    </a:p>
+                  </a:txBody>
+                  <a:tcPr marL="9525" marR="9525" marT="9525" marB="0" anchor="b"/>
+                </a:tc>
+              </a:tr>
+              <a:tr h="190500">
+                <a:tc>
+                  <a:txBody>
+                    <a:bodyPr/>
+                    <a:lstStyle/>
+                    <a:p>
+                      <a:pPr algn="l" fontAlgn="b"/>
+                      <a:r>
+                        <a:rPr lang="en-US" sz="1100" u="none" strike="noStrike" dirty="0">
+                          <a:solidFill>
+                            <a:srgbClr val="FF0000"/>
+                          </a:solidFill>
+                          <a:effectLst/>
+                        </a:rPr>
+                        <a:t>x</a:t>
+                      </a:r>
+                      <a:endParaRPr lang="en-US" sz="1100" b="0" i="0" u="none" strike="noStrike" dirty="0">
+                        <a:solidFill>
+                          <a:srgbClr val="FF0000"/>
+                        </a:solidFill>
+                        <a:effectLst/>
+                        <a:latin typeface="Calibri"/>
+                      </a:endParaRPr>
+                    </a:p>
+                  </a:txBody>
+                  <a:tcPr marL="9525" marR="9525" marT="9525" marB="0" anchor="b"/>
+                </a:tc>
+                <a:tc>
+                  <a:txBody>
+                    <a:bodyPr/>
+                    <a:lstStyle/>
+                    <a:p>
+                      <a:pPr algn="r" fontAlgn="b"/>
+                      <a:r>
+                        <a:rPr lang="en-US" sz="1100" u="none" strike="noStrike">
+                          <a:effectLst/>
+                        </a:rPr>
+                        <a:t>0</a:t>
+                      </a:r>
+                      <a:endParaRPr lang="en-US" sz="1100" b="0" i="0" u="none" strike="noStrike">
+                        <a:solidFill>
+                          <a:srgbClr val="000000"/>
+                        </a:solidFill>
+                        <a:effectLst/>
+                        <a:latin typeface="Calibri"/>
+                      </a:endParaRPr>
+                    </a:p>
+                  </a:txBody>
+                  <a:tcPr marL="9525" marR="9525" marT="9525" marB="0" anchor="b"/>
+                </a:tc>
+                <a:tc>
+                  <a:txBody>
+                    <a:bodyPr/>
+                    <a:lstStyle/>
+                    <a:p>
+                      <a:pPr algn="r" fontAlgn="b"/>
+                      <a:r>
+                        <a:rPr lang="en-US" sz="1100" u="none" strike="noStrike">
+                          <a:effectLst/>
+                        </a:rPr>
+                        <a:t>0</a:t>
+                      </a:r>
+                      <a:endParaRPr lang="en-US" sz="1100" b="0" i="0" u="none" strike="noStrike">
+                        <a:solidFill>
+                          <a:srgbClr val="000000"/>
+                        </a:solidFill>
+                        <a:effectLst/>
+                        <a:latin typeface="Calibri"/>
+                      </a:endParaRPr>
+                    </a:p>
+                  </a:txBody>
+                  <a:tcPr marL="9525" marR="9525" marT="9525" marB="0" anchor="b"/>
+                </a:tc>
+                <a:tc>
+                  <a:txBody>
+                    <a:bodyPr/>
+                    <a:lstStyle/>
+                    <a:p>
+                      <a:pPr algn="l" fontAlgn="b"/>
+                      <a:r>
+                        <a:rPr lang="en-US" sz="1100" u="none" strike="noStrike">
+                          <a:effectLst/>
+                        </a:rPr>
+                        <a:t> </a:t>
+                      </a:r>
+                      <a:endParaRPr lang="en-US" sz="1100" b="0" i="0" u="none" strike="noStrike">
+                        <a:solidFill>
+                          <a:srgbClr val="000000"/>
+                        </a:solidFill>
+                        <a:effectLst/>
+                        <a:latin typeface="Calibri"/>
+                      </a:endParaRPr>
+                    </a:p>
+                  </a:txBody>
+                  <a:tcPr marL="9525" marR="9525" marT="9525" marB="0" anchor="b"/>
+                </a:tc>
+              </a:tr>
+              <a:tr h="190500">
+                <a:tc>
+                  <a:txBody>
+                    <a:bodyPr/>
+                    <a:lstStyle/>
+                    <a:p>
+                      <a:pPr algn="l" fontAlgn="b"/>
+                      <a:r>
+                        <a:rPr lang="en-US" sz="1100" u="none" strike="noStrike">
+                          <a:effectLst/>
+                        </a:rPr>
+                        <a:t> </a:t>
+                      </a:r>
+                      <a:endParaRPr lang="en-US" sz="1100" b="0" i="0" u="none" strike="noStrike">
+                        <a:solidFill>
+                          <a:srgbClr val="000000"/>
+                        </a:solidFill>
+                        <a:effectLst/>
+                        <a:latin typeface="Calibri"/>
+                      </a:endParaRPr>
+                    </a:p>
+                  </a:txBody>
+                  <a:tcPr marL="9525" marR="9525" marT="9525" marB="0" anchor="b"/>
+                </a:tc>
+                <a:tc>
+                  <a:txBody>
+                    <a:bodyPr/>
+                    <a:lstStyle/>
+                    <a:p>
+                      <a:pPr algn="l" fontAlgn="b"/>
+                      <a:r>
+                        <a:rPr lang="en-US" sz="1100" u="none" strike="noStrike">
+                          <a:effectLst/>
+                        </a:rPr>
+                        <a:t> </a:t>
+                      </a:r>
+                      <a:endParaRPr lang="en-US" sz="1100" b="0" i="0" u="none" strike="noStrike">
+                        <a:solidFill>
+                          <a:srgbClr val="000000"/>
+                        </a:solidFill>
+                        <a:effectLst/>
+                        <a:latin typeface="Calibri"/>
+                      </a:endParaRPr>
+                    </a:p>
+                  </a:txBody>
+                  <a:tcPr marL="9525" marR="9525" marT="9525" marB="0" anchor="b"/>
+                </a:tc>
+                <a:tc>
+                  <a:txBody>
+                    <a:bodyPr/>
+                    <a:lstStyle/>
+                    <a:p>
+                      <a:pPr algn="l" fontAlgn="b"/>
+                      <a:r>
+                        <a:rPr lang="en-US" sz="1100" u="none" strike="noStrike">
+                          <a:effectLst/>
+                        </a:rPr>
+                        <a:t> </a:t>
+                      </a:r>
+                      <a:endParaRPr lang="en-US" sz="1100" b="0" i="0" u="none" strike="noStrike">
+                        <a:solidFill>
+                          <a:srgbClr val="000000"/>
+                        </a:solidFill>
+                        <a:effectLst/>
+                        <a:latin typeface="Calibri"/>
+                      </a:endParaRPr>
+                    </a:p>
+                  </a:txBody>
+                  <a:tcPr marL="9525" marR="9525" marT="9525" marB="0" anchor="b"/>
+                </a:tc>
+                <a:tc>
+                  <a:txBody>
+                    <a:bodyPr/>
+                    <a:lstStyle/>
+                    <a:p>
+                      <a:pPr algn="l" fontAlgn="b"/>
+                      <a:r>
+                        <a:rPr lang="en-US" sz="1100" u="none" strike="noStrike" dirty="0">
+                          <a:effectLst/>
+                        </a:rPr>
+                        <a:t> </a:t>
+                      </a:r>
+                      <a:endParaRPr lang="en-US" sz="1100" b="0" i="0" u="none" strike="noStrike" dirty="0">
+                        <a:solidFill>
+                          <a:srgbClr val="000000"/>
+                        </a:solidFill>
+                        <a:effectLst/>
+                        <a:latin typeface="Calibri"/>
+                      </a:endParaRPr>
+                    </a:p>
+                  </a:txBody>
+                  <a:tcPr marL="9525" marR="9525" marT="9525" marB="0" anchor="b"/>
+                </a:tc>
+              </a:tr>
+            </a:tbl>
+          </a:graphicData>
+        </a:graphic>
+      </p:graphicFrame>
     </p:spTree>
     <p:extLst>
       <p:ext uri="{BB962C8B-B14F-4D97-AF65-F5344CB8AC3E}">
-        <p14:creationId xmlns:p14="http://schemas.microsoft.com/office/powerpoint/2010/main" val="3352461406"/>
+        <p14:creationId xmlns:p14="http://schemas.microsoft.com/office/powerpoint/2010/main" val="1291735940"/>
       </p:ext>
     </p:extLst>
   </p:cSld>
@@ -5212,7 +6753,7 @@
           <a:p>
             <a:r>
               <a:rPr lang="en-US" dirty="0" smtClean="0"/>
-              <a:t>Result of New Utility Function</a:t>
+              <a:t>Win Rate</a:t>
             </a:r>
             <a:endParaRPr lang="en-US" dirty="0"/>
           </a:p>
@@ -5236,9 +6777,16 @@
         </p:spPr>
         <p:txBody>
           <a:bodyPr>
-            <a:normAutofit/>
+            <a:normAutofit fontScale="85000" lnSpcReduction="20000"/>
           </a:bodyPr>
           <a:lstStyle/>
+          <a:p>
+            <a:pPr algn="l"/>
+            <a:r>
+              <a:rPr lang="en-US" sz="2000" dirty="0" smtClean="0"/>
+              <a:t>Compared to Bad AI</a:t>
+            </a:r>
+          </a:p>
           <a:p>
             <a:pPr marL="342900" indent="-342900" algn="l">
               <a:buFont typeface="Arial" panose="020B0604020202020204" pitchFamily="34" charset="0"/>
@@ -5246,7 +6794,17 @@
             </a:pPr>
             <a:r>
               <a:rPr lang="en-US" sz="2000" dirty="0" smtClean="0"/>
-              <a:t>Before the algorithm wasn’t very good. </a:t>
+              <a:t>Algorithm will always win against very bad AI, such as Random AI</a:t>
+            </a:r>
+          </a:p>
+          <a:p>
+            <a:pPr marL="342900" indent="-342900" algn="l">
+              <a:buFont typeface="Arial" panose="020B0604020202020204" pitchFamily="34" charset="0"/>
+              <a:buChar char="•"/>
+            </a:pPr>
+            <a:r>
+              <a:rPr lang="en-US" sz="2000" dirty="0" smtClean="0"/>
+              <a:t>It will also usually win against AI using only depth of 0</a:t>
             </a:r>
           </a:p>
           <a:p>
@@ -5256,19 +6814,7 @@
             </a:pPr>
             <a:r>
               <a:rPr lang="en-US" sz="1600" dirty="0" smtClean="0"/>
-              <a:t>Values </a:t>
-            </a:r>
-            <a:r>
-              <a:rPr lang="en-US" sz="1600" smtClean="0"/>
-              <a:t>for </a:t>
-            </a:r>
-            <a:r>
-              <a:rPr lang="en-US" sz="1600" smtClean="0"/>
-              <a:t>some good </a:t>
-            </a:r>
-            <a:r>
-              <a:rPr lang="en-US" sz="1600" dirty="0" smtClean="0"/>
-              <a:t>moves and better moves were the same</a:t>
+              <a:t>Depth 0 AI will not expand moves, but just find max of tile values</a:t>
             </a:r>
           </a:p>
           <a:p>
@@ -5278,7 +6824,14 @@
             </a:pPr>
             <a:r>
               <a:rPr lang="en-US" sz="1600" dirty="0" smtClean="0"/>
-              <a:t>Some bad moves looked more appealing than actual good moves</a:t>
+              <a:t>Algorithm sometimes lost if the first move was bad. We gave algorithm a low starting depth value and it would occasionally pick a bad first move</a:t>
+            </a:r>
+          </a:p>
+          <a:p>
+            <a:pPr algn="l"/>
+            <a:r>
+              <a:rPr lang="en-US" sz="2000" dirty="0" smtClean="0"/>
+              <a:t>Compared to Decent AI</a:t>
             </a:r>
           </a:p>
           <a:p>
@@ -5288,7 +6841,7 @@
             </a:pPr>
             <a:r>
               <a:rPr lang="en-US" sz="2000" dirty="0" smtClean="0"/>
-              <a:t>Modified algorithm now has have higher values for better moves</a:t>
+              <a:t>Against our original AI with the original utility function, the algorithm was very good</a:t>
             </a:r>
           </a:p>
           <a:p>
@@ -5298,7 +6851,14 @@
             </a:pPr>
             <a:r>
               <a:rPr lang="en-US" sz="1600" dirty="0" smtClean="0"/>
-              <a:t>A move that helped make a 4 in a row for the AI AND blocks the opponent now seems better than a move that only makes a 4 in a row</a:t>
+              <a:t>This was because the original AI would make occasional very bad moves</a:t>
+            </a:r>
+          </a:p>
+          <a:p>
+            <a:pPr algn="l"/>
+            <a:r>
+              <a:rPr lang="en-US" sz="2000" dirty="0" smtClean="0"/>
+              <a:t>Compared to Players</a:t>
             </a:r>
           </a:p>
           <a:p>
@@ -5306,7 +6866,10 @@
               <a:buFont typeface="Arial" panose="020B0604020202020204" pitchFamily="34" charset="0"/>
               <a:buChar char="•"/>
             </a:pPr>
-            <a:endParaRPr lang="en-US" sz="1600" dirty="0" smtClean="0"/>
+            <a:r>
+              <a:rPr lang="en-US" sz="2000" dirty="0" smtClean="0"/>
+              <a:t>Compared to players, the algorithm would win sometimes</a:t>
+            </a:r>
           </a:p>
           <a:p>
             <a:pPr marL="342900" indent="-342900" algn="l">
@@ -5314,8 +6877,18 @@
               <a:buChar char="•"/>
             </a:pPr>
             <a:r>
+              <a:rPr lang="en-US" sz="2000" dirty="0" smtClean="0"/>
+              <a:t>It was very good at making plans that led to it’s own victory</a:t>
+            </a:r>
+          </a:p>
+          <a:p>
+            <a:pPr marL="800100" lvl="1" indent="-342900" algn="l">
+              <a:buFont typeface="Arial" panose="020B0604020202020204" pitchFamily="34" charset="0"/>
+              <a:buChar char="•"/>
+            </a:pPr>
+            <a:r>
               <a:rPr lang="en-US" sz="1600" dirty="0" smtClean="0"/>
-              <a:t>Given</a:t>
+              <a:t>Moves that allowed multiple possible winning moves</a:t>
             </a:r>
           </a:p>
           <a:p>
@@ -5323,1557 +6896,38 @@
               <a:buFont typeface="Arial" panose="020B0604020202020204" pitchFamily="34" charset="0"/>
               <a:buChar char="•"/>
             </a:pPr>
-            <a:endParaRPr lang="en-US" sz="1600" dirty="0"/>
-          </a:p>
-          <a:p>
-            <a:pPr marL="342900" indent="-342900" algn="l">
+            <a:r>
+              <a:rPr lang="en-US" sz="2000" dirty="0" smtClean="0"/>
+              <a:t>However it was bad at stopping Player’s strategy of making good plans</a:t>
+            </a:r>
+          </a:p>
+          <a:p>
+            <a:pPr marL="800100" lvl="1" indent="-342900" algn="l">
               <a:buFont typeface="Arial" panose="020B0604020202020204" pitchFamily="34" charset="0"/>
               <a:buChar char="•"/>
             </a:pPr>
-            <a:endParaRPr lang="en-US" sz="1600" dirty="0" smtClean="0"/>
-          </a:p>
-          <a:p>
-            <a:pPr marL="342900" indent="-342900" algn="l">
+            <a:r>
+              <a:rPr lang="en-US" sz="1600" dirty="0" smtClean="0"/>
+              <a:t>It can be easy to beat if the player went first</a:t>
+            </a:r>
+          </a:p>
+          <a:p>
+            <a:pPr marL="800100" lvl="1" indent="-342900" algn="l">
               <a:buFont typeface="Arial" panose="020B0604020202020204" pitchFamily="34" charset="0"/>
               <a:buChar char="•"/>
             </a:pPr>
-            <a:endParaRPr lang="en-US" sz="1600" dirty="0" smtClean="0"/>
-          </a:p>
-          <a:p>
-            <a:pPr marL="342900" indent="-342900" algn="l">
-              <a:buFont typeface="Arial" panose="020B0604020202020204" pitchFamily="34" charset="0"/>
-              <a:buChar char="•"/>
-            </a:pPr>
             <a:r>
               <a:rPr lang="en-US" sz="1600" dirty="0" smtClean="0"/>
-              <a:t>Better to do                  than  </a:t>
+              <a:t>AI did not make good blocking moves that could stop players early on</a:t>
             </a:r>
             <a:endParaRPr lang="en-US" sz="1600" dirty="0"/>
           </a:p>
         </p:txBody>
       </p:sp>
-      <p:graphicFrame>
-        <p:nvGraphicFramePr>
-          <p:cNvPr id="5" name="Table 4"/>
-          <p:cNvGraphicFramePr>
-            <a:graphicFrameLocks noGrp="1"/>
-          </p:cNvGraphicFramePr>
-          <p:nvPr>
-            <p:extLst>
-              <p:ext uri="{D42A27DB-BD31-4B8C-83A1-F6EECF244321}">
-                <p14:modId xmlns:p14="http://schemas.microsoft.com/office/powerpoint/2010/main" val="1320435111"/>
-              </p:ext>
-            </p:extLst>
-          </p:nvPr>
-        </p:nvGraphicFramePr>
-        <p:xfrm>
-          <a:off x="1752600" y="3733800"/>
-          <a:ext cx="584200" cy="952500"/>
-        </p:xfrm>
-        <a:graphic>
-          <a:graphicData uri="http://schemas.openxmlformats.org/drawingml/2006/table">
-            <a:tbl>
-              <a:tblPr>
-                <a:tableStyleId>{5C22544A-7EE6-4342-B048-85BDC9FD1C3A}</a:tableStyleId>
-              </a:tblPr>
-              <a:tblGrid>
-                <a:gridCol w="139700"/>
-                <a:gridCol w="139700"/>
-                <a:gridCol w="139700"/>
-                <a:gridCol w="165100"/>
-              </a:tblGrid>
-              <a:tr h="190500">
-                <a:tc>
-                  <a:txBody>
-                    <a:bodyPr/>
-                    <a:lstStyle/>
-                    <a:p>
-                      <a:pPr algn="l" fontAlgn="b"/>
-                      <a:r>
-                        <a:rPr lang="en-US" sz="1100" u="none" strike="noStrike" dirty="0">
-                          <a:effectLst/>
-                        </a:rPr>
-                        <a:t> </a:t>
-                      </a:r>
-                      <a:endParaRPr lang="en-US" sz="1100" b="0" i="0" u="none" strike="noStrike" dirty="0">
-                        <a:solidFill>
-                          <a:srgbClr val="000000"/>
-                        </a:solidFill>
-                        <a:effectLst/>
-                        <a:latin typeface="Calibri"/>
-                      </a:endParaRPr>
-                    </a:p>
-                  </a:txBody>
-                  <a:tcPr marL="9525" marR="9525" marT="9525" marB="0" anchor="b"/>
-                </a:tc>
-                <a:tc>
-                  <a:txBody>
-                    <a:bodyPr/>
-                    <a:lstStyle/>
-                    <a:p>
-                      <a:pPr algn="l" fontAlgn="b"/>
-                      <a:r>
-                        <a:rPr lang="en-US" sz="1100" u="none" strike="noStrike">
-                          <a:effectLst/>
-                        </a:rPr>
-                        <a:t> </a:t>
-                      </a:r>
-                      <a:endParaRPr lang="en-US" sz="1100" b="0" i="0" u="none" strike="noStrike">
-                        <a:solidFill>
-                          <a:srgbClr val="000000"/>
-                        </a:solidFill>
-                        <a:effectLst/>
-                        <a:latin typeface="Calibri"/>
-                      </a:endParaRPr>
-                    </a:p>
-                  </a:txBody>
-                  <a:tcPr marL="9525" marR="9525" marT="9525" marB="0" anchor="b"/>
-                </a:tc>
-                <a:tc>
-                  <a:txBody>
-                    <a:bodyPr/>
-                    <a:lstStyle/>
-                    <a:p>
-                      <a:pPr algn="l" fontAlgn="b"/>
-                      <a:r>
-                        <a:rPr lang="en-US" sz="1100" u="none" strike="noStrike">
-                          <a:effectLst/>
-                        </a:rPr>
-                        <a:t> </a:t>
-                      </a:r>
-                      <a:endParaRPr lang="en-US" sz="1100" b="0" i="0" u="none" strike="noStrike">
-                        <a:solidFill>
-                          <a:srgbClr val="000000"/>
-                        </a:solidFill>
-                        <a:effectLst/>
-                        <a:latin typeface="Calibri"/>
-                      </a:endParaRPr>
-                    </a:p>
-                  </a:txBody>
-                  <a:tcPr marL="9525" marR="9525" marT="9525" marB="0" anchor="b"/>
-                </a:tc>
-                <a:tc>
-                  <a:txBody>
-                    <a:bodyPr/>
-                    <a:lstStyle/>
-                    <a:p>
-                      <a:pPr algn="l" fontAlgn="b"/>
-                      <a:r>
-                        <a:rPr lang="en-US" sz="1100" u="none" strike="noStrike">
-                          <a:effectLst/>
-                        </a:rPr>
-                        <a:t> </a:t>
-                      </a:r>
-                      <a:endParaRPr lang="en-US" sz="1100" b="0" i="0" u="none" strike="noStrike">
-                        <a:solidFill>
-                          <a:srgbClr val="000000"/>
-                        </a:solidFill>
-                        <a:effectLst/>
-                        <a:latin typeface="Calibri"/>
-                      </a:endParaRPr>
-                    </a:p>
-                  </a:txBody>
-                  <a:tcPr marL="9525" marR="9525" marT="9525" marB="0" anchor="b"/>
-                </a:tc>
-              </a:tr>
-              <a:tr h="190500">
-                <a:tc>
-                  <a:txBody>
-                    <a:bodyPr/>
-                    <a:lstStyle/>
-                    <a:p>
-                      <a:pPr algn="l" fontAlgn="b"/>
-                      <a:r>
-                        <a:rPr lang="en-US" sz="1100" u="none" strike="noStrike">
-                          <a:effectLst/>
-                        </a:rPr>
-                        <a:t>x</a:t>
-                      </a:r>
-                      <a:endParaRPr lang="en-US" sz="1100" b="0" i="0" u="none" strike="noStrike">
-                        <a:solidFill>
-                          <a:srgbClr val="000000"/>
-                        </a:solidFill>
-                        <a:effectLst/>
-                        <a:latin typeface="Calibri"/>
-                      </a:endParaRPr>
-                    </a:p>
-                  </a:txBody>
-                  <a:tcPr marL="9525" marR="9525" marT="9525" marB="0" anchor="b"/>
-                </a:tc>
-                <a:tc>
-                  <a:txBody>
-                    <a:bodyPr/>
-                    <a:lstStyle/>
-                    <a:p>
-                      <a:pPr algn="l" fontAlgn="b"/>
-                      <a:r>
-                        <a:rPr lang="en-US" sz="1100" u="none" strike="noStrike">
-                          <a:effectLst/>
-                        </a:rPr>
-                        <a:t> </a:t>
-                      </a:r>
-                      <a:endParaRPr lang="en-US" sz="1100" b="0" i="0" u="none" strike="noStrike">
-                        <a:solidFill>
-                          <a:srgbClr val="000000"/>
-                        </a:solidFill>
-                        <a:effectLst/>
-                        <a:latin typeface="Calibri"/>
-                      </a:endParaRPr>
-                    </a:p>
-                  </a:txBody>
-                  <a:tcPr marL="9525" marR="9525" marT="9525" marB="0" anchor="b"/>
-                </a:tc>
-                <a:tc>
-                  <a:txBody>
-                    <a:bodyPr/>
-                    <a:lstStyle/>
-                    <a:p>
-                      <a:pPr algn="l" fontAlgn="b"/>
-                      <a:r>
-                        <a:rPr lang="en-US" sz="1100" u="none" strike="noStrike">
-                          <a:effectLst/>
-                        </a:rPr>
-                        <a:t> </a:t>
-                      </a:r>
-                      <a:endParaRPr lang="en-US" sz="1100" b="0" i="0" u="none" strike="noStrike">
-                        <a:solidFill>
-                          <a:srgbClr val="000000"/>
-                        </a:solidFill>
-                        <a:effectLst/>
-                        <a:latin typeface="Calibri"/>
-                      </a:endParaRPr>
-                    </a:p>
-                  </a:txBody>
-                  <a:tcPr marL="9525" marR="9525" marT="9525" marB="0" anchor="b"/>
-                </a:tc>
-                <a:tc>
-                  <a:txBody>
-                    <a:bodyPr/>
-                    <a:lstStyle/>
-                    <a:p>
-                      <a:pPr algn="l" fontAlgn="b"/>
-                      <a:r>
-                        <a:rPr lang="en-US" sz="1100" u="none" strike="noStrike">
-                          <a:effectLst/>
-                        </a:rPr>
-                        <a:t> </a:t>
-                      </a:r>
-                      <a:endParaRPr lang="en-US" sz="1100" b="0" i="0" u="none" strike="noStrike">
-                        <a:solidFill>
-                          <a:srgbClr val="000000"/>
-                        </a:solidFill>
-                        <a:effectLst/>
-                        <a:latin typeface="Calibri"/>
-                      </a:endParaRPr>
-                    </a:p>
-                  </a:txBody>
-                  <a:tcPr marL="9525" marR="9525" marT="9525" marB="0" anchor="b"/>
-                </a:tc>
-              </a:tr>
-              <a:tr h="190500">
-                <a:tc>
-                  <a:txBody>
-                    <a:bodyPr/>
-                    <a:lstStyle/>
-                    <a:p>
-                      <a:pPr algn="l" fontAlgn="b"/>
-                      <a:r>
-                        <a:rPr lang="en-US" sz="1100" u="none" strike="noStrike">
-                          <a:effectLst/>
-                        </a:rPr>
-                        <a:t>x</a:t>
-                      </a:r>
-                      <a:endParaRPr lang="en-US" sz="1100" b="0" i="0" u="none" strike="noStrike">
-                        <a:solidFill>
-                          <a:srgbClr val="000000"/>
-                        </a:solidFill>
-                        <a:effectLst/>
-                        <a:latin typeface="Calibri"/>
-                      </a:endParaRPr>
-                    </a:p>
-                  </a:txBody>
-                  <a:tcPr marL="9525" marR="9525" marT="9525" marB="0" anchor="b"/>
-                </a:tc>
-                <a:tc>
-                  <a:txBody>
-                    <a:bodyPr/>
-                    <a:lstStyle/>
-                    <a:p>
-                      <a:pPr algn="l" fontAlgn="b"/>
-                      <a:r>
-                        <a:rPr lang="en-US" sz="1100" u="none" strike="noStrike">
-                          <a:effectLst/>
-                        </a:rPr>
-                        <a:t> </a:t>
-                      </a:r>
-                      <a:endParaRPr lang="en-US" sz="1100" b="0" i="0" u="none" strike="noStrike">
-                        <a:solidFill>
-                          <a:srgbClr val="000000"/>
-                        </a:solidFill>
-                        <a:effectLst/>
-                        <a:latin typeface="Calibri"/>
-                      </a:endParaRPr>
-                    </a:p>
-                  </a:txBody>
-                  <a:tcPr marL="9525" marR="9525" marT="9525" marB="0" anchor="b"/>
-                </a:tc>
-                <a:tc>
-                  <a:txBody>
-                    <a:bodyPr/>
-                    <a:lstStyle/>
-                    <a:p>
-                      <a:pPr algn="l" fontAlgn="b"/>
-                      <a:r>
-                        <a:rPr lang="en-US" sz="1100" u="none" strike="noStrike">
-                          <a:effectLst/>
-                        </a:rPr>
-                        <a:t> </a:t>
-                      </a:r>
-                      <a:endParaRPr lang="en-US" sz="1100" b="0" i="0" u="none" strike="noStrike">
-                        <a:solidFill>
-                          <a:srgbClr val="000000"/>
-                        </a:solidFill>
-                        <a:effectLst/>
-                        <a:latin typeface="Calibri"/>
-                      </a:endParaRPr>
-                    </a:p>
-                  </a:txBody>
-                  <a:tcPr marL="9525" marR="9525" marT="9525" marB="0" anchor="b"/>
-                </a:tc>
-                <a:tc>
-                  <a:txBody>
-                    <a:bodyPr/>
-                    <a:lstStyle/>
-                    <a:p>
-                      <a:pPr algn="l" fontAlgn="b"/>
-                      <a:r>
-                        <a:rPr lang="en-US" sz="1100" u="none" strike="noStrike">
-                          <a:effectLst/>
-                        </a:rPr>
-                        <a:t> </a:t>
-                      </a:r>
-                      <a:endParaRPr lang="en-US" sz="1100" b="0" i="0" u="none" strike="noStrike">
-                        <a:solidFill>
-                          <a:srgbClr val="000000"/>
-                        </a:solidFill>
-                        <a:effectLst/>
-                        <a:latin typeface="Calibri"/>
-                      </a:endParaRPr>
-                    </a:p>
-                  </a:txBody>
-                  <a:tcPr marL="9525" marR="9525" marT="9525" marB="0" anchor="b"/>
-                </a:tc>
-              </a:tr>
-              <a:tr h="190500">
-                <a:tc>
-                  <a:txBody>
-                    <a:bodyPr/>
-                    <a:lstStyle/>
-                    <a:p>
-                      <a:pPr algn="l" fontAlgn="b"/>
-                      <a:r>
-                        <a:rPr lang="en-US" sz="1100" u="none" strike="noStrike">
-                          <a:effectLst/>
-                        </a:rPr>
-                        <a:t> </a:t>
-                      </a:r>
-                      <a:endParaRPr lang="en-US" sz="1100" b="0" i="0" u="none" strike="noStrike">
-                        <a:solidFill>
-                          <a:srgbClr val="000000"/>
-                        </a:solidFill>
-                        <a:effectLst/>
-                        <a:latin typeface="Calibri"/>
-                      </a:endParaRPr>
-                    </a:p>
-                  </a:txBody>
-                  <a:tcPr marL="9525" marR="9525" marT="9525" marB="0" anchor="b"/>
-                </a:tc>
-                <a:tc>
-                  <a:txBody>
-                    <a:bodyPr/>
-                    <a:lstStyle/>
-                    <a:p>
-                      <a:pPr algn="r" fontAlgn="b"/>
-                      <a:r>
-                        <a:rPr lang="en-US" sz="1100" u="none" strike="noStrike">
-                          <a:effectLst/>
-                        </a:rPr>
-                        <a:t>0</a:t>
-                      </a:r>
-                      <a:endParaRPr lang="en-US" sz="1100" b="0" i="0" u="none" strike="noStrike">
-                        <a:solidFill>
-                          <a:srgbClr val="000000"/>
-                        </a:solidFill>
-                        <a:effectLst/>
-                        <a:latin typeface="Calibri"/>
-                      </a:endParaRPr>
-                    </a:p>
-                  </a:txBody>
-                  <a:tcPr marL="9525" marR="9525" marT="9525" marB="0" anchor="b"/>
-                </a:tc>
-                <a:tc>
-                  <a:txBody>
-                    <a:bodyPr/>
-                    <a:lstStyle/>
-                    <a:p>
-                      <a:pPr algn="r" fontAlgn="b"/>
-                      <a:r>
-                        <a:rPr lang="en-US" sz="1100" u="none" strike="noStrike">
-                          <a:effectLst/>
-                        </a:rPr>
-                        <a:t>0</a:t>
-                      </a:r>
-                      <a:endParaRPr lang="en-US" sz="1100" b="0" i="0" u="none" strike="noStrike">
-                        <a:solidFill>
-                          <a:srgbClr val="000000"/>
-                        </a:solidFill>
-                        <a:effectLst/>
-                        <a:latin typeface="Calibri"/>
-                      </a:endParaRPr>
-                    </a:p>
-                  </a:txBody>
-                  <a:tcPr marL="9525" marR="9525" marT="9525" marB="0" anchor="b"/>
-                </a:tc>
-                <a:tc>
-                  <a:txBody>
-                    <a:bodyPr/>
-                    <a:lstStyle/>
-                    <a:p>
-                      <a:pPr algn="l" fontAlgn="b"/>
-                      <a:r>
-                        <a:rPr lang="en-US" sz="1100" u="none" strike="noStrike">
-                          <a:effectLst/>
-                        </a:rPr>
-                        <a:t> </a:t>
-                      </a:r>
-                      <a:endParaRPr lang="en-US" sz="1100" b="0" i="0" u="none" strike="noStrike">
-                        <a:solidFill>
-                          <a:srgbClr val="000000"/>
-                        </a:solidFill>
-                        <a:effectLst/>
-                        <a:latin typeface="Calibri"/>
-                      </a:endParaRPr>
-                    </a:p>
-                  </a:txBody>
-                  <a:tcPr marL="9525" marR="9525" marT="9525" marB="0" anchor="b"/>
-                </a:tc>
-              </a:tr>
-              <a:tr h="190500">
-                <a:tc>
-                  <a:txBody>
-                    <a:bodyPr/>
-                    <a:lstStyle/>
-                    <a:p>
-                      <a:pPr algn="l" fontAlgn="b"/>
-                      <a:r>
-                        <a:rPr lang="en-US" sz="1100" u="none" strike="noStrike">
-                          <a:effectLst/>
-                        </a:rPr>
-                        <a:t> </a:t>
-                      </a:r>
-                      <a:endParaRPr lang="en-US" sz="1100" b="0" i="0" u="none" strike="noStrike">
-                        <a:solidFill>
-                          <a:srgbClr val="000000"/>
-                        </a:solidFill>
-                        <a:effectLst/>
-                        <a:latin typeface="Calibri"/>
-                      </a:endParaRPr>
-                    </a:p>
-                  </a:txBody>
-                  <a:tcPr marL="9525" marR="9525" marT="9525" marB="0" anchor="b"/>
-                </a:tc>
-                <a:tc>
-                  <a:txBody>
-                    <a:bodyPr/>
-                    <a:lstStyle/>
-                    <a:p>
-                      <a:pPr algn="l" fontAlgn="b"/>
-                      <a:r>
-                        <a:rPr lang="en-US" sz="1100" u="none" strike="noStrike">
-                          <a:effectLst/>
-                        </a:rPr>
-                        <a:t> </a:t>
-                      </a:r>
-                      <a:endParaRPr lang="en-US" sz="1100" b="0" i="0" u="none" strike="noStrike">
-                        <a:solidFill>
-                          <a:srgbClr val="000000"/>
-                        </a:solidFill>
-                        <a:effectLst/>
-                        <a:latin typeface="Calibri"/>
-                      </a:endParaRPr>
-                    </a:p>
-                  </a:txBody>
-                  <a:tcPr marL="9525" marR="9525" marT="9525" marB="0" anchor="b"/>
-                </a:tc>
-                <a:tc>
-                  <a:txBody>
-                    <a:bodyPr/>
-                    <a:lstStyle/>
-                    <a:p>
-                      <a:pPr algn="l" fontAlgn="b"/>
-                      <a:r>
-                        <a:rPr lang="en-US" sz="1100" u="none" strike="noStrike">
-                          <a:effectLst/>
-                        </a:rPr>
-                        <a:t> </a:t>
-                      </a:r>
-                      <a:endParaRPr lang="en-US" sz="1100" b="0" i="0" u="none" strike="noStrike">
-                        <a:solidFill>
-                          <a:srgbClr val="000000"/>
-                        </a:solidFill>
-                        <a:effectLst/>
-                        <a:latin typeface="Calibri"/>
-                      </a:endParaRPr>
-                    </a:p>
-                  </a:txBody>
-                  <a:tcPr marL="9525" marR="9525" marT="9525" marB="0" anchor="b"/>
-                </a:tc>
-                <a:tc>
-                  <a:txBody>
-                    <a:bodyPr/>
-                    <a:lstStyle/>
-                    <a:p>
-                      <a:pPr algn="l" fontAlgn="b"/>
-                      <a:r>
-                        <a:rPr lang="en-US" sz="1100" u="none" strike="noStrike" dirty="0">
-                          <a:effectLst/>
-                        </a:rPr>
-                        <a:t> </a:t>
-                      </a:r>
-                      <a:endParaRPr lang="en-US" sz="1100" b="0" i="0" u="none" strike="noStrike" dirty="0">
-                        <a:solidFill>
-                          <a:srgbClr val="000000"/>
-                        </a:solidFill>
-                        <a:effectLst/>
-                        <a:latin typeface="Calibri"/>
-                      </a:endParaRPr>
-                    </a:p>
-                  </a:txBody>
-                  <a:tcPr marL="9525" marR="9525" marT="9525" marB="0" anchor="b"/>
-                </a:tc>
-              </a:tr>
-            </a:tbl>
-          </a:graphicData>
-        </a:graphic>
-      </p:graphicFrame>
-      <p:graphicFrame>
-        <p:nvGraphicFramePr>
-          <p:cNvPr id="6" name="Table 5"/>
-          <p:cNvGraphicFramePr>
-            <a:graphicFrameLocks noGrp="1"/>
-          </p:cNvGraphicFramePr>
-          <p:nvPr>
-            <p:extLst>
-              <p:ext uri="{D42A27DB-BD31-4B8C-83A1-F6EECF244321}">
-                <p14:modId xmlns:p14="http://schemas.microsoft.com/office/powerpoint/2010/main" val="2459973037"/>
-              </p:ext>
-            </p:extLst>
-          </p:nvPr>
-        </p:nvGraphicFramePr>
-        <p:xfrm>
-          <a:off x="3581400" y="4572000"/>
-          <a:ext cx="584200" cy="952500"/>
-        </p:xfrm>
-        <a:graphic>
-          <a:graphicData uri="http://schemas.openxmlformats.org/drawingml/2006/table">
-            <a:tbl>
-              <a:tblPr>
-                <a:tableStyleId>{5C22544A-7EE6-4342-B048-85BDC9FD1C3A}</a:tableStyleId>
-              </a:tblPr>
-              <a:tblGrid>
-                <a:gridCol w="139700"/>
-                <a:gridCol w="139700"/>
-                <a:gridCol w="139700"/>
-                <a:gridCol w="165100"/>
-              </a:tblGrid>
-              <a:tr h="190500">
-                <a:tc>
-                  <a:txBody>
-                    <a:bodyPr/>
-                    <a:lstStyle/>
-                    <a:p>
-                      <a:pPr algn="l" fontAlgn="b"/>
-                      <a:r>
-                        <a:rPr lang="en-US" sz="1100" u="none" strike="noStrike" dirty="0">
-                          <a:solidFill>
-                            <a:srgbClr val="FF0000"/>
-                          </a:solidFill>
-                          <a:effectLst/>
-                        </a:rPr>
-                        <a:t>x</a:t>
-                      </a:r>
-                      <a:endParaRPr lang="en-US" sz="1100" b="0" i="0" u="none" strike="noStrike" dirty="0">
-                        <a:solidFill>
-                          <a:srgbClr val="FF0000"/>
-                        </a:solidFill>
-                        <a:effectLst/>
-                        <a:latin typeface="Calibri"/>
-                      </a:endParaRPr>
-                    </a:p>
-                  </a:txBody>
-                  <a:tcPr marL="9525" marR="9525" marT="9525" marB="0" anchor="b"/>
-                </a:tc>
-                <a:tc>
-                  <a:txBody>
-                    <a:bodyPr/>
-                    <a:lstStyle/>
-                    <a:p>
-                      <a:pPr algn="l" fontAlgn="b"/>
-                      <a:r>
-                        <a:rPr lang="en-US" sz="1100" u="none" strike="noStrike">
-                          <a:effectLst/>
-                        </a:rPr>
-                        <a:t> </a:t>
-                      </a:r>
-                      <a:endParaRPr lang="en-US" sz="1100" b="0" i="0" u="none" strike="noStrike">
-                        <a:solidFill>
-                          <a:srgbClr val="000000"/>
-                        </a:solidFill>
-                        <a:effectLst/>
-                        <a:latin typeface="Calibri"/>
-                      </a:endParaRPr>
-                    </a:p>
-                  </a:txBody>
-                  <a:tcPr marL="9525" marR="9525" marT="9525" marB="0" anchor="b"/>
-                </a:tc>
-                <a:tc>
-                  <a:txBody>
-                    <a:bodyPr/>
-                    <a:lstStyle/>
-                    <a:p>
-                      <a:pPr algn="l" fontAlgn="b"/>
-                      <a:r>
-                        <a:rPr lang="en-US" sz="1100" u="none" strike="noStrike">
-                          <a:effectLst/>
-                        </a:rPr>
-                        <a:t> </a:t>
-                      </a:r>
-                      <a:endParaRPr lang="en-US" sz="1100" b="0" i="0" u="none" strike="noStrike">
-                        <a:solidFill>
-                          <a:srgbClr val="000000"/>
-                        </a:solidFill>
-                        <a:effectLst/>
-                        <a:latin typeface="Calibri"/>
-                      </a:endParaRPr>
-                    </a:p>
-                  </a:txBody>
-                  <a:tcPr marL="9525" marR="9525" marT="9525" marB="0" anchor="b"/>
-                </a:tc>
-                <a:tc>
-                  <a:txBody>
-                    <a:bodyPr/>
-                    <a:lstStyle/>
-                    <a:p>
-                      <a:pPr algn="l" fontAlgn="b"/>
-                      <a:r>
-                        <a:rPr lang="en-US" sz="1100" u="none" strike="noStrike">
-                          <a:effectLst/>
-                        </a:rPr>
-                        <a:t> </a:t>
-                      </a:r>
-                      <a:endParaRPr lang="en-US" sz="1100" b="0" i="0" u="none" strike="noStrike">
-                        <a:solidFill>
-                          <a:srgbClr val="000000"/>
-                        </a:solidFill>
-                        <a:effectLst/>
-                        <a:latin typeface="Calibri"/>
-                      </a:endParaRPr>
-                    </a:p>
-                  </a:txBody>
-                  <a:tcPr marL="9525" marR="9525" marT="9525" marB="0" anchor="b"/>
-                </a:tc>
-              </a:tr>
-              <a:tr h="190500">
-                <a:tc>
-                  <a:txBody>
-                    <a:bodyPr/>
-                    <a:lstStyle/>
-                    <a:p>
-                      <a:pPr algn="l" fontAlgn="b"/>
-                      <a:r>
-                        <a:rPr lang="en-US" sz="1100" u="none" strike="noStrike">
-                          <a:effectLst/>
-                        </a:rPr>
-                        <a:t>x</a:t>
-                      </a:r>
-                      <a:endParaRPr lang="en-US" sz="1100" b="0" i="0" u="none" strike="noStrike">
-                        <a:solidFill>
-                          <a:srgbClr val="000000"/>
-                        </a:solidFill>
-                        <a:effectLst/>
-                        <a:latin typeface="Calibri"/>
-                      </a:endParaRPr>
-                    </a:p>
-                  </a:txBody>
-                  <a:tcPr marL="9525" marR="9525" marT="9525" marB="0" anchor="b"/>
-                </a:tc>
-                <a:tc>
-                  <a:txBody>
-                    <a:bodyPr/>
-                    <a:lstStyle/>
-                    <a:p>
-                      <a:pPr algn="l" fontAlgn="b"/>
-                      <a:r>
-                        <a:rPr lang="en-US" sz="1100" u="none" strike="noStrike">
-                          <a:effectLst/>
-                        </a:rPr>
-                        <a:t> </a:t>
-                      </a:r>
-                      <a:endParaRPr lang="en-US" sz="1100" b="0" i="0" u="none" strike="noStrike">
-                        <a:solidFill>
-                          <a:srgbClr val="000000"/>
-                        </a:solidFill>
-                        <a:effectLst/>
-                        <a:latin typeface="Calibri"/>
-                      </a:endParaRPr>
-                    </a:p>
-                  </a:txBody>
-                  <a:tcPr marL="9525" marR="9525" marT="9525" marB="0" anchor="b"/>
-                </a:tc>
-                <a:tc>
-                  <a:txBody>
-                    <a:bodyPr/>
-                    <a:lstStyle/>
-                    <a:p>
-                      <a:pPr algn="l" fontAlgn="b"/>
-                      <a:r>
-                        <a:rPr lang="en-US" sz="1100" u="none" strike="noStrike" dirty="0">
-                          <a:effectLst/>
-                        </a:rPr>
-                        <a:t> </a:t>
-                      </a:r>
-                      <a:endParaRPr lang="en-US" sz="1100" b="0" i="0" u="none" strike="noStrike" dirty="0">
-                        <a:solidFill>
-                          <a:srgbClr val="000000"/>
-                        </a:solidFill>
-                        <a:effectLst/>
-                        <a:latin typeface="Calibri"/>
-                      </a:endParaRPr>
-                    </a:p>
-                  </a:txBody>
-                  <a:tcPr marL="9525" marR="9525" marT="9525" marB="0" anchor="b"/>
-                </a:tc>
-                <a:tc>
-                  <a:txBody>
-                    <a:bodyPr/>
-                    <a:lstStyle/>
-                    <a:p>
-                      <a:pPr algn="l" fontAlgn="b"/>
-                      <a:r>
-                        <a:rPr lang="en-US" sz="1100" u="none" strike="noStrike">
-                          <a:effectLst/>
-                        </a:rPr>
-                        <a:t> </a:t>
-                      </a:r>
-                      <a:endParaRPr lang="en-US" sz="1100" b="0" i="0" u="none" strike="noStrike">
-                        <a:solidFill>
-                          <a:srgbClr val="000000"/>
-                        </a:solidFill>
-                        <a:effectLst/>
-                        <a:latin typeface="Calibri"/>
-                      </a:endParaRPr>
-                    </a:p>
-                  </a:txBody>
-                  <a:tcPr marL="9525" marR="9525" marT="9525" marB="0" anchor="b"/>
-                </a:tc>
-              </a:tr>
-              <a:tr h="190500">
-                <a:tc>
-                  <a:txBody>
-                    <a:bodyPr/>
-                    <a:lstStyle/>
-                    <a:p>
-                      <a:pPr algn="l" fontAlgn="b"/>
-                      <a:r>
-                        <a:rPr lang="en-US" sz="1100" u="none" strike="noStrike">
-                          <a:effectLst/>
-                        </a:rPr>
-                        <a:t>x</a:t>
-                      </a:r>
-                      <a:endParaRPr lang="en-US" sz="1100" b="0" i="0" u="none" strike="noStrike">
-                        <a:solidFill>
-                          <a:srgbClr val="000000"/>
-                        </a:solidFill>
-                        <a:effectLst/>
-                        <a:latin typeface="Calibri"/>
-                      </a:endParaRPr>
-                    </a:p>
-                  </a:txBody>
-                  <a:tcPr marL="9525" marR="9525" marT="9525" marB="0" anchor="b"/>
-                </a:tc>
-                <a:tc>
-                  <a:txBody>
-                    <a:bodyPr/>
-                    <a:lstStyle/>
-                    <a:p>
-                      <a:pPr algn="l" fontAlgn="b"/>
-                      <a:r>
-                        <a:rPr lang="en-US" sz="1100" u="none" strike="noStrike">
-                          <a:effectLst/>
-                        </a:rPr>
-                        <a:t> </a:t>
-                      </a:r>
-                      <a:endParaRPr lang="en-US" sz="1100" b="0" i="0" u="none" strike="noStrike">
-                        <a:solidFill>
-                          <a:srgbClr val="000000"/>
-                        </a:solidFill>
-                        <a:effectLst/>
-                        <a:latin typeface="Calibri"/>
-                      </a:endParaRPr>
-                    </a:p>
-                  </a:txBody>
-                  <a:tcPr marL="9525" marR="9525" marT="9525" marB="0" anchor="b"/>
-                </a:tc>
-                <a:tc>
-                  <a:txBody>
-                    <a:bodyPr/>
-                    <a:lstStyle/>
-                    <a:p>
-                      <a:pPr algn="l" fontAlgn="b"/>
-                      <a:r>
-                        <a:rPr lang="en-US" sz="1100" u="none" strike="noStrike">
-                          <a:effectLst/>
-                        </a:rPr>
-                        <a:t> </a:t>
-                      </a:r>
-                      <a:endParaRPr lang="en-US" sz="1100" b="0" i="0" u="none" strike="noStrike">
-                        <a:solidFill>
-                          <a:srgbClr val="000000"/>
-                        </a:solidFill>
-                        <a:effectLst/>
-                        <a:latin typeface="Calibri"/>
-                      </a:endParaRPr>
-                    </a:p>
-                  </a:txBody>
-                  <a:tcPr marL="9525" marR="9525" marT="9525" marB="0" anchor="b"/>
-                </a:tc>
-                <a:tc>
-                  <a:txBody>
-                    <a:bodyPr/>
-                    <a:lstStyle/>
-                    <a:p>
-                      <a:pPr algn="l" fontAlgn="b"/>
-                      <a:r>
-                        <a:rPr lang="en-US" sz="1100" u="none" strike="noStrike">
-                          <a:effectLst/>
-                        </a:rPr>
-                        <a:t> </a:t>
-                      </a:r>
-                      <a:endParaRPr lang="en-US" sz="1100" b="0" i="0" u="none" strike="noStrike">
-                        <a:solidFill>
-                          <a:srgbClr val="000000"/>
-                        </a:solidFill>
-                        <a:effectLst/>
-                        <a:latin typeface="Calibri"/>
-                      </a:endParaRPr>
-                    </a:p>
-                  </a:txBody>
-                  <a:tcPr marL="9525" marR="9525" marT="9525" marB="0" anchor="b"/>
-                </a:tc>
-              </a:tr>
-              <a:tr h="190500">
-                <a:tc>
-                  <a:txBody>
-                    <a:bodyPr/>
-                    <a:lstStyle/>
-                    <a:p>
-                      <a:pPr algn="l" fontAlgn="b"/>
-                      <a:r>
-                        <a:rPr lang="en-US" sz="1100" u="none" strike="noStrike">
-                          <a:effectLst/>
-                        </a:rPr>
-                        <a:t> </a:t>
-                      </a:r>
-                      <a:endParaRPr lang="en-US" sz="1100" b="0" i="0" u="none" strike="noStrike">
-                        <a:solidFill>
-                          <a:srgbClr val="000000"/>
-                        </a:solidFill>
-                        <a:effectLst/>
-                        <a:latin typeface="Calibri"/>
-                      </a:endParaRPr>
-                    </a:p>
-                  </a:txBody>
-                  <a:tcPr marL="9525" marR="9525" marT="9525" marB="0" anchor="b"/>
-                </a:tc>
-                <a:tc>
-                  <a:txBody>
-                    <a:bodyPr/>
-                    <a:lstStyle/>
-                    <a:p>
-                      <a:pPr algn="r" fontAlgn="b"/>
-                      <a:r>
-                        <a:rPr lang="en-US" sz="1100" u="none" strike="noStrike">
-                          <a:effectLst/>
-                        </a:rPr>
-                        <a:t>0</a:t>
-                      </a:r>
-                      <a:endParaRPr lang="en-US" sz="1100" b="0" i="0" u="none" strike="noStrike">
-                        <a:solidFill>
-                          <a:srgbClr val="000000"/>
-                        </a:solidFill>
-                        <a:effectLst/>
-                        <a:latin typeface="Calibri"/>
-                      </a:endParaRPr>
-                    </a:p>
-                  </a:txBody>
-                  <a:tcPr marL="9525" marR="9525" marT="9525" marB="0" anchor="b"/>
-                </a:tc>
-                <a:tc>
-                  <a:txBody>
-                    <a:bodyPr/>
-                    <a:lstStyle/>
-                    <a:p>
-                      <a:pPr algn="r" fontAlgn="b"/>
-                      <a:r>
-                        <a:rPr lang="en-US" sz="1100" u="none" strike="noStrike">
-                          <a:effectLst/>
-                        </a:rPr>
-                        <a:t>0</a:t>
-                      </a:r>
-                      <a:endParaRPr lang="en-US" sz="1100" b="0" i="0" u="none" strike="noStrike">
-                        <a:solidFill>
-                          <a:srgbClr val="000000"/>
-                        </a:solidFill>
-                        <a:effectLst/>
-                        <a:latin typeface="Calibri"/>
-                      </a:endParaRPr>
-                    </a:p>
-                  </a:txBody>
-                  <a:tcPr marL="9525" marR="9525" marT="9525" marB="0" anchor="b"/>
-                </a:tc>
-                <a:tc>
-                  <a:txBody>
-                    <a:bodyPr/>
-                    <a:lstStyle/>
-                    <a:p>
-                      <a:pPr algn="l" fontAlgn="b"/>
-                      <a:r>
-                        <a:rPr lang="en-US" sz="1100" u="none" strike="noStrike">
-                          <a:effectLst/>
-                        </a:rPr>
-                        <a:t> </a:t>
-                      </a:r>
-                      <a:endParaRPr lang="en-US" sz="1100" b="0" i="0" u="none" strike="noStrike">
-                        <a:solidFill>
-                          <a:srgbClr val="000000"/>
-                        </a:solidFill>
-                        <a:effectLst/>
-                        <a:latin typeface="Calibri"/>
-                      </a:endParaRPr>
-                    </a:p>
-                  </a:txBody>
-                  <a:tcPr marL="9525" marR="9525" marT="9525" marB="0" anchor="b"/>
-                </a:tc>
-              </a:tr>
-              <a:tr h="190500">
-                <a:tc>
-                  <a:txBody>
-                    <a:bodyPr/>
-                    <a:lstStyle/>
-                    <a:p>
-                      <a:pPr algn="l" fontAlgn="b"/>
-                      <a:r>
-                        <a:rPr lang="en-US" sz="1100" u="none" strike="noStrike">
-                          <a:effectLst/>
-                        </a:rPr>
-                        <a:t> </a:t>
-                      </a:r>
-                      <a:endParaRPr lang="en-US" sz="1100" b="0" i="0" u="none" strike="noStrike">
-                        <a:solidFill>
-                          <a:srgbClr val="000000"/>
-                        </a:solidFill>
-                        <a:effectLst/>
-                        <a:latin typeface="Calibri"/>
-                      </a:endParaRPr>
-                    </a:p>
-                  </a:txBody>
-                  <a:tcPr marL="9525" marR="9525" marT="9525" marB="0" anchor="b"/>
-                </a:tc>
-                <a:tc>
-                  <a:txBody>
-                    <a:bodyPr/>
-                    <a:lstStyle/>
-                    <a:p>
-                      <a:pPr algn="l" fontAlgn="b"/>
-                      <a:r>
-                        <a:rPr lang="en-US" sz="1100" u="none" strike="noStrike">
-                          <a:effectLst/>
-                        </a:rPr>
-                        <a:t> </a:t>
-                      </a:r>
-                      <a:endParaRPr lang="en-US" sz="1100" b="0" i="0" u="none" strike="noStrike">
-                        <a:solidFill>
-                          <a:srgbClr val="000000"/>
-                        </a:solidFill>
-                        <a:effectLst/>
-                        <a:latin typeface="Calibri"/>
-                      </a:endParaRPr>
-                    </a:p>
-                  </a:txBody>
-                  <a:tcPr marL="9525" marR="9525" marT="9525" marB="0" anchor="b"/>
-                </a:tc>
-                <a:tc>
-                  <a:txBody>
-                    <a:bodyPr/>
-                    <a:lstStyle/>
-                    <a:p>
-                      <a:pPr algn="l" fontAlgn="b"/>
-                      <a:r>
-                        <a:rPr lang="en-US" sz="1100" u="none" strike="noStrike">
-                          <a:effectLst/>
-                        </a:rPr>
-                        <a:t> </a:t>
-                      </a:r>
-                      <a:endParaRPr lang="en-US" sz="1100" b="0" i="0" u="none" strike="noStrike">
-                        <a:solidFill>
-                          <a:srgbClr val="000000"/>
-                        </a:solidFill>
-                        <a:effectLst/>
-                        <a:latin typeface="Calibri"/>
-                      </a:endParaRPr>
-                    </a:p>
-                  </a:txBody>
-                  <a:tcPr marL="9525" marR="9525" marT="9525" marB="0" anchor="b"/>
-                </a:tc>
-                <a:tc>
-                  <a:txBody>
-                    <a:bodyPr/>
-                    <a:lstStyle/>
-                    <a:p>
-                      <a:pPr algn="l" fontAlgn="b"/>
-                      <a:r>
-                        <a:rPr lang="en-US" sz="1100" u="none" strike="noStrike" dirty="0">
-                          <a:effectLst/>
-                        </a:rPr>
-                        <a:t> </a:t>
-                      </a:r>
-                      <a:endParaRPr lang="en-US" sz="1100" b="0" i="0" u="none" strike="noStrike" dirty="0">
-                        <a:solidFill>
-                          <a:srgbClr val="000000"/>
-                        </a:solidFill>
-                        <a:effectLst/>
-                        <a:latin typeface="Calibri"/>
-                      </a:endParaRPr>
-                    </a:p>
-                  </a:txBody>
-                  <a:tcPr marL="9525" marR="9525" marT="9525" marB="0" anchor="b"/>
-                </a:tc>
-              </a:tr>
-            </a:tbl>
-          </a:graphicData>
-        </a:graphic>
-      </p:graphicFrame>
-      <p:graphicFrame>
-        <p:nvGraphicFramePr>
-          <p:cNvPr id="7" name="Table 6"/>
-          <p:cNvGraphicFramePr>
-            <a:graphicFrameLocks noGrp="1"/>
-          </p:cNvGraphicFramePr>
-          <p:nvPr>
-            <p:extLst>
-              <p:ext uri="{D42A27DB-BD31-4B8C-83A1-F6EECF244321}">
-                <p14:modId xmlns:p14="http://schemas.microsoft.com/office/powerpoint/2010/main" val="4222905517"/>
-              </p:ext>
-            </p:extLst>
-          </p:nvPr>
-        </p:nvGraphicFramePr>
-        <p:xfrm>
-          <a:off x="2362200" y="4572000"/>
-          <a:ext cx="584200" cy="952500"/>
-        </p:xfrm>
-        <a:graphic>
-          <a:graphicData uri="http://schemas.openxmlformats.org/drawingml/2006/table">
-            <a:tbl>
-              <a:tblPr>
-                <a:tableStyleId>{5C22544A-7EE6-4342-B048-85BDC9FD1C3A}</a:tableStyleId>
-              </a:tblPr>
-              <a:tblGrid>
-                <a:gridCol w="139700"/>
-                <a:gridCol w="139700"/>
-                <a:gridCol w="139700"/>
-                <a:gridCol w="165100"/>
-              </a:tblGrid>
-              <a:tr h="190500">
-                <a:tc>
-                  <a:txBody>
-                    <a:bodyPr/>
-                    <a:lstStyle/>
-                    <a:p>
-                      <a:pPr algn="l" fontAlgn="b"/>
-                      <a:r>
-                        <a:rPr lang="en-US" sz="1100" u="none" strike="noStrike" dirty="0">
-                          <a:effectLst/>
-                        </a:rPr>
-                        <a:t> </a:t>
-                      </a:r>
-                      <a:endParaRPr lang="en-US" sz="1100" b="0" i="0" u="none" strike="noStrike" dirty="0">
-                        <a:solidFill>
-                          <a:srgbClr val="000000"/>
-                        </a:solidFill>
-                        <a:effectLst/>
-                        <a:latin typeface="Calibri"/>
-                      </a:endParaRPr>
-                    </a:p>
-                  </a:txBody>
-                  <a:tcPr marL="9525" marR="9525" marT="9525" marB="0" anchor="b"/>
-                </a:tc>
-                <a:tc>
-                  <a:txBody>
-                    <a:bodyPr/>
-                    <a:lstStyle/>
-                    <a:p>
-                      <a:pPr algn="l" fontAlgn="b"/>
-                      <a:r>
-                        <a:rPr lang="en-US" sz="1100" u="none" strike="noStrike">
-                          <a:effectLst/>
-                        </a:rPr>
-                        <a:t> </a:t>
-                      </a:r>
-                      <a:endParaRPr lang="en-US" sz="1100" b="0" i="0" u="none" strike="noStrike">
-                        <a:solidFill>
-                          <a:srgbClr val="000000"/>
-                        </a:solidFill>
-                        <a:effectLst/>
-                        <a:latin typeface="Calibri"/>
-                      </a:endParaRPr>
-                    </a:p>
-                  </a:txBody>
-                  <a:tcPr marL="9525" marR="9525" marT="9525" marB="0" anchor="b"/>
-                </a:tc>
-                <a:tc>
-                  <a:txBody>
-                    <a:bodyPr/>
-                    <a:lstStyle/>
-                    <a:p>
-                      <a:pPr algn="l" fontAlgn="b"/>
-                      <a:r>
-                        <a:rPr lang="en-US" sz="1100" u="none" strike="noStrike">
-                          <a:effectLst/>
-                        </a:rPr>
-                        <a:t> </a:t>
-                      </a:r>
-                      <a:endParaRPr lang="en-US" sz="1100" b="0" i="0" u="none" strike="noStrike">
-                        <a:solidFill>
-                          <a:srgbClr val="000000"/>
-                        </a:solidFill>
-                        <a:effectLst/>
-                        <a:latin typeface="Calibri"/>
-                      </a:endParaRPr>
-                    </a:p>
-                  </a:txBody>
-                  <a:tcPr marL="9525" marR="9525" marT="9525" marB="0" anchor="b"/>
-                </a:tc>
-                <a:tc>
-                  <a:txBody>
-                    <a:bodyPr/>
-                    <a:lstStyle/>
-                    <a:p>
-                      <a:pPr algn="l" fontAlgn="b"/>
-                      <a:r>
-                        <a:rPr lang="en-US" sz="1100" u="none" strike="noStrike" dirty="0">
-                          <a:effectLst/>
-                        </a:rPr>
-                        <a:t> </a:t>
-                      </a:r>
-                      <a:endParaRPr lang="en-US" sz="1100" b="0" i="0" u="none" strike="noStrike" dirty="0">
-                        <a:solidFill>
-                          <a:srgbClr val="000000"/>
-                        </a:solidFill>
-                        <a:effectLst/>
-                        <a:latin typeface="Calibri"/>
-                      </a:endParaRPr>
-                    </a:p>
-                  </a:txBody>
-                  <a:tcPr marL="9525" marR="9525" marT="9525" marB="0" anchor="b"/>
-                </a:tc>
-              </a:tr>
-              <a:tr h="190500">
-                <a:tc>
-                  <a:txBody>
-                    <a:bodyPr/>
-                    <a:lstStyle/>
-                    <a:p>
-                      <a:pPr algn="l" fontAlgn="b"/>
-                      <a:r>
-                        <a:rPr lang="en-US" sz="1100" u="none" strike="noStrike">
-                          <a:effectLst/>
-                        </a:rPr>
-                        <a:t>x</a:t>
-                      </a:r>
-                      <a:endParaRPr lang="en-US" sz="1100" b="0" i="0" u="none" strike="noStrike">
-                        <a:solidFill>
-                          <a:srgbClr val="000000"/>
-                        </a:solidFill>
-                        <a:effectLst/>
-                        <a:latin typeface="Calibri"/>
-                      </a:endParaRPr>
-                    </a:p>
-                  </a:txBody>
-                  <a:tcPr marL="9525" marR="9525" marT="9525" marB="0" anchor="b"/>
-                </a:tc>
-                <a:tc>
-                  <a:txBody>
-                    <a:bodyPr/>
-                    <a:lstStyle/>
-                    <a:p>
-                      <a:pPr algn="l" fontAlgn="b"/>
-                      <a:r>
-                        <a:rPr lang="en-US" sz="1100" u="none" strike="noStrike">
-                          <a:effectLst/>
-                        </a:rPr>
-                        <a:t> </a:t>
-                      </a:r>
-                      <a:endParaRPr lang="en-US" sz="1100" b="0" i="0" u="none" strike="noStrike">
-                        <a:solidFill>
-                          <a:srgbClr val="000000"/>
-                        </a:solidFill>
-                        <a:effectLst/>
-                        <a:latin typeface="Calibri"/>
-                      </a:endParaRPr>
-                    </a:p>
-                  </a:txBody>
-                  <a:tcPr marL="9525" marR="9525" marT="9525" marB="0" anchor="b"/>
-                </a:tc>
-                <a:tc>
-                  <a:txBody>
-                    <a:bodyPr/>
-                    <a:lstStyle/>
-                    <a:p>
-                      <a:pPr algn="l" fontAlgn="b"/>
-                      <a:r>
-                        <a:rPr lang="en-US" sz="1100" u="none" strike="noStrike">
-                          <a:effectLst/>
-                        </a:rPr>
-                        <a:t> </a:t>
-                      </a:r>
-                      <a:endParaRPr lang="en-US" sz="1100" b="0" i="0" u="none" strike="noStrike">
-                        <a:solidFill>
-                          <a:srgbClr val="000000"/>
-                        </a:solidFill>
-                        <a:effectLst/>
-                        <a:latin typeface="Calibri"/>
-                      </a:endParaRPr>
-                    </a:p>
-                  </a:txBody>
-                  <a:tcPr marL="9525" marR="9525" marT="9525" marB="0" anchor="b"/>
-                </a:tc>
-                <a:tc>
-                  <a:txBody>
-                    <a:bodyPr/>
-                    <a:lstStyle/>
-                    <a:p>
-                      <a:pPr algn="l" fontAlgn="b"/>
-                      <a:r>
-                        <a:rPr lang="en-US" sz="1100" u="none" strike="noStrike">
-                          <a:effectLst/>
-                        </a:rPr>
-                        <a:t> </a:t>
-                      </a:r>
-                      <a:endParaRPr lang="en-US" sz="1100" b="0" i="0" u="none" strike="noStrike">
-                        <a:solidFill>
-                          <a:srgbClr val="000000"/>
-                        </a:solidFill>
-                        <a:effectLst/>
-                        <a:latin typeface="Calibri"/>
-                      </a:endParaRPr>
-                    </a:p>
-                  </a:txBody>
-                  <a:tcPr marL="9525" marR="9525" marT="9525" marB="0" anchor="b"/>
-                </a:tc>
-              </a:tr>
-              <a:tr h="190500">
-                <a:tc>
-                  <a:txBody>
-                    <a:bodyPr/>
-                    <a:lstStyle/>
-                    <a:p>
-                      <a:pPr algn="l" fontAlgn="b"/>
-                      <a:r>
-                        <a:rPr lang="en-US" sz="1100" u="none" strike="noStrike">
-                          <a:effectLst/>
-                        </a:rPr>
-                        <a:t>x</a:t>
-                      </a:r>
-                      <a:endParaRPr lang="en-US" sz="1100" b="0" i="0" u="none" strike="noStrike">
-                        <a:solidFill>
-                          <a:srgbClr val="000000"/>
-                        </a:solidFill>
-                        <a:effectLst/>
-                        <a:latin typeface="Calibri"/>
-                      </a:endParaRPr>
-                    </a:p>
-                  </a:txBody>
-                  <a:tcPr marL="9525" marR="9525" marT="9525" marB="0" anchor="b"/>
-                </a:tc>
-                <a:tc>
-                  <a:txBody>
-                    <a:bodyPr/>
-                    <a:lstStyle/>
-                    <a:p>
-                      <a:pPr algn="l" fontAlgn="b"/>
-                      <a:r>
-                        <a:rPr lang="en-US" sz="1100" u="none" strike="noStrike">
-                          <a:effectLst/>
-                        </a:rPr>
-                        <a:t> </a:t>
-                      </a:r>
-                      <a:endParaRPr lang="en-US" sz="1100" b="0" i="0" u="none" strike="noStrike">
-                        <a:solidFill>
-                          <a:srgbClr val="000000"/>
-                        </a:solidFill>
-                        <a:effectLst/>
-                        <a:latin typeface="Calibri"/>
-                      </a:endParaRPr>
-                    </a:p>
-                  </a:txBody>
-                  <a:tcPr marL="9525" marR="9525" marT="9525" marB="0" anchor="b"/>
-                </a:tc>
-                <a:tc>
-                  <a:txBody>
-                    <a:bodyPr/>
-                    <a:lstStyle/>
-                    <a:p>
-                      <a:pPr algn="l" fontAlgn="b"/>
-                      <a:r>
-                        <a:rPr lang="en-US" sz="1100" u="none" strike="noStrike">
-                          <a:effectLst/>
-                        </a:rPr>
-                        <a:t> </a:t>
-                      </a:r>
-                      <a:endParaRPr lang="en-US" sz="1100" b="0" i="0" u="none" strike="noStrike">
-                        <a:solidFill>
-                          <a:srgbClr val="000000"/>
-                        </a:solidFill>
-                        <a:effectLst/>
-                        <a:latin typeface="Calibri"/>
-                      </a:endParaRPr>
-                    </a:p>
-                  </a:txBody>
-                  <a:tcPr marL="9525" marR="9525" marT="9525" marB="0" anchor="b"/>
-                </a:tc>
-                <a:tc>
-                  <a:txBody>
-                    <a:bodyPr/>
-                    <a:lstStyle/>
-                    <a:p>
-                      <a:pPr algn="l" fontAlgn="b"/>
-                      <a:r>
-                        <a:rPr lang="en-US" sz="1100" u="none" strike="noStrike">
-                          <a:effectLst/>
-                        </a:rPr>
-                        <a:t> </a:t>
-                      </a:r>
-                      <a:endParaRPr lang="en-US" sz="1100" b="0" i="0" u="none" strike="noStrike">
-                        <a:solidFill>
-                          <a:srgbClr val="000000"/>
-                        </a:solidFill>
-                        <a:effectLst/>
-                        <a:latin typeface="Calibri"/>
-                      </a:endParaRPr>
-                    </a:p>
-                  </a:txBody>
-                  <a:tcPr marL="9525" marR="9525" marT="9525" marB="0" anchor="b"/>
-                </a:tc>
-              </a:tr>
-              <a:tr h="190500">
-                <a:tc>
-                  <a:txBody>
-                    <a:bodyPr/>
-                    <a:lstStyle/>
-                    <a:p>
-                      <a:pPr algn="l" fontAlgn="b"/>
-                      <a:r>
-                        <a:rPr lang="en-US" sz="1100" u="none" strike="noStrike" dirty="0">
-                          <a:solidFill>
-                            <a:srgbClr val="FF0000"/>
-                          </a:solidFill>
-                          <a:effectLst/>
-                        </a:rPr>
-                        <a:t>x</a:t>
-                      </a:r>
-                      <a:endParaRPr lang="en-US" sz="1100" b="0" i="0" u="none" strike="noStrike" dirty="0">
-                        <a:solidFill>
-                          <a:srgbClr val="FF0000"/>
-                        </a:solidFill>
-                        <a:effectLst/>
-                        <a:latin typeface="Calibri"/>
-                      </a:endParaRPr>
-                    </a:p>
-                  </a:txBody>
-                  <a:tcPr marL="9525" marR="9525" marT="9525" marB="0" anchor="b"/>
-                </a:tc>
-                <a:tc>
-                  <a:txBody>
-                    <a:bodyPr/>
-                    <a:lstStyle/>
-                    <a:p>
-                      <a:pPr algn="r" fontAlgn="b"/>
-                      <a:r>
-                        <a:rPr lang="en-US" sz="1100" u="none" strike="noStrike">
-                          <a:effectLst/>
-                        </a:rPr>
-                        <a:t>0</a:t>
-                      </a:r>
-                      <a:endParaRPr lang="en-US" sz="1100" b="0" i="0" u="none" strike="noStrike">
-                        <a:solidFill>
-                          <a:srgbClr val="000000"/>
-                        </a:solidFill>
-                        <a:effectLst/>
-                        <a:latin typeface="Calibri"/>
-                      </a:endParaRPr>
-                    </a:p>
-                  </a:txBody>
-                  <a:tcPr marL="9525" marR="9525" marT="9525" marB="0" anchor="b"/>
-                </a:tc>
-                <a:tc>
-                  <a:txBody>
-                    <a:bodyPr/>
-                    <a:lstStyle/>
-                    <a:p>
-                      <a:pPr algn="r" fontAlgn="b"/>
-                      <a:r>
-                        <a:rPr lang="en-US" sz="1100" u="none" strike="noStrike">
-                          <a:effectLst/>
-                        </a:rPr>
-                        <a:t>0</a:t>
-                      </a:r>
-                      <a:endParaRPr lang="en-US" sz="1100" b="0" i="0" u="none" strike="noStrike">
-                        <a:solidFill>
-                          <a:srgbClr val="000000"/>
-                        </a:solidFill>
-                        <a:effectLst/>
-                        <a:latin typeface="Calibri"/>
-                      </a:endParaRPr>
-                    </a:p>
-                  </a:txBody>
-                  <a:tcPr marL="9525" marR="9525" marT="9525" marB="0" anchor="b"/>
-                </a:tc>
-                <a:tc>
-                  <a:txBody>
-                    <a:bodyPr/>
-                    <a:lstStyle/>
-                    <a:p>
-                      <a:pPr algn="l" fontAlgn="b"/>
-                      <a:r>
-                        <a:rPr lang="en-US" sz="1100" u="none" strike="noStrike">
-                          <a:effectLst/>
-                        </a:rPr>
-                        <a:t> </a:t>
-                      </a:r>
-                      <a:endParaRPr lang="en-US" sz="1100" b="0" i="0" u="none" strike="noStrike">
-                        <a:solidFill>
-                          <a:srgbClr val="000000"/>
-                        </a:solidFill>
-                        <a:effectLst/>
-                        <a:latin typeface="Calibri"/>
-                      </a:endParaRPr>
-                    </a:p>
-                  </a:txBody>
-                  <a:tcPr marL="9525" marR="9525" marT="9525" marB="0" anchor="b"/>
-                </a:tc>
-              </a:tr>
-              <a:tr h="190500">
-                <a:tc>
-                  <a:txBody>
-                    <a:bodyPr/>
-                    <a:lstStyle/>
-                    <a:p>
-                      <a:pPr algn="l" fontAlgn="b"/>
-                      <a:r>
-                        <a:rPr lang="en-US" sz="1100" u="none" strike="noStrike">
-                          <a:effectLst/>
-                        </a:rPr>
-                        <a:t> </a:t>
-                      </a:r>
-                      <a:endParaRPr lang="en-US" sz="1100" b="0" i="0" u="none" strike="noStrike">
-                        <a:solidFill>
-                          <a:srgbClr val="000000"/>
-                        </a:solidFill>
-                        <a:effectLst/>
-                        <a:latin typeface="Calibri"/>
-                      </a:endParaRPr>
-                    </a:p>
-                  </a:txBody>
-                  <a:tcPr marL="9525" marR="9525" marT="9525" marB="0" anchor="b"/>
-                </a:tc>
-                <a:tc>
-                  <a:txBody>
-                    <a:bodyPr/>
-                    <a:lstStyle/>
-                    <a:p>
-                      <a:pPr algn="l" fontAlgn="b"/>
-                      <a:r>
-                        <a:rPr lang="en-US" sz="1100" u="none" strike="noStrike">
-                          <a:effectLst/>
-                        </a:rPr>
-                        <a:t> </a:t>
-                      </a:r>
-                      <a:endParaRPr lang="en-US" sz="1100" b="0" i="0" u="none" strike="noStrike">
-                        <a:solidFill>
-                          <a:srgbClr val="000000"/>
-                        </a:solidFill>
-                        <a:effectLst/>
-                        <a:latin typeface="Calibri"/>
-                      </a:endParaRPr>
-                    </a:p>
-                  </a:txBody>
-                  <a:tcPr marL="9525" marR="9525" marT="9525" marB="0" anchor="b"/>
-                </a:tc>
-                <a:tc>
-                  <a:txBody>
-                    <a:bodyPr/>
-                    <a:lstStyle/>
-                    <a:p>
-                      <a:pPr algn="l" fontAlgn="b"/>
-                      <a:r>
-                        <a:rPr lang="en-US" sz="1100" u="none" strike="noStrike">
-                          <a:effectLst/>
-                        </a:rPr>
-                        <a:t> </a:t>
-                      </a:r>
-                      <a:endParaRPr lang="en-US" sz="1100" b="0" i="0" u="none" strike="noStrike">
-                        <a:solidFill>
-                          <a:srgbClr val="000000"/>
-                        </a:solidFill>
-                        <a:effectLst/>
-                        <a:latin typeface="Calibri"/>
-                      </a:endParaRPr>
-                    </a:p>
-                  </a:txBody>
-                  <a:tcPr marL="9525" marR="9525" marT="9525" marB="0" anchor="b"/>
-                </a:tc>
-                <a:tc>
-                  <a:txBody>
-                    <a:bodyPr/>
-                    <a:lstStyle/>
-                    <a:p>
-                      <a:pPr algn="l" fontAlgn="b"/>
-                      <a:r>
-                        <a:rPr lang="en-US" sz="1100" u="none" strike="noStrike" dirty="0">
-                          <a:effectLst/>
-                        </a:rPr>
-                        <a:t> </a:t>
-                      </a:r>
-                      <a:endParaRPr lang="en-US" sz="1100" b="0" i="0" u="none" strike="noStrike" dirty="0">
-                        <a:solidFill>
-                          <a:srgbClr val="000000"/>
-                        </a:solidFill>
-                        <a:effectLst/>
-                        <a:latin typeface="Calibri"/>
-                      </a:endParaRPr>
-                    </a:p>
-                  </a:txBody>
-                  <a:tcPr marL="9525" marR="9525" marT="9525" marB="0" anchor="b"/>
-                </a:tc>
-              </a:tr>
-            </a:tbl>
-          </a:graphicData>
-        </a:graphic>
-      </p:graphicFrame>
     </p:spTree>
     <p:extLst>
       <p:ext uri="{BB962C8B-B14F-4D97-AF65-F5344CB8AC3E}">
-        <p14:creationId xmlns:p14="http://schemas.microsoft.com/office/powerpoint/2010/main" val="1291735940"/>
+        <p14:creationId xmlns:p14="http://schemas.microsoft.com/office/powerpoint/2010/main" val="3352461406"/>
       </p:ext>
     </p:extLst>
   </p:cSld>
@@ -6922,7 +6976,11 @@
           <a:p>
             <a:r>
               <a:rPr lang="en-US" dirty="0" smtClean="0"/>
-              <a:t>Win Rate</a:t>
+              <a:t>Timing </a:t>
+            </a:r>
+            <a:r>
+              <a:rPr lang="en-US" dirty="0" smtClean="0"/>
+              <a:t>Results</a:t>
             </a:r>
             <a:endParaRPr lang="en-US" dirty="0"/>
           </a:p>
@@ -6946,14 +7004,14 @@
         </p:spPr>
         <p:txBody>
           <a:bodyPr>
-            <a:normAutofit fontScale="85000" lnSpcReduction="20000"/>
+            <a:normAutofit/>
           </a:bodyPr>
           <a:lstStyle/>
           <a:p>
             <a:pPr algn="l"/>
             <a:r>
               <a:rPr lang="en-US" sz="2000" dirty="0" smtClean="0"/>
-              <a:t>Compared to Bad AI</a:t>
+              <a:t>Timing</a:t>
             </a:r>
           </a:p>
           <a:p>
@@ -6963,8 +7021,33 @@
             </a:pPr>
             <a:r>
               <a:rPr lang="en-US" sz="2000" dirty="0" smtClean="0"/>
-              <a:t>Algorithm will always win against very bad AI, such as Random AI</a:t>
-            </a:r>
+              <a:t>Very fast if depth does not increase too </a:t>
+            </a:r>
+            <a:r>
+              <a:rPr lang="en-US" sz="2000" dirty="0" smtClean="0"/>
+              <a:t>much</a:t>
+            </a:r>
+          </a:p>
+          <a:p>
+            <a:pPr marL="800100" lvl="1" indent="-342900" algn="l">
+              <a:buFont typeface="Arial" panose="020B0604020202020204" pitchFamily="34" charset="0"/>
+              <a:buChar char="•"/>
+            </a:pPr>
+            <a:r>
+              <a:rPr lang="en-US" sz="1600" dirty="0" smtClean="0"/>
+              <a:t>Without alpha beta pruning, going beyond depth 2 would take over a minute</a:t>
+            </a:r>
+          </a:p>
+          <a:p>
+            <a:pPr marL="800100" lvl="1" indent="-342900" algn="l">
+              <a:buFont typeface="Arial" panose="020B0604020202020204" pitchFamily="34" charset="0"/>
+              <a:buChar char="•"/>
+            </a:pPr>
+            <a:r>
+              <a:rPr lang="en-US" sz="1600" dirty="0" smtClean="0"/>
+              <a:t>Without speed ups or pruning, depth 2 took less than a minute, but depth 3 and more would take too long</a:t>
+            </a:r>
+            <a:endParaRPr lang="en-US" sz="1600" dirty="0" smtClean="0"/>
           </a:p>
           <a:p>
             <a:pPr marL="342900" indent="-342900" algn="l">
@@ -6973,7 +7056,11 @@
             </a:pPr>
             <a:r>
               <a:rPr lang="en-US" sz="2000" dirty="0" smtClean="0"/>
-              <a:t>It will also usually win against AI using only depth of 0</a:t>
+              <a:t>Speeds up of reducing branch size allowed more depth within reasonable </a:t>
+            </a:r>
+            <a:r>
+              <a:rPr lang="en-US" sz="2000" dirty="0" smtClean="0"/>
+              <a:t>time</a:t>
             </a:r>
           </a:p>
           <a:p>
@@ -6983,8 +7070,9 @@
             </a:pPr>
             <a:r>
               <a:rPr lang="en-US" sz="1600" dirty="0" smtClean="0"/>
-              <a:t>Depth 0 AI will not expand moves, but just find max of tile values</a:t>
-            </a:r>
+              <a:t>Algorithm was able to increase to depth 4 or 5</a:t>
+            </a:r>
+            <a:endParaRPr lang="en-US" sz="1600" dirty="0" smtClean="0"/>
           </a:p>
           <a:p>
             <a:pPr marL="800100" lvl="1" indent="-342900" algn="l">
@@ -6993,24 +7081,7 @@
             </a:pPr>
             <a:r>
               <a:rPr lang="en-US" sz="1600" dirty="0" smtClean="0"/>
-              <a:t>Algorithm sometimes lost if the first move was bad. We gave algorithm a low starting depth value and it would occasionally pick a bad first move</a:t>
-            </a:r>
-          </a:p>
-          <a:p>
-            <a:pPr algn="l"/>
-            <a:r>
-              <a:rPr lang="en-US" sz="2000" dirty="0" smtClean="0"/>
-              <a:t>Compared to Decent AI</a:t>
-            </a:r>
-          </a:p>
-          <a:p>
-            <a:pPr marL="342900" indent="-342900" algn="l">
-              <a:buFont typeface="Arial" panose="020B0604020202020204" pitchFamily="34" charset="0"/>
-              <a:buChar char="•"/>
-            </a:pPr>
-            <a:r>
-              <a:rPr lang="en-US" sz="2000" dirty="0" smtClean="0"/>
-              <a:t>Against our original AI with the original utility function, the algorithm was very good</a:t>
+              <a:t>Removing speed ups would have made a high depth infeasible</a:t>
             </a:r>
           </a:p>
           <a:p>
@@ -7019,77 +7090,14 @@
               <a:buChar char="•"/>
             </a:pPr>
             <a:r>
-              <a:rPr lang="en-US" sz="1600" dirty="0" smtClean="0"/>
-              <a:t>This was because the original AI would make occasional very bad moves</a:t>
-            </a:r>
-          </a:p>
-          <a:p>
-            <a:pPr algn="l"/>
-            <a:r>
-              <a:rPr lang="en-US" sz="2000" dirty="0" smtClean="0"/>
-              <a:t>Compared to Players</a:t>
-            </a:r>
-          </a:p>
-          <a:p>
-            <a:pPr marL="342900" indent="-342900" algn="l">
-              <a:buFont typeface="Arial" panose="020B0604020202020204" pitchFamily="34" charset="0"/>
-              <a:buChar char="•"/>
-            </a:pPr>
-            <a:r>
-              <a:rPr lang="en-US" sz="2000" dirty="0" smtClean="0"/>
-              <a:t>Compared to players, the algorithm would win sometimes</a:t>
-            </a:r>
-          </a:p>
-          <a:p>
-            <a:pPr marL="342900" indent="-342900" algn="l">
-              <a:buFont typeface="Arial" panose="020B0604020202020204" pitchFamily="34" charset="0"/>
-              <a:buChar char="•"/>
-            </a:pPr>
-            <a:r>
-              <a:rPr lang="en-US" sz="2000" dirty="0" smtClean="0"/>
-              <a:t>It was very good at making plans that led to it’s own victory</a:t>
-            </a:r>
-          </a:p>
-          <a:p>
-            <a:pPr marL="800100" lvl="1" indent="-342900" algn="l">
-              <a:buFont typeface="Arial" panose="020B0604020202020204" pitchFamily="34" charset="0"/>
-              <a:buChar char="•"/>
-            </a:pPr>
-            <a:r>
-              <a:rPr lang="en-US" sz="1600" dirty="0" smtClean="0"/>
-              <a:t>Moves that allowed multiple possible winning moves</a:t>
-            </a:r>
-          </a:p>
-          <a:p>
-            <a:pPr marL="342900" indent="-342900" algn="l">
-              <a:buFont typeface="Arial" panose="020B0604020202020204" pitchFamily="34" charset="0"/>
-              <a:buChar char="•"/>
-            </a:pPr>
-            <a:r>
-              <a:rPr lang="en-US" sz="2000" dirty="0" smtClean="0"/>
-              <a:t>However it was bad at stopping Player’s strategy of making good plans</a:t>
-            </a:r>
-          </a:p>
-          <a:p>
-            <a:pPr marL="800100" lvl="1" indent="-342900" algn="l">
-              <a:buFont typeface="Arial" panose="020B0604020202020204" pitchFamily="34" charset="0"/>
-              <a:buChar char="•"/>
-            </a:pPr>
-            <a:r>
-              <a:rPr lang="en-US" sz="1600" dirty="0" smtClean="0"/>
-              <a:t>It can be easy to beat if the player went first</a:t>
-            </a:r>
-          </a:p>
-          <a:p>
-            <a:pPr marL="800100" lvl="1" indent="-342900" algn="l">
-              <a:buFont typeface="Arial" panose="020B0604020202020204" pitchFamily="34" charset="0"/>
-              <a:buChar char="•"/>
-            </a:pPr>
-            <a:r>
-              <a:rPr lang="en-US" sz="1600" dirty="0" smtClean="0"/>
-              <a:t>AI did not make good blocking moves that could stop players early on</a:t>
-            </a:r>
-            <a:endParaRPr lang="en-US" sz="1600" dirty="0"/>
+              <a:rPr lang="en-US" sz="1400" dirty="0" smtClean="0"/>
+              <a:t>64 possible tiles was a huge branching </a:t>
+            </a:r>
+            <a:r>
+              <a:rPr lang="en-US" sz="1400" dirty="0" smtClean="0"/>
+              <a:t>factor</a:t>
+            </a:r>
+            <a:endParaRPr lang="en-US" sz="1400" dirty="0"/>
           </a:p>
         </p:txBody>
       </p:sp>
@@ -7145,11 +7153,8 @@
           <a:p>
             <a:r>
               <a:rPr lang="en-US" dirty="0" smtClean="0"/>
-              <a:t>Timing and Space Complexity</a:t>
-            </a:r>
-            <a:br>
-              <a:rPr lang="en-US" dirty="0" smtClean="0"/>
-            </a:br>
+              <a:t>Problems with the Algorithm</a:t>
+            </a:r>
             <a:endParaRPr lang="en-US" dirty="0"/>
           </a:p>
         </p:txBody>
@@ -7179,76 +7184,71 @@
             <a:pPr algn="l"/>
             <a:r>
               <a:rPr lang="en-US" sz="2000" dirty="0" smtClean="0"/>
-              <a:t>Timing</a:t>
+              <a:t>Although the algorithm was very good at trying to win</a:t>
             </a:r>
           </a:p>
           <a:p>
             <a:pPr marL="342900" indent="-342900" algn="l">
-              <a:buFont typeface="Arial" panose="020B0604020202020204" pitchFamily="34" charset="0"/>
+              <a:buFont typeface="Arial" pitchFamily="34" charset="0"/>
               <a:buChar char="•"/>
             </a:pPr>
             <a:r>
               <a:rPr lang="en-US" sz="2000" dirty="0" smtClean="0"/>
-              <a:t>Very fast if depth does not increase too much</a:t>
-            </a:r>
-          </a:p>
-          <a:p>
-            <a:pPr marL="342900" indent="-342900" algn="l">
-              <a:buFont typeface="Arial" panose="020B0604020202020204" pitchFamily="34" charset="0"/>
+              <a:t>Very bad at stopping an opponent from winning if the opponent is going for a not obvious winning strategy plan</a:t>
+            </a:r>
+          </a:p>
+          <a:p>
+            <a:pPr marL="800100" lvl="1" indent="-342900" algn="l">
+              <a:buFont typeface="Arial" pitchFamily="34" charset="0"/>
               <a:buChar char="•"/>
             </a:pPr>
             <a:r>
-              <a:rPr lang="en-US" sz="2000" dirty="0" smtClean="0"/>
-              <a:t>Speeds up of reducing branch size allowed more depth within reasonable time</a:t>
-            </a:r>
-          </a:p>
-          <a:p>
-            <a:pPr marL="342900" indent="-342900" algn="l">
-              <a:buFont typeface="Arial" panose="020B0604020202020204" pitchFamily="34" charset="0"/>
+              <a:rPr lang="en-US" sz="1600" dirty="0" smtClean="0"/>
+              <a:t>This could have been fixed by making our utility function more complicated</a:t>
+            </a:r>
+          </a:p>
+          <a:p>
+            <a:pPr marL="800100" lvl="1" indent="-342900" algn="l">
+              <a:buFont typeface="Arial" pitchFamily="34" charset="0"/>
               <a:buChar char="•"/>
             </a:pPr>
             <a:r>
-              <a:rPr lang="en-US" sz="2000" dirty="0" smtClean="0"/>
-              <a:t>Removing speed ups would have made a high depth infeasible</a:t>
-            </a:r>
-          </a:p>
-          <a:p>
-            <a:pPr marL="800100" lvl="1" indent="-342900" algn="l">
-              <a:buFont typeface="Arial" panose="020B0604020202020204" pitchFamily="34" charset="0"/>
+              <a:rPr lang="en-US" sz="1600" dirty="0" smtClean="0"/>
+              <a:t>Trying to win looks better than trying to block</a:t>
+            </a:r>
+          </a:p>
+          <a:p>
+            <a:pPr marL="342900" indent="-342900" algn="l">
+              <a:buFont typeface="Arial" pitchFamily="34" charset="0"/>
               <a:buChar char="•"/>
             </a:pPr>
             <a:r>
-              <a:rPr lang="en-US" sz="1400" dirty="0" smtClean="0"/>
-              <a:t>64 possible tiles was a huge branching factor</a:t>
-            </a:r>
-            <a:endParaRPr lang="en-US" sz="1400" dirty="0"/>
-          </a:p>
-          <a:p>
-            <a:pPr algn="l"/>
-            <a:r>
               <a:rPr lang="en-US" sz="2000" dirty="0" smtClean="0"/>
-              <a:t>Space</a:t>
-            </a:r>
-          </a:p>
-          <a:p>
-            <a:pPr marL="342900" indent="-342900" algn="l">
-              <a:buFont typeface="Arial" panose="020B0604020202020204" pitchFamily="34" charset="0"/>
+              <a:t>Human players can search deeper for very good plans and strategies</a:t>
+            </a:r>
+          </a:p>
+          <a:p>
+            <a:pPr marL="800100" lvl="1" indent="-342900" algn="l">
+              <a:buFont typeface="Arial" pitchFamily="34" charset="0"/>
               <a:buChar char="•"/>
             </a:pPr>
             <a:r>
-              <a:rPr lang="en-US" sz="2000" dirty="0" smtClean="0"/>
-              <a:t>Storing the data was compact</a:t>
-            </a:r>
-          </a:p>
-          <a:p>
-            <a:pPr marL="342900" indent="-342900" algn="l">
-              <a:buFont typeface="Arial" panose="020B0604020202020204" pitchFamily="34" charset="0"/>
+              <a:rPr lang="en-US" sz="1600" dirty="0" smtClean="0"/>
+              <a:t>AI was limited to search all strategies to the same depth</a:t>
+            </a:r>
+          </a:p>
+          <a:p>
+            <a:pPr marL="800100" lvl="1" indent="-342900" algn="l">
+              <a:buFont typeface="Arial" pitchFamily="34" charset="0"/>
               <a:buChar char="•"/>
             </a:pPr>
             <a:r>
-              <a:rPr lang="en-US" sz="2000" dirty="0" smtClean="0"/>
-              <a:t>Did not search into infinity and create memory issues</a:t>
-            </a:r>
+              <a:rPr lang="en-US" sz="1600" dirty="0" smtClean="0"/>
+              <a:t>Searching a bad strategy takes time and the algorithm will not increase depth value when time is wasted</a:t>
+            </a:r>
+          </a:p>
+          <a:p>
+            <a:pPr algn="l"/>
             <a:endParaRPr lang="en-US" sz="2000" dirty="0"/>
           </a:p>
         </p:txBody>
@@ -7305,158 +7305,6 @@
           <a:p>
             <a:r>
               <a:rPr lang="en-US" dirty="0" smtClean="0"/>
-              <a:t>Problems with the Algorithm</a:t>
-            </a:r>
-            <a:endParaRPr lang="en-US" dirty="0"/>
-          </a:p>
-        </p:txBody>
-      </p:sp>
-      <p:sp>
-        <p:nvSpPr>
-          <p:cNvPr id="3" name="Subtitle 2"/>
-          <p:cNvSpPr>
-            <a:spLocks noGrp="1"/>
-          </p:cNvSpPr>
-          <p:nvPr>
-            <p:ph type="subTitle" idx="1"/>
-          </p:nvPr>
-        </p:nvSpPr>
-        <p:spPr>
-          <a:xfrm>
-            <a:off x="762000" y="1447800"/>
-            <a:ext cx="7543800" cy="4191000"/>
-          </a:xfrm>
-        </p:spPr>
-        <p:txBody>
-          <a:bodyPr>
-            <a:normAutofit/>
-          </a:bodyPr>
-          <a:lstStyle/>
-          <a:p>
-            <a:pPr algn="l"/>
-            <a:r>
-              <a:rPr lang="en-US" sz="2000" dirty="0" smtClean="0"/>
-              <a:t>Although the algorithm was very good at trying to win</a:t>
-            </a:r>
-          </a:p>
-          <a:p>
-            <a:pPr marL="342900" indent="-342900" algn="l">
-              <a:buFont typeface="Arial" pitchFamily="34" charset="0"/>
-              <a:buChar char="•"/>
-            </a:pPr>
-            <a:r>
-              <a:rPr lang="en-US" sz="2000" dirty="0" smtClean="0"/>
-              <a:t>Very bad at stopping an opponent from winning if the opponent is going for a not obvious winning strategy plan</a:t>
-            </a:r>
-          </a:p>
-          <a:p>
-            <a:pPr marL="800100" lvl="1" indent="-342900" algn="l">
-              <a:buFont typeface="Arial" pitchFamily="34" charset="0"/>
-              <a:buChar char="•"/>
-            </a:pPr>
-            <a:r>
-              <a:rPr lang="en-US" sz="1600" dirty="0" smtClean="0"/>
-              <a:t>This could have been fixed by making our utility function more complicated</a:t>
-            </a:r>
-          </a:p>
-          <a:p>
-            <a:pPr marL="800100" lvl="1" indent="-342900" algn="l">
-              <a:buFont typeface="Arial" pitchFamily="34" charset="0"/>
-              <a:buChar char="•"/>
-            </a:pPr>
-            <a:r>
-              <a:rPr lang="en-US" sz="1600" dirty="0" smtClean="0"/>
-              <a:t>Trying to win looks better than trying to block</a:t>
-            </a:r>
-          </a:p>
-          <a:p>
-            <a:pPr marL="342900" indent="-342900" algn="l">
-              <a:buFont typeface="Arial" pitchFamily="34" charset="0"/>
-              <a:buChar char="•"/>
-            </a:pPr>
-            <a:r>
-              <a:rPr lang="en-US" sz="2000" dirty="0" smtClean="0"/>
-              <a:t>Human players can search deeper for very good plans and strategies</a:t>
-            </a:r>
-          </a:p>
-          <a:p>
-            <a:pPr marL="800100" lvl="1" indent="-342900" algn="l">
-              <a:buFont typeface="Arial" pitchFamily="34" charset="0"/>
-              <a:buChar char="•"/>
-            </a:pPr>
-            <a:r>
-              <a:rPr lang="en-US" sz="1600" dirty="0" smtClean="0"/>
-              <a:t>AI was limited to search all strategies to the same depth</a:t>
-            </a:r>
-          </a:p>
-          <a:p>
-            <a:pPr marL="800100" lvl="1" indent="-342900" algn="l">
-              <a:buFont typeface="Arial" pitchFamily="34" charset="0"/>
-              <a:buChar char="•"/>
-            </a:pPr>
-            <a:r>
-              <a:rPr lang="en-US" sz="1600" dirty="0" smtClean="0"/>
-              <a:t>Searching a bad strategy takes time and the algorithm will not increase depth value when time is wasted</a:t>
-            </a:r>
-          </a:p>
-          <a:p>
-            <a:pPr algn="l"/>
-            <a:endParaRPr lang="en-US" sz="2000" dirty="0"/>
-          </a:p>
-        </p:txBody>
-      </p:sp>
-    </p:spTree>
-    <p:extLst>
-      <p:ext uri="{BB962C8B-B14F-4D97-AF65-F5344CB8AC3E}">
-        <p14:creationId xmlns:p14="http://schemas.microsoft.com/office/powerpoint/2010/main" val="3352461406"/>
-      </p:ext>
-    </p:extLst>
-  </p:cSld>
-  <p:clrMapOvr>
-    <a:masterClrMapping/>
-  </p:clrMapOvr>
-</p:sld>
-</file>
-
-<file path=ppt/slides/slide17.xml><?xml version="1.0" encoding="utf-8"?>
-<p:sld xmlns:a="http://schemas.openxmlformats.org/drawingml/2006/main" xmlns:r="http://schemas.openxmlformats.org/officeDocument/2006/relationships" xmlns:p="http://schemas.openxmlformats.org/presentationml/2006/main">
-  <p:cSld>
-    <p:spTree>
-      <p:nvGrpSpPr>
-        <p:cNvPr id="1" name=""/>
-        <p:cNvGrpSpPr/>
-        <p:nvPr/>
-      </p:nvGrpSpPr>
-      <p:grpSpPr>
-        <a:xfrm>
-          <a:off x="0" y="0"/>
-          <a:ext cx="0" cy="0"/>
-          <a:chOff x="0" y="0"/>
-          <a:chExt cx="0" cy="0"/>
-        </a:xfrm>
-      </p:grpSpPr>
-      <p:sp>
-        <p:nvSpPr>
-          <p:cNvPr id="2" name="Title 1"/>
-          <p:cNvSpPr>
-            <a:spLocks noGrp="1"/>
-          </p:cNvSpPr>
-          <p:nvPr>
-            <p:ph type="ctrTitle"/>
-          </p:nvPr>
-        </p:nvSpPr>
-        <p:spPr>
-          <a:xfrm>
-            <a:off x="685800" y="381000"/>
-            <a:ext cx="7772400" cy="1470025"/>
-          </a:xfrm>
-        </p:spPr>
-        <p:txBody>
-          <a:bodyPr/>
-          <a:lstStyle/>
-          <a:p>
-            <a:r>
-              <a:rPr lang="en-US" dirty="0" smtClean="0"/>
               <a:t>Conclusion</a:t>
             </a:r>
             <a:endParaRPr lang="en-US" dirty="0"/>
@@ -7634,7 +7482,7 @@
           <a:p>
             <a:r>
               <a:rPr lang="en-US" dirty="0" smtClean="0"/>
-              <a:t>Introduction</a:t>
+              <a:t>Game Description</a:t>
             </a:r>
             <a:endParaRPr lang="en-US" dirty="0"/>
           </a:p>
@@ -7663,7 +7511,7 @@
             <a:pPr algn="l"/>
             <a:r>
               <a:rPr lang="en-US" dirty="0" smtClean="0"/>
-              <a:t>a</a:t>
+              <a:t>The object of our Four-In-A-Row is to get four in a row. The first player displays as O, and the second player displays X. Then player1 and player2 alternatively place their chesses until one player has 4 in a row or the board is filled with chesses. </a:t>
             </a:r>
             <a:endParaRPr lang="en-US" dirty="0"/>
           </a:p>
@@ -7672,7 +7520,7 @@
     </p:spTree>
     <p:extLst>
       <p:ext uri="{BB962C8B-B14F-4D97-AF65-F5344CB8AC3E}">
-        <p14:creationId xmlns:p14="http://schemas.microsoft.com/office/powerpoint/2010/main" val="169542628"/>
+        <p14:creationId xmlns:p14="http://schemas.microsoft.com/office/powerpoint/2010/main" val="3352461406"/>
       </p:ext>
     </p:extLst>
   </p:cSld>
@@ -7721,7 +7569,7 @@
           <a:p>
             <a:r>
               <a:rPr lang="en-US" dirty="0" smtClean="0"/>
-              <a:t>Describe Game</a:t>
+              <a:t>Game Description (Continued)</a:t>
             </a:r>
             <a:endParaRPr lang="en-US" dirty="0"/>
           </a:p>
@@ -7744,19 +7592,127 @@
           </a:xfrm>
         </p:spPr>
         <p:txBody>
-          <a:bodyPr/>
+          <a:bodyPr>
+            <a:normAutofit fontScale="85000" lnSpcReduction="10000"/>
+          </a:bodyPr>
           <a:lstStyle/>
           <a:p>
             <a:pPr algn="l"/>
             <a:r>
-              <a:rPr lang="en-US" dirty="0" smtClean="0"/>
-              <a:t>The object of our Four-In-A-Row is to get four in a row. The first player displays as O, and the second player displays X. Then player1 and player2 alternatively place their chesses until one player has 4 in a row or the board is filled </a:t>
-            </a:r>
-            <a:r>
-              <a:rPr lang="en-US" smtClean="0"/>
-              <a:t>with chesses. </a:t>
-            </a:r>
-            <a:endParaRPr lang="en-US" dirty="0"/>
+              <a:rPr lang="en-US" sz="2400" dirty="0" smtClean="0"/>
+              <a:t>Strategic game</a:t>
+            </a:r>
+          </a:p>
+          <a:p>
+            <a:pPr marL="342900" indent="-342900" algn="l">
+              <a:buFont typeface="Arial" panose="020B0604020202020204" pitchFamily="34" charset="0"/>
+              <a:buChar char="•"/>
+            </a:pPr>
+            <a:r>
+              <a:rPr lang="en-US" sz="2400" dirty="0" smtClean="0"/>
+              <a:t>Adversary in Game</a:t>
+            </a:r>
+          </a:p>
+          <a:p>
+            <a:pPr marL="342900" indent="-342900" algn="l">
+              <a:buFont typeface="Arial" panose="020B0604020202020204" pitchFamily="34" charset="0"/>
+              <a:buChar char="•"/>
+            </a:pPr>
+            <a:r>
+              <a:rPr lang="en-US" sz="2400" dirty="0" smtClean="0"/>
+              <a:t>Ideal moves may be blocked</a:t>
+            </a:r>
+          </a:p>
+          <a:p>
+            <a:pPr algn="l"/>
+            <a:r>
+              <a:rPr lang="en-US" sz="2400" dirty="0" smtClean="0"/>
+              <a:t>Very large branching factor of moves</a:t>
+            </a:r>
+          </a:p>
+          <a:p>
+            <a:pPr marL="342900" indent="-342900" algn="l">
+              <a:buFont typeface="Arial" panose="020B0604020202020204" pitchFamily="34" charset="0"/>
+              <a:buChar char="•"/>
+            </a:pPr>
+            <a:r>
+              <a:rPr lang="en-US" sz="2400" dirty="0" smtClean="0"/>
+              <a:t>Board size of 64</a:t>
+            </a:r>
+          </a:p>
+          <a:p>
+            <a:pPr marL="342900" indent="-342900" algn="l">
+              <a:buFont typeface="Arial" panose="020B0604020202020204" pitchFamily="34" charset="0"/>
+              <a:buChar char="•"/>
+            </a:pPr>
+            <a:r>
+              <a:rPr lang="en-US" sz="2400" dirty="0" smtClean="0"/>
+              <a:t>Not all moves will contribute anything</a:t>
+            </a:r>
+          </a:p>
+          <a:p>
+            <a:pPr algn="l"/>
+            <a:r>
+              <a:rPr lang="en-US" sz="2400" dirty="0" smtClean="0"/>
+              <a:t>Good moves are deep, need to plan ahead</a:t>
+            </a:r>
+          </a:p>
+          <a:p>
+            <a:pPr marL="342900" indent="-342900" algn="l">
+              <a:buFont typeface="Arial" panose="020B0604020202020204" pitchFamily="34" charset="0"/>
+              <a:buChar char="•"/>
+            </a:pPr>
+            <a:r>
+              <a:rPr lang="en-US" sz="2400" dirty="0" smtClean="0"/>
+              <a:t>Because of nature of the game, obvious winning moves are easy to block. AI needs to plan ahead</a:t>
+            </a:r>
+          </a:p>
+          <a:p>
+            <a:pPr algn="l"/>
+            <a:r>
+              <a:rPr lang="en-US" sz="2400" b="1" dirty="0" smtClean="0"/>
+              <a:t>Goal</a:t>
+            </a:r>
+            <a:r>
+              <a:rPr lang="en-US" sz="2400" dirty="0" smtClean="0"/>
+              <a:t>: </a:t>
+            </a:r>
+            <a:r>
+              <a:rPr lang="en-US" sz="2400" dirty="0"/>
+              <a:t>To make a capable AI that can make moves in reasonable time</a:t>
+            </a:r>
+          </a:p>
+          <a:p>
+            <a:pPr marL="342900" indent="-342900" algn="l">
+              <a:buFont typeface="Arial" panose="020B0604020202020204" pitchFamily="34" charset="0"/>
+              <a:buChar char="•"/>
+            </a:pPr>
+            <a:r>
+              <a:rPr lang="en-US" sz="2400" dirty="0"/>
+              <a:t>Make good moves that requiring planning ahead</a:t>
+            </a:r>
+          </a:p>
+          <a:p>
+            <a:pPr marL="342900" indent="-342900" algn="l">
+              <a:buFont typeface="Arial" panose="020B0604020202020204" pitchFamily="34" charset="0"/>
+              <a:buChar char="•"/>
+            </a:pPr>
+            <a:r>
+              <a:rPr lang="en-US" sz="2400" dirty="0"/>
+              <a:t>Overcome </a:t>
+            </a:r>
+            <a:r>
+              <a:rPr lang="en-US" sz="2400" dirty="0" smtClean="0"/>
+              <a:t>speed issues </a:t>
+            </a:r>
+            <a:r>
+              <a:rPr lang="en-US" sz="2400" dirty="0"/>
+              <a:t>of huge branching factor</a:t>
+            </a:r>
+          </a:p>
+          <a:p>
+            <a:pPr algn="l"/>
+            <a:endParaRPr lang="en-US" sz="2400" dirty="0"/>
           </a:p>
         </p:txBody>
       </p:sp>
@@ -8059,7 +8015,7 @@
           <a:p>
             <a:r>
               <a:rPr lang="en-US" dirty="0" smtClean="0"/>
-              <a:t>Describe Problem/Constraints</a:t>
+              <a:t>Utility Function</a:t>
             </a:r>
             <a:endParaRPr lang="en-US" dirty="0"/>
           </a:p>
@@ -8083,14 +8039,14 @@
         </p:spPr>
         <p:txBody>
           <a:bodyPr>
-            <a:normAutofit/>
+            <a:normAutofit lnSpcReduction="10000"/>
           </a:bodyPr>
           <a:lstStyle/>
           <a:p>
             <a:pPr algn="l"/>
             <a:r>
-              <a:rPr lang="en-US" sz="2400" dirty="0" smtClean="0"/>
-              <a:t>Strategic game</a:t>
+              <a:rPr lang="en-US" sz="2000" dirty="0" smtClean="0"/>
+              <a:t>Utility function</a:t>
             </a:r>
           </a:p>
           <a:p>
@@ -8099,8 +8055,8 @@
               <a:buChar char="•"/>
             </a:pPr>
             <a:r>
-              <a:rPr lang="en-US" sz="2400" dirty="0" smtClean="0"/>
-              <a:t>Adversary in Game</a:t>
+              <a:rPr lang="en-US" sz="2000" dirty="0" smtClean="0"/>
+              <a:t>Tiles next to existing moves are more ideal</a:t>
             </a:r>
           </a:p>
           <a:p>
@@ -8109,15 +8065,109 @@
               <a:buChar char="•"/>
             </a:pPr>
             <a:r>
-              <a:rPr lang="en-US" sz="2400" dirty="0" smtClean="0"/>
-              <a:t>Ideal moves may be blocked</a:t>
-            </a:r>
+              <a:rPr lang="en-US" sz="2000" dirty="0" smtClean="0"/>
+              <a:t>A tile’s value increases the more tiles are in the vicinity</a:t>
+            </a:r>
+          </a:p>
+          <a:p>
+            <a:pPr marL="800100" lvl="1" indent="-342900" algn="l">
+              <a:buFont typeface="Arial" panose="020B0604020202020204" pitchFamily="34" charset="0"/>
+              <a:buChar char="•"/>
+            </a:pPr>
+            <a:r>
+              <a:rPr lang="en-US" sz="1600" dirty="0" smtClean="0"/>
+              <a:t>Need to chain tiles together to win</a:t>
+            </a:r>
+          </a:p>
+          <a:p>
+            <a:pPr marL="800100" lvl="1" indent="-342900" algn="l">
+              <a:buFont typeface="Arial" panose="020B0604020202020204" pitchFamily="34" charset="0"/>
+              <a:buChar char="•"/>
+            </a:pPr>
+            <a:r>
+              <a:rPr lang="en-US" sz="1600" dirty="0" smtClean="0">
+                <a:solidFill>
+                  <a:srgbClr val="FF0000"/>
+                </a:solidFill>
+              </a:rPr>
+              <a:t>Value = # of same tiles distance 4 away on same row/col/diagonal</a:t>
+            </a:r>
+          </a:p>
+          <a:p>
+            <a:pPr marL="800100" lvl="1" indent="-342900" algn="l">
+              <a:buFont typeface="Arial" panose="020B0604020202020204" pitchFamily="34" charset="0"/>
+              <a:buChar char="•"/>
+            </a:pPr>
+            <a:r>
+              <a:rPr lang="en-US" sz="1600" dirty="0" smtClean="0">
+                <a:solidFill>
+                  <a:srgbClr val="FF0000"/>
+                </a:solidFill>
+              </a:rPr>
+              <a:t>Minus </a:t>
+            </a:r>
+            <a:r>
+              <a:rPr lang="en-US" sz="1600" dirty="0">
+                <a:solidFill>
+                  <a:srgbClr val="FF0000"/>
+                </a:solidFill>
+              </a:rPr>
+              <a:t># of </a:t>
+            </a:r>
+            <a:r>
+              <a:rPr lang="en-US" sz="1600" dirty="0" smtClean="0">
+                <a:solidFill>
+                  <a:srgbClr val="FF0000"/>
+                </a:solidFill>
+              </a:rPr>
+              <a:t>non-empty tiles </a:t>
+            </a:r>
+            <a:r>
+              <a:rPr lang="en-US" sz="1600" dirty="0">
+                <a:solidFill>
+                  <a:srgbClr val="FF0000"/>
+                </a:solidFill>
+              </a:rPr>
+              <a:t>distance 4 away on same row/col/diagonal</a:t>
+            </a:r>
+          </a:p>
+          <a:p>
+            <a:pPr marL="800100" lvl="1" indent="-342900" algn="l">
+              <a:buFont typeface="Arial" panose="020B0604020202020204" pitchFamily="34" charset="0"/>
+              <a:buChar char="•"/>
+            </a:pPr>
+            <a:endParaRPr lang="en-US" sz="1600" dirty="0" smtClean="0">
+              <a:solidFill>
+                <a:srgbClr val="FF0000"/>
+              </a:solidFill>
+            </a:endParaRPr>
+          </a:p>
+          <a:p>
+            <a:pPr marL="800100" lvl="1" indent="-342900" algn="l">
+              <a:buFont typeface="Arial" panose="020B0604020202020204" pitchFamily="34" charset="0"/>
+              <a:buChar char="•"/>
+            </a:pPr>
+            <a:endParaRPr lang="en-US" sz="1600" dirty="0"/>
+          </a:p>
+          <a:p>
+            <a:pPr marL="800100" lvl="1" indent="-342900" algn="l">
+              <a:buFont typeface="Arial" panose="020B0604020202020204" pitchFamily="34" charset="0"/>
+              <a:buChar char="•"/>
+            </a:pPr>
+            <a:endParaRPr lang="en-US" sz="1600" dirty="0" smtClean="0"/>
+          </a:p>
+          <a:p>
+            <a:pPr marL="800100" lvl="1" indent="-342900" algn="l">
+              <a:buFont typeface="Arial" panose="020B0604020202020204" pitchFamily="34" charset="0"/>
+              <a:buChar char="•"/>
+            </a:pPr>
+            <a:endParaRPr lang="en-US" sz="1600" dirty="0" smtClean="0"/>
           </a:p>
           <a:p>
             <a:pPr algn="l"/>
             <a:r>
-              <a:rPr lang="en-US" sz="2400" dirty="0" smtClean="0"/>
-              <a:t>Very large branching factor of moves</a:t>
+              <a:rPr lang="en-US" sz="2000" dirty="0" smtClean="0"/>
+              <a:t>However</a:t>
             </a:r>
           </a:p>
           <a:p>
@@ -8126,40 +8176,1714 @@
               <a:buChar char="•"/>
             </a:pPr>
             <a:r>
-              <a:rPr lang="en-US" sz="2400" dirty="0" smtClean="0"/>
-              <a:t>Board size of 64</a:t>
-            </a:r>
-          </a:p>
-          <a:p>
-            <a:pPr marL="342900" indent="-342900" algn="l">
-              <a:buFont typeface="Arial" panose="020B0604020202020204" pitchFamily="34" charset="0"/>
-              <a:buChar char="•"/>
-            </a:pPr>
-            <a:r>
-              <a:rPr lang="en-US" sz="2400" dirty="0" smtClean="0"/>
-              <a:t>Not all moves will contribute anything</a:t>
-            </a:r>
-          </a:p>
-          <a:p>
-            <a:pPr algn="l"/>
-            <a:r>
-              <a:rPr lang="en-US" sz="2400" dirty="0" smtClean="0"/>
-              <a:t>Good moves are deep, need to plan ahead</a:t>
-            </a:r>
-          </a:p>
-          <a:p>
-            <a:pPr marL="342900" indent="-342900" algn="l">
-              <a:buFont typeface="Arial" panose="020B0604020202020204" pitchFamily="34" charset="0"/>
-              <a:buChar char="•"/>
-            </a:pPr>
-            <a:r>
-              <a:rPr lang="en-US" sz="2400" dirty="0" smtClean="0"/>
-              <a:t>Because of nature of the game, obvious winning moves are easy to block. AI needs to plan ahead</a:t>
-            </a:r>
-            <a:endParaRPr lang="en-US" sz="2400" dirty="0"/>
-          </a:p>
-        </p:txBody>
-      </p:sp>
+              <a:rPr lang="en-US" sz="2000" dirty="0" smtClean="0"/>
+              <a:t>Linear utility function not completely ideal. Winning moves need to have a higher value so that these moves are committed to first.</a:t>
+            </a:r>
+          </a:p>
+        </p:txBody>
+      </p:sp>
+      <p:graphicFrame>
+        <p:nvGraphicFramePr>
+          <p:cNvPr id="5" name="Table 4"/>
+          <p:cNvGraphicFramePr>
+            <a:graphicFrameLocks noGrp="1"/>
+          </p:cNvGraphicFramePr>
+          <p:nvPr>
+            <p:extLst>
+              <p:ext uri="{D42A27DB-BD31-4B8C-83A1-F6EECF244321}">
+                <p14:modId xmlns:p14="http://schemas.microsoft.com/office/powerpoint/2010/main" val="3840082738"/>
+              </p:ext>
+            </p:extLst>
+          </p:nvPr>
+        </p:nvGraphicFramePr>
+        <p:xfrm>
+          <a:off x="1219200" y="3352800"/>
+          <a:ext cx="1257300" cy="762000"/>
+        </p:xfrm>
+        <a:graphic>
+          <a:graphicData uri="http://schemas.openxmlformats.org/drawingml/2006/table">
+            <a:tbl>
+              <a:tblPr>
+                <a:tableStyleId>{5C22544A-7EE6-4342-B048-85BDC9FD1C3A}</a:tableStyleId>
+              </a:tblPr>
+              <a:tblGrid>
+                <a:gridCol w="139700"/>
+                <a:gridCol w="139700"/>
+                <a:gridCol w="139700"/>
+                <a:gridCol w="139700"/>
+                <a:gridCol w="139700"/>
+                <a:gridCol w="139700"/>
+                <a:gridCol w="139700"/>
+                <a:gridCol w="139700"/>
+                <a:gridCol w="139700"/>
+              </a:tblGrid>
+              <a:tr h="190500">
+                <a:tc>
+                  <a:txBody>
+                    <a:bodyPr/>
+                    <a:lstStyle/>
+                    <a:p>
+                      <a:pPr algn="l" fontAlgn="b"/>
+                      <a:r>
+                        <a:rPr lang="en-US" sz="1100" u="none" strike="noStrike" dirty="0">
+                          <a:effectLst/>
+                        </a:rPr>
+                        <a:t> </a:t>
+                      </a:r>
+                      <a:endParaRPr lang="en-US" sz="1100" b="0" i="0" u="none" strike="noStrike" dirty="0">
+                        <a:solidFill>
+                          <a:srgbClr val="000000"/>
+                        </a:solidFill>
+                        <a:effectLst/>
+                        <a:latin typeface="Calibri" panose="020F0502020204030204" pitchFamily="34" charset="0"/>
+                      </a:endParaRPr>
+                    </a:p>
+                  </a:txBody>
+                  <a:tcPr marL="9525" marR="9525" marT="9525" marB="0" anchor="b"/>
+                </a:tc>
+                <a:tc>
+                  <a:txBody>
+                    <a:bodyPr/>
+                    <a:lstStyle/>
+                    <a:p>
+                      <a:pPr algn="l" fontAlgn="b"/>
+                      <a:r>
+                        <a:rPr lang="en-US" sz="1100" u="none" strike="noStrike">
+                          <a:effectLst/>
+                        </a:rPr>
+                        <a:t> </a:t>
+                      </a:r>
+                      <a:endParaRPr lang="en-US" sz="1100" b="0" i="0" u="none" strike="noStrike">
+                        <a:solidFill>
+                          <a:srgbClr val="000000"/>
+                        </a:solidFill>
+                        <a:effectLst/>
+                        <a:latin typeface="Calibri" panose="020F0502020204030204" pitchFamily="34" charset="0"/>
+                      </a:endParaRPr>
+                    </a:p>
+                  </a:txBody>
+                  <a:tcPr marL="9525" marR="9525" marT="9525" marB="0" anchor="b"/>
+                </a:tc>
+                <a:tc>
+                  <a:txBody>
+                    <a:bodyPr/>
+                    <a:lstStyle/>
+                    <a:p>
+                      <a:pPr algn="l" fontAlgn="b"/>
+                      <a:r>
+                        <a:rPr lang="en-US" sz="1100" u="none" strike="noStrike">
+                          <a:effectLst/>
+                        </a:rPr>
+                        <a:t> </a:t>
+                      </a:r>
+                      <a:endParaRPr lang="en-US" sz="1100" b="0" i="0" u="none" strike="noStrike">
+                        <a:solidFill>
+                          <a:srgbClr val="000000"/>
+                        </a:solidFill>
+                        <a:effectLst/>
+                        <a:latin typeface="Calibri" panose="020F0502020204030204" pitchFamily="34" charset="0"/>
+                      </a:endParaRPr>
+                    </a:p>
+                  </a:txBody>
+                  <a:tcPr marL="9525" marR="9525" marT="9525" marB="0" anchor="b"/>
+                </a:tc>
+                <a:tc>
+                  <a:txBody>
+                    <a:bodyPr/>
+                    <a:lstStyle/>
+                    <a:p>
+                      <a:pPr algn="l" fontAlgn="b"/>
+                      <a:r>
+                        <a:rPr lang="en-US" sz="1100" u="none" strike="noStrike" dirty="0">
+                          <a:effectLst/>
+                        </a:rPr>
+                        <a:t> </a:t>
+                      </a:r>
+                      <a:endParaRPr lang="en-US" sz="1100" b="0" i="0" u="none" strike="noStrike" dirty="0">
+                        <a:solidFill>
+                          <a:srgbClr val="000000"/>
+                        </a:solidFill>
+                        <a:effectLst/>
+                        <a:latin typeface="Calibri" panose="020F0502020204030204" pitchFamily="34" charset="0"/>
+                      </a:endParaRPr>
+                    </a:p>
+                  </a:txBody>
+                  <a:tcPr marL="9525" marR="9525" marT="9525" marB="0" anchor="b"/>
+                </a:tc>
+                <a:tc>
+                  <a:txBody>
+                    <a:bodyPr/>
+                    <a:lstStyle/>
+                    <a:p>
+                      <a:pPr algn="l" fontAlgn="b"/>
+                      <a:endParaRPr lang="en-US" sz="1100" b="0" i="0" u="none" strike="noStrike">
+                        <a:solidFill>
+                          <a:srgbClr val="000000"/>
+                        </a:solidFill>
+                        <a:effectLst/>
+                        <a:latin typeface="Calibri" panose="020F0502020204030204" pitchFamily="34" charset="0"/>
+                      </a:endParaRPr>
+                    </a:p>
+                  </a:txBody>
+                  <a:tcPr marL="9525" marR="9525" marT="9525" marB="0" anchor="b"/>
+                </a:tc>
+                <a:tc>
+                  <a:txBody>
+                    <a:bodyPr/>
+                    <a:lstStyle/>
+                    <a:p>
+                      <a:pPr algn="r" fontAlgn="b"/>
+                      <a:r>
+                        <a:rPr lang="en-US" sz="1100" u="none" strike="noStrike">
+                          <a:effectLst/>
+                        </a:rPr>
+                        <a:t>1</a:t>
+                      </a:r>
+                      <a:endParaRPr lang="en-US" sz="1100" b="0" i="0" u="none" strike="noStrike">
+                        <a:solidFill>
+                          <a:srgbClr val="000000"/>
+                        </a:solidFill>
+                        <a:effectLst/>
+                        <a:latin typeface="Calibri" panose="020F0502020204030204" pitchFamily="34" charset="0"/>
+                      </a:endParaRPr>
+                    </a:p>
+                  </a:txBody>
+                  <a:tcPr marL="9525" marR="9525" marT="9525" marB="0" anchor="b"/>
+                </a:tc>
+                <a:tc>
+                  <a:txBody>
+                    <a:bodyPr/>
+                    <a:lstStyle/>
+                    <a:p>
+                      <a:pPr algn="r" fontAlgn="b"/>
+                      <a:r>
+                        <a:rPr lang="en-US" sz="1100" u="none" strike="noStrike">
+                          <a:effectLst/>
+                        </a:rPr>
+                        <a:t>1</a:t>
+                      </a:r>
+                      <a:endParaRPr lang="en-US" sz="1100" b="0" i="0" u="none" strike="noStrike">
+                        <a:solidFill>
+                          <a:srgbClr val="000000"/>
+                        </a:solidFill>
+                        <a:effectLst/>
+                        <a:latin typeface="Calibri" panose="020F0502020204030204" pitchFamily="34" charset="0"/>
+                      </a:endParaRPr>
+                    </a:p>
+                  </a:txBody>
+                  <a:tcPr marL="9525" marR="9525" marT="9525" marB="0" anchor="b"/>
+                </a:tc>
+                <a:tc>
+                  <a:txBody>
+                    <a:bodyPr/>
+                    <a:lstStyle/>
+                    <a:p>
+                      <a:pPr algn="r" fontAlgn="b"/>
+                      <a:r>
+                        <a:rPr lang="en-US" sz="1100" u="none" strike="noStrike">
+                          <a:effectLst/>
+                        </a:rPr>
+                        <a:t>1</a:t>
+                      </a:r>
+                      <a:endParaRPr lang="en-US" sz="1100" b="0" i="0" u="none" strike="noStrike">
+                        <a:solidFill>
+                          <a:srgbClr val="000000"/>
+                        </a:solidFill>
+                        <a:effectLst/>
+                        <a:latin typeface="Calibri" panose="020F0502020204030204" pitchFamily="34" charset="0"/>
+                      </a:endParaRPr>
+                    </a:p>
+                  </a:txBody>
+                  <a:tcPr marL="9525" marR="9525" marT="9525" marB="0" anchor="b"/>
+                </a:tc>
+                <a:tc>
+                  <a:txBody>
+                    <a:bodyPr/>
+                    <a:lstStyle/>
+                    <a:p>
+                      <a:pPr algn="l" fontAlgn="b"/>
+                      <a:r>
+                        <a:rPr lang="en-US" sz="1100" u="none" strike="noStrike">
+                          <a:effectLst/>
+                        </a:rPr>
+                        <a:t> </a:t>
+                      </a:r>
+                      <a:endParaRPr lang="en-US" sz="1100" b="0" i="0" u="none" strike="noStrike">
+                        <a:solidFill>
+                          <a:srgbClr val="000000"/>
+                        </a:solidFill>
+                        <a:effectLst/>
+                        <a:latin typeface="Calibri" panose="020F0502020204030204" pitchFamily="34" charset="0"/>
+                      </a:endParaRPr>
+                    </a:p>
+                  </a:txBody>
+                  <a:tcPr marL="9525" marR="9525" marT="9525" marB="0" anchor="b"/>
+                </a:tc>
+              </a:tr>
+              <a:tr h="190500">
+                <a:tc>
+                  <a:txBody>
+                    <a:bodyPr/>
+                    <a:lstStyle/>
+                    <a:p>
+                      <a:pPr algn="l" fontAlgn="b"/>
+                      <a:r>
+                        <a:rPr lang="en-US" sz="1100" u="none" strike="noStrike">
+                          <a:effectLst/>
+                        </a:rPr>
+                        <a:t> </a:t>
+                      </a:r>
+                      <a:endParaRPr lang="en-US" sz="1100" b="0" i="0" u="none" strike="noStrike">
+                        <a:solidFill>
+                          <a:srgbClr val="000000"/>
+                        </a:solidFill>
+                        <a:effectLst/>
+                        <a:latin typeface="Calibri" panose="020F0502020204030204" pitchFamily="34" charset="0"/>
+                      </a:endParaRPr>
+                    </a:p>
+                  </a:txBody>
+                  <a:tcPr marL="9525" marR="9525" marT="9525" marB="0" anchor="b"/>
+                </a:tc>
+                <a:tc>
+                  <a:txBody>
+                    <a:bodyPr/>
+                    <a:lstStyle/>
+                    <a:p>
+                      <a:pPr algn="l" fontAlgn="b"/>
+                      <a:r>
+                        <a:rPr lang="en-US" sz="1100" u="none" strike="noStrike">
+                          <a:effectLst/>
+                        </a:rPr>
+                        <a:t>X</a:t>
+                      </a:r>
+                      <a:endParaRPr lang="en-US" sz="1100" b="0" i="0" u="none" strike="noStrike">
+                        <a:solidFill>
+                          <a:srgbClr val="000000"/>
+                        </a:solidFill>
+                        <a:effectLst/>
+                        <a:latin typeface="Calibri" panose="020F0502020204030204" pitchFamily="34" charset="0"/>
+                      </a:endParaRPr>
+                    </a:p>
+                  </a:txBody>
+                  <a:tcPr marL="9525" marR="9525" marT="9525" marB="0" anchor="b"/>
+                </a:tc>
+                <a:tc>
+                  <a:txBody>
+                    <a:bodyPr/>
+                    <a:lstStyle/>
+                    <a:p>
+                      <a:pPr algn="l" fontAlgn="b"/>
+                      <a:r>
+                        <a:rPr lang="en-US" sz="1100" u="none" strike="noStrike">
+                          <a:effectLst/>
+                        </a:rPr>
+                        <a:t> </a:t>
+                      </a:r>
+                      <a:endParaRPr lang="en-US" sz="1100" b="0" i="0" u="none" strike="noStrike">
+                        <a:solidFill>
+                          <a:srgbClr val="000000"/>
+                        </a:solidFill>
+                        <a:effectLst/>
+                        <a:latin typeface="Calibri" panose="020F0502020204030204" pitchFamily="34" charset="0"/>
+                      </a:endParaRPr>
+                    </a:p>
+                  </a:txBody>
+                  <a:tcPr marL="9525" marR="9525" marT="9525" marB="0" anchor="b"/>
+                </a:tc>
+                <a:tc>
+                  <a:txBody>
+                    <a:bodyPr/>
+                    <a:lstStyle/>
+                    <a:p>
+                      <a:pPr algn="l" fontAlgn="b"/>
+                      <a:r>
+                        <a:rPr lang="en-US" sz="1100" u="none" strike="noStrike">
+                          <a:effectLst/>
+                        </a:rPr>
+                        <a:t> </a:t>
+                      </a:r>
+                      <a:endParaRPr lang="en-US" sz="1100" b="0" i="0" u="none" strike="noStrike">
+                        <a:solidFill>
+                          <a:srgbClr val="000000"/>
+                        </a:solidFill>
+                        <a:effectLst/>
+                        <a:latin typeface="Calibri" panose="020F0502020204030204" pitchFamily="34" charset="0"/>
+                      </a:endParaRPr>
+                    </a:p>
+                  </a:txBody>
+                  <a:tcPr marL="9525" marR="9525" marT="9525" marB="0" anchor="b"/>
+                </a:tc>
+                <a:tc>
+                  <a:txBody>
+                    <a:bodyPr/>
+                    <a:lstStyle/>
+                    <a:p>
+                      <a:pPr algn="l" fontAlgn="b"/>
+                      <a:endParaRPr lang="en-US" sz="1100" b="0" i="0" u="none" strike="noStrike">
+                        <a:solidFill>
+                          <a:srgbClr val="000000"/>
+                        </a:solidFill>
+                        <a:effectLst/>
+                        <a:latin typeface="Calibri" panose="020F0502020204030204" pitchFamily="34" charset="0"/>
+                      </a:endParaRPr>
+                    </a:p>
+                  </a:txBody>
+                  <a:tcPr marL="9525" marR="9525" marT="9525" marB="0" anchor="b"/>
+                </a:tc>
+                <a:tc>
+                  <a:txBody>
+                    <a:bodyPr/>
+                    <a:lstStyle/>
+                    <a:p>
+                      <a:pPr algn="r" fontAlgn="b"/>
+                      <a:r>
+                        <a:rPr lang="en-US" sz="1100" u="none" strike="noStrike">
+                          <a:effectLst/>
+                        </a:rPr>
+                        <a:t>1</a:t>
+                      </a:r>
+                      <a:endParaRPr lang="en-US" sz="1100" b="0" i="0" u="none" strike="noStrike">
+                        <a:solidFill>
+                          <a:srgbClr val="000000"/>
+                        </a:solidFill>
+                        <a:effectLst/>
+                        <a:latin typeface="Calibri" panose="020F0502020204030204" pitchFamily="34" charset="0"/>
+                      </a:endParaRPr>
+                    </a:p>
+                  </a:txBody>
+                  <a:tcPr marL="9525" marR="9525" marT="9525" marB="0" anchor="b"/>
+                </a:tc>
+                <a:tc>
+                  <a:txBody>
+                    <a:bodyPr/>
+                    <a:lstStyle/>
+                    <a:p>
+                      <a:pPr algn="l" fontAlgn="b"/>
+                      <a:r>
+                        <a:rPr lang="en-US" sz="1100" u="none" strike="noStrike">
+                          <a:effectLst/>
+                        </a:rPr>
+                        <a:t>X</a:t>
+                      </a:r>
+                      <a:endParaRPr lang="en-US" sz="1100" b="0" i="0" u="none" strike="noStrike">
+                        <a:solidFill>
+                          <a:srgbClr val="000000"/>
+                        </a:solidFill>
+                        <a:effectLst/>
+                        <a:latin typeface="Calibri" panose="020F0502020204030204" pitchFamily="34" charset="0"/>
+                      </a:endParaRPr>
+                    </a:p>
+                  </a:txBody>
+                  <a:tcPr marL="9525" marR="9525" marT="9525" marB="0" anchor="b"/>
+                </a:tc>
+                <a:tc>
+                  <a:txBody>
+                    <a:bodyPr/>
+                    <a:lstStyle/>
+                    <a:p>
+                      <a:pPr algn="r" fontAlgn="b"/>
+                      <a:r>
+                        <a:rPr lang="en-US" sz="1100" u="none" strike="noStrike">
+                          <a:effectLst/>
+                        </a:rPr>
+                        <a:t>1</a:t>
+                      </a:r>
+                      <a:endParaRPr lang="en-US" sz="1100" b="0" i="0" u="none" strike="noStrike">
+                        <a:solidFill>
+                          <a:srgbClr val="000000"/>
+                        </a:solidFill>
+                        <a:effectLst/>
+                        <a:latin typeface="Calibri" panose="020F0502020204030204" pitchFamily="34" charset="0"/>
+                      </a:endParaRPr>
+                    </a:p>
+                  </a:txBody>
+                  <a:tcPr marL="9525" marR="9525" marT="9525" marB="0" anchor="b"/>
+                </a:tc>
+                <a:tc>
+                  <a:txBody>
+                    <a:bodyPr/>
+                    <a:lstStyle/>
+                    <a:p>
+                      <a:pPr algn="r" fontAlgn="b"/>
+                      <a:r>
+                        <a:rPr lang="en-US" sz="1100" u="none" strike="noStrike">
+                          <a:effectLst/>
+                        </a:rPr>
+                        <a:t>1</a:t>
+                      </a:r>
+                      <a:endParaRPr lang="en-US" sz="1100" b="0" i="0" u="none" strike="noStrike">
+                        <a:solidFill>
+                          <a:srgbClr val="000000"/>
+                        </a:solidFill>
+                        <a:effectLst/>
+                        <a:latin typeface="Calibri" panose="020F0502020204030204" pitchFamily="34" charset="0"/>
+                      </a:endParaRPr>
+                    </a:p>
+                  </a:txBody>
+                  <a:tcPr marL="9525" marR="9525" marT="9525" marB="0" anchor="b"/>
+                </a:tc>
+              </a:tr>
+              <a:tr h="190500">
+                <a:tc>
+                  <a:txBody>
+                    <a:bodyPr/>
+                    <a:lstStyle/>
+                    <a:p>
+                      <a:pPr algn="l" fontAlgn="b"/>
+                      <a:r>
+                        <a:rPr lang="en-US" sz="1100" u="none" strike="noStrike">
+                          <a:effectLst/>
+                        </a:rPr>
+                        <a:t> </a:t>
+                      </a:r>
+                      <a:endParaRPr lang="en-US" sz="1100" b="0" i="0" u="none" strike="noStrike">
+                        <a:solidFill>
+                          <a:srgbClr val="000000"/>
+                        </a:solidFill>
+                        <a:effectLst/>
+                        <a:latin typeface="Calibri" panose="020F0502020204030204" pitchFamily="34" charset="0"/>
+                      </a:endParaRPr>
+                    </a:p>
+                  </a:txBody>
+                  <a:tcPr marL="9525" marR="9525" marT="9525" marB="0" anchor="b"/>
+                </a:tc>
+                <a:tc>
+                  <a:txBody>
+                    <a:bodyPr/>
+                    <a:lstStyle/>
+                    <a:p>
+                      <a:pPr algn="l" fontAlgn="b"/>
+                      <a:r>
+                        <a:rPr lang="en-US" sz="1100" u="none" strike="noStrike">
+                          <a:effectLst/>
+                        </a:rPr>
+                        <a:t> </a:t>
+                      </a:r>
+                      <a:endParaRPr lang="en-US" sz="1100" b="0" i="0" u="none" strike="noStrike">
+                        <a:solidFill>
+                          <a:srgbClr val="000000"/>
+                        </a:solidFill>
+                        <a:effectLst/>
+                        <a:latin typeface="Calibri" panose="020F0502020204030204" pitchFamily="34" charset="0"/>
+                      </a:endParaRPr>
+                    </a:p>
+                  </a:txBody>
+                  <a:tcPr marL="9525" marR="9525" marT="9525" marB="0" anchor="b"/>
+                </a:tc>
+                <a:tc>
+                  <a:txBody>
+                    <a:bodyPr/>
+                    <a:lstStyle/>
+                    <a:p>
+                      <a:pPr algn="l" fontAlgn="b"/>
+                      <a:r>
+                        <a:rPr lang="en-US" sz="1100" u="none" strike="noStrike">
+                          <a:effectLst/>
+                        </a:rPr>
+                        <a:t> </a:t>
+                      </a:r>
+                      <a:endParaRPr lang="en-US" sz="1100" b="0" i="0" u="none" strike="noStrike">
+                        <a:solidFill>
+                          <a:srgbClr val="000000"/>
+                        </a:solidFill>
+                        <a:effectLst/>
+                        <a:latin typeface="Calibri" panose="020F0502020204030204" pitchFamily="34" charset="0"/>
+                      </a:endParaRPr>
+                    </a:p>
+                  </a:txBody>
+                  <a:tcPr marL="9525" marR="9525" marT="9525" marB="0" anchor="b"/>
+                </a:tc>
+                <a:tc>
+                  <a:txBody>
+                    <a:bodyPr/>
+                    <a:lstStyle/>
+                    <a:p>
+                      <a:pPr algn="l" fontAlgn="b"/>
+                      <a:r>
+                        <a:rPr lang="en-US" sz="1100" u="none" strike="noStrike">
+                          <a:effectLst/>
+                        </a:rPr>
+                        <a:t> </a:t>
+                      </a:r>
+                      <a:endParaRPr lang="en-US" sz="1100" b="0" i="0" u="none" strike="noStrike">
+                        <a:solidFill>
+                          <a:srgbClr val="000000"/>
+                        </a:solidFill>
+                        <a:effectLst/>
+                        <a:latin typeface="Calibri" panose="020F0502020204030204" pitchFamily="34" charset="0"/>
+                      </a:endParaRPr>
+                    </a:p>
+                  </a:txBody>
+                  <a:tcPr marL="9525" marR="9525" marT="9525" marB="0" anchor="b"/>
+                </a:tc>
+                <a:tc>
+                  <a:txBody>
+                    <a:bodyPr/>
+                    <a:lstStyle/>
+                    <a:p>
+                      <a:pPr algn="l" fontAlgn="b"/>
+                      <a:endParaRPr lang="en-US" sz="1100" b="0" i="0" u="none" strike="noStrike">
+                        <a:solidFill>
+                          <a:srgbClr val="000000"/>
+                        </a:solidFill>
+                        <a:effectLst/>
+                        <a:latin typeface="Calibri" panose="020F0502020204030204" pitchFamily="34" charset="0"/>
+                      </a:endParaRPr>
+                    </a:p>
+                  </a:txBody>
+                  <a:tcPr marL="9525" marR="9525" marT="9525" marB="0" anchor="b"/>
+                </a:tc>
+                <a:tc>
+                  <a:txBody>
+                    <a:bodyPr/>
+                    <a:lstStyle/>
+                    <a:p>
+                      <a:pPr algn="r" fontAlgn="b"/>
+                      <a:r>
+                        <a:rPr lang="en-US" sz="1100" u="none" strike="noStrike">
+                          <a:effectLst/>
+                        </a:rPr>
+                        <a:t>1</a:t>
+                      </a:r>
+                      <a:endParaRPr lang="en-US" sz="1100" b="0" i="0" u="none" strike="noStrike">
+                        <a:solidFill>
+                          <a:srgbClr val="000000"/>
+                        </a:solidFill>
+                        <a:effectLst/>
+                        <a:latin typeface="Calibri" panose="020F0502020204030204" pitchFamily="34" charset="0"/>
+                      </a:endParaRPr>
+                    </a:p>
+                  </a:txBody>
+                  <a:tcPr marL="9525" marR="9525" marT="9525" marB="0" anchor="b"/>
+                </a:tc>
+                <a:tc>
+                  <a:txBody>
+                    <a:bodyPr/>
+                    <a:lstStyle/>
+                    <a:p>
+                      <a:pPr algn="r" fontAlgn="b"/>
+                      <a:r>
+                        <a:rPr lang="en-US" sz="1100" u="none" strike="noStrike">
+                          <a:effectLst/>
+                        </a:rPr>
+                        <a:t>1</a:t>
+                      </a:r>
+                      <a:endParaRPr lang="en-US" sz="1100" b="0" i="0" u="none" strike="noStrike">
+                        <a:solidFill>
+                          <a:srgbClr val="000000"/>
+                        </a:solidFill>
+                        <a:effectLst/>
+                        <a:latin typeface="Calibri" panose="020F0502020204030204" pitchFamily="34" charset="0"/>
+                      </a:endParaRPr>
+                    </a:p>
+                  </a:txBody>
+                  <a:tcPr marL="9525" marR="9525" marT="9525" marB="0" anchor="b"/>
+                </a:tc>
+                <a:tc>
+                  <a:txBody>
+                    <a:bodyPr/>
+                    <a:lstStyle/>
+                    <a:p>
+                      <a:pPr algn="r" fontAlgn="b"/>
+                      <a:r>
+                        <a:rPr lang="en-US" sz="1100" u="none" strike="noStrike">
+                          <a:effectLst/>
+                        </a:rPr>
+                        <a:t>1</a:t>
+                      </a:r>
+                      <a:endParaRPr lang="en-US" sz="1100" b="0" i="0" u="none" strike="noStrike">
+                        <a:solidFill>
+                          <a:srgbClr val="000000"/>
+                        </a:solidFill>
+                        <a:effectLst/>
+                        <a:latin typeface="Calibri" panose="020F0502020204030204" pitchFamily="34" charset="0"/>
+                      </a:endParaRPr>
+                    </a:p>
+                  </a:txBody>
+                  <a:tcPr marL="9525" marR="9525" marT="9525" marB="0" anchor="b"/>
+                </a:tc>
+                <a:tc>
+                  <a:txBody>
+                    <a:bodyPr/>
+                    <a:lstStyle/>
+                    <a:p>
+                      <a:pPr algn="l" fontAlgn="b"/>
+                      <a:r>
+                        <a:rPr lang="en-US" sz="1100" u="none" strike="noStrike">
+                          <a:effectLst/>
+                        </a:rPr>
+                        <a:t> </a:t>
+                      </a:r>
+                      <a:endParaRPr lang="en-US" sz="1100" b="0" i="0" u="none" strike="noStrike">
+                        <a:solidFill>
+                          <a:srgbClr val="000000"/>
+                        </a:solidFill>
+                        <a:effectLst/>
+                        <a:latin typeface="Calibri" panose="020F0502020204030204" pitchFamily="34" charset="0"/>
+                      </a:endParaRPr>
+                    </a:p>
+                  </a:txBody>
+                  <a:tcPr marL="9525" marR="9525" marT="9525" marB="0" anchor="b"/>
+                </a:tc>
+              </a:tr>
+              <a:tr h="190500">
+                <a:tc>
+                  <a:txBody>
+                    <a:bodyPr/>
+                    <a:lstStyle/>
+                    <a:p>
+                      <a:pPr algn="l" fontAlgn="b"/>
+                      <a:r>
+                        <a:rPr lang="en-US" sz="1100" u="none" strike="noStrike">
+                          <a:effectLst/>
+                        </a:rPr>
+                        <a:t> </a:t>
+                      </a:r>
+                      <a:endParaRPr lang="en-US" sz="1100" b="0" i="0" u="none" strike="noStrike">
+                        <a:solidFill>
+                          <a:srgbClr val="000000"/>
+                        </a:solidFill>
+                        <a:effectLst/>
+                        <a:latin typeface="Calibri" panose="020F0502020204030204" pitchFamily="34" charset="0"/>
+                      </a:endParaRPr>
+                    </a:p>
+                  </a:txBody>
+                  <a:tcPr marL="9525" marR="9525" marT="9525" marB="0" anchor="b"/>
+                </a:tc>
+                <a:tc>
+                  <a:txBody>
+                    <a:bodyPr/>
+                    <a:lstStyle/>
+                    <a:p>
+                      <a:pPr algn="l" fontAlgn="b"/>
+                      <a:r>
+                        <a:rPr lang="en-US" sz="1100" u="none" strike="noStrike">
+                          <a:effectLst/>
+                        </a:rPr>
+                        <a:t> </a:t>
+                      </a:r>
+                      <a:endParaRPr lang="en-US" sz="1100" b="0" i="0" u="none" strike="noStrike">
+                        <a:solidFill>
+                          <a:srgbClr val="000000"/>
+                        </a:solidFill>
+                        <a:effectLst/>
+                        <a:latin typeface="Calibri" panose="020F0502020204030204" pitchFamily="34" charset="0"/>
+                      </a:endParaRPr>
+                    </a:p>
+                  </a:txBody>
+                  <a:tcPr marL="9525" marR="9525" marT="9525" marB="0" anchor="b"/>
+                </a:tc>
+                <a:tc>
+                  <a:txBody>
+                    <a:bodyPr/>
+                    <a:lstStyle/>
+                    <a:p>
+                      <a:pPr algn="l" fontAlgn="b"/>
+                      <a:r>
+                        <a:rPr lang="en-US" sz="1100" u="none" strike="noStrike">
+                          <a:effectLst/>
+                        </a:rPr>
+                        <a:t> </a:t>
+                      </a:r>
+                      <a:endParaRPr lang="en-US" sz="1100" b="0" i="0" u="none" strike="noStrike">
+                        <a:solidFill>
+                          <a:srgbClr val="000000"/>
+                        </a:solidFill>
+                        <a:effectLst/>
+                        <a:latin typeface="Calibri" panose="020F0502020204030204" pitchFamily="34" charset="0"/>
+                      </a:endParaRPr>
+                    </a:p>
+                  </a:txBody>
+                  <a:tcPr marL="9525" marR="9525" marT="9525" marB="0" anchor="b"/>
+                </a:tc>
+                <a:tc>
+                  <a:txBody>
+                    <a:bodyPr/>
+                    <a:lstStyle/>
+                    <a:p>
+                      <a:pPr algn="l" fontAlgn="b"/>
+                      <a:r>
+                        <a:rPr lang="en-US" sz="1100" u="none" strike="noStrike">
+                          <a:effectLst/>
+                        </a:rPr>
+                        <a:t> </a:t>
+                      </a:r>
+                      <a:endParaRPr lang="en-US" sz="1100" b="0" i="0" u="none" strike="noStrike">
+                        <a:solidFill>
+                          <a:srgbClr val="000000"/>
+                        </a:solidFill>
+                        <a:effectLst/>
+                        <a:latin typeface="Calibri" panose="020F0502020204030204" pitchFamily="34" charset="0"/>
+                      </a:endParaRPr>
+                    </a:p>
+                  </a:txBody>
+                  <a:tcPr marL="9525" marR="9525" marT="9525" marB="0" anchor="b"/>
+                </a:tc>
+                <a:tc>
+                  <a:txBody>
+                    <a:bodyPr/>
+                    <a:lstStyle/>
+                    <a:p>
+                      <a:pPr algn="l" fontAlgn="b"/>
+                      <a:endParaRPr lang="en-US" sz="1100" b="0" i="0" u="none" strike="noStrike">
+                        <a:solidFill>
+                          <a:srgbClr val="000000"/>
+                        </a:solidFill>
+                        <a:effectLst/>
+                        <a:latin typeface="Calibri" panose="020F0502020204030204" pitchFamily="34" charset="0"/>
+                      </a:endParaRPr>
+                    </a:p>
+                  </a:txBody>
+                  <a:tcPr marL="9525" marR="9525" marT="9525" marB="0" anchor="b"/>
+                </a:tc>
+                <a:tc>
+                  <a:txBody>
+                    <a:bodyPr/>
+                    <a:lstStyle/>
+                    <a:p>
+                      <a:pPr algn="l" fontAlgn="b"/>
+                      <a:r>
+                        <a:rPr lang="en-US" sz="1100" u="none" strike="noStrike">
+                          <a:effectLst/>
+                        </a:rPr>
+                        <a:t> </a:t>
+                      </a:r>
+                      <a:endParaRPr lang="en-US" sz="1100" b="0" i="0" u="none" strike="noStrike">
+                        <a:solidFill>
+                          <a:srgbClr val="000000"/>
+                        </a:solidFill>
+                        <a:effectLst/>
+                        <a:latin typeface="Calibri" panose="020F0502020204030204" pitchFamily="34" charset="0"/>
+                      </a:endParaRPr>
+                    </a:p>
+                  </a:txBody>
+                  <a:tcPr marL="9525" marR="9525" marT="9525" marB="0" anchor="b"/>
+                </a:tc>
+                <a:tc>
+                  <a:txBody>
+                    <a:bodyPr/>
+                    <a:lstStyle/>
+                    <a:p>
+                      <a:pPr algn="r" fontAlgn="b"/>
+                      <a:r>
+                        <a:rPr lang="en-US" sz="1100" u="none" strike="noStrike">
+                          <a:effectLst/>
+                        </a:rPr>
+                        <a:t>1</a:t>
+                      </a:r>
+                      <a:endParaRPr lang="en-US" sz="1100" b="0" i="0" u="none" strike="noStrike">
+                        <a:solidFill>
+                          <a:srgbClr val="000000"/>
+                        </a:solidFill>
+                        <a:effectLst/>
+                        <a:latin typeface="Calibri" panose="020F0502020204030204" pitchFamily="34" charset="0"/>
+                      </a:endParaRPr>
+                    </a:p>
+                  </a:txBody>
+                  <a:tcPr marL="9525" marR="9525" marT="9525" marB="0" anchor="b"/>
+                </a:tc>
+                <a:tc>
+                  <a:txBody>
+                    <a:bodyPr/>
+                    <a:lstStyle/>
+                    <a:p>
+                      <a:pPr algn="l" fontAlgn="b"/>
+                      <a:r>
+                        <a:rPr lang="en-US" sz="1100" u="none" strike="noStrike">
+                          <a:effectLst/>
+                        </a:rPr>
+                        <a:t> </a:t>
+                      </a:r>
+                      <a:endParaRPr lang="en-US" sz="1100" b="0" i="0" u="none" strike="noStrike">
+                        <a:solidFill>
+                          <a:srgbClr val="000000"/>
+                        </a:solidFill>
+                        <a:effectLst/>
+                        <a:latin typeface="Calibri" panose="020F0502020204030204" pitchFamily="34" charset="0"/>
+                      </a:endParaRPr>
+                    </a:p>
+                  </a:txBody>
+                  <a:tcPr marL="9525" marR="9525" marT="9525" marB="0" anchor="b"/>
+                </a:tc>
+                <a:tc>
+                  <a:txBody>
+                    <a:bodyPr/>
+                    <a:lstStyle/>
+                    <a:p>
+                      <a:pPr algn="r" fontAlgn="b"/>
+                      <a:r>
+                        <a:rPr lang="en-US" sz="1100" u="none" strike="noStrike" dirty="0">
+                          <a:effectLst/>
+                        </a:rPr>
+                        <a:t>1</a:t>
+                      </a:r>
+                      <a:endParaRPr lang="en-US" sz="1100" b="0" i="0" u="none" strike="noStrike" dirty="0">
+                        <a:solidFill>
+                          <a:srgbClr val="000000"/>
+                        </a:solidFill>
+                        <a:effectLst/>
+                        <a:latin typeface="Calibri" panose="020F0502020204030204" pitchFamily="34" charset="0"/>
+                      </a:endParaRPr>
+                    </a:p>
+                  </a:txBody>
+                  <a:tcPr marL="9525" marR="9525" marT="9525" marB="0" anchor="b"/>
+                </a:tc>
+              </a:tr>
+            </a:tbl>
+          </a:graphicData>
+        </a:graphic>
+      </p:graphicFrame>
+      <p:graphicFrame>
+        <p:nvGraphicFramePr>
+          <p:cNvPr id="7" name="Table 6"/>
+          <p:cNvGraphicFramePr>
+            <a:graphicFrameLocks noGrp="1"/>
+          </p:cNvGraphicFramePr>
+          <p:nvPr>
+            <p:extLst>
+              <p:ext uri="{D42A27DB-BD31-4B8C-83A1-F6EECF244321}">
+                <p14:modId xmlns:p14="http://schemas.microsoft.com/office/powerpoint/2010/main" val="1810579143"/>
+              </p:ext>
+            </p:extLst>
+          </p:nvPr>
+        </p:nvGraphicFramePr>
+        <p:xfrm>
+          <a:off x="3962400" y="3352800"/>
+          <a:ext cx="1257300" cy="762000"/>
+        </p:xfrm>
+        <a:graphic>
+          <a:graphicData uri="http://schemas.openxmlformats.org/drawingml/2006/table">
+            <a:tbl>
+              <a:tblPr>
+                <a:tableStyleId>{5C22544A-7EE6-4342-B048-85BDC9FD1C3A}</a:tableStyleId>
+              </a:tblPr>
+              <a:tblGrid>
+                <a:gridCol w="139700"/>
+                <a:gridCol w="139700"/>
+                <a:gridCol w="139700"/>
+                <a:gridCol w="139700"/>
+                <a:gridCol w="139700"/>
+                <a:gridCol w="139700"/>
+                <a:gridCol w="139700"/>
+                <a:gridCol w="139700"/>
+                <a:gridCol w="139700"/>
+              </a:tblGrid>
+              <a:tr h="190500">
+                <a:tc>
+                  <a:txBody>
+                    <a:bodyPr/>
+                    <a:lstStyle/>
+                    <a:p>
+                      <a:pPr algn="l" fontAlgn="b"/>
+                      <a:r>
+                        <a:rPr lang="en-US" sz="1100" u="none" strike="noStrike" dirty="0">
+                          <a:effectLst/>
+                        </a:rPr>
+                        <a:t> </a:t>
+                      </a:r>
+                      <a:endParaRPr lang="en-US" sz="1100" b="0" i="0" u="none" strike="noStrike" dirty="0">
+                        <a:solidFill>
+                          <a:srgbClr val="000000"/>
+                        </a:solidFill>
+                        <a:effectLst/>
+                        <a:latin typeface="Calibri" panose="020F0502020204030204" pitchFamily="34" charset="0"/>
+                      </a:endParaRPr>
+                    </a:p>
+                  </a:txBody>
+                  <a:tcPr marL="9525" marR="9525" marT="9525" marB="0" anchor="b"/>
+                </a:tc>
+                <a:tc>
+                  <a:txBody>
+                    <a:bodyPr/>
+                    <a:lstStyle/>
+                    <a:p>
+                      <a:pPr algn="l" fontAlgn="b"/>
+                      <a:r>
+                        <a:rPr lang="en-US" sz="1100" u="none" strike="noStrike">
+                          <a:effectLst/>
+                        </a:rPr>
+                        <a:t> </a:t>
+                      </a:r>
+                      <a:endParaRPr lang="en-US" sz="1100" b="0" i="0" u="none" strike="noStrike">
+                        <a:solidFill>
+                          <a:srgbClr val="000000"/>
+                        </a:solidFill>
+                        <a:effectLst/>
+                        <a:latin typeface="Calibri" panose="020F0502020204030204" pitchFamily="34" charset="0"/>
+                      </a:endParaRPr>
+                    </a:p>
+                  </a:txBody>
+                  <a:tcPr marL="9525" marR="9525" marT="9525" marB="0" anchor="b"/>
+                </a:tc>
+                <a:tc>
+                  <a:txBody>
+                    <a:bodyPr/>
+                    <a:lstStyle/>
+                    <a:p>
+                      <a:pPr algn="l" fontAlgn="b"/>
+                      <a:r>
+                        <a:rPr lang="en-US" sz="1100" u="none" strike="noStrike" dirty="0">
+                          <a:effectLst/>
+                        </a:rPr>
+                        <a:t> </a:t>
+                      </a:r>
+                      <a:endParaRPr lang="en-US" sz="1100" b="0" i="0" u="none" strike="noStrike" dirty="0">
+                        <a:solidFill>
+                          <a:srgbClr val="000000"/>
+                        </a:solidFill>
+                        <a:effectLst/>
+                        <a:latin typeface="Calibri" panose="020F0502020204030204" pitchFamily="34" charset="0"/>
+                      </a:endParaRPr>
+                    </a:p>
+                  </a:txBody>
+                  <a:tcPr marL="9525" marR="9525" marT="9525" marB="0" anchor="b"/>
+                </a:tc>
+                <a:tc>
+                  <a:txBody>
+                    <a:bodyPr/>
+                    <a:lstStyle/>
+                    <a:p>
+                      <a:pPr algn="l" fontAlgn="b"/>
+                      <a:r>
+                        <a:rPr lang="en-US" sz="1100" u="none" strike="noStrike">
+                          <a:effectLst/>
+                        </a:rPr>
+                        <a:t> </a:t>
+                      </a:r>
+                      <a:endParaRPr lang="en-US" sz="1100" b="0" i="0" u="none" strike="noStrike">
+                        <a:solidFill>
+                          <a:srgbClr val="000000"/>
+                        </a:solidFill>
+                        <a:effectLst/>
+                        <a:latin typeface="Calibri" panose="020F0502020204030204" pitchFamily="34" charset="0"/>
+                      </a:endParaRPr>
+                    </a:p>
+                  </a:txBody>
+                  <a:tcPr marL="9525" marR="9525" marT="9525" marB="0" anchor="b"/>
+                </a:tc>
+                <a:tc>
+                  <a:txBody>
+                    <a:bodyPr/>
+                    <a:lstStyle/>
+                    <a:p>
+                      <a:pPr algn="l" fontAlgn="b"/>
+                      <a:endParaRPr lang="en-US" sz="1100" b="0" i="0" u="none" strike="noStrike">
+                        <a:solidFill>
+                          <a:srgbClr val="000000"/>
+                        </a:solidFill>
+                        <a:effectLst/>
+                        <a:latin typeface="Calibri" panose="020F0502020204030204" pitchFamily="34" charset="0"/>
+                      </a:endParaRPr>
+                    </a:p>
+                  </a:txBody>
+                  <a:tcPr marL="9525" marR="9525" marT="9525" marB="0" anchor="b"/>
+                </a:tc>
+                <a:tc>
+                  <a:txBody>
+                    <a:bodyPr/>
+                    <a:lstStyle/>
+                    <a:p>
+                      <a:pPr algn="r" fontAlgn="b"/>
+                      <a:r>
+                        <a:rPr lang="en-US" sz="1100" u="none" strike="noStrike">
+                          <a:effectLst/>
+                        </a:rPr>
+                        <a:t>2</a:t>
+                      </a:r>
+                      <a:endParaRPr lang="en-US" sz="1100" b="0" i="0" u="none" strike="noStrike">
+                        <a:solidFill>
+                          <a:srgbClr val="000000"/>
+                        </a:solidFill>
+                        <a:effectLst/>
+                        <a:latin typeface="Calibri" panose="020F0502020204030204" pitchFamily="34" charset="0"/>
+                      </a:endParaRPr>
+                    </a:p>
+                  </a:txBody>
+                  <a:tcPr marL="9525" marR="9525" marT="9525" marB="0" anchor="b"/>
+                </a:tc>
+                <a:tc>
+                  <a:txBody>
+                    <a:bodyPr/>
+                    <a:lstStyle/>
+                    <a:p>
+                      <a:pPr algn="r" fontAlgn="b"/>
+                      <a:r>
+                        <a:rPr lang="en-US" sz="1100" u="none" strike="noStrike">
+                          <a:effectLst/>
+                        </a:rPr>
+                        <a:t>1</a:t>
+                      </a:r>
+                      <a:endParaRPr lang="en-US" sz="1100" b="0" i="0" u="none" strike="noStrike">
+                        <a:solidFill>
+                          <a:srgbClr val="000000"/>
+                        </a:solidFill>
+                        <a:effectLst/>
+                        <a:latin typeface="Calibri" panose="020F0502020204030204" pitchFamily="34" charset="0"/>
+                      </a:endParaRPr>
+                    </a:p>
+                  </a:txBody>
+                  <a:tcPr marL="9525" marR="9525" marT="9525" marB="0" anchor="b"/>
+                </a:tc>
+                <a:tc>
+                  <a:txBody>
+                    <a:bodyPr/>
+                    <a:lstStyle/>
+                    <a:p>
+                      <a:pPr algn="r" fontAlgn="b"/>
+                      <a:r>
+                        <a:rPr lang="en-US" sz="1100" u="none" strike="noStrike">
+                          <a:effectLst/>
+                        </a:rPr>
+                        <a:t>2</a:t>
+                      </a:r>
+                      <a:endParaRPr lang="en-US" sz="1100" b="0" i="0" u="none" strike="noStrike">
+                        <a:solidFill>
+                          <a:srgbClr val="000000"/>
+                        </a:solidFill>
+                        <a:effectLst/>
+                        <a:latin typeface="Calibri" panose="020F0502020204030204" pitchFamily="34" charset="0"/>
+                      </a:endParaRPr>
+                    </a:p>
+                  </a:txBody>
+                  <a:tcPr marL="9525" marR="9525" marT="9525" marB="0" anchor="b"/>
+                </a:tc>
+                <a:tc>
+                  <a:txBody>
+                    <a:bodyPr/>
+                    <a:lstStyle/>
+                    <a:p>
+                      <a:pPr algn="l" fontAlgn="b"/>
+                      <a:r>
+                        <a:rPr lang="en-US" sz="1100" u="none" strike="noStrike">
+                          <a:effectLst/>
+                        </a:rPr>
+                        <a:t> </a:t>
+                      </a:r>
+                      <a:endParaRPr lang="en-US" sz="1100" b="0" i="0" u="none" strike="noStrike">
+                        <a:solidFill>
+                          <a:srgbClr val="000000"/>
+                        </a:solidFill>
+                        <a:effectLst/>
+                        <a:latin typeface="Calibri" panose="020F0502020204030204" pitchFamily="34" charset="0"/>
+                      </a:endParaRPr>
+                    </a:p>
+                  </a:txBody>
+                  <a:tcPr marL="9525" marR="9525" marT="9525" marB="0" anchor="b"/>
+                </a:tc>
+              </a:tr>
+              <a:tr h="190500">
+                <a:tc>
+                  <a:txBody>
+                    <a:bodyPr/>
+                    <a:lstStyle/>
+                    <a:p>
+                      <a:pPr algn="l" fontAlgn="b"/>
+                      <a:r>
+                        <a:rPr lang="en-US" sz="1100" u="none" strike="noStrike">
+                          <a:effectLst/>
+                        </a:rPr>
+                        <a:t> </a:t>
+                      </a:r>
+                      <a:endParaRPr lang="en-US" sz="1100" b="0" i="0" u="none" strike="noStrike">
+                        <a:solidFill>
+                          <a:srgbClr val="000000"/>
+                        </a:solidFill>
+                        <a:effectLst/>
+                        <a:latin typeface="Calibri" panose="020F0502020204030204" pitchFamily="34" charset="0"/>
+                      </a:endParaRPr>
+                    </a:p>
+                  </a:txBody>
+                  <a:tcPr marL="9525" marR="9525" marT="9525" marB="0" anchor="b"/>
+                </a:tc>
+                <a:tc>
+                  <a:txBody>
+                    <a:bodyPr/>
+                    <a:lstStyle/>
+                    <a:p>
+                      <a:pPr algn="l" fontAlgn="b"/>
+                      <a:r>
+                        <a:rPr lang="en-US" sz="1100" u="none" strike="noStrike">
+                          <a:effectLst/>
+                        </a:rPr>
+                        <a:t>X</a:t>
+                      </a:r>
+                      <a:endParaRPr lang="en-US" sz="1100" b="0" i="0" u="none" strike="noStrike">
+                        <a:solidFill>
+                          <a:srgbClr val="000000"/>
+                        </a:solidFill>
+                        <a:effectLst/>
+                        <a:latin typeface="Calibri" panose="020F0502020204030204" pitchFamily="34" charset="0"/>
+                      </a:endParaRPr>
+                    </a:p>
+                  </a:txBody>
+                  <a:tcPr marL="9525" marR="9525" marT="9525" marB="0" anchor="b"/>
+                </a:tc>
+                <a:tc>
+                  <a:txBody>
+                    <a:bodyPr/>
+                    <a:lstStyle/>
+                    <a:p>
+                      <a:pPr algn="l" fontAlgn="b"/>
+                      <a:r>
+                        <a:rPr lang="en-US" sz="1100" u="none" strike="noStrike">
+                          <a:effectLst/>
+                        </a:rPr>
+                        <a:t> </a:t>
+                      </a:r>
+                      <a:endParaRPr lang="en-US" sz="1100" b="0" i="0" u="none" strike="noStrike">
+                        <a:solidFill>
+                          <a:srgbClr val="000000"/>
+                        </a:solidFill>
+                        <a:effectLst/>
+                        <a:latin typeface="Calibri" panose="020F0502020204030204" pitchFamily="34" charset="0"/>
+                      </a:endParaRPr>
+                    </a:p>
+                  </a:txBody>
+                  <a:tcPr marL="9525" marR="9525" marT="9525" marB="0" anchor="b"/>
+                </a:tc>
+                <a:tc>
+                  <a:txBody>
+                    <a:bodyPr/>
+                    <a:lstStyle/>
+                    <a:p>
+                      <a:pPr algn="l" fontAlgn="b"/>
+                      <a:r>
+                        <a:rPr lang="en-US" sz="1100" u="none" strike="noStrike">
+                          <a:effectLst/>
+                        </a:rPr>
+                        <a:t> </a:t>
+                      </a:r>
+                      <a:endParaRPr lang="en-US" sz="1100" b="0" i="0" u="none" strike="noStrike">
+                        <a:solidFill>
+                          <a:srgbClr val="000000"/>
+                        </a:solidFill>
+                        <a:effectLst/>
+                        <a:latin typeface="Calibri" panose="020F0502020204030204" pitchFamily="34" charset="0"/>
+                      </a:endParaRPr>
+                    </a:p>
+                  </a:txBody>
+                  <a:tcPr marL="9525" marR="9525" marT="9525" marB="0" anchor="b"/>
+                </a:tc>
+                <a:tc>
+                  <a:txBody>
+                    <a:bodyPr/>
+                    <a:lstStyle/>
+                    <a:p>
+                      <a:pPr algn="l" fontAlgn="b"/>
+                      <a:endParaRPr lang="en-US" sz="1100" b="0" i="0" u="none" strike="noStrike">
+                        <a:solidFill>
+                          <a:srgbClr val="000000"/>
+                        </a:solidFill>
+                        <a:effectLst/>
+                        <a:latin typeface="Calibri" panose="020F0502020204030204" pitchFamily="34" charset="0"/>
+                      </a:endParaRPr>
+                    </a:p>
+                  </a:txBody>
+                  <a:tcPr marL="9525" marR="9525" marT="9525" marB="0" anchor="b"/>
+                </a:tc>
+                <a:tc>
+                  <a:txBody>
+                    <a:bodyPr/>
+                    <a:lstStyle/>
+                    <a:p>
+                      <a:pPr algn="r" fontAlgn="b"/>
+                      <a:r>
+                        <a:rPr lang="en-US" sz="1100" u="none" strike="noStrike">
+                          <a:effectLst/>
+                        </a:rPr>
+                        <a:t>1</a:t>
+                      </a:r>
+                      <a:endParaRPr lang="en-US" sz="1100" b="0" i="0" u="none" strike="noStrike">
+                        <a:solidFill>
+                          <a:srgbClr val="000000"/>
+                        </a:solidFill>
+                        <a:effectLst/>
+                        <a:latin typeface="Calibri" panose="020F0502020204030204" pitchFamily="34" charset="0"/>
+                      </a:endParaRPr>
+                    </a:p>
+                  </a:txBody>
+                  <a:tcPr marL="9525" marR="9525" marT="9525" marB="0" anchor="b"/>
+                </a:tc>
+                <a:tc>
+                  <a:txBody>
+                    <a:bodyPr/>
+                    <a:lstStyle/>
+                    <a:p>
+                      <a:pPr algn="l" fontAlgn="b"/>
+                      <a:r>
+                        <a:rPr lang="en-US" sz="1100" u="none" strike="noStrike">
+                          <a:effectLst/>
+                        </a:rPr>
+                        <a:t>X</a:t>
+                      </a:r>
+                      <a:endParaRPr lang="en-US" sz="1100" b="0" i="0" u="none" strike="noStrike">
+                        <a:solidFill>
+                          <a:srgbClr val="000000"/>
+                        </a:solidFill>
+                        <a:effectLst/>
+                        <a:latin typeface="Calibri" panose="020F0502020204030204" pitchFamily="34" charset="0"/>
+                      </a:endParaRPr>
+                    </a:p>
+                  </a:txBody>
+                  <a:tcPr marL="9525" marR="9525" marT="9525" marB="0" anchor="b"/>
+                </a:tc>
+                <a:tc>
+                  <a:txBody>
+                    <a:bodyPr/>
+                    <a:lstStyle/>
+                    <a:p>
+                      <a:pPr algn="r" fontAlgn="b"/>
+                      <a:r>
+                        <a:rPr lang="en-US" sz="1100" u="none" strike="noStrike">
+                          <a:effectLst/>
+                        </a:rPr>
+                        <a:t>2</a:t>
+                      </a:r>
+                      <a:endParaRPr lang="en-US" sz="1100" b="0" i="0" u="none" strike="noStrike">
+                        <a:solidFill>
+                          <a:srgbClr val="000000"/>
+                        </a:solidFill>
+                        <a:effectLst/>
+                        <a:latin typeface="Calibri" panose="020F0502020204030204" pitchFamily="34" charset="0"/>
+                      </a:endParaRPr>
+                    </a:p>
+                  </a:txBody>
+                  <a:tcPr marL="9525" marR="9525" marT="9525" marB="0" anchor="b"/>
+                </a:tc>
+                <a:tc>
+                  <a:txBody>
+                    <a:bodyPr/>
+                    <a:lstStyle/>
+                    <a:p>
+                      <a:pPr algn="r" fontAlgn="b"/>
+                      <a:r>
+                        <a:rPr lang="en-US" sz="1100" u="none" strike="noStrike">
+                          <a:effectLst/>
+                        </a:rPr>
+                        <a:t>2</a:t>
+                      </a:r>
+                      <a:endParaRPr lang="en-US" sz="1100" b="0" i="0" u="none" strike="noStrike">
+                        <a:solidFill>
+                          <a:srgbClr val="000000"/>
+                        </a:solidFill>
+                        <a:effectLst/>
+                        <a:latin typeface="Calibri" panose="020F0502020204030204" pitchFamily="34" charset="0"/>
+                      </a:endParaRPr>
+                    </a:p>
+                  </a:txBody>
+                  <a:tcPr marL="9525" marR="9525" marT="9525" marB="0" anchor="b"/>
+                </a:tc>
+              </a:tr>
+              <a:tr h="190500">
+                <a:tc>
+                  <a:txBody>
+                    <a:bodyPr/>
+                    <a:lstStyle/>
+                    <a:p>
+                      <a:pPr algn="l" fontAlgn="b"/>
+                      <a:r>
+                        <a:rPr lang="en-US" sz="1100" u="none" strike="noStrike">
+                          <a:effectLst/>
+                        </a:rPr>
+                        <a:t> </a:t>
+                      </a:r>
+                      <a:endParaRPr lang="en-US" sz="1100" b="0" i="0" u="none" strike="noStrike">
+                        <a:solidFill>
+                          <a:srgbClr val="000000"/>
+                        </a:solidFill>
+                        <a:effectLst/>
+                        <a:latin typeface="Calibri" panose="020F0502020204030204" pitchFamily="34" charset="0"/>
+                      </a:endParaRPr>
+                    </a:p>
+                  </a:txBody>
+                  <a:tcPr marL="9525" marR="9525" marT="9525" marB="0" anchor="b"/>
+                </a:tc>
+                <a:tc>
+                  <a:txBody>
+                    <a:bodyPr/>
+                    <a:lstStyle/>
+                    <a:p>
+                      <a:pPr algn="l" fontAlgn="b"/>
+                      <a:r>
+                        <a:rPr lang="en-US" sz="1100" u="none" strike="noStrike">
+                          <a:effectLst/>
+                        </a:rPr>
+                        <a:t> </a:t>
+                      </a:r>
+                      <a:endParaRPr lang="en-US" sz="1100" b="0" i="0" u="none" strike="noStrike">
+                        <a:solidFill>
+                          <a:srgbClr val="000000"/>
+                        </a:solidFill>
+                        <a:effectLst/>
+                        <a:latin typeface="Calibri" panose="020F0502020204030204" pitchFamily="34" charset="0"/>
+                      </a:endParaRPr>
+                    </a:p>
+                  </a:txBody>
+                  <a:tcPr marL="9525" marR="9525" marT="9525" marB="0" anchor="b"/>
+                </a:tc>
+                <a:tc>
+                  <a:txBody>
+                    <a:bodyPr/>
+                    <a:lstStyle/>
+                    <a:p>
+                      <a:pPr algn="l" fontAlgn="b"/>
+                      <a:r>
+                        <a:rPr lang="en-US" sz="1100" u="none" strike="noStrike">
+                          <a:effectLst/>
+                        </a:rPr>
+                        <a:t>X</a:t>
+                      </a:r>
+                      <a:endParaRPr lang="en-US" sz="1100" b="0" i="0" u="none" strike="noStrike">
+                        <a:solidFill>
+                          <a:srgbClr val="000000"/>
+                        </a:solidFill>
+                        <a:effectLst/>
+                        <a:latin typeface="Calibri" panose="020F0502020204030204" pitchFamily="34" charset="0"/>
+                      </a:endParaRPr>
+                    </a:p>
+                  </a:txBody>
+                  <a:tcPr marL="9525" marR="9525" marT="9525" marB="0" anchor="b"/>
+                </a:tc>
+                <a:tc>
+                  <a:txBody>
+                    <a:bodyPr/>
+                    <a:lstStyle/>
+                    <a:p>
+                      <a:pPr algn="l" fontAlgn="b"/>
+                      <a:r>
+                        <a:rPr lang="en-US" sz="1100" u="none" strike="noStrike">
+                          <a:effectLst/>
+                        </a:rPr>
+                        <a:t> </a:t>
+                      </a:r>
+                      <a:endParaRPr lang="en-US" sz="1100" b="0" i="0" u="none" strike="noStrike">
+                        <a:solidFill>
+                          <a:srgbClr val="000000"/>
+                        </a:solidFill>
+                        <a:effectLst/>
+                        <a:latin typeface="Calibri" panose="020F0502020204030204" pitchFamily="34" charset="0"/>
+                      </a:endParaRPr>
+                    </a:p>
+                  </a:txBody>
+                  <a:tcPr marL="9525" marR="9525" marT="9525" marB="0" anchor="b"/>
+                </a:tc>
+                <a:tc>
+                  <a:txBody>
+                    <a:bodyPr/>
+                    <a:lstStyle/>
+                    <a:p>
+                      <a:pPr algn="l" fontAlgn="b"/>
+                      <a:endParaRPr lang="en-US" sz="1100" b="0" i="0" u="none" strike="noStrike">
+                        <a:solidFill>
+                          <a:srgbClr val="000000"/>
+                        </a:solidFill>
+                        <a:effectLst/>
+                        <a:latin typeface="Calibri" panose="020F0502020204030204" pitchFamily="34" charset="0"/>
+                      </a:endParaRPr>
+                    </a:p>
+                  </a:txBody>
+                  <a:tcPr marL="9525" marR="9525" marT="9525" marB="0" anchor="b"/>
+                </a:tc>
+                <a:tc>
+                  <a:txBody>
+                    <a:bodyPr/>
+                    <a:lstStyle/>
+                    <a:p>
+                      <a:pPr algn="r" fontAlgn="b"/>
+                      <a:r>
+                        <a:rPr lang="en-US" sz="1100" u="none" strike="noStrike">
+                          <a:effectLst/>
+                        </a:rPr>
+                        <a:t>2</a:t>
+                      </a:r>
+                      <a:endParaRPr lang="en-US" sz="1100" b="0" i="0" u="none" strike="noStrike">
+                        <a:solidFill>
+                          <a:srgbClr val="000000"/>
+                        </a:solidFill>
+                        <a:effectLst/>
+                        <a:latin typeface="Calibri" panose="020F0502020204030204" pitchFamily="34" charset="0"/>
+                      </a:endParaRPr>
+                    </a:p>
+                  </a:txBody>
+                  <a:tcPr marL="9525" marR="9525" marT="9525" marB="0" anchor="b"/>
+                </a:tc>
+                <a:tc>
+                  <a:txBody>
+                    <a:bodyPr/>
+                    <a:lstStyle/>
+                    <a:p>
+                      <a:pPr algn="r" fontAlgn="b"/>
+                      <a:r>
+                        <a:rPr lang="en-US" sz="1100" u="none" strike="noStrike">
+                          <a:effectLst/>
+                        </a:rPr>
+                        <a:t>2</a:t>
+                      </a:r>
+                      <a:endParaRPr lang="en-US" sz="1100" b="0" i="0" u="none" strike="noStrike">
+                        <a:solidFill>
+                          <a:srgbClr val="000000"/>
+                        </a:solidFill>
+                        <a:effectLst/>
+                        <a:latin typeface="Calibri" panose="020F0502020204030204" pitchFamily="34" charset="0"/>
+                      </a:endParaRPr>
+                    </a:p>
+                  </a:txBody>
+                  <a:tcPr marL="9525" marR="9525" marT="9525" marB="0" anchor="b"/>
+                </a:tc>
+                <a:tc>
+                  <a:txBody>
+                    <a:bodyPr/>
+                    <a:lstStyle/>
+                    <a:p>
+                      <a:pPr algn="l" fontAlgn="b"/>
+                      <a:r>
+                        <a:rPr lang="en-US" sz="1100" u="none" strike="noStrike">
+                          <a:effectLst/>
+                        </a:rPr>
+                        <a:t>X</a:t>
+                      </a:r>
+                      <a:endParaRPr lang="en-US" sz="1100" b="0" i="0" u="none" strike="noStrike">
+                        <a:solidFill>
+                          <a:srgbClr val="000000"/>
+                        </a:solidFill>
+                        <a:effectLst/>
+                        <a:latin typeface="Calibri" panose="020F0502020204030204" pitchFamily="34" charset="0"/>
+                      </a:endParaRPr>
+                    </a:p>
+                  </a:txBody>
+                  <a:tcPr marL="9525" marR="9525" marT="9525" marB="0" anchor="b"/>
+                </a:tc>
+                <a:tc>
+                  <a:txBody>
+                    <a:bodyPr/>
+                    <a:lstStyle/>
+                    <a:p>
+                      <a:pPr algn="r" fontAlgn="b"/>
+                      <a:r>
+                        <a:rPr lang="en-US" sz="1100" u="none" strike="noStrike">
+                          <a:effectLst/>
+                        </a:rPr>
+                        <a:t>1</a:t>
+                      </a:r>
+                      <a:endParaRPr lang="en-US" sz="1100" b="0" i="0" u="none" strike="noStrike">
+                        <a:solidFill>
+                          <a:srgbClr val="000000"/>
+                        </a:solidFill>
+                        <a:effectLst/>
+                        <a:latin typeface="Calibri" panose="020F0502020204030204" pitchFamily="34" charset="0"/>
+                      </a:endParaRPr>
+                    </a:p>
+                  </a:txBody>
+                  <a:tcPr marL="9525" marR="9525" marT="9525" marB="0" anchor="b"/>
+                </a:tc>
+              </a:tr>
+              <a:tr h="190500">
+                <a:tc>
+                  <a:txBody>
+                    <a:bodyPr/>
+                    <a:lstStyle/>
+                    <a:p>
+                      <a:pPr algn="l" fontAlgn="b"/>
+                      <a:r>
+                        <a:rPr lang="en-US" sz="1100" u="none" strike="noStrike">
+                          <a:effectLst/>
+                        </a:rPr>
+                        <a:t> </a:t>
+                      </a:r>
+                      <a:endParaRPr lang="en-US" sz="1100" b="0" i="0" u="none" strike="noStrike">
+                        <a:solidFill>
+                          <a:srgbClr val="000000"/>
+                        </a:solidFill>
+                        <a:effectLst/>
+                        <a:latin typeface="Calibri" panose="020F0502020204030204" pitchFamily="34" charset="0"/>
+                      </a:endParaRPr>
+                    </a:p>
+                  </a:txBody>
+                  <a:tcPr marL="9525" marR="9525" marT="9525" marB="0" anchor="b"/>
+                </a:tc>
+                <a:tc>
+                  <a:txBody>
+                    <a:bodyPr/>
+                    <a:lstStyle/>
+                    <a:p>
+                      <a:pPr algn="l" fontAlgn="b"/>
+                      <a:r>
+                        <a:rPr lang="en-US" sz="1100" u="none" strike="noStrike">
+                          <a:effectLst/>
+                        </a:rPr>
+                        <a:t> </a:t>
+                      </a:r>
+                      <a:endParaRPr lang="en-US" sz="1100" b="0" i="0" u="none" strike="noStrike">
+                        <a:solidFill>
+                          <a:srgbClr val="000000"/>
+                        </a:solidFill>
+                        <a:effectLst/>
+                        <a:latin typeface="Calibri" panose="020F0502020204030204" pitchFamily="34" charset="0"/>
+                      </a:endParaRPr>
+                    </a:p>
+                  </a:txBody>
+                  <a:tcPr marL="9525" marR="9525" marT="9525" marB="0" anchor="b"/>
+                </a:tc>
+                <a:tc>
+                  <a:txBody>
+                    <a:bodyPr/>
+                    <a:lstStyle/>
+                    <a:p>
+                      <a:pPr algn="l" fontAlgn="b"/>
+                      <a:r>
+                        <a:rPr lang="en-US" sz="1100" u="none" strike="noStrike">
+                          <a:effectLst/>
+                        </a:rPr>
+                        <a:t> </a:t>
+                      </a:r>
+                      <a:endParaRPr lang="en-US" sz="1100" b="0" i="0" u="none" strike="noStrike">
+                        <a:solidFill>
+                          <a:srgbClr val="000000"/>
+                        </a:solidFill>
+                        <a:effectLst/>
+                        <a:latin typeface="Calibri" panose="020F0502020204030204" pitchFamily="34" charset="0"/>
+                      </a:endParaRPr>
+                    </a:p>
+                  </a:txBody>
+                  <a:tcPr marL="9525" marR="9525" marT="9525" marB="0" anchor="b"/>
+                </a:tc>
+                <a:tc>
+                  <a:txBody>
+                    <a:bodyPr/>
+                    <a:lstStyle/>
+                    <a:p>
+                      <a:pPr algn="l" fontAlgn="b"/>
+                      <a:r>
+                        <a:rPr lang="en-US" sz="1100" u="none" strike="noStrike">
+                          <a:effectLst/>
+                        </a:rPr>
+                        <a:t> </a:t>
+                      </a:r>
+                      <a:endParaRPr lang="en-US" sz="1100" b="0" i="0" u="none" strike="noStrike">
+                        <a:solidFill>
+                          <a:srgbClr val="000000"/>
+                        </a:solidFill>
+                        <a:effectLst/>
+                        <a:latin typeface="Calibri" panose="020F0502020204030204" pitchFamily="34" charset="0"/>
+                      </a:endParaRPr>
+                    </a:p>
+                  </a:txBody>
+                  <a:tcPr marL="9525" marR="9525" marT="9525" marB="0" anchor="b"/>
+                </a:tc>
+                <a:tc>
+                  <a:txBody>
+                    <a:bodyPr/>
+                    <a:lstStyle/>
+                    <a:p>
+                      <a:pPr algn="l" fontAlgn="b"/>
+                      <a:endParaRPr lang="en-US" sz="1100" b="0" i="0" u="none" strike="noStrike">
+                        <a:solidFill>
+                          <a:srgbClr val="000000"/>
+                        </a:solidFill>
+                        <a:effectLst/>
+                        <a:latin typeface="Calibri" panose="020F0502020204030204" pitchFamily="34" charset="0"/>
+                      </a:endParaRPr>
+                    </a:p>
+                  </a:txBody>
+                  <a:tcPr marL="9525" marR="9525" marT="9525" marB="0" anchor="b"/>
+                </a:tc>
+                <a:tc>
+                  <a:txBody>
+                    <a:bodyPr/>
+                    <a:lstStyle/>
+                    <a:p>
+                      <a:pPr algn="l" fontAlgn="b"/>
+                      <a:r>
+                        <a:rPr lang="en-US" sz="1100" u="none" strike="noStrike">
+                          <a:effectLst/>
+                        </a:rPr>
+                        <a:t> </a:t>
+                      </a:r>
+                      <a:endParaRPr lang="en-US" sz="1100" b="0" i="0" u="none" strike="noStrike">
+                        <a:solidFill>
+                          <a:srgbClr val="000000"/>
+                        </a:solidFill>
+                        <a:effectLst/>
+                        <a:latin typeface="Calibri" panose="020F0502020204030204" pitchFamily="34" charset="0"/>
+                      </a:endParaRPr>
+                    </a:p>
+                  </a:txBody>
+                  <a:tcPr marL="9525" marR="9525" marT="9525" marB="0" anchor="b"/>
+                </a:tc>
+                <a:tc>
+                  <a:txBody>
+                    <a:bodyPr/>
+                    <a:lstStyle/>
+                    <a:p>
+                      <a:pPr algn="r" fontAlgn="b"/>
+                      <a:r>
+                        <a:rPr lang="en-US" sz="1100" u="none" strike="noStrike">
+                          <a:effectLst/>
+                        </a:rPr>
+                        <a:t>2</a:t>
+                      </a:r>
+                      <a:endParaRPr lang="en-US" sz="1100" b="0" i="0" u="none" strike="noStrike">
+                        <a:solidFill>
+                          <a:srgbClr val="000000"/>
+                        </a:solidFill>
+                        <a:effectLst/>
+                        <a:latin typeface="Calibri" panose="020F0502020204030204" pitchFamily="34" charset="0"/>
+                      </a:endParaRPr>
+                    </a:p>
+                  </a:txBody>
+                  <a:tcPr marL="9525" marR="9525" marT="9525" marB="0" anchor="b"/>
+                </a:tc>
+                <a:tc>
+                  <a:txBody>
+                    <a:bodyPr/>
+                    <a:lstStyle/>
+                    <a:p>
+                      <a:pPr algn="r" fontAlgn="b"/>
+                      <a:r>
+                        <a:rPr lang="en-US" sz="1100" u="none" strike="noStrike">
+                          <a:effectLst/>
+                        </a:rPr>
+                        <a:t>1</a:t>
+                      </a:r>
+                      <a:endParaRPr lang="en-US" sz="1100" b="0" i="0" u="none" strike="noStrike">
+                        <a:solidFill>
+                          <a:srgbClr val="000000"/>
+                        </a:solidFill>
+                        <a:effectLst/>
+                        <a:latin typeface="Calibri" panose="020F0502020204030204" pitchFamily="34" charset="0"/>
+                      </a:endParaRPr>
+                    </a:p>
+                  </a:txBody>
+                  <a:tcPr marL="9525" marR="9525" marT="9525" marB="0" anchor="b"/>
+                </a:tc>
+                <a:tc>
+                  <a:txBody>
+                    <a:bodyPr/>
+                    <a:lstStyle/>
+                    <a:p>
+                      <a:pPr algn="r" fontAlgn="b"/>
+                      <a:r>
+                        <a:rPr lang="en-US" sz="1100" u="none" strike="noStrike" dirty="0">
+                          <a:effectLst/>
+                        </a:rPr>
+                        <a:t>2</a:t>
+                      </a:r>
+                      <a:endParaRPr lang="en-US" sz="1100" b="0" i="0" u="none" strike="noStrike" dirty="0">
+                        <a:solidFill>
+                          <a:srgbClr val="000000"/>
+                        </a:solidFill>
+                        <a:effectLst/>
+                        <a:latin typeface="Calibri" panose="020F0502020204030204" pitchFamily="34" charset="0"/>
+                      </a:endParaRPr>
+                    </a:p>
+                  </a:txBody>
+                  <a:tcPr marL="9525" marR="9525" marT="9525" marB="0" anchor="b"/>
+                </a:tc>
+              </a:tr>
+            </a:tbl>
+          </a:graphicData>
+        </a:graphic>
+      </p:graphicFrame>
     </p:spTree>
     <p:extLst>
       <p:ext uri="{BB962C8B-B14F-4D97-AF65-F5344CB8AC3E}">
@@ -8212,7 +9936,7 @@
           <a:p>
             <a:r>
               <a:rPr lang="en-US" dirty="0" smtClean="0"/>
-              <a:t>Utility Function</a:t>
+              <a:t>Algorithm</a:t>
             </a:r>
             <a:endParaRPr lang="en-US" dirty="0"/>
           </a:p>
@@ -8236,14 +9960,14 @@
         </p:spPr>
         <p:txBody>
           <a:bodyPr>
-            <a:normAutofit lnSpcReduction="10000"/>
+            <a:normAutofit/>
           </a:bodyPr>
           <a:lstStyle/>
           <a:p>
             <a:pPr algn="l"/>
             <a:r>
               <a:rPr lang="en-US" sz="2000" dirty="0" smtClean="0"/>
-              <a:t>Utility function</a:t>
+              <a:t>Implement an Iterative Deepening Search Tree with Alpha Beta Pruning</a:t>
             </a:r>
           </a:p>
           <a:p>
@@ -8253,7 +9977,7 @@
             </a:pPr>
             <a:r>
               <a:rPr lang="en-US" sz="2000" dirty="0" smtClean="0"/>
-              <a:t>Tiles next to existing moves are more ideal</a:t>
+              <a:t>Maintain a variable called depth </a:t>
             </a:r>
           </a:p>
           <a:p>
@@ -8263,7 +9987,7 @@
             </a:pPr>
             <a:r>
               <a:rPr lang="en-US" sz="2000" dirty="0" smtClean="0"/>
-              <a:t>A tile’s value increases the more tiles are in the vicinity</a:t>
+              <a:t>and increase/decrease depth based on timing requirements</a:t>
             </a:r>
           </a:p>
           <a:p>
@@ -8273,7 +9997,7 @@
             </a:pPr>
             <a:r>
               <a:rPr lang="en-US" sz="1600" dirty="0" smtClean="0"/>
-              <a:t>Need to chain tiles together to win</a:t>
+              <a:t>If there is extra time in the current search, then increase depth for next iteration, and run depth first search again.</a:t>
             </a:r>
           </a:p>
           <a:p>
@@ -8282,12 +10006,19 @@
               <a:buChar char="•"/>
             </a:pPr>
             <a:r>
-              <a:rPr lang="en-US" sz="1600" dirty="0" smtClean="0">
-                <a:solidFill>
-                  <a:srgbClr val="FF0000"/>
-                </a:solidFill>
-              </a:rPr>
-              <a:t>Value = # of same tiles distance 4 away on same row/col/diagonal</a:t>
+              <a:rPr lang="en-US" sz="1600" dirty="0" smtClean="0"/>
+              <a:t>If this search is taking too long, then decrease depth. The next move will use a search with a lower depth </a:t>
+            </a:r>
+            <a:endParaRPr lang="en-US" sz="1200" dirty="0" smtClean="0"/>
+          </a:p>
+          <a:p>
+            <a:pPr marL="342900" indent="-342900" algn="l">
+              <a:buFont typeface="Arial" panose="020B0604020202020204" pitchFamily="34" charset="0"/>
+              <a:buChar char="•"/>
+            </a:pPr>
+            <a:r>
+              <a:rPr lang="en-US" sz="2000" dirty="0" smtClean="0"/>
+              <a:t>Alpha beta pruning to speed up searches</a:t>
             </a:r>
           </a:p>
           <a:p>
@@ -8296,36 +10027,8 @@
               <a:buChar char="•"/>
             </a:pPr>
             <a:r>
-              <a:rPr lang="en-US" sz="1600" dirty="0" smtClean="0">
-                <a:solidFill>
-                  <a:srgbClr val="FF0000"/>
-                </a:solidFill>
-              </a:rPr>
-              <a:t>Minus </a:t>
-            </a:r>
-            <a:r>
-              <a:rPr lang="en-US" sz="1600" dirty="0">
-                <a:solidFill>
-                  <a:srgbClr val="FF0000"/>
-                </a:solidFill>
-              </a:rPr>
-              <a:t># of </a:t>
-            </a:r>
-            <a:r>
-              <a:rPr lang="en-US" sz="1600" dirty="0" smtClean="0">
-                <a:solidFill>
-                  <a:srgbClr val="FF0000"/>
-                </a:solidFill>
-              </a:rPr>
-              <a:t>non-empty tiles </a:t>
-            </a:r>
-            <a:r>
-              <a:rPr lang="en-US" sz="1600" dirty="0">
-                <a:solidFill>
-                  <a:srgbClr val="FF0000"/>
-                </a:solidFill>
-              </a:rPr>
-              <a:t>distance 4 away on same row/col/diagonal</a:t>
+              <a:rPr lang="en-US" sz="1600" dirty="0" smtClean="0"/>
+              <a:t>Ignore searching the rest of the children in a branch if this branch is bad</a:t>
             </a:r>
           </a:p>
           <a:p>
@@ -8333,1754 +10036,27 @@
               <a:buFont typeface="Arial" panose="020B0604020202020204" pitchFamily="34" charset="0"/>
               <a:buChar char="•"/>
             </a:pPr>
-            <a:endParaRPr lang="en-US" sz="1600" dirty="0" smtClean="0">
-              <a:solidFill>
-                <a:srgbClr val="FF0000"/>
-              </a:solidFill>
-            </a:endParaRPr>
+            <a:r>
+              <a:rPr lang="en-US" sz="1600" dirty="0" smtClean="0"/>
+              <a:t>Maintain a beta and alpha value in searching. If beta &lt;= alpha, we know the adversary will attempt a very good move. Do not bother to expand the rest</a:t>
+            </a:r>
           </a:p>
           <a:p>
             <a:pPr marL="800100" lvl="1" indent="-342900" algn="l">
               <a:buFont typeface="Arial" panose="020B0604020202020204" pitchFamily="34" charset="0"/>
               <a:buChar char="•"/>
             </a:pPr>
-            <a:endParaRPr lang="en-US" sz="1600" dirty="0"/>
-          </a:p>
-          <a:p>
-            <a:pPr marL="800100" lvl="1" indent="-342900" algn="l">
-              <a:buFont typeface="Arial" panose="020B0604020202020204" pitchFamily="34" charset="0"/>
-              <a:buChar char="•"/>
-            </a:pPr>
-            <a:endParaRPr lang="en-US" sz="1600" dirty="0" smtClean="0"/>
-          </a:p>
-          <a:p>
-            <a:pPr marL="800100" lvl="1" indent="-342900" algn="l">
-              <a:buFont typeface="Arial" panose="020B0604020202020204" pitchFamily="34" charset="0"/>
-              <a:buChar char="•"/>
-            </a:pPr>
-            <a:endParaRPr lang="en-US" sz="1600" dirty="0" smtClean="0"/>
+            <a:r>
+              <a:rPr lang="en-US" sz="1600" dirty="0" smtClean="0"/>
+              <a:t>Gives algorithm more time, allowing for a larger depth</a:t>
+            </a:r>
           </a:p>
           <a:p>
             <a:pPr algn="l"/>
-            <a:r>
-              <a:rPr lang="en-US" sz="2000" dirty="0" smtClean="0"/>
-              <a:t>However</a:t>
-            </a:r>
-          </a:p>
-          <a:p>
-            <a:pPr marL="342900" indent="-342900" algn="l">
-              <a:buFont typeface="Arial" panose="020B0604020202020204" pitchFamily="34" charset="0"/>
-              <a:buChar char="•"/>
-            </a:pPr>
-            <a:r>
-              <a:rPr lang="en-US" sz="2000" dirty="0" smtClean="0"/>
-              <a:t>Linear utility function not completely ideal. Winning moves need to have a higher value so that these moves are committed to first.</a:t>
-            </a:r>
-          </a:p>
-        </p:txBody>
-      </p:sp>
-      <p:graphicFrame>
-        <p:nvGraphicFramePr>
-          <p:cNvPr id="5" name="Table 4"/>
-          <p:cNvGraphicFramePr>
-            <a:graphicFrameLocks noGrp="1"/>
-          </p:cNvGraphicFramePr>
-          <p:nvPr>
-            <p:extLst>
-              <p:ext uri="{D42A27DB-BD31-4B8C-83A1-F6EECF244321}">
-                <p14:modId xmlns:p14="http://schemas.microsoft.com/office/powerpoint/2010/main" val="3840082738"/>
-              </p:ext>
-            </p:extLst>
-          </p:nvPr>
-        </p:nvGraphicFramePr>
-        <p:xfrm>
-          <a:off x="1219200" y="3352800"/>
-          <a:ext cx="1257300" cy="762000"/>
-        </p:xfrm>
-        <a:graphic>
-          <a:graphicData uri="http://schemas.openxmlformats.org/drawingml/2006/table">
-            <a:tbl>
-              <a:tblPr>
-                <a:tableStyleId>{5C22544A-7EE6-4342-B048-85BDC9FD1C3A}</a:tableStyleId>
-              </a:tblPr>
-              <a:tblGrid>
-                <a:gridCol w="139700"/>
-                <a:gridCol w="139700"/>
-                <a:gridCol w="139700"/>
-                <a:gridCol w="139700"/>
-                <a:gridCol w="139700"/>
-                <a:gridCol w="139700"/>
-                <a:gridCol w="139700"/>
-                <a:gridCol w="139700"/>
-                <a:gridCol w="139700"/>
-              </a:tblGrid>
-              <a:tr h="190500">
-                <a:tc>
-                  <a:txBody>
-                    <a:bodyPr/>
-                    <a:lstStyle/>
-                    <a:p>
-                      <a:pPr algn="l" fontAlgn="b"/>
-                      <a:r>
-                        <a:rPr lang="en-US" sz="1100" u="none" strike="noStrike" dirty="0">
-                          <a:effectLst/>
-                        </a:rPr>
-                        <a:t> </a:t>
-                      </a:r>
-                      <a:endParaRPr lang="en-US" sz="1100" b="0" i="0" u="none" strike="noStrike" dirty="0">
-                        <a:solidFill>
-                          <a:srgbClr val="000000"/>
-                        </a:solidFill>
-                        <a:effectLst/>
-                        <a:latin typeface="Calibri" panose="020F0502020204030204" pitchFamily="34" charset="0"/>
-                      </a:endParaRPr>
-                    </a:p>
-                  </a:txBody>
-                  <a:tcPr marL="9525" marR="9525" marT="9525" marB="0" anchor="b"/>
-                </a:tc>
-                <a:tc>
-                  <a:txBody>
-                    <a:bodyPr/>
-                    <a:lstStyle/>
-                    <a:p>
-                      <a:pPr algn="l" fontAlgn="b"/>
-                      <a:r>
-                        <a:rPr lang="en-US" sz="1100" u="none" strike="noStrike">
-                          <a:effectLst/>
-                        </a:rPr>
-                        <a:t> </a:t>
-                      </a:r>
-                      <a:endParaRPr lang="en-US" sz="1100" b="0" i="0" u="none" strike="noStrike">
-                        <a:solidFill>
-                          <a:srgbClr val="000000"/>
-                        </a:solidFill>
-                        <a:effectLst/>
-                        <a:latin typeface="Calibri" panose="020F0502020204030204" pitchFamily="34" charset="0"/>
-                      </a:endParaRPr>
-                    </a:p>
-                  </a:txBody>
-                  <a:tcPr marL="9525" marR="9525" marT="9525" marB="0" anchor="b"/>
-                </a:tc>
-                <a:tc>
-                  <a:txBody>
-                    <a:bodyPr/>
-                    <a:lstStyle/>
-                    <a:p>
-                      <a:pPr algn="l" fontAlgn="b"/>
-                      <a:r>
-                        <a:rPr lang="en-US" sz="1100" u="none" strike="noStrike">
-                          <a:effectLst/>
-                        </a:rPr>
-                        <a:t> </a:t>
-                      </a:r>
-                      <a:endParaRPr lang="en-US" sz="1100" b="0" i="0" u="none" strike="noStrike">
-                        <a:solidFill>
-                          <a:srgbClr val="000000"/>
-                        </a:solidFill>
-                        <a:effectLst/>
-                        <a:latin typeface="Calibri" panose="020F0502020204030204" pitchFamily="34" charset="0"/>
-                      </a:endParaRPr>
-                    </a:p>
-                  </a:txBody>
-                  <a:tcPr marL="9525" marR="9525" marT="9525" marB="0" anchor="b"/>
-                </a:tc>
-                <a:tc>
-                  <a:txBody>
-                    <a:bodyPr/>
-                    <a:lstStyle/>
-                    <a:p>
-                      <a:pPr algn="l" fontAlgn="b"/>
-                      <a:r>
-                        <a:rPr lang="en-US" sz="1100" u="none" strike="noStrike" dirty="0">
-                          <a:effectLst/>
-                        </a:rPr>
-                        <a:t> </a:t>
-                      </a:r>
-                      <a:endParaRPr lang="en-US" sz="1100" b="0" i="0" u="none" strike="noStrike" dirty="0">
-                        <a:solidFill>
-                          <a:srgbClr val="000000"/>
-                        </a:solidFill>
-                        <a:effectLst/>
-                        <a:latin typeface="Calibri" panose="020F0502020204030204" pitchFamily="34" charset="0"/>
-                      </a:endParaRPr>
-                    </a:p>
-                  </a:txBody>
-                  <a:tcPr marL="9525" marR="9525" marT="9525" marB="0" anchor="b"/>
-                </a:tc>
-                <a:tc>
-                  <a:txBody>
-                    <a:bodyPr/>
-                    <a:lstStyle/>
-                    <a:p>
-                      <a:pPr algn="l" fontAlgn="b"/>
-                      <a:endParaRPr lang="en-US" sz="1100" b="0" i="0" u="none" strike="noStrike">
-                        <a:solidFill>
-                          <a:srgbClr val="000000"/>
-                        </a:solidFill>
-                        <a:effectLst/>
-                        <a:latin typeface="Calibri" panose="020F0502020204030204" pitchFamily="34" charset="0"/>
-                      </a:endParaRPr>
-                    </a:p>
-                  </a:txBody>
-                  <a:tcPr marL="9525" marR="9525" marT="9525" marB="0" anchor="b"/>
-                </a:tc>
-                <a:tc>
-                  <a:txBody>
-                    <a:bodyPr/>
-                    <a:lstStyle/>
-                    <a:p>
-                      <a:pPr algn="r" fontAlgn="b"/>
-                      <a:r>
-                        <a:rPr lang="en-US" sz="1100" u="none" strike="noStrike">
-                          <a:effectLst/>
-                        </a:rPr>
-                        <a:t>1</a:t>
-                      </a:r>
-                      <a:endParaRPr lang="en-US" sz="1100" b="0" i="0" u="none" strike="noStrike">
-                        <a:solidFill>
-                          <a:srgbClr val="000000"/>
-                        </a:solidFill>
-                        <a:effectLst/>
-                        <a:latin typeface="Calibri" panose="020F0502020204030204" pitchFamily="34" charset="0"/>
-                      </a:endParaRPr>
-                    </a:p>
-                  </a:txBody>
-                  <a:tcPr marL="9525" marR="9525" marT="9525" marB="0" anchor="b"/>
-                </a:tc>
-                <a:tc>
-                  <a:txBody>
-                    <a:bodyPr/>
-                    <a:lstStyle/>
-                    <a:p>
-                      <a:pPr algn="r" fontAlgn="b"/>
-                      <a:r>
-                        <a:rPr lang="en-US" sz="1100" u="none" strike="noStrike">
-                          <a:effectLst/>
-                        </a:rPr>
-                        <a:t>1</a:t>
-                      </a:r>
-                      <a:endParaRPr lang="en-US" sz="1100" b="0" i="0" u="none" strike="noStrike">
-                        <a:solidFill>
-                          <a:srgbClr val="000000"/>
-                        </a:solidFill>
-                        <a:effectLst/>
-                        <a:latin typeface="Calibri" panose="020F0502020204030204" pitchFamily="34" charset="0"/>
-                      </a:endParaRPr>
-                    </a:p>
-                  </a:txBody>
-                  <a:tcPr marL="9525" marR="9525" marT="9525" marB="0" anchor="b"/>
-                </a:tc>
-                <a:tc>
-                  <a:txBody>
-                    <a:bodyPr/>
-                    <a:lstStyle/>
-                    <a:p>
-                      <a:pPr algn="r" fontAlgn="b"/>
-                      <a:r>
-                        <a:rPr lang="en-US" sz="1100" u="none" strike="noStrike">
-                          <a:effectLst/>
-                        </a:rPr>
-                        <a:t>1</a:t>
-                      </a:r>
-                      <a:endParaRPr lang="en-US" sz="1100" b="0" i="0" u="none" strike="noStrike">
-                        <a:solidFill>
-                          <a:srgbClr val="000000"/>
-                        </a:solidFill>
-                        <a:effectLst/>
-                        <a:latin typeface="Calibri" panose="020F0502020204030204" pitchFamily="34" charset="0"/>
-                      </a:endParaRPr>
-                    </a:p>
-                  </a:txBody>
-                  <a:tcPr marL="9525" marR="9525" marT="9525" marB="0" anchor="b"/>
-                </a:tc>
-                <a:tc>
-                  <a:txBody>
-                    <a:bodyPr/>
-                    <a:lstStyle/>
-                    <a:p>
-                      <a:pPr algn="l" fontAlgn="b"/>
-                      <a:r>
-                        <a:rPr lang="en-US" sz="1100" u="none" strike="noStrike">
-                          <a:effectLst/>
-                        </a:rPr>
-                        <a:t> </a:t>
-                      </a:r>
-                      <a:endParaRPr lang="en-US" sz="1100" b="0" i="0" u="none" strike="noStrike">
-                        <a:solidFill>
-                          <a:srgbClr val="000000"/>
-                        </a:solidFill>
-                        <a:effectLst/>
-                        <a:latin typeface="Calibri" panose="020F0502020204030204" pitchFamily="34" charset="0"/>
-                      </a:endParaRPr>
-                    </a:p>
-                  </a:txBody>
-                  <a:tcPr marL="9525" marR="9525" marT="9525" marB="0" anchor="b"/>
-                </a:tc>
-              </a:tr>
-              <a:tr h="190500">
-                <a:tc>
-                  <a:txBody>
-                    <a:bodyPr/>
-                    <a:lstStyle/>
-                    <a:p>
-                      <a:pPr algn="l" fontAlgn="b"/>
-                      <a:r>
-                        <a:rPr lang="en-US" sz="1100" u="none" strike="noStrike">
-                          <a:effectLst/>
-                        </a:rPr>
-                        <a:t> </a:t>
-                      </a:r>
-                      <a:endParaRPr lang="en-US" sz="1100" b="0" i="0" u="none" strike="noStrike">
-                        <a:solidFill>
-                          <a:srgbClr val="000000"/>
-                        </a:solidFill>
-                        <a:effectLst/>
-                        <a:latin typeface="Calibri" panose="020F0502020204030204" pitchFamily="34" charset="0"/>
-                      </a:endParaRPr>
-                    </a:p>
-                  </a:txBody>
-                  <a:tcPr marL="9525" marR="9525" marT="9525" marB="0" anchor="b"/>
-                </a:tc>
-                <a:tc>
-                  <a:txBody>
-                    <a:bodyPr/>
-                    <a:lstStyle/>
-                    <a:p>
-                      <a:pPr algn="l" fontAlgn="b"/>
-                      <a:r>
-                        <a:rPr lang="en-US" sz="1100" u="none" strike="noStrike">
-                          <a:effectLst/>
-                        </a:rPr>
-                        <a:t>X</a:t>
-                      </a:r>
-                      <a:endParaRPr lang="en-US" sz="1100" b="0" i="0" u="none" strike="noStrike">
-                        <a:solidFill>
-                          <a:srgbClr val="000000"/>
-                        </a:solidFill>
-                        <a:effectLst/>
-                        <a:latin typeface="Calibri" panose="020F0502020204030204" pitchFamily="34" charset="0"/>
-                      </a:endParaRPr>
-                    </a:p>
-                  </a:txBody>
-                  <a:tcPr marL="9525" marR="9525" marT="9525" marB="0" anchor="b"/>
-                </a:tc>
-                <a:tc>
-                  <a:txBody>
-                    <a:bodyPr/>
-                    <a:lstStyle/>
-                    <a:p>
-                      <a:pPr algn="l" fontAlgn="b"/>
-                      <a:r>
-                        <a:rPr lang="en-US" sz="1100" u="none" strike="noStrike">
-                          <a:effectLst/>
-                        </a:rPr>
-                        <a:t> </a:t>
-                      </a:r>
-                      <a:endParaRPr lang="en-US" sz="1100" b="0" i="0" u="none" strike="noStrike">
-                        <a:solidFill>
-                          <a:srgbClr val="000000"/>
-                        </a:solidFill>
-                        <a:effectLst/>
-                        <a:latin typeface="Calibri" panose="020F0502020204030204" pitchFamily="34" charset="0"/>
-                      </a:endParaRPr>
-                    </a:p>
-                  </a:txBody>
-                  <a:tcPr marL="9525" marR="9525" marT="9525" marB="0" anchor="b"/>
-                </a:tc>
-                <a:tc>
-                  <a:txBody>
-                    <a:bodyPr/>
-                    <a:lstStyle/>
-                    <a:p>
-                      <a:pPr algn="l" fontAlgn="b"/>
-                      <a:r>
-                        <a:rPr lang="en-US" sz="1100" u="none" strike="noStrike">
-                          <a:effectLst/>
-                        </a:rPr>
-                        <a:t> </a:t>
-                      </a:r>
-                      <a:endParaRPr lang="en-US" sz="1100" b="0" i="0" u="none" strike="noStrike">
-                        <a:solidFill>
-                          <a:srgbClr val="000000"/>
-                        </a:solidFill>
-                        <a:effectLst/>
-                        <a:latin typeface="Calibri" panose="020F0502020204030204" pitchFamily="34" charset="0"/>
-                      </a:endParaRPr>
-                    </a:p>
-                  </a:txBody>
-                  <a:tcPr marL="9525" marR="9525" marT="9525" marB="0" anchor="b"/>
-                </a:tc>
-                <a:tc>
-                  <a:txBody>
-                    <a:bodyPr/>
-                    <a:lstStyle/>
-                    <a:p>
-                      <a:pPr algn="l" fontAlgn="b"/>
-                      <a:endParaRPr lang="en-US" sz="1100" b="0" i="0" u="none" strike="noStrike">
-                        <a:solidFill>
-                          <a:srgbClr val="000000"/>
-                        </a:solidFill>
-                        <a:effectLst/>
-                        <a:latin typeface="Calibri" panose="020F0502020204030204" pitchFamily="34" charset="0"/>
-                      </a:endParaRPr>
-                    </a:p>
-                  </a:txBody>
-                  <a:tcPr marL="9525" marR="9525" marT="9525" marB="0" anchor="b"/>
-                </a:tc>
-                <a:tc>
-                  <a:txBody>
-                    <a:bodyPr/>
-                    <a:lstStyle/>
-                    <a:p>
-                      <a:pPr algn="r" fontAlgn="b"/>
-                      <a:r>
-                        <a:rPr lang="en-US" sz="1100" u="none" strike="noStrike">
-                          <a:effectLst/>
-                        </a:rPr>
-                        <a:t>1</a:t>
-                      </a:r>
-                      <a:endParaRPr lang="en-US" sz="1100" b="0" i="0" u="none" strike="noStrike">
-                        <a:solidFill>
-                          <a:srgbClr val="000000"/>
-                        </a:solidFill>
-                        <a:effectLst/>
-                        <a:latin typeface="Calibri" panose="020F0502020204030204" pitchFamily="34" charset="0"/>
-                      </a:endParaRPr>
-                    </a:p>
-                  </a:txBody>
-                  <a:tcPr marL="9525" marR="9525" marT="9525" marB="0" anchor="b"/>
-                </a:tc>
-                <a:tc>
-                  <a:txBody>
-                    <a:bodyPr/>
-                    <a:lstStyle/>
-                    <a:p>
-                      <a:pPr algn="l" fontAlgn="b"/>
-                      <a:r>
-                        <a:rPr lang="en-US" sz="1100" u="none" strike="noStrike">
-                          <a:effectLst/>
-                        </a:rPr>
-                        <a:t>X</a:t>
-                      </a:r>
-                      <a:endParaRPr lang="en-US" sz="1100" b="0" i="0" u="none" strike="noStrike">
-                        <a:solidFill>
-                          <a:srgbClr val="000000"/>
-                        </a:solidFill>
-                        <a:effectLst/>
-                        <a:latin typeface="Calibri" panose="020F0502020204030204" pitchFamily="34" charset="0"/>
-                      </a:endParaRPr>
-                    </a:p>
-                  </a:txBody>
-                  <a:tcPr marL="9525" marR="9525" marT="9525" marB="0" anchor="b"/>
-                </a:tc>
-                <a:tc>
-                  <a:txBody>
-                    <a:bodyPr/>
-                    <a:lstStyle/>
-                    <a:p>
-                      <a:pPr algn="r" fontAlgn="b"/>
-                      <a:r>
-                        <a:rPr lang="en-US" sz="1100" u="none" strike="noStrike">
-                          <a:effectLst/>
-                        </a:rPr>
-                        <a:t>1</a:t>
-                      </a:r>
-                      <a:endParaRPr lang="en-US" sz="1100" b="0" i="0" u="none" strike="noStrike">
-                        <a:solidFill>
-                          <a:srgbClr val="000000"/>
-                        </a:solidFill>
-                        <a:effectLst/>
-                        <a:latin typeface="Calibri" panose="020F0502020204030204" pitchFamily="34" charset="0"/>
-                      </a:endParaRPr>
-                    </a:p>
-                  </a:txBody>
-                  <a:tcPr marL="9525" marR="9525" marT="9525" marB="0" anchor="b"/>
-                </a:tc>
-                <a:tc>
-                  <a:txBody>
-                    <a:bodyPr/>
-                    <a:lstStyle/>
-                    <a:p>
-                      <a:pPr algn="r" fontAlgn="b"/>
-                      <a:r>
-                        <a:rPr lang="en-US" sz="1100" u="none" strike="noStrike">
-                          <a:effectLst/>
-                        </a:rPr>
-                        <a:t>1</a:t>
-                      </a:r>
-                      <a:endParaRPr lang="en-US" sz="1100" b="0" i="0" u="none" strike="noStrike">
-                        <a:solidFill>
-                          <a:srgbClr val="000000"/>
-                        </a:solidFill>
-                        <a:effectLst/>
-                        <a:latin typeface="Calibri" panose="020F0502020204030204" pitchFamily="34" charset="0"/>
-                      </a:endParaRPr>
-                    </a:p>
-                  </a:txBody>
-                  <a:tcPr marL="9525" marR="9525" marT="9525" marB="0" anchor="b"/>
-                </a:tc>
-              </a:tr>
-              <a:tr h="190500">
-                <a:tc>
-                  <a:txBody>
-                    <a:bodyPr/>
-                    <a:lstStyle/>
-                    <a:p>
-                      <a:pPr algn="l" fontAlgn="b"/>
-                      <a:r>
-                        <a:rPr lang="en-US" sz="1100" u="none" strike="noStrike">
-                          <a:effectLst/>
-                        </a:rPr>
-                        <a:t> </a:t>
-                      </a:r>
-                      <a:endParaRPr lang="en-US" sz="1100" b="0" i="0" u="none" strike="noStrike">
-                        <a:solidFill>
-                          <a:srgbClr val="000000"/>
-                        </a:solidFill>
-                        <a:effectLst/>
-                        <a:latin typeface="Calibri" panose="020F0502020204030204" pitchFamily="34" charset="0"/>
-                      </a:endParaRPr>
-                    </a:p>
-                  </a:txBody>
-                  <a:tcPr marL="9525" marR="9525" marT="9525" marB="0" anchor="b"/>
-                </a:tc>
-                <a:tc>
-                  <a:txBody>
-                    <a:bodyPr/>
-                    <a:lstStyle/>
-                    <a:p>
-                      <a:pPr algn="l" fontAlgn="b"/>
-                      <a:r>
-                        <a:rPr lang="en-US" sz="1100" u="none" strike="noStrike">
-                          <a:effectLst/>
-                        </a:rPr>
-                        <a:t> </a:t>
-                      </a:r>
-                      <a:endParaRPr lang="en-US" sz="1100" b="0" i="0" u="none" strike="noStrike">
-                        <a:solidFill>
-                          <a:srgbClr val="000000"/>
-                        </a:solidFill>
-                        <a:effectLst/>
-                        <a:latin typeface="Calibri" panose="020F0502020204030204" pitchFamily="34" charset="0"/>
-                      </a:endParaRPr>
-                    </a:p>
-                  </a:txBody>
-                  <a:tcPr marL="9525" marR="9525" marT="9525" marB="0" anchor="b"/>
-                </a:tc>
-                <a:tc>
-                  <a:txBody>
-                    <a:bodyPr/>
-                    <a:lstStyle/>
-                    <a:p>
-                      <a:pPr algn="l" fontAlgn="b"/>
-                      <a:r>
-                        <a:rPr lang="en-US" sz="1100" u="none" strike="noStrike">
-                          <a:effectLst/>
-                        </a:rPr>
-                        <a:t> </a:t>
-                      </a:r>
-                      <a:endParaRPr lang="en-US" sz="1100" b="0" i="0" u="none" strike="noStrike">
-                        <a:solidFill>
-                          <a:srgbClr val="000000"/>
-                        </a:solidFill>
-                        <a:effectLst/>
-                        <a:latin typeface="Calibri" panose="020F0502020204030204" pitchFamily="34" charset="0"/>
-                      </a:endParaRPr>
-                    </a:p>
-                  </a:txBody>
-                  <a:tcPr marL="9525" marR="9525" marT="9525" marB="0" anchor="b"/>
-                </a:tc>
-                <a:tc>
-                  <a:txBody>
-                    <a:bodyPr/>
-                    <a:lstStyle/>
-                    <a:p>
-                      <a:pPr algn="l" fontAlgn="b"/>
-                      <a:r>
-                        <a:rPr lang="en-US" sz="1100" u="none" strike="noStrike">
-                          <a:effectLst/>
-                        </a:rPr>
-                        <a:t> </a:t>
-                      </a:r>
-                      <a:endParaRPr lang="en-US" sz="1100" b="0" i="0" u="none" strike="noStrike">
-                        <a:solidFill>
-                          <a:srgbClr val="000000"/>
-                        </a:solidFill>
-                        <a:effectLst/>
-                        <a:latin typeface="Calibri" panose="020F0502020204030204" pitchFamily="34" charset="0"/>
-                      </a:endParaRPr>
-                    </a:p>
-                  </a:txBody>
-                  <a:tcPr marL="9525" marR="9525" marT="9525" marB="0" anchor="b"/>
-                </a:tc>
-                <a:tc>
-                  <a:txBody>
-                    <a:bodyPr/>
-                    <a:lstStyle/>
-                    <a:p>
-                      <a:pPr algn="l" fontAlgn="b"/>
-                      <a:endParaRPr lang="en-US" sz="1100" b="0" i="0" u="none" strike="noStrike">
-                        <a:solidFill>
-                          <a:srgbClr val="000000"/>
-                        </a:solidFill>
-                        <a:effectLst/>
-                        <a:latin typeface="Calibri" panose="020F0502020204030204" pitchFamily="34" charset="0"/>
-                      </a:endParaRPr>
-                    </a:p>
-                  </a:txBody>
-                  <a:tcPr marL="9525" marR="9525" marT="9525" marB="0" anchor="b"/>
-                </a:tc>
-                <a:tc>
-                  <a:txBody>
-                    <a:bodyPr/>
-                    <a:lstStyle/>
-                    <a:p>
-                      <a:pPr algn="r" fontAlgn="b"/>
-                      <a:r>
-                        <a:rPr lang="en-US" sz="1100" u="none" strike="noStrike">
-                          <a:effectLst/>
-                        </a:rPr>
-                        <a:t>1</a:t>
-                      </a:r>
-                      <a:endParaRPr lang="en-US" sz="1100" b="0" i="0" u="none" strike="noStrike">
-                        <a:solidFill>
-                          <a:srgbClr val="000000"/>
-                        </a:solidFill>
-                        <a:effectLst/>
-                        <a:latin typeface="Calibri" panose="020F0502020204030204" pitchFamily="34" charset="0"/>
-                      </a:endParaRPr>
-                    </a:p>
-                  </a:txBody>
-                  <a:tcPr marL="9525" marR="9525" marT="9525" marB="0" anchor="b"/>
-                </a:tc>
-                <a:tc>
-                  <a:txBody>
-                    <a:bodyPr/>
-                    <a:lstStyle/>
-                    <a:p>
-                      <a:pPr algn="r" fontAlgn="b"/>
-                      <a:r>
-                        <a:rPr lang="en-US" sz="1100" u="none" strike="noStrike">
-                          <a:effectLst/>
-                        </a:rPr>
-                        <a:t>1</a:t>
-                      </a:r>
-                      <a:endParaRPr lang="en-US" sz="1100" b="0" i="0" u="none" strike="noStrike">
-                        <a:solidFill>
-                          <a:srgbClr val="000000"/>
-                        </a:solidFill>
-                        <a:effectLst/>
-                        <a:latin typeface="Calibri" panose="020F0502020204030204" pitchFamily="34" charset="0"/>
-                      </a:endParaRPr>
-                    </a:p>
-                  </a:txBody>
-                  <a:tcPr marL="9525" marR="9525" marT="9525" marB="0" anchor="b"/>
-                </a:tc>
-                <a:tc>
-                  <a:txBody>
-                    <a:bodyPr/>
-                    <a:lstStyle/>
-                    <a:p>
-                      <a:pPr algn="r" fontAlgn="b"/>
-                      <a:r>
-                        <a:rPr lang="en-US" sz="1100" u="none" strike="noStrike">
-                          <a:effectLst/>
-                        </a:rPr>
-                        <a:t>1</a:t>
-                      </a:r>
-                      <a:endParaRPr lang="en-US" sz="1100" b="0" i="0" u="none" strike="noStrike">
-                        <a:solidFill>
-                          <a:srgbClr val="000000"/>
-                        </a:solidFill>
-                        <a:effectLst/>
-                        <a:latin typeface="Calibri" panose="020F0502020204030204" pitchFamily="34" charset="0"/>
-                      </a:endParaRPr>
-                    </a:p>
-                  </a:txBody>
-                  <a:tcPr marL="9525" marR="9525" marT="9525" marB="0" anchor="b"/>
-                </a:tc>
-                <a:tc>
-                  <a:txBody>
-                    <a:bodyPr/>
-                    <a:lstStyle/>
-                    <a:p>
-                      <a:pPr algn="l" fontAlgn="b"/>
-                      <a:r>
-                        <a:rPr lang="en-US" sz="1100" u="none" strike="noStrike">
-                          <a:effectLst/>
-                        </a:rPr>
-                        <a:t> </a:t>
-                      </a:r>
-                      <a:endParaRPr lang="en-US" sz="1100" b="0" i="0" u="none" strike="noStrike">
-                        <a:solidFill>
-                          <a:srgbClr val="000000"/>
-                        </a:solidFill>
-                        <a:effectLst/>
-                        <a:latin typeface="Calibri" panose="020F0502020204030204" pitchFamily="34" charset="0"/>
-                      </a:endParaRPr>
-                    </a:p>
-                  </a:txBody>
-                  <a:tcPr marL="9525" marR="9525" marT="9525" marB="0" anchor="b"/>
-                </a:tc>
-              </a:tr>
-              <a:tr h="190500">
-                <a:tc>
-                  <a:txBody>
-                    <a:bodyPr/>
-                    <a:lstStyle/>
-                    <a:p>
-                      <a:pPr algn="l" fontAlgn="b"/>
-                      <a:r>
-                        <a:rPr lang="en-US" sz="1100" u="none" strike="noStrike">
-                          <a:effectLst/>
-                        </a:rPr>
-                        <a:t> </a:t>
-                      </a:r>
-                      <a:endParaRPr lang="en-US" sz="1100" b="0" i="0" u="none" strike="noStrike">
-                        <a:solidFill>
-                          <a:srgbClr val="000000"/>
-                        </a:solidFill>
-                        <a:effectLst/>
-                        <a:latin typeface="Calibri" panose="020F0502020204030204" pitchFamily="34" charset="0"/>
-                      </a:endParaRPr>
-                    </a:p>
-                  </a:txBody>
-                  <a:tcPr marL="9525" marR="9525" marT="9525" marB="0" anchor="b"/>
-                </a:tc>
-                <a:tc>
-                  <a:txBody>
-                    <a:bodyPr/>
-                    <a:lstStyle/>
-                    <a:p>
-                      <a:pPr algn="l" fontAlgn="b"/>
-                      <a:r>
-                        <a:rPr lang="en-US" sz="1100" u="none" strike="noStrike">
-                          <a:effectLst/>
-                        </a:rPr>
-                        <a:t> </a:t>
-                      </a:r>
-                      <a:endParaRPr lang="en-US" sz="1100" b="0" i="0" u="none" strike="noStrike">
-                        <a:solidFill>
-                          <a:srgbClr val="000000"/>
-                        </a:solidFill>
-                        <a:effectLst/>
-                        <a:latin typeface="Calibri" panose="020F0502020204030204" pitchFamily="34" charset="0"/>
-                      </a:endParaRPr>
-                    </a:p>
-                  </a:txBody>
-                  <a:tcPr marL="9525" marR="9525" marT="9525" marB="0" anchor="b"/>
-                </a:tc>
-                <a:tc>
-                  <a:txBody>
-                    <a:bodyPr/>
-                    <a:lstStyle/>
-                    <a:p>
-                      <a:pPr algn="l" fontAlgn="b"/>
-                      <a:r>
-                        <a:rPr lang="en-US" sz="1100" u="none" strike="noStrike">
-                          <a:effectLst/>
-                        </a:rPr>
-                        <a:t> </a:t>
-                      </a:r>
-                      <a:endParaRPr lang="en-US" sz="1100" b="0" i="0" u="none" strike="noStrike">
-                        <a:solidFill>
-                          <a:srgbClr val="000000"/>
-                        </a:solidFill>
-                        <a:effectLst/>
-                        <a:latin typeface="Calibri" panose="020F0502020204030204" pitchFamily="34" charset="0"/>
-                      </a:endParaRPr>
-                    </a:p>
-                  </a:txBody>
-                  <a:tcPr marL="9525" marR="9525" marT="9525" marB="0" anchor="b"/>
-                </a:tc>
-                <a:tc>
-                  <a:txBody>
-                    <a:bodyPr/>
-                    <a:lstStyle/>
-                    <a:p>
-                      <a:pPr algn="l" fontAlgn="b"/>
-                      <a:r>
-                        <a:rPr lang="en-US" sz="1100" u="none" strike="noStrike">
-                          <a:effectLst/>
-                        </a:rPr>
-                        <a:t> </a:t>
-                      </a:r>
-                      <a:endParaRPr lang="en-US" sz="1100" b="0" i="0" u="none" strike="noStrike">
-                        <a:solidFill>
-                          <a:srgbClr val="000000"/>
-                        </a:solidFill>
-                        <a:effectLst/>
-                        <a:latin typeface="Calibri" panose="020F0502020204030204" pitchFamily="34" charset="0"/>
-                      </a:endParaRPr>
-                    </a:p>
-                  </a:txBody>
-                  <a:tcPr marL="9525" marR="9525" marT="9525" marB="0" anchor="b"/>
-                </a:tc>
-                <a:tc>
-                  <a:txBody>
-                    <a:bodyPr/>
-                    <a:lstStyle/>
-                    <a:p>
-                      <a:pPr algn="l" fontAlgn="b"/>
-                      <a:endParaRPr lang="en-US" sz="1100" b="0" i="0" u="none" strike="noStrike">
-                        <a:solidFill>
-                          <a:srgbClr val="000000"/>
-                        </a:solidFill>
-                        <a:effectLst/>
-                        <a:latin typeface="Calibri" panose="020F0502020204030204" pitchFamily="34" charset="0"/>
-                      </a:endParaRPr>
-                    </a:p>
-                  </a:txBody>
-                  <a:tcPr marL="9525" marR="9525" marT="9525" marB="0" anchor="b"/>
-                </a:tc>
-                <a:tc>
-                  <a:txBody>
-                    <a:bodyPr/>
-                    <a:lstStyle/>
-                    <a:p>
-                      <a:pPr algn="l" fontAlgn="b"/>
-                      <a:r>
-                        <a:rPr lang="en-US" sz="1100" u="none" strike="noStrike">
-                          <a:effectLst/>
-                        </a:rPr>
-                        <a:t> </a:t>
-                      </a:r>
-                      <a:endParaRPr lang="en-US" sz="1100" b="0" i="0" u="none" strike="noStrike">
-                        <a:solidFill>
-                          <a:srgbClr val="000000"/>
-                        </a:solidFill>
-                        <a:effectLst/>
-                        <a:latin typeface="Calibri" panose="020F0502020204030204" pitchFamily="34" charset="0"/>
-                      </a:endParaRPr>
-                    </a:p>
-                  </a:txBody>
-                  <a:tcPr marL="9525" marR="9525" marT="9525" marB="0" anchor="b"/>
-                </a:tc>
-                <a:tc>
-                  <a:txBody>
-                    <a:bodyPr/>
-                    <a:lstStyle/>
-                    <a:p>
-                      <a:pPr algn="r" fontAlgn="b"/>
-                      <a:r>
-                        <a:rPr lang="en-US" sz="1100" u="none" strike="noStrike">
-                          <a:effectLst/>
-                        </a:rPr>
-                        <a:t>1</a:t>
-                      </a:r>
-                      <a:endParaRPr lang="en-US" sz="1100" b="0" i="0" u="none" strike="noStrike">
-                        <a:solidFill>
-                          <a:srgbClr val="000000"/>
-                        </a:solidFill>
-                        <a:effectLst/>
-                        <a:latin typeface="Calibri" panose="020F0502020204030204" pitchFamily="34" charset="0"/>
-                      </a:endParaRPr>
-                    </a:p>
-                  </a:txBody>
-                  <a:tcPr marL="9525" marR="9525" marT="9525" marB="0" anchor="b"/>
-                </a:tc>
-                <a:tc>
-                  <a:txBody>
-                    <a:bodyPr/>
-                    <a:lstStyle/>
-                    <a:p>
-                      <a:pPr algn="l" fontAlgn="b"/>
-                      <a:r>
-                        <a:rPr lang="en-US" sz="1100" u="none" strike="noStrike">
-                          <a:effectLst/>
-                        </a:rPr>
-                        <a:t> </a:t>
-                      </a:r>
-                      <a:endParaRPr lang="en-US" sz="1100" b="0" i="0" u="none" strike="noStrike">
-                        <a:solidFill>
-                          <a:srgbClr val="000000"/>
-                        </a:solidFill>
-                        <a:effectLst/>
-                        <a:latin typeface="Calibri" panose="020F0502020204030204" pitchFamily="34" charset="0"/>
-                      </a:endParaRPr>
-                    </a:p>
-                  </a:txBody>
-                  <a:tcPr marL="9525" marR="9525" marT="9525" marB="0" anchor="b"/>
-                </a:tc>
-                <a:tc>
-                  <a:txBody>
-                    <a:bodyPr/>
-                    <a:lstStyle/>
-                    <a:p>
-                      <a:pPr algn="r" fontAlgn="b"/>
-                      <a:r>
-                        <a:rPr lang="en-US" sz="1100" u="none" strike="noStrike" dirty="0">
-                          <a:effectLst/>
-                        </a:rPr>
-                        <a:t>1</a:t>
-                      </a:r>
-                      <a:endParaRPr lang="en-US" sz="1100" b="0" i="0" u="none" strike="noStrike" dirty="0">
-                        <a:solidFill>
-                          <a:srgbClr val="000000"/>
-                        </a:solidFill>
-                        <a:effectLst/>
-                        <a:latin typeface="Calibri" panose="020F0502020204030204" pitchFamily="34" charset="0"/>
-                      </a:endParaRPr>
-                    </a:p>
-                  </a:txBody>
-                  <a:tcPr marL="9525" marR="9525" marT="9525" marB="0" anchor="b"/>
-                </a:tc>
-              </a:tr>
-            </a:tbl>
-          </a:graphicData>
-        </a:graphic>
-      </p:graphicFrame>
-      <p:graphicFrame>
-        <p:nvGraphicFramePr>
-          <p:cNvPr id="7" name="Table 6"/>
-          <p:cNvGraphicFramePr>
-            <a:graphicFrameLocks noGrp="1"/>
-          </p:cNvGraphicFramePr>
-          <p:nvPr>
-            <p:extLst>
-              <p:ext uri="{D42A27DB-BD31-4B8C-83A1-F6EECF244321}">
-                <p14:modId xmlns:p14="http://schemas.microsoft.com/office/powerpoint/2010/main" val="1810579143"/>
-              </p:ext>
-            </p:extLst>
-          </p:nvPr>
-        </p:nvGraphicFramePr>
-        <p:xfrm>
-          <a:off x="3962400" y="3352800"/>
-          <a:ext cx="1257300" cy="762000"/>
-        </p:xfrm>
-        <a:graphic>
-          <a:graphicData uri="http://schemas.openxmlformats.org/drawingml/2006/table">
-            <a:tbl>
-              <a:tblPr>
-                <a:tableStyleId>{5C22544A-7EE6-4342-B048-85BDC9FD1C3A}</a:tableStyleId>
-              </a:tblPr>
-              <a:tblGrid>
-                <a:gridCol w="139700"/>
-                <a:gridCol w="139700"/>
-                <a:gridCol w="139700"/>
-                <a:gridCol w="139700"/>
-                <a:gridCol w="139700"/>
-                <a:gridCol w="139700"/>
-                <a:gridCol w="139700"/>
-                <a:gridCol w="139700"/>
-                <a:gridCol w="139700"/>
-              </a:tblGrid>
-              <a:tr h="190500">
-                <a:tc>
-                  <a:txBody>
-                    <a:bodyPr/>
-                    <a:lstStyle/>
-                    <a:p>
-                      <a:pPr algn="l" fontAlgn="b"/>
-                      <a:r>
-                        <a:rPr lang="en-US" sz="1100" u="none" strike="noStrike" dirty="0">
-                          <a:effectLst/>
-                        </a:rPr>
-                        <a:t> </a:t>
-                      </a:r>
-                      <a:endParaRPr lang="en-US" sz="1100" b="0" i="0" u="none" strike="noStrike" dirty="0">
-                        <a:solidFill>
-                          <a:srgbClr val="000000"/>
-                        </a:solidFill>
-                        <a:effectLst/>
-                        <a:latin typeface="Calibri" panose="020F0502020204030204" pitchFamily="34" charset="0"/>
-                      </a:endParaRPr>
-                    </a:p>
-                  </a:txBody>
-                  <a:tcPr marL="9525" marR="9525" marT="9525" marB="0" anchor="b"/>
-                </a:tc>
-                <a:tc>
-                  <a:txBody>
-                    <a:bodyPr/>
-                    <a:lstStyle/>
-                    <a:p>
-                      <a:pPr algn="l" fontAlgn="b"/>
-                      <a:r>
-                        <a:rPr lang="en-US" sz="1100" u="none" strike="noStrike">
-                          <a:effectLst/>
-                        </a:rPr>
-                        <a:t> </a:t>
-                      </a:r>
-                      <a:endParaRPr lang="en-US" sz="1100" b="0" i="0" u="none" strike="noStrike">
-                        <a:solidFill>
-                          <a:srgbClr val="000000"/>
-                        </a:solidFill>
-                        <a:effectLst/>
-                        <a:latin typeface="Calibri" panose="020F0502020204030204" pitchFamily="34" charset="0"/>
-                      </a:endParaRPr>
-                    </a:p>
-                  </a:txBody>
-                  <a:tcPr marL="9525" marR="9525" marT="9525" marB="0" anchor="b"/>
-                </a:tc>
-                <a:tc>
-                  <a:txBody>
-                    <a:bodyPr/>
-                    <a:lstStyle/>
-                    <a:p>
-                      <a:pPr algn="l" fontAlgn="b"/>
-                      <a:r>
-                        <a:rPr lang="en-US" sz="1100" u="none" strike="noStrike" dirty="0">
-                          <a:effectLst/>
-                        </a:rPr>
-                        <a:t> </a:t>
-                      </a:r>
-                      <a:endParaRPr lang="en-US" sz="1100" b="0" i="0" u="none" strike="noStrike" dirty="0">
-                        <a:solidFill>
-                          <a:srgbClr val="000000"/>
-                        </a:solidFill>
-                        <a:effectLst/>
-                        <a:latin typeface="Calibri" panose="020F0502020204030204" pitchFamily="34" charset="0"/>
-                      </a:endParaRPr>
-                    </a:p>
-                  </a:txBody>
-                  <a:tcPr marL="9525" marR="9525" marT="9525" marB="0" anchor="b"/>
-                </a:tc>
-                <a:tc>
-                  <a:txBody>
-                    <a:bodyPr/>
-                    <a:lstStyle/>
-                    <a:p>
-                      <a:pPr algn="l" fontAlgn="b"/>
-                      <a:r>
-                        <a:rPr lang="en-US" sz="1100" u="none" strike="noStrike">
-                          <a:effectLst/>
-                        </a:rPr>
-                        <a:t> </a:t>
-                      </a:r>
-                      <a:endParaRPr lang="en-US" sz="1100" b="0" i="0" u="none" strike="noStrike">
-                        <a:solidFill>
-                          <a:srgbClr val="000000"/>
-                        </a:solidFill>
-                        <a:effectLst/>
-                        <a:latin typeface="Calibri" panose="020F0502020204030204" pitchFamily="34" charset="0"/>
-                      </a:endParaRPr>
-                    </a:p>
-                  </a:txBody>
-                  <a:tcPr marL="9525" marR="9525" marT="9525" marB="0" anchor="b"/>
-                </a:tc>
-                <a:tc>
-                  <a:txBody>
-                    <a:bodyPr/>
-                    <a:lstStyle/>
-                    <a:p>
-                      <a:pPr algn="l" fontAlgn="b"/>
-                      <a:endParaRPr lang="en-US" sz="1100" b="0" i="0" u="none" strike="noStrike">
-                        <a:solidFill>
-                          <a:srgbClr val="000000"/>
-                        </a:solidFill>
-                        <a:effectLst/>
-                        <a:latin typeface="Calibri" panose="020F0502020204030204" pitchFamily="34" charset="0"/>
-                      </a:endParaRPr>
-                    </a:p>
-                  </a:txBody>
-                  <a:tcPr marL="9525" marR="9525" marT="9525" marB="0" anchor="b"/>
-                </a:tc>
-                <a:tc>
-                  <a:txBody>
-                    <a:bodyPr/>
-                    <a:lstStyle/>
-                    <a:p>
-                      <a:pPr algn="r" fontAlgn="b"/>
-                      <a:r>
-                        <a:rPr lang="en-US" sz="1100" u="none" strike="noStrike">
-                          <a:effectLst/>
-                        </a:rPr>
-                        <a:t>2</a:t>
-                      </a:r>
-                      <a:endParaRPr lang="en-US" sz="1100" b="0" i="0" u="none" strike="noStrike">
-                        <a:solidFill>
-                          <a:srgbClr val="000000"/>
-                        </a:solidFill>
-                        <a:effectLst/>
-                        <a:latin typeface="Calibri" panose="020F0502020204030204" pitchFamily="34" charset="0"/>
-                      </a:endParaRPr>
-                    </a:p>
-                  </a:txBody>
-                  <a:tcPr marL="9525" marR="9525" marT="9525" marB="0" anchor="b"/>
-                </a:tc>
-                <a:tc>
-                  <a:txBody>
-                    <a:bodyPr/>
-                    <a:lstStyle/>
-                    <a:p>
-                      <a:pPr algn="r" fontAlgn="b"/>
-                      <a:r>
-                        <a:rPr lang="en-US" sz="1100" u="none" strike="noStrike">
-                          <a:effectLst/>
-                        </a:rPr>
-                        <a:t>1</a:t>
-                      </a:r>
-                      <a:endParaRPr lang="en-US" sz="1100" b="0" i="0" u="none" strike="noStrike">
-                        <a:solidFill>
-                          <a:srgbClr val="000000"/>
-                        </a:solidFill>
-                        <a:effectLst/>
-                        <a:latin typeface="Calibri" panose="020F0502020204030204" pitchFamily="34" charset="0"/>
-                      </a:endParaRPr>
-                    </a:p>
-                  </a:txBody>
-                  <a:tcPr marL="9525" marR="9525" marT="9525" marB="0" anchor="b"/>
-                </a:tc>
-                <a:tc>
-                  <a:txBody>
-                    <a:bodyPr/>
-                    <a:lstStyle/>
-                    <a:p>
-                      <a:pPr algn="r" fontAlgn="b"/>
-                      <a:r>
-                        <a:rPr lang="en-US" sz="1100" u="none" strike="noStrike">
-                          <a:effectLst/>
-                        </a:rPr>
-                        <a:t>2</a:t>
-                      </a:r>
-                      <a:endParaRPr lang="en-US" sz="1100" b="0" i="0" u="none" strike="noStrike">
-                        <a:solidFill>
-                          <a:srgbClr val="000000"/>
-                        </a:solidFill>
-                        <a:effectLst/>
-                        <a:latin typeface="Calibri" panose="020F0502020204030204" pitchFamily="34" charset="0"/>
-                      </a:endParaRPr>
-                    </a:p>
-                  </a:txBody>
-                  <a:tcPr marL="9525" marR="9525" marT="9525" marB="0" anchor="b"/>
-                </a:tc>
-                <a:tc>
-                  <a:txBody>
-                    <a:bodyPr/>
-                    <a:lstStyle/>
-                    <a:p>
-                      <a:pPr algn="l" fontAlgn="b"/>
-                      <a:r>
-                        <a:rPr lang="en-US" sz="1100" u="none" strike="noStrike">
-                          <a:effectLst/>
-                        </a:rPr>
-                        <a:t> </a:t>
-                      </a:r>
-                      <a:endParaRPr lang="en-US" sz="1100" b="0" i="0" u="none" strike="noStrike">
-                        <a:solidFill>
-                          <a:srgbClr val="000000"/>
-                        </a:solidFill>
-                        <a:effectLst/>
-                        <a:latin typeface="Calibri" panose="020F0502020204030204" pitchFamily="34" charset="0"/>
-                      </a:endParaRPr>
-                    </a:p>
-                  </a:txBody>
-                  <a:tcPr marL="9525" marR="9525" marT="9525" marB="0" anchor="b"/>
-                </a:tc>
-              </a:tr>
-              <a:tr h="190500">
-                <a:tc>
-                  <a:txBody>
-                    <a:bodyPr/>
-                    <a:lstStyle/>
-                    <a:p>
-                      <a:pPr algn="l" fontAlgn="b"/>
-                      <a:r>
-                        <a:rPr lang="en-US" sz="1100" u="none" strike="noStrike">
-                          <a:effectLst/>
-                        </a:rPr>
-                        <a:t> </a:t>
-                      </a:r>
-                      <a:endParaRPr lang="en-US" sz="1100" b="0" i="0" u="none" strike="noStrike">
-                        <a:solidFill>
-                          <a:srgbClr val="000000"/>
-                        </a:solidFill>
-                        <a:effectLst/>
-                        <a:latin typeface="Calibri" panose="020F0502020204030204" pitchFamily="34" charset="0"/>
-                      </a:endParaRPr>
-                    </a:p>
-                  </a:txBody>
-                  <a:tcPr marL="9525" marR="9525" marT="9525" marB="0" anchor="b"/>
-                </a:tc>
-                <a:tc>
-                  <a:txBody>
-                    <a:bodyPr/>
-                    <a:lstStyle/>
-                    <a:p>
-                      <a:pPr algn="l" fontAlgn="b"/>
-                      <a:r>
-                        <a:rPr lang="en-US" sz="1100" u="none" strike="noStrike">
-                          <a:effectLst/>
-                        </a:rPr>
-                        <a:t>X</a:t>
-                      </a:r>
-                      <a:endParaRPr lang="en-US" sz="1100" b="0" i="0" u="none" strike="noStrike">
-                        <a:solidFill>
-                          <a:srgbClr val="000000"/>
-                        </a:solidFill>
-                        <a:effectLst/>
-                        <a:latin typeface="Calibri" panose="020F0502020204030204" pitchFamily="34" charset="0"/>
-                      </a:endParaRPr>
-                    </a:p>
-                  </a:txBody>
-                  <a:tcPr marL="9525" marR="9525" marT="9525" marB="0" anchor="b"/>
-                </a:tc>
-                <a:tc>
-                  <a:txBody>
-                    <a:bodyPr/>
-                    <a:lstStyle/>
-                    <a:p>
-                      <a:pPr algn="l" fontAlgn="b"/>
-                      <a:r>
-                        <a:rPr lang="en-US" sz="1100" u="none" strike="noStrike">
-                          <a:effectLst/>
-                        </a:rPr>
-                        <a:t> </a:t>
-                      </a:r>
-                      <a:endParaRPr lang="en-US" sz="1100" b="0" i="0" u="none" strike="noStrike">
-                        <a:solidFill>
-                          <a:srgbClr val="000000"/>
-                        </a:solidFill>
-                        <a:effectLst/>
-                        <a:latin typeface="Calibri" panose="020F0502020204030204" pitchFamily="34" charset="0"/>
-                      </a:endParaRPr>
-                    </a:p>
-                  </a:txBody>
-                  <a:tcPr marL="9525" marR="9525" marT="9525" marB="0" anchor="b"/>
-                </a:tc>
-                <a:tc>
-                  <a:txBody>
-                    <a:bodyPr/>
-                    <a:lstStyle/>
-                    <a:p>
-                      <a:pPr algn="l" fontAlgn="b"/>
-                      <a:r>
-                        <a:rPr lang="en-US" sz="1100" u="none" strike="noStrike">
-                          <a:effectLst/>
-                        </a:rPr>
-                        <a:t> </a:t>
-                      </a:r>
-                      <a:endParaRPr lang="en-US" sz="1100" b="0" i="0" u="none" strike="noStrike">
-                        <a:solidFill>
-                          <a:srgbClr val="000000"/>
-                        </a:solidFill>
-                        <a:effectLst/>
-                        <a:latin typeface="Calibri" panose="020F0502020204030204" pitchFamily="34" charset="0"/>
-                      </a:endParaRPr>
-                    </a:p>
-                  </a:txBody>
-                  <a:tcPr marL="9525" marR="9525" marT="9525" marB="0" anchor="b"/>
-                </a:tc>
-                <a:tc>
-                  <a:txBody>
-                    <a:bodyPr/>
-                    <a:lstStyle/>
-                    <a:p>
-                      <a:pPr algn="l" fontAlgn="b"/>
-                      <a:endParaRPr lang="en-US" sz="1100" b="0" i="0" u="none" strike="noStrike">
-                        <a:solidFill>
-                          <a:srgbClr val="000000"/>
-                        </a:solidFill>
-                        <a:effectLst/>
-                        <a:latin typeface="Calibri" panose="020F0502020204030204" pitchFamily="34" charset="0"/>
-                      </a:endParaRPr>
-                    </a:p>
-                  </a:txBody>
-                  <a:tcPr marL="9525" marR="9525" marT="9525" marB="0" anchor="b"/>
-                </a:tc>
-                <a:tc>
-                  <a:txBody>
-                    <a:bodyPr/>
-                    <a:lstStyle/>
-                    <a:p>
-                      <a:pPr algn="r" fontAlgn="b"/>
-                      <a:r>
-                        <a:rPr lang="en-US" sz="1100" u="none" strike="noStrike">
-                          <a:effectLst/>
-                        </a:rPr>
-                        <a:t>1</a:t>
-                      </a:r>
-                      <a:endParaRPr lang="en-US" sz="1100" b="0" i="0" u="none" strike="noStrike">
-                        <a:solidFill>
-                          <a:srgbClr val="000000"/>
-                        </a:solidFill>
-                        <a:effectLst/>
-                        <a:latin typeface="Calibri" panose="020F0502020204030204" pitchFamily="34" charset="0"/>
-                      </a:endParaRPr>
-                    </a:p>
-                  </a:txBody>
-                  <a:tcPr marL="9525" marR="9525" marT="9525" marB="0" anchor="b"/>
-                </a:tc>
-                <a:tc>
-                  <a:txBody>
-                    <a:bodyPr/>
-                    <a:lstStyle/>
-                    <a:p>
-                      <a:pPr algn="l" fontAlgn="b"/>
-                      <a:r>
-                        <a:rPr lang="en-US" sz="1100" u="none" strike="noStrike">
-                          <a:effectLst/>
-                        </a:rPr>
-                        <a:t>X</a:t>
-                      </a:r>
-                      <a:endParaRPr lang="en-US" sz="1100" b="0" i="0" u="none" strike="noStrike">
-                        <a:solidFill>
-                          <a:srgbClr val="000000"/>
-                        </a:solidFill>
-                        <a:effectLst/>
-                        <a:latin typeface="Calibri" panose="020F0502020204030204" pitchFamily="34" charset="0"/>
-                      </a:endParaRPr>
-                    </a:p>
-                  </a:txBody>
-                  <a:tcPr marL="9525" marR="9525" marT="9525" marB="0" anchor="b"/>
-                </a:tc>
-                <a:tc>
-                  <a:txBody>
-                    <a:bodyPr/>
-                    <a:lstStyle/>
-                    <a:p>
-                      <a:pPr algn="r" fontAlgn="b"/>
-                      <a:r>
-                        <a:rPr lang="en-US" sz="1100" u="none" strike="noStrike">
-                          <a:effectLst/>
-                        </a:rPr>
-                        <a:t>2</a:t>
-                      </a:r>
-                      <a:endParaRPr lang="en-US" sz="1100" b="0" i="0" u="none" strike="noStrike">
-                        <a:solidFill>
-                          <a:srgbClr val="000000"/>
-                        </a:solidFill>
-                        <a:effectLst/>
-                        <a:latin typeface="Calibri" panose="020F0502020204030204" pitchFamily="34" charset="0"/>
-                      </a:endParaRPr>
-                    </a:p>
-                  </a:txBody>
-                  <a:tcPr marL="9525" marR="9525" marT="9525" marB="0" anchor="b"/>
-                </a:tc>
-                <a:tc>
-                  <a:txBody>
-                    <a:bodyPr/>
-                    <a:lstStyle/>
-                    <a:p>
-                      <a:pPr algn="r" fontAlgn="b"/>
-                      <a:r>
-                        <a:rPr lang="en-US" sz="1100" u="none" strike="noStrike">
-                          <a:effectLst/>
-                        </a:rPr>
-                        <a:t>2</a:t>
-                      </a:r>
-                      <a:endParaRPr lang="en-US" sz="1100" b="0" i="0" u="none" strike="noStrike">
-                        <a:solidFill>
-                          <a:srgbClr val="000000"/>
-                        </a:solidFill>
-                        <a:effectLst/>
-                        <a:latin typeface="Calibri" panose="020F0502020204030204" pitchFamily="34" charset="0"/>
-                      </a:endParaRPr>
-                    </a:p>
-                  </a:txBody>
-                  <a:tcPr marL="9525" marR="9525" marT="9525" marB="0" anchor="b"/>
-                </a:tc>
-              </a:tr>
-              <a:tr h="190500">
-                <a:tc>
-                  <a:txBody>
-                    <a:bodyPr/>
-                    <a:lstStyle/>
-                    <a:p>
-                      <a:pPr algn="l" fontAlgn="b"/>
-                      <a:r>
-                        <a:rPr lang="en-US" sz="1100" u="none" strike="noStrike">
-                          <a:effectLst/>
-                        </a:rPr>
-                        <a:t> </a:t>
-                      </a:r>
-                      <a:endParaRPr lang="en-US" sz="1100" b="0" i="0" u="none" strike="noStrike">
-                        <a:solidFill>
-                          <a:srgbClr val="000000"/>
-                        </a:solidFill>
-                        <a:effectLst/>
-                        <a:latin typeface="Calibri" panose="020F0502020204030204" pitchFamily="34" charset="0"/>
-                      </a:endParaRPr>
-                    </a:p>
-                  </a:txBody>
-                  <a:tcPr marL="9525" marR="9525" marT="9525" marB="0" anchor="b"/>
-                </a:tc>
-                <a:tc>
-                  <a:txBody>
-                    <a:bodyPr/>
-                    <a:lstStyle/>
-                    <a:p>
-                      <a:pPr algn="l" fontAlgn="b"/>
-                      <a:r>
-                        <a:rPr lang="en-US" sz="1100" u="none" strike="noStrike">
-                          <a:effectLst/>
-                        </a:rPr>
-                        <a:t> </a:t>
-                      </a:r>
-                      <a:endParaRPr lang="en-US" sz="1100" b="0" i="0" u="none" strike="noStrike">
-                        <a:solidFill>
-                          <a:srgbClr val="000000"/>
-                        </a:solidFill>
-                        <a:effectLst/>
-                        <a:latin typeface="Calibri" panose="020F0502020204030204" pitchFamily="34" charset="0"/>
-                      </a:endParaRPr>
-                    </a:p>
-                  </a:txBody>
-                  <a:tcPr marL="9525" marR="9525" marT="9525" marB="0" anchor="b"/>
-                </a:tc>
-                <a:tc>
-                  <a:txBody>
-                    <a:bodyPr/>
-                    <a:lstStyle/>
-                    <a:p>
-                      <a:pPr algn="l" fontAlgn="b"/>
-                      <a:r>
-                        <a:rPr lang="en-US" sz="1100" u="none" strike="noStrike">
-                          <a:effectLst/>
-                        </a:rPr>
-                        <a:t>X</a:t>
-                      </a:r>
-                      <a:endParaRPr lang="en-US" sz="1100" b="0" i="0" u="none" strike="noStrike">
-                        <a:solidFill>
-                          <a:srgbClr val="000000"/>
-                        </a:solidFill>
-                        <a:effectLst/>
-                        <a:latin typeface="Calibri" panose="020F0502020204030204" pitchFamily="34" charset="0"/>
-                      </a:endParaRPr>
-                    </a:p>
-                  </a:txBody>
-                  <a:tcPr marL="9525" marR="9525" marT="9525" marB="0" anchor="b"/>
-                </a:tc>
-                <a:tc>
-                  <a:txBody>
-                    <a:bodyPr/>
-                    <a:lstStyle/>
-                    <a:p>
-                      <a:pPr algn="l" fontAlgn="b"/>
-                      <a:r>
-                        <a:rPr lang="en-US" sz="1100" u="none" strike="noStrike">
-                          <a:effectLst/>
-                        </a:rPr>
-                        <a:t> </a:t>
-                      </a:r>
-                      <a:endParaRPr lang="en-US" sz="1100" b="0" i="0" u="none" strike="noStrike">
-                        <a:solidFill>
-                          <a:srgbClr val="000000"/>
-                        </a:solidFill>
-                        <a:effectLst/>
-                        <a:latin typeface="Calibri" panose="020F0502020204030204" pitchFamily="34" charset="0"/>
-                      </a:endParaRPr>
-                    </a:p>
-                  </a:txBody>
-                  <a:tcPr marL="9525" marR="9525" marT="9525" marB="0" anchor="b"/>
-                </a:tc>
-                <a:tc>
-                  <a:txBody>
-                    <a:bodyPr/>
-                    <a:lstStyle/>
-                    <a:p>
-                      <a:pPr algn="l" fontAlgn="b"/>
-                      <a:endParaRPr lang="en-US" sz="1100" b="0" i="0" u="none" strike="noStrike">
-                        <a:solidFill>
-                          <a:srgbClr val="000000"/>
-                        </a:solidFill>
-                        <a:effectLst/>
-                        <a:latin typeface="Calibri" panose="020F0502020204030204" pitchFamily="34" charset="0"/>
-                      </a:endParaRPr>
-                    </a:p>
-                  </a:txBody>
-                  <a:tcPr marL="9525" marR="9525" marT="9525" marB="0" anchor="b"/>
-                </a:tc>
-                <a:tc>
-                  <a:txBody>
-                    <a:bodyPr/>
-                    <a:lstStyle/>
-                    <a:p>
-                      <a:pPr algn="r" fontAlgn="b"/>
-                      <a:r>
-                        <a:rPr lang="en-US" sz="1100" u="none" strike="noStrike">
-                          <a:effectLst/>
-                        </a:rPr>
-                        <a:t>2</a:t>
-                      </a:r>
-                      <a:endParaRPr lang="en-US" sz="1100" b="0" i="0" u="none" strike="noStrike">
-                        <a:solidFill>
-                          <a:srgbClr val="000000"/>
-                        </a:solidFill>
-                        <a:effectLst/>
-                        <a:latin typeface="Calibri" panose="020F0502020204030204" pitchFamily="34" charset="0"/>
-                      </a:endParaRPr>
-                    </a:p>
-                  </a:txBody>
-                  <a:tcPr marL="9525" marR="9525" marT="9525" marB="0" anchor="b"/>
-                </a:tc>
-                <a:tc>
-                  <a:txBody>
-                    <a:bodyPr/>
-                    <a:lstStyle/>
-                    <a:p>
-                      <a:pPr algn="r" fontAlgn="b"/>
-                      <a:r>
-                        <a:rPr lang="en-US" sz="1100" u="none" strike="noStrike">
-                          <a:effectLst/>
-                        </a:rPr>
-                        <a:t>2</a:t>
-                      </a:r>
-                      <a:endParaRPr lang="en-US" sz="1100" b="0" i="0" u="none" strike="noStrike">
-                        <a:solidFill>
-                          <a:srgbClr val="000000"/>
-                        </a:solidFill>
-                        <a:effectLst/>
-                        <a:latin typeface="Calibri" panose="020F0502020204030204" pitchFamily="34" charset="0"/>
-                      </a:endParaRPr>
-                    </a:p>
-                  </a:txBody>
-                  <a:tcPr marL="9525" marR="9525" marT="9525" marB="0" anchor="b"/>
-                </a:tc>
-                <a:tc>
-                  <a:txBody>
-                    <a:bodyPr/>
-                    <a:lstStyle/>
-                    <a:p>
-                      <a:pPr algn="l" fontAlgn="b"/>
-                      <a:r>
-                        <a:rPr lang="en-US" sz="1100" u="none" strike="noStrike">
-                          <a:effectLst/>
-                        </a:rPr>
-                        <a:t>X</a:t>
-                      </a:r>
-                      <a:endParaRPr lang="en-US" sz="1100" b="0" i="0" u="none" strike="noStrike">
-                        <a:solidFill>
-                          <a:srgbClr val="000000"/>
-                        </a:solidFill>
-                        <a:effectLst/>
-                        <a:latin typeface="Calibri" panose="020F0502020204030204" pitchFamily="34" charset="0"/>
-                      </a:endParaRPr>
-                    </a:p>
-                  </a:txBody>
-                  <a:tcPr marL="9525" marR="9525" marT="9525" marB="0" anchor="b"/>
-                </a:tc>
-                <a:tc>
-                  <a:txBody>
-                    <a:bodyPr/>
-                    <a:lstStyle/>
-                    <a:p>
-                      <a:pPr algn="r" fontAlgn="b"/>
-                      <a:r>
-                        <a:rPr lang="en-US" sz="1100" u="none" strike="noStrike">
-                          <a:effectLst/>
-                        </a:rPr>
-                        <a:t>1</a:t>
-                      </a:r>
-                      <a:endParaRPr lang="en-US" sz="1100" b="0" i="0" u="none" strike="noStrike">
-                        <a:solidFill>
-                          <a:srgbClr val="000000"/>
-                        </a:solidFill>
-                        <a:effectLst/>
-                        <a:latin typeface="Calibri" panose="020F0502020204030204" pitchFamily="34" charset="0"/>
-                      </a:endParaRPr>
-                    </a:p>
-                  </a:txBody>
-                  <a:tcPr marL="9525" marR="9525" marT="9525" marB="0" anchor="b"/>
-                </a:tc>
-              </a:tr>
-              <a:tr h="190500">
-                <a:tc>
-                  <a:txBody>
-                    <a:bodyPr/>
-                    <a:lstStyle/>
-                    <a:p>
-                      <a:pPr algn="l" fontAlgn="b"/>
-                      <a:r>
-                        <a:rPr lang="en-US" sz="1100" u="none" strike="noStrike">
-                          <a:effectLst/>
-                        </a:rPr>
-                        <a:t> </a:t>
-                      </a:r>
-                      <a:endParaRPr lang="en-US" sz="1100" b="0" i="0" u="none" strike="noStrike">
-                        <a:solidFill>
-                          <a:srgbClr val="000000"/>
-                        </a:solidFill>
-                        <a:effectLst/>
-                        <a:latin typeface="Calibri" panose="020F0502020204030204" pitchFamily="34" charset="0"/>
-                      </a:endParaRPr>
-                    </a:p>
-                  </a:txBody>
-                  <a:tcPr marL="9525" marR="9525" marT="9525" marB="0" anchor="b"/>
-                </a:tc>
-                <a:tc>
-                  <a:txBody>
-                    <a:bodyPr/>
-                    <a:lstStyle/>
-                    <a:p>
-                      <a:pPr algn="l" fontAlgn="b"/>
-                      <a:r>
-                        <a:rPr lang="en-US" sz="1100" u="none" strike="noStrike">
-                          <a:effectLst/>
-                        </a:rPr>
-                        <a:t> </a:t>
-                      </a:r>
-                      <a:endParaRPr lang="en-US" sz="1100" b="0" i="0" u="none" strike="noStrike">
-                        <a:solidFill>
-                          <a:srgbClr val="000000"/>
-                        </a:solidFill>
-                        <a:effectLst/>
-                        <a:latin typeface="Calibri" panose="020F0502020204030204" pitchFamily="34" charset="0"/>
-                      </a:endParaRPr>
-                    </a:p>
-                  </a:txBody>
-                  <a:tcPr marL="9525" marR="9525" marT="9525" marB="0" anchor="b"/>
-                </a:tc>
-                <a:tc>
-                  <a:txBody>
-                    <a:bodyPr/>
-                    <a:lstStyle/>
-                    <a:p>
-                      <a:pPr algn="l" fontAlgn="b"/>
-                      <a:r>
-                        <a:rPr lang="en-US" sz="1100" u="none" strike="noStrike">
-                          <a:effectLst/>
-                        </a:rPr>
-                        <a:t> </a:t>
-                      </a:r>
-                      <a:endParaRPr lang="en-US" sz="1100" b="0" i="0" u="none" strike="noStrike">
-                        <a:solidFill>
-                          <a:srgbClr val="000000"/>
-                        </a:solidFill>
-                        <a:effectLst/>
-                        <a:latin typeface="Calibri" panose="020F0502020204030204" pitchFamily="34" charset="0"/>
-                      </a:endParaRPr>
-                    </a:p>
-                  </a:txBody>
-                  <a:tcPr marL="9525" marR="9525" marT="9525" marB="0" anchor="b"/>
-                </a:tc>
-                <a:tc>
-                  <a:txBody>
-                    <a:bodyPr/>
-                    <a:lstStyle/>
-                    <a:p>
-                      <a:pPr algn="l" fontAlgn="b"/>
-                      <a:r>
-                        <a:rPr lang="en-US" sz="1100" u="none" strike="noStrike">
-                          <a:effectLst/>
-                        </a:rPr>
-                        <a:t> </a:t>
-                      </a:r>
-                      <a:endParaRPr lang="en-US" sz="1100" b="0" i="0" u="none" strike="noStrike">
-                        <a:solidFill>
-                          <a:srgbClr val="000000"/>
-                        </a:solidFill>
-                        <a:effectLst/>
-                        <a:latin typeface="Calibri" panose="020F0502020204030204" pitchFamily="34" charset="0"/>
-                      </a:endParaRPr>
-                    </a:p>
-                  </a:txBody>
-                  <a:tcPr marL="9525" marR="9525" marT="9525" marB="0" anchor="b"/>
-                </a:tc>
-                <a:tc>
-                  <a:txBody>
-                    <a:bodyPr/>
-                    <a:lstStyle/>
-                    <a:p>
-                      <a:pPr algn="l" fontAlgn="b"/>
-                      <a:endParaRPr lang="en-US" sz="1100" b="0" i="0" u="none" strike="noStrike">
-                        <a:solidFill>
-                          <a:srgbClr val="000000"/>
-                        </a:solidFill>
-                        <a:effectLst/>
-                        <a:latin typeface="Calibri" panose="020F0502020204030204" pitchFamily="34" charset="0"/>
-                      </a:endParaRPr>
-                    </a:p>
-                  </a:txBody>
-                  <a:tcPr marL="9525" marR="9525" marT="9525" marB="0" anchor="b"/>
-                </a:tc>
-                <a:tc>
-                  <a:txBody>
-                    <a:bodyPr/>
-                    <a:lstStyle/>
-                    <a:p>
-                      <a:pPr algn="l" fontAlgn="b"/>
-                      <a:r>
-                        <a:rPr lang="en-US" sz="1100" u="none" strike="noStrike">
-                          <a:effectLst/>
-                        </a:rPr>
-                        <a:t> </a:t>
-                      </a:r>
-                      <a:endParaRPr lang="en-US" sz="1100" b="0" i="0" u="none" strike="noStrike">
-                        <a:solidFill>
-                          <a:srgbClr val="000000"/>
-                        </a:solidFill>
-                        <a:effectLst/>
-                        <a:latin typeface="Calibri" panose="020F0502020204030204" pitchFamily="34" charset="0"/>
-                      </a:endParaRPr>
-                    </a:p>
-                  </a:txBody>
-                  <a:tcPr marL="9525" marR="9525" marT="9525" marB="0" anchor="b"/>
-                </a:tc>
-                <a:tc>
-                  <a:txBody>
-                    <a:bodyPr/>
-                    <a:lstStyle/>
-                    <a:p>
-                      <a:pPr algn="r" fontAlgn="b"/>
-                      <a:r>
-                        <a:rPr lang="en-US" sz="1100" u="none" strike="noStrike">
-                          <a:effectLst/>
-                        </a:rPr>
-                        <a:t>2</a:t>
-                      </a:r>
-                      <a:endParaRPr lang="en-US" sz="1100" b="0" i="0" u="none" strike="noStrike">
-                        <a:solidFill>
-                          <a:srgbClr val="000000"/>
-                        </a:solidFill>
-                        <a:effectLst/>
-                        <a:latin typeface="Calibri" panose="020F0502020204030204" pitchFamily="34" charset="0"/>
-                      </a:endParaRPr>
-                    </a:p>
-                  </a:txBody>
-                  <a:tcPr marL="9525" marR="9525" marT="9525" marB="0" anchor="b"/>
-                </a:tc>
-                <a:tc>
-                  <a:txBody>
-                    <a:bodyPr/>
-                    <a:lstStyle/>
-                    <a:p>
-                      <a:pPr algn="r" fontAlgn="b"/>
-                      <a:r>
-                        <a:rPr lang="en-US" sz="1100" u="none" strike="noStrike">
-                          <a:effectLst/>
-                        </a:rPr>
-                        <a:t>1</a:t>
-                      </a:r>
-                      <a:endParaRPr lang="en-US" sz="1100" b="0" i="0" u="none" strike="noStrike">
-                        <a:solidFill>
-                          <a:srgbClr val="000000"/>
-                        </a:solidFill>
-                        <a:effectLst/>
-                        <a:latin typeface="Calibri" panose="020F0502020204030204" pitchFamily="34" charset="0"/>
-                      </a:endParaRPr>
-                    </a:p>
-                  </a:txBody>
-                  <a:tcPr marL="9525" marR="9525" marT="9525" marB="0" anchor="b"/>
-                </a:tc>
-                <a:tc>
-                  <a:txBody>
-                    <a:bodyPr/>
-                    <a:lstStyle/>
-                    <a:p>
-                      <a:pPr algn="r" fontAlgn="b"/>
-                      <a:r>
-                        <a:rPr lang="en-US" sz="1100" u="none" strike="noStrike" dirty="0">
-                          <a:effectLst/>
-                        </a:rPr>
-                        <a:t>2</a:t>
-                      </a:r>
-                      <a:endParaRPr lang="en-US" sz="1100" b="0" i="0" u="none" strike="noStrike" dirty="0">
-                        <a:solidFill>
-                          <a:srgbClr val="000000"/>
-                        </a:solidFill>
-                        <a:effectLst/>
-                        <a:latin typeface="Calibri" panose="020F0502020204030204" pitchFamily="34" charset="0"/>
-                      </a:endParaRPr>
-                    </a:p>
-                  </a:txBody>
-                  <a:tcPr marL="9525" marR="9525" marT="9525" marB="0" anchor="b"/>
-                </a:tc>
-              </a:tr>
-            </a:tbl>
-          </a:graphicData>
-        </a:graphic>
-      </p:graphicFrame>
+            <a:endParaRPr lang="en-US" sz="2000" dirty="0"/>
+          </a:p>
+        </p:txBody>
+      </p:sp>
     </p:spTree>
     <p:extLst>
       <p:ext uri="{BB962C8B-B14F-4D97-AF65-F5344CB8AC3E}">
@@ -10095,179 +10071,6 @@
 </file>
 
 <file path=ppt/slides/slide8.xml><?xml version="1.0" encoding="utf-8"?>
-<p:sld xmlns:a="http://schemas.openxmlformats.org/drawingml/2006/main" xmlns:r="http://schemas.openxmlformats.org/officeDocument/2006/relationships" xmlns:p="http://schemas.openxmlformats.org/presentationml/2006/main">
-  <p:cSld>
-    <p:spTree>
-      <p:nvGrpSpPr>
-        <p:cNvPr id="1" name=""/>
-        <p:cNvGrpSpPr/>
-        <p:nvPr/>
-      </p:nvGrpSpPr>
-      <p:grpSpPr>
-        <a:xfrm>
-          <a:off x="0" y="0"/>
-          <a:ext cx="0" cy="0"/>
-          <a:chOff x="0" y="0"/>
-          <a:chExt cx="0" cy="0"/>
-        </a:xfrm>
-      </p:grpSpPr>
-      <p:sp>
-        <p:nvSpPr>
-          <p:cNvPr id="2" name="Title 1"/>
-          <p:cNvSpPr>
-            <a:spLocks noGrp="1"/>
-          </p:cNvSpPr>
-          <p:nvPr>
-            <p:ph type="ctrTitle"/>
-          </p:nvPr>
-        </p:nvSpPr>
-        <p:spPr>
-          <a:xfrm>
-            <a:off x="685800" y="381000"/>
-            <a:ext cx="7772400" cy="1470025"/>
-          </a:xfrm>
-        </p:spPr>
-        <p:txBody>
-          <a:bodyPr/>
-          <a:lstStyle/>
-          <a:p>
-            <a:r>
-              <a:rPr lang="en-US" dirty="0" smtClean="0"/>
-              <a:t>Algorithm</a:t>
-            </a:r>
-            <a:endParaRPr lang="en-US" dirty="0"/>
-          </a:p>
-        </p:txBody>
-      </p:sp>
-      <p:sp>
-        <p:nvSpPr>
-          <p:cNvPr id="3" name="Subtitle 2"/>
-          <p:cNvSpPr>
-            <a:spLocks noGrp="1"/>
-          </p:cNvSpPr>
-          <p:nvPr>
-            <p:ph type="subTitle" idx="1"/>
-          </p:nvPr>
-        </p:nvSpPr>
-        <p:spPr>
-          <a:xfrm>
-            <a:off x="762000" y="1447800"/>
-            <a:ext cx="7543800" cy="4191000"/>
-          </a:xfrm>
-        </p:spPr>
-        <p:txBody>
-          <a:bodyPr>
-            <a:normAutofit/>
-          </a:bodyPr>
-          <a:lstStyle/>
-          <a:p>
-            <a:pPr algn="l"/>
-            <a:r>
-              <a:rPr lang="en-US" sz="2000" dirty="0" smtClean="0"/>
-              <a:t>Implement an Iterative Deepening Search Tree with Alpha Beta Pruning</a:t>
-            </a:r>
-          </a:p>
-          <a:p>
-            <a:pPr marL="342900" indent="-342900" algn="l">
-              <a:buFont typeface="Arial" panose="020B0604020202020204" pitchFamily="34" charset="0"/>
-              <a:buChar char="•"/>
-            </a:pPr>
-            <a:r>
-              <a:rPr lang="en-US" sz="2000" dirty="0" smtClean="0"/>
-              <a:t>Maintain a variable called depth </a:t>
-            </a:r>
-          </a:p>
-          <a:p>
-            <a:pPr marL="342900" indent="-342900" algn="l">
-              <a:buFont typeface="Arial" panose="020B0604020202020204" pitchFamily="34" charset="0"/>
-              <a:buChar char="•"/>
-            </a:pPr>
-            <a:r>
-              <a:rPr lang="en-US" sz="2000" dirty="0" smtClean="0"/>
-              <a:t>and increase/decrease depth based on timing requirements</a:t>
-            </a:r>
-          </a:p>
-          <a:p>
-            <a:pPr marL="800100" lvl="1" indent="-342900" algn="l">
-              <a:buFont typeface="Arial" panose="020B0604020202020204" pitchFamily="34" charset="0"/>
-              <a:buChar char="•"/>
-            </a:pPr>
-            <a:r>
-              <a:rPr lang="en-US" sz="1600" dirty="0" smtClean="0"/>
-              <a:t>If there is extra time in the current search, then increase depth for next iteration, and run depth first search again.</a:t>
-            </a:r>
-          </a:p>
-          <a:p>
-            <a:pPr marL="800100" lvl="1" indent="-342900" algn="l">
-              <a:buFont typeface="Arial" panose="020B0604020202020204" pitchFamily="34" charset="0"/>
-              <a:buChar char="•"/>
-            </a:pPr>
-            <a:r>
-              <a:rPr lang="en-US" sz="1600" dirty="0" smtClean="0"/>
-              <a:t>If this search is taking too long, then decrease depth. The next move will use a search with a lower depth </a:t>
-            </a:r>
-            <a:endParaRPr lang="en-US" sz="1200" dirty="0" smtClean="0"/>
-          </a:p>
-          <a:p>
-            <a:pPr marL="342900" indent="-342900" algn="l">
-              <a:buFont typeface="Arial" panose="020B0604020202020204" pitchFamily="34" charset="0"/>
-              <a:buChar char="•"/>
-            </a:pPr>
-            <a:r>
-              <a:rPr lang="en-US" sz="2000" dirty="0" smtClean="0"/>
-              <a:t>Alpha beta pruning to speed up searches</a:t>
-            </a:r>
-          </a:p>
-          <a:p>
-            <a:pPr marL="800100" lvl="1" indent="-342900" algn="l">
-              <a:buFont typeface="Arial" panose="020B0604020202020204" pitchFamily="34" charset="0"/>
-              <a:buChar char="•"/>
-            </a:pPr>
-            <a:r>
-              <a:rPr lang="en-US" sz="1600" dirty="0" smtClean="0"/>
-              <a:t>Ignore searching the rest of the children in a branch if this branch is bad</a:t>
-            </a:r>
-          </a:p>
-          <a:p>
-            <a:pPr marL="800100" lvl="1" indent="-342900" algn="l">
-              <a:buFont typeface="Arial" panose="020B0604020202020204" pitchFamily="34" charset="0"/>
-              <a:buChar char="•"/>
-            </a:pPr>
-            <a:r>
-              <a:rPr lang="en-US" sz="1600" dirty="0" smtClean="0"/>
-              <a:t>Maintain a beta and alpha value in searching. If beta &lt;= alpha, we know the adversary will attempt a very good move. Do not bother to expand the rest</a:t>
-            </a:r>
-          </a:p>
-          <a:p>
-            <a:pPr marL="800100" lvl="1" indent="-342900" algn="l">
-              <a:buFont typeface="Arial" panose="020B0604020202020204" pitchFamily="34" charset="0"/>
-              <a:buChar char="•"/>
-            </a:pPr>
-            <a:r>
-              <a:rPr lang="en-US" sz="1600" dirty="0" smtClean="0"/>
-              <a:t>Gives algorithm more time, allowing for a larger depth</a:t>
-            </a:r>
-          </a:p>
-          <a:p>
-            <a:pPr algn="l"/>
-            <a:endParaRPr lang="en-US" sz="2000" dirty="0"/>
-          </a:p>
-        </p:txBody>
-      </p:sp>
-    </p:spTree>
-    <p:extLst>
-      <p:ext uri="{BB962C8B-B14F-4D97-AF65-F5344CB8AC3E}">
-        <p14:creationId xmlns:p14="http://schemas.microsoft.com/office/powerpoint/2010/main" val="3352461406"/>
-      </p:ext>
-    </p:extLst>
-  </p:cSld>
-  <p:clrMapOvr>
-    <a:masterClrMapping/>
-  </p:clrMapOvr>
-</p:sld>
-</file>
-
-<file path=ppt/slides/slide9.xml><?xml version="1.0" encoding="utf-8"?>
 <p:sld xmlns:a="http://schemas.openxmlformats.org/drawingml/2006/main" xmlns:r="http://schemas.openxmlformats.org/officeDocument/2006/relationships" xmlns:p="http://schemas.openxmlformats.org/presentationml/2006/main">
   <p:cSld>
     <p:spTree>
@@ -10373,6 +10176,170 @@
     <p:extLst>
       <p:ext uri="{BB962C8B-B14F-4D97-AF65-F5344CB8AC3E}">
         <p14:creationId xmlns:p14="http://schemas.microsoft.com/office/powerpoint/2010/main" val="3344614843"/>
+      </p:ext>
+    </p:extLst>
+  </p:cSld>
+  <p:clrMapOvr>
+    <a:masterClrMapping/>
+  </p:clrMapOvr>
+</p:sld>
+</file>
+
+<file path=ppt/slides/slide9.xml><?xml version="1.0" encoding="utf-8"?>
+<p:sld xmlns:a="http://schemas.openxmlformats.org/drawingml/2006/main" xmlns:r="http://schemas.openxmlformats.org/officeDocument/2006/relationships" xmlns:p="http://schemas.openxmlformats.org/presentationml/2006/main">
+  <p:cSld>
+    <p:spTree>
+      <p:nvGrpSpPr>
+        <p:cNvPr id="1" name=""/>
+        <p:cNvGrpSpPr/>
+        <p:nvPr/>
+      </p:nvGrpSpPr>
+      <p:grpSpPr>
+        <a:xfrm>
+          <a:off x="0" y="0"/>
+          <a:ext cx="0" cy="0"/>
+          <a:chOff x="0" y="0"/>
+          <a:chExt cx="0" cy="0"/>
+        </a:xfrm>
+      </p:grpSpPr>
+      <p:sp>
+        <p:nvSpPr>
+          <p:cNvPr id="2" name="Title 1"/>
+          <p:cNvSpPr>
+            <a:spLocks noGrp="1"/>
+          </p:cNvSpPr>
+          <p:nvPr>
+            <p:ph type="ctrTitle"/>
+          </p:nvPr>
+        </p:nvSpPr>
+        <p:spPr>
+          <a:xfrm>
+            <a:off x="685800" y="381000"/>
+            <a:ext cx="7772400" cy="1470025"/>
+          </a:xfrm>
+        </p:spPr>
+        <p:txBody>
+          <a:bodyPr/>
+          <a:lstStyle/>
+          <a:p>
+            <a:r>
+              <a:rPr lang="en-US" dirty="0" smtClean="0"/>
+              <a:t>Algorithm Speed Enhancements</a:t>
+            </a:r>
+            <a:endParaRPr lang="en-US" dirty="0"/>
+          </a:p>
+        </p:txBody>
+      </p:sp>
+      <p:sp>
+        <p:nvSpPr>
+          <p:cNvPr id="3" name="Subtitle 2"/>
+          <p:cNvSpPr>
+            <a:spLocks noGrp="1"/>
+          </p:cNvSpPr>
+          <p:nvPr>
+            <p:ph type="subTitle" idx="1"/>
+          </p:nvPr>
+        </p:nvSpPr>
+        <p:spPr>
+          <a:xfrm>
+            <a:off x="762000" y="1447800"/>
+            <a:ext cx="7543800" cy="4191000"/>
+          </a:xfrm>
+        </p:spPr>
+        <p:txBody>
+          <a:bodyPr>
+            <a:normAutofit fontScale="92500" lnSpcReduction="20000"/>
+          </a:bodyPr>
+          <a:lstStyle/>
+          <a:p>
+            <a:pPr algn="l"/>
+            <a:r>
+              <a:rPr lang="en-US" sz="2000" dirty="0" smtClean="0"/>
+              <a:t>Even with Alpha Beta Pruning, the algorithm is too slow when we want Iterative Deepening to increase the depth more</a:t>
+            </a:r>
+          </a:p>
+          <a:p>
+            <a:pPr algn="l"/>
+            <a:r>
+              <a:rPr lang="en-US" sz="2000" dirty="0" smtClean="0"/>
+              <a:t>Not </a:t>
+            </a:r>
+            <a:r>
+              <a:rPr lang="en-US" sz="2000" dirty="0"/>
+              <a:t>all tiles are good to search</a:t>
+            </a:r>
+          </a:p>
+          <a:p>
+            <a:pPr marL="342900" indent="-342900" algn="l">
+              <a:buFont typeface="Arial" panose="020B0604020202020204" pitchFamily="34" charset="0"/>
+              <a:buChar char="•"/>
+            </a:pPr>
+            <a:r>
+              <a:rPr lang="en-US" sz="2000" dirty="0"/>
+              <a:t>Avoid branching on all of 64 tiles</a:t>
+            </a:r>
+          </a:p>
+          <a:p>
+            <a:pPr marL="342900" indent="-342900" algn="l">
+              <a:buFont typeface="Arial" panose="020B0604020202020204" pitchFamily="34" charset="0"/>
+              <a:buChar char="•"/>
+            </a:pPr>
+            <a:r>
+              <a:rPr lang="en-US" sz="2000" dirty="0"/>
+              <a:t>Ignore illegal moves</a:t>
+            </a:r>
+          </a:p>
+          <a:p>
+            <a:pPr marL="342900" indent="-342900" algn="l">
+              <a:buFont typeface="Arial" panose="020B0604020202020204" pitchFamily="34" charset="0"/>
+              <a:buChar char="•"/>
+            </a:pPr>
+            <a:r>
+              <a:rPr lang="en-US" sz="2000" dirty="0"/>
+              <a:t>Restrict branching to tiles near existing tiles. A distance of 4 away (since 4 moves needed to win)</a:t>
+            </a:r>
+          </a:p>
+          <a:p>
+            <a:pPr algn="l"/>
+            <a:r>
+              <a:rPr lang="en-US" sz="2000" dirty="0" smtClean="0"/>
+              <a:t>Even if some tiles are valid for expansion. Do not bother to expand if the tile’s value is too low.</a:t>
+            </a:r>
+          </a:p>
+          <a:p>
+            <a:pPr marL="342900" indent="-342900" algn="l">
+              <a:buFont typeface="Arial" panose="020B0604020202020204" pitchFamily="34" charset="0"/>
+              <a:buChar char="•"/>
+            </a:pPr>
+            <a:r>
+              <a:rPr lang="en-US" sz="2000" dirty="0" smtClean="0"/>
+              <a:t>Algorithm will look all values of available tiles and determine a threshold value. </a:t>
+            </a:r>
+          </a:p>
+          <a:p>
+            <a:pPr marL="342900" indent="-342900" algn="l">
+              <a:buFont typeface="Arial" panose="020B0604020202020204" pitchFamily="34" charset="0"/>
+              <a:buChar char="•"/>
+            </a:pPr>
+            <a:r>
+              <a:rPr lang="en-US" sz="2000" dirty="0" smtClean="0"/>
+              <a:t>Tiles with values below the threshold will not be expanded.</a:t>
+            </a:r>
+          </a:p>
+          <a:p>
+            <a:pPr algn="l"/>
+            <a:r>
+              <a:rPr lang="en-US" sz="2000" dirty="0" smtClean="0"/>
+              <a:t>By reducing branching factor, we are able to speed up algorithm. This gives it more time to evaluate better branches to a larger depth</a:t>
+            </a:r>
+            <a:endParaRPr lang="en-US" sz="2000" dirty="0"/>
+          </a:p>
+        </p:txBody>
+      </p:sp>
+    </p:spTree>
+    <p:extLst>
+      <p:ext uri="{BB962C8B-B14F-4D97-AF65-F5344CB8AC3E}">
+        <p14:creationId xmlns:p14="http://schemas.microsoft.com/office/powerpoint/2010/main" val="3352461406"/>
       </p:ext>
     </p:extLst>
   </p:cSld>

--- a/Presentation.pptx
+++ b/Presentation.pptx
@@ -5,25 +5,24 @@
     <p:sldMasterId id="2147483648" r:id="rId1"/>
   </p:sldMasterIdLst>
   <p:notesMasterIdLst>
-    <p:notesMasterId r:id="rId18"/>
+    <p:notesMasterId r:id="rId17"/>
   </p:notesMasterIdLst>
   <p:sldIdLst>
     <p:sldId id="256" r:id="rId2"/>
     <p:sldId id="258" r:id="rId3"/>
     <p:sldId id="259" r:id="rId4"/>
-    <p:sldId id="261" r:id="rId5"/>
-    <p:sldId id="260" r:id="rId6"/>
-    <p:sldId id="262" r:id="rId7"/>
-    <p:sldId id="263" r:id="rId8"/>
-    <p:sldId id="271" r:id="rId9"/>
-    <p:sldId id="264" r:id="rId10"/>
-    <p:sldId id="272" r:id="rId11"/>
-    <p:sldId id="268" r:id="rId12"/>
-    <p:sldId id="273" r:id="rId13"/>
-    <p:sldId id="265" r:id="rId14"/>
-    <p:sldId id="266" r:id="rId15"/>
-    <p:sldId id="269" r:id="rId16"/>
-    <p:sldId id="270" r:id="rId17"/>
+    <p:sldId id="260" r:id="rId5"/>
+    <p:sldId id="262" r:id="rId6"/>
+    <p:sldId id="263" r:id="rId7"/>
+    <p:sldId id="271" r:id="rId8"/>
+    <p:sldId id="264" r:id="rId9"/>
+    <p:sldId id="272" r:id="rId10"/>
+    <p:sldId id="268" r:id="rId11"/>
+    <p:sldId id="273" r:id="rId12"/>
+    <p:sldId id="265" r:id="rId13"/>
+    <p:sldId id="266" r:id="rId14"/>
+    <p:sldId id="269" r:id="rId15"/>
+    <p:sldId id="270" r:id="rId16"/>
   </p:sldIdLst>
   <p:sldSz cx="9144000" cy="6858000" type="screen4x3"/>
   <p:notesSz cx="6858000" cy="9144000"/>
@@ -588,7 +587,7 @@
           <a:p>
             <a:fld id="{90E07049-BCFC-4BE9-BA06-3BBAAC671169}" type="slidenum">
               <a:rPr lang="en-US" smtClean="0"/>
-              <a:t>6</a:t>
+              <a:t>5</a:t>
             </a:fld>
             <a:endParaRPr lang="en-US" dirty="0"/>
           </a:p>
@@ -722,7 +721,7 @@
           <a:p>
             <a:fld id="{90E07049-BCFC-4BE9-BA06-3BBAAC671169}" type="slidenum">
               <a:rPr lang="en-US" smtClean="0"/>
-              <a:t>7</a:t>
+              <a:t>6</a:t>
             </a:fld>
             <a:endParaRPr lang="en-US" dirty="0"/>
           </a:p>
@@ -856,7 +855,7 @@
           <a:p>
             <a:fld id="{90E07049-BCFC-4BE9-BA06-3BBAAC671169}" type="slidenum">
               <a:rPr lang="en-US" smtClean="0"/>
-              <a:t>8</a:t>
+              <a:t>7</a:t>
             </a:fld>
             <a:endParaRPr lang="en-US" dirty="0"/>
           </a:p>
@@ -1010,7 +1009,7 @@
           <a:p>
             <a:fld id="{90E07049-BCFC-4BE9-BA06-3BBAAC671169}" type="slidenum">
               <a:rPr lang="en-US" smtClean="0"/>
-              <a:t>9</a:t>
+              <a:t>8</a:t>
             </a:fld>
             <a:endParaRPr lang="en-US" dirty="0"/>
           </a:p>
@@ -1169,7 +1168,7 @@
           <a:p>
             <a:fld id="{90E07049-BCFC-4BE9-BA06-3BBAAC671169}" type="slidenum">
               <a:rPr lang="en-US" smtClean="0"/>
-              <a:t>10</a:t>
+              <a:t>9</a:t>
             </a:fld>
             <a:endParaRPr lang="en-US" dirty="0"/>
           </a:p>
@@ -1275,7 +1274,7 @@
           <a:p>
             <a:fld id="{90E07049-BCFC-4BE9-BA06-3BBAAC671169}" type="slidenum">
               <a:rPr lang="en-US" smtClean="0"/>
-              <a:t>11</a:t>
+              <a:t>10</a:t>
             </a:fld>
             <a:endParaRPr lang="en-US" dirty="0"/>
           </a:p>
@@ -1359,7 +1358,7 @@
           <a:p>
             <a:fld id="{90E07049-BCFC-4BE9-BA06-3BBAAC671169}" type="slidenum">
               <a:rPr lang="en-US" smtClean="0"/>
-              <a:t>12</a:t>
+              <a:t>11</a:t>
             </a:fld>
             <a:endParaRPr lang="en-US" dirty="0"/>
           </a:p>
@@ -1443,7 +1442,7 @@
           <a:p>
             <a:fld id="{90E07049-BCFC-4BE9-BA06-3BBAAC671169}" type="slidenum">
               <a:rPr lang="en-US" smtClean="0"/>
-              <a:t>14</a:t>
+              <a:t>13</a:t>
             </a:fld>
             <a:endParaRPr lang="en-US" dirty="0"/>
           </a:p>
@@ -1608,7 +1607,7 @@
           <a:p>
             <a:fld id="{90E07049-BCFC-4BE9-BA06-3BBAAC671169}" type="slidenum">
               <a:rPr lang="en-US" smtClean="0"/>
-              <a:t>16</a:t>
+              <a:t>15</a:t>
             </a:fld>
             <a:endParaRPr lang="en-US" dirty="0"/>
           </a:p>
@@ -4723,7 +4722,7 @@
           <a:p>
             <a:r>
               <a:rPr lang="en-US" dirty="0" smtClean="0"/>
-              <a:t>Algorithm Speed Enhancements</a:t>
+              <a:t>Improving Utility Function</a:t>
             </a:r>
             <a:endParaRPr lang="en-US" dirty="0"/>
           </a:p>
@@ -4742,7 +4741,7 @@
         <p:spPr>
           <a:xfrm>
             <a:off x="762000" y="1447800"/>
-            <a:ext cx="7543800" cy="4191000"/>
+            <a:ext cx="7543800" cy="4953000"/>
           </a:xfrm>
         </p:spPr>
         <p:txBody>
@@ -4751,69 +4750,115 @@
           </a:bodyPr>
           <a:lstStyle/>
           <a:p>
+            <a:pPr marL="342900" indent="-342900" algn="l">
+              <a:buFont typeface="Arial" panose="020B0604020202020204" pitchFamily="34" charset="0"/>
+              <a:buChar char="•"/>
+            </a:pPr>
+            <a:r>
+              <a:rPr lang="en-US" sz="2000" dirty="0" smtClean="0"/>
+              <a:t>We were able to improve the cost function after running several instances of our initial AI</a:t>
+            </a:r>
+          </a:p>
+          <a:p>
             <a:pPr algn="l"/>
-            <a:endParaRPr lang="en-US" sz="2000" dirty="0" smtClean="0"/>
+            <a:r>
+              <a:rPr lang="en-US" sz="2000" dirty="0" smtClean="0"/>
+              <a:t>Tile location of the first move doesn’t matter too much</a:t>
+            </a:r>
+          </a:p>
+          <a:p>
+            <a:pPr marL="800100" lvl="1" indent="-342900" algn="l">
+              <a:buFont typeface="Arial" panose="020B0604020202020204" pitchFamily="34" charset="0"/>
+              <a:buChar char="•"/>
+            </a:pPr>
+            <a:r>
+              <a:rPr lang="en-US" sz="1600" dirty="0" smtClean="0"/>
+              <a:t>We can save time by starting the algorithm with a low depth value</a:t>
+            </a:r>
+          </a:p>
+          <a:p>
+            <a:pPr marL="800100" lvl="1" indent="-342900" algn="l">
+              <a:buFont typeface="Arial" panose="020B0604020202020204" pitchFamily="34" charset="0"/>
+              <a:buChar char="•"/>
+            </a:pPr>
+            <a:r>
+              <a:rPr lang="en-US" sz="1600" dirty="0" smtClean="0"/>
+              <a:t>Depth will increase on successive moves through</a:t>
+            </a:r>
           </a:p>
           <a:p>
             <a:pPr algn="l"/>
+            <a:r>
+              <a:rPr lang="en-US" sz="2000" dirty="0" smtClean="0"/>
+              <a:t>Tile values needed to be improved</a:t>
+            </a:r>
+          </a:p>
+          <a:p>
+            <a:pPr marL="800100" lvl="1" indent="-342900" algn="l">
+              <a:buFont typeface="Arial" panose="020B0604020202020204" pitchFamily="34" charset="0"/>
+              <a:buChar char="•"/>
+            </a:pPr>
+            <a:r>
+              <a:rPr lang="en-US" sz="1600" dirty="0" smtClean="0"/>
+              <a:t>Original algorithm would increase tile values for nearby tiles of same color and decrease tile values for tiles of adversary’s color</a:t>
+            </a:r>
+          </a:p>
+          <a:p>
+            <a:pPr marL="800100" lvl="1" indent="-342900" algn="l">
+              <a:buFont typeface="Arial" panose="020B0604020202020204" pitchFamily="34" charset="0"/>
+              <a:buChar char="•"/>
+            </a:pPr>
+            <a:r>
+              <a:rPr lang="en-US" sz="1600" dirty="0" smtClean="0"/>
+              <a:t>This led to occasional bad moves of the AI where it would place tiles very far from its own tiles and from the adversary’s tiles</a:t>
+            </a:r>
+          </a:p>
+          <a:p>
+            <a:pPr algn="l"/>
+            <a:r>
+              <a:rPr lang="en-US" sz="2000" dirty="0" smtClean="0"/>
+              <a:t>Revised Utility Function</a:t>
+            </a:r>
             <a:endParaRPr lang="en-US" sz="2000" dirty="0"/>
           </a:p>
           <a:p>
-            <a:pPr algn="l"/>
-            <a:endParaRPr lang="en-US" sz="2000" dirty="0" smtClean="0"/>
-          </a:p>
-          <a:p>
-            <a:pPr algn="l"/>
-            <a:endParaRPr lang="en-US" sz="2000" dirty="0"/>
-          </a:p>
-          <a:p>
-            <a:pPr algn="l"/>
-            <a:endParaRPr lang="en-US" sz="2000" dirty="0" smtClean="0"/>
-          </a:p>
-          <a:p>
-            <a:pPr algn="l"/>
-            <a:r>
-              <a:rPr lang="en-US" sz="2000" dirty="0" smtClean="0"/>
-              <a:t>*Less than 64 children will be expanded. </a:t>
-            </a:r>
-            <a:endParaRPr lang="en-US" sz="2000" dirty="0"/>
-          </a:p>
-        </p:txBody>
-      </p:sp>
-      <p:pic>
-        <p:nvPicPr>
-          <p:cNvPr id="4" name="Picture 3"/>
-          <p:cNvPicPr>
-            <a:picLocks noChangeAspect="1"/>
-          </p:cNvPicPr>
-          <p:nvPr/>
-        </p:nvPicPr>
-        <p:blipFill>
-          <a:blip r:embed="rId3">
-            <a:extLst>
-              <a:ext uri="{28A0092B-C50C-407E-A947-70E740481C1C}">
-                <a14:useLocalDpi xmlns:a14="http://schemas.microsoft.com/office/drawing/2010/main" val="0"/>
-              </a:ext>
-            </a:extLst>
-          </a:blip>
-          <a:stretch>
-            <a:fillRect/>
-          </a:stretch>
-        </p:blipFill>
-        <p:spPr>
-          <a:xfrm>
-            <a:off x="762000" y="1371600"/>
-            <a:ext cx="7696200" cy="1633001"/>
-          </a:xfrm>
-          <a:prstGeom prst="rect">
-            <a:avLst/>
-          </a:prstGeom>
-        </p:spPr>
-      </p:pic>
+            <a:pPr marL="800100" lvl="1" indent="-342900" algn="l">
+              <a:buFont typeface="Arial" panose="020B0604020202020204" pitchFamily="34" charset="0"/>
+              <a:buChar char="•"/>
+            </a:pPr>
+            <a:r>
+              <a:rPr lang="en-US" sz="1600" dirty="0"/>
+              <a:t>Algorithm was adjusted to base tile values only it’s own color. Each tile thus had two values, it’s worth to the AI and it’s worth to the </a:t>
+            </a:r>
+            <a:r>
+              <a:rPr lang="en-US" sz="1600" dirty="0" smtClean="0"/>
+              <a:t>adversary</a:t>
+            </a:r>
+          </a:p>
+          <a:p>
+            <a:pPr marL="800100" lvl="1" indent="-342900" algn="l">
+              <a:buFont typeface="Arial" panose="020B0604020202020204" pitchFamily="34" charset="0"/>
+              <a:buChar char="•"/>
+            </a:pPr>
+            <a:r>
+              <a:rPr lang="en-US" sz="1600" dirty="0" smtClean="0"/>
+              <a:t>The value of each state was recalculated to the be sum of all tiles’ worth to AI minus the sum of all tiles’ worth to the adversary</a:t>
+            </a:r>
+            <a:endParaRPr lang="en-US" sz="1600" dirty="0"/>
+          </a:p>
+          <a:p>
+            <a:pPr marL="800100" lvl="1" indent="-342900" algn="l">
+              <a:buFont typeface="Arial" panose="020B0604020202020204" pitchFamily="34" charset="0"/>
+              <a:buChar char="•"/>
+            </a:pPr>
+            <a:endParaRPr lang="en-US" sz="1600" dirty="0" smtClean="0"/>
+          </a:p>
+        </p:txBody>
+      </p:sp>
     </p:spTree>
     <p:extLst>
       <p:ext uri="{BB962C8B-B14F-4D97-AF65-F5344CB8AC3E}">
-        <p14:creationId xmlns:p14="http://schemas.microsoft.com/office/powerpoint/2010/main" val="211806076"/>
+        <p14:creationId xmlns:p14="http://schemas.microsoft.com/office/powerpoint/2010/main" val="3352461406"/>
       </p:ext>
     </p:extLst>
   </p:cSld>
@@ -4862,7 +4907,7 @@
           <a:p>
             <a:r>
               <a:rPr lang="en-US" dirty="0" smtClean="0"/>
-              <a:t>Improving Utility Function</a:t>
+              <a:t>Result of New Utility Function</a:t>
             </a:r>
             <a:endParaRPr lang="en-US" dirty="0"/>
           </a:p>
@@ -4881,7 +4926,7 @@
         <p:spPr>
           <a:xfrm>
             <a:off x="762000" y="1447800"/>
-            <a:ext cx="7543800" cy="4953000"/>
+            <a:ext cx="7543800" cy="4191000"/>
           </a:xfrm>
         </p:spPr>
         <p:txBody>
@@ -4896,14 +4941,7 @@
             </a:pPr>
             <a:r>
               <a:rPr lang="en-US" sz="2000" dirty="0" smtClean="0"/>
-              <a:t>We were able to improve the cost function after running several instances of our initial AI</a:t>
-            </a:r>
-          </a:p>
-          <a:p>
-            <a:pPr algn="l"/>
-            <a:r>
-              <a:rPr lang="en-US" sz="2000" dirty="0" smtClean="0"/>
-              <a:t>Tile location of the first move doesn’t matter too much</a:t>
+              <a:t>Before the algorithm wasn’t very good. </a:t>
             </a:r>
           </a:p>
           <a:p>
@@ -4913,7 +4951,15 @@
             </a:pPr>
             <a:r>
               <a:rPr lang="en-US" sz="1600" dirty="0" smtClean="0"/>
-              <a:t>We can save time by starting the algorithm with a low depth value</a:t>
+              <a:t>Values </a:t>
+            </a:r>
+            <a:r>
+              <a:rPr lang="en-US" sz="1600" smtClean="0"/>
+              <a:t>for some good </a:t>
+            </a:r>
+            <a:r>
+              <a:rPr lang="en-US" sz="1600" dirty="0" smtClean="0"/>
+              <a:t>moves and better moves were the same</a:t>
             </a:r>
           </a:p>
           <a:p>
@@ -4923,14 +4969,17 @@
             </a:pPr>
             <a:r>
               <a:rPr lang="en-US" sz="1600" dirty="0" smtClean="0"/>
-              <a:t>Depth will increase on successive moves through</a:t>
-            </a:r>
-          </a:p>
-          <a:p>
-            <a:pPr algn="l"/>
+              <a:t>Some bad moves looked more appealing than actual good moves</a:t>
+            </a:r>
+          </a:p>
+          <a:p>
+            <a:pPr marL="342900" indent="-342900" algn="l">
+              <a:buFont typeface="Arial" panose="020B0604020202020204" pitchFamily="34" charset="0"/>
+              <a:buChar char="•"/>
+            </a:pPr>
             <a:r>
               <a:rPr lang="en-US" sz="2000" dirty="0" smtClean="0"/>
-              <a:t>Tile values needed to be improved</a:t>
+              <a:t>Modified algorithm now has have higher values for better moves</a:t>
             </a:r>
           </a:p>
           <a:p>
@@ -4940,65 +4989,1582 @@
             </a:pPr>
             <a:r>
               <a:rPr lang="en-US" sz="1600" dirty="0" smtClean="0"/>
-              <a:t>Original algorithm would increase tile values for nearby tiles of same color and decrease tile values for tiles of adversary’s color</a:t>
-            </a:r>
-          </a:p>
-          <a:p>
-            <a:pPr marL="800100" lvl="1" indent="-342900" algn="l">
-              <a:buFont typeface="Arial" panose="020B0604020202020204" pitchFamily="34" charset="0"/>
-              <a:buChar char="•"/>
-            </a:pPr>
-            <a:r>
-              <a:rPr lang="en-US" sz="1600" dirty="0" smtClean="0"/>
-              <a:t>This led to occasional bad moves of the AI where it would place tiles very far from its own tiles and from the adversary’s tiles</a:t>
-            </a:r>
-          </a:p>
-          <a:p>
-            <a:pPr algn="l"/>
-            <a:r>
-              <a:rPr lang="en-US" sz="2000" dirty="0" smtClean="0"/>
-              <a:t>Revised Utility Function</a:t>
-            </a:r>
-            <a:endParaRPr lang="en-US" sz="2000" dirty="0"/>
-          </a:p>
-          <a:p>
-            <a:pPr marL="800100" lvl="1" indent="-342900" algn="l">
-              <a:buFont typeface="Arial" panose="020B0604020202020204" pitchFamily="34" charset="0"/>
-              <a:buChar char="•"/>
-            </a:pPr>
-            <a:r>
-              <a:rPr lang="en-US" sz="1600" dirty="0"/>
-              <a:t>Algorithm was adjusted to base tile values only it’s own color. Each tile thus had two values, it’s worth to the AI and it’s worth to the </a:t>
-            </a:r>
-            <a:r>
-              <a:rPr lang="en-US" sz="1600" dirty="0" smtClean="0"/>
-              <a:t>adversary</a:t>
-            </a:r>
-          </a:p>
-          <a:p>
-            <a:pPr marL="800100" lvl="1" indent="-342900" algn="l">
-              <a:buFont typeface="Arial" panose="020B0604020202020204" pitchFamily="34" charset="0"/>
-              <a:buChar char="•"/>
-            </a:pPr>
-            <a:r>
-              <a:rPr lang="en-US" sz="1600" dirty="0" smtClean="0"/>
-              <a:t>The value of each state was recalculated to the be sum of all tiles’ worth to AI minus the sum of all tiles’ worth to the adversary</a:t>
-            </a:r>
-            <a:endParaRPr lang="en-US" sz="1600" dirty="0"/>
-          </a:p>
-          <a:p>
-            <a:pPr marL="800100" lvl="1" indent="-342900" algn="l">
+              <a:t>A move that helped make a 4 in a row for the AI AND blocks the opponent now seems better than a move that only makes a 4 in a row</a:t>
+            </a:r>
+          </a:p>
+          <a:p>
+            <a:pPr marL="342900" indent="-342900" algn="l">
               <a:buFont typeface="Arial" panose="020B0604020202020204" pitchFamily="34" charset="0"/>
               <a:buChar char="•"/>
             </a:pPr>
             <a:endParaRPr lang="en-US" sz="1600" dirty="0" smtClean="0"/>
           </a:p>
-        </p:txBody>
-      </p:sp>
+          <a:p>
+            <a:pPr marL="342900" indent="-342900" algn="l">
+              <a:buFont typeface="Arial" panose="020B0604020202020204" pitchFamily="34" charset="0"/>
+              <a:buChar char="•"/>
+            </a:pPr>
+            <a:r>
+              <a:rPr lang="en-US" sz="1600" dirty="0" smtClean="0"/>
+              <a:t>Given</a:t>
+            </a:r>
+          </a:p>
+          <a:p>
+            <a:pPr marL="342900" indent="-342900" algn="l">
+              <a:buFont typeface="Arial" panose="020B0604020202020204" pitchFamily="34" charset="0"/>
+              <a:buChar char="•"/>
+            </a:pPr>
+            <a:endParaRPr lang="en-US" sz="1600" dirty="0"/>
+          </a:p>
+          <a:p>
+            <a:pPr marL="342900" indent="-342900" algn="l">
+              <a:buFont typeface="Arial" panose="020B0604020202020204" pitchFamily="34" charset="0"/>
+              <a:buChar char="•"/>
+            </a:pPr>
+            <a:endParaRPr lang="en-US" sz="1600" dirty="0" smtClean="0"/>
+          </a:p>
+          <a:p>
+            <a:pPr marL="342900" indent="-342900" algn="l">
+              <a:buFont typeface="Arial" panose="020B0604020202020204" pitchFamily="34" charset="0"/>
+              <a:buChar char="•"/>
+            </a:pPr>
+            <a:endParaRPr lang="en-US" sz="1600" dirty="0" smtClean="0"/>
+          </a:p>
+          <a:p>
+            <a:pPr marL="342900" indent="-342900" algn="l">
+              <a:buFont typeface="Arial" panose="020B0604020202020204" pitchFamily="34" charset="0"/>
+              <a:buChar char="•"/>
+            </a:pPr>
+            <a:r>
+              <a:rPr lang="en-US" sz="1600" dirty="0" smtClean="0"/>
+              <a:t>Better to do                  than  </a:t>
+            </a:r>
+            <a:endParaRPr lang="en-US" sz="1600" dirty="0"/>
+          </a:p>
+        </p:txBody>
+      </p:sp>
+      <p:graphicFrame>
+        <p:nvGraphicFramePr>
+          <p:cNvPr id="5" name="Table 4"/>
+          <p:cNvGraphicFramePr>
+            <a:graphicFrameLocks noGrp="1"/>
+          </p:cNvGraphicFramePr>
+          <p:nvPr>
+            <p:extLst>
+              <p:ext uri="{D42A27DB-BD31-4B8C-83A1-F6EECF244321}">
+                <p14:modId xmlns:p14="http://schemas.microsoft.com/office/powerpoint/2010/main" val="1320435111"/>
+              </p:ext>
+            </p:extLst>
+          </p:nvPr>
+        </p:nvGraphicFramePr>
+        <p:xfrm>
+          <a:off x="1752600" y="3733800"/>
+          <a:ext cx="584200" cy="952500"/>
+        </p:xfrm>
+        <a:graphic>
+          <a:graphicData uri="http://schemas.openxmlformats.org/drawingml/2006/table">
+            <a:tbl>
+              <a:tblPr>
+                <a:tableStyleId>{5C22544A-7EE6-4342-B048-85BDC9FD1C3A}</a:tableStyleId>
+              </a:tblPr>
+              <a:tblGrid>
+                <a:gridCol w="139700"/>
+                <a:gridCol w="139700"/>
+                <a:gridCol w="139700"/>
+                <a:gridCol w="165100"/>
+              </a:tblGrid>
+              <a:tr h="190500">
+                <a:tc>
+                  <a:txBody>
+                    <a:bodyPr/>
+                    <a:lstStyle/>
+                    <a:p>
+                      <a:pPr algn="l" fontAlgn="b"/>
+                      <a:r>
+                        <a:rPr lang="en-US" sz="1100" u="none" strike="noStrike" dirty="0">
+                          <a:effectLst/>
+                        </a:rPr>
+                        <a:t> </a:t>
+                      </a:r>
+                      <a:endParaRPr lang="en-US" sz="1100" b="0" i="0" u="none" strike="noStrike" dirty="0">
+                        <a:solidFill>
+                          <a:srgbClr val="000000"/>
+                        </a:solidFill>
+                        <a:effectLst/>
+                        <a:latin typeface="Calibri"/>
+                      </a:endParaRPr>
+                    </a:p>
+                  </a:txBody>
+                  <a:tcPr marL="9525" marR="9525" marT="9525" marB="0" anchor="b"/>
+                </a:tc>
+                <a:tc>
+                  <a:txBody>
+                    <a:bodyPr/>
+                    <a:lstStyle/>
+                    <a:p>
+                      <a:pPr algn="l" fontAlgn="b"/>
+                      <a:r>
+                        <a:rPr lang="en-US" sz="1100" u="none" strike="noStrike">
+                          <a:effectLst/>
+                        </a:rPr>
+                        <a:t> </a:t>
+                      </a:r>
+                      <a:endParaRPr lang="en-US" sz="1100" b="0" i="0" u="none" strike="noStrike">
+                        <a:solidFill>
+                          <a:srgbClr val="000000"/>
+                        </a:solidFill>
+                        <a:effectLst/>
+                        <a:latin typeface="Calibri"/>
+                      </a:endParaRPr>
+                    </a:p>
+                  </a:txBody>
+                  <a:tcPr marL="9525" marR="9525" marT="9525" marB="0" anchor="b"/>
+                </a:tc>
+                <a:tc>
+                  <a:txBody>
+                    <a:bodyPr/>
+                    <a:lstStyle/>
+                    <a:p>
+                      <a:pPr algn="l" fontAlgn="b"/>
+                      <a:r>
+                        <a:rPr lang="en-US" sz="1100" u="none" strike="noStrike">
+                          <a:effectLst/>
+                        </a:rPr>
+                        <a:t> </a:t>
+                      </a:r>
+                      <a:endParaRPr lang="en-US" sz="1100" b="0" i="0" u="none" strike="noStrike">
+                        <a:solidFill>
+                          <a:srgbClr val="000000"/>
+                        </a:solidFill>
+                        <a:effectLst/>
+                        <a:latin typeface="Calibri"/>
+                      </a:endParaRPr>
+                    </a:p>
+                  </a:txBody>
+                  <a:tcPr marL="9525" marR="9525" marT="9525" marB="0" anchor="b"/>
+                </a:tc>
+                <a:tc>
+                  <a:txBody>
+                    <a:bodyPr/>
+                    <a:lstStyle/>
+                    <a:p>
+                      <a:pPr algn="l" fontAlgn="b"/>
+                      <a:r>
+                        <a:rPr lang="en-US" sz="1100" u="none" strike="noStrike">
+                          <a:effectLst/>
+                        </a:rPr>
+                        <a:t> </a:t>
+                      </a:r>
+                      <a:endParaRPr lang="en-US" sz="1100" b="0" i="0" u="none" strike="noStrike">
+                        <a:solidFill>
+                          <a:srgbClr val="000000"/>
+                        </a:solidFill>
+                        <a:effectLst/>
+                        <a:latin typeface="Calibri"/>
+                      </a:endParaRPr>
+                    </a:p>
+                  </a:txBody>
+                  <a:tcPr marL="9525" marR="9525" marT="9525" marB="0" anchor="b"/>
+                </a:tc>
+              </a:tr>
+              <a:tr h="190500">
+                <a:tc>
+                  <a:txBody>
+                    <a:bodyPr/>
+                    <a:lstStyle/>
+                    <a:p>
+                      <a:pPr algn="l" fontAlgn="b"/>
+                      <a:r>
+                        <a:rPr lang="en-US" sz="1100" u="none" strike="noStrike">
+                          <a:effectLst/>
+                        </a:rPr>
+                        <a:t>x</a:t>
+                      </a:r>
+                      <a:endParaRPr lang="en-US" sz="1100" b="0" i="0" u="none" strike="noStrike">
+                        <a:solidFill>
+                          <a:srgbClr val="000000"/>
+                        </a:solidFill>
+                        <a:effectLst/>
+                        <a:latin typeface="Calibri"/>
+                      </a:endParaRPr>
+                    </a:p>
+                  </a:txBody>
+                  <a:tcPr marL="9525" marR="9525" marT="9525" marB="0" anchor="b"/>
+                </a:tc>
+                <a:tc>
+                  <a:txBody>
+                    <a:bodyPr/>
+                    <a:lstStyle/>
+                    <a:p>
+                      <a:pPr algn="l" fontAlgn="b"/>
+                      <a:r>
+                        <a:rPr lang="en-US" sz="1100" u="none" strike="noStrike">
+                          <a:effectLst/>
+                        </a:rPr>
+                        <a:t> </a:t>
+                      </a:r>
+                      <a:endParaRPr lang="en-US" sz="1100" b="0" i="0" u="none" strike="noStrike">
+                        <a:solidFill>
+                          <a:srgbClr val="000000"/>
+                        </a:solidFill>
+                        <a:effectLst/>
+                        <a:latin typeface="Calibri"/>
+                      </a:endParaRPr>
+                    </a:p>
+                  </a:txBody>
+                  <a:tcPr marL="9525" marR="9525" marT="9525" marB="0" anchor="b"/>
+                </a:tc>
+                <a:tc>
+                  <a:txBody>
+                    <a:bodyPr/>
+                    <a:lstStyle/>
+                    <a:p>
+                      <a:pPr algn="l" fontAlgn="b"/>
+                      <a:r>
+                        <a:rPr lang="en-US" sz="1100" u="none" strike="noStrike">
+                          <a:effectLst/>
+                        </a:rPr>
+                        <a:t> </a:t>
+                      </a:r>
+                      <a:endParaRPr lang="en-US" sz="1100" b="0" i="0" u="none" strike="noStrike">
+                        <a:solidFill>
+                          <a:srgbClr val="000000"/>
+                        </a:solidFill>
+                        <a:effectLst/>
+                        <a:latin typeface="Calibri"/>
+                      </a:endParaRPr>
+                    </a:p>
+                  </a:txBody>
+                  <a:tcPr marL="9525" marR="9525" marT="9525" marB="0" anchor="b"/>
+                </a:tc>
+                <a:tc>
+                  <a:txBody>
+                    <a:bodyPr/>
+                    <a:lstStyle/>
+                    <a:p>
+                      <a:pPr algn="l" fontAlgn="b"/>
+                      <a:r>
+                        <a:rPr lang="en-US" sz="1100" u="none" strike="noStrike">
+                          <a:effectLst/>
+                        </a:rPr>
+                        <a:t> </a:t>
+                      </a:r>
+                      <a:endParaRPr lang="en-US" sz="1100" b="0" i="0" u="none" strike="noStrike">
+                        <a:solidFill>
+                          <a:srgbClr val="000000"/>
+                        </a:solidFill>
+                        <a:effectLst/>
+                        <a:latin typeface="Calibri"/>
+                      </a:endParaRPr>
+                    </a:p>
+                  </a:txBody>
+                  <a:tcPr marL="9525" marR="9525" marT="9525" marB="0" anchor="b"/>
+                </a:tc>
+              </a:tr>
+              <a:tr h="190500">
+                <a:tc>
+                  <a:txBody>
+                    <a:bodyPr/>
+                    <a:lstStyle/>
+                    <a:p>
+                      <a:pPr algn="l" fontAlgn="b"/>
+                      <a:r>
+                        <a:rPr lang="en-US" sz="1100" u="none" strike="noStrike">
+                          <a:effectLst/>
+                        </a:rPr>
+                        <a:t>x</a:t>
+                      </a:r>
+                      <a:endParaRPr lang="en-US" sz="1100" b="0" i="0" u="none" strike="noStrike">
+                        <a:solidFill>
+                          <a:srgbClr val="000000"/>
+                        </a:solidFill>
+                        <a:effectLst/>
+                        <a:latin typeface="Calibri"/>
+                      </a:endParaRPr>
+                    </a:p>
+                  </a:txBody>
+                  <a:tcPr marL="9525" marR="9525" marT="9525" marB="0" anchor="b"/>
+                </a:tc>
+                <a:tc>
+                  <a:txBody>
+                    <a:bodyPr/>
+                    <a:lstStyle/>
+                    <a:p>
+                      <a:pPr algn="l" fontAlgn="b"/>
+                      <a:r>
+                        <a:rPr lang="en-US" sz="1100" u="none" strike="noStrike">
+                          <a:effectLst/>
+                        </a:rPr>
+                        <a:t> </a:t>
+                      </a:r>
+                      <a:endParaRPr lang="en-US" sz="1100" b="0" i="0" u="none" strike="noStrike">
+                        <a:solidFill>
+                          <a:srgbClr val="000000"/>
+                        </a:solidFill>
+                        <a:effectLst/>
+                        <a:latin typeface="Calibri"/>
+                      </a:endParaRPr>
+                    </a:p>
+                  </a:txBody>
+                  <a:tcPr marL="9525" marR="9525" marT="9525" marB="0" anchor="b"/>
+                </a:tc>
+                <a:tc>
+                  <a:txBody>
+                    <a:bodyPr/>
+                    <a:lstStyle/>
+                    <a:p>
+                      <a:pPr algn="l" fontAlgn="b"/>
+                      <a:r>
+                        <a:rPr lang="en-US" sz="1100" u="none" strike="noStrike">
+                          <a:effectLst/>
+                        </a:rPr>
+                        <a:t> </a:t>
+                      </a:r>
+                      <a:endParaRPr lang="en-US" sz="1100" b="0" i="0" u="none" strike="noStrike">
+                        <a:solidFill>
+                          <a:srgbClr val="000000"/>
+                        </a:solidFill>
+                        <a:effectLst/>
+                        <a:latin typeface="Calibri"/>
+                      </a:endParaRPr>
+                    </a:p>
+                  </a:txBody>
+                  <a:tcPr marL="9525" marR="9525" marT="9525" marB="0" anchor="b"/>
+                </a:tc>
+                <a:tc>
+                  <a:txBody>
+                    <a:bodyPr/>
+                    <a:lstStyle/>
+                    <a:p>
+                      <a:pPr algn="l" fontAlgn="b"/>
+                      <a:r>
+                        <a:rPr lang="en-US" sz="1100" u="none" strike="noStrike">
+                          <a:effectLst/>
+                        </a:rPr>
+                        <a:t> </a:t>
+                      </a:r>
+                      <a:endParaRPr lang="en-US" sz="1100" b="0" i="0" u="none" strike="noStrike">
+                        <a:solidFill>
+                          <a:srgbClr val="000000"/>
+                        </a:solidFill>
+                        <a:effectLst/>
+                        <a:latin typeface="Calibri"/>
+                      </a:endParaRPr>
+                    </a:p>
+                  </a:txBody>
+                  <a:tcPr marL="9525" marR="9525" marT="9525" marB="0" anchor="b"/>
+                </a:tc>
+              </a:tr>
+              <a:tr h="190500">
+                <a:tc>
+                  <a:txBody>
+                    <a:bodyPr/>
+                    <a:lstStyle/>
+                    <a:p>
+                      <a:pPr algn="l" fontAlgn="b"/>
+                      <a:r>
+                        <a:rPr lang="en-US" sz="1100" u="none" strike="noStrike">
+                          <a:effectLst/>
+                        </a:rPr>
+                        <a:t> </a:t>
+                      </a:r>
+                      <a:endParaRPr lang="en-US" sz="1100" b="0" i="0" u="none" strike="noStrike">
+                        <a:solidFill>
+                          <a:srgbClr val="000000"/>
+                        </a:solidFill>
+                        <a:effectLst/>
+                        <a:latin typeface="Calibri"/>
+                      </a:endParaRPr>
+                    </a:p>
+                  </a:txBody>
+                  <a:tcPr marL="9525" marR="9525" marT="9525" marB="0" anchor="b"/>
+                </a:tc>
+                <a:tc>
+                  <a:txBody>
+                    <a:bodyPr/>
+                    <a:lstStyle/>
+                    <a:p>
+                      <a:pPr algn="r" fontAlgn="b"/>
+                      <a:r>
+                        <a:rPr lang="en-US" sz="1100" u="none" strike="noStrike">
+                          <a:effectLst/>
+                        </a:rPr>
+                        <a:t>0</a:t>
+                      </a:r>
+                      <a:endParaRPr lang="en-US" sz="1100" b="0" i="0" u="none" strike="noStrike">
+                        <a:solidFill>
+                          <a:srgbClr val="000000"/>
+                        </a:solidFill>
+                        <a:effectLst/>
+                        <a:latin typeface="Calibri"/>
+                      </a:endParaRPr>
+                    </a:p>
+                  </a:txBody>
+                  <a:tcPr marL="9525" marR="9525" marT="9525" marB="0" anchor="b"/>
+                </a:tc>
+                <a:tc>
+                  <a:txBody>
+                    <a:bodyPr/>
+                    <a:lstStyle/>
+                    <a:p>
+                      <a:pPr algn="r" fontAlgn="b"/>
+                      <a:r>
+                        <a:rPr lang="en-US" sz="1100" u="none" strike="noStrike">
+                          <a:effectLst/>
+                        </a:rPr>
+                        <a:t>0</a:t>
+                      </a:r>
+                      <a:endParaRPr lang="en-US" sz="1100" b="0" i="0" u="none" strike="noStrike">
+                        <a:solidFill>
+                          <a:srgbClr val="000000"/>
+                        </a:solidFill>
+                        <a:effectLst/>
+                        <a:latin typeface="Calibri"/>
+                      </a:endParaRPr>
+                    </a:p>
+                  </a:txBody>
+                  <a:tcPr marL="9525" marR="9525" marT="9525" marB="0" anchor="b"/>
+                </a:tc>
+                <a:tc>
+                  <a:txBody>
+                    <a:bodyPr/>
+                    <a:lstStyle/>
+                    <a:p>
+                      <a:pPr algn="l" fontAlgn="b"/>
+                      <a:r>
+                        <a:rPr lang="en-US" sz="1100" u="none" strike="noStrike">
+                          <a:effectLst/>
+                        </a:rPr>
+                        <a:t> </a:t>
+                      </a:r>
+                      <a:endParaRPr lang="en-US" sz="1100" b="0" i="0" u="none" strike="noStrike">
+                        <a:solidFill>
+                          <a:srgbClr val="000000"/>
+                        </a:solidFill>
+                        <a:effectLst/>
+                        <a:latin typeface="Calibri"/>
+                      </a:endParaRPr>
+                    </a:p>
+                  </a:txBody>
+                  <a:tcPr marL="9525" marR="9525" marT="9525" marB="0" anchor="b"/>
+                </a:tc>
+              </a:tr>
+              <a:tr h="190500">
+                <a:tc>
+                  <a:txBody>
+                    <a:bodyPr/>
+                    <a:lstStyle/>
+                    <a:p>
+                      <a:pPr algn="l" fontAlgn="b"/>
+                      <a:r>
+                        <a:rPr lang="en-US" sz="1100" u="none" strike="noStrike">
+                          <a:effectLst/>
+                        </a:rPr>
+                        <a:t> </a:t>
+                      </a:r>
+                      <a:endParaRPr lang="en-US" sz="1100" b="0" i="0" u="none" strike="noStrike">
+                        <a:solidFill>
+                          <a:srgbClr val="000000"/>
+                        </a:solidFill>
+                        <a:effectLst/>
+                        <a:latin typeface="Calibri"/>
+                      </a:endParaRPr>
+                    </a:p>
+                  </a:txBody>
+                  <a:tcPr marL="9525" marR="9525" marT="9525" marB="0" anchor="b"/>
+                </a:tc>
+                <a:tc>
+                  <a:txBody>
+                    <a:bodyPr/>
+                    <a:lstStyle/>
+                    <a:p>
+                      <a:pPr algn="l" fontAlgn="b"/>
+                      <a:r>
+                        <a:rPr lang="en-US" sz="1100" u="none" strike="noStrike">
+                          <a:effectLst/>
+                        </a:rPr>
+                        <a:t> </a:t>
+                      </a:r>
+                      <a:endParaRPr lang="en-US" sz="1100" b="0" i="0" u="none" strike="noStrike">
+                        <a:solidFill>
+                          <a:srgbClr val="000000"/>
+                        </a:solidFill>
+                        <a:effectLst/>
+                        <a:latin typeface="Calibri"/>
+                      </a:endParaRPr>
+                    </a:p>
+                  </a:txBody>
+                  <a:tcPr marL="9525" marR="9525" marT="9525" marB="0" anchor="b"/>
+                </a:tc>
+                <a:tc>
+                  <a:txBody>
+                    <a:bodyPr/>
+                    <a:lstStyle/>
+                    <a:p>
+                      <a:pPr algn="l" fontAlgn="b"/>
+                      <a:r>
+                        <a:rPr lang="en-US" sz="1100" u="none" strike="noStrike">
+                          <a:effectLst/>
+                        </a:rPr>
+                        <a:t> </a:t>
+                      </a:r>
+                      <a:endParaRPr lang="en-US" sz="1100" b="0" i="0" u="none" strike="noStrike">
+                        <a:solidFill>
+                          <a:srgbClr val="000000"/>
+                        </a:solidFill>
+                        <a:effectLst/>
+                        <a:latin typeface="Calibri"/>
+                      </a:endParaRPr>
+                    </a:p>
+                  </a:txBody>
+                  <a:tcPr marL="9525" marR="9525" marT="9525" marB="0" anchor="b"/>
+                </a:tc>
+                <a:tc>
+                  <a:txBody>
+                    <a:bodyPr/>
+                    <a:lstStyle/>
+                    <a:p>
+                      <a:pPr algn="l" fontAlgn="b"/>
+                      <a:r>
+                        <a:rPr lang="en-US" sz="1100" u="none" strike="noStrike" dirty="0">
+                          <a:effectLst/>
+                        </a:rPr>
+                        <a:t> </a:t>
+                      </a:r>
+                      <a:endParaRPr lang="en-US" sz="1100" b="0" i="0" u="none" strike="noStrike" dirty="0">
+                        <a:solidFill>
+                          <a:srgbClr val="000000"/>
+                        </a:solidFill>
+                        <a:effectLst/>
+                        <a:latin typeface="Calibri"/>
+                      </a:endParaRPr>
+                    </a:p>
+                  </a:txBody>
+                  <a:tcPr marL="9525" marR="9525" marT="9525" marB="0" anchor="b"/>
+                </a:tc>
+              </a:tr>
+            </a:tbl>
+          </a:graphicData>
+        </a:graphic>
+      </p:graphicFrame>
+      <p:graphicFrame>
+        <p:nvGraphicFramePr>
+          <p:cNvPr id="6" name="Table 5"/>
+          <p:cNvGraphicFramePr>
+            <a:graphicFrameLocks noGrp="1"/>
+          </p:cNvGraphicFramePr>
+          <p:nvPr>
+            <p:extLst>
+              <p:ext uri="{D42A27DB-BD31-4B8C-83A1-F6EECF244321}">
+                <p14:modId xmlns:p14="http://schemas.microsoft.com/office/powerpoint/2010/main" val="2459973037"/>
+              </p:ext>
+            </p:extLst>
+          </p:nvPr>
+        </p:nvGraphicFramePr>
+        <p:xfrm>
+          <a:off x="3581400" y="4572000"/>
+          <a:ext cx="584200" cy="952500"/>
+        </p:xfrm>
+        <a:graphic>
+          <a:graphicData uri="http://schemas.openxmlformats.org/drawingml/2006/table">
+            <a:tbl>
+              <a:tblPr>
+                <a:tableStyleId>{5C22544A-7EE6-4342-B048-85BDC9FD1C3A}</a:tableStyleId>
+              </a:tblPr>
+              <a:tblGrid>
+                <a:gridCol w="139700"/>
+                <a:gridCol w="139700"/>
+                <a:gridCol w="139700"/>
+                <a:gridCol w="165100"/>
+              </a:tblGrid>
+              <a:tr h="190500">
+                <a:tc>
+                  <a:txBody>
+                    <a:bodyPr/>
+                    <a:lstStyle/>
+                    <a:p>
+                      <a:pPr algn="l" fontAlgn="b"/>
+                      <a:r>
+                        <a:rPr lang="en-US" sz="1100" u="none" strike="noStrike" dirty="0">
+                          <a:solidFill>
+                            <a:srgbClr val="FF0000"/>
+                          </a:solidFill>
+                          <a:effectLst/>
+                        </a:rPr>
+                        <a:t>x</a:t>
+                      </a:r>
+                      <a:endParaRPr lang="en-US" sz="1100" b="0" i="0" u="none" strike="noStrike" dirty="0">
+                        <a:solidFill>
+                          <a:srgbClr val="FF0000"/>
+                        </a:solidFill>
+                        <a:effectLst/>
+                        <a:latin typeface="Calibri"/>
+                      </a:endParaRPr>
+                    </a:p>
+                  </a:txBody>
+                  <a:tcPr marL="9525" marR="9525" marT="9525" marB="0" anchor="b"/>
+                </a:tc>
+                <a:tc>
+                  <a:txBody>
+                    <a:bodyPr/>
+                    <a:lstStyle/>
+                    <a:p>
+                      <a:pPr algn="l" fontAlgn="b"/>
+                      <a:r>
+                        <a:rPr lang="en-US" sz="1100" u="none" strike="noStrike">
+                          <a:effectLst/>
+                        </a:rPr>
+                        <a:t> </a:t>
+                      </a:r>
+                      <a:endParaRPr lang="en-US" sz="1100" b="0" i="0" u="none" strike="noStrike">
+                        <a:solidFill>
+                          <a:srgbClr val="000000"/>
+                        </a:solidFill>
+                        <a:effectLst/>
+                        <a:latin typeface="Calibri"/>
+                      </a:endParaRPr>
+                    </a:p>
+                  </a:txBody>
+                  <a:tcPr marL="9525" marR="9525" marT="9525" marB="0" anchor="b"/>
+                </a:tc>
+                <a:tc>
+                  <a:txBody>
+                    <a:bodyPr/>
+                    <a:lstStyle/>
+                    <a:p>
+                      <a:pPr algn="l" fontAlgn="b"/>
+                      <a:r>
+                        <a:rPr lang="en-US" sz="1100" u="none" strike="noStrike">
+                          <a:effectLst/>
+                        </a:rPr>
+                        <a:t> </a:t>
+                      </a:r>
+                      <a:endParaRPr lang="en-US" sz="1100" b="0" i="0" u="none" strike="noStrike">
+                        <a:solidFill>
+                          <a:srgbClr val="000000"/>
+                        </a:solidFill>
+                        <a:effectLst/>
+                        <a:latin typeface="Calibri"/>
+                      </a:endParaRPr>
+                    </a:p>
+                  </a:txBody>
+                  <a:tcPr marL="9525" marR="9525" marT="9525" marB="0" anchor="b"/>
+                </a:tc>
+                <a:tc>
+                  <a:txBody>
+                    <a:bodyPr/>
+                    <a:lstStyle/>
+                    <a:p>
+                      <a:pPr algn="l" fontAlgn="b"/>
+                      <a:r>
+                        <a:rPr lang="en-US" sz="1100" u="none" strike="noStrike">
+                          <a:effectLst/>
+                        </a:rPr>
+                        <a:t> </a:t>
+                      </a:r>
+                      <a:endParaRPr lang="en-US" sz="1100" b="0" i="0" u="none" strike="noStrike">
+                        <a:solidFill>
+                          <a:srgbClr val="000000"/>
+                        </a:solidFill>
+                        <a:effectLst/>
+                        <a:latin typeface="Calibri"/>
+                      </a:endParaRPr>
+                    </a:p>
+                  </a:txBody>
+                  <a:tcPr marL="9525" marR="9525" marT="9525" marB="0" anchor="b"/>
+                </a:tc>
+              </a:tr>
+              <a:tr h="190500">
+                <a:tc>
+                  <a:txBody>
+                    <a:bodyPr/>
+                    <a:lstStyle/>
+                    <a:p>
+                      <a:pPr algn="l" fontAlgn="b"/>
+                      <a:r>
+                        <a:rPr lang="en-US" sz="1100" u="none" strike="noStrike">
+                          <a:effectLst/>
+                        </a:rPr>
+                        <a:t>x</a:t>
+                      </a:r>
+                      <a:endParaRPr lang="en-US" sz="1100" b="0" i="0" u="none" strike="noStrike">
+                        <a:solidFill>
+                          <a:srgbClr val="000000"/>
+                        </a:solidFill>
+                        <a:effectLst/>
+                        <a:latin typeface="Calibri"/>
+                      </a:endParaRPr>
+                    </a:p>
+                  </a:txBody>
+                  <a:tcPr marL="9525" marR="9525" marT="9525" marB="0" anchor="b"/>
+                </a:tc>
+                <a:tc>
+                  <a:txBody>
+                    <a:bodyPr/>
+                    <a:lstStyle/>
+                    <a:p>
+                      <a:pPr algn="l" fontAlgn="b"/>
+                      <a:r>
+                        <a:rPr lang="en-US" sz="1100" u="none" strike="noStrike">
+                          <a:effectLst/>
+                        </a:rPr>
+                        <a:t> </a:t>
+                      </a:r>
+                      <a:endParaRPr lang="en-US" sz="1100" b="0" i="0" u="none" strike="noStrike">
+                        <a:solidFill>
+                          <a:srgbClr val="000000"/>
+                        </a:solidFill>
+                        <a:effectLst/>
+                        <a:latin typeface="Calibri"/>
+                      </a:endParaRPr>
+                    </a:p>
+                  </a:txBody>
+                  <a:tcPr marL="9525" marR="9525" marT="9525" marB="0" anchor="b"/>
+                </a:tc>
+                <a:tc>
+                  <a:txBody>
+                    <a:bodyPr/>
+                    <a:lstStyle/>
+                    <a:p>
+                      <a:pPr algn="l" fontAlgn="b"/>
+                      <a:r>
+                        <a:rPr lang="en-US" sz="1100" u="none" strike="noStrike" dirty="0">
+                          <a:effectLst/>
+                        </a:rPr>
+                        <a:t> </a:t>
+                      </a:r>
+                      <a:endParaRPr lang="en-US" sz="1100" b="0" i="0" u="none" strike="noStrike" dirty="0">
+                        <a:solidFill>
+                          <a:srgbClr val="000000"/>
+                        </a:solidFill>
+                        <a:effectLst/>
+                        <a:latin typeface="Calibri"/>
+                      </a:endParaRPr>
+                    </a:p>
+                  </a:txBody>
+                  <a:tcPr marL="9525" marR="9525" marT="9525" marB="0" anchor="b"/>
+                </a:tc>
+                <a:tc>
+                  <a:txBody>
+                    <a:bodyPr/>
+                    <a:lstStyle/>
+                    <a:p>
+                      <a:pPr algn="l" fontAlgn="b"/>
+                      <a:r>
+                        <a:rPr lang="en-US" sz="1100" u="none" strike="noStrike">
+                          <a:effectLst/>
+                        </a:rPr>
+                        <a:t> </a:t>
+                      </a:r>
+                      <a:endParaRPr lang="en-US" sz="1100" b="0" i="0" u="none" strike="noStrike">
+                        <a:solidFill>
+                          <a:srgbClr val="000000"/>
+                        </a:solidFill>
+                        <a:effectLst/>
+                        <a:latin typeface="Calibri"/>
+                      </a:endParaRPr>
+                    </a:p>
+                  </a:txBody>
+                  <a:tcPr marL="9525" marR="9525" marT="9525" marB="0" anchor="b"/>
+                </a:tc>
+              </a:tr>
+              <a:tr h="190500">
+                <a:tc>
+                  <a:txBody>
+                    <a:bodyPr/>
+                    <a:lstStyle/>
+                    <a:p>
+                      <a:pPr algn="l" fontAlgn="b"/>
+                      <a:r>
+                        <a:rPr lang="en-US" sz="1100" u="none" strike="noStrike">
+                          <a:effectLst/>
+                        </a:rPr>
+                        <a:t>x</a:t>
+                      </a:r>
+                      <a:endParaRPr lang="en-US" sz="1100" b="0" i="0" u="none" strike="noStrike">
+                        <a:solidFill>
+                          <a:srgbClr val="000000"/>
+                        </a:solidFill>
+                        <a:effectLst/>
+                        <a:latin typeface="Calibri"/>
+                      </a:endParaRPr>
+                    </a:p>
+                  </a:txBody>
+                  <a:tcPr marL="9525" marR="9525" marT="9525" marB="0" anchor="b"/>
+                </a:tc>
+                <a:tc>
+                  <a:txBody>
+                    <a:bodyPr/>
+                    <a:lstStyle/>
+                    <a:p>
+                      <a:pPr algn="l" fontAlgn="b"/>
+                      <a:r>
+                        <a:rPr lang="en-US" sz="1100" u="none" strike="noStrike">
+                          <a:effectLst/>
+                        </a:rPr>
+                        <a:t> </a:t>
+                      </a:r>
+                      <a:endParaRPr lang="en-US" sz="1100" b="0" i="0" u="none" strike="noStrike">
+                        <a:solidFill>
+                          <a:srgbClr val="000000"/>
+                        </a:solidFill>
+                        <a:effectLst/>
+                        <a:latin typeface="Calibri"/>
+                      </a:endParaRPr>
+                    </a:p>
+                  </a:txBody>
+                  <a:tcPr marL="9525" marR="9525" marT="9525" marB="0" anchor="b"/>
+                </a:tc>
+                <a:tc>
+                  <a:txBody>
+                    <a:bodyPr/>
+                    <a:lstStyle/>
+                    <a:p>
+                      <a:pPr algn="l" fontAlgn="b"/>
+                      <a:r>
+                        <a:rPr lang="en-US" sz="1100" u="none" strike="noStrike">
+                          <a:effectLst/>
+                        </a:rPr>
+                        <a:t> </a:t>
+                      </a:r>
+                      <a:endParaRPr lang="en-US" sz="1100" b="0" i="0" u="none" strike="noStrike">
+                        <a:solidFill>
+                          <a:srgbClr val="000000"/>
+                        </a:solidFill>
+                        <a:effectLst/>
+                        <a:latin typeface="Calibri"/>
+                      </a:endParaRPr>
+                    </a:p>
+                  </a:txBody>
+                  <a:tcPr marL="9525" marR="9525" marT="9525" marB="0" anchor="b"/>
+                </a:tc>
+                <a:tc>
+                  <a:txBody>
+                    <a:bodyPr/>
+                    <a:lstStyle/>
+                    <a:p>
+                      <a:pPr algn="l" fontAlgn="b"/>
+                      <a:r>
+                        <a:rPr lang="en-US" sz="1100" u="none" strike="noStrike">
+                          <a:effectLst/>
+                        </a:rPr>
+                        <a:t> </a:t>
+                      </a:r>
+                      <a:endParaRPr lang="en-US" sz="1100" b="0" i="0" u="none" strike="noStrike">
+                        <a:solidFill>
+                          <a:srgbClr val="000000"/>
+                        </a:solidFill>
+                        <a:effectLst/>
+                        <a:latin typeface="Calibri"/>
+                      </a:endParaRPr>
+                    </a:p>
+                  </a:txBody>
+                  <a:tcPr marL="9525" marR="9525" marT="9525" marB="0" anchor="b"/>
+                </a:tc>
+              </a:tr>
+              <a:tr h="190500">
+                <a:tc>
+                  <a:txBody>
+                    <a:bodyPr/>
+                    <a:lstStyle/>
+                    <a:p>
+                      <a:pPr algn="l" fontAlgn="b"/>
+                      <a:r>
+                        <a:rPr lang="en-US" sz="1100" u="none" strike="noStrike">
+                          <a:effectLst/>
+                        </a:rPr>
+                        <a:t> </a:t>
+                      </a:r>
+                      <a:endParaRPr lang="en-US" sz="1100" b="0" i="0" u="none" strike="noStrike">
+                        <a:solidFill>
+                          <a:srgbClr val="000000"/>
+                        </a:solidFill>
+                        <a:effectLst/>
+                        <a:latin typeface="Calibri"/>
+                      </a:endParaRPr>
+                    </a:p>
+                  </a:txBody>
+                  <a:tcPr marL="9525" marR="9525" marT="9525" marB="0" anchor="b"/>
+                </a:tc>
+                <a:tc>
+                  <a:txBody>
+                    <a:bodyPr/>
+                    <a:lstStyle/>
+                    <a:p>
+                      <a:pPr algn="r" fontAlgn="b"/>
+                      <a:r>
+                        <a:rPr lang="en-US" sz="1100" u="none" strike="noStrike">
+                          <a:effectLst/>
+                        </a:rPr>
+                        <a:t>0</a:t>
+                      </a:r>
+                      <a:endParaRPr lang="en-US" sz="1100" b="0" i="0" u="none" strike="noStrike">
+                        <a:solidFill>
+                          <a:srgbClr val="000000"/>
+                        </a:solidFill>
+                        <a:effectLst/>
+                        <a:latin typeface="Calibri"/>
+                      </a:endParaRPr>
+                    </a:p>
+                  </a:txBody>
+                  <a:tcPr marL="9525" marR="9525" marT="9525" marB="0" anchor="b"/>
+                </a:tc>
+                <a:tc>
+                  <a:txBody>
+                    <a:bodyPr/>
+                    <a:lstStyle/>
+                    <a:p>
+                      <a:pPr algn="r" fontAlgn="b"/>
+                      <a:r>
+                        <a:rPr lang="en-US" sz="1100" u="none" strike="noStrike">
+                          <a:effectLst/>
+                        </a:rPr>
+                        <a:t>0</a:t>
+                      </a:r>
+                      <a:endParaRPr lang="en-US" sz="1100" b="0" i="0" u="none" strike="noStrike">
+                        <a:solidFill>
+                          <a:srgbClr val="000000"/>
+                        </a:solidFill>
+                        <a:effectLst/>
+                        <a:latin typeface="Calibri"/>
+                      </a:endParaRPr>
+                    </a:p>
+                  </a:txBody>
+                  <a:tcPr marL="9525" marR="9525" marT="9525" marB="0" anchor="b"/>
+                </a:tc>
+                <a:tc>
+                  <a:txBody>
+                    <a:bodyPr/>
+                    <a:lstStyle/>
+                    <a:p>
+                      <a:pPr algn="l" fontAlgn="b"/>
+                      <a:r>
+                        <a:rPr lang="en-US" sz="1100" u="none" strike="noStrike">
+                          <a:effectLst/>
+                        </a:rPr>
+                        <a:t> </a:t>
+                      </a:r>
+                      <a:endParaRPr lang="en-US" sz="1100" b="0" i="0" u="none" strike="noStrike">
+                        <a:solidFill>
+                          <a:srgbClr val="000000"/>
+                        </a:solidFill>
+                        <a:effectLst/>
+                        <a:latin typeface="Calibri"/>
+                      </a:endParaRPr>
+                    </a:p>
+                  </a:txBody>
+                  <a:tcPr marL="9525" marR="9525" marT="9525" marB="0" anchor="b"/>
+                </a:tc>
+              </a:tr>
+              <a:tr h="190500">
+                <a:tc>
+                  <a:txBody>
+                    <a:bodyPr/>
+                    <a:lstStyle/>
+                    <a:p>
+                      <a:pPr algn="l" fontAlgn="b"/>
+                      <a:r>
+                        <a:rPr lang="en-US" sz="1100" u="none" strike="noStrike">
+                          <a:effectLst/>
+                        </a:rPr>
+                        <a:t> </a:t>
+                      </a:r>
+                      <a:endParaRPr lang="en-US" sz="1100" b="0" i="0" u="none" strike="noStrike">
+                        <a:solidFill>
+                          <a:srgbClr val="000000"/>
+                        </a:solidFill>
+                        <a:effectLst/>
+                        <a:latin typeface="Calibri"/>
+                      </a:endParaRPr>
+                    </a:p>
+                  </a:txBody>
+                  <a:tcPr marL="9525" marR="9525" marT="9525" marB="0" anchor="b"/>
+                </a:tc>
+                <a:tc>
+                  <a:txBody>
+                    <a:bodyPr/>
+                    <a:lstStyle/>
+                    <a:p>
+                      <a:pPr algn="l" fontAlgn="b"/>
+                      <a:r>
+                        <a:rPr lang="en-US" sz="1100" u="none" strike="noStrike">
+                          <a:effectLst/>
+                        </a:rPr>
+                        <a:t> </a:t>
+                      </a:r>
+                      <a:endParaRPr lang="en-US" sz="1100" b="0" i="0" u="none" strike="noStrike">
+                        <a:solidFill>
+                          <a:srgbClr val="000000"/>
+                        </a:solidFill>
+                        <a:effectLst/>
+                        <a:latin typeface="Calibri"/>
+                      </a:endParaRPr>
+                    </a:p>
+                  </a:txBody>
+                  <a:tcPr marL="9525" marR="9525" marT="9525" marB="0" anchor="b"/>
+                </a:tc>
+                <a:tc>
+                  <a:txBody>
+                    <a:bodyPr/>
+                    <a:lstStyle/>
+                    <a:p>
+                      <a:pPr algn="l" fontAlgn="b"/>
+                      <a:r>
+                        <a:rPr lang="en-US" sz="1100" u="none" strike="noStrike">
+                          <a:effectLst/>
+                        </a:rPr>
+                        <a:t> </a:t>
+                      </a:r>
+                      <a:endParaRPr lang="en-US" sz="1100" b="0" i="0" u="none" strike="noStrike">
+                        <a:solidFill>
+                          <a:srgbClr val="000000"/>
+                        </a:solidFill>
+                        <a:effectLst/>
+                        <a:latin typeface="Calibri"/>
+                      </a:endParaRPr>
+                    </a:p>
+                  </a:txBody>
+                  <a:tcPr marL="9525" marR="9525" marT="9525" marB="0" anchor="b"/>
+                </a:tc>
+                <a:tc>
+                  <a:txBody>
+                    <a:bodyPr/>
+                    <a:lstStyle/>
+                    <a:p>
+                      <a:pPr algn="l" fontAlgn="b"/>
+                      <a:r>
+                        <a:rPr lang="en-US" sz="1100" u="none" strike="noStrike" dirty="0">
+                          <a:effectLst/>
+                        </a:rPr>
+                        <a:t> </a:t>
+                      </a:r>
+                      <a:endParaRPr lang="en-US" sz="1100" b="0" i="0" u="none" strike="noStrike" dirty="0">
+                        <a:solidFill>
+                          <a:srgbClr val="000000"/>
+                        </a:solidFill>
+                        <a:effectLst/>
+                        <a:latin typeface="Calibri"/>
+                      </a:endParaRPr>
+                    </a:p>
+                  </a:txBody>
+                  <a:tcPr marL="9525" marR="9525" marT="9525" marB="0" anchor="b"/>
+                </a:tc>
+              </a:tr>
+            </a:tbl>
+          </a:graphicData>
+        </a:graphic>
+      </p:graphicFrame>
+      <p:graphicFrame>
+        <p:nvGraphicFramePr>
+          <p:cNvPr id="7" name="Table 6"/>
+          <p:cNvGraphicFramePr>
+            <a:graphicFrameLocks noGrp="1"/>
+          </p:cNvGraphicFramePr>
+          <p:nvPr>
+            <p:extLst>
+              <p:ext uri="{D42A27DB-BD31-4B8C-83A1-F6EECF244321}">
+                <p14:modId xmlns:p14="http://schemas.microsoft.com/office/powerpoint/2010/main" val="4222905517"/>
+              </p:ext>
+            </p:extLst>
+          </p:nvPr>
+        </p:nvGraphicFramePr>
+        <p:xfrm>
+          <a:off x="2362200" y="4572000"/>
+          <a:ext cx="584200" cy="952500"/>
+        </p:xfrm>
+        <a:graphic>
+          <a:graphicData uri="http://schemas.openxmlformats.org/drawingml/2006/table">
+            <a:tbl>
+              <a:tblPr>
+                <a:tableStyleId>{5C22544A-7EE6-4342-B048-85BDC9FD1C3A}</a:tableStyleId>
+              </a:tblPr>
+              <a:tblGrid>
+                <a:gridCol w="139700"/>
+                <a:gridCol w="139700"/>
+                <a:gridCol w="139700"/>
+                <a:gridCol w="165100"/>
+              </a:tblGrid>
+              <a:tr h="190500">
+                <a:tc>
+                  <a:txBody>
+                    <a:bodyPr/>
+                    <a:lstStyle/>
+                    <a:p>
+                      <a:pPr algn="l" fontAlgn="b"/>
+                      <a:r>
+                        <a:rPr lang="en-US" sz="1100" u="none" strike="noStrike" dirty="0">
+                          <a:effectLst/>
+                        </a:rPr>
+                        <a:t> </a:t>
+                      </a:r>
+                      <a:endParaRPr lang="en-US" sz="1100" b="0" i="0" u="none" strike="noStrike" dirty="0">
+                        <a:solidFill>
+                          <a:srgbClr val="000000"/>
+                        </a:solidFill>
+                        <a:effectLst/>
+                        <a:latin typeface="Calibri"/>
+                      </a:endParaRPr>
+                    </a:p>
+                  </a:txBody>
+                  <a:tcPr marL="9525" marR="9525" marT="9525" marB="0" anchor="b"/>
+                </a:tc>
+                <a:tc>
+                  <a:txBody>
+                    <a:bodyPr/>
+                    <a:lstStyle/>
+                    <a:p>
+                      <a:pPr algn="l" fontAlgn="b"/>
+                      <a:r>
+                        <a:rPr lang="en-US" sz="1100" u="none" strike="noStrike">
+                          <a:effectLst/>
+                        </a:rPr>
+                        <a:t> </a:t>
+                      </a:r>
+                      <a:endParaRPr lang="en-US" sz="1100" b="0" i="0" u="none" strike="noStrike">
+                        <a:solidFill>
+                          <a:srgbClr val="000000"/>
+                        </a:solidFill>
+                        <a:effectLst/>
+                        <a:latin typeface="Calibri"/>
+                      </a:endParaRPr>
+                    </a:p>
+                  </a:txBody>
+                  <a:tcPr marL="9525" marR="9525" marT="9525" marB="0" anchor="b"/>
+                </a:tc>
+                <a:tc>
+                  <a:txBody>
+                    <a:bodyPr/>
+                    <a:lstStyle/>
+                    <a:p>
+                      <a:pPr algn="l" fontAlgn="b"/>
+                      <a:r>
+                        <a:rPr lang="en-US" sz="1100" u="none" strike="noStrike">
+                          <a:effectLst/>
+                        </a:rPr>
+                        <a:t> </a:t>
+                      </a:r>
+                      <a:endParaRPr lang="en-US" sz="1100" b="0" i="0" u="none" strike="noStrike">
+                        <a:solidFill>
+                          <a:srgbClr val="000000"/>
+                        </a:solidFill>
+                        <a:effectLst/>
+                        <a:latin typeface="Calibri"/>
+                      </a:endParaRPr>
+                    </a:p>
+                  </a:txBody>
+                  <a:tcPr marL="9525" marR="9525" marT="9525" marB="0" anchor="b"/>
+                </a:tc>
+                <a:tc>
+                  <a:txBody>
+                    <a:bodyPr/>
+                    <a:lstStyle/>
+                    <a:p>
+                      <a:pPr algn="l" fontAlgn="b"/>
+                      <a:r>
+                        <a:rPr lang="en-US" sz="1100" u="none" strike="noStrike" dirty="0">
+                          <a:effectLst/>
+                        </a:rPr>
+                        <a:t> </a:t>
+                      </a:r>
+                      <a:endParaRPr lang="en-US" sz="1100" b="0" i="0" u="none" strike="noStrike" dirty="0">
+                        <a:solidFill>
+                          <a:srgbClr val="000000"/>
+                        </a:solidFill>
+                        <a:effectLst/>
+                        <a:latin typeface="Calibri"/>
+                      </a:endParaRPr>
+                    </a:p>
+                  </a:txBody>
+                  <a:tcPr marL="9525" marR="9525" marT="9525" marB="0" anchor="b"/>
+                </a:tc>
+              </a:tr>
+              <a:tr h="190500">
+                <a:tc>
+                  <a:txBody>
+                    <a:bodyPr/>
+                    <a:lstStyle/>
+                    <a:p>
+                      <a:pPr algn="l" fontAlgn="b"/>
+                      <a:r>
+                        <a:rPr lang="en-US" sz="1100" u="none" strike="noStrike">
+                          <a:effectLst/>
+                        </a:rPr>
+                        <a:t>x</a:t>
+                      </a:r>
+                      <a:endParaRPr lang="en-US" sz="1100" b="0" i="0" u="none" strike="noStrike">
+                        <a:solidFill>
+                          <a:srgbClr val="000000"/>
+                        </a:solidFill>
+                        <a:effectLst/>
+                        <a:latin typeface="Calibri"/>
+                      </a:endParaRPr>
+                    </a:p>
+                  </a:txBody>
+                  <a:tcPr marL="9525" marR="9525" marT="9525" marB="0" anchor="b"/>
+                </a:tc>
+                <a:tc>
+                  <a:txBody>
+                    <a:bodyPr/>
+                    <a:lstStyle/>
+                    <a:p>
+                      <a:pPr algn="l" fontAlgn="b"/>
+                      <a:r>
+                        <a:rPr lang="en-US" sz="1100" u="none" strike="noStrike">
+                          <a:effectLst/>
+                        </a:rPr>
+                        <a:t> </a:t>
+                      </a:r>
+                      <a:endParaRPr lang="en-US" sz="1100" b="0" i="0" u="none" strike="noStrike">
+                        <a:solidFill>
+                          <a:srgbClr val="000000"/>
+                        </a:solidFill>
+                        <a:effectLst/>
+                        <a:latin typeface="Calibri"/>
+                      </a:endParaRPr>
+                    </a:p>
+                  </a:txBody>
+                  <a:tcPr marL="9525" marR="9525" marT="9525" marB="0" anchor="b"/>
+                </a:tc>
+                <a:tc>
+                  <a:txBody>
+                    <a:bodyPr/>
+                    <a:lstStyle/>
+                    <a:p>
+                      <a:pPr algn="l" fontAlgn="b"/>
+                      <a:r>
+                        <a:rPr lang="en-US" sz="1100" u="none" strike="noStrike">
+                          <a:effectLst/>
+                        </a:rPr>
+                        <a:t> </a:t>
+                      </a:r>
+                      <a:endParaRPr lang="en-US" sz="1100" b="0" i="0" u="none" strike="noStrike">
+                        <a:solidFill>
+                          <a:srgbClr val="000000"/>
+                        </a:solidFill>
+                        <a:effectLst/>
+                        <a:latin typeface="Calibri"/>
+                      </a:endParaRPr>
+                    </a:p>
+                  </a:txBody>
+                  <a:tcPr marL="9525" marR="9525" marT="9525" marB="0" anchor="b"/>
+                </a:tc>
+                <a:tc>
+                  <a:txBody>
+                    <a:bodyPr/>
+                    <a:lstStyle/>
+                    <a:p>
+                      <a:pPr algn="l" fontAlgn="b"/>
+                      <a:r>
+                        <a:rPr lang="en-US" sz="1100" u="none" strike="noStrike">
+                          <a:effectLst/>
+                        </a:rPr>
+                        <a:t> </a:t>
+                      </a:r>
+                      <a:endParaRPr lang="en-US" sz="1100" b="0" i="0" u="none" strike="noStrike">
+                        <a:solidFill>
+                          <a:srgbClr val="000000"/>
+                        </a:solidFill>
+                        <a:effectLst/>
+                        <a:latin typeface="Calibri"/>
+                      </a:endParaRPr>
+                    </a:p>
+                  </a:txBody>
+                  <a:tcPr marL="9525" marR="9525" marT="9525" marB="0" anchor="b"/>
+                </a:tc>
+              </a:tr>
+              <a:tr h="190500">
+                <a:tc>
+                  <a:txBody>
+                    <a:bodyPr/>
+                    <a:lstStyle/>
+                    <a:p>
+                      <a:pPr algn="l" fontAlgn="b"/>
+                      <a:r>
+                        <a:rPr lang="en-US" sz="1100" u="none" strike="noStrike">
+                          <a:effectLst/>
+                        </a:rPr>
+                        <a:t>x</a:t>
+                      </a:r>
+                      <a:endParaRPr lang="en-US" sz="1100" b="0" i="0" u="none" strike="noStrike">
+                        <a:solidFill>
+                          <a:srgbClr val="000000"/>
+                        </a:solidFill>
+                        <a:effectLst/>
+                        <a:latin typeface="Calibri"/>
+                      </a:endParaRPr>
+                    </a:p>
+                  </a:txBody>
+                  <a:tcPr marL="9525" marR="9525" marT="9525" marB="0" anchor="b"/>
+                </a:tc>
+                <a:tc>
+                  <a:txBody>
+                    <a:bodyPr/>
+                    <a:lstStyle/>
+                    <a:p>
+                      <a:pPr algn="l" fontAlgn="b"/>
+                      <a:r>
+                        <a:rPr lang="en-US" sz="1100" u="none" strike="noStrike">
+                          <a:effectLst/>
+                        </a:rPr>
+                        <a:t> </a:t>
+                      </a:r>
+                      <a:endParaRPr lang="en-US" sz="1100" b="0" i="0" u="none" strike="noStrike">
+                        <a:solidFill>
+                          <a:srgbClr val="000000"/>
+                        </a:solidFill>
+                        <a:effectLst/>
+                        <a:latin typeface="Calibri"/>
+                      </a:endParaRPr>
+                    </a:p>
+                  </a:txBody>
+                  <a:tcPr marL="9525" marR="9525" marT="9525" marB="0" anchor="b"/>
+                </a:tc>
+                <a:tc>
+                  <a:txBody>
+                    <a:bodyPr/>
+                    <a:lstStyle/>
+                    <a:p>
+                      <a:pPr algn="l" fontAlgn="b"/>
+                      <a:r>
+                        <a:rPr lang="en-US" sz="1100" u="none" strike="noStrike">
+                          <a:effectLst/>
+                        </a:rPr>
+                        <a:t> </a:t>
+                      </a:r>
+                      <a:endParaRPr lang="en-US" sz="1100" b="0" i="0" u="none" strike="noStrike">
+                        <a:solidFill>
+                          <a:srgbClr val="000000"/>
+                        </a:solidFill>
+                        <a:effectLst/>
+                        <a:latin typeface="Calibri"/>
+                      </a:endParaRPr>
+                    </a:p>
+                  </a:txBody>
+                  <a:tcPr marL="9525" marR="9525" marT="9525" marB="0" anchor="b"/>
+                </a:tc>
+                <a:tc>
+                  <a:txBody>
+                    <a:bodyPr/>
+                    <a:lstStyle/>
+                    <a:p>
+                      <a:pPr algn="l" fontAlgn="b"/>
+                      <a:r>
+                        <a:rPr lang="en-US" sz="1100" u="none" strike="noStrike">
+                          <a:effectLst/>
+                        </a:rPr>
+                        <a:t> </a:t>
+                      </a:r>
+                      <a:endParaRPr lang="en-US" sz="1100" b="0" i="0" u="none" strike="noStrike">
+                        <a:solidFill>
+                          <a:srgbClr val="000000"/>
+                        </a:solidFill>
+                        <a:effectLst/>
+                        <a:latin typeface="Calibri"/>
+                      </a:endParaRPr>
+                    </a:p>
+                  </a:txBody>
+                  <a:tcPr marL="9525" marR="9525" marT="9525" marB="0" anchor="b"/>
+                </a:tc>
+              </a:tr>
+              <a:tr h="190500">
+                <a:tc>
+                  <a:txBody>
+                    <a:bodyPr/>
+                    <a:lstStyle/>
+                    <a:p>
+                      <a:pPr algn="l" fontAlgn="b"/>
+                      <a:r>
+                        <a:rPr lang="en-US" sz="1100" u="none" strike="noStrike" dirty="0">
+                          <a:solidFill>
+                            <a:srgbClr val="FF0000"/>
+                          </a:solidFill>
+                          <a:effectLst/>
+                        </a:rPr>
+                        <a:t>x</a:t>
+                      </a:r>
+                      <a:endParaRPr lang="en-US" sz="1100" b="0" i="0" u="none" strike="noStrike" dirty="0">
+                        <a:solidFill>
+                          <a:srgbClr val="FF0000"/>
+                        </a:solidFill>
+                        <a:effectLst/>
+                        <a:latin typeface="Calibri"/>
+                      </a:endParaRPr>
+                    </a:p>
+                  </a:txBody>
+                  <a:tcPr marL="9525" marR="9525" marT="9525" marB="0" anchor="b"/>
+                </a:tc>
+                <a:tc>
+                  <a:txBody>
+                    <a:bodyPr/>
+                    <a:lstStyle/>
+                    <a:p>
+                      <a:pPr algn="r" fontAlgn="b"/>
+                      <a:r>
+                        <a:rPr lang="en-US" sz="1100" u="none" strike="noStrike">
+                          <a:effectLst/>
+                        </a:rPr>
+                        <a:t>0</a:t>
+                      </a:r>
+                      <a:endParaRPr lang="en-US" sz="1100" b="0" i="0" u="none" strike="noStrike">
+                        <a:solidFill>
+                          <a:srgbClr val="000000"/>
+                        </a:solidFill>
+                        <a:effectLst/>
+                        <a:latin typeface="Calibri"/>
+                      </a:endParaRPr>
+                    </a:p>
+                  </a:txBody>
+                  <a:tcPr marL="9525" marR="9525" marT="9525" marB="0" anchor="b"/>
+                </a:tc>
+                <a:tc>
+                  <a:txBody>
+                    <a:bodyPr/>
+                    <a:lstStyle/>
+                    <a:p>
+                      <a:pPr algn="r" fontAlgn="b"/>
+                      <a:r>
+                        <a:rPr lang="en-US" sz="1100" u="none" strike="noStrike">
+                          <a:effectLst/>
+                        </a:rPr>
+                        <a:t>0</a:t>
+                      </a:r>
+                      <a:endParaRPr lang="en-US" sz="1100" b="0" i="0" u="none" strike="noStrike">
+                        <a:solidFill>
+                          <a:srgbClr val="000000"/>
+                        </a:solidFill>
+                        <a:effectLst/>
+                        <a:latin typeface="Calibri"/>
+                      </a:endParaRPr>
+                    </a:p>
+                  </a:txBody>
+                  <a:tcPr marL="9525" marR="9525" marT="9525" marB="0" anchor="b"/>
+                </a:tc>
+                <a:tc>
+                  <a:txBody>
+                    <a:bodyPr/>
+                    <a:lstStyle/>
+                    <a:p>
+                      <a:pPr algn="l" fontAlgn="b"/>
+                      <a:r>
+                        <a:rPr lang="en-US" sz="1100" u="none" strike="noStrike">
+                          <a:effectLst/>
+                        </a:rPr>
+                        <a:t> </a:t>
+                      </a:r>
+                      <a:endParaRPr lang="en-US" sz="1100" b="0" i="0" u="none" strike="noStrike">
+                        <a:solidFill>
+                          <a:srgbClr val="000000"/>
+                        </a:solidFill>
+                        <a:effectLst/>
+                        <a:latin typeface="Calibri"/>
+                      </a:endParaRPr>
+                    </a:p>
+                  </a:txBody>
+                  <a:tcPr marL="9525" marR="9525" marT="9525" marB="0" anchor="b"/>
+                </a:tc>
+              </a:tr>
+              <a:tr h="190500">
+                <a:tc>
+                  <a:txBody>
+                    <a:bodyPr/>
+                    <a:lstStyle/>
+                    <a:p>
+                      <a:pPr algn="l" fontAlgn="b"/>
+                      <a:r>
+                        <a:rPr lang="en-US" sz="1100" u="none" strike="noStrike">
+                          <a:effectLst/>
+                        </a:rPr>
+                        <a:t> </a:t>
+                      </a:r>
+                      <a:endParaRPr lang="en-US" sz="1100" b="0" i="0" u="none" strike="noStrike">
+                        <a:solidFill>
+                          <a:srgbClr val="000000"/>
+                        </a:solidFill>
+                        <a:effectLst/>
+                        <a:latin typeface="Calibri"/>
+                      </a:endParaRPr>
+                    </a:p>
+                  </a:txBody>
+                  <a:tcPr marL="9525" marR="9525" marT="9525" marB="0" anchor="b"/>
+                </a:tc>
+                <a:tc>
+                  <a:txBody>
+                    <a:bodyPr/>
+                    <a:lstStyle/>
+                    <a:p>
+                      <a:pPr algn="l" fontAlgn="b"/>
+                      <a:r>
+                        <a:rPr lang="en-US" sz="1100" u="none" strike="noStrike">
+                          <a:effectLst/>
+                        </a:rPr>
+                        <a:t> </a:t>
+                      </a:r>
+                      <a:endParaRPr lang="en-US" sz="1100" b="0" i="0" u="none" strike="noStrike">
+                        <a:solidFill>
+                          <a:srgbClr val="000000"/>
+                        </a:solidFill>
+                        <a:effectLst/>
+                        <a:latin typeface="Calibri"/>
+                      </a:endParaRPr>
+                    </a:p>
+                  </a:txBody>
+                  <a:tcPr marL="9525" marR="9525" marT="9525" marB="0" anchor="b"/>
+                </a:tc>
+                <a:tc>
+                  <a:txBody>
+                    <a:bodyPr/>
+                    <a:lstStyle/>
+                    <a:p>
+                      <a:pPr algn="l" fontAlgn="b"/>
+                      <a:r>
+                        <a:rPr lang="en-US" sz="1100" u="none" strike="noStrike">
+                          <a:effectLst/>
+                        </a:rPr>
+                        <a:t> </a:t>
+                      </a:r>
+                      <a:endParaRPr lang="en-US" sz="1100" b="0" i="0" u="none" strike="noStrike">
+                        <a:solidFill>
+                          <a:srgbClr val="000000"/>
+                        </a:solidFill>
+                        <a:effectLst/>
+                        <a:latin typeface="Calibri"/>
+                      </a:endParaRPr>
+                    </a:p>
+                  </a:txBody>
+                  <a:tcPr marL="9525" marR="9525" marT="9525" marB="0" anchor="b"/>
+                </a:tc>
+                <a:tc>
+                  <a:txBody>
+                    <a:bodyPr/>
+                    <a:lstStyle/>
+                    <a:p>
+                      <a:pPr algn="l" fontAlgn="b"/>
+                      <a:r>
+                        <a:rPr lang="en-US" sz="1100" u="none" strike="noStrike" dirty="0">
+                          <a:effectLst/>
+                        </a:rPr>
+                        <a:t> </a:t>
+                      </a:r>
+                      <a:endParaRPr lang="en-US" sz="1100" b="0" i="0" u="none" strike="noStrike" dirty="0">
+                        <a:solidFill>
+                          <a:srgbClr val="000000"/>
+                        </a:solidFill>
+                        <a:effectLst/>
+                        <a:latin typeface="Calibri"/>
+                      </a:endParaRPr>
+                    </a:p>
+                  </a:txBody>
+                  <a:tcPr marL="9525" marR="9525" marT="9525" marB="0" anchor="b"/>
+                </a:tc>
+              </a:tr>
+            </a:tbl>
+          </a:graphicData>
+        </a:graphic>
+      </p:graphicFrame>
     </p:spTree>
     <p:extLst>
       <p:ext uri="{BB962C8B-B14F-4D97-AF65-F5344CB8AC3E}">
-        <p14:creationId xmlns:p14="http://schemas.microsoft.com/office/powerpoint/2010/main" val="3352461406"/>
+        <p14:creationId xmlns:p14="http://schemas.microsoft.com/office/powerpoint/2010/main" val="1291735940"/>
       </p:ext>
     </p:extLst>
   </p:cSld>
@@ -5047,7 +6613,7 @@
           <a:p>
             <a:r>
               <a:rPr lang="en-US" dirty="0" smtClean="0"/>
-              <a:t>Result of New Utility Function</a:t>
+              <a:t>Win Rate</a:t>
             </a:r>
             <a:endParaRPr lang="en-US" dirty="0"/>
           </a:p>
@@ -5071,9 +6637,16 @@
         </p:spPr>
         <p:txBody>
           <a:bodyPr>
-            <a:normAutofit/>
+            <a:normAutofit fontScale="85000" lnSpcReduction="20000"/>
           </a:bodyPr>
           <a:lstStyle/>
+          <a:p>
+            <a:pPr algn="l"/>
+            <a:r>
+              <a:rPr lang="en-US" sz="2000" dirty="0" smtClean="0"/>
+              <a:t>Compared to Bad AI</a:t>
+            </a:r>
+          </a:p>
           <a:p>
             <a:pPr marL="342900" indent="-342900" algn="l">
               <a:buFont typeface="Arial" panose="020B0604020202020204" pitchFamily="34" charset="0"/>
@@ -5081,7 +6654,17 @@
             </a:pPr>
             <a:r>
               <a:rPr lang="en-US" sz="2000" dirty="0" smtClean="0"/>
-              <a:t>Before the algorithm wasn’t very good. </a:t>
+              <a:t>Algorithm will always win against very bad AI, such as Random AI</a:t>
+            </a:r>
+          </a:p>
+          <a:p>
+            <a:pPr marL="342900" indent="-342900" algn="l">
+              <a:buFont typeface="Arial" panose="020B0604020202020204" pitchFamily="34" charset="0"/>
+              <a:buChar char="•"/>
+            </a:pPr>
+            <a:r>
+              <a:rPr lang="en-US" sz="2000" dirty="0" smtClean="0"/>
+              <a:t>It will also usually win against AI using only depth of 0</a:t>
             </a:r>
           </a:p>
           <a:p>
@@ -5091,15 +6674,7 @@
             </a:pPr>
             <a:r>
               <a:rPr lang="en-US" sz="1600" dirty="0" smtClean="0"/>
-              <a:t>Values </a:t>
-            </a:r>
-            <a:r>
-              <a:rPr lang="en-US" sz="1600" smtClean="0"/>
-              <a:t>for some good </a:t>
-            </a:r>
-            <a:r>
-              <a:rPr lang="en-US" sz="1600" dirty="0" smtClean="0"/>
-              <a:t>moves and better moves were the same</a:t>
+              <a:t>Depth 0 AI will not expand moves, but just find max of tile values</a:t>
             </a:r>
           </a:p>
           <a:p>
@@ -5109,7 +6684,14 @@
             </a:pPr>
             <a:r>
               <a:rPr lang="en-US" sz="1600" dirty="0" smtClean="0"/>
-              <a:t>Some bad moves looked more appealing than actual good moves</a:t>
+              <a:t>Algorithm sometimes lost if the first move was bad. We gave algorithm a low starting depth value and it would occasionally pick a bad first move</a:t>
+            </a:r>
+          </a:p>
+          <a:p>
+            <a:pPr algn="l"/>
+            <a:r>
+              <a:rPr lang="en-US" sz="2000" dirty="0" smtClean="0"/>
+              <a:t>Compared to Decent AI</a:t>
             </a:r>
           </a:p>
           <a:p>
@@ -5119,7 +6701,7 @@
             </a:pPr>
             <a:r>
               <a:rPr lang="en-US" sz="2000" dirty="0" smtClean="0"/>
-              <a:t>Modified algorithm now has have higher values for better moves</a:t>
+              <a:t>Against our original AI with the original utility function, the algorithm was very good</a:t>
             </a:r>
           </a:p>
           <a:p>
@@ -5129,7 +6711,14 @@
             </a:pPr>
             <a:r>
               <a:rPr lang="en-US" sz="1600" dirty="0" smtClean="0"/>
-              <a:t>A move that helped make a 4 in a row for the AI AND blocks the opponent now seems better than a move that only makes a 4 in a row</a:t>
+              <a:t>This was because the original AI would make occasional very bad moves</a:t>
+            </a:r>
+          </a:p>
+          <a:p>
+            <a:pPr algn="l"/>
+            <a:r>
+              <a:rPr lang="en-US" sz="2000" dirty="0" smtClean="0"/>
+              <a:t>Compared to Players</a:t>
             </a:r>
           </a:p>
           <a:p>
@@ -5137,7 +6726,10 @@
               <a:buFont typeface="Arial" panose="020B0604020202020204" pitchFamily="34" charset="0"/>
               <a:buChar char="•"/>
             </a:pPr>
-            <a:endParaRPr lang="en-US" sz="1600" dirty="0" smtClean="0"/>
+            <a:r>
+              <a:rPr lang="en-US" sz="2000" dirty="0" smtClean="0"/>
+              <a:t>Compared to players, the algorithm would win sometimes</a:t>
+            </a:r>
           </a:p>
           <a:p>
             <a:pPr marL="342900" indent="-342900" algn="l">
@@ -5145,8 +6737,18 @@
               <a:buChar char="•"/>
             </a:pPr>
             <a:r>
+              <a:rPr lang="en-US" sz="2000" dirty="0" smtClean="0"/>
+              <a:t>It was very good at making plans that led to it’s own victory</a:t>
+            </a:r>
+          </a:p>
+          <a:p>
+            <a:pPr marL="800100" lvl="1" indent="-342900" algn="l">
+              <a:buFont typeface="Arial" panose="020B0604020202020204" pitchFamily="34" charset="0"/>
+              <a:buChar char="•"/>
+            </a:pPr>
+            <a:r>
               <a:rPr lang="en-US" sz="1600" dirty="0" smtClean="0"/>
-              <a:t>Given</a:t>
+              <a:t>Moves that allowed multiple possible winning moves</a:t>
             </a:r>
           </a:p>
           <a:p>
@@ -5154,1557 +6756,38 @@
               <a:buFont typeface="Arial" panose="020B0604020202020204" pitchFamily="34" charset="0"/>
               <a:buChar char="•"/>
             </a:pPr>
-            <a:endParaRPr lang="en-US" sz="1600" dirty="0"/>
-          </a:p>
-          <a:p>
-            <a:pPr marL="342900" indent="-342900" algn="l">
+            <a:r>
+              <a:rPr lang="en-US" sz="2000" dirty="0" smtClean="0"/>
+              <a:t>However it was bad at stopping Player’s strategy of making good plans</a:t>
+            </a:r>
+          </a:p>
+          <a:p>
+            <a:pPr marL="800100" lvl="1" indent="-342900" algn="l">
               <a:buFont typeface="Arial" panose="020B0604020202020204" pitchFamily="34" charset="0"/>
               <a:buChar char="•"/>
             </a:pPr>
-            <a:endParaRPr lang="en-US" sz="1600" dirty="0" smtClean="0"/>
-          </a:p>
-          <a:p>
-            <a:pPr marL="342900" indent="-342900" algn="l">
+            <a:r>
+              <a:rPr lang="en-US" sz="1600" dirty="0" smtClean="0"/>
+              <a:t>It can be easy to beat if the player went first</a:t>
+            </a:r>
+          </a:p>
+          <a:p>
+            <a:pPr marL="800100" lvl="1" indent="-342900" algn="l">
               <a:buFont typeface="Arial" panose="020B0604020202020204" pitchFamily="34" charset="0"/>
               <a:buChar char="•"/>
             </a:pPr>
-            <a:endParaRPr lang="en-US" sz="1600" dirty="0" smtClean="0"/>
-          </a:p>
-          <a:p>
-            <a:pPr marL="342900" indent="-342900" algn="l">
-              <a:buFont typeface="Arial" panose="020B0604020202020204" pitchFamily="34" charset="0"/>
-              <a:buChar char="•"/>
-            </a:pPr>
             <a:r>
               <a:rPr lang="en-US" sz="1600" dirty="0" smtClean="0"/>
-              <a:t>Better to do                  than  </a:t>
+              <a:t>AI did not make good blocking moves that could stop players early on</a:t>
             </a:r>
             <a:endParaRPr lang="en-US" sz="1600" dirty="0"/>
           </a:p>
         </p:txBody>
       </p:sp>
-      <p:graphicFrame>
-        <p:nvGraphicFramePr>
-          <p:cNvPr id="5" name="Table 4"/>
-          <p:cNvGraphicFramePr>
-            <a:graphicFrameLocks noGrp="1"/>
-          </p:cNvGraphicFramePr>
-          <p:nvPr>
-            <p:extLst>
-              <p:ext uri="{D42A27DB-BD31-4B8C-83A1-F6EECF244321}">
-                <p14:modId xmlns:p14="http://schemas.microsoft.com/office/powerpoint/2010/main" val="1320435111"/>
-              </p:ext>
-            </p:extLst>
-          </p:nvPr>
-        </p:nvGraphicFramePr>
-        <p:xfrm>
-          <a:off x="1752600" y="3733800"/>
-          <a:ext cx="584200" cy="952500"/>
-        </p:xfrm>
-        <a:graphic>
-          <a:graphicData uri="http://schemas.openxmlformats.org/drawingml/2006/table">
-            <a:tbl>
-              <a:tblPr>
-                <a:tableStyleId>{5C22544A-7EE6-4342-B048-85BDC9FD1C3A}</a:tableStyleId>
-              </a:tblPr>
-              <a:tblGrid>
-                <a:gridCol w="139700"/>
-                <a:gridCol w="139700"/>
-                <a:gridCol w="139700"/>
-                <a:gridCol w="165100"/>
-              </a:tblGrid>
-              <a:tr h="190500">
-                <a:tc>
-                  <a:txBody>
-                    <a:bodyPr/>
-                    <a:lstStyle/>
-                    <a:p>
-                      <a:pPr algn="l" fontAlgn="b"/>
-                      <a:r>
-                        <a:rPr lang="en-US" sz="1100" u="none" strike="noStrike" dirty="0">
-                          <a:effectLst/>
-                        </a:rPr>
-                        <a:t> </a:t>
-                      </a:r>
-                      <a:endParaRPr lang="en-US" sz="1100" b="0" i="0" u="none" strike="noStrike" dirty="0">
-                        <a:solidFill>
-                          <a:srgbClr val="000000"/>
-                        </a:solidFill>
-                        <a:effectLst/>
-                        <a:latin typeface="Calibri"/>
-                      </a:endParaRPr>
-                    </a:p>
-                  </a:txBody>
-                  <a:tcPr marL="9525" marR="9525" marT="9525" marB="0" anchor="b"/>
-                </a:tc>
-                <a:tc>
-                  <a:txBody>
-                    <a:bodyPr/>
-                    <a:lstStyle/>
-                    <a:p>
-                      <a:pPr algn="l" fontAlgn="b"/>
-                      <a:r>
-                        <a:rPr lang="en-US" sz="1100" u="none" strike="noStrike">
-                          <a:effectLst/>
-                        </a:rPr>
-                        <a:t> </a:t>
-                      </a:r>
-                      <a:endParaRPr lang="en-US" sz="1100" b="0" i="0" u="none" strike="noStrike">
-                        <a:solidFill>
-                          <a:srgbClr val="000000"/>
-                        </a:solidFill>
-                        <a:effectLst/>
-                        <a:latin typeface="Calibri"/>
-                      </a:endParaRPr>
-                    </a:p>
-                  </a:txBody>
-                  <a:tcPr marL="9525" marR="9525" marT="9525" marB="0" anchor="b"/>
-                </a:tc>
-                <a:tc>
-                  <a:txBody>
-                    <a:bodyPr/>
-                    <a:lstStyle/>
-                    <a:p>
-                      <a:pPr algn="l" fontAlgn="b"/>
-                      <a:r>
-                        <a:rPr lang="en-US" sz="1100" u="none" strike="noStrike">
-                          <a:effectLst/>
-                        </a:rPr>
-                        <a:t> </a:t>
-                      </a:r>
-                      <a:endParaRPr lang="en-US" sz="1100" b="0" i="0" u="none" strike="noStrike">
-                        <a:solidFill>
-                          <a:srgbClr val="000000"/>
-                        </a:solidFill>
-                        <a:effectLst/>
-                        <a:latin typeface="Calibri"/>
-                      </a:endParaRPr>
-                    </a:p>
-                  </a:txBody>
-                  <a:tcPr marL="9525" marR="9525" marT="9525" marB="0" anchor="b"/>
-                </a:tc>
-                <a:tc>
-                  <a:txBody>
-                    <a:bodyPr/>
-                    <a:lstStyle/>
-                    <a:p>
-                      <a:pPr algn="l" fontAlgn="b"/>
-                      <a:r>
-                        <a:rPr lang="en-US" sz="1100" u="none" strike="noStrike">
-                          <a:effectLst/>
-                        </a:rPr>
-                        <a:t> </a:t>
-                      </a:r>
-                      <a:endParaRPr lang="en-US" sz="1100" b="0" i="0" u="none" strike="noStrike">
-                        <a:solidFill>
-                          <a:srgbClr val="000000"/>
-                        </a:solidFill>
-                        <a:effectLst/>
-                        <a:latin typeface="Calibri"/>
-                      </a:endParaRPr>
-                    </a:p>
-                  </a:txBody>
-                  <a:tcPr marL="9525" marR="9525" marT="9525" marB="0" anchor="b"/>
-                </a:tc>
-              </a:tr>
-              <a:tr h="190500">
-                <a:tc>
-                  <a:txBody>
-                    <a:bodyPr/>
-                    <a:lstStyle/>
-                    <a:p>
-                      <a:pPr algn="l" fontAlgn="b"/>
-                      <a:r>
-                        <a:rPr lang="en-US" sz="1100" u="none" strike="noStrike">
-                          <a:effectLst/>
-                        </a:rPr>
-                        <a:t>x</a:t>
-                      </a:r>
-                      <a:endParaRPr lang="en-US" sz="1100" b="0" i="0" u="none" strike="noStrike">
-                        <a:solidFill>
-                          <a:srgbClr val="000000"/>
-                        </a:solidFill>
-                        <a:effectLst/>
-                        <a:latin typeface="Calibri"/>
-                      </a:endParaRPr>
-                    </a:p>
-                  </a:txBody>
-                  <a:tcPr marL="9525" marR="9525" marT="9525" marB="0" anchor="b"/>
-                </a:tc>
-                <a:tc>
-                  <a:txBody>
-                    <a:bodyPr/>
-                    <a:lstStyle/>
-                    <a:p>
-                      <a:pPr algn="l" fontAlgn="b"/>
-                      <a:r>
-                        <a:rPr lang="en-US" sz="1100" u="none" strike="noStrike">
-                          <a:effectLst/>
-                        </a:rPr>
-                        <a:t> </a:t>
-                      </a:r>
-                      <a:endParaRPr lang="en-US" sz="1100" b="0" i="0" u="none" strike="noStrike">
-                        <a:solidFill>
-                          <a:srgbClr val="000000"/>
-                        </a:solidFill>
-                        <a:effectLst/>
-                        <a:latin typeface="Calibri"/>
-                      </a:endParaRPr>
-                    </a:p>
-                  </a:txBody>
-                  <a:tcPr marL="9525" marR="9525" marT="9525" marB="0" anchor="b"/>
-                </a:tc>
-                <a:tc>
-                  <a:txBody>
-                    <a:bodyPr/>
-                    <a:lstStyle/>
-                    <a:p>
-                      <a:pPr algn="l" fontAlgn="b"/>
-                      <a:r>
-                        <a:rPr lang="en-US" sz="1100" u="none" strike="noStrike">
-                          <a:effectLst/>
-                        </a:rPr>
-                        <a:t> </a:t>
-                      </a:r>
-                      <a:endParaRPr lang="en-US" sz="1100" b="0" i="0" u="none" strike="noStrike">
-                        <a:solidFill>
-                          <a:srgbClr val="000000"/>
-                        </a:solidFill>
-                        <a:effectLst/>
-                        <a:latin typeface="Calibri"/>
-                      </a:endParaRPr>
-                    </a:p>
-                  </a:txBody>
-                  <a:tcPr marL="9525" marR="9525" marT="9525" marB="0" anchor="b"/>
-                </a:tc>
-                <a:tc>
-                  <a:txBody>
-                    <a:bodyPr/>
-                    <a:lstStyle/>
-                    <a:p>
-                      <a:pPr algn="l" fontAlgn="b"/>
-                      <a:r>
-                        <a:rPr lang="en-US" sz="1100" u="none" strike="noStrike">
-                          <a:effectLst/>
-                        </a:rPr>
-                        <a:t> </a:t>
-                      </a:r>
-                      <a:endParaRPr lang="en-US" sz="1100" b="0" i="0" u="none" strike="noStrike">
-                        <a:solidFill>
-                          <a:srgbClr val="000000"/>
-                        </a:solidFill>
-                        <a:effectLst/>
-                        <a:latin typeface="Calibri"/>
-                      </a:endParaRPr>
-                    </a:p>
-                  </a:txBody>
-                  <a:tcPr marL="9525" marR="9525" marT="9525" marB="0" anchor="b"/>
-                </a:tc>
-              </a:tr>
-              <a:tr h="190500">
-                <a:tc>
-                  <a:txBody>
-                    <a:bodyPr/>
-                    <a:lstStyle/>
-                    <a:p>
-                      <a:pPr algn="l" fontAlgn="b"/>
-                      <a:r>
-                        <a:rPr lang="en-US" sz="1100" u="none" strike="noStrike">
-                          <a:effectLst/>
-                        </a:rPr>
-                        <a:t>x</a:t>
-                      </a:r>
-                      <a:endParaRPr lang="en-US" sz="1100" b="0" i="0" u="none" strike="noStrike">
-                        <a:solidFill>
-                          <a:srgbClr val="000000"/>
-                        </a:solidFill>
-                        <a:effectLst/>
-                        <a:latin typeface="Calibri"/>
-                      </a:endParaRPr>
-                    </a:p>
-                  </a:txBody>
-                  <a:tcPr marL="9525" marR="9525" marT="9525" marB="0" anchor="b"/>
-                </a:tc>
-                <a:tc>
-                  <a:txBody>
-                    <a:bodyPr/>
-                    <a:lstStyle/>
-                    <a:p>
-                      <a:pPr algn="l" fontAlgn="b"/>
-                      <a:r>
-                        <a:rPr lang="en-US" sz="1100" u="none" strike="noStrike">
-                          <a:effectLst/>
-                        </a:rPr>
-                        <a:t> </a:t>
-                      </a:r>
-                      <a:endParaRPr lang="en-US" sz="1100" b="0" i="0" u="none" strike="noStrike">
-                        <a:solidFill>
-                          <a:srgbClr val="000000"/>
-                        </a:solidFill>
-                        <a:effectLst/>
-                        <a:latin typeface="Calibri"/>
-                      </a:endParaRPr>
-                    </a:p>
-                  </a:txBody>
-                  <a:tcPr marL="9525" marR="9525" marT="9525" marB="0" anchor="b"/>
-                </a:tc>
-                <a:tc>
-                  <a:txBody>
-                    <a:bodyPr/>
-                    <a:lstStyle/>
-                    <a:p>
-                      <a:pPr algn="l" fontAlgn="b"/>
-                      <a:r>
-                        <a:rPr lang="en-US" sz="1100" u="none" strike="noStrike">
-                          <a:effectLst/>
-                        </a:rPr>
-                        <a:t> </a:t>
-                      </a:r>
-                      <a:endParaRPr lang="en-US" sz="1100" b="0" i="0" u="none" strike="noStrike">
-                        <a:solidFill>
-                          <a:srgbClr val="000000"/>
-                        </a:solidFill>
-                        <a:effectLst/>
-                        <a:latin typeface="Calibri"/>
-                      </a:endParaRPr>
-                    </a:p>
-                  </a:txBody>
-                  <a:tcPr marL="9525" marR="9525" marT="9525" marB="0" anchor="b"/>
-                </a:tc>
-                <a:tc>
-                  <a:txBody>
-                    <a:bodyPr/>
-                    <a:lstStyle/>
-                    <a:p>
-                      <a:pPr algn="l" fontAlgn="b"/>
-                      <a:r>
-                        <a:rPr lang="en-US" sz="1100" u="none" strike="noStrike">
-                          <a:effectLst/>
-                        </a:rPr>
-                        <a:t> </a:t>
-                      </a:r>
-                      <a:endParaRPr lang="en-US" sz="1100" b="0" i="0" u="none" strike="noStrike">
-                        <a:solidFill>
-                          <a:srgbClr val="000000"/>
-                        </a:solidFill>
-                        <a:effectLst/>
-                        <a:latin typeface="Calibri"/>
-                      </a:endParaRPr>
-                    </a:p>
-                  </a:txBody>
-                  <a:tcPr marL="9525" marR="9525" marT="9525" marB="0" anchor="b"/>
-                </a:tc>
-              </a:tr>
-              <a:tr h="190500">
-                <a:tc>
-                  <a:txBody>
-                    <a:bodyPr/>
-                    <a:lstStyle/>
-                    <a:p>
-                      <a:pPr algn="l" fontAlgn="b"/>
-                      <a:r>
-                        <a:rPr lang="en-US" sz="1100" u="none" strike="noStrike">
-                          <a:effectLst/>
-                        </a:rPr>
-                        <a:t> </a:t>
-                      </a:r>
-                      <a:endParaRPr lang="en-US" sz="1100" b="0" i="0" u="none" strike="noStrike">
-                        <a:solidFill>
-                          <a:srgbClr val="000000"/>
-                        </a:solidFill>
-                        <a:effectLst/>
-                        <a:latin typeface="Calibri"/>
-                      </a:endParaRPr>
-                    </a:p>
-                  </a:txBody>
-                  <a:tcPr marL="9525" marR="9525" marT="9525" marB="0" anchor="b"/>
-                </a:tc>
-                <a:tc>
-                  <a:txBody>
-                    <a:bodyPr/>
-                    <a:lstStyle/>
-                    <a:p>
-                      <a:pPr algn="r" fontAlgn="b"/>
-                      <a:r>
-                        <a:rPr lang="en-US" sz="1100" u="none" strike="noStrike">
-                          <a:effectLst/>
-                        </a:rPr>
-                        <a:t>0</a:t>
-                      </a:r>
-                      <a:endParaRPr lang="en-US" sz="1100" b="0" i="0" u="none" strike="noStrike">
-                        <a:solidFill>
-                          <a:srgbClr val="000000"/>
-                        </a:solidFill>
-                        <a:effectLst/>
-                        <a:latin typeface="Calibri"/>
-                      </a:endParaRPr>
-                    </a:p>
-                  </a:txBody>
-                  <a:tcPr marL="9525" marR="9525" marT="9525" marB="0" anchor="b"/>
-                </a:tc>
-                <a:tc>
-                  <a:txBody>
-                    <a:bodyPr/>
-                    <a:lstStyle/>
-                    <a:p>
-                      <a:pPr algn="r" fontAlgn="b"/>
-                      <a:r>
-                        <a:rPr lang="en-US" sz="1100" u="none" strike="noStrike">
-                          <a:effectLst/>
-                        </a:rPr>
-                        <a:t>0</a:t>
-                      </a:r>
-                      <a:endParaRPr lang="en-US" sz="1100" b="0" i="0" u="none" strike="noStrike">
-                        <a:solidFill>
-                          <a:srgbClr val="000000"/>
-                        </a:solidFill>
-                        <a:effectLst/>
-                        <a:latin typeface="Calibri"/>
-                      </a:endParaRPr>
-                    </a:p>
-                  </a:txBody>
-                  <a:tcPr marL="9525" marR="9525" marT="9525" marB="0" anchor="b"/>
-                </a:tc>
-                <a:tc>
-                  <a:txBody>
-                    <a:bodyPr/>
-                    <a:lstStyle/>
-                    <a:p>
-                      <a:pPr algn="l" fontAlgn="b"/>
-                      <a:r>
-                        <a:rPr lang="en-US" sz="1100" u="none" strike="noStrike">
-                          <a:effectLst/>
-                        </a:rPr>
-                        <a:t> </a:t>
-                      </a:r>
-                      <a:endParaRPr lang="en-US" sz="1100" b="0" i="0" u="none" strike="noStrike">
-                        <a:solidFill>
-                          <a:srgbClr val="000000"/>
-                        </a:solidFill>
-                        <a:effectLst/>
-                        <a:latin typeface="Calibri"/>
-                      </a:endParaRPr>
-                    </a:p>
-                  </a:txBody>
-                  <a:tcPr marL="9525" marR="9525" marT="9525" marB="0" anchor="b"/>
-                </a:tc>
-              </a:tr>
-              <a:tr h="190500">
-                <a:tc>
-                  <a:txBody>
-                    <a:bodyPr/>
-                    <a:lstStyle/>
-                    <a:p>
-                      <a:pPr algn="l" fontAlgn="b"/>
-                      <a:r>
-                        <a:rPr lang="en-US" sz="1100" u="none" strike="noStrike">
-                          <a:effectLst/>
-                        </a:rPr>
-                        <a:t> </a:t>
-                      </a:r>
-                      <a:endParaRPr lang="en-US" sz="1100" b="0" i="0" u="none" strike="noStrike">
-                        <a:solidFill>
-                          <a:srgbClr val="000000"/>
-                        </a:solidFill>
-                        <a:effectLst/>
-                        <a:latin typeface="Calibri"/>
-                      </a:endParaRPr>
-                    </a:p>
-                  </a:txBody>
-                  <a:tcPr marL="9525" marR="9525" marT="9525" marB="0" anchor="b"/>
-                </a:tc>
-                <a:tc>
-                  <a:txBody>
-                    <a:bodyPr/>
-                    <a:lstStyle/>
-                    <a:p>
-                      <a:pPr algn="l" fontAlgn="b"/>
-                      <a:r>
-                        <a:rPr lang="en-US" sz="1100" u="none" strike="noStrike">
-                          <a:effectLst/>
-                        </a:rPr>
-                        <a:t> </a:t>
-                      </a:r>
-                      <a:endParaRPr lang="en-US" sz="1100" b="0" i="0" u="none" strike="noStrike">
-                        <a:solidFill>
-                          <a:srgbClr val="000000"/>
-                        </a:solidFill>
-                        <a:effectLst/>
-                        <a:latin typeface="Calibri"/>
-                      </a:endParaRPr>
-                    </a:p>
-                  </a:txBody>
-                  <a:tcPr marL="9525" marR="9525" marT="9525" marB="0" anchor="b"/>
-                </a:tc>
-                <a:tc>
-                  <a:txBody>
-                    <a:bodyPr/>
-                    <a:lstStyle/>
-                    <a:p>
-                      <a:pPr algn="l" fontAlgn="b"/>
-                      <a:r>
-                        <a:rPr lang="en-US" sz="1100" u="none" strike="noStrike">
-                          <a:effectLst/>
-                        </a:rPr>
-                        <a:t> </a:t>
-                      </a:r>
-                      <a:endParaRPr lang="en-US" sz="1100" b="0" i="0" u="none" strike="noStrike">
-                        <a:solidFill>
-                          <a:srgbClr val="000000"/>
-                        </a:solidFill>
-                        <a:effectLst/>
-                        <a:latin typeface="Calibri"/>
-                      </a:endParaRPr>
-                    </a:p>
-                  </a:txBody>
-                  <a:tcPr marL="9525" marR="9525" marT="9525" marB="0" anchor="b"/>
-                </a:tc>
-                <a:tc>
-                  <a:txBody>
-                    <a:bodyPr/>
-                    <a:lstStyle/>
-                    <a:p>
-                      <a:pPr algn="l" fontAlgn="b"/>
-                      <a:r>
-                        <a:rPr lang="en-US" sz="1100" u="none" strike="noStrike" dirty="0">
-                          <a:effectLst/>
-                        </a:rPr>
-                        <a:t> </a:t>
-                      </a:r>
-                      <a:endParaRPr lang="en-US" sz="1100" b="0" i="0" u="none" strike="noStrike" dirty="0">
-                        <a:solidFill>
-                          <a:srgbClr val="000000"/>
-                        </a:solidFill>
-                        <a:effectLst/>
-                        <a:latin typeface="Calibri"/>
-                      </a:endParaRPr>
-                    </a:p>
-                  </a:txBody>
-                  <a:tcPr marL="9525" marR="9525" marT="9525" marB="0" anchor="b"/>
-                </a:tc>
-              </a:tr>
-            </a:tbl>
-          </a:graphicData>
-        </a:graphic>
-      </p:graphicFrame>
-      <p:graphicFrame>
-        <p:nvGraphicFramePr>
-          <p:cNvPr id="6" name="Table 5"/>
-          <p:cNvGraphicFramePr>
-            <a:graphicFrameLocks noGrp="1"/>
-          </p:cNvGraphicFramePr>
-          <p:nvPr>
-            <p:extLst>
-              <p:ext uri="{D42A27DB-BD31-4B8C-83A1-F6EECF244321}">
-                <p14:modId xmlns:p14="http://schemas.microsoft.com/office/powerpoint/2010/main" val="2459973037"/>
-              </p:ext>
-            </p:extLst>
-          </p:nvPr>
-        </p:nvGraphicFramePr>
-        <p:xfrm>
-          <a:off x="3581400" y="4572000"/>
-          <a:ext cx="584200" cy="952500"/>
-        </p:xfrm>
-        <a:graphic>
-          <a:graphicData uri="http://schemas.openxmlformats.org/drawingml/2006/table">
-            <a:tbl>
-              <a:tblPr>
-                <a:tableStyleId>{5C22544A-7EE6-4342-B048-85BDC9FD1C3A}</a:tableStyleId>
-              </a:tblPr>
-              <a:tblGrid>
-                <a:gridCol w="139700"/>
-                <a:gridCol w="139700"/>
-                <a:gridCol w="139700"/>
-                <a:gridCol w="165100"/>
-              </a:tblGrid>
-              <a:tr h="190500">
-                <a:tc>
-                  <a:txBody>
-                    <a:bodyPr/>
-                    <a:lstStyle/>
-                    <a:p>
-                      <a:pPr algn="l" fontAlgn="b"/>
-                      <a:r>
-                        <a:rPr lang="en-US" sz="1100" u="none" strike="noStrike" dirty="0">
-                          <a:solidFill>
-                            <a:srgbClr val="FF0000"/>
-                          </a:solidFill>
-                          <a:effectLst/>
-                        </a:rPr>
-                        <a:t>x</a:t>
-                      </a:r>
-                      <a:endParaRPr lang="en-US" sz="1100" b="0" i="0" u="none" strike="noStrike" dirty="0">
-                        <a:solidFill>
-                          <a:srgbClr val="FF0000"/>
-                        </a:solidFill>
-                        <a:effectLst/>
-                        <a:latin typeface="Calibri"/>
-                      </a:endParaRPr>
-                    </a:p>
-                  </a:txBody>
-                  <a:tcPr marL="9525" marR="9525" marT="9525" marB="0" anchor="b"/>
-                </a:tc>
-                <a:tc>
-                  <a:txBody>
-                    <a:bodyPr/>
-                    <a:lstStyle/>
-                    <a:p>
-                      <a:pPr algn="l" fontAlgn="b"/>
-                      <a:r>
-                        <a:rPr lang="en-US" sz="1100" u="none" strike="noStrike">
-                          <a:effectLst/>
-                        </a:rPr>
-                        <a:t> </a:t>
-                      </a:r>
-                      <a:endParaRPr lang="en-US" sz="1100" b="0" i="0" u="none" strike="noStrike">
-                        <a:solidFill>
-                          <a:srgbClr val="000000"/>
-                        </a:solidFill>
-                        <a:effectLst/>
-                        <a:latin typeface="Calibri"/>
-                      </a:endParaRPr>
-                    </a:p>
-                  </a:txBody>
-                  <a:tcPr marL="9525" marR="9525" marT="9525" marB="0" anchor="b"/>
-                </a:tc>
-                <a:tc>
-                  <a:txBody>
-                    <a:bodyPr/>
-                    <a:lstStyle/>
-                    <a:p>
-                      <a:pPr algn="l" fontAlgn="b"/>
-                      <a:r>
-                        <a:rPr lang="en-US" sz="1100" u="none" strike="noStrike">
-                          <a:effectLst/>
-                        </a:rPr>
-                        <a:t> </a:t>
-                      </a:r>
-                      <a:endParaRPr lang="en-US" sz="1100" b="0" i="0" u="none" strike="noStrike">
-                        <a:solidFill>
-                          <a:srgbClr val="000000"/>
-                        </a:solidFill>
-                        <a:effectLst/>
-                        <a:latin typeface="Calibri"/>
-                      </a:endParaRPr>
-                    </a:p>
-                  </a:txBody>
-                  <a:tcPr marL="9525" marR="9525" marT="9525" marB="0" anchor="b"/>
-                </a:tc>
-                <a:tc>
-                  <a:txBody>
-                    <a:bodyPr/>
-                    <a:lstStyle/>
-                    <a:p>
-                      <a:pPr algn="l" fontAlgn="b"/>
-                      <a:r>
-                        <a:rPr lang="en-US" sz="1100" u="none" strike="noStrike">
-                          <a:effectLst/>
-                        </a:rPr>
-                        <a:t> </a:t>
-                      </a:r>
-                      <a:endParaRPr lang="en-US" sz="1100" b="0" i="0" u="none" strike="noStrike">
-                        <a:solidFill>
-                          <a:srgbClr val="000000"/>
-                        </a:solidFill>
-                        <a:effectLst/>
-                        <a:latin typeface="Calibri"/>
-                      </a:endParaRPr>
-                    </a:p>
-                  </a:txBody>
-                  <a:tcPr marL="9525" marR="9525" marT="9525" marB="0" anchor="b"/>
-                </a:tc>
-              </a:tr>
-              <a:tr h="190500">
-                <a:tc>
-                  <a:txBody>
-                    <a:bodyPr/>
-                    <a:lstStyle/>
-                    <a:p>
-                      <a:pPr algn="l" fontAlgn="b"/>
-                      <a:r>
-                        <a:rPr lang="en-US" sz="1100" u="none" strike="noStrike">
-                          <a:effectLst/>
-                        </a:rPr>
-                        <a:t>x</a:t>
-                      </a:r>
-                      <a:endParaRPr lang="en-US" sz="1100" b="0" i="0" u="none" strike="noStrike">
-                        <a:solidFill>
-                          <a:srgbClr val="000000"/>
-                        </a:solidFill>
-                        <a:effectLst/>
-                        <a:latin typeface="Calibri"/>
-                      </a:endParaRPr>
-                    </a:p>
-                  </a:txBody>
-                  <a:tcPr marL="9525" marR="9525" marT="9525" marB="0" anchor="b"/>
-                </a:tc>
-                <a:tc>
-                  <a:txBody>
-                    <a:bodyPr/>
-                    <a:lstStyle/>
-                    <a:p>
-                      <a:pPr algn="l" fontAlgn="b"/>
-                      <a:r>
-                        <a:rPr lang="en-US" sz="1100" u="none" strike="noStrike">
-                          <a:effectLst/>
-                        </a:rPr>
-                        <a:t> </a:t>
-                      </a:r>
-                      <a:endParaRPr lang="en-US" sz="1100" b="0" i="0" u="none" strike="noStrike">
-                        <a:solidFill>
-                          <a:srgbClr val="000000"/>
-                        </a:solidFill>
-                        <a:effectLst/>
-                        <a:latin typeface="Calibri"/>
-                      </a:endParaRPr>
-                    </a:p>
-                  </a:txBody>
-                  <a:tcPr marL="9525" marR="9525" marT="9525" marB="0" anchor="b"/>
-                </a:tc>
-                <a:tc>
-                  <a:txBody>
-                    <a:bodyPr/>
-                    <a:lstStyle/>
-                    <a:p>
-                      <a:pPr algn="l" fontAlgn="b"/>
-                      <a:r>
-                        <a:rPr lang="en-US" sz="1100" u="none" strike="noStrike" dirty="0">
-                          <a:effectLst/>
-                        </a:rPr>
-                        <a:t> </a:t>
-                      </a:r>
-                      <a:endParaRPr lang="en-US" sz="1100" b="0" i="0" u="none" strike="noStrike" dirty="0">
-                        <a:solidFill>
-                          <a:srgbClr val="000000"/>
-                        </a:solidFill>
-                        <a:effectLst/>
-                        <a:latin typeface="Calibri"/>
-                      </a:endParaRPr>
-                    </a:p>
-                  </a:txBody>
-                  <a:tcPr marL="9525" marR="9525" marT="9525" marB="0" anchor="b"/>
-                </a:tc>
-                <a:tc>
-                  <a:txBody>
-                    <a:bodyPr/>
-                    <a:lstStyle/>
-                    <a:p>
-                      <a:pPr algn="l" fontAlgn="b"/>
-                      <a:r>
-                        <a:rPr lang="en-US" sz="1100" u="none" strike="noStrike">
-                          <a:effectLst/>
-                        </a:rPr>
-                        <a:t> </a:t>
-                      </a:r>
-                      <a:endParaRPr lang="en-US" sz="1100" b="0" i="0" u="none" strike="noStrike">
-                        <a:solidFill>
-                          <a:srgbClr val="000000"/>
-                        </a:solidFill>
-                        <a:effectLst/>
-                        <a:latin typeface="Calibri"/>
-                      </a:endParaRPr>
-                    </a:p>
-                  </a:txBody>
-                  <a:tcPr marL="9525" marR="9525" marT="9525" marB="0" anchor="b"/>
-                </a:tc>
-              </a:tr>
-              <a:tr h="190500">
-                <a:tc>
-                  <a:txBody>
-                    <a:bodyPr/>
-                    <a:lstStyle/>
-                    <a:p>
-                      <a:pPr algn="l" fontAlgn="b"/>
-                      <a:r>
-                        <a:rPr lang="en-US" sz="1100" u="none" strike="noStrike">
-                          <a:effectLst/>
-                        </a:rPr>
-                        <a:t>x</a:t>
-                      </a:r>
-                      <a:endParaRPr lang="en-US" sz="1100" b="0" i="0" u="none" strike="noStrike">
-                        <a:solidFill>
-                          <a:srgbClr val="000000"/>
-                        </a:solidFill>
-                        <a:effectLst/>
-                        <a:latin typeface="Calibri"/>
-                      </a:endParaRPr>
-                    </a:p>
-                  </a:txBody>
-                  <a:tcPr marL="9525" marR="9525" marT="9525" marB="0" anchor="b"/>
-                </a:tc>
-                <a:tc>
-                  <a:txBody>
-                    <a:bodyPr/>
-                    <a:lstStyle/>
-                    <a:p>
-                      <a:pPr algn="l" fontAlgn="b"/>
-                      <a:r>
-                        <a:rPr lang="en-US" sz="1100" u="none" strike="noStrike">
-                          <a:effectLst/>
-                        </a:rPr>
-                        <a:t> </a:t>
-                      </a:r>
-                      <a:endParaRPr lang="en-US" sz="1100" b="0" i="0" u="none" strike="noStrike">
-                        <a:solidFill>
-                          <a:srgbClr val="000000"/>
-                        </a:solidFill>
-                        <a:effectLst/>
-                        <a:latin typeface="Calibri"/>
-                      </a:endParaRPr>
-                    </a:p>
-                  </a:txBody>
-                  <a:tcPr marL="9525" marR="9525" marT="9525" marB="0" anchor="b"/>
-                </a:tc>
-                <a:tc>
-                  <a:txBody>
-                    <a:bodyPr/>
-                    <a:lstStyle/>
-                    <a:p>
-                      <a:pPr algn="l" fontAlgn="b"/>
-                      <a:r>
-                        <a:rPr lang="en-US" sz="1100" u="none" strike="noStrike">
-                          <a:effectLst/>
-                        </a:rPr>
-                        <a:t> </a:t>
-                      </a:r>
-                      <a:endParaRPr lang="en-US" sz="1100" b="0" i="0" u="none" strike="noStrike">
-                        <a:solidFill>
-                          <a:srgbClr val="000000"/>
-                        </a:solidFill>
-                        <a:effectLst/>
-                        <a:latin typeface="Calibri"/>
-                      </a:endParaRPr>
-                    </a:p>
-                  </a:txBody>
-                  <a:tcPr marL="9525" marR="9525" marT="9525" marB="0" anchor="b"/>
-                </a:tc>
-                <a:tc>
-                  <a:txBody>
-                    <a:bodyPr/>
-                    <a:lstStyle/>
-                    <a:p>
-                      <a:pPr algn="l" fontAlgn="b"/>
-                      <a:r>
-                        <a:rPr lang="en-US" sz="1100" u="none" strike="noStrike">
-                          <a:effectLst/>
-                        </a:rPr>
-                        <a:t> </a:t>
-                      </a:r>
-                      <a:endParaRPr lang="en-US" sz="1100" b="0" i="0" u="none" strike="noStrike">
-                        <a:solidFill>
-                          <a:srgbClr val="000000"/>
-                        </a:solidFill>
-                        <a:effectLst/>
-                        <a:latin typeface="Calibri"/>
-                      </a:endParaRPr>
-                    </a:p>
-                  </a:txBody>
-                  <a:tcPr marL="9525" marR="9525" marT="9525" marB="0" anchor="b"/>
-                </a:tc>
-              </a:tr>
-              <a:tr h="190500">
-                <a:tc>
-                  <a:txBody>
-                    <a:bodyPr/>
-                    <a:lstStyle/>
-                    <a:p>
-                      <a:pPr algn="l" fontAlgn="b"/>
-                      <a:r>
-                        <a:rPr lang="en-US" sz="1100" u="none" strike="noStrike">
-                          <a:effectLst/>
-                        </a:rPr>
-                        <a:t> </a:t>
-                      </a:r>
-                      <a:endParaRPr lang="en-US" sz="1100" b="0" i="0" u="none" strike="noStrike">
-                        <a:solidFill>
-                          <a:srgbClr val="000000"/>
-                        </a:solidFill>
-                        <a:effectLst/>
-                        <a:latin typeface="Calibri"/>
-                      </a:endParaRPr>
-                    </a:p>
-                  </a:txBody>
-                  <a:tcPr marL="9525" marR="9525" marT="9525" marB="0" anchor="b"/>
-                </a:tc>
-                <a:tc>
-                  <a:txBody>
-                    <a:bodyPr/>
-                    <a:lstStyle/>
-                    <a:p>
-                      <a:pPr algn="r" fontAlgn="b"/>
-                      <a:r>
-                        <a:rPr lang="en-US" sz="1100" u="none" strike="noStrike">
-                          <a:effectLst/>
-                        </a:rPr>
-                        <a:t>0</a:t>
-                      </a:r>
-                      <a:endParaRPr lang="en-US" sz="1100" b="0" i="0" u="none" strike="noStrike">
-                        <a:solidFill>
-                          <a:srgbClr val="000000"/>
-                        </a:solidFill>
-                        <a:effectLst/>
-                        <a:latin typeface="Calibri"/>
-                      </a:endParaRPr>
-                    </a:p>
-                  </a:txBody>
-                  <a:tcPr marL="9525" marR="9525" marT="9525" marB="0" anchor="b"/>
-                </a:tc>
-                <a:tc>
-                  <a:txBody>
-                    <a:bodyPr/>
-                    <a:lstStyle/>
-                    <a:p>
-                      <a:pPr algn="r" fontAlgn="b"/>
-                      <a:r>
-                        <a:rPr lang="en-US" sz="1100" u="none" strike="noStrike">
-                          <a:effectLst/>
-                        </a:rPr>
-                        <a:t>0</a:t>
-                      </a:r>
-                      <a:endParaRPr lang="en-US" sz="1100" b="0" i="0" u="none" strike="noStrike">
-                        <a:solidFill>
-                          <a:srgbClr val="000000"/>
-                        </a:solidFill>
-                        <a:effectLst/>
-                        <a:latin typeface="Calibri"/>
-                      </a:endParaRPr>
-                    </a:p>
-                  </a:txBody>
-                  <a:tcPr marL="9525" marR="9525" marT="9525" marB="0" anchor="b"/>
-                </a:tc>
-                <a:tc>
-                  <a:txBody>
-                    <a:bodyPr/>
-                    <a:lstStyle/>
-                    <a:p>
-                      <a:pPr algn="l" fontAlgn="b"/>
-                      <a:r>
-                        <a:rPr lang="en-US" sz="1100" u="none" strike="noStrike">
-                          <a:effectLst/>
-                        </a:rPr>
-                        <a:t> </a:t>
-                      </a:r>
-                      <a:endParaRPr lang="en-US" sz="1100" b="0" i="0" u="none" strike="noStrike">
-                        <a:solidFill>
-                          <a:srgbClr val="000000"/>
-                        </a:solidFill>
-                        <a:effectLst/>
-                        <a:latin typeface="Calibri"/>
-                      </a:endParaRPr>
-                    </a:p>
-                  </a:txBody>
-                  <a:tcPr marL="9525" marR="9525" marT="9525" marB="0" anchor="b"/>
-                </a:tc>
-              </a:tr>
-              <a:tr h="190500">
-                <a:tc>
-                  <a:txBody>
-                    <a:bodyPr/>
-                    <a:lstStyle/>
-                    <a:p>
-                      <a:pPr algn="l" fontAlgn="b"/>
-                      <a:r>
-                        <a:rPr lang="en-US" sz="1100" u="none" strike="noStrike">
-                          <a:effectLst/>
-                        </a:rPr>
-                        <a:t> </a:t>
-                      </a:r>
-                      <a:endParaRPr lang="en-US" sz="1100" b="0" i="0" u="none" strike="noStrike">
-                        <a:solidFill>
-                          <a:srgbClr val="000000"/>
-                        </a:solidFill>
-                        <a:effectLst/>
-                        <a:latin typeface="Calibri"/>
-                      </a:endParaRPr>
-                    </a:p>
-                  </a:txBody>
-                  <a:tcPr marL="9525" marR="9525" marT="9525" marB="0" anchor="b"/>
-                </a:tc>
-                <a:tc>
-                  <a:txBody>
-                    <a:bodyPr/>
-                    <a:lstStyle/>
-                    <a:p>
-                      <a:pPr algn="l" fontAlgn="b"/>
-                      <a:r>
-                        <a:rPr lang="en-US" sz="1100" u="none" strike="noStrike">
-                          <a:effectLst/>
-                        </a:rPr>
-                        <a:t> </a:t>
-                      </a:r>
-                      <a:endParaRPr lang="en-US" sz="1100" b="0" i="0" u="none" strike="noStrike">
-                        <a:solidFill>
-                          <a:srgbClr val="000000"/>
-                        </a:solidFill>
-                        <a:effectLst/>
-                        <a:latin typeface="Calibri"/>
-                      </a:endParaRPr>
-                    </a:p>
-                  </a:txBody>
-                  <a:tcPr marL="9525" marR="9525" marT="9525" marB="0" anchor="b"/>
-                </a:tc>
-                <a:tc>
-                  <a:txBody>
-                    <a:bodyPr/>
-                    <a:lstStyle/>
-                    <a:p>
-                      <a:pPr algn="l" fontAlgn="b"/>
-                      <a:r>
-                        <a:rPr lang="en-US" sz="1100" u="none" strike="noStrike">
-                          <a:effectLst/>
-                        </a:rPr>
-                        <a:t> </a:t>
-                      </a:r>
-                      <a:endParaRPr lang="en-US" sz="1100" b="0" i="0" u="none" strike="noStrike">
-                        <a:solidFill>
-                          <a:srgbClr val="000000"/>
-                        </a:solidFill>
-                        <a:effectLst/>
-                        <a:latin typeface="Calibri"/>
-                      </a:endParaRPr>
-                    </a:p>
-                  </a:txBody>
-                  <a:tcPr marL="9525" marR="9525" marT="9525" marB="0" anchor="b"/>
-                </a:tc>
-                <a:tc>
-                  <a:txBody>
-                    <a:bodyPr/>
-                    <a:lstStyle/>
-                    <a:p>
-                      <a:pPr algn="l" fontAlgn="b"/>
-                      <a:r>
-                        <a:rPr lang="en-US" sz="1100" u="none" strike="noStrike" dirty="0">
-                          <a:effectLst/>
-                        </a:rPr>
-                        <a:t> </a:t>
-                      </a:r>
-                      <a:endParaRPr lang="en-US" sz="1100" b="0" i="0" u="none" strike="noStrike" dirty="0">
-                        <a:solidFill>
-                          <a:srgbClr val="000000"/>
-                        </a:solidFill>
-                        <a:effectLst/>
-                        <a:latin typeface="Calibri"/>
-                      </a:endParaRPr>
-                    </a:p>
-                  </a:txBody>
-                  <a:tcPr marL="9525" marR="9525" marT="9525" marB="0" anchor="b"/>
-                </a:tc>
-              </a:tr>
-            </a:tbl>
-          </a:graphicData>
-        </a:graphic>
-      </p:graphicFrame>
-      <p:graphicFrame>
-        <p:nvGraphicFramePr>
-          <p:cNvPr id="7" name="Table 6"/>
-          <p:cNvGraphicFramePr>
-            <a:graphicFrameLocks noGrp="1"/>
-          </p:cNvGraphicFramePr>
-          <p:nvPr>
-            <p:extLst>
-              <p:ext uri="{D42A27DB-BD31-4B8C-83A1-F6EECF244321}">
-                <p14:modId xmlns:p14="http://schemas.microsoft.com/office/powerpoint/2010/main" val="4222905517"/>
-              </p:ext>
-            </p:extLst>
-          </p:nvPr>
-        </p:nvGraphicFramePr>
-        <p:xfrm>
-          <a:off x="2362200" y="4572000"/>
-          <a:ext cx="584200" cy="952500"/>
-        </p:xfrm>
-        <a:graphic>
-          <a:graphicData uri="http://schemas.openxmlformats.org/drawingml/2006/table">
-            <a:tbl>
-              <a:tblPr>
-                <a:tableStyleId>{5C22544A-7EE6-4342-B048-85BDC9FD1C3A}</a:tableStyleId>
-              </a:tblPr>
-              <a:tblGrid>
-                <a:gridCol w="139700"/>
-                <a:gridCol w="139700"/>
-                <a:gridCol w="139700"/>
-                <a:gridCol w="165100"/>
-              </a:tblGrid>
-              <a:tr h="190500">
-                <a:tc>
-                  <a:txBody>
-                    <a:bodyPr/>
-                    <a:lstStyle/>
-                    <a:p>
-                      <a:pPr algn="l" fontAlgn="b"/>
-                      <a:r>
-                        <a:rPr lang="en-US" sz="1100" u="none" strike="noStrike" dirty="0">
-                          <a:effectLst/>
-                        </a:rPr>
-                        <a:t> </a:t>
-                      </a:r>
-                      <a:endParaRPr lang="en-US" sz="1100" b="0" i="0" u="none" strike="noStrike" dirty="0">
-                        <a:solidFill>
-                          <a:srgbClr val="000000"/>
-                        </a:solidFill>
-                        <a:effectLst/>
-                        <a:latin typeface="Calibri"/>
-                      </a:endParaRPr>
-                    </a:p>
-                  </a:txBody>
-                  <a:tcPr marL="9525" marR="9525" marT="9525" marB="0" anchor="b"/>
-                </a:tc>
-                <a:tc>
-                  <a:txBody>
-                    <a:bodyPr/>
-                    <a:lstStyle/>
-                    <a:p>
-                      <a:pPr algn="l" fontAlgn="b"/>
-                      <a:r>
-                        <a:rPr lang="en-US" sz="1100" u="none" strike="noStrike">
-                          <a:effectLst/>
-                        </a:rPr>
-                        <a:t> </a:t>
-                      </a:r>
-                      <a:endParaRPr lang="en-US" sz="1100" b="0" i="0" u="none" strike="noStrike">
-                        <a:solidFill>
-                          <a:srgbClr val="000000"/>
-                        </a:solidFill>
-                        <a:effectLst/>
-                        <a:latin typeface="Calibri"/>
-                      </a:endParaRPr>
-                    </a:p>
-                  </a:txBody>
-                  <a:tcPr marL="9525" marR="9525" marT="9525" marB="0" anchor="b"/>
-                </a:tc>
-                <a:tc>
-                  <a:txBody>
-                    <a:bodyPr/>
-                    <a:lstStyle/>
-                    <a:p>
-                      <a:pPr algn="l" fontAlgn="b"/>
-                      <a:r>
-                        <a:rPr lang="en-US" sz="1100" u="none" strike="noStrike">
-                          <a:effectLst/>
-                        </a:rPr>
-                        <a:t> </a:t>
-                      </a:r>
-                      <a:endParaRPr lang="en-US" sz="1100" b="0" i="0" u="none" strike="noStrike">
-                        <a:solidFill>
-                          <a:srgbClr val="000000"/>
-                        </a:solidFill>
-                        <a:effectLst/>
-                        <a:latin typeface="Calibri"/>
-                      </a:endParaRPr>
-                    </a:p>
-                  </a:txBody>
-                  <a:tcPr marL="9525" marR="9525" marT="9525" marB="0" anchor="b"/>
-                </a:tc>
-                <a:tc>
-                  <a:txBody>
-                    <a:bodyPr/>
-                    <a:lstStyle/>
-                    <a:p>
-                      <a:pPr algn="l" fontAlgn="b"/>
-                      <a:r>
-                        <a:rPr lang="en-US" sz="1100" u="none" strike="noStrike" dirty="0">
-                          <a:effectLst/>
-                        </a:rPr>
-                        <a:t> </a:t>
-                      </a:r>
-                      <a:endParaRPr lang="en-US" sz="1100" b="0" i="0" u="none" strike="noStrike" dirty="0">
-                        <a:solidFill>
-                          <a:srgbClr val="000000"/>
-                        </a:solidFill>
-                        <a:effectLst/>
-                        <a:latin typeface="Calibri"/>
-                      </a:endParaRPr>
-                    </a:p>
-                  </a:txBody>
-                  <a:tcPr marL="9525" marR="9525" marT="9525" marB="0" anchor="b"/>
-                </a:tc>
-              </a:tr>
-              <a:tr h="190500">
-                <a:tc>
-                  <a:txBody>
-                    <a:bodyPr/>
-                    <a:lstStyle/>
-                    <a:p>
-                      <a:pPr algn="l" fontAlgn="b"/>
-                      <a:r>
-                        <a:rPr lang="en-US" sz="1100" u="none" strike="noStrike">
-                          <a:effectLst/>
-                        </a:rPr>
-                        <a:t>x</a:t>
-                      </a:r>
-                      <a:endParaRPr lang="en-US" sz="1100" b="0" i="0" u="none" strike="noStrike">
-                        <a:solidFill>
-                          <a:srgbClr val="000000"/>
-                        </a:solidFill>
-                        <a:effectLst/>
-                        <a:latin typeface="Calibri"/>
-                      </a:endParaRPr>
-                    </a:p>
-                  </a:txBody>
-                  <a:tcPr marL="9525" marR="9525" marT="9525" marB="0" anchor="b"/>
-                </a:tc>
-                <a:tc>
-                  <a:txBody>
-                    <a:bodyPr/>
-                    <a:lstStyle/>
-                    <a:p>
-                      <a:pPr algn="l" fontAlgn="b"/>
-                      <a:r>
-                        <a:rPr lang="en-US" sz="1100" u="none" strike="noStrike">
-                          <a:effectLst/>
-                        </a:rPr>
-                        <a:t> </a:t>
-                      </a:r>
-                      <a:endParaRPr lang="en-US" sz="1100" b="0" i="0" u="none" strike="noStrike">
-                        <a:solidFill>
-                          <a:srgbClr val="000000"/>
-                        </a:solidFill>
-                        <a:effectLst/>
-                        <a:latin typeface="Calibri"/>
-                      </a:endParaRPr>
-                    </a:p>
-                  </a:txBody>
-                  <a:tcPr marL="9525" marR="9525" marT="9525" marB="0" anchor="b"/>
-                </a:tc>
-                <a:tc>
-                  <a:txBody>
-                    <a:bodyPr/>
-                    <a:lstStyle/>
-                    <a:p>
-                      <a:pPr algn="l" fontAlgn="b"/>
-                      <a:r>
-                        <a:rPr lang="en-US" sz="1100" u="none" strike="noStrike">
-                          <a:effectLst/>
-                        </a:rPr>
-                        <a:t> </a:t>
-                      </a:r>
-                      <a:endParaRPr lang="en-US" sz="1100" b="0" i="0" u="none" strike="noStrike">
-                        <a:solidFill>
-                          <a:srgbClr val="000000"/>
-                        </a:solidFill>
-                        <a:effectLst/>
-                        <a:latin typeface="Calibri"/>
-                      </a:endParaRPr>
-                    </a:p>
-                  </a:txBody>
-                  <a:tcPr marL="9525" marR="9525" marT="9525" marB="0" anchor="b"/>
-                </a:tc>
-                <a:tc>
-                  <a:txBody>
-                    <a:bodyPr/>
-                    <a:lstStyle/>
-                    <a:p>
-                      <a:pPr algn="l" fontAlgn="b"/>
-                      <a:r>
-                        <a:rPr lang="en-US" sz="1100" u="none" strike="noStrike">
-                          <a:effectLst/>
-                        </a:rPr>
-                        <a:t> </a:t>
-                      </a:r>
-                      <a:endParaRPr lang="en-US" sz="1100" b="0" i="0" u="none" strike="noStrike">
-                        <a:solidFill>
-                          <a:srgbClr val="000000"/>
-                        </a:solidFill>
-                        <a:effectLst/>
-                        <a:latin typeface="Calibri"/>
-                      </a:endParaRPr>
-                    </a:p>
-                  </a:txBody>
-                  <a:tcPr marL="9525" marR="9525" marT="9525" marB="0" anchor="b"/>
-                </a:tc>
-              </a:tr>
-              <a:tr h="190500">
-                <a:tc>
-                  <a:txBody>
-                    <a:bodyPr/>
-                    <a:lstStyle/>
-                    <a:p>
-                      <a:pPr algn="l" fontAlgn="b"/>
-                      <a:r>
-                        <a:rPr lang="en-US" sz="1100" u="none" strike="noStrike">
-                          <a:effectLst/>
-                        </a:rPr>
-                        <a:t>x</a:t>
-                      </a:r>
-                      <a:endParaRPr lang="en-US" sz="1100" b="0" i="0" u="none" strike="noStrike">
-                        <a:solidFill>
-                          <a:srgbClr val="000000"/>
-                        </a:solidFill>
-                        <a:effectLst/>
-                        <a:latin typeface="Calibri"/>
-                      </a:endParaRPr>
-                    </a:p>
-                  </a:txBody>
-                  <a:tcPr marL="9525" marR="9525" marT="9525" marB="0" anchor="b"/>
-                </a:tc>
-                <a:tc>
-                  <a:txBody>
-                    <a:bodyPr/>
-                    <a:lstStyle/>
-                    <a:p>
-                      <a:pPr algn="l" fontAlgn="b"/>
-                      <a:r>
-                        <a:rPr lang="en-US" sz="1100" u="none" strike="noStrike">
-                          <a:effectLst/>
-                        </a:rPr>
-                        <a:t> </a:t>
-                      </a:r>
-                      <a:endParaRPr lang="en-US" sz="1100" b="0" i="0" u="none" strike="noStrike">
-                        <a:solidFill>
-                          <a:srgbClr val="000000"/>
-                        </a:solidFill>
-                        <a:effectLst/>
-                        <a:latin typeface="Calibri"/>
-                      </a:endParaRPr>
-                    </a:p>
-                  </a:txBody>
-                  <a:tcPr marL="9525" marR="9525" marT="9525" marB="0" anchor="b"/>
-                </a:tc>
-                <a:tc>
-                  <a:txBody>
-                    <a:bodyPr/>
-                    <a:lstStyle/>
-                    <a:p>
-                      <a:pPr algn="l" fontAlgn="b"/>
-                      <a:r>
-                        <a:rPr lang="en-US" sz="1100" u="none" strike="noStrike">
-                          <a:effectLst/>
-                        </a:rPr>
-                        <a:t> </a:t>
-                      </a:r>
-                      <a:endParaRPr lang="en-US" sz="1100" b="0" i="0" u="none" strike="noStrike">
-                        <a:solidFill>
-                          <a:srgbClr val="000000"/>
-                        </a:solidFill>
-                        <a:effectLst/>
-                        <a:latin typeface="Calibri"/>
-                      </a:endParaRPr>
-                    </a:p>
-                  </a:txBody>
-                  <a:tcPr marL="9525" marR="9525" marT="9525" marB="0" anchor="b"/>
-                </a:tc>
-                <a:tc>
-                  <a:txBody>
-                    <a:bodyPr/>
-                    <a:lstStyle/>
-                    <a:p>
-                      <a:pPr algn="l" fontAlgn="b"/>
-                      <a:r>
-                        <a:rPr lang="en-US" sz="1100" u="none" strike="noStrike">
-                          <a:effectLst/>
-                        </a:rPr>
-                        <a:t> </a:t>
-                      </a:r>
-                      <a:endParaRPr lang="en-US" sz="1100" b="0" i="0" u="none" strike="noStrike">
-                        <a:solidFill>
-                          <a:srgbClr val="000000"/>
-                        </a:solidFill>
-                        <a:effectLst/>
-                        <a:latin typeface="Calibri"/>
-                      </a:endParaRPr>
-                    </a:p>
-                  </a:txBody>
-                  <a:tcPr marL="9525" marR="9525" marT="9525" marB="0" anchor="b"/>
-                </a:tc>
-              </a:tr>
-              <a:tr h="190500">
-                <a:tc>
-                  <a:txBody>
-                    <a:bodyPr/>
-                    <a:lstStyle/>
-                    <a:p>
-                      <a:pPr algn="l" fontAlgn="b"/>
-                      <a:r>
-                        <a:rPr lang="en-US" sz="1100" u="none" strike="noStrike" dirty="0">
-                          <a:solidFill>
-                            <a:srgbClr val="FF0000"/>
-                          </a:solidFill>
-                          <a:effectLst/>
-                        </a:rPr>
-                        <a:t>x</a:t>
-                      </a:r>
-                      <a:endParaRPr lang="en-US" sz="1100" b="0" i="0" u="none" strike="noStrike" dirty="0">
-                        <a:solidFill>
-                          <a:srgbClr val="FF0000"/>
-                        </a:solidFill>
-                        <a:effectLst/>
-                        <a:latin typeface="Calibri"/>
-                      </a:endParaRPr>
-                    </a:p>
-                  </a:txBody>
-                  <a:tcPr marL="9525" marR="9525" marT="9525" marB="0" anchor="b"/>
-                </a:tc>
-                <a:tc>
-                  <a:txBody>
-                    <a:bodyPr/>
-                    <a:lstStyle/>
-                    <a:p>
-                      <a:pPr algn="r" fontAlgn="b"/>
-                      <a:r>
-                        <a:rPr lang="en-US" sz="1100" u="none" strike="noStrike">
-                          <a:effectLst/>
-                        </a:rPr>
-                        <a:t>0</a:t>
-                      </a:r>
-                      <a:endParaRPr lang="en-US" sz="1100" b="0" i="0" u="none" strike="noStrike">
-                        <a:solidFill>
-                          <a:srgbClr val="000000"/>
-                        </a:solidFill>
-                        <a:effectLst/>
-                        <a:latin typeface="Calibri"/>
-                      </a:endParaRPr>
-                    </a:p>
-                  </a:txBody>
-                  <a:tcPr marL="9525" marR="9525" marT="9525" marB="0" anchor="b"/>
-                </a:tc>
-                <a:tc>
-                  <a:txBody>
-                    <a:bodyPr/>
-                    <a:lstStyle/>
-                    <a:p>
-                      <a:pPr algn="r" fontAlgn="b"/>
-                      <a:r>
-                        <a:rPr lang="en-US" sz="1100" u="none" strike="noStrike">
-                          <a:effectLst/>
-                        </a:rPr>
-                        <a:t>0</a:t>
-                      </a:r>
-                      <a:endParaRPr lang="en-US" sz="1100" b="0" i="0" u="none" strike="noStrike">
-                        <a:solidFill>
-                          <a:srgbClr val="000000"/>
-                        </a:solidFill>
-                        <a:effectLst/>
-                        <a:latin typeface="Calibri"/>
-                      </a:endParaRPr>
-                    </a:p>
-                  </a:txBody>
-                  <a:tcPr marL="9525" marR="9525" marT="9525" marB="0" anchor="b"/>
-                </a:tc>
-                <a:tc>
-                  <a:txBody>
-                    <a:bodyPr/>
-                    <a:lstStyle/>
-                    <a:p>
-                      <a:pPr algn="l" fontAlgn="b"/>
-                      <a:r>
-                        <a:rPr lang="en-US" sz="1100" u="none" strike="noStrike">
-                          <a:effectLst/>
-                        </a:rPr>
-                        <a:t> </a:t>
-                      </a:r>
-                      <a:endParaRPr lang="en-US" sz="1100" b="0" i="0" u="none" strike="noStrike">
-                        <a:solidFill>
-                          <a:srgbClr val="000000"/>
-                        </a:solidFill>
-                        <a:effectLst/>
-                        <a:latin typeface="Calibri"/>
-                      </a:endParaRPr>
-                    </a:p>
-                  </a:txBody>
-                  <a:tcPr marL="9525" marR="9525" marT="9525" marB="0" anchor="b"/>
-                </a:tc>
-              </a:tr>
-              <a:tr h="190500">
-                <a:tc>
-                  <a:txBody>
-                    <a:bodyPr/>
-                    <a:lstStyle/>
-                    <a:p>
-                      <a:pPr algn="l" fontAlgn="b"/>
-                      <a:r>
-                        <a:rPr lang="en-US" sz="1100" u="none" strike="noStrike">
-                          <a:effectLst/>
-                        </a:rPr>
-                        <a:t> </a:t>
-                      </a:r>
-                      <a:endParaRPr lang="en-US" sz="1100" b="0" i="0" u="none" strike="noStrike">
-                        <a:solidFill>
-                          <a:srgbClr val="000000"/>
-                        </a:solidFill>
-                        <a:effectLst/>
-                        <a:latin typeface="Calibri"/>
-                      </a:endParaRPr>
-                    </a:p>
-                  </a:txBody>
-                  <a:tcPr marL="9525" marR="9525" marT="9525" marB="0" anchor="b"/>
-                </a:tc>
-                <a:tc>
-                  <a:txBody>
-                    <a:bodyPr/>
-                    <a:lstStyle/>
-                    <a:p>
-                      <a:pPr algn="l" fontAlgn="b"/>
-                      <a:r>
-                        <a:rPr lang="en-US" sz="1100" u="none" strike="noStrike">
-                          <a:effectLst/>
-                        </a:rPr>
-                        <a:t> </a:t>
-                      </a:r>
-                      <a:endParaRPr lang="en-US" sz="1100" b="0" i="0" u="none" strike="noStrike">
-                        <a:solidFill>
-                          <a:srgbClr val="000000"/>
-                        </a:solidFill>
-                        <a:effectLst/>
-                        <a:latin typeface="Calibri"/>
-                      </a:endParaRPr>
-                    </a:p>
-                  </a:txBody>
-                  <a:tcPr marL="9525" marR="9525" marT="9525" marB="0" anchor="b"/>
-                </a:tc>
-                <a:tc>
-                  <a:txBody>
-                    <a:bodyPr/>
-                    <a:lstStyle/>
-                    <a:p>
-                      <a:pPr algn="l" fontAlgn="b"/>
-                      <a:r>
-                        <a:rPr lang="en-US" sz="1100" u="none" strike="noStrike">
-                          <a:effectLst/>
-                        </a:rPr>
-                        <a:t> </a:t>
-                      </a:r>
-                      <a:endParaRPr lang="en-US" sz="1100" b="0" i="0" u="none" strike="noStrike">
-                        <a:solidFill>
-                          <a:srgbClr val="000000"/>
-                        </a:solidFill>
-                        <a:effectLst/>
-                        <a:latin typeface="Calibri"/>
-                      </a:endParaRPr>
-                    </a:p>
-                  </a:txBody>
-                  <a:tcPr marL="9525" marR="9525" marT="9525" marB="0" anchor="b"/>
-                </a:tc>
-                <a:tc>
-                  <a:txBody>
-                    <a:bodyPr/>
-                    <a:lstStyle/>
-                    <a:p>
-                      <a:pPr algn="l" fontAlgn="b"/>
-                      <a:r>
-                        <a:rPr lang="en-US" sz="1100" u="none" strike="noStrike" dirty="0">
-                          <a:effectLst/>
-                        </a:rPr>
-                        <a:t> </a:t>
-                      </a:r>
-                      <a:endParaRPr lang="en-US" sz="1100" b="0" i="0" u="none" strike="noStrike" dirty="0">
-                        <a:solidFill>
-                          <a:srgbClr val="000000"/>
-                        </a:solidFill>
-                        <a:effectLst/>
-                        <a:latin typeface="Calibri"/>
-                      </a:endParaRPr>
-                    </a:p>
-                  </a:txBody>
-                  <a:tcPr marL="9525" marR="9525" marT="9525" marB="0" anchor="b"/>
-                </a:tc>
-              </a:tr>
-            </a:tbl>
-          </a:graphicData>
-        </a:graphic>
-      </p:graphicFrame>
     </p:spTree>
     <p:extLst>
       <p:ext uri="{BB962C8B-B14F-4D97-AF65-F5344CB8AC3E}">
-        <p14:creationId xmlns:p14="http://schemas.microsoft.com/office/powerpoint/2010/main" val="1291735940"/>
+        <p14:creationId xmlns:p14="http://schemas.microsoft.com/office/powerpoint/2010/main" val="3352461406"/>
       </p:ext>
     </p:extLst>
   </p:cSld>
@@ -6753,7 +6836,7 @@
           <a:p>
             <a:r>
               <a:rPr lang="en-US" dirty="0" smtClean="0"/>
-              <a:t>Win Rate</a:t>
+              <a:t>Timing Results</a:t>
             </a:r>
             <a:endParaRPr lang="en-US" dirty="0"/>
           </a:p>
@@ -6777,14 +6860,14 @@
         </p:spPr>
         <p:txBody>
           <a:bodyPr>
-            <a:normAutofit fontScale="85000" lnSpcReduction="20000"/>
+            <a:normAutofit/>
           </a:bodyPr>
           <a:lstStyle/>
           <a:p>
             <a:pPr algn="l"/>
             <a:r>
               <a:rPr lang="en-US" sz="2000" dirty="0" smtClean="0"/>
-              <a:t>Compared to Bad AI</a:t>
+              <a:t>Timing</a:t>
             </a:r>
           </a:p>
           <a:p>
@@ -6794,7 +6877,27 @@
             </a:pPr>
             <a:r>
               <a:rPr lang="en-US" sz="2000" dirty="0" smtClean="0"/>
-              <a:t>Algorithm will always win against very bad AI, such as Random AI</a:t>
+              <a:t>Very fast if depth does not increase too much</a:t>
+            </a:r>
+          </a:p>
+          <a:p>
+            <a:pPr marL="800100" lvl="1" indent="-342900" algn="l">
+              <a:buFont typeface="Arial" panose="020B0604020202020204" pitchFamily="34" charset="0"/>
+              <a:buChar char="•"/>
+            </a:pPr>
+            <a:r>
+              <a:rPr lang="en-US" sz="1600" dirty="0" smtClean="0"/>
+              <a:t>Without alpha beta pruning, going beyond depth 2 would take over a minute</a:t>
+            </a:r>
+          </a:p>
+          <a:p>
+            <a:pPr marL="800100" lvl="1" indent="-342900" algn="l">
+              <a:buFont typeface="Arial" panose="020B0604020202020204" pitchFamily="34" charset="0"/>
+              <a:buChar char="•"/>
+            </a:pPr>
+            <a:r>
+              <a:rPr lang="en-US" sz="1600" dirty="0" smtClean="0"/>
+              <a:t>Without speed ups or pruning, depth 2 took less than a minute, but depth 3 and more would take too long</a:t>
             </a:r>
           </a:p>
           <a:p>
@@ -6804,7 +6907,7 @@
             </a:pPr>
             <a:r>
               <a:rPr lang="en-US" sz="2000" dirty="0" smtClean="0"/>
-              <a:t>It will also usually win against AI using only depth of 0</a:t>
+              <a:t>Speeds up of reducing branch size allowed more depth within reasonable time</a:t>
             </a:r>
           </a:p>
           <a:p>
@@ -6814,7 +6917,7 @@
             </a:pPr>
             <a:r>
               <a:rPr lang="en-US" sz="1600" dirty="0" smtClean="0"/>
-              <a:t>Depth 0 AI will not expand moves, but just find max of tile values</a:t>
+              <a:t>Algorithm was able to increase to depth 4 or 5</a:t>
             </a:r>
           </a:p>
           <a:p>
@@ -6824,24 +6927,7 @@
             </a:pPr>
             <a:r>
               <a:rPr lang="en-US" sz="1600" dirty="0" smtClean="0"/>
-              <a:t>Algorithm sometimes lost if the first move was bad. We gave algorithm a low starting depth value and it would occasionally pick a bad first move</a:t>
-            </a:r>
-          </a:p>
-          <a:p>
-            <a:pPr algn="l"/>
-            <a:r>
-              <a:rPr lang="en-US" sz="2000" dirty="0" smtClean="0"/>
-              <a:t>Compared to Decent AI</a:t>
-            </a:r>
-          </a:p>
-          <a:p>
-            <a:pPr marL="342900" indent="-342900" algn="l">
-              <a:buFont typeface="Arial" panose="020B0604020202020204" pitchFamily="34" charset="0"/>
-              <a:buChar char="•"/>
-            </a:pPr>
-            <a:r>
-              <a:rPr lang="en-US" sz="2000" dirty="0" smtClean="0"/>
-              <a:t>Against our original AI with the original utility function, the algorithm was very good</a:t>
+              <a:t>Removing speed ups would have made a high depth infeasible</a:t>
             </a:r>
           </a:p>
           <a:p>
@@ -6850,77 +6936,10 @@
               <a:buChar char="•"/>
             </a:pPr>
             <a:r>
-              <a:rPr lang="en-US" sz="1600" dirty="0" smtClean="0"/>
-              <a:t>This was because the original AI would make occasional very bad moves</a:t>
-            </a:r>
-          </a:p>
-          <a:p>
-            <a:pPr algn="l"/>
-            <a:r>
-              <a:rPr lang="en-US" sz="2000" dirty="0" smtClean="0"/>
-              <a:t>Compared to Players</a:t>
-            </a:r>
-          </a:p>
-          <a:p>
-            <a:pPr marL="342900" indent="-342900" algn="l">
-              <a:buFont typeface="Arial" panose="020B0604020202020204" pitchFamily="34" charset="0"/>
-              <a:buChar char="•"/>
-            </a:pPr>
-            <a:r>
-              <a:rPr lang="en-US" sz="2000" dirty="0" smtClean="0"/>
-              <a:t>Compared to players, the algorithm would win sometimes</a:t>
-            </a:r>
-          </a:p>
-          <a:p>
-            <a:pPr marL="342900" indent="-342900" algn="l">
-              <a:buFont typeface="Arial" panose="020B0604020202020204" pitchFamily="34" charset="0"/>
-              <a:buChar char="•"/>
-            </a:pPr>
-            <a:r>
-              <a:rPr lang="en-US" sz="2000" dirty="0" smtClean="0"/>
-              <a:t>It was very good at making plans that led to it’s own victory</a:t>
-            </a:r>
-          </a:p>
-          <a:p>
-            <a:pPr marL="800100" lvl="1" indent="-342900" algn="l">
-              <a:buFont typeface="Arial" panose="020B0604020202020204" pitchFamily="34" charset="0"/>
-              <a:buChar char="•"/>
-            </a:pPr>
-            <a:r>
-              <a:rPr lang="en-US" sz="1600" dirty="0" smtClean="0"/>
-              <a:t>Moves that allowed multiple possible winning moves</a:t>
-            </a:r>
-          </a:p>
-          <a:p>
-            <a:pPr marL="342900" indent="-342900" algn="l">
-              <a:buFont typeface="Arial" panose="020B0604020202020204" pitchFamily="34" charset="0"/>
-              <a:buChar char="•"/>
-            </a:pPr>
-            <a:r>
-              <a:rPr lang="en-US" sz="2000" dirty="0" smtClean="0"/>
-              <a:t>However it was bad at stopping Player’s strategy of making good plans</a:t>
-            </a:r>
-          </a:p>
-          <a:p>
-            <a:pPr marL="800100" lvl="1" indent="-342900" algn="l">
-              <a:buFont typeface="Arial" panose="020B0604020202020204" pitchFamily="34" charset="0"/>
-              <a:buChar char="•"/>
-            </a:pPr>
-            <a:r>
-              <a:rPr lang="en-US" sz="1600" dirty="0" smtClean="0"/>
-              <a:t>It can be easy to beat if the player went first</a:t>
-            </a:r>
-          </a:p>
-          <a:p>
-            <a:pPr marL="800100" lvl="1" indent="-342900" algn="l">
-              <a:buFont typeface="Arial" panose="020B0604020202020204" pitchFamily="34" charset="0"/>
-              <a:buChar char="•"/>
-            </a:pPr>
-            <a:r>
-              <a:rPr lang="en-US" sz="1600" dirty="0" smtClean="0"/>
-              <a:t>AI did not make good blocking moves that could stop players early on</a:t>
-            </a:r>
-            <a:endParaRPr lang="en-US" sz="1600" dirty="0"/>
+              <a:rPr lang="en-US" sz="1400" dirty="0" smtClean="0"/>
+              <a:t>64 possible tiles was a huge branching factor</a:t>
+            </a:r>
+            <a:endParaRPr lang="en-US" sz="1400" dirty="0"/>
           </a:p>
         </p:txBody>
       </p:sp>
@@ -6976,11 +6995,7 @@
           <a:p>
             <a:r>
               <a:rPr lang="en-US" dirty="0" smtClean="0"/>
-              <a:t>Timing </a:t>
-            </a:r>
-            <a:r>
-              <a:rPr lang="en-US" dirty="0" smtClean="0"/>
-              <a:t>Results</a:t>
+              <a:t>Problems with the Algorithm</a:t>
             </a:r>
             <a:endParaRPr lang="en-US" dirty="0"/>
           </a:p>
@@ -7011,93 +7026,72 @@
             <a:pPr algn="l"/>
             <a:r>
               <a:rPr lang="en-US" sz="2000" dirty="0" smtClean="0"/>
-              <a:t>Timing</a:t>
+              <a:t>Although the algorithm was very good at trying to win</a:t>
             </a:r>
           </a:p>
           <a:p>
             <a:pPr marL="342900" indent="-342900" algn="l">
-              <a:buFont typeface="Arial" panose="020B0604020202020204" pitchFamily="34" charset="0"/>
+              <a:buFont typeface="Arial" pitchFamily="34" charset="0"/>
               <a:buChar char="•"/>
             </a:pPr>
             <a:r>
               <a:rPr lang="en-US" sz="2000" dirty="0" smtClean="0"/>
-              <a:t>Very fast if depth does not increase too </a:t>
-            </a:r>
-            <a:r>
-              <a:rPr lang="en-US" sz="2000" dirty="0" smtClean="0"/>
-              <a:t>much</a:t>
+              <a:t>Very bad at stopping an opponent from winning if the opponent is going for a not obvious winning strategy plan</a:t>
             </a:r>
           </a:p>
           <a:p>
             <a:pPr marL="800100" lvl="1" indent="-342900" algn="l">
-              <a:buFont typeface="Arial" panose="020B0604020202020204" pitchFamily="34" charset="0"/>
+              <a:buFont typeface="Arial" pitchFamily="34" charset="0"/>
               <a:buChar char="•"/>
             </a:pPr>
             <a:r>
               <a:rPr lang="en-US" sz="1600" dirty="0" smtClean="0"/>
-              <a:t>Without alpha beta pruning, going beyond depth 2 would take over a minute</a:t>
+              <a:t>This could have been fixed by making our utility function more complicated</a:t>
             </a:r>
           </a:p>
           <a:p>
             <a:pPr marL="800100" lvl="1" indent="-342900" algn="l">
-              <a:buFont typeface="Arial" panose="020B0604020202020204" pitchFamily="34" charset="0"/>
+              <a:buFont typeface="Arial" pitchFamily="34" charset="0"/>
               <a:buChar char="•"/>
             </a:pPr>
             <a:r>
               <a:rPr lang="en-US" sz="1600" dirty="0" smtClean="0"/>
-              <a:t>Without speed ups or pruning, depth 2 took less than a minute, but depth 3 and more would take too long</a:t>
-            </a:r>
-            <a:endParaRPr lang="en-US" sz="1600" dirty="0" smtClean="0"/>
+              <a:t>Trying to win looks better than trying to block</a:t>
+            </a:r>
           </a:p>
           <a:p>
             <a:pPr marL="342900" indent="-342900" algn="l">
-              <a:buFont typeface="Arial" panose="020B0604020202020204" pitchFamily="34" charset="0"/>
+              <a:buFont typeface="Arial" pitchFamily="34" charset="0"/>
               <a:buChar char="•"/>
             </a:pPr>
             <a:r>
               <a:rPr lang="en-US" sz="2000" dirty="0" smtClean="0"/>
-              <a:t>Speeds up of reducing branch size allowed more depth within reasonable </a:t>
-            </a:r>
-            <a:r>
-              <a:rPr lang="en-US" sz="2000" dirty="0" smtClean="0"/>
-              <a:t>time</a:t>
+              <a:t>Human players can search deeper for very good plans and strategies</a:t>
             </a:r>
           </a:p>
           <a:p>
             <a:pPr marL="800100" lvl="1" indent="-342900" algn="l">
-              <a:buFont typeface="Arial" panose="020B0604020202020204" pitchFamily="34" charset="0"/>
+              <a:buFont typeface="Arial" pitchFamily="34" charset="0"/>
               <a:buChar char="•"/>
             </a:pPr>
             <a:r>
               <a:rPr lang="en-US" sz="1600" dirty="0" smtClean="0"/>
-              <a:t>Algorithm was able to increase to depth 4 or 5</a:t>
-            </a:r>
-            <a:endParaRPr lang="en-US" sz="1600" dirty="0" smtClean="0"/>
+              <a:t>AI was limited to search all strategies to the same depth</a:t>
+            </a:r>
           </a:p>
           <a:p>
             <a:pPr marL="800100" lvl="1" indent="-342900" algn="l">
-              <a:buFont typeface="Arial" panose="020B0604020202020204" pitchFamily="34" charset="0"/>
+              <a:buFont typeface="Arial" pitchFamily="34" charset="0"/>
               <a:buChar char="•"/>
             </a:pPr>
             <a:r>
               <a:rPr lang="en-US" sz="1600" dirty="0" smtClean="0"/>
-              <a:t>Removing speed ups would have made a high depth infeasible</a:t>
-            </a:r>
-          </a:p>
-          <a:p>
-            <a:pPr marL="800100" lvl="1" indent="-342900" algn="l">
-              <a:buFont typeface="Arial" panose="020B0604020202020204" pitchFamily="34" charset="0"/>
-              <a:buChar char="•"/>
-            </a:pPr>
-            <a:r>
-              <a:rPr lang="en-US" sz="1400" dirty="0" smtClean="0"/>
-              <a:t>64 possible tiles was a huge branching </a:t>
-            </a:r>
-            <a:r>
-              <a:rPr lang="en-US" sz="1400" dirty="0" smtClean="0"/>
-              <a:t>factor</a:t>
-            </a:r>
-            <a:endParaRPr lang="en-US" sz="1400" dirty="0"/>
+              <a:t>Searching a bad strategy takes time and the algorithm will not increase depth value when time is wasted</a:t>
+            </a:r>
+          </a:p>
+          <a:p>
+            <a:pPr algn="l"/>
+            <a:endParaRPr lang="en-US" sz="2000" dirty="0"/>
           </a:p>
         </p:txBody>
       </p:sp>
@@ -7153,158 +7147,6 @@
           <a:p>
             <a:r>
               <a:rPr lang="en-US" dirty="0" smtClean="0"/>
-              <a:t>Problems with the Algorithm</a:t>
-            </a:r>
-            <a:endParaRPr lang="en-US" dirty="0"/>
-          </a:p>
-        </p:txBody>
-      </p:sp>
-      <p:sp>
-        <p:nvSpPr>
-          <p:cNvPr id="3" name="Subtitle 2"/>
-          <p:cNvSpPr>
-            <a:spLocks noGrp="1"/>
-          </p:cNvSpPr>
-          <p:nvPr>
-            <p:ph type="subTitle" idx="1"/>
-          </p:nvPr>
-        </p:nvSpPr>
-        <p:spPr>
-          <a:xfrm>
-            <a:off x="762000" y="1447800"/>
-            <a:ext cx="7543800" cy="4191000"/>
-          </a:xfrm>
-        </p:spPr>
-        <p:txBody>
-          <a:bodyPr>
-            <a:normAutofit/>
-          </a:bodyPr>
-          <a:lstStyle/>
-          <a:p>
-            <a:pPr algn="l"/>
-            <a:r>
-              <a:rPr lang="en-US" sz="2000" dirty="0" smtClean="0"/>
-              <a:t>Although the algorithm was very good at trying to win</a:t>
-            </a:r>
-          </a:p>
-          <a:p>
-            <a:pPr marL="342900" indent="-342900" algn="l">
-              <a:buFont typeface="Arial" pitchFamily="34" charset="0"/>
-              <a:buChar char="•"/>
-            </a:pPr>
-            <a:r>
-              <a:rPr lang="en-US" sz="2000" dirty="0" smtClean="0"/>
-              <a:t>Very bad at stopping an opponent from winning if the opponent is going for a not obvious winning strategy plan</a:t>
-            </a:r>
-          </a:p>
-          <a:p>
-            <a:pPr marL="800100" lvl="1" indent="-342900" algn="l">
-              <a:buFont typeface="Arial" pitchFamily="34" charset="0"/>
-              <a:buChar char="•"/>
-            </a:pPr>
-            <a:r>
-              <a:rPr lang="en-US" sz="1600" dirty="0" smtClean="0"/>
-              <a:t>This could have been fixed by making our utility function more complicated</a:t>
-            </a:r>
-          </a:p>
-          <a:p>
-            <a:pPr marL="800100" lvl="1" indent="-342900" algn="l">
-              <a:buFont typeface="Arial" pitchFamily="34" charset="0"/>
-              <a:buChar char="•"/>
-            </a:pPr>
-            <a:r>
-              <a:rPr lang="en-US" sz="1600" dirty="0" smtClean="0"/>
-              <a:t>Trying to win looks better than trying to block</a:t>
-            </a:r>
-          </a:p>
-          <a:p>
-            <a:pPr marL="342900" indent="-342900" algn="l">
-              <a:buFont typeface="Arial" pitchFamily="34" charset="0"/>
-              <a:buChar char="•"/>
-            </a:pPr>
-            <a:r>
-              <a:rPr lang="en-US" sz="2000" dirty="0" smtClean="0"/>
-              <a:t>Human players can search deeper for very good plans and strategies</a:t>
-            </a:r>
-          </a:p>
-          <a:p>
-            <a:pPr marL="800100" lvl="1" indent="-342900" algn="l">
-              <a:buFont typeface="Arial" pitchFamily="34" charset="0"/>
-              <a:buChar char="•"/>
-            </a:pPr>
-            <a:r>
-              <a:rPr lang="en-US" sz="1600" dirty="0" smtClean="0"/>
-              <a:t>AI was limited to search all strategies to the same depth</a:t>
-            </a:r>
-          </a:p>
-          <a:p>
-            <a:pPr marL="800100" lvl="1" indent="-342900" algn="l">
-              <a:buFont typeface="Arial" pitchFamily="34" charset="0"/>
-              <a:buChar char="•"/>
-            </a:pPr>
-            <a:r>
-              <a:rPr lang="en-US" sz="1600" dirty="0" smtClean="0"/>
-              <a:t>Searching a bad strategy takes time and the algorithm will not increase depth value when time is wasted</a:t>
-            </a:r>
-          </a:p>
-          <a:p>
-            <a:pPr algn="l"/>
-            <a:endParaRPr lang="en-US" sz="2000" dirty="0"/>
-          </a:p>
-        </p:txBody>
-      </p:sp>
-    </p:spTree>
-    <p:extLst>
-      <p:ext uri="{BB962C8B-B14F-4D97-AF65-F5344CB8AC3E}">
-        <p14:creationId xmlns:p14="http://schemas.microsoft.com/office/powerpoint/2010/main" val="3352461406"/>
-      </p:ext>
-    </p:extLst>
-  </p:cSld>
-  <p:clrMapOvr>
-    <a:masterClrMapping/>
-  </p:clrMapOvr>
-</p:sld>
-</file>
-
-<file path=ppt/slides/slide16.xml><?xml version="1.0" encoding="utf-8"?>
-<p:sld xmlns:a="http://schemas.openxmlformats.org/drawingml/2006/main" xmlns:r="http://schemas.openxmlformats.org/officeDocument/2006/relationships" xmlns:p="http://schemas.openxmlformats.org/presentationml/2006/main">
-  <p:cSld>
-    <p:spTree>
-      <p:nvGrpSpPr>
-        <p:cNvPr id="1" name=""/>
-        <p:cNvGrpSpPr/>
-        <p:nvPr/>
-      </p:nvGrpSpPr>
-      <p:grpSpPr>
-        <a:xfrm>
-          <a:off x="0" y="0"/>
-          <a:ext cx="0" cy="0"/>
-          <a:chOff x="0" y="0"/>
-          <a:chExt cx="0" cy="0"/>
-        </a:xfrm>
-      </p:grpSpPr>
-      <p:sp>
-        <p:nvSpPr>
-          <p:cNvPr id="2" name="Title 1"/>
-          <p:cNvSpPr>
-            <a:spLocks noGrp="1"/>
-          </p:cNvSpPr>
-          <p:nvPr>
-            <p:ph type="ctrTitle"/>
-          </p:nvPr>
-        </p:nvSpPr>
-        <p:spPr>
-          <a:xfrm>
-            <a:off x="685800" y="381000"/>
-            <a:ext cx="7772400" cy="1470025"/>
-          </a:xfrm>
-        </p:spPr>
-        <p:txBody>
-          <a:bodyPr/>
-          <a:lstStyle/>
-          <a:p>
-            <a:r>
-              <a:rPr lang="en-US" dirty="0" smtClean="0"/>
               <a:t>Conclusion</a:t>
             </a:r>
             <a:endParaRPr lang="en-US" dirty="0"/>
@@ -7511,7 +7353,19 @@
             <a:pPr algn="l"/>
             <a:r>
               <a:rPr lang="en-US" dirty="0" smtClean="0"/>
-              <a:t>The object of our Four-In-A-Row is to get four in a row. The first player displays as O, and the second player displays X. Then player1 and player2 alternatively place their chesses until one player has 4 in a row or the board is filled with chesses. </a:t>
+              <a:t>The object of our Four-In-A-Row is to get four in a row. The first player displays as O, and the second player displays X. Then player1 and player2 alternatively place their chesses until one player has 4 in a row or the board is </a:t>
+            </a:r>
+            <a:r>
+              <a:rPr lang="en-US" dirty="0" smtClean="0"/>
+              <a:t>entirely filled </a:t>
+            </a:r>
+            <a:r>
+              <a:rPr lang="en-US" dirty="0" smtClean="0"/>
+              <a:t>with </a:t>
+            </a:r>
+            <a:r>
+              <a:rPr lang="en-US" dirty="0" smtClean="0"/>
+              <a:t>pieces. </a:t>
             </a:r>
             <a:endParaRPr lang="en-US" dirty="0"/>
           </a:p>
@@ -7768,7 +7622,7 @@
           <a:p>
             <a:r>
               <a:rPr lang="en-US" dirty="0" smtClean="0"/>
-              <a:t>PEAS</a:t>
+              <a:t>Game GUI</a:t>
             </a:r>
             <a:endParaRPr lang="en-US" dirty="0"/>
           </a:p>
@@ -7791,88 +7645,15 @@
           </a:xfrm>
         </p:spPr>
         <p:txBody>
-          <a:bodyPr>
-            <a:noAutofit/>
-          </a:bodyPr>
+          <a:bodyPr/>
           <a:lstStyle/>
           <a:p>
             <a:pPr algn="l"/>
             <a:r>
-              <a:rPr lang="en-US" sz="2000" dirty="0" smtClean="0"/>
-              <a:t>Performance</a:t>
-            </a:r>
-          </a:p>
-          <a:p>
-            <a:pPr marL="457200" indent="-457200" algn="l">
-              <a:buFont typeface="Arial" panose="020B0604020202020204" pitchFamily="34" charset="0"/>
-              <a:buChar char="•"/>
-            </a:pPr>
-            <a:r>
-              <a:rPr lang="en-US" sz="2000" dirty="0" smtClean="0"/>
-              <a:t>Win the game</a:t>
-            </a:r>
-          </a:p>
-          <a:p>
-            <a:pPr marL="457200" indent="-457200" algn="l">
-              <a:buFont typeface="Arial" panose="020B0604020202020204" pitchFamily="34" charset="0"/>
-              <a:buChar char="•"/>
-            </a:pPr>
-            <a:r>
-              <a:rPr lang="en-US" sz="2000" dirty="0" smtClean="0"/>
-              <a:t>Too slow, infeasible time</a:t>
-            </a:r>
-          </a:p>
-          <a:p>
-            <a:pPr algn="l"/>
-            <a:r>
-              <a:rPr lang="en-US" sz="2000" dirty="0" smtClean="0"/>
-              <a:t>Environment</a:t>
-            </a:r>
-          </a:p>
-          <a:p>
-            <a:pPr marL="457200" indent="-457200" algn="l">
-              <a:buFont typeface="Arial" panose="020B0604020202020204" pitchFamily="34" charset="0"/>
-              <a:buChar char="•"/>
-            </a:pPr>
-            <a:r>
-              <a:rPr lang="en-US" sz="2000" dirty="0" smtClean="0"/>
-              <a:t>Game board 8x8 grid</a:t>
-            </a:r>
-          </a:p>
-          <a:p>
-            <a:pPr algn="l"/>
-            <a:r>
-              <a:rPr lang="en-US" sz="2000" dirty="0" smtClean="0"/>
-              <a:t>Actuator</a:t>
-            </a:r>
-          </a:p>
-          <a:p>
-            <a:pPr marL="457200" indent="-457200" algn="l">
-              <a:buFont typeface="Arial" panose="020B0604020202020204" pitchFamily="34" charset="0"/>
-              <a:buChar char="•"/>
-            </a:pPr>
-            <a:r>
-              <a:rPr lang="en-US" sz="2000" dirty="0" smtClean="0"/>
-              <a:t>Placing tiles on the board</a:t>
-            </a:r>
-          </a:p>
-          <a:p>
-            <a:pPr algn="l"/>
-            <a:r>
-              <a:rPr lang="en-US" sz="2000" dirty="0" smtClean="0"/>
-              <a:t>Sensor</a:t>
-            </a:r>
-          </a:p>
-          <a:p>
-            <a:pPr marL="457200" indent="-457200" algn="l">
-              <a:buFont typeface="Arial" panose="020B0604020202020204" pitchFamily="34" charset="0"/>
-              <a:buChar char="•"/>
-            </a:pPr>
-            <a:r>
-              <a:rPr lang="en-US" sz="2000" dirty="0" smtClean="0"/>
-              <a:t>Board stored as matrix for evaluation</a:t>
-            </a:r>
-            <a:endParaRPr lang="en-US" sz="2000" dirty="0"/>
+              <a:rPr lang="en-US" dirty="0" smtClean="0"/>
+              <a:t>a</a:t>
+            </a:r>
+            <a:endParaRPr lang="en-US" dirty="0"/>
           </a:p>
         </p:txBody>
       </p:sp>
@@ -7928,7 +7709,7 @@
           <a:p>
             <a:r>
               <a:rPr lang="en-US" dirty="0" smtClean="0"/>
-              <a:t>Game GUI</a:t>
+              <a:t>Utility Function</a:t>
             </a:r>
             <a:endParaRPr lang="en-US" dirty="0"/>
           </a:p>
@@ -7951,18 +7732,1852 @@
           </a:xfrm>
         </p:spPr>
         <p:txBody>
-          <a:bodyPr/>
+          <a:bodyPr>
+            <a:normAutofit lnSpcReduction="10000"/>
+          </a:bodyPr>
           <a:lstStyle/>
           <a:p>
             <a:pPr algn="l"/>
             <a:r>
-              <a:rPr lang="en-US" dirty="0" smtClean="0"/>
-              <a:t>a</a:t>
-            </a:r>
-            <a:endParaRPr lang="en-US" dirty="0"/>
-          </a:p>
-        </p:txBody>
-      </p:sp>
+              <a:rPr lang="en-US" sz="2000" dirty="0" smtClean="0"/>
+              <a:t>Utility function</a:t>
+            </a:r>
+          </a:p>
+          <a:p>
+            <a:pPr marL="342900" indent="-342900" algn="l">
+              <a:buFont typeface="Arial" panose="020B0604020202020204" pitchFamily="34" charset="0"/>
+              <a:buChar char="•"/>
+            </a:pPr>
+            <a:r>
+              <a:rPr lang="en-US" sz="2000" dirty="0" smtClean="0"/>
+              <a:t>Tiles next to existing moves are more ideal</a:t>
+            </a:r>
+          </a:p>
+          <a:p>
+            <a:pPr marL="342900" indent="-342900" algn="l">
+              <a:buFont typeface="Arial" panose="020B0604020202020204" pitchFamily="34" charset="0"/>
+              <a:buChar char="•"/>
+            </a:pPr>
+            <a:r>
+              <a:rPr lang="en-US" sz="2000" dirty="0" smtClean="0"/>
+              <a:t>A tile’s value increases the more tiles are in the vicinity</a:t>
+            </a:r>
+          </a:p>
+          <a:p>
+            <a:pPr marL="800100" lvl="1" indent="-342900" algn="l">
+              <a:buFont typeface="Arial" panose="020B0604020202020204" pitchFamily="34" charset="0"/>
+              <a:buChar char="•"/>
+            </a:pPr>
+            <a:r>
+              <a:rPr lang="en-US" sz="1600" dirty="0" smtClean="0"/>
+              <a:t>Need to chain tiles together to win</a:t>
+            </a:r>
+          </a:p>
+          <a:p>
+            <a:pPr marL="800100" lvl="1" indent="-342900" algn="l">
+              <a:buFont typeface="Arial" panose="020B0604020202020204" pitchFamily="34" charset="0"/>
+              <a:buChar char="•"/>
+            </a:pPr>
+            <a:r>
+              <a:rPr lang="en-US" sz="1600" dirty="0" smtClean="0">
+                <a:solidFill>
+                  <a:srgbClr val="FF0000"/>
+                </a:solidFill>
+              </a:rPr>
+              <a:t>Value = # of same tiles distance 4 away on same row/col/diagonal</a:t>
+            </a:r>
+          </a:p>
+          <a:p>
+            <a:pPr marL="800100" lvl="1" indent="-342900" algn="l">
+              <a:buFont typeface="Arial" panose="020B0604020202020204" pitchFamily="34" charset="0"/>
+              <a:buChar char="•"/>
+            </a:pPr>
+            <a:r>
+              <a:rPr lang="en-US" sz="1600" dirty="0" smtClean="0">
+                <a:solidFill>
+                  <a:srgbClr val="FF0000"/>
+                </a:solidFill>
+              </a:rPr>
+              <a:t>Minus </a:t>
+            </a:r>
+            <a:r>
+              <a:rPr lang="en-US" sz="1600" dirty="0">
+                <a:solidFill>
+                  <a:srgbClr val="FF0000"/>
+                </a:solidFill>
+              </a:rPr>
+              <a:t># of </a:t>
+            </a:r>
+            <a:r>
+              <a:rPr lang="en-US" sz="1600" dirty="0" smtClean="0">
+                <a:solidFill>
+                  <a:srgbClr val="FF0000"/>
+                </a:solidFill>
+              </a:rPr>
+              <a:t>non-empty tiles </a:t>
+            </a:r>
+            <a:r>
+              <a:rPr lang="en-US" sz="1600" dirty="0">
+                <a:solidFill>
+                  <a:srgbClr val="FF0000"/>
+                </a:solidFill>
+              </a:rPr>
+              <a:t>distance 4 away on same row/col/diagonal</a:t>
+            </a:r>
+          </a:p>
+          <a:p>
+            <a:pPr marL="800100" lvl="1" indent="-342900" algn="l">
+              <a:buFont typeface="Arial" panose="020B0604020202020204" pitchFamily="34" charset="0"/>
+              <a:buChar char="•"/>
+            </a:pPr>
+            <a:endParaRPr lang="en-US" sz="1600" dirty="0" smtClean="0">
+              <a:solidFill>
+                <a:srgbClr val="FF0000"/>
+              </a:solidFill>
+            </a:endParaRPr>
+          </a:p>
+          <a:p>
+            <a:pPr marL="800100" lvl="1" indent="-342900" algn="l">
+              <a:buFont typeface="Arial" panose="020B0604020202020204" pitchFamily="34" charset="0"/>
+              <a:buChar char="•"/>
+            </a:pPr>
+            <a:endParaRPr lang="en-US" sz="1600" dirty="0"/>
+          </a:p>
+          <a:p>
+            <a:pPr marL="800100" lvl="1" indent="-342900" algn="l">
+              <a:buFont typeface="Arial" panose="020B0604020202020204" pitchFamily="34" charset="0"/>
+              <a:buChar char="•"/>
+            </a:pPr>
+            <a:endParaRPr lang="en-US" sz="1600" dirty="0" smtClean="0"/>
+          </a:p>
+          <a:p>
+            <a:pPr marL="800100" lvl="1" indent="-342900" algn="l">
+              <a:buFont typeface="Arial" panose="020B0604020202020204" pitchFamily="34" charset="0"/>
+              <a:buChar char="•"/>
+            </a:pPr>
+            <a:endParaRPr lang="en-US" sz="1600" dirty="0" smtClean="0"/>
+          </a:p>
+          <a:p>
+            <a:pPr algn="l"/>
+            <a:r>
+              <a:rPr lang="en-US" sz="2000" dirty="0" smtClean="0"/>
+              <a:t>However</a:t>
+            </a:r>
+          </a:p>
+          <a:p>
+            <a:pPr marL="342900" indent="-342900" algn="l">
+              <a:buFont typeface="Arial" panose="020B0604020202020204" pitchFamily="34" charset="0"/>
+              <a:buChar char="•"/>
+            </a:pPr>
+            <a:r>
+              <a:rPr lang="en-US" sz="2000" dirty="0" smtClean="0"/>
+              <a:t>Linear utility function not completely ideal. Winning moves need to have a higher value so that these moves are committed to first.</a:t>
+            </a:r>
+          </a:p>
+        </p:txBody>
+      </p:sp>
+      <p:graphicFrame>
+        <p:nvGraphicFramePr>
+          <p:cNvPr id="5" name="Table 4"/>
+          <p:cNvGraphicFramePr>
+            <a:graphicFrameLocks noGrp="1"/>
+          </p:cNvGraphicFramePr>
+          <p:nvPr>
+            <p:extLst>
+              <p:ext uri="{D42A27DB-BD31-4B8C-83A1-F6EECF244321}">
+                <p14:modId xmlns:p14="http://schemas.microsoft.com/office/powerpoint/2010/main" val="3840082738"/>
+              </p:ext>
+            </p:extLst>
+          </p:nvPr>
+        </p:nvGraphicFramePr>
+        <p:xfrm>
+          <a:off x="1219200" y="3352800"/>
+          <a:ext cx="1257300" cy="762000"/>
+        </p:xfrm>
+        <a:graphic>
+          <a:graphicData uri="http://schemas.openxmlformats.org/drawingml/2006/table">
+            <a:tbl>
+              <a:tblPr>
+                <a:tableStyleId>{5C22544A-7EE6-4342-B048-85BDC9FD1C3A}</a:tableStyleId>
+              </a:tblPr>
+              <a:tblGrid>
+                <a:gridCol w="139700"/>
+                <a:gridCol w="139700"/>
+                <a:gridCol w="139700"/>
+                <a:gridCol w="139700"/>
+                <a:gridCol w="139700"/>
+                <a:gridCol w="139700"/>
+                <a:gridCol w="139700"/>
+                <a:gridCol w="139700"/>
+                <a:gridCol w="139700"/>
+              </a:tblGrid>
+              <a:tr h="190500">
+                <a:tc>
+                  <a:txBody>
+                    <a:bodyPr/>
+                    <a:lstStyle/>
+                    <a:p>
+                      <a:pPr algn="l" fontAlgn="b"/>
+                      <a:r>
+                        <a:rPr lang="en-US" sz="1100" u="none" strike="noStrike" dirty="0">
+                          <a:effectLst/>
+                        </a:rPr>
+                        <a:t> </a:t>
+                      </a:r>
+                      <a:endParaRPr lang="en-US" sz="1100" b="0" i="0" u="none" strike="noStrike" dirty="0">
+                        <a:solidFill>
+                          <a:srgbClr val="000000"/>
+                        </a:solidFill>
+                        <a:effectLst/>
+                        <a:latin typeface="Calibri" panose="020F0502020204030204" pitchFamily="34" charset="0"/>
+                      </a:endParaRPr>
+                    </a:p>
+                  </a:txBody>
+                  <a:tcPr marL="9525" marR="9525" marT="9525" marB="0" anchor="b"/>
+                </a:tc>
+                <a:tc>
+                  <a:txBody>
+                    <a:bodyPr/>
+                    <a:lstStyle/>
+                    <a:p>
+                      <a:pPr algn="l" fontAlgn="b"/>
+                      <a:r>
+                        <a:rPr lang="en-US" sz="1100" u="none" strike="noStrike">
+                          <a:effectLst/>
+                        </a:rPr>
+                        <a:t> </a:t>
+                      </a:r>
+                      <a:endParaRPr lang="en-US" sz="1100" b="0" i="0" u="none" strike="noStrike">
+                        <a:solidFill>
+                          <a:srgbClr val="000000"/>
+                        </a:solidFill>
+                        <a:effectLst/>
+                        <a:latin typeface="Calibri" panose="020F0502020204030204" pitchFamily="34" charset="0"/>
+                      </a:endParaRPr>
+                    </a:p>
+                  </a:txBody>
+                  <a:tcPr marL="9525" marR="9525" marT="9525" marB="0" anchor="b"/>
+                </a:tc>
+                <a:tc>
+                  <a:txBody>
+                    <a:bodyPr/>
+                    <a:lstStyle/>
+                    <a:p>
+                      <a:pPr algn="l" fontAlgn="b"/>
+                      <a:r>
+                        <a:rPr lang="en-US" sz="1100" u="none" strike="noStrike">
+                          <a:effectLst/>
+                        </a:rPr>
+                        <a:t> </a:t>
+                      </a:r>
+                      <a:endParaRPr lang="en-US" sz="1100" b="0" i="0" u="none" strike="noStrike">
+                        <a:solidFill>
+                          <a:srgbClr val="000000"/>
+                        </a:solidFill>
+                        <a:effectLst/>
+                        <a:latin typeface="Calibri" panose="020F0502020204030204" pitchFamily="34" charset="0"/>
+                      </a:endParaRPr>
+                    </a:p>
+                  </a:txBody>
+                  <a:tcPr marL="9525" marR="9525" marT="9525" marB="0" anchor="b"/>
+                </a:tc>
+                <a:tc>
+                  <a:txBody>
+                    <a:bodyPr/>
+                    <a:lstStyle/>
+                    <a:p>
+                      <a:pPr algn="l" fontAlgn="b"/>
+                      <a:r>
+                        <a:rPr lang="en-US" sz="1100" u="none" strike="noStrike" dirty="0">
+                          <a:effectLst/>
+                        </a:rPr>
+                        <a:t> </a:t>
+                      </a:r>
+                      <a:endParaRPr lang="en-US" sz="1100" b="0" i="0" u="none" strike="noStrike" dirty="0">
+                        <a:solidFill>
+                          <a:srgbClr val="000000"/>
+                        </a:solidFill>
+                        <a:effectLst/>
+                        <a:latin typeface="Calibri" panose="020F0502020204030204" pitchFamily="34" charset="0"/>
+                      </a:endParaRPr>
+                    </a:p>
+                  </a:txBody>
+                  <a:tcPr marL="9525" marR="9525" marT="9525" marB="0" anchor="b"/>
+                </a:tc>
+                <a:tc>
+                  <a:txBody>
+                    <a:bodyPr/>
+                    <a:lstStyle/>
+                    <a:p>
+                      <a:pPr algn="l" fontAlgn="b"/>
+                      <a:endParaRPr lang="en-US" sz="1100" b="0" i="0" u="none" strike="noStrike">
+                        <a:solidFill>
+                          <a:srgbClr val="000000"/>
+                        </a:solidFill>
+                        <a:effectLst/>
+                        <a:latin typeface="Calibri" panose="020F0502020204030204" pitchFamily="34" charset="0"/>
+                      </a:endParaRPr>
+                    </a:p>
+                  </a:txBody>
+                  <a:tcPr marL="9525" marR="9525" marT="9525" marB="0" anchor="b"/>
+                </a:tc>
+                <a:tc>
+                  <a:txBody>
+                    <a:bodyPr/>
+                    <a:lstStyle/>
+                    <a:p>
+                      <a:pPr algn="r" fontAlgn="b"/>
+                      <a:r>
+                        <a:rPr lang="en-US" sz="1100" u="none" strike="noStrike">
+                          <a:effectLst/>
+                        </a:rPr>
+                        <a:t>1</a:t>
+                      </a:r>
+                      <a:endParaRPr lang="en-US" sz="1100" b="0" i="0" u="none" strike="noStrike">
+                        <a:solidFill>
+                          <a:srgbClr val="000000"/>
+                        </a:solidFill>
+                        <a:effectLst/>
+                        <a:latin typeface="Calibri" panose="020F0502020204030204" pitchFamily="34" charset="0"/>
+                      </a:endParaRPr>
+                    </a:p>
+                  </a:txBody>
+                  <a:tcPr marL="9525" marR="9525" marT="9525" marB="0" anchor="b"/>
+                </a:tc>
+                <a:tc>
+                  <a:txBody>
+                    <a:bodyPr/>
+                    <a:lstStyle/>
+                    <a:p>
+                      <a:pPr algn="r" fontAlgn="b"/>
+                      <a:r>
+                        <a:rPr lang="en-US" sz="1100" u="none" strike="noStrike">
+                          <a:effectLst/>
+                        </a:rPr>
+                        <a:t>1</a:t>
+                      </a:r>
+                      <a:endParaRPr lang="en-US" sz="1100" b="0" i="0" u="none" strike="noStrike">
+                        <a:solidFill>
+                          <a:srgbClr val="000000"/>
+                        </a:solidFill>
+                        <a:effectLst/>
+                        <a:latin typeface="Calibri" panose="020F0502020204030204" pitchFamily="34" charset="0"/>
+                      </a:endParaRPr>
+                    </a:p>
+                  </a:txBody>
+                  <a:tcPr marL="9525" marR="9525" marT="9525" marB="0" anchor="b"/>
+                </a:tc>
+                <a:tc>
+                  <a:txBody>
+                    <a:bodyPr/>
+                    <a:lstStyle/>
+                    <a:p>
+                      <a:pPr algn="r" fontAlgn="b"/>
+                      <a:r>
+                        <a:rPr lang="en-US" sz="1100" u="none" strike="noStrike">
+                          <a:effectLst/>
+                        </a:rPr>
+                        <a:t>1</a:t>
+                      </a:r>
+                      <a:endParaRPr lang="en-US" sz="1100" b="0" i="0" u="none" strike="noStrike">
+                        <a:solidFill>
+                          <a:srgbClr val="000000"/>
+                        </a:solidFill>
+                        <a:effectLst/>
+                        <a:latin typeface="Calibri" panose="020F0502020204030204" pitchFamily="34" charset="0"/>
+                      </a:endParaRPr>
+                    </a:p>
+                  </a:txBody>
+                  <a:tcPr marL="9525" marR="9525" marT="9525" marB="0" anchor="b"/>
+                </a:tc>
+                <a:tc>
+                  <a:txBody>
+                    <a:bodyPr/>
+                    <a:lstStyle/>
+                    <a:p>
+                      <a:pPr algn="l" fontAlgn="b"/>
+                      <a:r>
+                        <a:rPr lang="en-US" sz="1100" u="none" strike="noStrike">
+                          <a:effectLst/>
+                        </a:rPr>
+                        <a:t> </a:t>
+                      </a:r>
+                      <a:endParaRPr lang="en-US" sz="1100" b="0" i="0" u="none" strike="noStrike">
+                        <a:solidFill>
+                          <a:srgbClr val="000000"/>
+                        </a:solidFill>
+                        <a:effectLst/>
+                        <a:latin typeface="Calibri" panose="020F0502020204030204" pitchFamily="34" charset="0"/>
+                      </a:endParaRPr>
+                    </a:p>
+                  </a:txBody>
+                  <a:tcPr marL="9525" marR="9525" marT="9525" marB="0" anchor="b"/>
+                </a:tc>
+              </a:tr>
+              <a:tr h="190500">
+                <a:tc>
+                  <a:txBody>
+                    <a:bodyPr/>
+                    <a:lstStyle/>
+                    <a:p>
+                      <a:pPr algn="l" fontAlgn="b"/>
+                      <a:r>
+                        <a:rPr lang="en-US" sz="1100" u="none" strike="noStrike">
+                          <a:effectLst/>
+                        </a:rPr>
+                        <a:t> </a:t>
+                      </a:r>
+                      <a:endParaRPr lang="en-US" sz="1100" b="0" i="0" u="none" strike="noStrike">
+                        <a:solidFill>
+                          <a:srgbClr val="000000"/>
+                        </a:solidFill>
+                        <a:effectLst/>
+                        <a:latin typeface="Calibri" panose="020F0502020204030204" pitchFamily="34" charset="0"/>
+                      </a:endParaRPr>
+                    </a:p>
+                  </a:txBody>
+                  <a:tcPr marL="9525" marR="9525" marT="9525" marB="0" anchor="b"/>
+                </a:tc>
+                <a:tc>
+                  <a:txBody>
+                    <a:bodyPr/>
+                    <a:lstStyle/>
+                    <a:p>
+                      <a:pPr algn="l" fontAlgn="b"/>
+                      <a:r>
+                        <a:rPr lang="en-US" sz="1100" u="none" strike="noStrike">
+                          <a:effectLst/>
+                        </a:rPr>
+                        <a:t>X</a:t>
+                      </a:r>
+                      <a:endParaRPr lang="en-US" sz="1100" b="0" i="0" u="none" strike="noStrike">
+                        <a:solidFill>
+                          <a:srgbClr val="000000"/>
+                        </a:solidFill>
+                        <a:effectLst/>
+                        <a:latin typeface="Calibri" panose="020F0502020204030204" pitchFamily="34" charset="0"/>
+                      </a:endParaRPr>
+                    </a:p>
+                  </a:txBody>
+                  <a:tcPr marL="9525" marR="9525" marT="9525" marB="0" anchor="b"/>
+                </a:tc>
+                <a:tc>
+                  <a:txBody>
+                    <a:bodyPr/>
+                    <a:lstStyle/>
+                    <a:p>
+                      <a:pPr algn="l" fontAlgn="b"/>
+                      <a:r>
+                        <a:rPr lang="en-US" sz="1100" u="none" strike="noStrike">
+                          <a:effectLst/>
+                        </a:rPr>
+                        <a:t> </a:t>
+                      </a:r>
+                      <a:endParaRPr lang="en-US" sz="1100" b="0" i="0" u="none" strike="noStrike">
+                        <a:solidFill>
+                          <a:srgbClr val="000000"/>
+                        </a:solidFill>
+                        <a:effectLst/>
+                        <a:latin typeface="Calibri" panose="020F0502020204030204" pitchFamily="34" charset="0"/>
+                      </a:endParaRPr>
+                    </a:p>
+                  </a:txBody>
+                  <a:tcPr marL="9525" marR="9525" marT="9525" marB="0" anchor="b"/>
+                </a:tc>
+                <a:tc>
+                  <a:txBody>
+                    <a:bodyPr/>
+                    <a:lstStyle/>
+                    <a:p>
+                      <a:pPr algn="l" fontAlgn="b"/>
+                      <a:r>
+                        <a:rPr lang="en-US" sz="1100" u="none" strike="noStrike">
+                          <a:effectLst/>
+                        </a:rPr>
+                        <a:t> </a:t>
+                      </a:r>
+                      <a:endParaRPr lang="en-US" sz="1100" b="0" i="0" u="none" strike="noStrike">
+                        <a:solidFill>
+                          <a:srgbClr val="000000"/>
+                        </a:solidFill>
+                        <a:effectLst/>
+                        <a:latin typeface="Calibri" panose="020F0502020204030204" pitchFamily="34" charset="0"/>
+                      </a:endParaRPr>
+                    </a:p>
+                  </a:txBody>
+                  <a:tcPr marL="9525" marR="9525" marT="9525" marB="0" anchor="b"/>
+                </a:tc>
+                <a:tc>
+                  <a:txBody>
+                    <a:bodyPr/>
+                    <a:lstStyle/>
+                    <a:p>
+                      <a:pPr algn="l" fontAlgn="b"/>
+                      <a:endParaRPr lang="en-US" sz="1100" b="0" i="0" u="none" strike="noStrike">
+                        <a:solidFill>
+                          <a:srgbClr val="000000"/>
+                        </a:solidFill>
+                        <a:effectLst/>
+                        <a:latin typeface="Calibri" panose="020F0502020204030204" pitchFamily="34" charset="0"/>
+                      </a:endParaRPr>
+                    </a:p>
+                  </a:txBody>
+                  <a:tcPr marL="9525" marR="9525" marT="9525" marB="0" anchor="b"/>
+                </a:tc>
+                <a:tc>
+                  <a:txBody>
+                    <a:bodyPr/>
+                    <a:lstStyle/>
+                    <a:p>
+                      <a:pPr algn="r" fontAlgn="b"/>
+                      <a:r>
+                        <a:rPr lang="en-US" sz="1100" u="none" strike="noStrike">
+                          <a:effectLst/>
+                        </a:rPr>
+                        <a:t>1</a:t>
+                      </a:r>
+                      <a:endParaRPr lang="en-US" sz="1100" b="0" i="0" u="none" strike="noStrike">
+                        <a:solidFill>
+                          <a:srgbClr val="000000"/>
+                        </a:solidFill>
+                        <a:effectLst/>
+                        <a:latin typeface="Calibri" panose="020F0502020204030204" pitchFamily="34" charset="0"/>
+                      </a:endParaRPr>
+                    </a:p>
+                  </a:txBody>
+                  <a:tcPr marL="9525" marR="9525" marT="9525" marB="0" anchor="b"/>
+                </a:tc>
+                <a:tc>
+                  <a:txBody>
+                    <a:bodyPr/>
+                    <a:lstStyle/>
+                    <a:p>
+                      <a:pPr algn="l" fontAlgn="b"/>
+                      <a:r>
+                        <a:rPr lang="en-US" sz="1100" u="none" strike="noStrike">
+                          <a:effectLst/>
+                        </a:rPr>
+                        <a:t>X</a:t>
+                      </a:r>
+                      <a:endParaRPr lang="en-US" sz="1100" b="0" i="0" u="none" strike="noStrike">
+                        <a:solidFill>
+                          <a:srgbClr val="000000"/>
+                        </a:solidFill>
+                        <a:effectLst/>
+                        <a:latin typeface="Calibri" panose="020F0502020204030204" pitchFamily="34" charset="0"/>
+                      </a:endParaRPr>
+                    </a:p>
+                  </a:txBody>
+                  <a:tcPr marL="9525" marR="9525" marT="9525" marB="0" anchor="b"/>
+                </a:tc>
+                <a:tc>
+                  <a:txBody>
+                    <a:bodyPr/>
+                    <a:lstStyle/>
+                    <a:p>
+                      <a:pPr algn="r" fontAlgn="b"/>
+                      <a:r>
+                        <a:rPr lang="en-US" sz="1100" u="none" strike="noStrike">
+                          <a:effectLst/>
+                        </a:rPr>
+                        <a:t>1</a:t>
+                      </a:r>
+                      <a:endParaRPr lang="en-US" sz="1100" b="0" i="0" u="none" strike="noStrike">
+                        <a:solidFill>
+                          <a:srgbClr val="000000"/>
+                        </a:solidFill>
+                        <a:effectLst/>
+                        <a:latin typeface="Calibri" panose="020F0502020204030204" pitchFamily="34" charset="0"/>
+                      </a:endParaRPr>
+                    </a:p>
+                  </a:txBody>
+                  <a:tcPr marL="9525" marR="9525" marT="9525" marB="0" anchor="b"/>
+                </a:tc>
+                <a:tc>
+                  <a:txBody>
+                    <a:bodyPr/>
+                    <a:lstStyle/>
+                    <a:p>
+                      <a:pPr algn="r" fontAlgn="b"/>
+                      <a:r>
+                        <a:rPr lang="en-US" sz="1100" u="none" strike="noStrike">
+                          <a:effectLst/>
+                        </a:rPr>
+                        <a:t>1</a:t>
+                      </a:r>
+                      <a:endParaRPr lang="en-US" sz="1100" b="0" i="0" u="none" strike="noStrike">
+                        <a:solidFill>
+                          <a:srgbClr val="000000"/>
+                        </a:solidFill>
+                        <a:effectLst/>
+                        <a:latin typeface="Calibri" panose="020F0502020204030204" pitchFamily="34" charset="0"/>
+                      </a:endParaRPr>
+                    </a:p>
+                  </a:txBody>
+                  <a:tcPr marL="9525" marR="9525" marT="9525" marB="0" anchor="b"/>
+                </a:tc>
+              </a:tr>
+              <a:tr h="190500">
+                <a:tc>
+                  <a:txBody>
+                    <a:bodyPr/>
+                    <a:lstStyle/>
+                    <a:p>
+                      <a:pPr algn="l" fontAlgn="b"/>
+                      <a:r>
+                        <a:rPr lang="en-US" sz="1100" u="none" strike="noStrike">
+                          <a:effectLst/>
+                        </a:rPr>
+                        <a:t> </a:t>
+                      </a:r>
+                      <a:endParaRPr lang="en-US" sz="1100" b="0" i="0" u="none" strike="noStrike">
+                        <a:solidFill>
+                          <a:srgbClr val="000000"/>
+                        </a:solidFill>
+                        <a:effectLst/>
+                        <a:latin typeface="Calibri" panose="020F0502020204030204" pitchFamily="34" charset="0"/>
+                      </a:endParaRPr>
+                    </a:p>
+                  </a:txBody>
+                  <a:tcPr marL="9525" marR="9525" marT="9525" marB="0" anchor="b"/>
+                </a:tc>
+                <a:tc>
+                  <a:txBody>
+                    <a:bodyPr/>
+                    <a:lstStyle/>
+                    <a:p>
+                      <a:pPr algn="l" fontAlgn="b"/>
+                      <a:r>
+                        <a:rPr lang="en-US" sz="1100" u="none" strike="noStrike">
+                          <a:effectLst/>
+                        </a:rPr>
+                        <a:t> </a:t>
+                      </a:r>
+                      <a:endParaRPr lang="en-US" sz="1100" b="0" i="0" u="none" strike="noStrike">
+                        <a:solidFill>
+                          <a:srgbClr val="000000"/>
+                        </a:solidFill>
+                        <a:effectLst/>
+                        <a:latin typeface="Calibri" panose="020F0502020204030204" pitchFamily="34" charset="0"/>
+                      </a:endParaRPr>
+                    </a:p>
+                  </a:txBody>
+                  <a:tcPr marL="9525" marR="9525" marT="9525" marB="0" anchor="b"/>
+                </a:tc>
+                <a:tc>
+                  <a:txBody>
+                    <a:bodyPr/>
+                    <a:lstStyle/>
+                    <a:p>
+                      <a:pPr algn="l" fontAlgn="b"/>
+                      <a:r>
+                        <a:rPr lang="en-US" sz="1100" u="none" strike="noStrike">
+                          <a:effectLst/>
+                        </a:rPr>
+                        <a:t> </a:t>
+                      </a:r>
+                      <a:endParaRPr lang="en-US" sz="1100" b="0" i="0" u="none" strike="noStrike">
+                        <a:solidFill>
+                          <a:srgbClr val="000000"/>
+                        </a:solidFill>
+                        <a:effectLst/>
+                        <a:latin typeface="Calibri" panose="020F0502020204030204" pitchFamily="34" charset="0"/>
+                      </a:endParaRPr>
+                    </a:p>
+                  </a:txBody>
+                  <a:tcPr marL="9525" marR="9525" marT="9525" marB="0" anchor="b"/>
+                </a:tc>
+                <a:tc>
+                  <a:txBody>
+                    <a:bodyPr/>
+                    <a:lstStyle/>
+                    <a:p>
+                      <a:pPr algn="l" fontAlgn="b"/>
+                      <a:r>
+                        <a:rPr lang="en-US" sz="1100" u="none" strike="noStrike">
+                          <a:effectLst/>
+                        </a:rPr>
+                        <a:t> </a:t>
+                      </a:r>
+                      <a:endParaRPr lang="en-US" sz="1100" b="0" i="0" u="none" strike="noStrike">
+                        <a:solidFill>
+                          <a:srgbClr val="000000"/>
+                        </a:solidFill>
+                        <a:effectLst/>
+                        <a:latin typeface="Calibri" panose="020F0502020204030204" pitchFamily="34" charset="0"/>
+                      </a:endParaRPr>
+                    </a:p>
+                  </a:txBody>
+                  <a:tcPr marL="9525" marR="9525" marT="9525" marB="0" anchor="b"/>
+                </a:tc>
+                <a:tc>
+                  <a:txBody>
+                    <a:bodyPr/>
+                    <a:lstStyle/>
+                    <a:p>
+                      <a:pPr algn="l" fontAlgn="b"/>
+                      <a:endParaRPr lang="en-US" sz="1100" b="0" i="0" u="none" strike="noStrike">
+                        <a:solidFill>
+                          <a:srgbClr val="000000"/>
+                        </a:solidFill>
+                        <a:effectLst/>
+                        <a:latin typeface="Calibri" panose="020F0502020204030204" pitchFamily="34" charset="0"/>
+                      </a:endParaRPr>
+                    </a:p>
+                  </a:txBody>
+                  <a:tcPr marL="9525" marR="9525" marT="9525" marB="0" anchor="b"/>
+                </a:tc>
+                <a:tc>
+                  <a:txBody>
+                    <a:bodyPr/>
+                    <a:lstStyle/>
+                    <a:p>
+                      <a:pPr algn="r" fontAlgn="b"/>
+                      <a:r>
+                        <a:rPr lang="en-US" sz="1100" u="none" strike="noStrike">
+                          <a:effectLst/>
+                        </a:rPr>
+                        <a:t>1</a:t>
+                      </a:r>
+                      <a:endParaRPr lang="en-US" sz="1100" b="0" i="0" u="none" strike="noStrike">
+                        <a:solidFill>
+                          <a:srgbClr val="000000"/>
+                        </a:solidFill>
+                        <a:effectLst/>
+                        <a:latin typeface="Calibri" panose="020F0502020204030204" pitchFamily="34" charset="0"/>
+                      </a:endParaRPr>
+                    </a:p>
+                  </a:txBody>
+                  <a:tcPr marL="9525" marR="9525" marT="9525" marB="0" anchor="b"/>
+                </a:tc>
+                <a:tc>
+                  <a:txBody>
+                    <a:bodyPr/>
+                    <a:lstStyle/>
+                    <a:p>
+                      <a:pPr algn="r" fontAlgn="b"/>
+                      <a:r>
+                        <a:rPr lang="en-US" sz="1100" u="none" strike="noStrike">
+                          <a:effectLst/>
+                        </a:rPr>
+                        <a:t>1</a:t>
+                      </a:r>
+                      <a:endParaRPr lang="en-US" sz="1100" b="0" i="0" u="none" strike="noStrike">
+                        <a:solidFill>
+                          <a:srgbClr val="000000"/>
+                        </a:solidFill>
+                        <a:effectLst/>
+                        <a:latin typeface="Calibri" panose="020F0502020204030204" pitchFamily="34" charset="0"/>
+                      </a:endParaRPr>
+                    </a:p>
+                  </a:txBody>
+                  <a:tcPr marL="9525" marR="9525" marT="9525" marB="0" anchor="b"/>
+                </a:tc>
+                <a:tc>
+                  <a:txBody>
+                    <a:bodyPr/>
+                    <a:lstStyle/>
+                    <a:p>
+                      <a:pPr algn="r" fontAlgn="b"/>
+                      <a:r>
+                        <a:rPr lang="en-US" sz="1100" u="none" strike="noStrike">
+                          <a:effectLst/>
+                        </a:rPr>
+                        <a:t>1</a:t>
+                      </a:r>
+                      <a:endParaRPr lang="en-US" sz="1100" b="0" i="0" u="none" strike="noStrike">
+                        <a:solidFill>
+                          <a:srgbClr val="000000"/>
+                        </a:solidFill>
+                        <a:effectLst/>
+                        <a:latin typeface="Calibri" panose="020F0502020204030204" pitchFamily="34" charset="0"/>
+                      </a:endParaRPr>
+                    </a:p>
+                  </a:txBody>
+                  <a:tcPr marL="9525" marR="9525" marT="9525" marB="0" anchor="b"/>
+                </a:tc>
+                <a:tc>
+                  <a:txBody>
+                    <a:bodyPr/>
+                    <a:lstStyle/>
+                    <a:p>
+                      <a:pPr algn="l" fontAlgn="b"/>
+                      <a:r>
+                        <a:rPr lang="en-US" sz="1100" u="none" strike="noStrike">
+                          <a:effectLst/>
+                        </a:rPr>
+                        <a:t> </a:t>
+                      </a:r>
+                      <a:endParaRPr lang="en-US" sz="1100" b="0" i="0" u="none" strike="noStrike">
+                        <a:solidFill>
+                          <a:srgbClr val="000000"/>
+                        </a:solidFill>
+                        <a:effectLst/>
+                        <a:latin typeface="Calibri" panose="020F0502020204030204" pitchFamily="34" charset="0"/>
+                      </a:endParaRPr>
+                    </a:p>
+                  </a:txBody>
+                  <a:tcPr marL="9525" marR="9525" marT="9525" marB="0" anchor="b"/>
+                </a:tc>
+              </a:tr>
+              <a:tr h="190500">
+                <a:tc>
+                  <a:txBody>
+                    <a:bodyPr/>
+                    <a:lstStyle/>
+                    <a:p>
+                      <a:pPr algn="l" fontAlgn="b"/>
+                      <a:r>
+                        <a:rPr lang="en-US" sz="1100" u="none" strike="noStrike">
+                          <a:effectLst/>
+                        </a:rPr>
+                        <a:t> </a:t>
+                      </a:r>
+                      <a:endParaRPr lang="en-US" sz="1100" b="0" i="0" u="none" strike="noStrike">
+                        <a:solidFill>
+                          <a:srgbClr val="000000"/>
+                        </a:solidFill>
+                        <a:effectLst/>
+                        <a:latin typeface="Calibri" panose="020F0502020204030204" pitchFamily="34" charset="0"/>
+                      </a:endParaRPr>
+                    </a:p>
+                  </a:txBody>
+                  <a:tcPr marL="9525" marR="9525" marT="9525" marB="0" anchor="b"/>
+                </a:tc>
+                <a:tc>
+                  <a:txBody>
+                    <a:bodyPr/>
+                    <a:lstStyle/>
+                    <a:p>
+                      <a:pPr algn="l" fontAlgn="b"/>
+                      <a:r>
+                        <a:rPr lang="en-US" sz="1100" u="none" strike="noStrike">
+                          <a:effectLst/>
+                        </a:rPr>
+                        <a:t> </a:t>
+                      </a:r>
+                      <a:endParaRPr lang="en-US" sz="1100" b="0" i="0" u="none" strike="noStrike">
+                        <a:solidFill>
+                          <a:srgbClr val="000000"/>
+                        </a:solidFill>
+                        <a:effectLst/>
+                        <a:latin typeface="Calibri" panose="020F0502020204030204" pitchFamily="34" charset="0"/>
+                      </a:endParaRPr>
+                    </a:p>
+                  </a:txBody>
+                  <a:tcPr marL="9525" marR="9525" marT="9525" marB="0" anchor="b"/>
+                </a:tc>
+                <a:tc>
+                  <a:txBody>
+                    <a:bodyPr/>
+                    <a:lstStyle/>
+                    <a:p>
+                      <a:pPr algn="l" fontAlgn="b"/>
+                      <a:r>
+                        <a:rPr lang="en-US" sz="1100" u="none" strike="noStrike">
+                          <a:effectLst/>
+                        </a:rPr>
+                        <a:t> </a:t>
+                      </a:r>
+                      <a:endParaRPr lang="en-US" sz="1100" b="0" i="0" u="none" strike="noStrike">
+                        <a:solidFill>
+                          <a:srgbClr val="000000"/>
+                        </a:solidFill>
+                        <a:effectLst/>
+                        <a:latin typeface="Calibri" panose="020F0502020204030204" pitchFamily="34" charset="0"/>
+                      </a:endParaRPr>
+                    </a:p>
+                  </a:txBody>
+                  <a:tcPr marL="9525" marR="9525" marT="9525" marB="0" anchor="b"/>
+                </a:tc>
+                <a:tc>
+                  <a:txBody>
+                    <a:bodyPr/>
+                    <a:lstStyle/>
+                    <a:p>
+                      <a:pPr algn="l" fontAlgn="b"/>
+                      <a:r>
+                        <a:rPr lang="en-US" sz="1100" u="none" strike="noStrike">
+                          <a:effectLst/>
+                        </a:rPr>
+                        <a:t> </a:t>
+                      </a:r>
+                      <a:endParaRPr lang="en-US" sz="1100" b="0" i="0" u="none" strike="noStrike">
+                        <a:solidFill>
+                          <a:srgbClr val="000000"/>
+                        </a:solidFill>
+                        <a:effectLst/>
+                        <a:latin typeface="Calibri" panose="020F0502020204030204" pitchFamily="34" charset="0"/>
+                      </a:endParaRPr>
+                    </a:p>
+                  </a:txBody>
+                  <a:tcPr marL="9525" marR="9525" marT="9525" marB="0" anchor="b"/>
+                </a:tc>
+                <a:tc>
+                  <a:txBody>
+                    <a:bodyPr/>
+                    <a:lstStyle/>
+                    <a:p>
+                      <a:pPr algn="l" fontAlgn="b"/>
+                      <a:endParaRPr lang="en-US" sz="1100" b="0" i="0" u="none" strike="noStrike">
+                        <a:solidFill>
+                          <a:srgbClr val="000000"/>
+                        </a:solidFill>
+                        <a:effectLst/>
+                        <a:latin typeface="Calibri" panose="020F0502020204030204" pitchFamily="34" charset="0"/>
+                      </a:endParaRPr>
+                    </a:p>
+                  </a:txBody>
+                  <a:tcPr marL="9525" marR="9525" marT="9525" marB="0" anchor="b"/>
+                </a:tc>
+                <a:tc>
+                  <a:txBody>
+                    <a:bodyPr/>
+                    <a:lstStyle/>
+                    <a:p>
+                      <a:pPr algn="l" fontAlgn="b"/>
+                      <a:r>
+                        <a:rPr lang="en-US" sz="1100" u="none" strike="noStrike">
+                          <a:effectLst/>
+                        </a:rPr>
+                        <a:t> </a:t>
+                      </a:r>
+                      <a:endParaRPr lang="en-US" sz="1100" b="0" i="0" u="none" strike="noStrike">
+                        <a:solidFill>
+                          <a:srgbClr val="000000"/>
+                        </a:solidFill>
+                        <a:effectLst/>
+                        <a:latin typeface="Calibri" panose="020F0502020204030204" pitchFamily="34" charset="0"/>
+                      </a:endParaRPr>
+                    </a:p>
+                  </a:txBody>
+                  <a:tcPr marL="9525" marR="9525" marT="9525" marB="0" anchor="b"/>
+                </a:tc>
+                <a:tc>
+                  <a:txBody>
+                    <a:bodyPr/>
+                    <a:lstStyle/>
+                    <a:p>
+                      <a:pPr algn="r" fontAlgn="b"/>
+                      <a:r>
+                        <a:rPr lang="en-US" sz="1100" u="none" strike="noStrike">
+                          <a:effectLst/>
+                        </a:rPr>
+                        <a:t>1</a:t>
+                      </a:r>
+                      <a:endParaRPr lang="en-US" sz="1100" b="0" i="0" u="none" strike="noStrike">
+                        <a:solidFill>
+                          <a:srgbClr val="000000"/>
+                        </a:solidFill>
+                        <a:effectLst/>
+                        <a:latin typeface="Calibri" panose="020F0502020204030204" pitchFamily="34" charset="0"/>
+                      </a:endParaRPr>
+                    </a:p>
+                  </a:txBody>
+                  <a:tcPr marL="9525" marR="9525" marT="9525" marB="0" anchor="b"/>
+                </a:tc>
+                <a:tc>
+                  <a:txBody>
+                    <a:bodyPr/>
+                    <a:lstStyle/>
+                    <a:p>
+                      <a:pPr algn="l" fontAlgn="b"/>
+                      <a:r>
+                        <a:rPr lang="en-US" sz="1100" u="none" strike="noStrike">
+                          <a:effectLst/>
+                        </a:rPr>
+                        <a:t> </a:t>
+                      </a:r>
+                      <a:endParaRPr lang="en-US" sz="1100" b="0" i="0" u="none" strike="noStrike">
+                        <a:solidFill>
+                          <a:srgbClr val="000000"/>
+                        </a:solidFill>
+                        <a:effectLst/>
+                        <a:latin typeface="Calibri" panose="020F0502020204030204" pitchFamily="34" charset="0"/>
+                      </a:endParaRPr>
+                    </a:p>
+                  </a:txBody>
+                  <a:tcPr marL="9525" marR="9525" marT="9525" marB="0" anchor="b"/>
+                </a:tc>
+                <a:tc>
+                  <a:txBody>
+                    <a:bodyPr/>
+                    <a:lstStyle/>
+                    <a:p>
+                      <a:pPr algn="r" fontAlgn="b"/>
+                      <a:r>
+                        <a:rPr lang="en-US" sz="1100" u="none" strike="noStrike" dirty="0">
+                          <a:effectLst/>
+                        </a:rPr>
+                        <a:t>1</a:t>
+                      </a:r>
+                      <a:endParaRPr lang="en-US" sz="1100" b="0" i="0" u="none" strike="noStrike" dirty="0">
+                        <a:solidFill>
+                          <a:srgbClr val="000000"/>
+                        </a:solidFill>
+                        <a:effectLst/>
+                        <a:latin typeface="Calibri" panose="020F0502020204030204" pitchFamily="34" charset="0"/>
+                      </a:endParaRPr>
+                    </a:p>
+                  </a:txBody>
+                  <a:tcPr marL="9525" marR="9525" marT="9525" marB="0" anchor="b"/>
+                </a:tc>
+              </a:tr>
+            </a:tbl>
+          </a:graphicData>
+        </a:graphic>
+      </p:graphicFrame>
+      <p:graphicFrame>
+        <p:nvGraphicFramePr>
+          <p:cNvPr id="7" name="Table 6"/>
+          <p:cNvGraphicFramePr>
+            <a:graphicFrameLocks noGrp="1"/>
+          </p:cNvGraphicFramePr>
+          <p:nvPr>
+            <p:extLst>
+              <p:ext uri="{D42A27DB-BD31-4B8C-83A1-F6EECF244321}">
+                <p14:modId xmlns:p14="http://schemas.microsoft.com/office/powerpoint/2010/main" val="1810579143"/>
+              </p:ext>
+            </p:extLst>
+          </p:nvPr>
+        </p:nvGraphicFramePr>
+        <p:xfrm>
+          <a:off x="3962400" y="3352800"/>
+          <a:ext cx="1257300" cy="762000"/>
+        </p:xfrm>
+        <a:graphic>
+          <a:graphicData uri="http://schemas.openxmlformats.org/drawingml/2006/table">
+            <a:tbl>
+              <a:tblPr>
+                <a:tableStyleId>{5C22544A-7EE6-4342-B048-85BDC9FD1C3A}</a:tableStyleId>
+              </a:tblPr>
+              <a:tblGrid>
+                <a:gridCol w="139700"/>
+                <a:gridCol w="139700"/>
+                <a:gridCol w="139700"/>
+                <a:gridCol w="139700"/>
+                <a:gridCol w="139700"/>
+                <a:gridCol w="139700"/>
+                <a:gridCol w="139700"/>
+                <a:gridCol w="139700"/>
+                <a:gridCol w="139700"/>
+              </a:tblGrid>
+              <a:tr h="190500">
+                <a:tc>
+                  <a:txBody>
+                    <a:bodyPr/>
+                    <a:lstStyle/>
+                    <a:p>
+                      <a:pPr algn="l" fontAlgn="b"/>
+                      <a:r>
+                        <a:rPr lang="en-US" sz="1100" u="none" strike="noStrike" dirty="0">
+                          <a:effectLst/>
+                        </a:rPr>
+                        <a:t> </a:t>
+                      </a:r>
+                      <a:endParaRPr lang="en-US" sz="1100" b="0" i="0" u="none" strike="noStrike" dirty="0">
+                        <a:solidFill>
+                          <a:srgbClr val="000000"/>
+                        </a:solidFill>
+                        <a:effectLst/>
+                        <a:latin typeface="Calibri" panose="020F0502020204030204" pitchFamily="34" charset="0"/>
+                      </a:endParaRPr>
+                    </a:p>
+                  </a:txBody>
+                  <a:tcPr marL="9525" marR="9525" marT="9525" marB="0" anchor="b"/>
+                </a:tc>
+                <a:tc>
+                  <a:txBody>
+                    <a:bodyPr/>
+                    <a:lstStyle/>
+                    <a:p>
+                      <a:pPr algn="l" fontAlgn="b"/>
+                      <a:r>
+                        <a:rPr lang="en-US" sz="1100" u="none" strike="noStrike">
+                          <a:effectLst/>
+                        </a:rPr>
+                        <a:t> </a:t>
+                      </a:r>
+                      <a:endParaRPr lang="en-US" sz="1100" b="0" i="0" u="none" strike="noStrike">
+                        <a:solidFill>
+                          <a:srgbClr val="000000"/>
+                        </a:solidFill>
+                        <a:effectLst/>
+                        <a:latin typeface="Calibri" panose="020F0502020204030204" pitchFamily="34" charset="0"/>
+                      </a:endParaRPr>
+                    </a:p>
+                  </a:txBody>
+                  <a:tcPr marL="9525" marR="9525" marT="9525" marB="0" anchor="b"/>
+                </a:tc>
+                <a:tc>
+                  <a:txBody>
+                    <a:bodyPr/>
+                    <a:lstStyle/>
+                    <a:p>
+                      <a:pPr algn="l" fontAlgn="b"/>
+                      <a:r>
+                        <a:rPr lang="en-US" sz="1100" u="none" strike="noStrike" dirty="0">
+                          <a:effectLst/>
+                        </a:rPr>
+                        <a:t> </a:t>
+                      </a:r>
+                      <a:endParaRPr lang="en-US" sz="1100" b="0" i="0" u="none" strike="noStrike" dirty="0">
+                        <a:solidFill>
+                          <a:srgbClr val="000000"/>
+                        </a:solidFill>
+                        <a:effectLst/>
+                        <a:latin typeface="Calibri" panose="020F0502020204030204" pitchFamily="34" charset="0"/>
+                      </a:endParaRPr>
+                    </a:p>
+                  </a:txBody>
+                  <a:tcPr marL="9525" marR="9525" marT="9525" marB="0" anchor="b"/>
+                </a:tc>
+                <a:tc>
+                  <a:txBody>
+                    <a:bodyPr/>
+                    <a:lstStyle/>
+                    <a:p>
+                      <a:pPr algn="l" fontAlgn="b"/>
+                      <a:r>
+                        <a:rPr lang="en-US" sz="1100" u="none" strike="noStrike">
+                          <a:effectLst/>
+                        </a:rPr>
+                        <a:t> </a:t>
+                      </a:r>
+                      <a:endParaRPr lang="en-US" sz="1100" b="0" i="0" u="none" strike="noStrike">
+                        <a:solidFill>
+                          <a:srgbClr val="000000"/>
+                        </a:solidFill>
+                        <a:effectLst/>
+                        <a:latin typeface="Calibri" panose="020F0502020204030204" pitchFamily="34" charset="0"/>
+                      </a:endParaRPr>
+                    </a:p>
+                  </a:txBody>
+                  <a:tcPr marL="9525" marR="9525" marT="9525" marB="0" anchor="b"/>
+                </a:tc>
+                <a:tc>
+                  <a:txBody>
+                    <a:bodyPr/>
+                    <a:lstStyle/>
+                    <a:p>
+                      <a:pPr algn="l" fontAlgn="b"/>
+                      <a:endParaRPr lang="en-US" sz="1100" b="0" i="0" u="none" strike="noStrike">
+                        <a:solidFill>
+                          <a:srgbClr val="000000"/>
+                        </a:solidFill>
+                        <a:effectLst/>
+                        <a:latin typeface="Calibri" panose="020F0502020204030204" pitchFamily="34" charset="0"/>
+                      </a:endParaRPr>
+                    </a:p>
+                  </a:txBody>
+                  <a:tcPr marL="9525" marR="9525" marT="9525" marB="0" anchor="b"/>
+                </a:tc>
+                <a:tc>
+                  <a:txBody>
+                    <a:bodyPr/>
+                    <a:lstStyle/>
+                    <a:p>
+                      <a:pPr algn="r" fontAlgn="b"/>
+                      <a:r>
+                        <a:rPr lang="en-US" sz="1100" u="none" strike="noStrike">
+                          <a:effectLst/>
+                        </a:rPr>
+                        <a:t>2</a:t>
+                      </a:r>
+                      <a:endParaRPr lang="en-US" sz="1100" b="0" i="0" u="none" strike="noStrike">
+                        <a:solidFill>
+                          <a:srgbClr val="000000"/>
+                        </a:solidFill>
+                        <a:effectLst/>
+                        <a:latin typeface="Calibri" panose="020F0502020204030204" pitchFamily="34" charset="0"/>
+                      </a:endParaRPr>
+                    </a:p>
+                  </a:txBody>
+                  <a:tcPr marL="9525" marR="9525" marT="9525" marB="0" anchor="b"/>
+                </a:tc>
+                <a:tc>
+                  <a:txBody>
+                    <a:bodyPr/>
+                    <a:lstStyle/>
+                    <a:p>
+                      <a:pPr algn="r" fontAlgn="b"/>
+                      <a:r>
+                        <a:rPr lang="en-US" sz="1100" u="none" strike="noStrike">
+                          <a:effectLst/>
+                        </a:rPr>
+                        <a:t>1</a:t>
+                      </a:r>
+                      <a:endParaRPr lang="en-US" sz="1100" b="0" i="0" u="none" strike="noStrike">
+                        <a:solidFill>
+                          <a:srgbClr val="000000"/>
+                        </a:solidFill>
+                        <a:effectLst/>
+                        <a:latin typeface="Calibri" panose="020F0502020204030204" pitchFamily="34" charset="0"/>
+                      </a:endParaRPr>
+                    </a:p>
+                  </a:txBody>
+                  <a:tcPr marL="9525" marR="9525" marT="9525" marB="0" anchor="b"/>
+                </a:tc>
+                <a:tc>
+                  <a:txBody>
+                    <a:bodyPr/>
+                    <a:lstStyle/>
+                    <a:p>
+                      <a:pPr algn="r" fontAlgn="b"/>
+                      <a:r>
+                        <a:rPr lang="en-US" sz="1100" u="none" strike="noStrike">
+                          <a:effectLst/>
+                        </a:rPr>
+                        <a:t>2</a:t>
+                      </a:r>
+                      <a:endParaRPr lang="en-US" sz="1100" b="0" i="0" u="none" strike="noStrike">
+                        <a:solidFill>
+                          <a:srgbClr val="000000"/>
+                        </a:solidFill>
+                        <a:effectLst/>
+                        <a:latin typeface="Calibri" panose="020F0502020204030204" pitchFamily="34" charset="0"/>
+                      </a:endParaRPr>
+                    </a:p>
+                  </a:txBody>
+                  <a:tcPr marL="9525" marR="9525" marT="9525" marB="0" anchor="b"/>
+                </a:tc>
+                <a:tc>
+                  <a:txBody>
+                    <a:bodyPr/>
+                    <a:lstStyle/>
+                    <a:p>
+                      <a:pPr algn="l" fontAlgn="b"/>
+                      <a:r>
+                        <a:rPr lang="en-US" sz="1100" u="none" strike="noStrike">
+                          <a:effectLst/>
+                        </a:rPr>
+                        <a:t> </a:t>
+                      </a:r>
+                      <a:endParaRPr lang="en-US" sz="1100" b="0" i="0" u="none" strike="noStrike">
+                        <a:solidFill>
+                          <a:srgbClr val="000000"/>
+                        </a:solidFill>
+                        <a:effectLst/>
+                        <a:latin typeface="Calibri" panose="020F0502020204030204" pitchFamily="34" charset="0"/>
+                      </a:endParaRPr>
+                    </a:p>
+                  </a:txBody>
+                  <a:tcPr marL="9525" marR="9525" marT="9525" marB="0" anchor="b"/>
+                </a:tc>
+              </a:tr>
+              <a:tr h="190500">
+                <a:tc>
+                  <a:txBody>
+                    <a:bodyPr/>
+                    <a:lstStyle/>
+                    <a:p>
+                      <a:pPr algn="l" fontAlgn="b"/>
+                      <a:r>
+                        <a:rPr lang="en-US" sz="1100" u="none" strike="noStrike">
+                          <a:effectLst/>
+                        </a:rPr>
+                        <a:t> </a:t>
+                      </a:r>
+                      <a:endParaRPr lang="en-US" sz="1100" b="0" i="0" u="none" strike="noStrike">
+                        <a:solidFill>
+                          <a:srgbClr val="000000"/>
+                        </a:solidFill>
+                        <a:effectLst/>
+                        <a:latin typeface="Calibri" panose="020F0502020204030204" pitchFamily="34" charset="0"/>
+                      </a:endParaRPr>
+                    </a:p>
+                  </a:txBody>
+                  <a:tcPr marL="9525" marR="9525" marT="9525" marB="0" anchor="b"/>
+                </a:tc>
+                <a:tc>
+                  <a:txBody>
+                    <a:bodyPr/>
+                    <a:lstStyle/>
+                    <a:p>
+                      <a:pPr algn="l" fontAlgn="b"/>
+                      <a:r>
+                        <a:rPr lang="en-US" sz="1100" u="none" strike="noStrike">
+                          <a:effectLst/>
+                        </a:rPr>
+                        <a:t>X</a:t>
+                      </a:r>
+                      <a:endParaRPr lang="en-US" sz="1100" b="0" i="0" u="none" strike="noStrike">
+                        <a:solidFill>
+                          <a:srgbClr val="000000"/>
+                        </a:solidFill>
+                        <a:effectLst/>
+                        <a:latin typeface="Calibri" panose="020F0502020204030204" pitchFamily="34" charset="0"/>
+                      </a:endParaRPr>
+                    </a:p>
+                  </a:txBody>
+                  <a:tcPr marL="9525" marR="9525" marT="9525" marB="0" anchor="b"/>
+                </a:tc>
+                <a:tc>
+                  <a:txBody>
+                    <a:bodyPr/>
+                    <a:lstStyle/>
+                    <a:p>
+                      <a:pPr algn="l" fontAlgn="b"/>
+                      <a:r>
+                        <a:rPr lang="en-US" sz="1100" u="none" strike="noStrike">
+                          <a:effectLst/>
+                        </a:rPr>
+                        <a:t> </a:t>
+                      </a:r>
+                      <a:endParaRPr lang="en-US" sz="1100" b="0" i="0" u="none" strike="noStrike">
+                        <a:solidFill>
+                          <a:srgbClr val="000000"/>
+                        </a:solidFill>
+                        <a:effectLst/>
+                        <a:latin typeface="Calibri" panose="020F0502020204030204" pitchFamily="34" charset="0"/>
+                      </a:endParaRPr>
+                    </a:p>
+                  </a:txBody>
+                  <a:tcPr marL="9525" marR="9525" marT="9525" marB="0" anchor="b"/>
+                </a:tc>
+                <a:tc>
+                  <a:txBody>
+                    <a:bodyPr/>
+                    <a:lstStyle/>
+                    <a:p>
+                      <a:pPr algn="l" fontAlgn="b"/>
+                      <a:r>
+                        <a:rPr lang="en-US" sz="1100" u="none" strike="noStrike">
+                          <a:effectLst/>
+                        </a:rPr>
+                        <a:t> </a:t>
+                      </a:r>
+                      <a:endParaRPr lang="en-US" sz="1100" b="0" i="0" u="none" strike="noStrike">
+                        <a:solidFill>
+                          <a:srgbClr val="000000"/>
+                        </a:solidFill>
+                        <a:effectLst/>
+                        <a:latin typeface="Calibri" panose="020F0502020204030204" pitchFamily="34" charset="0"/>
+                      </a:endParaRPr>
+                    </a:p>
+                  </a:txBody>
+                  <a:tcPr marL="9525" marR="9525" marT="9525" marB="0" anchor="b"/>
+                </a:tc>
+                <a:tc>
+                  <a:txBody>
+                    <a:bodyPr/>
+                    <a:lstStyle/>
+                    <a:p>
+                      <a:pPr algn="l" fontAlgn="b"/>
+                      <a:endParaRPr lang="en-US" sz="1100" b="0" i="0" u="none" strike="noStrike">
+                        <a:solidFill>
+                          <a:srgbClr val="000000"/>
+                        </a:solidFill>
+                        <a:effectLst/>
+                        <a:latin typeface="Calibri" panose="020F0502020204030204" pitchFamily="34" charset="0"/>
+                      </a:endParaRPr>
+                    </a:p>
+                  </a:txBody>
+                  <a:tcPr marL="9525" marR="9525" marT="9525" marB="0" anchor="b"/>
+                </a:tc>
+                <a:tc>
+                  <a:txBody>
+                    <a:bodyPr/>
+                    <a:lstStyle/>
+                    <a:p>
+                      <a:pPr algn="r" fontAlgn="b"/>
+                      <a:r>
+                        <a:rPr lang="en-US" sz="1100" u="none" strike="noStrike">
+                          <a:effectLst/>
+                        </a:rPr>
+                        <a:t>1</a:t>
+                      </a:r>
+                      <a:endParaRPr lang="en-US" sz="1100" b="0" i="0" u="none" strike="noStrike">
+                        <a:solidFill>
+                          <a:srgbClr val="000000"/>
+                        </a:solidFill>
+                        <a:effectLst/>
+                        <a:latin typeface="Calibri" panose="020F0502020204030204" pitchFamily="34" charset="0"/>
+                      </a:endParaRPr>
+                    </a:p>
+                  </a:txBody>
+                  <a:tcPr marL="9525" marR="9525" marT="9525" marB="0" anchor="b"/>
+                </a:tc>
+                <a:tc>
+                  <a:txBody>
+                    <a:bodyPr/>
+                    <a:lstStyle/>
+                    <a:p>
+                      <a:pPr algn="l" fontAlgn="b"/>
+                      <a:r>
+                        <a:rPr lang="en-US" sz="1100" u="none" strike="noStrike">
+                          <a:effectLst/>
+                        </a:rPr>
+                        <a:t>X</a:t>
+                      </a:r>
+                      <a:endParaRPr lang="en-US" sz="1100" b="0" i="0" u="none" strike="noStrike">
+                        <a:solidFill>
+                          <a:srgbClr val="000000"/>
+                        </a:solidFill>
+                        <a:effectLst/>
+                        <a:latin typeface="Calibri" panose="020F0502020204030204" pitchFamily="34" charset="0"/>
+                      </a:endParaRPr>
+                    </a:p>
+                  </a:txBody>
+                  <a:tcPr marL="9525" marR="9525" marT="9525" marB="0" anchor="b"/>
+                </a:tc>
+                <a:tc>
+                  <a:txBody>
+                    <a:bodyPr/>
+                    <a:lstStyle/>
+                    <a:p>
+                      <a:pPr algn="r" fontAlgn="b"/>
+                      <a:r>
+                        <a:rPr lang="en-US" sz="1100" u="none" strike="noStrike">
+                          <a:effectLst/>
+                        </a:rPr>
+                        <a:t>2</a:t>
+                      </a:r>
+                      <a:endParaRPr lang="en-US" sz="1100" b="0" i="0" u="none" strike="noStrike">
+                        <a:solidFill>
+                          <a:srgbClr val="000000"/>
+                        </a:solidFill>
+                        <a:effectLst/>
+                        <a:latin typeface="Calibri" panose="020F0502020204030204" pitchFamily="34" charset="0"/>
+                      </a:endParaRPr>
+                    </a:p>
+                  </a:txBody>
+                  <a:tcPr marL="9525" marR="9525" marT="9525" marB="0" anchor="b"/>
+                </a:tc>
+                <a:tc>
+                  <a:txBody>
+                    <a:bodyPr/>
+                    <a:lstStyle/>
+                    <a:p>
+                      <a:pPr algn="r" fontAlgn="b"/>
+                      <a:r>
+                        <a:rPr lang="en-US" sz="1100" u="none" strike="noStrike">
+                          <a:effectLst/>
+                        </a:rPr>
+                        <a:t>2</a:t>
+                      </a:r>
+                      <a:endParaRPr lang="en-US" sz="1100" b="0" i="0" u="none" strike="noStrike">
+                        <a:solidFill>
+                          <a:srgbClr val="000000"/>
+                        </a:solidFill>
+                        <a:effectLst/>
+                        <a:latin typeface="Calibri" panose="020F0502020204030204" pitchFamily="34" charset="0"/>
+                      </a:endParaRPr>
+                    </a:p>
+                  </a:txBody>
+                  <a:tcPr marL="9525" marR="9525" marT="9525" marB="0" anchor="b"/>
+                </a:tc>
+              </a:tr>
+              <a:tr h="190500">
+                <a:tc>
+                  <a:txBody>
+                    <a:bodyPr/>
+                    <a:lstStyle/>
+                    <a:p>
+                      <a:pPr algn="l" fontAlgn="b"/>
+                      <a:r>
+                        <a:rPr lang="en-US" sz="1100" u="none" strike="noStrike">
+                          <a:effectLst/>
+                        </a:rPr>
+                        <a:t> </a:t>
+                      </a:r>
+                      <a:endParaRPr lang="en-US" sz="1100" b="0" i="0" u="none" strike="noStrike">
+                        <a:solidFill>
+                          <a:srgbClr val="000000"/>
+                        </a:solidFill>
+                        <a:effectLst/>
+                        <a:latin typeface="Calibri" panose="020F0502020204030204" pitchFamily="34" charset="0"/>
+                      </a:endParaRPr>
+                    </a:p>
+                  </a:txBody>
+                  <a:tcPr marL="9525" marR="9525" marT="9525" marB="0" anchor="b"/>
+                </a:tc>
+                <a:tc>
+                  <a:txBody>
+                    <a:bodyPr/>
+                    <a:lstStyle/>
+                    <a:p>
+                      <a:pPr algn="l" fontAlgn="b"/>
+                      <a:r>
+                        <a:rPr lang="en-US" sz="1100" u="none" strike="noStrike">
+                          <a:effectLst/>
+                        </a:rPr>
+                        <a:t> </a:t>
+                      </a:r>
+                      <a:endParaRPr lang="en-US" sz="1100" b="0" i="0" u="none" strike="noStrike">
+                        <a:solidFill>
+                          <a:srgbClr val="000000"/>
+                        </a:solidFill>
+                        <a:effectLst/>
+                        <a:latin typeface="Calibri" panose="020F0502020204030204" pitchFamily="34" charset="0"/>
+                      </a:endParaRPr>
+                    </a:p>
+                  </a:txBody>
+                  <a:tcPr marL="9525" marR="9525" marT="9525" marB="0" anchor="b"/>
+                </a:tc>
+                <a:tc>
+                  <a:txBody>
+                    <a:bodyPr/>
+                    <a:lstStyle/>
+                    <a:p>
+                      <a:pPr algn="l" fontAlgn="b"/>
+                      <a:r>
+                        <a:rPr lang="en-US" sz="1100" u="none" strike="noStrike">
+                          <a:effectLst/>
+                        </a:rPr>
+                        <a:t>X</a:t>
+                      </a:r>
+                      <a:endParaRPr lang="en-US" sz="1100" b="0" i="0" u="none" strike="noStrike">
+                        <a:solidFill>
+                          <a:srgbClr val="000000"/>
+                        </a:solidFill>
+                        <a:effectLst/>
+                        <a:latin typeface="Calibri" panose="020F0502020204030204" pitchFamily="34" charset="0"/>
+                      </a:endParaRPr>
+                    </a:p>
+                  </a:txBody>
+                  <a:tcPr marL="9525" marR="9525" marT="9525" marB="0" anchor="b"/>
+                </a:tc>
+                <a:tc>
+                  <a:txBody>
+                    <a:bodyPr/>
+                    <a:lstStyle/>
+                    <a:p>
+                      <a:pPr algn="l" fontAlgn="b"/>
+                      <a:r>
+                        <a:rPr lang="en-US" sz="1100" u="none" strike="noStrike">
+                          <a:effectLst/>
+                        </a:rPr>
+                        <a:t> </a:t>
+                      </a:r>
+                      <a:endParaRPr lang="en-US" sz="1100" b="0" i="0" u="none" strike="noStrike">
+                        <a:solidFill>
+                          <a:srgbClr val="000000"/>
+                        </a:solidFill>
+                        <a:effectLst/>
+                        <a:latin typeface="Calibri" panose="020F0502020204030204" pitchFamily="34" charset="0"/>
+                      </a:endParaRPr>
+                    </a:p>
+                  </a:txBody>
+                  <a:tcPr marL="9525" marR="9525" marT="9525" marB="0" anchor="b"/>
+                </a:tc>
+                <a:tc>
+                  <a:txBody>
+                    <a:bodyPr/>
+                    <a:lstStyle/>
+                    <a:p>
+                      <a:pPr algn="l" fontAlgn="b"/>
+                      <a:endParaRPr lang="en-US" sz="1100" b="0" i="0" u="none" strike="noStrike">
+                        <a:solidFill>
+                          <a:srgbClr val="000000"/>
+                        </a:solidFill>
+                        <a:effectLst/>
+                        <a:latin typeface="Calibri" panose="020F0502020204030204" pitchFamily="34" charset="0"/>
+                      </a:endParaRPr>
+                    </a:p>
+                  </a:txBody>
+                  <a:tcPr marL="9525" marR="9525" marT="9525" marB="0" anchor="b"/>
+                </a:tc>
+                <a:tc>
+                  <a:txBody>
+                    <a:bodyPr/>
+                    <a:lstStyle/>
+                    <a:p>
+                      <a:pPr algn="r" fontAlgn="b"/>
+                      <a:r>
+                        <a:rPr lang="en-US" sz="1100" u="none" strike="noStrike">
+                          <a:effectLst/>
+                        </a:rPr>
+                        <a:t>2</a:t>
+                      </a:r>
+                      <a:endParaRPr lang="en-US" sz="1100" b="0" i="0" u="none" strike="noStrike">
+                        <a:solidFill>
+                          <a:srgbClr val="000000"/>
+                        </a:solidFill>
+                        <a:effectLst/>
+                        <a:latin typeface="Calibri" panose="020F0502020204030204" pitchFamily="34" charset="0"/>
+                      </a:endParaRPr>
+                    </a:p>
+                  </a:txBody>
+                  <a:tcPr marL="9525" marR="9525" marT="9525" marB="0" anchor="b"/>
+                </a:tc>
+                <a:tc>
+                  <a:txBody>
+                    <a:bodyPr/>
+                    <a:lstStyle/>
+                    <a:p>
+                      <a:pPr algn="r" fontAlgn="b"/>
+                      <a:r>
+                        <a:rPr lang="en-US" sz="1100" u="none" strike="noStrike">
+                          <a:effectLst/>
+                        </a:rPr>
+                        <a:t>2</a:t>
+                      </a:r>
+                      <a:endParaRPr lang="en-US" sz="1100" b="0" i="0" u="none" strike="noStrike">
+                        <a:solidFill>
+                          <a:srgbClr val="000000"/>
+                        </a:solidFill>
+                        <a:effectLst/>
+                        <a:latin typeface="Calibri" panose="020F0502020204030204" pitchFamily="34" charset="0"/>
+                      </a:endParaRPr>
+                    </a:p>
+                  </a:txBody>
+                  <a:tcPr marL="9525" marR="9525" marT="9525" marB="0" anchor="b"/>
+                </a:tc>
+                <a:tc>
+                  <a:txBody>
+                    <a:bodyPr/>
+                    <a:lstStyle/>
+                    <a:p>
+                      <a:pPr algn="l" fontAlgn="b"/>
+                      <a:r>
+                        <a:rPr lang="en-US" sz="1100" u="none" strike="noStrike">
+                          <a:effectLst/>
+                        </a:rPr>
+                        <a:t>X</a:t>
+                      </a:r>
+                      <a:endParaRPr lang="en-US" sz="1100" b="0" i="0" u="none" strike="noStrike">
+                        <a:solidFill>
+                          <a:srgbClr val="000000"/>
+                        </a:solidFill>
+                        <a:effectLst/>
+                        <a:latin typeface="Calibri" panose="020F0502020204030204" pitchFamily="34" charset="0"/>
+                      </a:endParaRPr>
+                    </a:p>
+                  </a:txBody>
+                  <a:tcPr marL="9525" marR="9525" marT="9525" marB="0" anchor="b"/>
+                </a:tc>
+                <a:tc>
+                  <a:txBody>
+                    <a:bodyPr/>
+                    <a:lstStyle/>
+                    <a:p>
+                      <a:pPr algn="r" fontAlgn="b"/>
+                      <a:r>
+                        <a:rPr lang="en-US" sz="1100" u="none" strike="noStrike">
+                          <a:effectLst/>
+                        </a:rPr>
+                        <a:t>1</a:t>
+                      </a:r>
+                      <a:endParaRPr lang="en-US" sz="1100" b="0" i="0" u="none" strike="noStrike">
+                        <a:solidFill>
+                          <a:srgbClr val="000000"/>
+                        </a:solidFill>
+                        <a:effectLst/>
+                        <a:latin typeface="Calibri" panose="020F0502020204030204" pitchFamily="34" charset="0"/>
+                      </a:endParaRPr>
+                    </a:p>
+                  </a:txBody>
+                  <a:tcPr marL="9525" marR="9525" marT="9525" marB="0" anchor="b"/>
+                </a:tc>
+              </a:tr>
+              <a:tr h="190500">
+                <a:tc>
+                  <a:txBody>
+                    <a:bodyPr/>
+                    <a:lstStyle/>
+                    <a:p>
+                      <a:pPr algn="l" fontAlgn="b"/>
+                      <a:r>
+                        <a:rPr lang="en-US" sz="1100" u="none" strike="noStrike">
+                          <a:effectLst/>
+                        </a:rPr>
+                        <a:t> </a:t>
+                      </a:r>
+                      <a:endParaRPr lang="en-US" sz="1100" b="0" i="0" u="none" strike="noStrike">
+                        <a:solidFill>
+                          <a:srgbClr val="000000"/>
+                        </a:solidFill>
+                        <a:effectLst/>
+                        <a:latin typeface="Calibri" panose="020F0502020204030204" pitchFamily="34" charset="0"/>
+                      </a:endParaRPr>
+                    </a:p>
+                  </a:txBody>
+                  <a:tcPr marL="9525" marR="9525" marT="9525" marB="0" anchor="b"/>
+                </a:tc>
+                <a:tc>
+                  <a:txBody>
+                    <a:bodyPr/>
+                    <a:lstStyle/>
+                    <a:p>
+                      <a:pPr algn="l" fontAlgn="b"/>
+                      <a:r>
+                        <a:rPr lang="en-US" sz="1100" u="none" strike="noStrike">
+                          <a:effectLst/>
+                        </a:rPr>
+                        <a:t> </a:t>
+                      </a:r>
+                      <a:endParaRPr lang="en-US" sz="1100" b="0" i="0" u="none" strike="noStrike">
+                        <a:solidFill>
+                          <a:srgbClr val="000000"/>
+                        </a:solidFill>
+                        <a:effectLst/>
+                        <a:latin typeface="Calibri" panose="020F0502020204030204" pitchFamily="34" charset="0"/>
+                      </a:endParaRPr>
+                    </a:p>
+                  </a:txBody>
+                  <a:tcPr marL="9525" marR="9525" marT="9525" marB="0" anchor="b"/>
+                </a:tc>
+                <a:tc>
+                  <a:txBody>
+                    <a:bodyPr/>
+                    <a:lstStyle/>
+                    <a:p>
+                      <a:pPr algn="l" fontAlgn="b"/>
+                      <a:r>
+                        <a:rPr lang="en-US" sz="1100" u="none" strike="noStrike">
+                          <a:effectLst/>
+                        </a:rPr>
+                        <a:t> </a:t>
+                      </a:r>
+                      <a:endParaRPr lang="en-US" sz="1100" b="0" i="0" u="none" strike="noStrike">
+                        <a:solidFill>
+                          <a:srgbClr val="000000"/>
+                        </a:solidFill>
+                        <a:effectLst/>
+                        <a:latin typeface="Calibri" panose="020F0502020204030204" pitchFamily="34" charset="0"/>
+                      </a:endParaRPr>
+                    </a:p>
+                  </a:txBody>
+                  <a:tcPr marL="9525" marR="9525" marT="9525" marB="0" anchor="b"/>
+                </a:tc>
+                <a:tc>
+                  <a:txBody>
+                    <a:bodyPr/>
+                    <a:lstStyle/>
+                    <a:p>
+                      <a:pPr algn="l" fontAlgn="b"/>
+                      <a:r>
+                        <a:rPr lang="en-US" sz="1100" u="none" strike="noStrike">
+                          <a:effectLst/>
+                        </a:rPr>
+                        <a:t> </a:t>
+                      </a:r>
+                      <a:endParaRPr lang="en-US" sz="1100" b="0" i="0" u="none" strike="noStrike">
+                        <a:solidFill>
+                          <a:srgbClr val="000000"/>
+                        </a:solidFill>
+                        <a:effectLst/>
+                        <a:latin typeface="Calibri" panose="020F0502020204030204" pitchFamily="34" charset="0"/>
+                      </a:endParaRPr>
+                    </a:p>
+                  </a:txBody>
+                  <a:tcPr marL="9525" marR="9525" marT="9525" marB="0" anchor="b"/>
+                </a:tc>
+                <a:tc>
+                  <a:txBody>
+                    <a:bodyPr/>
+                    <a:lstStyle/>
+                    <a:p>
+                      <a:pPr algn="l" fontAlgn="b"/>
+                      <a:endParaRPr lang="en-US" sz="1100" b="0" i="0" u="none" strike="noStrike">
+                        <a:solidFill>
+                          <a:srgbClr val="000000"/>
+                        </a:solidFill>
+                        <a:effectLst/>
+                        <a:latin typeface="Calibri" panose="020F0502020204030204" pitchFamily="34" charset="0"/>
+                      </a:endParaRPr>
+                    </a:p>
+                  </a:txBody>
+                  <a:tcPr marL="9525" marR="9525" marT="9525" marB="0" anchor="b"/>
+                </a:tc>
+                <a:tc>
+                  <a:txBody>
+                    <a:bodyPr/>
+                    <a:lstStyle/>
+                    <a:p>
+                      <a:pPr algn="l" fontAlgn="b"/>
+                      <a:r>
+                        <a:rPr lang="en-US" sz="1100" u="none" strike="noStrike">
+                          <a:effectLst/>
+                        </a:rPr>
+                        <a:t> </a:t>
+                      </a:r>
+                      <a:endParaRPr lang="en-US" sz="1100" b="0" i="0" u="none" strike="noStrike">
+                        <a:solidFill>
+                          <a:srgbClr val="000000"/>
+                        </a:solidFill>
+                        <a:effectLst/>
+                        <a:latin typeface="Calibri" panose="020F0502020204030204" pitchFamily="34" charset="0"/>
+                      </a:endParaRPr>
+                    </a:p>
+                  </a:txBody>
+                  <a:tcPr marL="9525" marR="9525" marT="9525" marB="0" anchor="b"/>
+                </a:tc>
+                <a:tc>
+                  <a:txBody>
+                    <a:bodyPr/>
+                    <a:lstStyle/>
+                    <a:p>
+                      <a:pPr algn="r" fontAlgn="b"/>
+                      <a:r>
+                        <a:rPr lang="en-US" sz="1100" u="none" strike="noStrike">
+                          <a:effectLst/>
+                        </a:rPr>
+                        <a:t>2</a:t>
+                      </a:r>
+                      <a:endParaRPr lang="en-US" sz="1100" b="0" i="0" u="none" strike="noStrike">
+                        <a:solidFill>
+                          <a:srgbClr val="000000"/>
+                        </a:solidFill>
+                        <a:effectLst/>
+                        <a:latin typeface="Calibri" panose="020F0502020204030204" pitchFamily="34" charset="0"/>
+                      </a:endParaRPr>
+                    </a:p>
+                  </a:txBody>
+                  <a:tcPr marL="9525" marR="9525" marT="9525" marB="0" anchor="b"/>
+                </a:tc>
+                <a:tc>
+                  <a:txBody>
+                    <a:bodyPr/>
+                    <a:lstStyle/>
+                    <a:p>
+                      <a:pPr algn="r" fontAlgn="b"/>
+                      <a:r>
+                        <a:rPr lang="en-US" sz="1100" u="none" strike="noStrike">
+                          <a:effectLst/>
+                        </a:rPr>
+                        <a:t>1</a:t>
+                      </a:r>
+                      <a:endParaRPr lang="en-US" sz="1100" b="0" i="0" u="none" strike="noStrike">
+                        <a:solidFill>
+                          <a:srgbClr val="000000"/>
+                        </a:solidFill>
+                        <a:effectLst/>
+                        <a:latin typeface="Calibri" panose="020F0502020204030204" pitchFamily="34" charset="0"/>
+                      </a:endParaRPr>
+                    </a:p>
+                  </a:txBody>
+                  <a:tcPr marL="9525" marR="9525" marT="9525" marB="0" anchor="b"/>
+                </a:tc>
+                <a:tc>
+                  <a:txBody>
+                    <a:bodyPr/>
+                    <a:lstStyle/>
+                    <a:p>
+                      <a:pPr algn="r" fontAlgn="b"/>
+                      <a:r>
+                        <a:rPr lang="en-US" sz="1100" u="none" strike="noStrike" dirty="0">
+                          <a:effectLst/>
+                        </a:rPr>
+                        <a:t>2</a:t>
+                      </a:r>
+                      <a:endParaRPr lang="en-US" sz="1100" b="0" i="0" u="none" strike="noStrike" dirty="0">
+                        <a:solidFill>
+                          <a:srgbClr val="000000"/>
+                        </a:solidFill>
+                        <a:effectLst/>
+                        <a:latin typeface="Calibri" panose="020F0502020204030204" pitchFamily="34" charset="0"/>
+                      </a:endParaRPr>
+                    </a:p>
+                  </a:txBody>
+                  <a:tcPr marL="9525" marR="9525" marT="9525" marB="0" anchor="b"/>
+                </a:tc>
+              </a:tr>
+            </a:tbl>
+          </a:graphicData>
+        </a:graphic>
+      </p:graphicFrame>
     </p:spTree>
     <p:extLst>
       <p:ext uri="{BB962C8B-B14F-4D97-AF65-F5344CB8AC3E}">
@@ -8015,7 +9630,7 @@
           <a:p>
             <a:r>
               <a:rPr lang="en-US" dirty="0" smtClean="0"/>
-              <a:t>Utility Function</a:t>
+              <a:t>Algorithm</a:t>
             </a:r>
             <a:endParaRPr lang="en-US" dirty="0"/>
           </a:p>
@@ -8039,14 +9654,14 @@
         </p:spPr>
         <p:txBody>
           <a:bodyPr>
-            <a:normAutofit lnSpcReduction="10000"/>
+            <a:normAutofit/>
           </a:bodyPr>
           <a:lstStyle/>
           <a:p>
             <a:pPr algn="l"/>
             <a:r>
               <a:rPr lang="en-US" sz="2000" dirty="0" smtClean="0"/>
-              <a:t>Utility function</a:t>
+              <a:t>Implement an Iterative Deepening Search Tree with Alpha Beta Pruning</a:t>
             </a:r>
           </a:p>
           <a:p>
@@ -8056,7 +9671,7 @@
             </a:pPr>
             <a:r>
               <a:rPr lang="en-US" sz="2000" dirty="0" smtClean="0"/>
-              <a:t>Tiles next to existing moves are more ideal</a:t>
+              <a:t>Maintain a variable called depth </a:t>
             </a:r>
           </a:p>
           <a:p>
@@ -8066,7 +9681,7 @@
             </a:pPr>
             <a:r>
               <a:rPr lang="en-US" sz="2000" dirty="0" smtClean="0"/>
-              <a:t>A tile’s value increases the more tiles are in the vicinity</a:t>
+              <a:t>and increase/decrease depth based on timing requirements</a:t>
             </a:r>
           </a:p>
           <a:p>
@@ -8076,7 +9691,7 @@
             </a:pPr>
             <a:r>
               <a:rPr lang="en-US" sz="1600" dirty="0" smtClean="0"/>
-              <a:t>Need to chain tiles together to win</a:t>
+              <a:t>If there is extra time in the current search, then increase depth for next iteration, and run depth first search again.</a:t>
             </a:r>
           </a:p>
           <a:p>
@@ -8085,12 +9700,19 @@
               <a:buChar char="•"/>
             </a:pPr>
             <a:r>
-              <a:rPr lang="en-US" sz="1600" dirty="0" smtClean="0">
-                <a:solidFill>
-                  <a:srgbClr val="FF0000"/>
-                </a:solidFill>
-              </a:rPr>
-              <a:t>Value = # of same tiles distance 4 away on same row/col/diagonal</a:t>
+              <a:rPr lang="en-US" sz="1600" dirty="0" smtClean="0"/>
+              <a:t>If this search is taking too long, then decrease depth. The next move will use a search with a lower depth </a:t>
+            </a:r>
+            <a:endParaRPr lang="en-US" sz="1200" dirty="0" smtClean="0"/>
+          </a:p>
+          <a:p>
+            <a:pPr marL="342900" indent="-342900" algn="l">
+              <a:buFont typeface="Arial" panose="020B0604020202020204" pitchFamily="34" charset="0"/>
+              <a:buChar char="•"/>
+            </a:pPr>
+            <a:r>
+              <a:rPr lang="en-US" sz="2000" dirty="0" smtClean="0"/>
+              <a:t>Alpha beta pruning to speed up searches</a:t>
             </a:r>
           </a:p>
           <a:p>
@@ -8099,36 +9721,8 @@
               <a:buChar char="•"/>
             </a:pPr>
             <a:r>
-              <a:rPr lang="en-US" sz="1600" dirty="0" smtClean="0">
-                <a:solidFill>
-                  <a:srgbClr val="FF0000"/>
-                </a:solidFill>
-              </a:rPr>
-              <a:t>Minus </a:t>
-            </a:r>
-            <a:r>
-              <a:rPr lang="en-US" sz="1600" dirty="0">
-                <a:solidFill>
-                  <a:srgbClr val="FF0000"/>
-                </a:solidFill>
-              </a:rPr>
-              <a:t># of </a:t>
-            </a:r>
-            <a:r>
-              <a:rPr lang="en-US" sz="1600" dirty="0" smtClean="0">
-                <a:solidFill>
-                  <a:srgbClr val="FF0000"/>
-                </a:solidFill>
-              </a:rPr>
-              <a:t>non-empty tiles </a:t>
-            </a:r>
-            <a:r>
-              <a:rPr lang="en-US" sz="1600" dirty="0">
-                <a:solidFill>
-                  <a:srgbClr val="FF0000"/>
-                </a:solidFill>
-              </a:rPr>
-              <a:t>distance 4 away on same row/col/diagonal</a:t>
+              <a:rPr lang="en-US" sz="1600" dirty="0" smtClean="0"/>
+              <a:t>Ignore searching the rest of the children in a branch if this branch is bad</a:t>
             </a:r>
           </a:p>
           <a:p>
@@ -8136,1754 +9730,27 @@
               <a:buFont typeface="Arial" panose="020B0604020202020204" pitchFamily="34" charset="0"/>
               <a:buChar char="•"/>
             </a:pPr>
-            <a:endParaRPr lang="en-US" sz="1600" dirty="0" smtClean="0">
-              <a:solidFill>
-                <a:srgbClr val="FF0000"/>
-              </a:solidFill>
-            </a:endParaRPr>
+            <a:r>
+              <a:rPr lang="en-US" sz="1600" dirty="0" smtClean="0"/>
+              <a:t>Maintain a beta and alpha value in searching. If beta &lt;= alpha, we know the adversary will attempt a very good move. Do not bother to expand the rest</a:t>
+            </a:r>
           </a:p>
           <a:p>
             <a:pPr marL="800100" lvl="1" indent="-342900" algn="l">
               <a:buFont typeface="Arial" panose="020B0604020202020204" pitchFamily="34" charset="0"/>
               <a:buChar char="•"/>
             </a:pPr>
-            <a:endParaRPr lang="en-US" sz="1600" dirty="0"/>
-          </a:p>
-          <a:p>
-            <a:pPr marL="800100" lvl="1" indent="-342900" algn="l">
-              <a:buFont typeface="Arial" panose="020B0604020202020204" pitchFamily="34" charset="0"/>
-              <a:buChar char="•"/>
-            </a:pPr>
-            <a:endParaRPr lang="en-US" sz="1600" dirty="0" smtClean="0"/>
-          </a:p>
-          <a:p>
-            <a:pPr marL="800100" lvl="1" indent="-342900" algn="l">
-              <a:buFont typeface="Arial" panose="020B0604020202020204" pitchFamily="34" charset="0"/>
-              <a:buChar char="•"/>
-            </a:pPr>
-            <a:endParaRPr lang="en-US" sz="1600" dirty="0" smtClean="0"/>
+            <a:r>
+              <a:rPr lang="en-US" sz="1600" dirty="0" smtClean="0"/>
+              <a:t>Gives algorithm more time, allowing for a larger depth</a:t>
+            </a:r>
           </a:p>
           <a:p>
             <a:pPr algn="l"/>
-            <a:r>
-              <a:rPr lang="en-US" sz="2000" dirty="0" smtClean="0"/>
-              <a:t>However</a:t>
-            </a:r>
-          </a:p>
-          <a:p>
-            <a:pPr marL="342900" indent="-342900" algn="l">
-              <a:buFont typeface="Arial" panose="020B0604020202020204" pitchFamily="34" charset="0"/>
-              <a:buChar char="•"/>
-            </a:pPr>
-            <a:r>
-              <a:rPr lang="en-US" sz="2000" dirty="0" smtClean="0"/>
-              <a:t>Linear utility function not completely ideal. Winning moves need to have a higher value so that these moves are committed to first.</a:t>
-            </a:r>
-          </a:p>
-        </p:txBody>
-      </p:sp>
-      <p:graphicFrame>
-        <p:nvGraphicFramePr>
-          <p:cNvPr id="5" name="Table 4"/>
-          <p:cNvGraphicFramePr>
-            <a:graphicFrameLocks noGrp="1"/>
-          </p:cNvGraphicFramePr>
-          <p:nvPr>
-            <p:extLst>
-              <p:ext uri="{D42A27DB-BD31-4B8C-83A1-F6EECF244321}">
-                <p14:modId xmlns:p14="http://schemas.microsoft.com/office/powerpoint/2010/main" val="3840082738"/>
-              </p:ext>
-            </p:extLst>
-          </p:nvPr>
-        </p:nvGraphicFramePr>
-        <p:xfrm>
-          <a:off x="1219200" y="3352800"/>
-          <a:ext cx="1257300" cy="762000"/>
-        </p:xfrm>
-        <a:graphic>
-          <a:graphicData uri="http://schemas.openxmlformats.org/drawingml/2006/table">
-            <a:tbl>
-              <a:tblPr>
-                <a:tableStyleId>{5C22544A-7EE6-4342-B048-85BDC9FD1C3A}</a:tableStyleId>
-              </a:tblPr>
-              <a:tblGrid>
-                <a:gridCol w="139700"/>
-                <a:gridCol w="139700"/>
-                <a:gridCol w="139700"/>
-                <a:gridCol w="139700"/>
-                <a:gridCol w="139700"/>
-                <a:gridCol w="139700"/>
-                <a:gridCol w="139700"/>
-                <a:gridCol w="139700"/>
-                <a:gridCol w="139700"/>
-              </a:tblGrid>
-              <a:tr h="190500">
-                <a:tc>
-                  <a:txBody>
-                    <a:bodyPr/>
-                    <a:lstStyle/>
-                    <a:p>
-                      <a:pPr algn="l" fontAlgn="b"/>
-                      <a:r>
-                        <a:rPr lang="en-US" sz="1100" u="none" strike="noStrike" dirty="0">
-                          <a:effectLst/>
-                        </a:rPr>
-                        <a:t> </a:t>
-                      </a:r>
-                      <a:endParaRPr lang="en-US" sz="1100" b="0" i="0" u="none" strike="noStrike" dirty="0">
-                        <a:solidFill>
-                          <a:srgbClr val="000000"/>
-                        </a:solidFill>
-                        <a:effectLst/>
-                        <a:latin typeface="Calibri" panose="020F0502020204030204" pitchFamily="34" charset="0"/>
-                      </a:endParaRPr>
-                    </a:p>
-                  </a:txBody>
-                  <a:tcPr marL="9525" marR="9525" marT="9525" marB="0" anchor="b"/>
-                </a:tc>
-                <a:tc>
-                  <a:txBody>
-                    <a:bodyPr/>
-                    <a:lstStyle/>
-                    <a:p>
-                      <a:pPr algn="l" fontAlgn="b"/>
-                      <a:r>
-                        <a:rPr lang="en-US" sz="1100" u="none" strike="noStrike">
-                          <a:effectLst/>
-                        </a:rPr>
-                        <a:t> </a:t>
-                      </a:r>
-                      <a:endParaRPr lang="en-US" sz="1100" b="0" i="0" u="none" strike="noStrike">
-                        <a:solidFill>
-                          <a:srgbClr val="000000"/>
-                        </a:solidFill>
-                        <a:effectLst/>
-                        <a:latin typeface="Calibri" panose="020F0502020204030204" pitchFamily="34" charset="0"/>
-                      </a:endParaRPr>
-                    </a:p>
-                  </a:txBody>
-                  <a:tcPr marL="9525" marR="9525" marT="9525" marB="0" anchor="b"/>
-                </a:tc>
-                <a:tc>
-                  <a:txBody>
-                    <a:bodyPr/>
-                    <a:lstStyle/>
-                    <a:p>
-                      <a:pPr algn="l" fontAlgn="b"/>
-                      <a:r>
-                        <a:rPr lang="en-US" sz="1100" u="none" strike="noStrike">
-                          <a:effectLst/>
-                        </a:rPr>
-                        <a:t> </a:t>
-                      </a:r>
-                      <a:endParaRPr lang="en-US" sz="1100" b="0" i="0" u="none" strike="noStrike">
-                        <a:solidFill>
-                          <a:srgbClr val="000000"/>
-                        </a:solidFill>
-                        <a:effectLst/>
-                        <a:latin typeface="Calibri" panose="020F0502020204030204" pitchFamily="34" charset="0"/>
-                      </a:endParaRPr>
-                    </a:p>
-                  </a:txBody>
-                  <a:tcPr marL="9525" marR="9525" marT="9525" marB="0" anchor="b"/>
-                </a:tc>
-                <a:tc>
-                  <a:txBody>
-                    <a:bodyPr/>
-                    <a:lstStyle/>
-                    <a:p>
-                      <a:pPr algn="l" fontAlgn="b"/>
-                      <a:r>
-                        <a:rPr lang="en-US" sz="1100" u="none" strike="noStrike" dirty="0">
-                          <a:effectLst/>
-                        </a:rPr>
-                        <a:t> </a:t>
-                      </a:r>
-                      <a:endParaRPr lang="en-US" sz="1100" b="0" i="0" u="none" strike="noStrike" dirty="0">
-                        <a:solidFill>
-                          <a:srgbClr val="000000"/>
-                        </a:solidFill>
-                        <a:effectLst/>
-                        <a:latin typeface="Calibri" panose="020F0502020204030204" pitchFamily="34" charset="0"/>
-                      </a:endParaRPr>
-                    </a:p>
-                  </a:txBody>
-                  <a:tcPr marL="9525" marR="9525" marT="9525" marB="0" anchor="b"/>
-                </a:tc>
-                <a:tc>
-                  <a:txBody>
-                    <a:bodyPr/>
-                    <a:lstStyle/>
-                    <a:p>
-                      <a:pPr algn="l" fontAlgn="b"/>
-                      <a:endParaRPr lang="en-US" sz="1100" b="0" i="0" u="none" strike="noStrike">
-                        <a:solidFill>
-                          <a:srgbClr val="000000"/>
-                        </a:solidFill>
-                        <a:effectLst/>
-                        <a:latin typeface="Calibri" panose="020F0502020204030204" pitchFamily="34" charset="0"/>
-                      </a:endParaRPr>
-                    </a:p>
-                  </a:txBody>
-                  <a:tcPr marL="9525" marR="9525" marT="9525" marB="0" anchor="b"/>
-                </a:tc>
-                <a:tc>
-                  <a:txBody>
-                    <a:bodyPr/>
-                    <a:lstStyle/>
-                    <a:p>
-                      <a:pPr algn="r" fontAlgn="b"/>
-                      <a:r>
-                        <a:rPr lang="en-US" sz="1100" u="none" strike="noStrike">
-                          <a:effectLst/>
-                        </a:rPr>
-                        <a:t>1</a:t>
-                      </a:r>
-                      <a:endParaRPr lang="en-US" sz="1100" b="0" i="0" u="none" strike="noStrike">
-                        <a:solidFill>
-                          <a:srgbClr val="000000"/>
-                        </a:solidFill>
-                        <a:effectLst/>
-                        <a:latin typeface="Calibri" panose="020F0502020204030204" pitchFamily="34" charset="0"/>
-                      </a:endParaRPr>
-                    </a:p>
-                  </a:txBody>
-                  <a:tcPr marL="9525" marR="9525" marT="9525" marB="0" anchor="b"/>
-                </a:tc>
-                <a:tc>
-                  <a:txBody>
-                    <a:bodyPr/>
-                    <a:lstStyle/>
-                    <a:p>
-                      <a:pPr algn="r" fontAlgn="b"/>
-                      <a:r>
-                        <a:rPr lang="en-US" sz="1100" u="none" strike="noStrike">
-                          <a:effectLst/>
-                        </a:rPr>
-                        <a:t>1</a:t>
-                      </a:r>
-                      <a:endParaRPr lang="en-US" sz="1100" b="0" i="0" u="none" strike="noStrike">
-                        <a:solidFill>
-                          <a:srgbClr val="000000"/>
-                        </a:solidFill>
-                        <a:effectLst/>
-                        <a:latin typeface="Calibri" panose="020F0502020204030204" pitchFamily="34" charset="0"/>
-                      </a:endParaRPr>
-                    </a:p>
-                  </a:txBody>
-                  <a:tcPr marL="9525" marR="9525" marT="9525" marB="0" anchor="b"/>
-                </a:tc>
-                <a:tc>
-                  <a:txBody>
-                    <a:bodyPr/>
-                    <a:lstStyle/>
-                    <a:p>
-                      <a:pPr algn="r" fontAlgn="b"/>
-                      <a:r>
-                        <a:rPr lang="en-US" sz="1100" u="none" strike="noStrike">
-                          <a:effectLst/>
-                        </a:rPr>
-                        <a:t>1</a:t>
-                      </a:r>
-                      <a:endParaRPr lang="en-US" sz="1100" b="0" i="0" u="none" strike="noStrike">
-                        <a:solidFill>
-                          <a:srgbClr val="000000"/>
-                        </a:solidFill>
-                        <a:effectLst/>
-                        <a:latin typeface="Calibri" panose="020F0502020204030204" pitchFamily="34" charset="0"/>
-                      </a:endParaRPr>
-                    </a:p>
-                  </a:txBody>
-                  <a:tcPr marL="9525" marR="9525" marT="9525" marB="0" anchor="b"/>
-                </a:tc>
-                <a:tc>
-                  <a:txBody>
-                    <a:bodyPr/>
-                    <a:lstStyle/>
-                    <a:p>
-                      <a:pPr algn="l" fontAlgn="b"/>
-                      <a:r>
-                        <a:rPr lang="en-US" sz="1100" u="none" strike="noStrike">
-                          <a:effectLst/>
-                        </a:rPr>
-                        <a:t> </a:t>
-                      </a:r>
-                      <a:endParaRPr lang="en-US" sz="1100" b="0" i="0" u="none" strike="noStrike">
-                        <a:solidFill>
-                          <a:srgbClr val="000000"/>
-                        </a:solidFill>
-                        <a:effectLst/>
-                        <a:latin typeface="Calibri" panose="020F0502020204030204" pitchFamily="34" charset="0"/>
-                      </a:endParaRPr>
-                    </a:p>
-                  </a:txBody>
-                  <a:tcPr marL="9525" marR="9525" marT="9525" marB="0" anchor="b"/>
-                </a:tc>
-              </a:tr>
-              <a:tr h="190500">
-                <a:tc>
-                  <a:txBody>
-                    <a:bodyPr/>
-                    <a:lstStyle/>
-                    <a:p>
-                      <a:pPr algn="l" fontAlgn="b"/>
-                      <a:r>
-                        <a:rPr lang="en-US" sz="1100" u="none" strike="noStrike">
-                          <a:effectLst/>
-                        </a:rPr>
-                        <a:t> </a:t>
-                      </a:r>
-                      <a:endParaRPr lang="en-US" sz="1100" b="0" i="0" u="none" strike="noStrike">
-                        <a:solidFill>
-                          <a:srgbClr val="000000"/>
-                        </a:solidFill>
-                        <a:effectLst/>
-                        <a:latin typeface="Calibri" panose="020F0502020204030204" pitchFamily="34" charset="0"/>
-                      </a:endParaRPr>
-                    </a:p>
-                  </a:txBody>
-                  <a:tcPr marL="9525" marR="9525" marT="9525" marB="0" anchor="b"/>
-                </a:tc>
-                <a:tc>
-                  <a:txBody>
-                    <a:bodyPr/>
-                    <a:lstStyle/>
-                    <a:p>
-                      <a:pPr algn="l" fontAlgn="b"/>
-                      <a:r>
-                        <a:rPr lang="en-US" sz="1100" u="none" strike="noStrike">
-                          <a:effectLst/>
-                        </a:rPr>
-                        <a:t>X</a:t>
-                      </a:r>
-                      <a:endParaRPr lang="en-US" sz="1100" b="0" i="0" u="none" strike="noStrike">
-                        <a:solidFill>
-                          <a:srgbClr val="000000"/>
-                        </a:solidFill>
-                        <a:effectLst/>
-                        <a:latin typeface="Calibri" panose="020F0502020204030204" pitchFamily="34" charset="0"/>
-                      </a:endParaRPr>
-                    </a:p>
-                  </a:txBody>
-                  <a:tcPr marL="9525" marR="9525" marT="9525" marB="0" anchor="b"/>
-                </a:tc>
-                <a:tc>
-                  <a:txBody>
-                    <a:bodyPr/>
-                    <a:lstStyle/>
-                    <a:p>
-                      <a:pPr algn="l" fontAlgn="b"/>
-                      <a:r>
-                        <a:rPr lang="en-US" sz="1100" u="none" strike="noStrike">
-                          <a:effectLst/>
-                        </a:rPr>
-                        <a:t> </a:t>
-                      </a:r>
-                      <a:endParaRPr lang="en-US" sz="1100" b="0" i="0" u="none" strike="noStrike">
-                        <a:solidFill>
-                          <a:srgbClr val="000000"/>
-                        </a:solidFill>
-                        <a:effectLst/>
-                        <a:latin typeface="Calibri" panose="020F0502020204030204" pitchFamily="34" charset="0"/>
-                      </a:endParaRPr>
-                    </a:p>
-                  </a:txBody>
-                  <a:tcPr marL="9525" marR="9525" marT="9525" marB="0" anchor="b"/>
-                </a:tc>
-                <a:tc>
-                  <a:txBody>
-                    <a:bodyPr/>
-                    <a:lstStyle/>
-                    <a:p>
-                      <a:pPr algn="l" fontAlgn="b"/>
-                      <a:r>
-                        <a:rPr lang="en-US" sz="1100" u="none" strike="noStrike">
-                          <a:effectLst/>
-                        </a:rPr>
-                        <a:t> </a:t>
-                      </a:r>
-                      <a:endParaRPr lang="en-US" sz="1100" b="0" i="0" u="none" strike="noStrike">
-                        <a:solidFill>
-                          <a:srgbClr val="000000"/>
-                        </a:solidFill>
-                        <a:effectLst/>
-                        <a:latin typeface="Calibri" panose="020F0502020204030204" pitchFamily="34" charset="0"/>
-                      </a:endParaRPr>
-                    </a:p>
-                  </a:txBody>
-                  <a:tcPr marL="9525" marR="9525" marT="9525" marB="0" anchor="b"/>
-                </a:tc>
-                <a:tc>
-                  <a:txBody>
-                    <a:bodyPr/>
-                    <a:lstStyle/>
-                    <a:p>
-                      <a:pPr algn="l" fontAlgn="b"/>
-                      <a:endParaRPr lang="en-US" sz="1100" b="0" i="0" u="none" strike="noStrike">
-                        <a:solidFill>
-                          <a:srgbClr val="000000"/>
-                        </a:solidFill>
-                        <a:effectLst/>
-                        <a:latin typeface="Calibri" panose="020F0502020204030204" pitchFamily="34" charset="0"/>
-                      </a:endParaRPr>
-                    </a:p>
-                  </a:txBody>
-                  <a:tcPr marL="9525" marR="9525" marT="9525" marB="0" anchor="b"/>
-                </a:tc>
-                <a:tc>
-                  <a:txBody>
-                    <a:bodyPr/>
-                    <a:lstStyle/>
-                    <a:p>
-                      <a:pPr algn="r" fontAlgn="b"/>
-                      <a:r>
-                        <a:rPr lang="en-US" sz="1100" u="none" strike="noStrike">
-                          <a:effectLst/>
-                        </a:rPr>
-                        <a:t>1</a:t>
-                      </a:r>
-                      <a:endParaRPr lang="en-US" sz="1100" b="0" i="0" u="none" strike="noStrike">
-                        <a:solidFill>
-                          <a:srgbClr val="000000"/>
-                        </a:solidFill>
-                        <a:effectLst/>
-                        <a:latin typeface="Calibri" panose="020F0502020204030204" pitchFamily="34" charset="0"/>
-                      </a:endParaRPr>
-                    </a:p>
-                  </a:txBody>
-                  <a:tcPr marL="9525" marR="9525" marT="9525" marB="0" anchor="b"/>
-                </a:tc>
-                <a:tc>
-                  <a:txBody>
-                    <a:bodyPr/>
-                    <a:lstStyle/>
-                    <a:p>
-                      <a:pPr algn="l" fontAlgn="b"/>
-                      <a:r>
-                        <a:rPr lang="en-US" sz="1100" u="none" strike="noStrike">
-                          <a:effectLst/>
-                        </a:rPr>
-                        <a:t>X</a:t>
-                      </a:r>
-                      <a:endParaRPr lang="en-US" sz="1100" b="0" i="0" u="none" strike="noStrike">
-                        <a:solidFill>
-                          <a:srgbClr val="000000"/>
-                        </a:solidFill>
-                        <a:effectLst/>
-                        <a:latin typeface="Calibri" panose="020F0502020204030204" pitchFamily="34" charset="0"/>
-                      </a:endParaRPr>
-                    </a:p>
-                  </a:txBody>
-                  <a:tcPr marL="9525" marR="9525" marT="9525" marB="0" anchor="b"/>
-                </a:tc>
-                <a:tc>
-                  <a:txBody>
-                    <a:bodyPr/>
-                    <a:lstStyle/>
-                    <a:p>
-                      <a:pPr algn="r" fontAlgn="b"/>
-                      <a:r>
-                        <a:rPr lang="en-US" sz="1100" u="none" strike="noStrike">
-                          <a:effectLst/>
-                        </a:rPr>
-                        <a:t>1</a:t>
-                      </a:r>
-                      <a:endParaRPr lang="en-US" sz="1100" b="0" i="0" u="none" strike="noStrike">
-                        <a:solidFill>
-                          <a:srgbClr val="000000"/>
-                        </a:solidFill>
-                        <a:effectLst/>
-                        <a:latin typeface="Calibri" panose="020F0502020204030204" pitchFamily="34" charset="0"/>
-                      </a:endParaRPr>
-                    </a:p>
-                  </a:txBody>
-                  <a:tcPr marL="9525" marR="9525" marT="9525" marB="0" anchor="b"/>
-                </a:tc>
-                <a:tc>
-                  <a:txBody>
-                    <a:bodyPr/>
-                    <a:lstStyle/>
-                    <a:p>
-                      <a:pPr algn="r" fontAlgn="b"/>
-                      <a:r>
-                        <a:rPr lang="en-US" sz="1100" u="none" strike="noStrike">
-                          <a:effectLst/>
-                        </a:rPr>
-                        <a:t>1</a:t>
-                      </a:r>
-                      <a:endParaRPr lang="en-US" sz="1100" b="0" i="0" u="none" strike="noStrike">
-                        <a:solidFill>
-                          <a:srgbClr val="000000"/>
-                        </a:solidFill>
-                        <a:effectLst/>
-                        <a:latin typeface="Calibri" panose="020F0502020204030204" pitchFamily="34" charset="0"/>
-                      </a:endParaRPr>
-                    </a:p>
-                  </a:txBody>
-                  <a:tcPr marL="9525" marR="9525" marT="9525" marB="0" anchor="b"/>
-                </a:tc>
-              </a:tr>
-              <a:tr h="190500">
-                <a:tc>
-                  <a:txBody>
-                    <a:bodyPr/>
-                    <a:lstStyle/>
-                    <a:p>
-                      <a:pPr algn="l" fontAlgn="b"/>
-                      <a:r>
-                        <a:rPr lang="en-US" sz="1100" u="none" strike="noStrike">
-                          <a:effectLst/>
-                        </a:rPr>
-                        <a:t> </a:t>
-                      </a:r>
-                      <a:endParaRPr lang="en-US" sz="1100" b="0" i="0" u="none" strike="noStrike">
-                        <a:solidFill>
-                          <a:srgbClr val="000000"/>
-                        </a:solidFill>
-                        <a:effectLst/>
-                        <a:latin typeface="Calibri" panose="020F0502020204030204" pitchFamily="34" charset="0"/>
-                      </a:endParaRPr>
-                    </a:p>
-                  </a:txBody>
-                  <a:tcPr marL="9525" marR="9525" marT="9525" marB="0" anchor="b"/>
-                </a:tc>
-                <a:tc>
-                  <a:txBody>
-                    <a:bodyPr/>
-                    <a:lstStyle/>
-                    <a:p>
-                      <a:pPr algn="l" fontAlgn="b"/>
-                      <a:r>
-                        <a:rPr lang="en-US" sz="1100" u="none" strike="noStrike">
-                          <a:effectLst/>
-                        </a:rPr>
-                        <a:t> </a:t>
-                      </a:r>
-                      <a:endParaRPr lang="en-US" sz="1100" b="0" i="0" u="none" strike="noStrike">
-                        <a:solidFill>
-                          <a:srgbClr val="000000"/>
-                        </a:solidFill>
-                        <a:effectLst/>
-                        <a:latin typeface="Calibri" panose="020F0502020204030204" pitchFamily="34" charset="0"/>
-                      </a:endParaRPr>
-                    </a:p>
-                  </a:txBody>
-                  <a:tcPr marL="9525" marR="9525" marT="9525" marB="0" anchor="b"/>
-                </a:tc>
-                <a:tc>
-                  <a:txBody>
-                    <a:bodyPr/>
-                    <a:lstStyle/>
-                    <a:p>
-                      <a:pPr algn="l" fontAlgn="b"/>
-                      <a:r>
-                        <a:rPr lang="en-US" sz="1100" u="none" strike="noStrike">
-                          <a:effectLst/>
-                        </a:rPr>
-                        <a:t> </a:t>
-                      </a:r>
-                      <a:endParaRPr lang="en-US" sz="1100" b="0" i="0" u="none" strike="noStrike">
-                        <a:solidFill>
-                          <a:srgbClr val="000000"/>
-                        </a:solidFill>
-                        <a:effectLst/>
-                        <a:latin typeface="Calibri" panose="020F0502020204030204" pitchFamily="34" charset="0"/>
-                      </a:endParaRPr>
-                    </a:p>
-                  </a:txBody>
-                  <a:tcPr marL="9525" marR="9525" marT="9525" marB="0" anchor="b"/>
-                </a:tc>
-                <a:tc>
-                  <a:txBody>
-                    <a:bodyPr/>
-                    <a:lstStyle/>
-                    <a:p>
-                      <a:pPr algn="l" fontAlgn="b"/>
-                      <a:r>
-                        <a:rPr lang="en-US" sz="1100" u="none" strike="noStrike">
-                          <a:effectLst/>
-                        </a:rPr>
-                        <a:t> </a:t>
-                      </a:r>
-                      <a:endParaRPr lang="en-US" sz="1100" b="0" i="0" u="none" strike="noStrike">
-                        <a:solidFill>
-                          <a:srgbClr val="000000"/>
-                        </a:solidFill>
-                        <a:effectLst/>
-                        <a:latin typeface="Calibri" panose="020F0502020204030204" pitchFamily="34" charset="0"/>
-                      </a:endParaRPr>
-                    </a:p>
-                  </a:txBody>
-                  <a:tcPr marL="9525" marR="9525" marT="9525" marB="0" anchor="b"/>
-                </a:tc>
-                <a:tc>
-                  <a:txBody>
-                    <a:bodyPr/>
-                    <a:lstStyle/>
-                    <a:p>
-                      <a:pPr algn="l" fontAlgn="b"/>
-                      <a:endParaRPr lang="en-US" sz="1100" b="0" i="0" u="none" strike="noStrike">
-                        <a:solidFill>
-                          <a:srgbClr val="000000"/>
-                        </a:solidFill>
-                        <a:effectLst/>
-                        <a:latin typeface="Calibri" panose="020F0502020204030204" pitchFamily="34" charset="0"/>
-                      </a:endParaRPr>
-                    </a:p>
-                  </a:txBody>
-                  <a:tcPr marL="9525" marR="9525" marT="9525" marB="0" anchor="b"/>
-                </a:tc>
-                <a:tc>
-                  <a:txBody>
-                    <a:bodyPr/>
-                    <a:lstStyle/>
-                    <a:p>
-                      <a:pPr algn="r" fontAlgn="b"/>
-                      <a:r>
-                        <a:rPr lang="en-US" sz="1100" u="none" strike="noStrike">
-                          <a:effectLst/>
-                        </a:rPr>
-                        <a:t>1</a:t>
-                      </a:r>
-                      <a:endParaRPr lang="en-US" sz="1100" b="0" i="0" u="none" strike="noStrike">
-                        <a:solidFill>
-                          <a:srgbClr val="000000"/>
-                        </a:solidFill>
-                        <a:effectLst/>
-                        <a:latin typeface="Calibri" panose="020F0502020204030204" pitchFamily="34" charset="0"/>
-                      </a:endParaRPr>
-                    </a:p>
-                  </a:txBody>
-                  <a:tcPr marL="9525" marR="9525" marT="9525" marB="0" anchor="b"/>
-                </a:tc>
-                <a:tc>
-                  <a:txBody>
-                    <a:bodyPr/>
-                    <a:lstStyle/>
-                    <a:p>
-                      <a:pPr algn="r" fontAlgn="b"/>
-                      <a:r>
-                        <a:rPr lang="en-US" sz="1100" u="none" strike="noStrike">
-                          <a:effectLst/>
-                        </a:rPr>
-                        <a:t>1</a:t>
-                      </a:r>
-                      <a:endParaRPr lang="en-US" sz="1100" b="0" i="0" u="none" strike="noStrike">
-                        <a:solidFill>
-                          <a:srgbClr val="000000"/>
-                        </a:solidFill>
-                        <a:effectLst/>
-                        <a:latin typeface="Calibri" panose="020F0502020204030204" pitchFamily="34" charset="0"/>
-                      </a:endParaRPr>
-                    </a:p>
-                  </a:txBody>
-                  <a:tcPr marL="9525" marR="9525" marT="9525" marB="0" anchor="b"/>
-                </a:tc>
-                <a:tc>
-                  <a:txBody>
-                    <a:bodyPr/>
-                    <a:lstStyle/>
-                    <a:p>
-                      <a:pPr algn="r" fontAlgn="b"/>
-                      <a:r>
-                        <a:rPr lang="en-US" sz="1100" u="none" strike="noStrike">
-                          <a:effectLst/>
-                        </a:rPr>
-                        <a:t>1</a:t>
-                      </a:r>
-                      <a:endParaRPr lang="en-US" sz="1100" b="0" i="0" u="none" strike="noStrike">
-                        <a:solidFill>
-                          <a:srgbClr val="000000"/>
-                        </a:solidFill>
-                        <a:effectLst/>
-                        <a:latin typeface="Calibri" panose="020F0502020204030204" pitchFamily="34" charset="0"/>
-                      </a:endParaRPr>
-                    </a:p>
-                  </a:txBody>
-                  <a:tcPr marL="9525" marR="9525" marT="9525" marB="0" anchor="b"/>
-                </a:tc>
-                <a:tc>
-                  <a:txBody>
-                    <a:bodyPr/>
-                    <a:lstStyle/>
-                    <a:p>
-                      <a:pPr algn="l" fontAlgn="b"/>
-                      <a:r>
-                        <a:rPr lang="en-US" sz="1100" u="none" strike="noStrike">
-                          <a:effectLst/>
-                        </a:rPr>
-                        <a:t> </a:t>
-                      </a:r>
-                      <a:endParaRPr lang="en-US" sz="1100" b="0" i="0" u="none" strike="noStrike">
-                        <a:solidFill>
-                          <a:srgbClr val="000000"/>
-                        </a:solidFill>
-                        <a:effectLst/>
-                        <a:latin typeface="Calibri" panose="020F0502020204030204" pitchFamily="34" charset="0"/>
-                      </a:endParaRPr>
-                    </a:p>
-                  </a:txBody>
-                  <a:tcPr marL="9525" marR="9525" marT="9525" marB="0" anchor="b"/>
-                </a:tc>
-              </a:tr>
-              <a:tr h="190500">
-                <a:tc>
-                  <a:txBody>
-                    <a:bodyPr/>
-                    <a:lstStyle/>
-                    <a:p>
-                      <a:pPr algn="l" fontAlgn="b"/>
-                      <a:r>
-                        <a:rPr lang="en-US" sz="1100" u="none" strike="noStrike">
-                          <a:effectLst/>
-                        </a:rPr>
-                        <a:t> </a:t>
-                      </a:r>
-                      <a:endParaRPr lang="en-US" sz="1100" b="0" i="0" u="none" strike="noStrike">
-                        <a:solidFill>
-                          <a:srgbClr val="000000"/>
-                        </a:solidFill>
-                        <a:effectLst/>
-                        <a:latin typeface="Calibri" panose="020F0502020204030204" pitchFamily="34" charset="0"/>
-                      </a:endParaRPr>
-                    </a:p>
-                  </a:txBody>
-                  <a:tcPr marL="9525" marR="9525" marT="9525" marB="0" anchor="b"/>
-                </a:tc>
-                <a:tc>
-                  <a:txBody>
-                    <a:bodyPr/>
-                    <a:lstStyle/>
-                    <a:p>
-                      <a:pPr algn="l" fontAlgn="b"/>
-                      <a:r>
-                        <a:rPr lang="en-US" sz="1100" u="none" strike="noStrike">
-                          <a:effectLst/>
-                        </a:rPr>
-                        <a:t> </a:t>
-                      </a:r>
-                      <a:endParaRPr lang="en-US" sz="1100" b="0" i="0" u="none" strike="noStrike">
-                        <a:solidFill>
-                          <a:srgbClr val="000000"/>
-                        </a:solidFill>
-                        <a:effectLst/>
-                        <a:latin typeface="Calibri" panose="020F0502020204030204" pitchFamily="34" charset="0"/>
-                      </a:endParaRPr>
-                    </a:p>
-                  </a:txBody>
-                  <a:tcPr marL="9525" marR="9525" marT="9525" marB="0" anchor="b"/>
-                </a:tc>
-                <a:tc>
-                  <a:txBody>
-                    <a:bodyPr/>
-                    <a:lstStyle/>
-                    <a:p>
-                      <a:pPr algn="l" fontAlgn="b"/>
-                      <a:r>
-                        <a:rPr lang="en-US" sz="1100" u="none" strike="noStrike">
-                          <a:effectLst/>
-                        </a:rPr>
-                        <a:t> </a:t>
-                      </a:r>
-                      <a:endParaRPr lang="en-US" sz="1100" b="0" i="0" u="none" strike="noStrike">
-                        <a:solidFill>
-                          <a:srgbClr val="000000"/>
-                        </a:solidFill>
-                        <a:effectLst/>
-                        <a:latin typeface="Calibri" panose="020F0502020204030204" pitchFamily="34" charset="0"/>
-                      </a:endParaRPr>
-                    </a:p>
-                  </a:txBody>
-                  <a:tcPr marL="9525" marR="9525" marT="9525" marB="0" anchor="b"/>
-                </a:tc>
-                <a:tc>
-                  <a:txBody>
-                    <a:bodyPr/>
-                    <a:lstStyle/>
-                    <a:p>
-                      <a:pPr algn="l" fontAlgn="b"/>
-                      <a:r>
-                        <a:rPr lang="en-US" sz="1100" u="none" strike="noStrike">
-                          <a:effectLst/>
-                        </a:rPr>
-                        <a:t> </a:t>
-                      </a:r>
-                      <a:endParaRPr lang="en-US" sz="1100" b="0" i="0" u="none" strike="noStrike">
-                        <a:solidFill>
-                          <a:srgbClr val="000000"/>
-                        </a:solidFill>
-                        <a:effectLst/>
-                        <a:latin typeface="Calibri" panose="020F0502020204030204" pitchFamily="34" charset="0"/>
-                      </a:endParaRPr>
-                    </a:p>
-                  </a:txBody>
-                  <a:tcPr marL="9525" marR="9525" marT="9525" marB="0" anchor="b"/>
-                </a:tc>
-                <a:tc>
-                  <a:txBody>
-                    <a:bodyPr/>
-                    <a:lstStyle/>
-                    <a:p>
-                      <a:pPr algn="l" fontAlgn="b"/>
-                      <a:endParaRPr lang="en-US" sz="1100" b="0" i="0" u="none" strike="noStrike">
-                        <a:solidFill>
-                          <a:srgbClr val="000000"/>
-                        </a:solidFill>
-                        <a:effectLst/>
-                        <a:latin typeface="Calibri" panose="020F0502020204030204" pitchFamily="34" charset="0"/>
-                      </a:endParaRPr>
-                    </a:p>
-                  </a:txBody>
-                  <a:tcPr marL="9525" marR="9525" marT="9525" marB="0" anchor="b"/>
-                </a:tc>
-                <a:tc>
-                  <a:txBody>
-                    <a:bodyPr/>
-                    <a:lstStyle/>
-                    <a:p>
-                      <a:pPr algn="l" fontAlgn="b"/>
-                      <a:r>
-                        <a:rPr lang="en-US" sz="1100" u="none" strike="noStrike">
-                          <a:effectLst/>
-                        </a:rPr>
-                        <a:t> </a:t>
-                      </a:r>
-                      <a:endParaRPr lang="en-US" sz="1100" b="0" i="0" u="none" strike="noStrike">
-                        <a:solidFill>
-                          <a:srgbClr val="000000"/>
-                        </a:solidFill>
-                        <a:effectLst/>
-                        <a:latin typeface="Calibri" panose="020F0502020204030204" pitchFamily="34" charset="0"/>
-                      </a:endParaRPr>
-                    </a:p>
-                  </a:txBody>
-                  <a:tcPr marL="9525" marR="9525" marT="9525" marB="0" anchor="b"/>
-                </a:tc>
-                <a:tc>
-                  <a:txBody>
-                    <a:bodyPr/>
-                    <a:lstStyle/>
-                    <a:p>
-                      <a:pPr algn="r" fontAlgn="b"/>
-                      <a:r>
-                        <a:rPr lang="en-US" sz="1100" u="none" strike="noStrike">
-                          <a:effectLst/>
-                        </a:rPr>
-                        <a:t>1</a:t>
-                      </a:r>
-                      <a:endParaRPr lang="en-US" sz="1100" b="0" i="0" u="none" strike="noStrike">
-                        <a:solidFill>
-                          <a:srgbClr val="000000"/>
-                        </a:solidFill>
-                        <a:effectLst/>
-                        <a:latin typeface="Calibri" panose="020F0502020204030204" pitchFamily="34" charset="0"/>
-                      </a:endParaRPr>
-                    </a:p>
-                  </a:txBody>
-                  <a:tcPr marL="9525" marR="9525" marT="9525" marB="0" anchor="b"/>
-                </a:tc>
-                <a:tc>
-                  <a:txBody>
-                    <a:bodyPr/>
-                    <a:lstStyle/>
-                    <a:p>
-                      <a:pPr algn="l" fontAlgn="b"/>
-                      <a:r>
-                        <a:rPr lang="en-US" sz="1100" u="none" strike="noStrike">
-                          <a:effectLst/>
-                        </a:rPr>
-                        <a:t> </a:t>
-                      </a:r>
-                      <a:endParaRPr lang="en-US" sz="1100" b="0" i="0" u="none" strike="noStrike">
-                        <a:solidFill>
-                          <a:srgbClr val="000000"/>
-                        </a:solidFill>
-                        <a:effectLst/>
-                        <a:latin typeface="Calibri" panose="020F0502020204030204" pitchFamily="34" charset="0"/>
-                      </a:endParaRPr>
-                    </a:p>
-                  </a:txBody>
-                  <a:tcPr marL="9525" marR="9525" marT="9525" marB="0" anchor="b"/>
-                </a:tc>
-                <a:tc>
-                  <a:txBody>
-                    <a:bodyPr/>
-                    <a:lstStyle/>
-                    <a:p>
-                      <a:pPr algn="r" fontAlgn="b"/>
-                      <a:r>
-                        <a:rPr lang="en-US" sz="1100" u="none" strike="noStrike" dirty="0">
-                          <a:effectLst/>
-                        </a:rPr>
-                        <a:t>1</a:t>
-                      </a:r>
-                      <a:endParaRPr lang="en-US" sz="1100" b="0" i="0" u="none" strike="noStrike" dirty="0">
-                        <a:solidFill>
-                          <a:srgbClr val="000000"/>
-                        </a:solidFill>
-                        <a:effectLst/>
-                        <a:latin typeface="Calibri" panose="020F0502020204030204" pitchFamily="34" charset="0"/>
-                      </a:endParaRPr>
-                    </a:p>
-                  </a:txBody>
-                  <a:tcPr marL="9525" marR="9525" marT="9525" marB="0" anchor="b"/>
-                </a:tc>
-              </a:tr>
-            </a:tbl>
-          </a:graphicData>
-        </a:graphic>
-      </p:graphicFrame>
-      <p:graphicFrame>
-        <p:nvGraphicFramePr>
-          <p:cNvPr id="7" name="Table 6"/>
-          <p:cNvGraphicFramePr>
-            <a:graphicFrameLocks noGrp="1"/>
-          </p:cNvGraphicFramePr>
-          <p:nvPr>
-            <p:extLst>
-              <p:ext uri="{D42A27DB-BD31-4B8C-83A1-F6EECF244321}">
-                <p14:modId xmlns:p14="http://schemas.microsoft.com/office/powerpoint/2010/main" val="1810579143"/>
-              </p:ext>
-            </p:extLst>
-          </p:nvPr>
-        </p:nvGraphicFramePr>
-        <p:xfrm>
-          <a:off x="3962400" y="3352800"/>
-          <a:ext cx="1257300" cy="762000"/>
-        </p:xfrm>
-        <a:graphic>
-          <a:graphicData uri="http://schemas.openxmlformats.org/drawingml/2006/table">
-            <a:tbl>
-              <a:tblPr>
-                <a:tableStyleId>{5C22544A-7EE6-4342-B048-85BDC9FD1C3A}</a:tableStyleId>
-              </a:tblPr>
-              <a:tblGrid>
-                <a:gridCol w="139700"/>
-                <a:gridCol w="139700"/>
-                <a:gridCol w="139700"/>
-                <a:gridCol w="139700"/>
-                <a:gridCol w="139700"/>
-                <a:gridCol w="139700"/>
-                <a:gridCol w="139700"/>
-                <a:gridCol w="139700"/>
-                <a:gridCol w="139700"/>
-              </a:tblGrid>
-              <a:tr h="190500">
-                <a:tc>
-                  <a:txBody>
-                    <a:bodyPr/>
-                    <a:lstStyle/>
-                    <a:p>
-                      <a:pPr algn="l" fontAlgn="b"/>
-                      <a:r>
-                        <a:rPr lang="en-US" sz="1100" u="none" strike="noStrike" dirty="0">
-                          <a:effectLst/>
-                        </a:rPr>
-                        <a:t> </a:t>
-                      </a:r>
-                      <a:endParaRPr lang="en-US" sz="1100" b="0" i="0" u="none" strike="noStrike" dirty="0">
-                        <a:solidFill>
-                          <a:srgbClr val="000000"/>
-                        </a:solidFill>
-                        <a:effectLst/>
-                        <a:latin typeface="Calibri" panose="020F0502020204030204" pitchFamily="34" charset="0"/>
-                      </a:endParaRPr>
-                    </a:p>
-                  </a:txBody>
-                  <a:tcPr marL="9525" marR="9525" marT="9525" marB="0" anchor="b"/>
-                </a:tc>
-                <a:tc>
-                  <a:txBody>
-                    <a:bodyPr/>
-                    <a:lstStyle/>
-                    <a:p>
-                      <a:pPr algn="l" fontAlgn="b"/>
-                      <a:r>
-                        <a:rPr lang="en-US" sz="1100" u="none" strike="noStrike">
-                          <a:effectLst/>
-                        </a:rPr>
-                        <a:t> </a:t>
-                      </a:r>
-                      <a:endParaRPr lang="en-US" sz="1100" b="0" i="0" u="none" strike="noStrike">
-                        <a:solidFill>
-                          <a:srgbClr val="000000"/>
-                        </a:solidFill>
-                        <a:effectLst/>
-                        <a:latin typeface="Calibri" panose="020F0502020204030204" pitchFamily="34" charset="0"/>
-                      </a:endParaRPr>
-                    </a:p>
-                  </a:txBody>
-                  <a:tcPr marL="9525" marR="9525" marT="9525" marB="0" anchor="b"/>
-                </a:tc>
-                <a:tc>
-                  <a:txBody>
-                    <a:bodyPr/>
-                    <a:lstStyle/>
-                    <a:p>
-                      <a:pPr algn="l" fontAlgn="b"/>
-                      <a:r>
-                        <a:rPr lang="en-US" sz="1100" u="none" strike="noStrike" dirty="0">
-                          <a:effectLst/>
-                        </a:rPr>
-                        <a:t> </a:t>
-                      </a:r>
-                      <a:endParaRPr lang="en-US" sz="1100" b="0" i="0" u="none" strike="noStrike" dirty="0">
-                        <a:solidFill>
-                          <a:srgbClr val="000000"/>
-                        </a:solidFill>
-                        <a:effectLst/>
-                        <a:latin typeface="Calibri" panose="020F0502020204030204" pitchFamily="34" charset="0"/>
-                      </a:endParaRPr>
-                    </a:p>
-                  </a:txBody>
-                  <a:tcPr marL="9525" marR="9525" marT="9525" marB="0" anchor="b"/>
-                </a:tc>
-                <a:tc>
-                  <a:txBody>
-                    <a:bodyPr/>
-                    <a:lstStyle/>
-                    <a:p>
-                      <a:pPr algn="l" fontAlgn="b"/>
-                      <a:r>
-                        <a:rPr lang="en-US" sz="1100" u="none" strike="noStrike">
-                          <a:effectLst/>
-                        </a:rPr>
-                        <a:t> </a:t>
-                      </a:r>
-                      <a:endParaRPr lang="en-US" sz="1100" b="0" i="0" u="none" strike="noStrike">
-                        <a:solidFill>
-                          <a:srgbClr val="000000"/>
-                        </a:solidFill>
-                        <a:effectLst/>
-                        <a:latin typeface="Calibri" panose="020F0502020204030204" pitchFamily="34" charset="0"/>
-                      </a:endParaRPr>
-                    </a:p>
-                  </a:txBody>
-                  <a:tcPr marL="9525" marR="9525" marT="9525" marB="0" anchor="b"/>
-                </a:tc>
-                <a:tc>
-                  <a:txBody>
-                    <a:bodyPr/>
-                    <a:lstStyle/>
-                    <a:p>
-                      <a:pPr algn="l" fontAlgn="b"/>
-                      <a:endParaRPr lang="en-US" sz="1100" b="0" i="0" u="none" strike="noStrike">
-                        <a:solidFill>
-                          <a:srgbClr val="000000"/>
-                        </a:solidFill>
-                        <a:effectLst/>
-                        <a:latin typeface="Calibri" panose="020F0502020204030204" pitchFamily="34" charset="0"/>
-                      </a:endParaRPr>
-                    </a:p>
-                  </a:txBody>
-                  <a:tcPr marL="9525" marR="9525" marT="9525" marB="0" anchor="b"/>
-                </a:tc>
-                <a:tc>
-                  <a:txBody>
-                    <a:bodyPr/>
-                    <a:lstStyle/>
-                    <a:p>
-                      <a:pPr algn="r" fontAlgn="b"/>
-                      <a:r>
-                        <a:rPr lang="en-US" sz="1100" u="none" strike="noStrike">
-                          <a:effectLst/>
-                        </a:rPr>
-                        <a:t>2</a:t>
-                      </a:r>
-                      <a:endParaRPr lang="en-US" sz="1100" b="0" i="0" u="none" strike="noStrike">
-                        <a:solidFill>
-                          <a:srgbClr val="000000"/>
-                        </a:solidFill>
-                        <a:effectLst/>
-                        <a:latin typeface="Calibri" panose="020F0502020204030204" pitchFamily="34" charset="0"/>
-                      </a:endParaRPr>
-                    </a:p>
-                  </a:txBody>
-                  <a:tcPr marL="9525" marR="9525" marT="9525" marB="0" anchor="b"/>
-                </a:tc>
-                <a:tc>
-                  <a:txBody>
-                    <a:bodyPr/>
-                    <a:lstStyle/>
-                    <a:p>
-                      <a:pPr algn="r" fontAlgn="b"/>
-                      <a:r>
-                        <a:rPr lang="en-US" sz="1100" u="none" strike="noStrike">
-                          <a:effectLst/>
-                        </a:rPr>
-                        <a:t>1</a:t>
-                      </a:r>
-                      <a:endParaRPr lang="en-US" sz="1100" b="0" i="0" u="none" strike="noStrike">
-                        <a:solidFill>
-                          <a:srgbClr val="000000"/>
-                        </a:solidFill>
-                        <a:effectLst/>
-                        <a:latin typeface="Calibri" panose="020F0502020204030204" pitchFamily="34" charset="0"/>
-                      </a:endParaRPr>
-                    </a:p>
-                  </a:txBody>
-                  <a:tcPr marL="9525" marR="9525" marT="9525" marB="0" anchor="b"/>
-                </a:tc>
-                <a:tc>
-                  <a:txBody>
-                    <a:bodyPr/>
-                    <a:lstStyle/>
-                    <a:p>
-                      <a:pPr algn="r" fontAlgn="b"/>
-                      <a:r>
-                        <a:rPr lang="en-US" sz="1100" u="none" strike="noStrike">
-                          <a:effectLst/>
-                        </a:rPr>
-                        <a:t>2</a:t>
-                      </a:r>
-                      <a:endParaRPr lang="en-US" sz="1100" b="0" i="0" u="none" strike="noStrike">
-                        <a:solidFill>
-                          <a:srgbClr val="000000"/>
-                        </a:solidFill>
-                        <a:effectLst/>
-                        <a:latin typeface="Calibri" panose="020F0502020204030204" pitchFamily="34" charset="0"/>
-                      </a:endParaRPr>
-                    </a:p>
-                  </a:txBody>
-                  <a:tcPr marL="9525" marR="9525" marT="9525" marB="0" anchor="b"/>
-                </a:tc>
-                <a:tc>
-                  <a:txBody>
-                    <a:bodyPr/>
-                    <a:lstStyle/>
-                    <a:p>
-                      <a:pPr algn="l" fontAlgn="b"/>
-                      <a:r>
-                        <a:rPr lang="en-US" sz="1100" u="none" strike="noStrike">
-                          <a:effectLst/>
-                        </a:rPr>
-                        <a:t> </a:t>
-                      </a:r>
-                      <a:endParaRPr lang="en-US" sz="1100" b="0" i="0" u="none" strike="noStrike">
-                        <a:solidFill>
-                          <a:srgbClr val="000000"/>
-                        </a:solidFill>
-                        <a:effectLst/>
-                        <a:latin typeface="Calibri" panose="020F0502020204030204" pitchFamily="34" charset="0"/>
-                      </a:endParaRPr>
-                    </a:p>
-                  </a:txBody>
-                  <a:tcPr marL="9525" marR="9525" marT="9525" marB="0" anchor="b"/>
-                </a:tc>
-              </a:tr>
-              <a:tr h="190500">
-                <a:tc>
-                  <a:txBody>
-                    <a:bodyPr/>
-                    <a:lstStyle/>
-                    <a:p>
-                      <a:pPr algn="l" fontAlgn="b"/>
-                      <a:r>
-                        <a:rPr lang="en-US" sz="1100" u="none" strike="noStrike">
-                          <a:effectLst/>
-                        </a:rPr>
-                        <a:t> </a:t>
-                      </a:r>
-                      <a:endParaRPr lang="en-US" sz="1100" b="0" i="0" u="none" strike="noStrike">
-                        <a:solidFill>
-                          <a:srgbClr val="000000"/>
-                        </a:solidFill>
-                        <a:effectLst/>
-                        <a:latin typeface="Calibri" panose="020F0502020204030204" pitchFamily="34" charset="0"/>
-                      </a:endParaRPr>
-                    </a:p>
-                  </a:txBody>
-                  <a:tcPr marL="9525" marR="9525" marT="9525" marB="0" anchor="b"/>
-                </a:tc>
-                <a:tc>
-                  <a:txBody>
-                    <a:bodyPr/>
-                    <a:lstStyle/>
-                    <a:p>
-                      <a:pPr algn="l" fontAlgn="b"/>
-                      <a:r>
-                        <a:rPr lang="en-US" sz="1100" u="none" strike="noStrike">
-                          <a:effectLst/>
-                        </a:rPr>
-                        <a:t>X</a:t>
-                      </a:r>
-                      <a:endParaRPr lang="en-US" sz="1100" b="0" i="0" u="none" strike="noStrike">
-                        <a:solidFill>
-                          <a:srgbClr val="000000"/>
-                        </a:solidFill>
-                        <a:effectLst/>
-                        <a:latin typeface="Calibri" panose="020F0502020204030204" pitchFamily="34" charset="0"/>
-                      </a:endParaRPr>
-                    </a:p>
-                  </a:txBody>
-                  <a:tcPr marL="9525" marR="9525" marT="9525" marB="0" anchor="b"/>
-                </a:tc>
-                <a:tc>
-                  <a:txBody>
-                    <a:bodyPr/>
-                    <a:lstStyle/>
-                    <a:p>
-                      <a:pPr algn="l" fontAlgn="b"/>
-                      <a:r>
-                        <a:rPr lang="en-US" sz="1100" u="none" strike="noStrike">
-                          <a:effectLst/>
-                        </a:rPr>
-                        <a:t> </a:t>
-                      </a:r>
-                      <a:endParaRPr lang="en-US" sz="1100" b="0" i="0" u="none" strike="noStrike">
-                        <a:solidFill>
-                          <a:srgbClr val="000000"/>
-                        </a:solidFill>
-                        <a:effectLst/>
-                        <a:latin typeface="Calibri" panose="020F0502020204030204" pitchFamily="34" charset="0"/>
-                      </a:endParaRPr>
-                    </a:p>
-                  </a:txBody>
-                  <a:tcPr marL="9525" marR="9525" marT="9525" marB="0" anchor="b"/>
-                </a:tc>
-                <a:tc>
-                  <a:txBody>
-                    <a:bodyPr/>
-                    <a:lstStyle/>
-                    <a:p>
-                      <a:pPr algn="l" fontAlgn="b"/>
-                      <a:r>
-                        <a:rPr lang="en-US" sz="1100" u="none" strike="noStrike">
-                          <a:effectLst/>
-                        </a:rPr>
-                        <a:t> </a:t>
-                      </a:r>
-                      <a:endParaRPr lang="en-US" sz="1100" b="0" i="0" u="none" strike="noStrike">
-                        <a:solidFill>
-                          <a:srgbClr val="000000"/>
-                        </a:solidFill>
-                        <a:effectLst/>
-                        <a:latin typeface="Calibri" panose="020F0502020204030204" pitchFamily="34" charset="0"/>
-                      </a:endParaRPr>
-                    </a:p>
-                  </a:txBody>
-                  <a:tcPr marL="9525" marR="9525" marT="9525" marB="0" anchor="b"/>
-                </a:tc>
-                <a:tc>
-                  <a:txBody>
-                    <a:bodyPr/>
-                    <a:lstStyle/>
-                    <a:p>
-                      <a:pPr algn="l" fontAlgn="b"/>
-                      <a:endParaRPr lang="en-US" sz="1100" b="0" i="0" u="none" strike="noStrike">
-                        <a:solidFill>
-                          <a:srgbClr val="000000"/>
-                        </a:solidFill>
-                        <a:effectLst/>
-                        <a:latin typeface="Calibri" panose="020F0502020204030204" pitchFamily="34" charset="0"/>
-                      </a:endParaRPr>
-                    </a:p>
-                  </a:txBody>
-                  <a:tcPr marL="9525" marR="9525" marT="9525" marB="0" anchor="b"/>
-                </a:tc>
-                <a:tc>
-                  <a:txBody>
-                    <a:bodyPr/>
-                    <a:lstStyle/>
-                    <a:p>
-                      <a:pPr algn="r" fontAlgn="b"/>
-                      <a:r>
-                        <a:rPr lang="en-US" sz="1100" u="none" strike="noStrike">
-                          <a:effectLst/>
-                        </a:rPr>
-                        <a:t>1</a:t>
-                      </a:r>
-                      <a:endParaRPr lang="en-US" sz="1100" b="0" i="0" u="none" strike="noStrike">
-                        <a:solidFill>
-                          <a:srgbClr val="000000"/>
-                        </a:solidFill>
-                        <a:effectLst/>
-                        <a:latin typeface="Calibri" panose="020F0502020204030204" pitchFamily="34" charset="0"/>
-                      </a:endParaRPr>
-                    </a:p>
-                  </a:txBody>
-                  <a:tcPr marL="9525" marR="9525" marT="9525" marB="0" anchor="b"/>
-                </a:tc>
-                <a:tc>
-                  <a:txBody>
-                    <a:bodyPr/>
-                    <a:lstStyle/>
-                    <a:p>
-                      <a:pPr algn="l" fontAlgn="b"/>
-                      <a:r>
-                        <a:rPr lang="en-US" sz="1100" u="none" strike="noStrike">
-                          <a:effectLst/>
-                        </a:rPr>
-                        <a:t>X</a:t>
-                      </a:r>
-                      <a:endParaRPr lang="en-US" sz="1100" b="0" i="0" u="none" strike="noStrike">
-                        <a:solidFill>
-                          <a:srgbClr val="000000"/>
-                        </a:solidFill>
-                        <a:effectLst/>
-                        <a:latin typeface="Calibri" panose="020F0502020204030204" pitchFamily="34" charset="0"/>
-                      </a:endParaRPr>
-                    </a:p>
-                  </a:txBody>
-                  <a:tcPr marL="9525" marR="9525" marT="9525" marB="0" anchor="b"/>
-                </a:tc>
-                <a:tc>
-                  <a:txBody>
-                    <a:bodyPr/>
-                    <a:lstStyle/>
-                    <a:p>
-                      <a:pPr algn="r" fontAlgn="b"/>
-                      <a:r>
-                        <a:rPr lang="en-US" sz="1100" u="none" strike="noStrike">
-                          <a:effectLst/>
-                        </a:rPr>
-                        <a:t>2</a:t>
-                      </a:r>
-                      <a:endParaRPr lang="en-US" sz="1100" b="0" i="0" u="none" strike="noStrike">
-                        <a:solidFill>
-                          <a:srgbClr val="000000"/>
-                        </a:solidFill>
-                        <a:effectLst/>
-                        <a:latin typeface="Calibri" panose="020F0502020204030204" pitchFamily="34" charset="0"/>
-                      </a:endParaRPr>
-                    </a:p>
-                  </a:txBody>
-                  <a:tcPr marL="9525" marR="9525" marT="9525" marB="0" anchor="b"/>
-                </a:tc>
-                <a:tc>
-                  <a:txBody>
-                    <a:bodyPr/>
-                    <a:lstStyle/>
-                    <a:p>
-                      <a:pPr algn="r" fontAlgn="b"/>
-                      <a:r>
-                        <a:rPr lang="en-US" sz="1100" u="none" strike="noStrike">
-                          <a:effectLst/>
-                        </a:rPr>
-                        <a:t>2</a:t>
-                      </a:r>
-                      <a:endParaRPr lang="en-US" sz="1100" b="0" i="0" u="none" strike="noStrike">
-                        <a:solidFill>
-                          <a:srgbClr val="000000"/>
-                        </a:solidFill>
-                        <a:effectLst/>
-                        <a:latin typeface="Calibri" panose="020F0502020204030204" pitchFamily="34" charset="0"/>
-                      </a:endParaRPr>
-                    </a:p>
-                  </a:txBody>
-                  <a:tcPr marL="9525" marR="9525" marT="9525" marB="0" anchor="b"/>
-                </a:tc>
-              </a:tr>
-              <a:tr h="190500">
-                <a:tc>
-                  <a:txBody>
-                    <a:bodyPr/>
-                    <a:lstStyle/>
-                    <a:p>
-                      <a:pPr algn="l" fontAlgn="b"/>
-                      <a:r>
-                        <a:rPr lang="en-US" sz="1100" u="none" strike="noStrike">
-                          <a:effectLst/>
-                        </a:rPr>
-                        <a:t> </a:t>
-                      </a:r>
-                      <a:endParaRPr lang="en-US" sz="1100" b="0" i="0" u="none" strike="noStrike">
-                        <a:solidFill>
-                          <a:srgbClr val="000000"/>
-                        </a:solidFill>
-                        <a:effectLst/>
-                        <a:latin typeface="Calibri" panose="020F0502020204030204" pitchFamily="34" charset="0"/>
-                      </a:endParaRPr>
-                    </a:p>
-                  </a:txBody>
-                  <a:tcPr marL="9525" marR="9525" marT="9525" marB="0" anchor="b"/>
-                </a:tc>
-                <a:tc>
-                  <a:txBody>
-                    <a:bodyPr/>
-                    <a:lstStyle/>
-                    <a:p>
-                      <a:pPr algn="l" fontAlgn="b"/>
-                      <a:r>
-                        <a:rPr lang="en-US" sz="1100" u="none" strike="noStrike">
-                          <a:effectLst/>
-                        </a:rPr>
-                        <a:t> </a:t>
-                      </a:r>
-                      <a:endParaRPr lang="en-US" sz="1100" b="0" i="0" u="none" strike="noStrike">
-                        <a:solidFill>
-                          <a:srgbClr val="000000"/>
-                        </a:solidFill>
-                        <a:effectLst/>
-                        <a:latin typeface="Calibri" panose="020F0502020204030204" pitchFamily="34" charset="0"/>
-                      </a:endParaRPr>
-                    </a:p>
-                  </a:txBody>
-                  <a:tcPr marL="9525" marR="9525" marT="9525" marB="0" anchor="b"/>
-                </a:tc>
-                <a:tc>
-                  <a:txBody>
-                    <a:bodyPr/>
-                    <a:lstStyle/>
-                    <a:p>
-                      <a:pPr algn="l" fontAlgn="b"/>
-                      <a:r>
-                        <a:rPr lang="en-US" sz="1100" u="none" strike="noStrike">
-                          <a:effectLst/>
-                        </a:rPr>
-                        <a:t>X</a:t>
-                      </a:r>
-                      <a:endParaRPr lang="en-US" sz="1100" b="0" i="0" u="none" strike="noStrike">
-                        <a:solidFill>
-                          <a:srgbClr val="000000"/>
-                        </a:solidFill>
-                        <a:effectLst/>
-                        <a:latin typeface="Calibri" panose="020F0502020204030204" pitchFamily="34" charset="0"/>
-                      </a:endParaRPr>
-                    </a:p>
-                  </a:txBody>
-                  <a:tcPr marL="9525" marR="9525" marT="9525" marB="0" anchor="b"/>
-                </a:tc>
-                <a:tc>
-                  <a:txBody>
-                    <a:bodyPr/>
-                    <a:lstStyle/>
-                    <a:p>
-                      <a:pPr algn="l" fontAlgn="b"/>
-                      <a:r>
-                        <a:rPr lang="en-US" sz="1100" u="none" strike="noStrike">
-                          <a:effectLst/>
-                        </a:rPr>
-                        <a:t> </a:t>
-                      </a:r>
-                      <a:endParaRPr lang="en-US" sz="1100" b="0" i="0" u="none" strike="noStrike">
-                        <a:solidFill>
-                          <a:srgbClr val="000000"/>
-                        </a:solidFill>
-                        <a:effectLst/>
-                        <a:latin typeface="Calibri" panose="020F0502020204030204" pitchFamily="34" charset="0"/>
-                      </a:endParaRPr>
-                    </a:p>
-                  </a:txBody>
-                  <a:tcPr marL="9525" marR="9525" marT="9525" marB="0" anchor="b"/>
-                </a:tc>
-                <a:tc>
-                  <a:txBody>
-                    <a:bodyPr/>
-                    <a:lstStyle/>
-                    <a:p>
-                      <a:pPr algn="l" fontAlgn="b"/>
-                      <a:endParaRPr lang="en-US" sz="1100" b="0" i="0" u="none" strike="noStrike">
-                        <a:solidFill>
-                          <a:srgbClr val="000000"/>
-                        </a:solidFill>
-                        <a:effectLst/>
-                        <a:latin typeface="Calibri" panose="020F0502020204030204" pitchFamily="34" charset="0"/>
-                      </a:endParaRPr>
-                    </a:p>
-                  </a:txBody>
-                  <a:tcPr marL="9525" marR="9525" marT="9525" marB="0" anchor="b"/>
-                </a:tc>
-                <a:tc>
-                  <a:txBody>
-                    <a:bodyPr/>
-                    <a:lstStyle/>
-                    <a:p>
-                      <a:pPr algn="r" fontAlgn="b"/>
-                      <a:r>
-                        <a:rPr lang="en-US" sz="1100" u="none" strike="noStrike">
-                          <a:effectLst/>
-                        </a:rPr>
-                        <a:t>2</a:t>
-                      </a:r>
-                      <a:endParaRPr lang="en-US" sz="1100" b="0" i="0" u="none" strike="noStrike">
-                        <a:solidFill>
-                          <a:srgbClr val="000000"/>
-                        </a:solidFill>
-                        <a:effectLst/>
-                        <a:latin typeface="Calibri" panose="020F0502020204030204" pitchFamily="34" charset="0"/>
-                      </a:endParaRPr>
-                    </a:p>
-                  </a:txBody>
-                  <a:tcPr marL="9525" marR="9525" marT="9525" marB="0" anchor="b"/>
-                </a:tc>
-                <a:tc>
-                  <a:txBody>
-                    <a:bodyPr/>
-                    <a:lstStyle/>
-                    <a:p>
-                      <a:pPr algn="r" fontAlgn="b"/>
-                      <a:r>
-                        <a:rPr lang="en-US" sz="1100" u="none" strike="noStrike">
-                          <a:effectLst/>
-                        </a:rPr>
-                        <a:t>2</a:t>
-                      </a:r>
-                      <a:endParaRPr lang="en-US" sz="1100" b="0" i="0" u="none" strike="noStrike">
-                        <a:solidFill>
-                          <a:srgbClr val="000000"/>
-                        </a:solidFill>
-                        <a:effectLst/>
-                        <a:latin typeface="Calibri" panose="020F0502020204030204" pitchFamily="34" charset="0"/>
-                      </a:endParaRPr>
-                    </a:p>
-                  </a:txBody>
-                  <a:tcPr marL="9525" marR="9525" marT="9525" marB="0" anchor="b"/>
-                </a:tc>
-                <a:tc>
-                  <a:txBody>
-                    <a:bodyPr/>
-                    <a:lstStyle/>
-                    <a:p>
-                      <a:pPr algn="l" fontAlgn="b"/>
-                      <a:r>
-                        <a:rPr lang="en-US" sz="1100" u="none" strike="noStrike">
-                          <a:effectLst/>
-                        </a:rPr>
-                        <a:t>X</a:t>
-                      </a:r>
-                      <a:endParaRPr lang="en-US" sz="1100" b="0" i="0" u="none" strike="noStrike">
-                        <a:solidFill>
-                          <a:srgbClr val="000000"/>
-                        </a:solidFill>
-                        <a:effectLst/>
-                        <a:latin typeface="Calibri" panose="020F0502020204030204" pitchFamily="34" charset="0"/>
-                      </a:endParaRPr>
-                    </a:p>
-                  </a:txBody>
-                  <a:tcPr marL="9525" marR="9525" marT="9525" marB="0" anchor="b"/>
-                </a:tc>
-                <a:tc>
-                  <a:txBody>
-                    <a:bodyPr/>
-                    <a:lstStyle/>
-                    <a:p>
-                      <a:pPr algn="r" fontAlgn="b"/>
-                      <a:r>
-                        <a:rPr lang="en-US" sz="1100" u="none" strike="noStrike">
-                          <a:effectLst/>
-                        </a:rPr>
-                        <a:t>1</a:t>
-                      </a:r>
-                      <a:endParaRPr lang="en-US" sz="1100" b="0" i="0" u="none" strike="noStrike">
-                        <a:solidFill>
-                          <a:srgbClr val="000000"/>
-                        </a:solidFill>
-                        <a:effectLst/>
-                        <a:latin typeface="Calibri" panose="020F0502020204030204" pitchFamily="34" charset="0"/>
-                      </a:endParaRPr>
-                    </a:p>
-                  </a:txBody>
-                  <a:tcPr marL="9525" marR="9525" marT="9525" marB="0" anchor="b"/>
-                </a:tc>
-              </a:tr>
-              <a:tr h="190500">
-                <a:tc>
-                  <a:txBody>
-                    <a:bodyPr/>
-                    <a:lstStyle/>
-                    <a:p>
-                      <a:pPr algn="l" fontAlgn="b"/>
-                      <a:r>
-                        <a:rPr lang="en-US" sz="1100" u="none" strike="noStrike">
-                          <a:effectLst/>
-                        </a:rPr>
-                        <a:t> </a:t>
-                      </a:r>
-                      <a:endParaRPr lang="en-US" sz="1100" b="0" i="0" u="none" strike="noStrike">
-                        <a:solidFill>
-                          <a:srgbClr val="000000"/>
-                        </a:solidFill>
-                        <a:effectLst/>
-                        <a:latin typeface="Calibri" panose="020F0502020204030204" pitchFamily="34" charset="0"/>
-                      </a:endParaRPr>
-                    </a:p>
-                  </a:txBody>
-                  <a:tcPr marL="9525" marR="9525" marT="9525" marB="0" anchor="b"/>
-                </a:tc>
-                <a:tc>
-                  <a:txBody>
-                    <a:bodyPr/>
-                    <a:lstStyle/>
-                    <a:p>
-                      <a:pPr algn="l" fontAlgn="b"/>
-                      <a:r>
-                        <a:rPr lang="en-US" sz="1100" u="none" strike="noStrike">
-                          <a:effectLst/>
-                        </a:rPr>
-                        <a:t> </a:t>
-                      </a:r>
-                      <a:endParaRPr lang="en-US" sz="1100" b="0" i="0" u="none" strike="noStrike">
-                        <a:solidFill>
-                          <a:srgbClr val="000000"/>
-                        </a:solidFill>
-                        <a:effectLst/>
-                        <a:latin typeface="Calibri" panose="020F0502020204030204" pitchFamily="34" charset="0"/>
-                      </a:endParaRPr>
-                    </a:p>
-                  </a:txBody>
-                  <a:tcPr marL="9525" marR="9525" marT="9525" marB="0" anchor="b"/>
-                </a:tc>
-                <a:tc>
-                  <a:txBody>
-                    <a:bodyPr/>
-                    <a:lstStyle/>
-                    <a:p>
-                      <a:pPr algn="l" fontAlgn="b"/>
-                      <a:r>
-                        <a:rPr lang="en-US" sz="1100" u="none" strike="noStrike">
-                          <a:effectLst/>
-                        </a:rPr>
-                        <a:t> </a:t>
-                      </a:r>
-                      <a:endParaRPr lang="en-US" sz="1100" b="0" i="0" u="none" strike="noStrike">
-                        <a:solidFill>
-                          <a:srgbClr val="000000"/>
-                        </a:solidFill>
-                        <a:effectLst/>
-                        <a:latin typeface="Calibri" panose="020F0502020204030204" pitchFamily="34" charset="0"/>
-                      </a:endParaRPr>
-                    </a:p>
-                  </a:txBody>
-                  <a:tcPr marL="9525" marR="9525" marT="9525" marB="0" anchor="b"/>
-                </a:tc>
-                <a:tc>
-                  <a:txBody>
-                    <a:bodyPr/>
-                    <a:lstStyle/>
-                    <a:p>
-                      <a:pPr algn="l" fontAlgn="b"/>
-                      <a:r>
-                        <a:rPr lang="en-US" sz="1100" u="none" strike="noStrike">
-                          <a:effectLst/>
-                        </a:rPr>
-                        <a:t> </a:t>
-                      </a:r>
-                      <a:endParaRPr lang="en-US" sz="1100" b="0" i="0" u="none" strike="noStrike">
-                        <a:solidFill>
-                          <a:srgbClr val="000000"/>
-                        </a:solidFill>
-                        <a:effectLst/>
-                        <a:latin typeface="Calibri" panose="020F0502020204030204" pitchFamily="34" charset="0"/>
-                      </a:endParaRPr>
-                    </a:p>
-                  </a:txBody>
-                  <a:tcPr marL="9525" marR="9525" marT="9525" marB="0" anchor="b"/>
-                </a:tc>
-                <a:tc>
-                  <a:txBody>
-                    <a:bodyPr/>
-                    <a:lstStyle/>
-                    <a:p>
-                      <a:pPr algn="l" fontAlgn="b"/>
-                      <a:endParaRPr lang="en-US" sz="1100" b="0" i="0" u="none" strike="noStrike">
-                        <a:solidFill>
-                          <a:srgbClr val="000000"/>
-                        </a:solidFill>
-                        <a:effectLst/>
-                        <a:latin typeface="Calibri" panose="020F0502020204030204" pitchFamily="34" charset="0"/>
-                      </a:endParaRPr>
-                    </a:p>
-                  </a:txBody>
-                  <a:tcPr marL="9525" marR="9525" marT="9525" marB="0" anchor="b"/>
-                </a:tc>
-                <a:tc>
-                  <a:txBody>
-                    <a:bodyPr/>
-                    <a:lstStyle/>
-                    <a:p>
-                      <a:pPr algn="l" fontAlgn="b"/>
-                      <a:r>
-                        <a:rPr lang="en-US" sz="1100" u="none" strike="noStrike">
-                          <a:effectLst/>
-                        </a:rPr>
-                        <a:t> </a:t>
-                      </a:r>
-                      <a:endParaRPr lang="en-US" sz="1100" b="0" i="0" u="none" strike="noStrike">
-                        <a:solidFill>
-                          <a:srgbClr val="000000"/>
-                        </a:solidFill>
-                        <a:effectLst/>
-                        <a:latin typeface="Calibri" panose="020F0502020204030204" pitchFamily="34" charset="0"/>
-                      </a:endParaRPr>
-                    </a:p>
-                  </a:txBody>
-                  <a:tcPr marL="9525" marR="9525" marT="9525" marB="0" anchor="b"/>
-                </a:tc>
-                <a:tc>
-                  <a:txBody>
-                    <a:bodyPr/>
-                    <a:lstStyle/>
-                    <a:p>
-                      <a:pPr algn="r" fontAlgn="b"/>
-                      <a:r>
-                        <a:rPr lang="en-US" sz="1100" u="none" strike="noStrike">
-                          <a:effectLst/>
-                        </a:rPr>
-                        <a:t>2</a:t>
-                      </a:r>
-                      <a:endParaRPr lang="en-US" sz="1100" b="0" i="0" u="none" strike="noStrike">
-                        <a:solidFill>
-                          <a:srgbClr val="000000"/>
-                        </a:solidFill>
-                        <a:effectLst/>
-                        <a:latin typeface="Calibri" panose="020F0502020204030204" pitchFamily="34" charset="0"/>
-                      </a:endParaRPr>
-                    </a:p>
-                  </a:txBody>
-                  <a:tcPr marL="9525" marR="9525" marT="9525" marB="0" anchor="b"/>
-                </a:tc>
-                <a:tc>
-                  <a:txBody>
-                    <a:bodyPr/>
-                    <a:lstStyle/>
-                    <a:p>
-                      <a:pPr algn="r" fontAlgn="b"/>
-                      <a:r>
-                        <a:rPr lang="en-US" sz="1100" u="none" strike="noStrike">
-                          <a:effectLst/>
-                        </a:rPr>
-                        <a:t>1</a:t>
-                      </a:r>
-                      <a:endParaRPr lang="en-US" sz="1100" b="0" i="0" u="none" strike="noStrike">
-                        <a:solidFill>
-                          <a:srgbClr val="000000"/>
-                        </a:solidFill>
-                        <a:effectLst/>
-                        <a:latin typeface="Calibri" panose="020F0502020204030204" pitchFamily="34" charset="0"/>
-                      </a:endParaRPr>
-                    </a:p>
-                  </a:txBody>
-                  <a:tcPr marL="9525" marR="9525" marT="9525" marB="0" anchor="b"/>
-                </a:tc>
-                <a:tc>
-                  <a:txBody>
-                    <a:bodyPr/>
-                    <a:lstStyle/>
-                    <a:p>
-                      <a:pPr algn="r" fontAlgn="b"/>
-                      <a:r>
-                        <a:rPr lang="en-US" sz="1100" u="none" strike="noStrike" dirty="0">
-                          <a:effectLst/>
-                        </a:rPr>
-                        <a:t>2</a:t>
-                      </a:r>
-                      <a:endParaRPr lang="en-US" sz="1100" b="0" i="0" u="none" strike="noStrike" dirty="0">
-                        <a:solidFill>
-                          <a:srgbClr val="000000"/>
-                        </a:solidFill>
-                        <a:effectLst/>
-                        <a:latin typeface="Calibri" panose="020F0502020204030204" pitchFamily="34" charset="0"/>
-                      </a:endParaRPr>
-                    </a:p>
-                  </a:txBody>
-                  <a:tcPr marL="9525" marR="9525" marT="9525" marB="0" anchor="b"/>
-                </a:tc>
-              </a:tr>
-            </a:tbl>
-          </a:graphicData>
-        </a:graphic>
-      </p:graphicFrame>
+            <a:endParaRPr lang="en-US" sz="2000" dirty="0"/>
+          </a:p>
+        </p:txBody>
+      </p:sp>
     </p:spTree>
     <p:extLst>
       <p:ext uri="{BB962C8B-B14F-4D97-AF65-F5344CB8AC3E}">
@@ -9898,179 +9765,6 @@
 </file>
 
 <file path=ppt/slides/slide7.xml><?xml version="1.0" encoding="utf-8"?>
-<p:sld xmlns:a="http://schemas.openxmlformats.org/drawingml/2006/main" xmlns:r="http://schemas.openxmlformats.org/officeDocument/2006/relationships" xmlns:p="http://schemas.openxmlformats.org/presentationml/2006/main">
-  <p:cSld>
-    <p:spTree>
-      <p:nvGrpSpPr>
-        <p:cNvPr id="1" name=""/>
-        <p:cNvGrpSpPr/>
-        <p:nvPr/>
-      </p:nvGrpSpPr>
-      <p:grpSpPr>
-        <a:xfrm>
-          <a:off x="0" y="0"/>
-          <a:ext cx="0" cy="0"/>
-          <a:chOff x="0" y="0"/>
-          <a:chExt cx="0" cy="0"/>
-        </a:xfrm>
-      </p:grpSpPr>
-      <p:sp>
-        <p:nvSpPr>
-          <p:cNvPr id="2" name="Title 1"/>
-          <p:cNvSpPr>
-            <a:spLocks noGrp="1"/>
-          </p:cNvSpPr>
-          <p:nvPr>
-            <p:ph type="ctrTitle"/>
-          </p:nvPr>
-        </p:nvSpPr>
-        <p:spPr>
-          <a:xfrm>
-            <a:off x="685800" y="381000"/>
-            <a:ext cx="7772400" cy="1470025"/>
-          </a:xfrm>
-        </p:spPr>
-        <p:txBody>
-          <a:bodyPr/>
-          <a:lstStyle/>
-          <a:p>
-            <a:r>
-              <a:rPr lang="en-US" dirty="0" smtClean="0"/>
-              <a:t>Algorithm</a:t>
-            </a:r>
-            <a:endParaRPr lang="en-US" dirty="0"/>
-          </a:p>
-        </p:txBody>
-      </p:sp>
-      <p:sp>
-        <p:nvSpPr>
-          <p:cNvPr id="3" name="Subtitle 2"/>
-          <p:cNvSpPr>
-            <a:spLocks noGrp="1"/>
-          </p:cNvSpPr>
-          <p:nvPr>
-            <p:ph type="subTitle" idx="1"/>
-          </p:nvPr>
-        </p:nvSpPr>
-        <p:spPr>
-          <a:xfrm>
-            <a:off x="762000" y="1447800"/>
-            <a:ext cx="7543800" cy="4191000"/>
-          </a:xfrm>
-        </p:spPr>
-        <p:txBody>
-          <a:bodyPr>
-            <a:normAutofit/>
-          </a:bodyPr>
-          <a:lstStyle/>
-          <a:p>
-            <a:pPr algn="l"/>
-            <a:r>
-              <a:rPr lang="en-US" sz="2000" dirty="0" smtClean="0"/>
-              <a:t>Implement an Iterative Deepening Search Tree with Alpha Beta Pruning</a:t>
-            </a:r>
-          </a:p>
-          <a:p>
-            <a:pPr marL="342900" indent="-342900" algn="l">
-              <a:buFont typeface="Arial" panose="020B0604020202020204" pitchFamily="34" charset="0"/>
-              <a:buChar char="•"/>
-            </a:pPr>
-            <a:r>
-              <a:rPr lang="en-US" sz="2000" dirty="0" smtClean="0"/>
-              <a:t>Maintain a variable called depth </a:t>
-            </a:r>
-          </a:p>
-          <a:p>
-            <a:pPr marL="342900" indent="-342900" algn="l">
-              <a:buFont typeface="Arial" panose="020B0604020202020204" pitchFamily="34" charset="0"/>
-              <a:buChar char="•"/>
-            </a:pPr>
-            <a:r>
-              <a:rPr lang="en-US" sz="2000" dirty="0" smtClean="0"/>
-              <a:t>and increase/decrease depth based on timing requirements</a:t>
-            </a:r>
-          </a:p>
-          <a:p>
-            <a:pPr marL="800100" lvl="1" indent="-342900" algn="l">
-              <a:buFont typeface="Arial" panose="020B0604020202020204" pitchFamily="34" charset="0"/>
-              <a:buChar char="•"/>
-            </a:pPr>
-            <a:r>
-              <a:rPr lang="en-US" sz="1600" dirty="0" smtClean="0"/>
-              <a:t>If there is extra time in the current search, then increase depth for next iteration, and run depth first search again.</a:t>
-            </a:r>
-          </a:p>
-          <a:p>
-            <a:pPr marL="800100" lvl="1" indent="-342900" algn="l">
-              <a:buFont typeface="Arial" panose="020B0604020202020204" pitchFamily="34" charset="0"/>
-              <a:buChar char="•"/>
-            </a:pPr>
-            <a:r>
-              <a:rPr lang="en-US" sz="1600" dirty="0" smtClean="0"/>
-              <a:t>If this search is taking too long, then decrease depth. The next move will use a search with a lower depth </a:t>
-            </a:r>
-            <a:endParaRPr lang="en-US" sz="1200" dirty="0" smtClean="0"/>
-          </a:p>
-          <a:p>
-            <a:pPr marL="342900" indent="-342900" algn="l">
-              <a:buFont typeface="Arial" panose="020B0604020202020204" pitchFamily="34" charset="0"/>
-              <a:buChar char="•"/>
-            </a:pPr>
-            <a:r>
-              <a:rPr lang="en-US" sz="2000" dirty="0" smtClean="0"/>
-              <a:t>Alpha beta pruning to speed up searches</a:t>
-            </a:r>
-          </a:p>
-          <a:p>
-            <a:pPr marL="800100" lvl="1" indent="-342900" algn="l">
-              <a:buFont typeface="Arial" panose="020B0604020202020204" pitchFamily="34" charset="0"/>
-              <a:buChar char="•"/>
-            </a:pPr>
-            <a:r>
-              <a:rPr lang="en-US" sz="1600" dirty="0" smtClean="0"/>
-              <a:t>Ignore searching the rest of the children in a branch if this branch is bad</a:t>
-            </a:r>
-          </a:p>
-          <a:p>
-            <a:pPr marL="800100" lvl="1" indent="-342900" algn="l">
-              <a:buFont typeface="Arial" panose="020B0604020202020204" pitchFamily="34" charset="0"/>
-              <a:buChar char="•"/>
-            </a:pPr>
-            <a:r>
-              <a:rPr lang="en-US" sz="1600" dirty="0" smtClean="0"/>
-              <a:t>Maintain a beta and alpha value in searching. If beta &lt;= alpha, we know the adversary will attempt a very good move. Do not bother to expand the rest</a:t>
-            </a:r>
-          </a:p>
-          <a:p>
-            <a:pPr marL="800100" lvl="1" indent="-342900" algn="l">
-              <a:buFont typeface="Arial" panose="020B0604020202020204" pitchFamily="34" charset="0"/>
-              <a:buChar char="•"/>
-            </a:pPr>
-            <a:r>
-              <a:rPr lang="en-US" sz="1600" dirty="0" smtClean="0"/>
-              <a:t>Gives algorithm more time, allowing for a larger depth</a:t>
-            </a:r>
-          </a:p>
-          <a:p>
-            <a:pPr algn="l"/>
-            <a:endParaRPr lang="en-US" sz="2000" dirty="0"/>
-          </a:p>
-        </p:txBody>
-      </p:sp>
-    </p:spTree>
-    <p:extLst>
-      <p:ext uri="{BB962C8B-B14F-4D97-AF65-F5344CB8AC3E}">
-        <p14:creationId xmlns:p14="http://schemas.microsoft.com/office/powerpoint/2010/main" val="3352461406"/>
-      </p:ext>
-    </p:extLst>
-  </p:cSld>
-  <p:clrMapOvr>
-    <a:masterClrMapping/>
-  </p:clrMapOvr>
-</p:sld>
-</file>
-
-<file path=ppt/slides/slide8.xml><?xml version="1.0" encoding="utf-8"?>
 <p:sld xmlns:a="http://schemas.openxmlformats.org/drawingml/2006/main" xmlns:r="http://schemas.openxmlformats.org/officeDocument/2006/relationships" xmlns:p="http://schemas.openxmlformats.org/presentationml/2006/main">
   <p:cSld>
     <p:spTree>
@@ -10185,6 +9879,170 @@
 </p:sld>
 </file>
 
+<file path=ppt/slides/slide8.xml><?xml version="1.0" encoding="utf-8"?>
+<p:sld xmlns:a="http://schemas.openxmlformats.org/drawingml/2006/main" xmlns:r="http://schemas.openxmlformats.org/officeDocument/2006/relationships" xmlns:p="http://schemas.openxmlformats.org/presentationml/2006/main">
+  <p:cSld>
+    <p:spTree>
+      <p:nvGrpSpPr>
+        <p:cNvPr id="1" name=""/>
+        <p:cNvGrpSpPr/>
+        <p:nvPr/>
+      </p:nvGrpSpPr>
+      <p:grpSpPr>
+        <a:xfrm>
+          <a:off x="0" y="0"/>
+          <a:ext cx="0" cy="0"/>
+          <a:chOff x="0" y="0"/>
+          <a:chExt cx="0" cy="0"/>
+        </a:xfrm>
+      </p:grpSpPr>
+      <p:sp>
+        <p:nvSpPr>
+          <p:cNvPr id="2" name="Title 1"/>
+          <p:cNvSpPr>
+            <a:spLocks noGrp="1"/>
+          </p:cNvSpPr>
+          <p:nvPr>
+            <p:ph type="ctrTitle"/>
+          </p:nvPr>
+        </p:nvSpPr>
+        <p:spPr>
+          <a:xfrm>
+            <a:off x="685800" y="381000"/>
+            <a:ext cx="7772400" cy="1470025"/>
+          </a:xfrm>
+        </p:spPr>
+        <p:txBody>
+          <a:bodyPr/>
+          <a:lstStyle/>
+          <a:p>
+            <a:r>
+              <a:rPr lang="en-US" dirty="0" smtClean="0"/>
+              <a:t>Algorithm Speed Enhancements</a:t>
+            </a:r>
+            <a:endParaRPr lang="en-US" dirty="0"/>
+          </a:p>
+        </p:txBody>
+      </p:sp>
+      <p:sp>
+        <p:nvSpPr>
+          <p:cNvPr id="3" name="Subtitle 2"/>
+          <p:cNvSpPr>
+            <a:spLocks noGrp="1"/>
+          </p:cNvSpPr>
+          <p:nvPr>
+            <p:ph type="subTitle" idx="1"/>
+          </p:nvPr>
+        </p:nvSpPr>
+        <p:spPr>
+          <a:xfrm>
+            <a:off x="762000" y="1447800"/>
+            <a:ext cx="7543800" cy="4191000"/>
+          </a:xfrm>
+        </p:spPr>
+        <p:txBody>
+          <a:bodyPr>
+            <a:normAutofit fontScale="92500" lnSpcReduction="20000"/>
+          </a:bodyPr>
+          <a:lstStyle/>
+          <a:p>
+            <a:pPr algn="l"/>
+            <a:r>
+              <a:rPr lang="en-US" sz="2000" dirty="0" smtClean="0"/>
+              <a:t>Even with Alpha Beta Pruning, the algorithm is too slow when we want Iterative Deepening to increase the depth more</a:t>
+            </a:r>
+          </a:p>
+          <a:p>
+            <a:pPr algn="l"/>
+            <a:r>
+              <a:rPr lang="en-US" sz="2000" dirty="0" smtClean="0"/>
+              <a:t>Not </a:t>
+            </a:r>
+            <a:r>
+              <a:rPr lang="en-US" sz="2000" dirty="0"/>
+              <a:t>all tiles are good to search</a:t>
+            </a:r>
+          </a:p>
+          <a:p>
+            <a:pPr marL="342900" indent="-342900" algn="l">
+              <a:buFont typeface="Arial" panose="020B0604020202020204" pitchFamily="34" charset="0"/>
+              <a:buChar char="•"/>
+            </a:pPr>
+            <a:r>
+              <a:rPr lang="en-US" sz="2000" dirty="0"/>
+              <a:t>Avoid branching on all of 64 tiles</a:t>
+            </a:r>
+          </a:p>
+          <a:p>
+            <a:pPr marL="342900" indent="-342900" algn="l">
+              <a:buFont typeface="Arial" panose="020B0604020202020204" pitchFamily="34" charset="0"/>
+              <a:buChar char="•"/>
+            </a:pPr>
+            <a:r>
+              <a:rPr lang="en-US" sz="2000" dirty="0"/>
+              <a:t>Ignore illegal moves</a:t>
+            </a:r>
+          </a:p>
+          <a:p>
+            <a:pPr marL="342900" indent="-342900" algn="l">
+              <a:buFont typeface="Arial" panose="020B0604020202020204" pitchFamily="34" charset="0"/>
+              <a:buChar char="•"/>
+            </a:pPr>
+            <a:r>
+              <a:rPr lang="en-US" sz="2000" dirty="0"/>
+              <a:t>Restrict branching to tiles near existing tiles. A distance of 4 away (since 4 moves needed to win)</a:t>
+            </a:r>
+          </a:p>
+          <a:p>
+            <a:pPr algn="l"/>
+            <a:r>
+              <a:rPr lang="en-US" sz="2000" dirty="0" smtClean="0"/>
+              <a:t>Even if some tiles are valid for expansion. Do not bother to expand if the tile’s value is too low.</a:t>
+            </a:r>
+          </a:p>
+          <a:p>
+            <a:pPr marL="342900" indent="-342900" algn="l">
+              <a:buFont typeface="Arial" panose="020B0604020202020204" pitchFamily="34" charset="0"/>
+              <a:buChar char="•"/>
+            </a:pPr>
+            <a:r>
+              <a:rPr lang="en-US" sz="2000" dirty="0" smtClean="0"/>
+              <a:t>Algorithm will look all values of available tiles and determine a threshold value. </a:t>
+            </a:r>
+          </a:p>
+          <a:p>
+            <a:pPr marL="342900" indent="-342900" algn="l">
+              <a:buFont typeface="Arial" panose="020B0604020202020204" pitchFamily="34" charset="0"/>
+              <a:buChar char="•"/>
+            </a:pPr>
+            <a:r>
+              <a:rPr lang="en-US" sz="2000" dirty="0" smtClean="0"/>
+              <a:t>Tiles with values below the threshold will not be expanded.</a:t>
+            </a:r>
+          </a:p>
+          <a:p>
+            <a:pPr algn="l"/>
+            <a:r>
+              <a:rPr lang="en-US" sz="2000" dirty="0" smtClean="0"/>
+              <a:t>By reducing branching factor, we are able to speed up algorithm. This gives it more time to evaluate better branches to a larger depth</a:t>
+            </a:r>
+            <a:endParaRPr lang="en-US" sz="2000" dirty="0"/>
+          </a:p>
+        </p:txBody>
+      </p:sp>
+    </p:spTree>
+    <p:extLst>
+      <p:ext uri="{BB962C8B-B14F-4D97-AF65-F5344CB8AC3E}">
+        <p14:creationId xmlns:p14="http://schemas.microsoft.com/office/powerpoint/2010/main" val="3352461406"/>
+      </p:ext>
+    </p:extLst>
+  </p:cSld>
+  <p:clrMapOvr>
+    <a:masterClrMapping/>
+  </p:clrMapOvr>
+</p:sld>
+</file>
+
 <file path=ppt/slides/slide9.xml><?xml version="1.0" encoding="utf-8"?>
 <p:sld xmlns:a="http://schemas.openxmlformats.org/drawingml/2006/main" xmlns:r="http://schemas.openxmlformats.org/officeDocument/2006/relationships" xmlns:p="http://schemas.openxmlformats.org/presentationml/2006/main">
   <p:cSld>
@@ -10248,98 +10106,73 @@
         </p:spPr>
         <p:txBody>
           <a:bodyPr>
-            <a:normAutofit fontScale="92500" lnSpcReduction="20000"/>
+            <a:normAutofit/>
           </a:bodyPr>
           <a:lstStyle/>
           <a:p>
             <a:pPr algn="l"/>
+            <a:endParaRPr lang="en-US" sz="2000" dirty="0" smtClean="0"/>
+          </a:p>
+          <a:p>
+            <a:pPr algn="l"/>
+            <a:endParaRPr lang="en-US" sz="2000" dirty="0"/>
+          </a:p>
+          <a:p>
+            <a:pPr algn="l"/>
+            <a:endParaRPr lang="en-US" sz="2000" dirty="0" smtClean="0"/>
+          </a:p>
+          <a:p>
+            <a:pPr algn="l"/>
+            <a:endParaRPr lang="en-US" sz="2000" dirty="0"/>
+          </a:p>
+          <a:p>
+            <a:pPr algn="l"/>
+            <a:endParaRPr lang="en-US" sz="2000" dirty="0" smtClean="0"/>
+          </a:p>
+          <a:p>
+            <a:pPr algn="l"/>
             <a:r>
               <a:rPr lang="en-US" sz="2000" dirty="0" smtClean="0"/>
-              <a:t>Even with Alpha Beta Pruning, the algorithm is too slow when we want Iterative Deepening to increase the depth more</a:t>
-            </a:r>
-          </a:p>
-          <a:p>
-            <a:pPr algn="l"/>
-            <a:r>
-              <a:rPr lang="en-US" sz="2000" dirty="0" smtClean="0"/>
-              <a:t>Not </a:t>
-            </a:r>
-            <a:r>
-              <a:rPr lang="en-US" sz="2000" dirty="0"/>
-              <a:t>all tiles are good to search</a:t>
-            </a:r>
-          </a:p>
-          <a:p>
-            <a:pPr marL="342900" indent="-342900" algn="l">
-              <a:buFont typeface="Arial" panose="020B0604020202020204" pitchFamily="34" charset="0"/>
-              <a:buChar char="•"/>
-            </a:pPr>
-            <a:r>
-              <a:rPr lang="en-US" sz="2000" dirty="0"/>
-              <a:t>Avoid branching on all of 64 tiles</a:t>
-            </a:r>
-          </a:p>
-          <a:p>
-            <a:pPr marL="342900" indent="-342900" algn="l">
-              <a:buFont typeface="Arial" panose="020B0604020202020204" pitchFamily="34" charset="0"/>
-              <a:buChar char="•"/>
-            </a:pPr>
-            <a:r>
-              <a:rPr lang="en-US" sz="2000" dirty="0"/>
-              <a:t>Ignore illegal moves</a:t>
-            </a:r>
-          </a:p>
-          <a:p>
-            <a:pPr marL="342900" indent="-342900" algn="l">
-              <a:buFont typeface="Arial" panose="020B0604020202020204" pitchFamily="34" charset="0"/>
-              <a:buChar char="•"/>
-            </a:pPr>
-            <a:r>
-              <a:rPr lang="en-US" sz="2000" dirty="0"/>
-              <a:t>Restrict branching to tiles near existing tiles. A distance of 4 away (since 4 moves needed to win)</a:t>
-            </a:r>
-          </a:p>
-          <a:p>
-            <a:pPr algn="l"/>
-            <a:r>
-              <a:rPr lang="en-US" sz="2000" dirty="0" smtClean="0"/>
-              <a:t>Even if some tiles are valid for expansion. Do not bother to expand if the tile’s value is too low.</a:t>
-            </a:r>
-          </a:p>
-          <a:p>
-            <a:pPr marL="342900" indent="-342900" algn="l">
-              <a:buFont typeface="Arial" panose="020B0604020202020204" pitchFamily="34" charset="0"/>
-              <a:buChar char="•"/>
-            </a:pPr>
-            <a:r>
-              <a:rPr lang="en-US" sz="2000" dirty="0" smtClean="0"/>
-              <a:t>Algorithm will look all values of available tiles and determine a threshold value. </a:t>
-            </a:r>
-          </a:p>
-          <a:p>
-            <a:pPr marL="342900" indent="-342900" algn="l">
-              <a:buFont typeface="Arial" panose="020B0604020202020204" pitchFamily="34" charset="0"/>
-              <a:buChar char="•"/>
-            </a:pPr>
-            <a:r>
-              <a:rPr lang="en-US" sz="2000" dirty="0" smtClean="0"/>
-              <a:t>Tiles with values below the threshold will not be expanded.</a:t>
-            </a:r>
-          </a:p>
-          <a:p>
-            <a:pPr algn="l"/>
-            <a:r>
-              <a:rPr lang="en-US" sz="2000" dirty="0" smtClean="0"/>
-              <a:t>By reducing branching factor, we are able to speed up algorithm. This gives it more time to evaluate better branches to a larger depth</a:t>
+              <a:t>*Less than 64 children will be expanded. </a:t>
             </a:r>
             <a:endParaRPr lang="en-US" sz="2000" dirty="0"/>
           </a:p>
         </p:txBody>
       </p:sp>
+      <p:pic>
+        <p:nvPicPr>
+          <p:cNvPr id="4" name="Picture 3"/>
+          <p:cNvPicPr>
+            <a:picLocks noChangeAspect="1"/>
+          </p:cNvPicPr>
+          <p:nvPr/>
+        </p:nvPicPr>
+        <p:blipFill>
+          <a:blip r:embed="rId3">
+            <a:extLst>
+              <a:ext uri="{28A0092B-C50C-407E-A947-70E740481C1C}">
+                <a14:useLocalDpi xmlns:a14="http://schemas.microsoft.com/office/drawing/2010/main" val="0"/>
+              </a:ext>
+            </a:extLst>
+          </a:blip>
+          <a:stretch>
+            <a:fillRect/>
+          </a:stretch>
+        </p:blipFill>
+        <p:spPr>
+          <a:xfrm>
+            <a:off x="762000" y="1371600"/>
+            <a:ext cx="7696200" cy="1633001"/>
+          </a:xfrm>
+          <a:prstGeom prst="rect">
+            <a:avLst/>
+          </a:prstGeom>
+        </p:spPr>
+      </p:pic>
     </p:spTree>
     <p:extLst>
       <p:ext uri="{BB962C8B-B14F-4D97-AF65-F5344CB8AC3E}">
-        <p14:creationId xmlns:p14="http://schemas.microsoft.com/office/powerpoint/2010/main" val="3352461406"/>
+        <p14:creationId xmlns:p14="http://schemas.microsoft.com/office/powerpoint/2010/main" val="211806076"/>
       </p:ext>
     </p:extLst>
   </p:cSld>

--- a/Presentation.pptx
+++ b/Presentation.pptx
@@ -606,6 +606,142 @@
 </p:notes>
 </file>
 
+<file path=ppt/notesSlides/notesSlide10.xml><?xml version="1.0" encoding="utf-8"?>
+<p:notes xmlns:a="http://schemas.openxmlformats.org/drawingml/2006/main" xmlns:r="http://schemas.openxmlformats.org/officeDocument/2006/relationships" xmlns:p="http://schemas.openxmlformats.org/presentationml/2006/main">
+  <p:cSld>
+    <p:spTree>
+      <p:nvGrpSpPr>
+        <p:cNvPr id="1" name=""/>
+        <p:cNvGrpSpPr/>
+        <p:nvPr/>
+      </p:nvGrpSpPr>
+      <p:grpSpPr>
+        <a:xfrm>
+          <a:off x="0" y="0"/>
+          <a:ext cx="0" cy="0"/>
+          <a:chOff x="0" y="0"/>
+          <a:chExt cx="0" cy="0"/>
+        </a:xfrm>
+      </p:grpSpPr>
+      <p:sp>
+        <p:nvSpPr>
+          <p:cNvPr id="2" name="Slide Image Placeholder 1"/>
+          <p:cNvSpPr>
+            <a:spLocks noGrp="1" noRot="1" noChangeAspect="1"/>
+          </p:cNvSpPr>
+          <p:nvPr>
+            <p:ph type="sldImg"/>
+          </p:nvPr>
+        </p:nvSpPr>
+        <p:spPr/>
+      </p:sp>
+      <p:sp>
+        <p:nvSpPr>
+          <p:cNvPr id="3" name="Notes Placeholder 2"/>
+          <p:cNvSpPr>
+            <a:spLocks noGrp="1"/>
+          </p:cNvSpPr>
+          <p:nvPr>
+            <p:ph type="body" idx="1"/>
+          </p:nvPr>
+        </p:nvSpPr>
+        <p:spPr/>
+        <p:txBody>
+          <a:bodyPr/>
+          <a:lstStyle/>
+          <a:p>
+            <a:r>
+              <a:rPr lang="en-US" baseline="0" dirty="0" smtClean="0"/>
+              <a:t>Making </a:t>
+            </a:r>
+            <a:r>
+              <a:rPr lang="en-US" baseline="0" dirty="0" smtClean="0"/>
+              <a:t>obvious winning moves wasn’t very good. The other player could easily block those moves. Whoever when we increase the depth of the searches, the AI would choose to rather make more tricky moves that allowed multiple winning moves. Being able to plan moves ahead has a large advantage. </a:t>
+            </a:r>
+          </a:p>
+          <a:p>
+            <a:endParaRPr lang="en-US" baseline="0" dirty="0" smtClean="0"/>
+          </a:p>
+          <a:p>
+            <a:endParaRPr lang="en-US" baseline="0" dirty="0" smtClean="0"/>
+          </a:p>
+          <a:p>
+            <a:pPr marL="0" marR="0" indent="0" algn="l" defTabSz="914400" rtl="0" eaLnBrk="1" fontAlgn="auto" latinLnBrk="0" hangingPunct="1">
+              <a:lnSpc>
+                <a:spcPct val="100000"/>
+              </a:lnSpc>
+              <a:spcBef>
+                <a:spcPts val="0"/>
+              </a:spcBef>
+              <a:spcAft>
+                <a:spcPts val="0"/>
+              </a:spcAft>
+              <a:buClrTx/>
+              <a:buSzTx/>
+              <a:buFontTx/>
+              <a:buNone/>
+              <a:tabLst/>
+              <a:defRPr/>
+            </a:pPr>
+            <a:r>
+              <a:rPr lang="en-US" sz="1200" dirty="0" smtClean="0"/>
+              <a:t>Bad utility</a:t>
+            </a:r>
+            <a:r>
+              <a:rPr lang="en-US" sz="1200" baseline="0" dirty="0" smtClean="0"/>
+              <a:t> function</a:t>
+            </a:r>
+            <a:r>
+              <a:rPr lang="en-US" sz="1200" dirty="0" smtClean="0"/>
+              <a:t> will cause deep searches to be meaningless. If the</a:t>
+            </a:r>
+            <a:r>
+              <a:rPr lang="en-US" sz="1200" baseline="0" dirty="0" smtClean="0"/>
+              <a:t> utility function is not very good, then the good and better moves will have the same values. The AI will think they will have both just as good as the other and will not make the better move. The heuristic needs to be improved to better differentiate between what’s a good move and what is better or else having deep searches will not be as effective.</a:t>
+            </a:r>
+            <a:endParaRPr lang="en-US" sz="1200" dirty="0" smtClean="0"/>
+          </a:p>
+          <a:p>
+            <a:endParaRPr lang="en-US" dirty="0"/>
+          </a:p>
+        </p:txBody>
+      </p:sp>
+      <p:sp>
+        <p:nvSpPr>
+          <p:cNvPr id="4" name="Slide Number Placeholder 3"/>
+          <p:cNvSpPr>
+            <a:spLocks noGrp="1"/>
+          </p:cNvSpPr>
+          <p:nvPr>
+            <p:ph type="sldNum" sz="quarter" idx="10"/>
+          </p:nvPr>
+        </p:nvSpPr>
+        <p:spPr/>
+        <p:txBody>
+          <a:bodyPr/>
+          <a:lstStyle/>
+          <a:p>
+            <a:fld id="{90E07049-BCFC-4BE9-BA06-3BBAAC671169}" type="slidenum">
+              <a:rPr lang="en-US" smtClean="0"/>
+              <a:t>15</a:t>
+            </a:fld>
+            <a:endParaRPr lang="en-US" dirty="0"/>
+          </a:p>
+        </p:txBody>
+      </p:sp>
+    </p:spTree>
+    <p:extLst>
+      <p:ext uri="{BB962C8B-B14F-4D97-AF65-F5344CB8AC3E}">
+        <p14:creationId xmlns:p14="http://schemas.microsoft.com/office/powerpoint/2010/main" val="4084235364"/>
+      </p:ext>
+    </p:extLst>
+  </p:cSld>
+  <p:clrMapOvr>
+    <a:masterClrMapping/>
+  </p:clrMapOvr>
+</p:notes>
+</file>
+
 <file path=ppt/notesSlides/notesSlide2.xml><?xml version="1.0" encoding="utf-8"?>
 <p:notes xmlns:a="http://schemas.openxmlformats.org/drawingml/2006/main" xmlns:r="http://schemas.openxmlformats.org/officeDocument/2006/relationships" xmlns:p="http://schemas.openxmlformats.org/presentationml/2006/main">
   <p:cSld>
@@ -967,29 +1103,6 @@
           <a:p>
             <a:endParaRPr lang="en-US" baseline="0" dirty="0" smtClean="0"/>
           </a:p>
-          <a:p>
-            <a:r>
-              <a:rPr lang="en-US" baseline="0" dirty="0" smtClean="0"/>
-              <a:t>However even this wasn’t good enough. Later in the game, there would be even more tiles on the board and more tiles are eligible to distance 4 away from </a:t>
-            </a:r>
-            <a:r>
-              <a:rPr lang="en-US" baseline="0" dirty="0" err="1" smtClean="0"/>
-              <a:t>exisiting</a:t>
-            </a:r>
-            <a:r>
-              <a:rPr lang="en-US" baseline="0" dirty="0" smtClean="0"/>
-              <a:t> tiles. </a:t>
-            </a:r>
-          </a:p>
-          <a:p>
-            <a:endParaRPr lang="en-US" baseline="0" dirty="0" smtClean="0"/>
-          </a:p>
-          <a:p>
-            <a:r>
-              <a:rPr lang="en-US" baseline="0" dirty="0" smtClean="0"/>
-              <a:t>The threshold will grow with time and reduce branching factor.</a:t>
-            </a:r>
-          </a:p>
         </p:txBody>
       </p:sp>
       <p:sp>
@@ -1505,85 +1618,7 @@
           <a:bodyPr/>
           <a:lstStyle/>
           <a:p>
-            <a:r>
-              <a:rPr lang="en-US" dirty="0" smtClean="0"/>
-              <a:t>Going first</a:t>
-            </a:r>
-            <a:r>
-              <a:rPr lang="en-US" baseline="0" dirty="0" smtClean="0"/>
-              <a:t> seems to have a huge advantage. Having the extra move advantage makes an AI one step ahead to win the game. Because of the nature of the game, it seems the player going second is more defensive than the first.  It was rare to see the AI win when going second.</a:t>
-            </a:r>
             <a:endParaRPr lang="en-US" dirty="0" smtClean="0"/>
-          </a:p>
-          <a:p>
-            <a:endParaRPr lang="en-US" dirty="0" smtClean="0"/>
-          </a:p>
-          <a:p>
-            <a:r>
-              <a:rPr lang="en-US" dirty="0" smtClean="0"/>
-              <a:t>No initial</a:t>
-            </a:r>
-            <a:r>
-              <a:rPr lang="en-US" baseline="0" dirty="0" smtClean="0"/>
-              <a:t> position is special. </a:t>
-            </a:r>
-          </a:p>
-          <a:p>
-            <a:r>
-              <a:rPr lang="en-US" baseline="0" dirty="0" smtClean="0"/>
-              <a:t>Values don’t really fluctuate when no other tiles available to affect costs</a:t>
-            </a:r>
-          </a:p>
-          <a:p>
-            <a:endParaRPr lang="en-US" baseline="0" dirty="0" smtClean="0"/>
-          </a:p>
-          <a:p>
-            <a:r>
-              <a:rPr lang="en-US" baseline="0" dirty="0" smtClean="0"/>
-              <a:t>Making obvious winning moves wasn’t very good. The other player could easily block those moves. Whoever when we increase the depth of the searches, the AI would choose to rather make more tricky moves that allowed multiple winning moves. Being able to plan moves ahead has a large advantage. </a:t>
-            </a:r>
-          </a:p>
-          <a:p>
-            <a:endParaRPr lang="en-US" baseline="0" dirty="0" smtClean="0"/>
-          </a:p>
-          <a:p>
-            <a:endParaRPr lang="en-US" baseline="0" dirty="0" smtClean="0"/>
-          </a:p>
-          <a:p>
-            <a:pPr marL="0" marR="0" indent="0" algn="l" defTabSz="914400" rtl="0" eaLnBrk="1" fontAlgn="auto" latinLnBrk="0" hangingPunct="1">
-              <a:lnSpc>
-                <a:spcPct val="100000"/>
-              </a:lnSpc>
-              <a:spcBef>
-                <a:spcPts val="0"/>
-              </a:spcBef>
-              <a:spcAft>
-                <a:spcPts val="0"/>
-              </a:spcAft>
-              <a:buClrTx/>
-              <a:buSzTx/>
-              <a:buFontTx/>
-              <a:buNone/>
-              <a:tabLst/>
-              <a:defRPr/>
-            </a:pPr>
-            <a:r>
-              <a:rPr lang="en-US" sz="1200" dirty="0" smtClean="0"/>
-              <a:t>Bad utility</a:t>
-            </a:r>
-            <a:r>
-              <a:rPr lang="en-US" sz="1200" baseline="0" dirty="0" smtClean="0"/>
-              <a:t> function</a:t>
-            </a:r>
-            <a:r>
-              <a:rPr lang="en-US" sz="1200" dirty="0" smtClean="0"/>
-              <a:t> will cause deep searches to be meaningless. If the</a:t>
-            </a:r>
-            <a:r>
-              <a:rPr lang="en-US" sz="1200" baseline="0" dirty="0" smtClean="0"/>
-              <a:t> utility function is not very good, then the good and better moves will have the same values. The AI will think they will have both just as good as the other and will not make the better move. The heuristic needs to be improved to better differentiate between what’s a good move and what is better or else having deep searches will not be as effective.</a:t>
-            </a:r>
-            <a:endParaRPr lang="en-US" sz="1200" dirty="0" smtClean="0"/>
           </a:p>
           <a:p>
             <a:endParaRPr lang="en-US" dirty="0"/>
@@ -1607,7 +1642,7 @@
           <a:p>
             <a:fld id="{90E07049-BCFC-4BE9-BA06-3BBAAC671169}" type="slidenum">
               <a:rPr lang="en-US" smtClean="0"/>
-              <a:t>15</a:t>
+              <a:t>14</a:t>
             </a:fld>
             <a:endParaRPr lang="en-US" dirty="0"/>
           </a:p>
@@ -1616,7 +1651,7 @@
     </p:spTree>
     <p:extLst>
       <p:ext uri="{BB962C8B-B14F-4D97-AF65-F5344CB8AC3E}">
-        <p14:creationId xmlns:p14="http://schemas.microsoft.com/office/powerpoint/2010/main" val="4084235364"/>
+        <p14:creationId xmlns:p14="http://schemas.microsoft.com/office/powerpoint/2010/main" val="715122884"/>
       </p:ext>
     </p:extLst>
   </p:cSld>
@@ -4783,8 +4818,23 @@
             </a:pPr>
             <a:r>
               <a:rPr lang="en-US" sz="1600" dirty="0" smtClean="0"/>
-              <a:t>Depth will increase on successive moves through</a:t>
-            </a:r>
+              <a:t>Depth will increase on successive </a:t>
+            </a:r>
+            <a:r>
+              <a:rPr lang="en-US" sz="1600" dirty="0" smtClean="0"/>
+              <a:t>moves</a:t>
+            </a:r>
+          </a:p>
+          <a:p>
+            <a:pPr marL="800100" lvl="1" indent="-342900" algn="l">
+              <a:buFont typeface="Arial" panose="020B0604020202020204" pitchFamily="34" charset="0"/>
+              <a:buChar char="•"/>
+            </a:pPr>
+            <a:r>
+              <a:rPr lang="en-US" sz="1600" dirty="0" smtClean="0"/>
+              <a:t>Let depth increase with time, instead of decrease with time</a:t>
+            </a:r>
+            <a:endParaRPr lang="en-US" sz="1600" dirty="0" smtClean="0"/>
           </a:p>
           <a:p>
             <a:pPr algn="l"/>
@@ -6674,8 +6724,13 @@
             </a:pPr>
             <a:r>
               <a:rPr lang="en-US" sz="1600" dirty="0" smtClean="0"/>
-              <a:t>Depth 0 AI will not expand moves, but just find max of tile values</a:t>
-            </a:r>
+              <a:t>Depth 0 AI will not expand moves, but just find max of tile </a:t>
+            </a:r>
+            <a:r>
+              <a:rPr lang="en-US" sz="1600" dirty="0" smtClean="0"/>
+              <a:t>values and commit to max</a:t>
+            </a:r>
+            <a:endParaRPr lang="en-US" sz="1600" dirty="0" smtClean="0"/>
           </a:p>
           <a:p>
             <a:pPr marL="800100" lvl="1" indent="-342900" algn="l">
@@ -6684,8 +6739,13 @@
             </a:pPr>
             <a:r>
               <a:rPr lang="en-US" sz="1600" dirty="0" smtClean="0"/>
-              <a:t>Algorithm sometimes lost if the first move was bad. We gave algorithm a low starting depth value and it would occasionally pick a bad first move</a:t>
-            </a:r>
+              <a:t>Algorithm sometimes lost if </a:t>
+            </a:r>
+            <a:r>
+              <a:rPr lang="en-US" sz="1600" dirty="0" smtClean="0"/>
+              <a:t>made obvious winning chains. The depth 0 AI was smart enough to block the AI and become in the lead</a:t>
+            </a:r>
+            <a:endParaRPr lang="en-US" sz="1600" dirty="0" smtClean="0"/>
           </a:p>
           <a:p>
             <a:pPr algn="l"/>
@@ -6728,8 +6788,13 @@
             </a:pPr>
             <a:r>
               <a:rPr lang="en-US" sz="2000" dirty="0" smtClean="0"/>
-              <a:t>Compared to players, the algorithm would win sometimes</a:t>
-            </a:r>
+              <a:t>Compared to players, the algorithm would win </a:t>
+            </a:r>
+            <a:r>
+              <a:rPr lang="en-US" sz="2000" dirty="0" smtClean="0"/>
+              <a:t>sometimes, not often</a:t>
+            </a:r>
+            <a:endParaRPr lang="en-US" sz="2000" dirty="0" smtClean="0"/>
           </a:p>
           <a:p>
             <a:pPr marL="342900" indent="-342900" algn="l">
@@ -6768,8 +6833,13 @@
             </a:pPr>
             <a:r>
               <a:rPr lang="en-US" sz="1600" dirty="0" smtClean="0"/>
-              <a:t>It can be easy to beat if the player went first</a:t>
-            </a:r>
+              <a:t>It can be easy to beat </a:t>
+            </a:r>
+            <a:r>
+              <a:rPr lang="en-US" sz="1600" dirty="0" smtClean="0"/>
+              <a:t>by players who plan ahead</a:t>
+            </a:r>
+            <a:endParaRPr lang="en-US" sz="1600" dirty="0" smtClean="0"/>
           </a:p>
           <a:p>
             <a:pPr marL="800100" lvl="1" indent="-342900" algn="l">
@@ -7056,8 +7126,21 @@
             </a:pPr>
             <a:r>
               <a:rPr lang="en-US" sz="1600" dirty="0" smtClean="0"/>
-              <a:t>Trying to win looks better than trying to block</a:t>
-            </a:r>
+              <a:t>Trying to win </a:t>
+            </a:r>
+            <a:r>
+              <a:rPr lang="en-US" sz="1600" dirty="0" smtClean="0"/>
+              <a:t>appears better </a:t>
+            </a:r>
+            <a:r>
+              <a:rPr lang="en-US" sz="1600" dirty="0" smtClean="0"/>
+              <a:t>than trying to </a:t>
+            </a:r>
+            <a:r>
+              <a:rPr lang="en-US" sz="1600" dirty="0" smtClean="0"/>
+              <a:t>block, didn’t block often</a:t>
+            </a:r>
+            <a:endParaRPr lang="en-US" sz="1600" dirty="0" smtClean="0"/>
           </a:p>
           <a:p>
             <a:pPr marL="342900" indent="-342900" algn="l">
@@ -7171,21 +7254,18 @@
         </p:spPr>
         <p:txBody>
           <a:bodyPr>
-            <a:normAutofit lnSpcReduction="10000"/>
+            <a:normAutofit fontScale="92500" lnSpcReduction="10000"/>
           </a:bodyPr>
           <a:lstStyle/>
           <a:p>
             <a:pPr algn="l"/>
             <a:r>
               <a:rPr lang="en-US" sz="2000" dirty="0" smtClean="0"/>
-              <a:t>Going first has a great advantage</a:t>
-            </a:r>
-          </a:p>
-          <a:p>
-            <a:pPr algn="l"/>
+              <a:t>Early </a:t>
+            </a:r>
             <a:r>
               <a:rPr lang="en-US" sz="2000" dirty="0" smtClean="0"/>
-              <a:t>Early in the game, large depth has little deciding factor</a:t>
+              <a:t>in the game, large depth has little deciding factor</a:t>
             </a:r>
           </a:p>
           <a:p>
@@ -7222,8 +7302,23 @@
             </a:pPr>
             <a:r>
               <a:rPr lang="en-US" sz="2000" dirty="0" smtClean="0"/>
-              <a:t>The best moves are not as obvious</a:t>
-            </a:r>
+              <a:t>The best moves are not as </a:t>
+            </a:r>
+            <a:r>
+              <a:rPr lang="en-US" sz="2000" dirty="0" smtClean="0"/>
+              <a:t>obvious</a:t>
+            </a:r>
+          </a:p>
+          <a:p>
+            <a:pPr marL="342900" indent="-342900" algn="l">
+              <a:buFont typeface="Arial" panose="020B0604020202020204" pitchFamily="34" charset="0"/>
+              <a:buChar char="•"/>
+            </a:pPr>
+            <a:r>
+              <a:rPr lang="en-US" sz="2000" dirty="0" smtClean="0"/>
+              <a:t>Allowing depth to fluctuate and potentially increase will help the AI make smarter moves when needed</a:t>
+            </a:r>
+            <a:endParaRPr lang="en-US" sz="2000" dirty="0" smtClean="0"/>
           </a:p>
           <a:p>
             <a:pPr algn="l"/>
@@ -7353,19 +7448,7 @@
             <a:pPr algn="l"/>
             <a:r>
               <a:rPr lang="en-US" dirty="0" smtClean="0"/>
-              <a:t>The object of our Four-In-A-Row is to get four in a row. The first player displays as O, and the second player displays X. Then player1 and player2 alternatively place their chesses until one player has 4 in a row or the board is </a:t>
-            </a:r>
-            <a:r>
-              <a:rPr lang="en-US" dirty="0" smtClean="0"/>
-              <a:t>entirely filled </a:t>
-            </a:r>
-            <a:r>
-              <a:rPr lang="en-US" dirty="0" smtClean="0"/>
-              <a:t>with </a:t>
-            </a:r>
-            <a:r>
-              <a:rPr lang="en-US" dirty="0" smtClean="0"/>
-              <a:t>pieces. </a:t>
+              <a:t>The object of our Four-In-A-Row is to get four in a row. The first player displays as O, and the second player displays X. Then player1 and player2 alternatively place their chesses until one player has 4 in a row or the board is entirely filled with pieces. </a:t>
             </a:r>
             <a:endParaRPr lang="en-US" dirty="0"/>
           </a:p>
@@ -9942,7 +10025,7 @@
         </p:spPr>
         <p:txBody>
           <a:bodyPr>
-            <a:normAutofit fontScale="92500" lnSpcReduction="20000"/>
+            <a:normAutofit/>
           </a:bodyPr>
           <a:lstStyle/>
           <a:p>
@@ -9990,14 +10073,38 @@
             </a:pPr>
             <a:r>
               <a:rPr lang="en-US" sz="2000" dirty="0"/>
-              <a:t>Restrict branching to tiles near existing tiles. A distance of 4 away (since 4 moves needed to win)</a:t>
+              <a:t>Restrict branching to tiles near existing tiles. A distance of </a:t>
+            </a:r>
+            <a:r>
+              <a:rPr lang="en-US" sz="2000" dirty="0" smtClean="0"/>
+              <a:t>3 </a:t>
+            </a:r>
+            <a:r>
+              <a:rPr lang="en-US" sz="2000" dirty="0"/>
+              <a:t>away </a:t>
+            </a:r>
+            <a:r>
+              <a:rPr lang="en-US" sz="2000" dirty="0" smtClean="0"/>
+              <a:t>from existing tiles(since </a:t>
+            </a:r>
+            <a:r>
+              <a:rPr lang="en-US" sz="2000" dirty="0"/>
+              <a:t>4 moves needed to win)</a:t>
             </a:r>
           </a:p>
           <a:p>
             <a:pPr algn="l"/>
             <a:r>
               <a:rPr lang="en-US" sz="2000" dirty="0" smtClean="0"/>
-              <a:t>Even if some tiles are valid for expansion. Do not bother to expand if the tile’s value is too low.</a:t>
+              <a:t>By </a:t>
+            </a:r>
+            <a:r>
+              <a:rPr lang="en-US" sz="2000" dirty="0" smtClean="0"/>
+              <a:t>reducing branching factor, we are able to speed up algorithm. This gives it more time to evaluate better branches to a larger </a:t>
+            </a:r>
+            <a:r>
+              <a:rPr lang="en-US" sz="2000" dirty="0" smtClean="0"/>
+              <a:t>depth</a:t>
             </a:r>
           </a:p>
           <a:p>
@@ -10007,24 +10114,7 @@
             </a:pPr>
             <a:r>
               <a:rPr lang="en-US" sz="2000" dirty="0" smtClean="0"/>
-              <a:t>Algorithm will look all values of available tiles and determine a threshold value. </a:t>
-            </a:r>
-          </a:p>
-          <a:p>
-            <a:pPr marL="342900" indent="-342900" algn="l">
-              <a:buFont typeface="Arial" panose="020B0604020202020204" pitchFamily="34" charset="0"/>
-              <a:buChar char="•"/>
-            </a:pPr>
-            <a:r>
-              <a:rPr lang="en-US" sz="2000" dirty="0" smtClean="0"/>
-              <a:t>Tiles with values below the threshold will not be expanded.</a:t>
-            </a:r>
-          </a:p>
-          <a:p>
-            <a:pPr algn="l"/>
-            <a:r>
-              <a:rPr lang="en-US" sz="2000" dirty="0" smtClean="0"/>
-              <a:t>By reducing branching factor, we are able to speed up algorithm. This gives it more time to evaluate better branches to a larger depth</a:t>
+              <a:t>However, time still grew exponentially as more moves are placed on board and more tiles become qualified for being distance 3 away</a:t>
             </a:r>
             <a:endParaRPr lang="en-US" sz="2000" dirty="0"/>
           </a:p>

--- a/Presentation.pptx
+++ b/Presentation.pptx
@@ -123,7 +123,7 @@
   </p:defaultTextStyle>
   <p:extLst>
     <p:ext uri="{EFAFB233-063F-42B5-8137-9DF3F51BA10A}">
-      <p15:sldGuideLst xmlns:p15="http://schemas.microsoft.com/office/powerpoint/2012/main">
+      <p15:sldGuideLst xmlns:p15="http://schemas.microsoft.com/office/powerpoint/2012/main" xmlns="">
         <p15:guide id="1" orient="horz" pos="2160">
           <p15:clr>
             <a:srgbClr val="A4A3A4"/>
@@ -222,7 +222,7 @@
           <a:p>
             <a:fld id="{69362AA2-37EB-4E21-AC2F-62B033F84D19}" type="datetimeFigureOut">
               <a:rPr lang="en-US" smtClean="0"/>
-              <a:t>12/2/2015</a:t>
+              <a:t>12/3/15</a:t>
             </a:fld>
             <a:endParaRPr lang="en-US" dirty="0"/>
           </a:p>
@@ -652,11 +652,7 @@
           <a:p>
             <a:r>
               <a:rPr lang="en-US" baseline="0" dirty="0" smtClean="0"/>
-              <a:t>Making </a:t>
-            </a:r>
-            <a:r>
-              <a:rPr lang="en-US" baseline="0" dirty="0" smtClean="0"/>
-              <a:t>obvious winning moves wasn’t very good. The other player could easily block those moves. Whoever when we increase the depth of the searches, the AI would choose to rather make more tricky moves that allowed multiple winning moves. Being able to plan moves ahead has a large advantage. </a:t>
+              <a:t>Making obvious winning moves wasn’t very good. The other player could easily block those moves. Whoever when we increase the depth of the searches, the AI would choose to rather make more tricky moves that allowed multiple winning moves. Being able to plan moves ahead has a large advantage. </a:t>
             </a:r>
           </a:p>
           <a:p>
@@ -1842,7 +1838,7 @@
           <a:p>
             <a:fld id="{5A66AF80-B104-49B0-AE6F-8E381139FF3B}" type="datetimeFigureOut">
               <a:rPr lang="en-US" smtClean="0"/>
-              <a:t>12/2/2015</a:t>
+              <a:t>12/3/15</a:t>
             </a:fld>
             <a:endParaRPr lang="en-US" dirty="0"/>
           </a:p>
@@ -2012,7 +2008,7 @@
           <a:p>
             <a:fld id="{5A66AF80-B104-49B0-AE6F-8E381139FF3B}" type="datetimeFigureOut">
               <a:rPr lang="en-US" smtClean="0"/>
-              <a:t>12/2/2015</a:t>
+              <a:t>12/3/15</a:t>
             </a:fld>
             <a:endParaRPr lang="en-US" dirty="0"/>
           </a:p>
@@ -2192,7 +2188,7 @@
           <a:p>
             <a:fld id="{5A66AF80-B104-49B0-AE6F-8E381139FF3B}" type="datetimeFigureOut">
               <a:rPr lang="en-US" smtClean="0"/>
-              <a:t>12/2/2015</a:t>
+              <a:t>12/3/15</a:t>
             </a:fld>
             <a:endParaRPr lang="en-US" dirty="0"/>
           </a:p>
@@ -2362,7 +2358,7 @@
           <a:p>
             <a:fld id="{5A66AF80-B104-49B0-AE6F-8E381139FF3B}" type="datetimeFigureOut">
               <a:rPr lang="en-US" smtClean="0"/>
-              <a:t>12/2/2015</a:t>
+              <a:t>12/3/15</a:t>
             </a:fld>
             <a:endParaRPr lang="en-US" dirty="0"/>
           </a:p>
@@ -2608,7 +2604,7 @@
           <a:p>
             <a:fld id="{5A66AF80-B104-49B0-AE6F-8E381139FF3B}" type="datetimeFigureOut">
               <a:rPr lang="en-US" smtClean="0"/>
-              <a:t>12/2/2015</a:t>
+              <a:t>12/3/15</a:t>
             </a:fld>
             <a:endParaRPr lang="en-US" dirty="0"/>
           </a:p>
@@ -2896,7 +2892,7 @@
           <a:p>
             <a:fld id="{5A66AF80-B104-49B0-AE6F-8E381139FF3B}" type="datetimeFigureOut">
               <a:rPr lang="en-US" smtClean="0"/>
-              <a:t>12/2/2015</a:t>
+              <a:t>12/3/15</a:t>
             </a:fld>
             <a:endParaRPr lang="en-US" dirty="0"/>
           </a:p>
@@ -3318,7 +3314,7 @@
           <a:p>
             <a:fld id="{5A66AF80-B104-49B0-AE6F-8E381139FF3B}" type="datetimeFigureOut">
               <a:rPr lang="en-US" smtClean="0"/>
-              <a:t>12/2/2015</a:t>
+              <a:t>12/3/15</a:t>
             </a:fld>
             <a:endParaRPr lang="en-US" dirty="0"/>
           </a:p>
@@ -3436,7 +3432,7 @@
           <a:p>
             <a:fld id="{5A66AF80-B104-49B0-AE6F-8E381139FF3B}" type="datetimeFigureOut">
               <a:rPr lang="en-US" smtClean="0"/>
-              <a:t>12/2/2015</a:t>
+              <a:t>12/3/15</a:t>
             </a:fld>
             <a:endParaRPr lang="en-US" dirty="0"/>
           </a:p>
@@ -3531,7 +3527,7 @@
           <a:p>
             <a:fld id="{5A66AF80-B104-49B0-AE6F-8E381139FF3B}" type="datetimeFigureOut">
               <a:rPr lang="en-US" smtClean="0"/>
-              <a:t>12/2/2015</a:t>
+              <a:t>12/3/15</a:t>
             </a:fld>
             <a:endParaRPr lang="en-US" dirty="0"/>
           </a:p>
@@ -3808,7 +3804,7 @@
           <a:p>
             <a:fld id="{5A66AF80-B104-49B0-AE6F-8E381139FF3B}" type="datetimeFigureOut">
               <a:rPr lang="en-US" smtClean="0"/>
-              <a:t>12/2/2015</a:t>
+              <a:t>12/3/15</a:t>
             </a:fld>
             <a:endParaRPr lang="en-US" dirty="0"/>
           </a:p>
@@ -4061,7 +4057,7 @@
           <a:p>
             <a:fld id="{5A66AF80-B104-49B0-AE6F-8E381139FF3B}" type="datetimeFigureOut">
               <a:rPr lang="en-US" smtClean="0"/>
-              <a:t>12/2/2015</a:t>
+              <a:t>12/3/15</a:t>
             </a:fld>
             <a:endParaRPr lang="en-US" dirty="0"/>
           </a:p>
@@ -4274,7 +4270,7 @@
           <a:p>
             <a:fld id="{5A66AF80-B104-49B0-AE6F-8E381139FF3B}" type="datetimeFigureOut">
               <a:rPr lang="en-US" smtClean="0"/>
-              <a:t>12/2/2015</a:t>
+              <a:t>12/3/15</a:t>
             </a:fld>
             <a:endParaRPr lang="en-US" dirty="0"/>
           </a:p>
@@ -4818,11 +4814,7 @@
             </a:pPr>
             <a:r>
               <a:rPr lang="en-US" sz="1600" dirty="0" smtClean="0"/>
-              <a:t>Depth will increase on successive </a:t>
-            </a:r>
-            <a:r>
-              <a:rPr lang="en-US" sz="1600" dirty="0" smtClean="0"/>
-              <a:t>moves</a:t>
+              <a:t>Depth will increase on successive moves</a:t>
             </a:r>
           </a:p>
           <a:p>
@@ -4834,7 +4826,6 @@
               <a:rPr lang="en-US" sz="1600" dirty="0" smtClean="0"/>
               <a:t>Let depth increase with time, instead of decrease with time</a:t>
             </a:r>
-            <a:endParaRPr lang="en-US" sz="1600" dirty="0" smtClean="0"/>
           </a:p>
           <a:p>
             <a:pPr algn="l"/>
@@ -6724,13 +6715,8 @@
             </a:pPr>
             <a:r>
               <a:rPr lang="en-US" sz="1600" dirty="0" smtClean="0"/>
-              <a:t>Depth 0 AI will not expand moves, but just find max of tile </a:t>
-            </a:r>
-            <a:r>
-              <a:rPr lang="en-US" sz="1600" dirty="0" smtClean="0"/>
-              <a:t>values and commit to max</a:t>
-            </a:r>
-            <a:endParaRPr lang="en-US" sz="1600" dirty="0" smtClean="0"/>
+              <a:t>Depth 0 AI will not expand moves, but just find max of tile values and commit to max</a:t>
+            </a:r>
           </a:p>
           <a:p>
             <a:pPr marL="800100" lvl="1" indent="-342900" algn="l">
@@ -6739,13 +6725,8 @@
             </a:pPr>
             <a:r>
               <a:rPr lang="en-US" sz="1600" dirty="0" smtClean="0"/>
-              <a:t>Algorithm sometimes lost if </a:t>
-            </a:r>
-            <a:r>
-              <a:rPr lang="en-US" sz="1600" dirty="0" smtClean="0"/>
-              <a:t>made obvious winning chains. The depth 0 AI was smart enough to block the AI and become in the lead</a:t>
-            </a:r>
-            <a:endParaRPr lang="en-US" sz="1600" dirty="0" smtClean="0"/>
+              <a:t>Algorithm sometimes lost if made obvious winning chains. The depth 0 AI was smart enough to block the AI and become in the lead</a:t>
+            </a:r>
           </a:p>
           <a:p>
             <a:pPr algn="l"/>
@@ -6788,13 +6769,8 @@
             </a:pPr>
             <a:r>
               <a:rPr lang="en-US" sz="2000" dirty="0" smtClean="0"/>
-              <a:t>Compared to players, the algorithm would win </a:t>
-            </a:r>
-            <a:r>
-              <a:rPr lang="en-US" sz="2000" dirty="0" smtClean="0"/>
-              <a:t>sometimes, not often</a:t>
-            </a:r>
-            <a:endParaRPr lang="en-US" sz="2000" dirty="0" smtClean="0"/>
+              <a:t>Compared to players, the algorithm would win sometimes, not often</a:t>
+            </a:r>
           </a:p>
           <a:p>
             <a:pPr marL="342900" indent="-342900" algn="l">
@@ -6833,13 +6809,8 @@
             </a:pPr>
             <a:r>
               <a:rPr lang="en-US" sz="1600" dirty="0" smtClean="0"/>
-              <a:t>It can be easy to beat </a:t>
-            </a:r>
-            <a:r>
-              <a:rPr lang="en-US" sz="1600" dirty="0" smtClean="0"/>
-              <a:t>by players who plan ahead</a:t>
-            </a:r>
-            <a:endParaRPr lang="en-US" sz="1600" dirty="0" smtClean="0"/>
+              <a:t>It can be easy to beat by players who plan ahead</a:t>
+            </a:r>
           </a:p>
           <a:p>
             <a:pPr marL="800100" lvl="1" indent="-342900" algn="l">
@@ -6912,6 +6883,30 @@
           </a:p>
         </p:txBody>
       </p:sp>
+      <p:pic>
+        <p:nvPicPr>
+          <p:cNvPr id="4" name="Picture 3"/>
+          <p:cNvPicPr>
+            <a:picLocks noChangeAspect="1"/>
+          </p:cNvPicPr>
+          <p:nvPr/>
+        </p:nvPicPr>
+        <p:blipFill>
+          <a:blip r:embed="rId3"/>
+          <a:stretch>
+            <a:fillRect/>
+          </a:stretch>
+        </p:blipFill>
+        <p:spPr>
+          <a:xfrm>
+            <a:off x="4184119" y="1524000"/>
+            <a:ext cx="4978400" cy="3683570"/>
+          </a:xfrm>
+          <a:prstGeom prst="rect">
+            <a:avLst/>
+          </a:prstGeom>
+        </p:spPr>
+      </p:pic>
       <p:sp>
         <p:nvSpPr>
           <p:cNvPr id="3" name="Subtitle 2"/>
@@ -6925,7 +6920,7 @@
         <p:spPr>
           <a:xfrm>
             <a:off x="762000" y="1447800"/>
-            <a:ext cx="7543800" cy="4191000"/>
+            <a:ext cx="3733800" cy="4953000"/>
           </a:xfrm>
         </p:spPr>
         <p:txBody>
@@ -6977,12 +6972,195 @@
             </a:pPr>
             <a:r>
               <a:rPr lang="en-US" sz="2000" dirty="0" smtClean="0"/>
-              <a:t>Speeds up of reducing branch size allowed more depth within reasonable time</a:t>
-            </a:r>
-          </a:p>
+              <a:t>Speeds up of reducing branch size allowed more depth within reasonable </a:t>
+            </a:r>
+            <a:r>
+              <a:rPr lang="en-US" sz="2000" dirty="0" smtClean="0"/>
+              <a:t>time</a:t>
+            </a:r>
+            <a:endParaRPr lang="en-US" sz="2000" dirty="0" smtClean="0"/>
+          </a:p>
+        </p:txBody>
+      </p:sp>
+      <p:sp>
+        <p:nvSpPr>
+          <p:cNvPr id="5" name="Subtitle 2"/>
+          <p:cNvSpPr txBox="1">
+            <a:spLocks/>
+          </p:cNvSpPr>
+          <p:nvPr/>
+        </p:nvSpPr>
+        <p:spPr>
+          <a:xfrm>
+            <a:off x="838200" y="5257800"/>
+            <a:ext cx="6858000" cy="1066800"/>
+          </a:xfrm>
+          <a:prstGeom prst="rect">
+            <a:avLst/>
+          </a:prstGeom>
+        </p:spPr>
+        <p:txBody>
+          <a:bodyPr vert="horz" lIns="91440" tIns="45720" rIns="91440" bIns="45720" rtlCol="0">
+            <a:normAutofit/>
+          </a:bodyPr>
+          <a:lstStyle>
+            <a:lvl1pPr marL="0" indent="0" algn="ctr" defTabSz="914400" rtl="0" eaLnBrk="1" latinLnBrk="0" hangingPunct="1">
+              <a:spcBef>
+                <a:spcPct val="20000"/>
+              </a:spcBef>
+              <a:buFont typeface="Arial" pitchFamily="34" charset="0"/>
+              <a:buNone/>
+              <a:defRPr sz="3200" kern="1200">
+                <a:solidFill>
+                  <a:schemeClr val="tx1">
+                    <a:tint val="75000"/>
+                  </a:schemeClr>
+                </a:solidFill>
+                <a:latin typeface="+mn-lt"/>
+                <a:ea typeface="+mn-ea"/>
+                <a:cs typeface="+mn-cs"/>
+              </a:defRPr>
+            </a:lvl1pPr>
+            <a:lvl2pPr marL="457200" indent="0" algn="ctr" defTabSz="914400" rtl="0" eaLnBrk="1" latinLnBrk="0" hangingPunct="1">
+              <a:spcBef>
+                <a:spcPct val="20000"/>
+              </a:spcBef>
+              <a:buFont typeface="Arial" pitchFamily="34" charset="0"/>
+              <a:buNone/>
+              <a:defRPr sz="2800" kern="1200">
+                <a:solidFill>
+                  <a:schemeClr val="tx1">
+                    <a:tint val="75000"/>
+                  </a:schemeClr>
+                </a:solidFill>
+                <a:latin typeface="+mn-lt"/>
+                <a:ea typeface="+mn-ea"/>
+                <a:cs typeface="+mn-cs"/>
+              </a:defRPr>
+            </a:lvl2pPr>
+            <a:lvl3pPr marL="914400" indent="0" algn="ctr" defTabSz="914400" rtl="0" eaLnBrk="1" latinLnBrk="0" hangingPunct="1">
+              <a:spcBef>
+                <a:spcPct val="20000"/>
+              </a:spcBef>
+              <a:buFont typeface="Arial" pitchFamily="34" charset="0"/>
+              <a:buNone/>
+              <a:defRPr sz="2400" kern="1200">
+                <a:solidFill>
+                  <a:schemeClr val="tx1">
+                    <a:tint val="75000"/>
+                  </a:schemeClr>
+                </a:solidFill>
+                <a:latin typeface="+mn-lt"/>
+                <a:ea typeface="+mn-ea"/>
+                <a:cs typeface="+mn-cs"/>
+              </a:defRPr>
+            </a:lvl3pPr>
+            <a:lvl4pPr marL="1371600" indent="0" algn="ctr" defTabSz="914400" rtl="0" eaLnBrk="1" latinLnBrk="0" hangingPunct="1">
+              <a:spcBef>
+                <a:spcPct val="20000"/>
+              </a:spcBef>
+              <a:buFont typeface="Arial" pitchFamily="34" charset="0"/>
+              <a:buNone/>
+              <a:defRPr sz="2000" kern="1200">
+                <a:solidFill>
+                  <a:schemeClr val="tx1">
+                    <a:tint val="75000"/>
+                  </a:schemeClr>
+                </a:solidFill>
+                <a:latin typeface="+mn-lt"/>
+                <a:ea typeface="+mn-ea"/>
+                <a:cs typeface="+mn-cs"/>
+              </a:defRPr>
+            </a:lvl4pPr>
+            <a:lvl5pPr marL="1828800" indent="0" algn="ctr" defTabSz="914400" rtl="0" eaLnBrk="1" latinLnBrk="0" hangingPunct="1">
+              <a:spcBef>
+                <a:spcPct val="20000"/>
+              </a:spcBef>
+              <a:buFont typeface="Arial" pitchFamily="34" charset="0"/>
+              <a:buNone/>
+              <a:defRPr sz="2000" kern="1200">
+                <a:solidFill>
+                  <a:schemeClr val="tx1">
+                    <a:tint val="75000"/>
+                  </a:schemeClr>
+                </a:solidFill>
+                <a:latin typeface="+mn-lt"/>
+                <a:ea typeface="+mn-ea"/>
+                <a:cs typeface="+mn-cs"/>
+              </a:defRPr>
+            </a:lvl5pPr>
+            <a:lvl6pPr marL="2286000" indent="0" algn="ctr" defTabSz="914400" rtl="0" eaLnBrk="1" latinLnBrk="0" hangingPunct="1">
+              <a:spcBef>
+                <a:spcPct val="20000"/>
+              </a:spcBef>
+              <a:buFont typeface="Arial" pitchFamily="34" charset="0"/>
+              <a:buNone/>
+              <a:defRPr sz="2000" kern="1200">
+                <a:solidFill>
+                  <a:schemeClr val="tx1">
+                    <a:tint val="75000"/>
+                  </a:schemeClr>
+                </a:solidFill>
+                <a:latin typeface="+mn-lt"/>
+                <a:ea typeface="+mn-ea"/>
+                <a:cs typeface="+mn-cs"/>
+              </a:defRPr>
+            </a:lvl6pPr>
+            <a:lvl7pPr marL="2743200" indent="0" algn="ctr" defTabSz="914400" rtl="0" eaLnBrk="1" latinLnBrk="0" hangingPunct="1">
+              <a:spcBef>
+                <a:spcPct val="20000"/>
+              </a:spcBef>
+              <a:buFont typeface="Arial" pitchFamily="34" charset="0"/>
+              <a:buNone/>
+              <a:defRPr sz="2000" kern="1200">
+                <a:solidFill>
+                  <a:schemeClr val="tx1">
+                    <a:tint val="75000"/>
+                  </a:schemeClr>
+                </a:solidFill>
+                <a:latin typeface="+mn-lt"/>
+                <a:ea typeface="+mn-ea"/>
+                <a:cs typeface="+mn-cs"/>
+              </a:defRPr>
+            </a:lvl7pPr>
+            <a:lvl8pPr marL="3200400" indent="0" algn="ctr" defTabSz="914400" rtl="0" eaLnBrk="1" latinLnBrk="0" hangingPunct="1">
+              <a:spcBef>
+                <a:spcPct val="20000"/>
+              </a:spcBef>
+              <a:buFont typeface="Arial" pitchFamily="34" charset="0"/>
+              <a:buNone/>
+              <a:defRPr sz="2000" kern="1200">
+                <a:solidFill>
+                  <a:schemeClr val="tx1">
+                    <a:tint val="75000"/>
+                  </a:schemeClr>
+                </a:solidFill>
+                <a:latin typeface="+mn-lt"/>
+                <a:ea typeface="+mn-ea"/>
+                <a:cs typeface="+mn-cs"/>
+              </a:defRPr>
+            </a:lvl8pPr>
+            <a:lvl9pPr marL="3657600" indent="0" algn="ctr" defTabSz="914400" rtl="0" eaLnBrk="1" latinLnBrk="0" hangingPunct="1">
+              <a:spcBef>
+                <a:spcPct val="20000"/>
+              </a:spcBef>
+              <a:buFont typeface="Arial" pitchFamily="34" charset="0"/>
+              <a:buNone/>
+              <a:defRPr sz="2000" kern="1200">
+                <a:solidFill>
+                  <a:schemeClr val="tx1">
+                    <a:tint val="75000"/>
+                  </a:schemeClr>
+                </a:solidFill>
+                <a:latin typeface="+mn-lt"/>
+                <a:ea typeface="+mn-ea"/>
+                <a:cs typeface="+mn-cs"/>
+              </a:defRPr>
+            </a:lvl9pPr>
+          </a:lstStyle>
           <a:p>
             <a:pPr marL="800100" lvl="1" indent="-342900" algn="l">
-              <a:buFont typeface="Arial" panose="020B0604020202020204" pitchFamily="34" charset="0"/>
+              <a:buFont typeface="Arial" pitchFamily="34" charset="0"/>
               <a:buChar char="•"/>
             </a:pPr>
             <a:r>
@@ -6992,7 +7170,7 @@
           </a:p>
           <a:p>
             <a:pPr marL="800100" lvl="1" indent="-342900" algn="l">
-              <a:buFont typeface="Arial" panose="020B0604020202020204" pitchFamily="34" charset="0"/>
+              <a:buFont typeface="Arial" pitchFamily="34" charset="0"/>
               <a:buChar char="•"/>
             </a:pPr>
             <a:r>
@@ -7002,7 +7180,7 @@
           </a:p>
           <a:p>
             <a:pPr marL="800100" lvl="1" indent="-342900" algn="l">
-              <a:buFont typeface="Arial" panose="020B0604020202020204" pitchFamily="34" charset="0"/>
+              <a:buFont typeface="Arial" pitchFamily="34" charset="0"/>
               <a:buChar char="•"/>
             </a:pPr>
             <a:r>
@@ -7126,21 +7304,8 @@
             </a:pPr>
             <a:r>
               <a:rPr lang="en-US" sz="1600" dirty="0" smtClean="0"/>
-              <a:t>Trying to win </a:t>
-            </a:r>
-            <a:r>
-              <a:rPr lang="en-US" sz="1600" dirty="0" smtClean="0"/>
-              <a:t>appears better </a:t>
-            </a:r>
-            <a:r>
-              <a:rPr lang="en-US" sz="1600" dirty="0" smtClean="0"/>
-              <a:t>than trying to </a:t>
-            </a:r>
-            <a:r>
-              <a:rPr lang="en-US" sz="1600" dirty="0" smtClean="0"/>
-              <a:t>block, didn’t block often</a:t>
-            </a:r>
-            <a:endParaRPr lang="en-US" sz="1600" dirty="0" smtClean="0"/>
+              <a:t>Trying to win appears better than trying to block, didn’t block often</a:t>
+            </a:r>
           </a:p>
           <a:p>
             <a:pPr marL="342900" indent="-342900" algn="l">
@@ -7261,11 +7426,7 @@
             <a:pPr algn="l"/>
             <a:r>
               <a:rPr lang="en-US" sz="2000" dirty="0" smtClean="0"/>
-              <a:t>Early </a:t>
-            </a:r>
-            <a:r>
-              <a:rPr lang="en-US" sz="2000" dirty="0" smtClean="0"/>
-              <a:t>in the game, large depth has little deciding factor</a:t>
+              <a:t>Early in the game, large depth has little deciding factor</a:t>
             </a:r>
           </a:p>
           <a:p>
@@ -7302,11 +7463,7 @@
             </a:pPr>
             <a:r>
               <a:rPr lang="en-US" sz="2000" dirty="0" smtClean="0"/>
-              <a:t>The best moves are not as </a:t>
-            </a:r>
-            <a:r>
-              <a:rPr lang="en-US" sz="2000" dirty="0" smtClean="0"/>
-              <a:t>obvious</a:t>
+              <a:t>The best moves are not as obvious</a:t>
             </a:r>
           </a:p>
           <a:p>
@@ -7318,7 +7475,6 @@
               <a:rPr lang="en-US" sz="2000" dirty="0" smtClean="0"/>
               <a:t>Allowing depth to fluctuate and potentially increase will help the AI make smarter moves when needed</a:t>
             </a:r>
-            <a:endParaRPr lang="en-US" sz="2000" dirty="0" smtClean="0"/>
           </a:p>
           <a:p>
             <a:pPr algn="l"/>
@@ -7442,18 +7598,141 @@
           </a:xfrm>
         </p:spPr>
         <p:txBody>
-          <a:bodyPr/>
+          <a:bodyPr>
+            <a:normAutofit/>
+          </a:bodyPr>
           <a:lstStyle/>
           <a:p>
             <a:pPr algn="l"/>
             <a:r>
-              <a:rPr lang="en-US" dirty="0" smtClean="0"/>
-              <a:t>The object of our Four-In-A-Row is to get four in a row. The first player displays as O, and the second player displays X. Then player1 and player2 alternatively place their chesses until one player has 4 in a row or the board is entirely filled with pieces. </a:t>
-            </a:r>
-            <a:endParaRPr lang="en-US" dirty="0"/>
-          </a:p>
-        </p:txBody>
-      </p:sp>
+              <a:rPr lang="en-US" sz="1800" dirty="0" smtClean="0"/>
+              <a:t>Game Object</a:t>
+            </a:r>
+          </a:p>
+          <a:p>
+            <a:pPr marL="285750" indent="-285750" algn="l">
+              <a:buFont typeface="Arial"/>
+              <a:buChar char="•"/>
+            </a:pPr>
+            <a:r>
+              <a:rPr lang="en-US" sz="1800" dirty="0" smtClean="0"/>
+              <a:t>get </a:t>
+            </a:r>
+            <a:r>
+              <a:rPr lang="en-US" sz="1800" dirty="0" smtClean="0"/>
+              <a:t>four in a </a:t>
+            </a:r>
+            <a:r>
+              <a:rPr lang="en-US" sz="1800" dirty="0" smtClean="0"/>
+              <a:t>row.</a:t>
+            </a:r>
+          </a:p>
+          <a:p>
+            <a:pPr marL="285750" indent="-285750" algn="l">
+              <a:buFont typeface="Arial"/>
+              <a:buChar char="•"/>
+            </a:pPr>
+            <a:r>
+              <a:rPr lang="en-US" sz="1800" dirty="0" smtClean="0"/>
+              <a:t>player1 </a:t>
+            </a:r>
+            <a:r>
+              <a:rPr lang="en-US" sz="1800" dirty="0" smtClean="0"/>
+              <a:t>and player2 alternatively place their chesses until one player has 4 in a row or the board is entirely filled with pieces. </a:t>
+            </a:r>
+            <a:endParaRPr lang="en-US" sz="1800" dirty="0" smtClean="0"/>
+          </a:p>
+          <a:p>
+            <a:pPr algn="l"/>
+            <a:r>
+              <a:rPr lang="en-US" sz="1800" dirty="0" smtClean="0"/>
+              <a:t>Available Choices</a:t>
+            </a:r>
+          </a:p>
+          <a:p>
+            <a:pPr marL="285750" indent="-285750" algn="l">
+              <a:buFont typeface="Arial"/>
+              <a:buChar char="•"/>
+            </a:pPr>
+            <a:r>
+              <a:rPr lang="en-US" sz="1800" dirty="0" smtClean="0"/>
+              <a:t>Player </a:t>
+            </a:r>
+            <a:r>
+              <a:rPr lang="en-US" sz="1800" dirty="0" err="1" smtClean="0"/>
+              <a:t>v.s</a:t>
+            </a:r>
+            <a:r>
+              <a:rPr lang="en-US" sz="1800" dirty="0" smtClean="0"/>
+              <a:t>. Player</a:t>
+            </a:r>
+          </a:p>
+          <a:p>
+            <a:pPr marL="285750" indent="-285750" algn="l">
+              <a:buFont typeface="Arial"/>
+              <a:buChar char="•"/>
+            </a:pPr>
+            <a:r>
+              <a:rPr lang="en-US" sz="1800" dirty="0" smtClean="0"/>
+              <a:t>Player </a:t>
+            </a:r>
+            <a:r>
+              <a:rPr lang="en-US" sz="1800" dirty="0" err="1" smtClean="0"/>
+              <a:t>v.s</a:t>
+            </a:r>
+            <a:r>
+              <a:rPr lang="en-US" sz="1800" dirty="0" smtClean="0"/>
+              <a:t>. Computer</a:t>
+            </a:r>
+          </a:p>
+          <a:p>
+            <a:pPr marL="285750" indent="-285750" algn="l">
+              <a:buFont typeface="Arial"/>
+              <a:buChar char="•"/>
+            </a:pPr>
+            <a:r>
+              <a:rPr lang="en-US" sz="1800" dirty="0" smtClean="0"/>
+              <a:t>Computer </a:t>
+            </a:r>
+            <a:r>
+              <a:rPr lang="en-US" sz="1800" dirty="0" err="1" smtClean="0"/>
+              <a:t>v.s</a:t>
+            </a:r>
+            <a:r>
+              <a:rPr lang="en-US" sz="1800" dirty="0" smtClean="0"/>
+              <a:t>. Computer</a:t>
+            </a:r>
+          </a:p>
+          <a:p>
+            <a:pPr algn="l"/>
+            <a:endParaRPr lang="en-US" sz="1800" dirty="0"/>
+          </a:p>
+        </p:txBody>
+      </p:sp>
+      <p:pic>
+        <p:nvPicPr>
+          <p:cNvPr id="4" name="Picture 3"/>
+          <p:cNvPicPr>
+            <a:picLocks noChangeAspect="1"/>
+          </p:cNvPicPr>
+          <p:nvPr/>
+        </p:nvPicPr>
+        <p:blipFill>
+          <a:blip r:embed="rId2"/>
+          <a:stretch>
+            <a:fillRect/>
+          </a:stretch>
+        </p:blipFill>
+        <p:spPr>
+          <a:xfrm>
+            <a:off x="152400" y="4876800"/>
+            <a:ext cx="8851900" cy="1409700"/>
+          </a:xfrm>
+          <a:prstGeom prst="rect">
+            <a:avLst/>
+          </a:prstGeom>
+        </p:spPr>
+      </p:pic>
     </p:spTree>
     <p:extLst>
       <p:ext uri="{BB962C8B-B14F-4D97-AF65-F5344CB8AC3E}">
@@ -7732,14 +8011,34 @@
           <a:lstStyle/>
           <a:p>
             <a:pPr algn="l"/>
-            <a:r>
-              <a:rPr lang="en-US" dirty="0" smtClean="0"/>
-              <a:t>a</a:t>
-            </a:r>
             <a:endParaRPr lang="en-US" dirty="0"/>
           </a:p>
         </p:txBody>
       </p:sp>
+      <p:pic>
+        <p:nvPicPr>
+          <p:cNvPr id="8" name="Picture 7"/>
+          <p:cNvPicPr>
+            <a:picLocks noChangeAspect="1"/>
+          </p:cNvPicPr>
+          <p:nvPr/>
+        </p:nvPicPr>
+        <p:blipFill>
+          <a:blip r:embed="rId2"/>
+          <a:stretch>
+            <a:fillRect/>
+          </a:stretch>
+        </p:blipFill>
+        <p:spPr>
+          <a:xfrm>
+            <a:off x="101600" y="1612900"/>
+            <a:ext cx="8890000" cy="4711700"/>
+          </a:xfrm>
+          <a:prstGeom prst="rect">
+            <a:avLst/>
+          </a:prstGeom>
+        </p:spPr>
+      </p:pic>
     </p:spTree>
     <p:extLst>
       <p:ext uri="{BB962C8B-B14F-4D97-AF65-F5344CB8AC3E}">
@@ -10096,15 +10395,7 @@
             <a:pPr algn="l"/>
             <a:r>
               <a:rPr lang="en-US" sz="2000" dirty="0" smtClean="0"/>
-              <a:t>By </a:t>
-            </a:r>
-            <a:r>
-              <a:rPr lang="en-US" sz="2000" dirty="0" smtClean="0"/>
-              <a:t>reducing branching factor, we are able to speed up algorithm. This gives it more time to evaluate better branches to a larger </a:t>
-            </a:r>
-            <a:r>
-              <a:rPr lang="en-US" sz="2000" dirty="0" smtClean="0"/>
-              <a:t>depth</a:t>
+              <a:t>By reducing branching factor, we are able to speed up algorithm. This gives it more time to evaluate better branches to a larger depth</a:t>
             </a:r>
           </a:p>
           <a:p>

--- a/Presentation.pptx
+++ b/Presentation.pptx
@@ -123,7 +123,7 @@
   </p:defaultTextStyle>
   <p:extLst>
     <p:ext uri="{EFAFB233-063F-42B5-8137-9DF3F51BA10A}">
-      <p15:sldGuideLst xmlns:p15="http://schemas.microsoft.com/office/powerpoint/2012/main" xmlns="">
+      <p15:sldGuideLst xmlns="" xmlns:p15="http://schemas.microsoft.com/office/powerpoint/2012/main">
         <p15:guide id="1" orient="horz" pos="2160">
           <p15:clr>
             <a:srgbClr val="A4A3A4"/>
@@ -222,7 +222,7 @@
           <a:p>
             <a:fld id="{69362AA2-37EB-4E21-AC2F-62B033F84D19}" type="datetimeFigureOut">
               <a:rPr lang="en-US" smtClean="0"/>
-              <a:t>12/3/15</a:t>
+              <a:t>12/3/2015</a:t>
             </a:fld>
             <a:endParaRPr lang="en-US" dirty="0"/>
           </a:p>
@@ -1201,13 +1201,8 @@
           <a:p>
             <a:r>
               <a:rPr lang="en-US" baseline="0" dirty="0" smtClean="0"/>
-              <a:t>We didn’t want to go deep into all possible 64 tiles. This will take too long when </a:t>
-            </a:r>
-            <a:r>
-              <a:rPr lang="en-US" baseline="0" smtClean="0"/>
-              <a:t>depth is huge</a:t>
-            </a:r>
-            <a:endParaRPr lang="en-US" baseline="0" dirty="0" smtClean="0"/>
+              <a:t>We didn’t want to go deep into all possible 64 tiles. This will take too long when depth is huge</a:t>
+            </a:r>
           </a:p>
           <a:p>
             <a:endParaRPr lang="en-US" baseline="0" dirty="0" smtClean="0"/>
@@ -1238,7 +1233,15 @@
           <a:p>
             <a:r>
               <a:rPr lang="en-US" baseline="0" dirty="0" smtClean="0"/>
-              <a:t>However even this wasn’t good enough. Later in the game, there would be even more tiles on the board and more tiles are eligible to distance 4 away from </a:t>
+              <a:t>However </a:t>
+            </a:r>
+            <a:r>
+              <a:rPr lang="en-US" baseline="0" dirty="0" smtClean="0"/>
+              <a:t>Later </a:t>
+            </a:r>
+            <a:r>
+              <a:rPr lang="en-US" baseline="0" dirty="0" smtClean="0"/>
+              <a:t>in the game, there would be even more tiles on the board and more tiles are eligible to distance 4 away from </a:t>
             </a:r>
             <a:r>
               <a:rPr lang="en-US" baseline="0" dirty="0" err="1" smtClean="0"/>
@@ -1248,15 +1251,11 @@
               <a:rPr lang="en-US" baseline="0" dirty="0" smtClean="0"/>
               <a:t> tiles. </a:t>
             </a:r>
-          </a:p>
-          <a:p>
+            <a:r>
+              <a:rPr lang="en-US" baseline="0" dirty="0" smtClean="0"/>
+              <a:t>So branching will eventually approach 64, the size of the board.</a:t>
+            </a:r>
             <a:endParaRPr lang="en-US" baseline="0" dirty="0" smtClean="0"/>
-          </a:p>
-          <a:p>
-            <a:r>
-              <a:rPr lang="en-US" baseline="0" dirty="0" smtClean="0"/>
-              <a:t>The threshold will grow with time and reduce branching factor.</a:t>
-            </a:r>
           </a:p>
         </p:txBody>
       </p:sp>
@@ -1838,7 +1837,7 @@
           <a:p>
             <a:fld id="{5A66AF80-B104-49B0-AE6F-8E381139FF3B}" type="datetimeFigureOut">
               <a:rPr lang="en-US" smtClean="0"/>
-              <a:t>12/3/15</a:t>
+              <a:t>12/3/2015</a:t>
             </a:fld>
             <a:endParaRPr lang="en-US" dirty="0"/>
           </a:p>
@@ -2008,7 +2007,7 @@
           <a:p>
             <a:fld id="{5A66AF80-B104-49B0-AE6F-8E381139FF3B}" type="datetimeFigureOut">
               <a:rPr lang="en-US" smtClean="0"/>
-              <a:t>12/3/15</a:t>
+              <a:t>12/3/2015</a:t>
             </a:fld>
             <a:endParaRPr lang="en-US" dirty="0"/>
           </a:p>
@@ -2188,7 +2187,7 @@
           <a:p>
             <a:fld id="{5A66AF80-B104-49B0-AE6F-8E381139FF3B}" type="datetimeFigureOut">
               <a:rPr lang="en-US" smtClean="0"/>
-              <a:t>12/3/15</a:t>
+              <a:t>12/3/2015</a:t>
             </a:fld>
             <a:endParaRPr lang="en-US" dirty="0"/>
           </a:p>
@@ -2358,7 +2357,7 @@
           <a:p>
             <a:fld id="{5A66AF80-B104-49B0-AE6F-8E381139FF3B}" type="datetimeFigureOut">
               <a:rPr lang="en-US" smtClean="0"/>
-              <a:t>12/3/15</a:t>
+              <a:t>12/3/2015</a:t>
             </a:fld>
             <a:endParaRPr lang="en-US" dirty="0"/>
           </a:p>
@@ -2604,7 +2603,7 @@
           <a:p>
             <a:fld id="{5A66AF80-B104-49B0-AE6F-8E381139FF3B}" type="datetimeFigureOut">
               <a:rPr lang="en-US" smtClean="0"/>
-              <a:t>12/3/15</a:t>
+              <a:t>12/3/2015</a:t>
             </a:fld>
             <a:endParaRPr lang="en-US" dirty="0"/>
           </a:p>
@@ -2892,7 +2891,7 @@
           <a:p>
             <a:fld id="{5A66AF80-B104-49B0-AE6F-8E381139FF3B}" type="datetimeFigureOut">
               <a:rPr lang="en-US" smtClean="0"/>
-              <a:t>12/3/15</a:t>
+              <a:t>12/3/2015</a:t>
             </a:fld>
             <a:endParaRPr lang="en-US" dirty="0"/>
           </a:p>
@@ -3314,7 +3313,7 @@
           <a:p>
             <a:fld id="{5A66AF80-B104-49B0-AE6F-8E381139FF3B}" type="datetimeFigureOut">
               <a:rPr lang="en-US" smtClean="0"/>
-              <a:t>12/3/15</a:t>
+              <a:t>12/3/2015</a:t>
             </a:fld>
             <a:endParaRPr lang="en-US" dirty="0"/>
           </a:p>
@@ -3432,7 +3431,7 @@
           <a:p>
             <a:fld id="{5A66AF80-B104-49B0-AE6F-8E381139FF3B}" type="datetimeFigureOut">
               <a:rPr lang="en-US" smtClean="0"/>
-              <a:t>12/3/15</a:t>
+              <a:t>12/3/2015</a:t>
             </a:fld>
             <a:endParaRPr lang="en-US" dirty="0"/>
           </a:p>
@@ -3527,7 +3526,7 @@
           <a:p>
             <a:fld id="{5A66AF80-B104-49B0-AE6F-8E381139FF3B}" type="datetimeFigureOut">
               <a:rPr lang="en-US" smtClean="0"/>
-              <a:t>12/3/15</a:t>
+              <a:t>12/3/2015</a:t>
             </a:fld>
             <a:endParaRPr lang="en-US" dirty="0"/>
           </a:p>
@@ -3804,7 +3803,7 @@
           <a:p>
             <a:fld id="{5A66AF80-B104-49B0-AE6F-8E381139FF3B}" type="datetimeFigureOut">
               <a:rPr lang="en-US" smtClean="0"/>
-              <a:t>12/3/15</a:t>
+              <a:t>12/3/2015</a:t>
             </a:fld>
             <a:endParaRPr lang="en-US" dirty="0"/>
           </a:p>
@@ -4057,7 +4056,7 @@
           <a:p>
             <a:fld id="{5A66AF80-B104-49B0-AE6F-8E381139FF3B}" type="datetimeFigureOut">
               <a:rPr lang="en-US" smtClean="0"/>
-              <a:t>12/3/15</a:t>
+              <a:t>12/3/2015</a:t>
             </a:fld>
             <a:endParaRPr lang="en-US" dirty="0"/>
           </a:p>
@@ -4270,7 +4269,7 @@
           <a:p>
             <a:fld id="{5A66AF80-B104-49B0-AE6F-8E381139FF3B}" type="datetimeFigureOut">
               <a:rPr lang="en-US" smtClean="0"/>
-              <a:t>12/3/15</a:t>
+              <a:t>12/3/2015</a:t>
             </a:fld>
             <a:endParaRPr lang="en-US" dirty="0"/>
           </a:p>
@@ -6972,13 +6971,8 @@
             </a:pPr>
             <a:r>
               <a:rPr lang="en-US" sz="2000" dirty="0" smtClean="0"/>
-              <a:t>Speeds up of reducing branch size allowed more depth within reasonable </a:t>
-            </a:r>
-            <a:r>
-              <a:rPr lang="en-US" sz="2000" dirty="0" smtClean="0"/>
-              <a:t>time</a:t>
-            </a:r>
-            <a:endParaRPr lang="en-US" sz="2000" dirty="0" smtClean="0"/>
+              <a:t>Speeds up of reducing branch size allowed more depth within reasonable time</a:t>
+            </a:r>
           </a:p>
         </p:txBody>
       </p:sp>
@@ -7616,15 +7610,7 @@
             </a:pPr>
             <a:r>
               <a:rPr lang="en-US" sz="1800" dirty="0" smtClean="0"/>
-              <a:t>get </a:t>
-            </a:r>
-            <a:r>
-              <a:rPr lang="en-US" sz="1800" dirty="0" smtClean="0"/>
-              <a:t>four in a </a:t>
-            </a:r>
-            <a:r>
-              <a:rPr lang="en-US" sz="1800" dirty="0" smtClean="0"/>
-              <a:t>row.</a:t>
+              <a:t>get four in a row.</a:t>
             </a:r>
           </a:p>
           <a:p>
@@ -7634,13 +7620,8 @@
             </a:pPr>
             <a:r>
               <a:rPr lang="en-US" sz="1800" dirty="0" smtClean="0"/>
-              <a:t>player1 </a:t>
-            </a:r>
-            <a:r>
-              <a:rPr lang="en-US" sz="1800" dirty="0" smtClean="0"/>
-              <a:t>and player2 alternatively place their chesses until one player has 4 in a row or the board is entirely filled with pieces. </a:t>
-            </a:r>
-            <a:endParaRPr lang="en-US" sz="1800" dirty="0" smtClean="0"/>
+              <a:t>player1 and player2 alternatively place their chesses until one player has 4 in a row or the board is entirely filled with pieces. </a:t>
+            </a:r>
           </a:p>
           <a:p>
             <a:pPr algn="l"/>

--- a/Presentation.pptx
+++ b/Presentation.pptx
@@ -123,7 +123,7 @@
   </p:defaultTextStyle>
   <p:extLst>
     <p:ext uri="{EFAFB233-063F-42B5-8137-9DF3F51BA10A}">
-      <p15:sldGuideLst xmlns="" xmlns:p15="http://schemas.microsoft.com/office/powerpoint/2012/main">
+      <p15:sldGuideLst xmlns:p15="http://schemas.microsoft.com/office/powerpoint/2012/main" xmlns="">
         <p15:guide id="1" orient="horz" pos="2160">
           <p15:clr>
             <a:srgbClr val="A4A3A4"/>
@@ -222,7 +222,7 @@
           <a:p>
             <a:fld id="{69362AA2-37EB-4E21-AC2F-62B033F84D19}" type="datetimeFigureOut">
               <a:rPr lang="en-US" smtClean="0"/>
-              <a:t>12/3/2015</a:t>
+              <a:t>12/3/15</a:t>
             </a:fld>
             <a:endParaRPr lang="en-US" dirty="0"/>
           </a:p>
@@ -1233,15 +1233,7 @@
           <a:p>
             <a:r>
               <a:rPr lang="en-US" baseline="0" dirty="0" smtClean="0"/>
-              <a:t>However </a:t>
-            </a:r>
-            <a:r>
-              <a:rPr lang="en-US" baseline="0" dirty="0" smtClean="0"/>
-              <a:t>Later </a:t>
-            </a:r>
-            <a:r>
-              <a:rPr lang="en-US" baseline="0" dirty="0" smtClean="0"/>
-              <a:t>in the game, there would be even more tiles on the board and more tiles are eligible to distance 4 away from </a:t>
+              <a:t>However Later in the game, there would be even more tiles on the board and more tiles are eligible to distance 4 away from </a:t>
             </a:r>
             <a:r>
               <a:rPr lang="en-US" baseline="0" dirty="0" err="1" smtClean="0"/>
@@ -1249,13 +1241,8 @@
             </a:r>
             <a:r>
               <a:rPr lang="en-US" baseline="0" dirty="0" smtClean="0"/>
-              <a:t> tiles. </a:t>
-            </a:r>
-            <a:r>
-              <a:rPr lang="en-US" baseline="0" dirty="0" smtClean="0"/>
-              <a:t>So branching will eventually approach 64, the size of the board.</a:t>
-            </a:r>
-            <a:endParaRPr lang="en-US" baseline="0" dirty="0" smtClean="0"/>
+              <a:t> tiles. So branching will eventually approach 64, the size of the board.</a:t>
+            </a:r>
           </a:p>
         </p:txBody>
       </p:sp>
@@ -1837,7 +1824,7 @@
           <a:p>
             <a:fld id="{5A66AF80-B104-49B0-AE6F-8E381139FF3B}" type="datetimeFigureOut">
               <a:rPr lang="en-US" smtClean="0"/>
-              <a:t>12/3/2015</a:t>
+              <a:t>12/3/15</a:t>
             </a:fld>
             <a:endParaRPr lang="en-US" dirty="0"/>
           </a:p>
@@ -2007,7 +1994,7 @@
           <a:p>
             <a:fld id="{5A66AF80-B104-49B0-AE6F-8E381139FF3B}" type="datetimeFigureOut">
               <a:rPr lang="en-US" smtClean="0"/>
-              <a:t>12/3/2015</a:t>
+              <a:t>12/3/15</a:t>
             </a:fld>
             <a:endParaRPr lang="en-US" dirty="0"/>
           </a:p>
@@ -2187,7 +2174,7 @@
           <a:p>
             <a:fld id="{5A66AF80-B104-49B0-AE6F-8E381139FF3B}" type="datetimeFigureOut">
               <a:rPr lang="en-US" smtClean="0"/>
-              <a:t>12/3/2015</a:t>
+              <a:t>12/3/15</a:t>
             </a:fld>
             <a:endParaRPr lang="en-US" dirty="0"/>
           </a:p>
@@ -2357,7 +2344,7 @@
           <a:p>
             <a:fld id="{5A66AF80-B104-49B0-AE6F-8E381139FF3B}" type="datetimeFigureOut">
               <a:rPr lang="en-US" smtClean="0"/>
-              <a:t>12/3/2015</a:t>
+              <a:t>12/3/15</a:t>
             </a:fld>
             <a:endParaRPr lang="en-US" dirty="0"/>
           </a:p>
@@ -2603,7 +2590,7 @@
           <a:p>
             <a:fld id="{5A66AF80-B104-49B0-AE6F-8E381139FF3B}" type="datetimeFigureOut">
               <a:rPr lang="en-US" smtClean="0"/>
-              <a:t>12/3/2015</a:t>
+              <a:t>12/3/15</a:t>
             </a:fld>
             <a:endParaRPr lang="en-US" dirty="0"/>
           </a:p>
@@ -2891,7 +2878,7 @@
           <a:p>
             <a:fld id="{5A66AF80-B104-49B0-AE6F-8E381139FF3B}" type="datetimeFigureOut">
               <a:rPr lang="en-US" smtClean="0"/>
-              <a:t>12/3/2015</a:t>
+              <a:t>12/3/15</a:t>
             </a:fld>
             <a:endParaRPr lang="en-US" dirty="0"/>
           </a:p>
@@ -3313,7 +3300,7 @@
           <a:p>
             <a:fld id="{5A66AF80-B104-49B0-AE6F-8E381139FF3B}" type="datetimeFigureOut">
               <a:rPr lang="en-US" smtClean="0"/>
-              <a:t>12/3/2015</a:t>
+              <a:t>12/3/15</a:t>
             </a:fld>
             <a:endParaRPr lang="en-US" dirty="0"/>
           </a:p>
@@ -3431,7 +3418,7 @@
           <a:p>
             <a:fld id="{5A66AF80-B104-49B0-AE6F-8E381139FF3B}" type="datetimeFigureOut">
               <a:rPr lang="en-US" smtClean="0"/>
-              <a:t>12/3/2015</a:t>
+              <a:t>12/3/15</a:t>
             </a:fld>
             <a:endParaRPr lang="en-US" dirty="0"/>
           </a:p>
@@ -3526,7 +3513,7 @@
           <a:p>
             <a:fld id="{5A66AF80-B104-49B0-AE6F-8E381139FF3B}" type="datetimeFigureOut">
               <a:rPr lang="en-US" smtClean="0"/>
-              <a:t>12/3/2015</a:t>
+              <a:t>12/3/15</a:t>
             </a:fld>
             <a:endParaRPr lang="en-US" dirty="0"/>
           </a:p>
@@ -3803,7 +3790,7 @@
           <a:p>
             <a:fld id="{5A66AF80-B104-49B0-AE6F-8E381139FF3B}" type="datetimeFigureOut">
               <a:rPr lang="en-US" smtClean="0"/>
-              <a:t>12/3/2015</a:t>
+              <a:t>12/3/15</a:t>
             </a:fld>
             <a:endParaRPr lang="en-US" dirty="0"/>
           </a:p>
@@ -4056,7 +4043,7 @@
           <a:p>
             <a:fld id="{5A66AF80-B104-49B0-AE6F-8E381139FF3B}" type="datetimeFigureOut">
               <a:rPr lang="en-US" smtClean="0"/>
-              <a:t>12/3/2015</a:t>
+              <a:t>12/3/15</a:t>
             </a:fld>
             <a:endParaRPr lang="en-US" dirty="0"/>
           </a:p>
@@ -4269,7 +4256,7 @@
           <a:p>
             <a:fld id="{5A66AF80-B104-49B0-AE6F-8E381139FF3B}" type="datetimeFigureOut">
               <a:rPr lang="en-US" smtClean="0"/>
-              <a:t>12/3/2015</a:t>
+              <a:t>12/3/15</a:t>
             </a:fld>
             <a:endParaRPr lang="en-US" dirty="0"/>
           </a:p>
@@ -6884,7 +6871,7 @@
       </p:sp>
       <p:pic>
         <p:nvPicPr>
-          <p:cNvPr id="4" name="Picture 3"/>
+          <p:cNvPr id="6" name="Picture 5"/>
           <p:cNvPicPr>
             <a:picLocks noChangeAspect="1"/>
           </p:cNvPicPr>
@@ -6898,8 +6885,8 @@
         </p:blipFill>
         <p:spPr>
           <a:xfrm>
-            <a:off x="4184119" y="1524000"/>
-            <a:ext cx="4978400" cy="3683570"/>
+            <a:off x="4343400" y="1524000"/>
+            <a:ext cx="5105400" cy="3829050"/>
           </a:xfrm>
           <a:prstGeom prst="rect">
             <a:avLst/>
